--- a/FiveStarts_app.pptx
+++ b/FiveStarts_app.pptx
@@ -141,7 +141,7 @@
               <a:rPr b="0" lang="en-US" sz="1400" spc="-1" strike="noStrike">
                 <a:latin typeface="Times New Roman"/>
               </a:rPr>
-              <a:t>&lt;header&gt;</a:t>
+              <a:t> </a:t>
             </a:r>
             <a:endParaRPr b="0" lang="en-US" sz="1400" spc="-1" strike="noStrike">
               <a:latin typeface="Times New Roman"/>
@@ -176,7 +176,7 @@
               <a:rPr b="0" lang="en-US" sz="1400" spc="-1" strike="noStrike">
                 <a:latin typeface="Times New Roman"/>
               </a:rPr>
-              <a:t>&lt;date/time&gt;</a:t>
+              <a:t> </a:t>
             </a:r>
             <a:endParaRPr b="0" lang="en-US" sz="1400" spc="-1" strike="noStrike">
               <a:latin typeface="Times New Roman"/>
@@ -210,7 +210,7 @@
               <a:rPr b="0" lang="en-US" sz="1400" spc="-1" strike="noStrike">
                 <a:latin typeface="Times New Roman"/>
               </a:rPr>
-              <a:t>&lt;footer&gt;</a:t>
+              <a:t> </a:t>
             </a:r>
             <a:endParaRPr b="0" lang="en-US" sz="1400" spc="-1" strike="noStrike">
               <a:latin typeface="Times New Roman"/>
@@ -241,11 +241,11 @@
           <a:bodyPr lIns="0" rIns="0" tIns="0" bIns="0" anchor="b"/>
           <a:p>
             <a:pPr algn="r"/>
-            <a:fld id="{F6A862F0-CFEE-4402-9FA9-D0F46AB8E3A7}" type="slidenum">
+            <a:fld id="{11F53EF4-6FC4-42C7-ADF5-E3928C17FCE6}" type="slidenum">
               <a:rPr b="0" lang="en-US" sz="1400" spc="-1" strike="noStrike">
                 <a:latin typeface="Times New Roman"/>
               </a:rPr>
-              <a:t>&lt;number&gt;</a:t>
+              <a:t>1</a:t>
             </a:fld>
             <a:endParaRPr b="0" lang="en-US" sz="1400" spc="-1" strike="noStrike">
               <a:latin typeface="Times New Roman"/>
@@ -482,7 +482,7 @@
                 <a:spcPct val="100000"/>
               </a:lnSpc>
             </a:pPr>
-            <a:fld id="{CB05695E-F27C-4900-9E66-F7A1753FF3C6}" type="slidenum">
+            <a:fld id="{BD8FA456-A4D5-4A83-BD63-0CED4FEDC77A}" type="slidenum">
               <a:rPr b="0" lang="en-US" sz="1200" spc="-1" strike="noStrike">
                 <a:solidFill>
                   <a:srgbClr val="000000"/>
@@ -490,7 +490,7 @@
                 <a:latin typeface="+mn-lt"/>
                 <a:ea typeface="+mn-ea"/>
               </a:rPr>
-              <a:t>&lt;number&gt;</a:t>
+              <a:t>1</a:t>
             </a:fld>
             <a:endParaRPr b="0" lang="en-US" sz="1200" spc="-1" strike="noStrike">
               <a:latin typeface="Times New Roman"/>
@@ -595,7 +595,7 @@
                 <a:spcPct val="100000"/>
               </a:lnSpc>
             </a:pPr>
-            <a:fld id="{18AC9847-CF47-4973-AE09-4BA4CA223ABC}" type="slidenum">
+            <a:fld id="{161AC9EA-02DE-4110-9EB3-4C7135206D07}" type="slidenum">
               <a:rPr b="0" lang="en-US" sz="1200" spc="-1" strike="noStrike">
                 <a:solidFill>
                   <a:srgbClr val="000000"/>
@@ -708,7 +708,7 @@
                 <a:spcPct val="100000"/>
               </a:lnSpc>
             </a:pPr>
-            <a:fld id="{D37C6F86-1B32-42A0-8054-CC263996A18B}" type="slidenum">
+            <a:fld id="{752261AE-65EC-46EF-802F-79E0560BD406}" type="slidenum">
               <a:rPr b="0" lang="en-US" sz="1200" spc="-1" strike="noStrike">
                 <a:solidFill>
                   <a:srgbClr val="000000"/>
@@ -716,7 +716,7 @@
                 <a:latin typeface="+mn-lt"/>
                 <a:ea typeface="+mn-ea"/>
               </a:rPr>
-              <a:t>&lt;number&gt;</a:t>
+              <a:t>1</a:t>
             </a:fld>
             <a:endParaRPr b="0" lang="en-US" sz="1200" spc="-1" strike="noStrike">
               <a:latin typeface="Times New Roman"/>
@@ -821,7 +821,7 @@
                 <a:spcPct val="100000"/>
               </a:lnSpc>
             </a:pPr>
-            <a:fld id="{F8890C44-924C-41DF-A2D5-70463F5A9C56}" type="slidenum">
+            <a:fld id="{0914FB90-A419-45FE-8D04-A30BC5815E66}" type="slidenum">
               <a:rPr b="0" lang="en-US" sz="1200" spc="-1" strike="noStrike">
                 <a:solidFill>
                   <a:srgbClr val="000000"/>
@@ -829,7 +829,7 @@
                 <a:latin typeface="+mn-lt"/>
                 <a:ea typeface="+mn-ea"/>
               </a:rPr>
-              <a:t>&lt;number&gt;</a:t>
+              <a:t>1</a:t>
             </a:fld>
             <a:endParaRPr b="0" lang="en-US" sz="1200" spc="-1" strike="noStrike">
               <a:latin typeface="Times New Roman"/>
@@ -934,7 +934,7 @@
                 <a:spcPct val="100000"/>
               </a:lnSpc>
             </a:pPr>
-            <a:fld id="{A7F01B97-BE80-49CE-ABC4-346F8EE1DF8D}" type="slidenum">
+            <a:fld id="{16B8128F-D449-436F-95D1-4095AA19D192}" type="slidenum">
               <a:rPr b="0" lang="en-US" sz="1200" spc="-1" strike="noStrike">
                 <a:solidFill>
                   <a:srgbClr val="000000"/>
@@ -942,7 +942,7 @@
                 <a:latin typeface="+mn-lt"/>
                 <a:ea typeface="+mn-ea"/>
               </a:rPr>
-              <a:t>&lt;number&gt;</a:t>
+              <a:t>1</a:t>
             </a:fld>
             <a:endParaRPr b="0" lang="en-US" sz="1200" spc="-1" strike="noStrike">
               <a:latin typeface="Times New Roman"/>
@@ -1047,7 +1047,7 @@
                 <a:spcPct val="100000"/>
               </a:lnSpc>
             </a:pPr>
-            <a:fld id="{D9061743-957F-42A7-87B4-79C90B2FA8A9}" type="slidenum">
+            <a:fld id="{D561163A-224B-4125-9CF6-186A2D6C3F9F}" type="slidenum">
               <a:rPr b="0" lang="en-US" sz="1200" spc="-1" strike="noStrike">
                 <a:solidFill>
                   <a:srgbClr val="000000"/>
@@ -1055,7 +1055,7 @@
                 <a:latin typeface="+mn-lt"/>
                 <a:ea typeface="+mn-ea"/>
               </a:rPr>
-              <a:t>&lt;number&gt;</a:t>
+              <a:t>1</a:t>
             </a:fld>
             <a:endParaRPr b="0" lang="en-US" sz="1200" spc="-1" strike="noStrike">
               <a:latin typeface="Times New Roman"/>
@@ -1160,7 +1160,7 @@
                 <a:spcPct val="100000"/>
               </a:lnSpc>
             </a:pPr>
-            <a:fld id="{EFA115F3-A9B6-4CF7-A172-125F29BF6472}" type="slidenum">
+            <a:fld id="{2C05CFEF-AB0A-4F67-9E32-B11E8A2C017E}" type="slidenum">
               <a:rPr b="0" lang="en-US" sz="1200" spc="-1" strike="noStrike">
                 <a:solidFill>
                   <a:srgbClr val="000000"/>
@@ -1168,7 +1168,7 @@
                 <a:latin typeface="+mn-lt"/>
                 <a:ea typeface="+mn-ea"/>
               </a:rPr>
-              <a:t>&lt;number&gt;</a:t>
+              <a:t>1</a:t>
             </a:fld>
             <a:endParaRPr b="0" lang="en-US" sz="1200" spc="-1" strike="noStrike">
               <a:latin typeface="Times New Roman"/>
@@ -1273,7 +1273,7 @@
                 <a:spcPct val="100000"/>
               </a:lnSpc>
             </a:pPr>
-            <a:fld id="{8D29F590-C678-4B0D-B77B-5E62E3BB0434}" type="slidenum">
+            <a:fld id="{77907922-BED6-4E26-B22B-31D148893BA5}" type="slidenum">
               <a:rPr b="0" lang="en-US" sz="1200" spc="-1" strike="noStrike">
                 <a:solidFill>
                   <a:srgbClr val="000000"/>
@@ -1281,7 +1281,7 @@
                 <a:latin typeface="+mn-lt"/>
                 <a:ea typeface="+mn-ea"/>
               </a:rPr>
-              <a:t>&lt;number&gt;</a:t>
+              <a:t>1</a:t>
             </a:fld>
             <a:endParaRPr b="0" lang="en-US" sz="1200" spc="-1" strike="noStrike">
               <a:latin typeface="Times New Roman"/>
@@ -1386,7 +1386,7 @@
                 <a:spcPct val="100000"/>
               </a:lnSpc>
             </a:pPr>
-            <a:fld id="{DFF3A810-9097-4609-BF9F-B39F6C396A39}" type="slidenum">
+            <a:fld id="{16D94C51-1542-41E7-964C-E8F13665B2BC}" type="slidenum">
               <a:rPr b="0" lang="en-US" sz="1200" spc="-1" strike="noStrike">
                 <a:solidFill>
                   <a:srgbClr val="000000"/>
@@ -1394,7 +1394,7 @@
                 <a:latin typeface="+mn-lt"/>
                 <a:ea typeface="+mn-ea"/>
               </a:rPr>
-              <a:t>&lt;number&gt;</a:t>
+              <a:t>1</a:t>
             </a:fld>
             <a:endParaRPr b="0" lang="en-US" sz="1200" spc="-1" strike="noStrike">
               <a:latin typeface="Times New Roman"/>
@@ -1499,7 +1499,7 @@
                 <a:spcPct val="100000"/>
               </a:lnSpc>
             </a:pPr>
-            <a:fld id="{98422184-553C-4EB8-BDC2-8F4B3FA823EB}" type="slidenum">
+            <a:fld id="{82D5359E-0900-4381-830F-5EBD956AAAAF}" type="slidenum">
               <a:rPr b="0" lang="en-US" sz="1200" spc="-1" strike="noStrike">
                 <a:solidFill>
                   <a:srgbClr val="000000"/>
@@ -1507,7 +1507,7 @@
                 <a:latin typeface="+mn-lt"/>
                 <a:ea typeface="+mn-ea"/>
               </a:rPr>
-              <a:t>&lt;number&gt;</a:t>
+              <a:t>1</a:t>
             </a:fld>
             <a:endParaRPr b="0" lang="en-US" sz="1200" spc="-1" strike="noStrike">
               <a:latin typeface="Times New Roman"/>
@@ -3040,7 +3040,7 @@
                 <a:spcPct val="100000"/>
               </a:lnSpc>
             </a:pPr>
-            <a:fld id="{1D3DD735-4FD5-47C1-804B-851D8B9ED6D8}" type="datetime">
+            <a:fld id="{0A563597-352F-414D-BE98-F609F34668EB}" type="datetime">
               <a:rPr b="0" lang="en-US" sz="1200" spc="-1" strike="noStrike">
                 <a:solidFill>
                   <a:srgbClr val="8b8b8b"/>
@@ -3110,7 +3110,7 @@
                 <a:spcPct val="100000"/>
               </a:lnSpc>
             </a:pPr>
-            <a:fld id="{DF60BD1B-B2D7-4CFE-9342-BA010DE2F6CF}" type="slidenum">
+            <a:fld id="{68F4144B-C3E7-4E73-BCFA-F79287D5E682}" type="slidenum">
               <a:rPr b="0" lang="en-US" sz="1200" spc="-1" strike="noStrike">
                 <a:solidFill>
                   <a:srgbClr val="8b8b8b"/>
@@ -5316,12 +5316,30 @@
               <a:rPr b="0" lang="en-US" sz="1800" spc="-1" strike="noStrike">
                 <a:latin typeface="Arial"/>
               </a:rPr>
-              <a:t>토픽</a:t>
+              <a:t>토픽은 주소</a:t>
             </a:r>
             <a:r>
               <a:rPr b="0" lang="en-US" sz="1800" spc="-1" strike="noStrike">
                 <a:latin typeface="Arial"/>
               </a:rPr>
+              <a:t>, </a:t>
+            </a:r>
+            <a:r>
+              <a:rPr b="0" lang="en-US" sz="1800" spc="-1" strike="noStrike">
+                <a:latin typeface="Arial"/>
+              </a:rPr>
+              <a:t>메세지는 </a:t>
+            </a:r>
+            <a:r>
+              <a:rPr b="0" lang="en-US" sz="1800" spc="-1" strike="noStrike">
+                <a:latin typeface="Arial"/>
+              </a:rPr>
+              <a:t>명령어 심볼</a:t>
+            </a:r>
+            <a:r>
+              <a:rPr b="0" lang="en-US" sz="1800" spc="-1" strike="noStrike">
+                <a:latin typeface="Arial"/>
+              </a:rPr>
               <a:t>) </a:t>
             </a:r>
             <a:r>
@@ -5334,13 +5352,7 @@
               <a:rPr b="0" lang="en-US" sz="1800" spc="-1" strike="noStrike">
                 <a:latin typeface="Arial"/>
               </a:rPr>
-              <a:t>.. </a:t>
-            </a:r>
-            <a:r>
-              <a:rPr b="0" lang="en-US" sz="1800" spc="-1" strike="noStrike">
-                <a:latin typeface="Arial"/>
-              </a:rPr>
-              <a:t>? </a:t>
+              <a:t>.. ? </a:t>
             </a:r>
             <a:endParaRPr b="0" lang="en-US" sz="1800" spc="-1" strike="noStrike">
               <a:latin typeface="Arial"/>

--- a/FiveStarts_app.pptx
+++ b/FiveStarts_app.pptx
@@ -43,7 +43,7 @@
       </p:grpSpPr>
       <p:sp>
         <p:nvSpPr>
-          <p:cNvPr id="41" name="PlaceHolder 1"/>
+          <p:cNvPr id="38" name="PlaceHolder 1"/>
           <p:cNvSpPr>
             <a:spLocks noGrp="1"/>
           </p:cNvSpPr>
@@ -63,27 +63,22 @@
         <p:txBody>
           <a:bodyPr lIns="0" rIns="0" tIns="0" bIns="0" anchor="ctr"/>
           <a:p>
-            <a:r>
-              <a:rPr b="0" lang="ko-KR" sz="1800" spc="-1" strike="noStrike">
-                <a:solidFill>
-                  <a:srgbClr val="000000"/>
-                </a:solidFill>
-                <a:latin typeface="맑은 고딕"/>
+            <a:pPr algn="ctr"/>
+            <a:r>
+              <a:rPr b="0" lang="en-US" sz="4400" spc="-1" strike="noStrike">
+                <a:latin typeface="Arial"/>
               </a:rPr>
               <a:t>Click to move the slide</a:t>
             </a:r>
-            <a:endParaRPr b="0" lang="ko-KR" sz="1800" spc="-1" strike="noStrike">
-              <a:solidFill>
-                <a:srgbClr val="000000"/>
-              </a:solidFill>
-              <a:latin typeface="맑은 고딕"/>
-            </a:endParaRPr>
-          </a:p>
-        </p:txBody>
-      </p:sp>
-      <p:sp>
-        <p:nvSpPr>
-          <p:cNvPr id="42" name="PlaceHolder 2"/>
+            <a:endParaRPr b="0" lang="en-US" sz="4400" spc="-1" strike="noStrike">
+              <a:latin typeface="Arial"/>
+            </a:endParaRPr>
+          </a:p>
+        </p:txBody>
+      </p:sp>
+      <p:sp>
+        <p:nvSpPr>
+          <p:cNvPr id="39" name="PlaceHolder 2"/>
           <p:cNvSpPr>
             <a:spLocks noGrp="1"/>
           </p:cNvSpPr>
@@ -117,7 +112,7 @@
       </p:sp>
       <p:sp>
         <p:nvSpPr>
-          <p:cNvPr id="43" name="PlaceHolder 3"/>
+          <p:cNvPr id="40" name="PlaceHolder 3"/>
           <p:cNvSpPr>
             <a:spLocks noGrp="1"/>
           </p:cNvSpPr>
@@ -151,7 +146,7 @@
       </p:sp>
       <p:sp>
         <p:nvSpPr>
-          <p:cNvPr id="44" name="PlaceHolder 4"/>
+          <p:cNvPr id="41" name="PlaceHolder 4"/>
           <p:cNvSpPr>
             <a:spLocks noGrp="1"/>
           </p:cNvSpPr>
@@ -186,7 +181,7 @@
       </p:sp>
       <p:sp>
         <p:nvSpPr>
-          <p:cNvPr id="45" name="PlaceHolder 5"/>
+          <p:cNvPr id="42" name="PlaceHolder 5"/>
           <p:cNvSpPr>
             <a:spLocks noGrp="1"/>
           </p:cNvSpPr>
@@ -220,7 +215,7 @@
       </p:sp>
       <p:sp>
         <p:nvSpPr>
-          <p:cNvPr id="46" name="PlaceHolder 6"/>
+          <p:cNvPr id="43" name="PlaceHolder 6"/>
           <p:cNvSpPr>
             <a:spLocks noGrp="1"/>
           </p:cNvSpPr>
@@ -241,7 +236,7 @@
           <a:bodyPr lIns="0" rIns="0" tIns="0" bIns="0" anchor="b"/>
           <a:p>
             <a:pPr algn="r"/>
-            <a:fld id="{11F53EF4-6FC4-42C7-ADF5-E3928C17FCE6}" type="slidenum">
+            <a:fld id="{6209BEEF-3F16-42F4-988D-1AB5FD9B0D41}" type="slidenum">
               <a:rPr b="0" lang="en-US" sz="1400" spc="-1" strike="noStrike">
                 <a:latin typeface="Times New Roman"/>
               </a:rPr>
@@ -278,7 +273,7 @@
       </p:grpSpPr>
       <p:sp>
         <p:nvSpPr>
-          <p:cNvPr id="60" name="PlaceHolder 1"/>
+          <p:cNvPr id="63" name="PlaceHolder 1"/>
           <p:cNvSpPr>
             <a:spLocks noGrp="1"/>
           </p:cNvSpPr>
@@ -289,16 +284,16 @@
         <p:spPr>
           <a:xfrm>
             <a:off x="685800" y="1143000"/>
-            <a:ext cx="5486040" cy="3085920"/>
-          </a:xfrm>
-          <a:prstGeom prst="rect">
-            <a:avLst/>
-          </a:prstGeom>
-        </p:spPr>
-      </p:sp>
-      <p:sp>
-        <p:nvSpPr>
-          <p:cNvPr id="61" name="PlaceHolder 2"/>
+            <a:ext cx="5485680" cy="3085560"/>
+          </a:xfrm>
+          <a:prstGeom prst="rect">
+            <a:avLst/>
+          </a:prstGeom>
+        </p:spPr>
+      </p:sp>
+      <p:sp>
+        <p:nvSpPr>
+          <p:cNvPr id="64" name="PlaceHolder 2"/>
           <p:cNvSpPr>
             <a:spLocks noGrp="1"/>
           </p:cNvSpPr>
@@ -309,162 +304,31 @@
         <p:spPr>
           <a:xfrm>
             <a:off x="685800" y="4400640"/>
-            <a:ext cx="5486040" cy="3600000"/>
-          </a:xfrm>
-          <a:prstGeom prst="rect">
-            <a:avLst/>
-          </a:prstGeom>
-        </p:spPr>
-        <p:txBody>
-          <a:bodyPr/>
-          <a:p>
-            <a:pPr marL="216000" indent="-216000">
-              <a:lnSpc>
-                <a:spcPct val="100000"/>
-              </a:lnSpc>
-            </a:pPr>
-            <a:r>
-              <a:rPr b="0" lang="en-US" sz="2000" spc="-1" strike="noStrike">
-                <a:latin typeface="Arial"/>
-              </a:rPr>
-              <a:t>Master &lt;- </a:t>
-            </a:r>
-            <a:r>
-              <a:rPr b="0" lang="en-US" sz="2000" spc="-1" strike="noStrike">
-                <a:latin typeface="Arial"/>
-              </a:rPr>
-              <a:t>공유기</a:t>
-            </a:r>
-            <a:r>
-              <a:rPr b="0" lang="en-US" sz="2000" spc="-1" strike="noStrike">
-                <a:latin typeface="Arial"/>
-              </a:rPr>
-              <a:t>(switch) -&gt; Node (</a:t>
-            </a:r>
-            <a:r>
-              <a:rPr b="0" lang="en-US" sz="2000" spc="-1" strike="noStrike">
-                <a:latin typeface="Arial"/>
-              </a:rPr>
-              <a:t>가정</a:t>
-            </a:r>
-            <a:r>
-              <a:rPr b="0" lang="en-US" sz="2000" spc="-1" strike="noStrike">
-                <a:latin typeface="Arial"/>
-              </a:rPr>
-              <a:t>) </a:t>
-            </a:r>
+            <a:ext cx="5485680" cy="3599640"/>
+          </a:xfrm>
+          <a:prstGeom prst="rect">
+            <a:avLst/>
+          </a:prstGeom>
+        </p:spPr>
+        <p:txBody>
+          <a:bodyPr lIns="0" rIns="0" tIns="0" bIns="0"/>
+          <a:p>
             <a:endParaRPr b="0" lang="en-US" sz="2000" spc="-1" strike="noStrike">
               <a:latin typeface="Arial"/>
             </a:endParaRPr>
           </a:p>
-          <a:p>
-            <a:pPr marL="216000" indent="-216000">
-              <a:lnSpc>
-                <a:spcPct val="100000"/>
-              </a:lnSpc>
-            </a:pPr>
-            <a:endParaRPr b="0" lang="en-US" sz="2000" spc="-1" strike="noStrike">
-              <a:latin typeface="Arial"/>
-            </a:endParaRPr>
-          </a:p>
-          <a:p>
-            <a:pPr marL="216000" indent="-216000">
-              <a:lnSpc>
-                <a:spcPct val="100000"/>
-              </a:lnSpc>
-            </a:pPr>
-            <a:r>
-              <a:rPr b="0" lang="en-US" sz="2000" spc="-1" strike="noStrike">
-                <a:latin typeface="Arial"/>
-              </a:rPr>
-              <a:t>이 사이의 통신을 효과적으로 구현할 수 있는 서버를 만들자</a:t>
-            </a:r>
-            <a:r>
-              <a:rPr b="0" lang="en-US" sz="2000" spc="-1" strike="noStrike">
-                <a:latin typeface="Arial"/>
-              </a:rPr>
-              <a:t>.</a:t>
-            </a:r>
-            <a:endParaRPr b="0" lang="en-US" sz="2000" spc="-1" strike="noStrike">
-              <a:latin typeface="Arial"/>
-            </a:endParaRPr>
-          </a:p>
-          <a:p>
-            <a:pPr marL="216000" indent="-216000">
-              <a:lnSpc>
-                <a:spcPct val="100000"/>
-              </a:lnSpc>
-            </a:pPr>
-            <a:endParaRPr b="0" lang="en-US" sz="2000" spc="-1" strike="noStrike">
-              <a:latin typeface="Arial"/>
-            </a:endParaRPr>
-          </a:p>
-          <a:p>
-            <a:pPr marL="216000" indent="-216000">
-              <a:lnSpc>
-                <a:spcPct val="100000"/>
-              </a:lnSpc>
-            </a:pPr>
-            <a:r>
-              <a:rPr b="0" lang="en-US" sz="2000" spc="-1" strike="noStrike">
-                <a:latin typeface="Arial"/>
-              </a:rPr>
-              <a:t>Flask IO, MQTT, NAT, Port-Forwarding, </a:t>
-            </a:r>
-            <a:endParaRPr b="0" lang="en-US" sz="2000" spc="-1" strike="noStrike">
-              <a:latin typeface="Arial"/>
-            </a:endParaRPr>
-          </a:p>
-          <a:p>
-            <a:pPr marL="216000" indent="-216000">
-              <a:lnSpc>
-                <a:spcPct val="100000"/>
-              </a:lnSpc>
-            </a:pPr>
-            <a:r>
-              <a:rPr b="0" lang="en-US" sz="2000" spc="-1" strike="noStrike">
-                <a:latin typeface="Arial"/>
-              </a:rPr>
-              <a:t>PAT </a:t>
-            </a:r>
-            <a:r>
-              <a:rPr b="0" lang="en-US" sz="2000" spc="-1" strike="noStrike">
-                <a:latin typeface="Arial"/>
-              </a:rPr>
-              <a:t>는 대안이 될 수 없나</a:t>
-            </a:r>
-            <a:r>
-              <a:rPr b="0" lang="en-US" sz="2000" spc="-1" strike="noStrike">
-                <a:latin typeface="Arial"/>
-              </a:rPr>
-              <a:t>?</a:t>
-            </a:r>
-            <a:endParaRPr b="0" lang="en-US" sz="2000" spc="-1" strike="noStrike">
-              <a:latin typeface="Arial"/>
-            </a:endParaRPr>
-          </a:p>
-          <a:p>
-            <a:pPr marL="216000" indent="-216000">
-              <a:lnSpc>
-                <a:spcPct val="100000"/>
-              </a:lnSpc>
-            </a:pPr>
-            <a:endParaRPr b="0" lang="en-US" sz="2000" spc="-1" strike="noStrike">
-              <a:latin typeface="Arial"/>
-            </a:endParaRPr>
-          </a:p>
-        </p:txBody>
-      </p:sp>
-      <p:sp>
-        <p:nvSpPr>
-          <p:cNvPr id="62" name="TextShape 3"/>
-          <p:cNvSpPr txBox="1"/>
+        </p:txBody>
+      </p:sp>
+      <p:sp>
+        <p:nvSpPr>
+          <p:cNvPr id="65" name="CustomShape 3"/>
+          <p:cNvSpPr/>
           <p:nvPr/>
         </p:nvSpPr>
         <p:spPr>
           <a:xfrm>
             <a:off x="3884760" y="8685360"/>
-            <a:ext cx="2971440" cy="458280"/>
+            <a:ext cx="2971080" cy="457920"/>
           </a:xfrm>
           <a:prstGeom prst="rect">
             <a:avLst/>
@@ -474,15 +338,21 @@
             <a:noFill/>
           </a:ln>
         </p:spPr>
-        <p:txBody>
-          <a:bodyPr anchor="b"/>
+        <p:style>
+          <a:lnRef idx="0"/>
+          <a:fillRef idx="0"/>
+          <a:effectRef idx="0"/>
+          <a:fontRef idx="minor"/>
+        </p:style>
+        <p:txBody>
+          <a:bodyPr lIns="90000" rIns="90000" tIns="45000" bIns="45000" anchor="b"/>
           <a:p>
             <a:pPr algn="r">
               <a:lnSpc>
                 <a:spcPct val="100000"/>
               </a:lnSpc>
             </a:pPr>
-            <a:fld id="{BD8FA456-A4D5-4A83-BD63-0CED4FEDC77A}" type="slidenum">
+            <a:fld id="{80200357-070D-43FB-826F-1CEC89835D60}" type="slidenum">
               <a:rPr b="0" lang="en-US" sz="1200" spc="-1" strike="noStrike">
                 <a:solidFill>
                   <a:srgbClr val="000000"/>
@@ -490,10 +360,10 @@
                 <a:latin typeface="+mn-lt"/>
                 <a:ea typeface="+mn-ea"/>
               </a:rPr>
-              <a:t>1</a:t>
+              <a:t>&lt;number&gt;</a:t>
             </a:fld>
             <a:endParaRPr b="0" lang="en-US" sz="1200" spc="-1" strike="noStrike">
-              <a:latin typeface="Times New Roman"/>
+              <a:latin typeface="Arial"/>
             </a:endParaRPr>
           </a:p>
         </p:txBody>
@@ -522,7 +392,7 @@
       </p:grpSpPr>
       <p:sp>
         <p:nvSpPr>
-          <p:cNvPr id="87" name="PlaceHolder 1"/>
+          <p:cNvPr id="90" name="PlaceHolder 1"/>
           <p:cNvSpPr>
             <a:spLocks noGrp="1"/>
           </p:cNvSpPr>
@@ -533,16 +403,16 @@
         <p:spPr>
           <a:xfrm>
             <a:off x="685800" y="1143000"/>
-            <a:ext cx="5486040" cy="3085920"/>
-          </a:xfrm>
-          <a:prstGeom prst="rect">
-            <a:avLst/>
-          </a:prstGeom>
-        </p:spPr>
-      </p:sp>
-      <p:sp>
-        <p:nvSpPr>
-          <p:cNvPr id="88" name="PlaceHolder 2"/>
+            <a:ext cx="5485680" cy="3085560"/>
+          </a:xfrm>
+          <a:prstGeom prst="rect">
+            <a:avLst/>
+          </a:prstGeom>
+        </p:spPr>
+      </p:sp>
+      <p:sp>
+        <p:nvSpPr>
+          <p:cNvPr id="91" name="PlaceHolder 2"/>
           <p:cNvSpPr>
             <a:spLocks noGrp="1"/>
           </p:cNvSpPr>
@@ -553,14 +423,14 @@
         <p:spPr>
           <a:xfrm>
             <a:off x="685800" y="4400640"/>
-            <a:ext cx="5486040" cy="3600000"/>
-          </a:xfrm>
-          <a:prstGeom prst="rect">
-            <a:avLst/>
-          </a:prstGeom>
-        </p:spPr>
-        <p:txBody>
-          <a:bodyPr/>
+            <a:ext cx="5485680" cy="3599640"/>
+          </a:xfrm>
+          <a:prstGeom prst="rect">
+            <a:avLst/>
+          </a:prstGeom>
+        </p:spPr>
+        <p:txBody>
+          <a:bodyPr lIns="0" rIns="0" tIns="0" bIns="0"/>
           <a:p>
             <a:endParaRPr b="0" lang="en-US" sz="2000" spc="-1" strike="noStrike">
               <a:latin typeface="Arial"/>
@@ -570,14 +440,14 @@
       </p:sp>
       <p:sp>
         <p:nvSpPr>
-          <p:cNvPr id="89" name="TextShape 3"/>
-          <p:cNvSpPr txBox="1"/>
+          <p:cNvPr id="92" name="CustomShape 3"/>
+          <p:cNvSpPr/>
           <p:nvPr/>
         </p:nvSpPr>
         <p:spPr>
           <a:xfrm>
             <a:off x="3884760" y="8685360"/>
-            <a:ext cx="2971440" cy="458280"/>
+            <a:ext cx="2971080" cy="457920"/>
           </a:xfrm>
           <a:prstGeom prst="rect">
             <a:avLst/>
@@ -587,15 +457,21 @@
             <a:noFill/>
           </a:ln>
         </p:spPr>
-        <p:txBody>
-          <a:bodyPr anchor="b"/>
+        <p:style>
+          <a:lnRef idx="0"/>
+          <a:fillRef idx="0"/>
+          <a:effectRef idx="0"/>
+          <a:fontRef idx="minor"/>
+        </p:style>
+        <p:txBody>
+          <a:bodyPr lIns="90000" rIns="90000" tIns="45000" bIns="45000" anchor="b"/>
           <a:p>
             <a:pPr algn="r">
               <a:lnSpc>
                 <a:spcPct val="100000"/>
               </a:lnSpc>
             </a:pPr>
-            <a:fld id="{161AC9EA-02DE-4110-9EB3-4C7135206D07}" type="slidenum">
+            <a:fld id="{825C24C5-A3CE-4425-B0C8-81F4840D1C9B}" type="slidenum">
               <a:rPr b="0" lang="en-US" sz="1200" spc="-1" strike="noStrike">
                 <a:solidFill>
                   <a:srgbClr val="000000"/>
@@ -606,7 +482,7 @@
               <a:t>&lt;number&gt;</a:t>
             </a:fld>
             <a:endParaRPr b="0" lang="en-US" sz="1200" spc="-1" strike="noStrike">
-              <a:latin typeface="Times New Roman"/>
+              <a:latin typeface="Arial"/>
             </a:endParaRPr>
           </a:p>
         </p:txBody>
@@ -635,7 +511,7 @@
       </p:grpSpPr>
       <p:sp>
         <p:nvSpPr>
-          <p:cNvPr id="63" name="PlaceHolder 1"/>
+          <p:cNvPr id="66" name="PlaceHolder 1"/>
           <p:cNvSpPr>
             <a:spLocks noGrp="1"/>
           </p:cNvSpPr>
@@ -646,16 +522,16 @@
         <p:spPr>
           <a:xfrm>
             <a:off x="685800" y="1143000"/>
-            <a:ext cx="5486040" cy="3085920"/>
-          </a:xfrm>
-          <a:prstGeom prst="rect">
-            <a:avLst/>
-          </a:prstGeom>
-        </p:spPr>
-      </p:sp>
-      <p:sp>
-        <p:nvSpPr>
-          <p:cNvPr id="64" name="PlaceHolder 2"/>
+            <a:ext cx="5485680" cy="3085560"/>
+          </a:xfrm>
+          <a:prstGeom prst="rect">
+            <a:avLst/>
+          </a:prstGeom>
+        </p:spPr>
+      </p:sp>
+      <p:sp>
+        <p:nvSpPr>
+          <p:cNvPr id="67" name="PlaceHolder 2"/>
           <p:cNvSpPr>
             <a:spLocks noGrp="1"/>
           </p:cNvSpPr>
@@ -666,14 +542,14 @@
         <p:spPr>
           <a:xfrm>
             <a:off x="685800" y="4400640"/>
-            <a:ext cx="5486040" cy="3600000"/>
-          </a:xfrm>
-          <a:prstGeom prst="rect">
-            <a:avLst/>
-          </a:prstGeom>
-        </p:spPr>
-        <p:txBody>
-          <a:bodyPr/>
+            <a:ext cx="5485680" cy="3599640"/>
+          </a:xfrm>
+          <a:prstGeom prst="rect">
+            <a:avLst/>
+          </a:prstGeom>
+        </p:spPr>
+        <p:txBody>
+          <a:bodyPr lIns="0" rIns="0" tIns="0" bIns="0"/>
           <a:p>
             <a:endParaRPr b="0" lang="en-US" sz="2000" spc="-1" strike="noStrike">
               <a:latin typeface="Arial"/>
@@ -683,14 +559,14 @@
       </p:sp>
       <p:sp>
         <p:nvSpPr>
-          <p:cNvPr id="65" name="TextShape 3"/>
-          <p:cNvSpPr txBox="1"/>
+          <p:cNvPr id="68" name="CustomShape 3"/>
+          <p:cNvSpPr/>
           <p:nvPr/>
         </p:nvSpPr>
         <p:spPr>
           <a:xfrm>
             <a:off x="3884760" y="8685360"/>
-            <a:ext cx="2971440" cy="458280"/>
+            <a:ext cx="2971080" cy="457920"/>
           </a:xfrm>
           <a:prstGeom prst="rect">
             <a:avLst/>
@@ -700,15 +576,21 @@
             <a:noFill/>
           </a:ln>
         </p:spPr>
-        <p:txBody>
-          <a:bodyPr anchor="b"/>
+        <p:style>
+          <a:lnRef idx="0"/>
+          <a:fillRef idx="0"/>
+          <a:effectRef idx="0"/>
+          <a:fontRef idx="minor"/>
+        </p:style>
+        <p:txBody>
+          <a:bodyPr lIns="90000" rIns="90000" tIns="45000" bIns="45000" anchor="b"/>
           <a:p>
             <a:pPr algn="r">
               <a:lnSpc>
                 <a:spcPct val="100000"/>
               </a:lnSpc>
             </a:pPr>
-            <a:fld id="{752261AE-65EC-46EF-802F-79E0560BD406}" type="slidenum">
+            <a:fld id="{C0BF2E31-02A3-469A-A88D-378A7843312B}" type="slidenum">
               <a:rPr b="0" lang="en-US" sz="1200" spc="-1" strike="noStrike">
                 <a:solidFill>
                   <a:srgbClr val="000000"/>
@@ -716,10 +598,10 @@
                 <a:latin typeface="+mn-lt"/>
                 <a:ea typeface="+mn-ea"/>
               </a:rPr>
-              <a:t>1</a:t>
+              <a:t>&lt;number&gt;</a:t>
             </a:fld>
             <a:endParaRPr b="0" lang="en-US" sz="1200" spc="-1" strike="noStrike">
-              <a:latin typeface="Times New Roman"/>
+              <a:latin typeface="Arial"/>
             </a:endParaRPr>
           </a:p>
         </p:txBody>
@@ -748,7 +630,7 @@
       </p:grpSpPr>
       <p:sp>
         <p:nvSpPr>
-          <p:cNvPr id="66" name="PlaceHolder 1"/>
+          <p:cNvPr id="69" name="PlaceHolder 1"/>
           <p:cNvSpPr>
             <a:spLocks noGrp="1"/>
           </p:cNvSpPr>
@@ -759,16 +641,16 @@
         <p:spPr>
           <a:xfrm>
             <a:off x="685800" y="1143000"/>
-            <a:ext cx="5486040" cy="3085920"/>
-          </a:xfrm>
-          <a:prstGeom prst="rect">
-            <a:avLst/>
-          </a:prstGeom>
-        </p:spPr>
-      </p:sp>
-      <p:sp>
-        <p:nvSpPr>
-          <p:cNvPr id="67" name="PlaceHolder 2"/>
+            <a:ext cx="5485680" cy="3085560"/>
+          </a:xfrm>
+          <a:prstGeom prst="rect">
+            <a:avLst/>
+          </a:prstGeom>
+        </p:spPr>
+      </p:sp>
+      <p:sp>
+        <p:nvSpPr>
+          <p:cNvPr id="70" name="PlaceHolder 2"/>
           <p:cNvSpPr>
             <a:spLocks noGrp="1"/>
           </p:cNvSpPr>
@@ -779,14 +661,14 @@
         <p:spPr>
           <a:xfrm>
             <a:off x="685800" y="4400640"/>
-            <a:ext cx="5486040" cy="3600000"/>
-          </a:xfrm>
-          <a:prstGeom prst="rect">
-            <a:avLst/>
-          </a:prstGeom>
-        </p:spPr>
-        <p:txBody>
-          <a:bodyPr/>
+            <a:ext cx="5485680" cy="3599640"/>
+          </a:xfrm>
+          <a:prstGeom prst="rect">
+            <a:avLst/>
+          </a:prstGeom>
+        </p:spPr>
+        <p:txBody>
+          <a:bodyPr lIns="0" rIns="0" tIns="0" bIns="0"/>
           <a:p>
             <a:endParaRPr b="0" lang="en-US" sz="2000" spc="-1" strike="noStrike">
               <a:latin typeface="Arial"/>
@@ -796,14 +678,14 @@
       </p:sp>
       <p:sp>
         <p:nvSpPr>
-          <p:cNvPr id="68" name="TextShape 3"/>
-          <p:cNvSpPr txBox="1"/>
+          <p:cNvPr id="71" name="CustomShape 3"/>
+          <p:cNvSpPr/>
           <p:nvPr/>
         </p:nvSpPr>
         <p:spPr>
           <a:xfrm>
             <a:off x="3884760" y="8685360"/>
-            <a:ext cx="2971440" cy="458280"/>
+            <a:ext cx="2971080" cy="457920"/>
           </a:xfrm>
           <a:prstGeom prst="rect">
             <a:avLst/>
@@ -813,15 +695,21 @@
             <a:noFill/>
           </a:ln>
         </p:spPr>
-        <p:txBody>
-          <a:bodyPr anchor="b"/>
+        <p:style>
+          <a:lnRef idx="0"/>
+          <a:fillRef idx="0"/>
+          <a:effectRef idx="0"/>
+          <a:fontRef idx="minor"/>
+        </p:style>
+        <p:txBody>
+          <a:bodyPr lIns="90000" rIns="90000" tIns="45000" bIns="45000" anchor="b"/>
           <a:p>
             <a:pPr algn="r">
               <a:lnSpc>
                 <a:spcPct val="100000"/>
               </a:lnSpc>
             </a:pPr>
-            <a:fld id="{0914FB90-A419-45FE-8D04-A30BC5815E66}" type="slidenum">
+            <a:fld id="{C56F6586-9598-4248-AFE2-69A3DDAEE208}" type="slidenum">
               <a:rPr b="0" lang="en-US" sz="1200" spc="-1" strike="noStrike">
                 <a:solidFill>
                   <a:srgbClr val="000000"/>
@@ -829,10 +717,10 @@
                 <a:latin typeface="+mn-lt"/>
                 <a:ea typeface="+mn-ea"/>
               </a:rPr>
-              <a:t>1</a:t>
+              <a:t>&lt;number&gt;</a:t>
             </a:fld>
             <a:endParaRPr b="0" lang="en-US" sz="1200" spc="-1" strike="noStrike">
-              <a:latin typeface="Times New Roman"/>
+              <a:latin typeface="Arial"/>
             </a:endParaRPr>
           </a:p>
         </p:txBody>
@@ -861,7 +749,7 @@
       </p:grpSpPr>
       <p:sp>
         <p:nvSpPr>
-          <p:cNvPr id="69" name="PlaceHolder 1"/>
+          <p:cNvPr id="72" name="PlaceHolder 1"/>
           <p:cNvSpPr>
             <a:spLocks noGrp="1"/>
           </p:cNvSpPr>
@@ -872,16 +760,16 @@
         <p:spPr>
           <a:xfrm>
             <a:off x="685800" y="1143000"/>
-            <a:ext cx="5486040" cy="3085920"/>
-          </a:xfrm>
-          <a:prstGeom prst="rect">
-            <a:avLst/>
-          </a:prstGeom>
-        </p:spPr>
-      </p:sp>
-      <p:sp>
-        <p:nvSpPr>
-          <p:cNvPr id="70" name="PlaceHolder 2"/>
+            <a:ext cx="5485680" cy="3085560"/>
+          </a:xfrm>
+          <a:prstGeom prst="rect">
+            <a:avLst/>
+          </a:prstGeom>
+        </p:spPr>
+      </p:sp>
+      <p:sp>
+        <p:nvSpPr>
+          <p:cNvPr id="73" name="PlaceHolder 2"/>
           <p:cNvSpPr>
             <a:spLocks noGrp="1"/>
           </p:cNvSpPr>
@@ -892,14 +780,14 @@
         <p:spPr>
           <a:xfrm>
             <a:off x="685800" y="4400640"/>
-            <a:ext cx="5486040" cy="3600000"/>
-          </a:xfrm>
-          <a:prstGeom prst="rect">
-            <a:avLst/>
-          </a:prstGeom>
-        </p:spPr>
-        <p:txBody>
-          <a:bodyPr/>
+            <a:ext cx="5485680" cy="3599640"/>
+          </a:xfrm>
+          <a:prstGeom prst="rect">
+            <a:avLst/>
+          </a:prstGeom>
+        </p:spPr>
+        <p:txBody>
+          <a:bodyPr lIns="0" rIns="0" tIns="0" bIns="0"/>
           <a:p>
             <a:endParaRPr b="0" lang="en-US" sz="2000" spc="-1" strike="noStrike">
               <a:latin typeface="Arial"/>
@@ -909,14 +797,14 @@
       </p:sp>
       <p:sp>
         <p:nvSpPr>
-          <p:cNvPr id="71" name="TextShape 3"/>
-          <p:cNvSpPr txBox="1"/>
+          <p:cNvPr id="74" name="CustomShape 3"/>
+          <p:cNvSpPr/>
           <p:nvPr/>
         </p:nvSpPr>
         <p:spPr>
           <a:xfrm>
             <a:off x="3884760" y="8685360"/>
-            <a:ext cx="2971440" cy="458280"/>
+            <a:ext cx="2971080" cy="457920"/>
           </a:xfrm>
           <a:prstGeom prst="rect">
             <a:avLst/>
@@ -926,15 +814,21 @@
             <a:noFill/>
           </a:ln>
         </p:spPr>
-        <p:txBody>
-          <a:bodyPr anchor="b"/>
+        <p:style>
+          <a:lnRef idx="0"/>
+          <a:fillRef idx="0"/>
+          <a:effectRef idx="0"/>
+          <a:fontRef idx="minor"/>
+        </p:style>
+        <p:txBody>
+          <a:bodyPr lIns="90000" rIns="90000" tIns="45000" bIns="45000" anchor="b"/>
           <a:p>
             <a:pPr algn="r">
               <a:lnSpc>
                 <a:spcPct val="100000"/>
               </a:lnSpc>
             </a:pPr>
-            <a:fld id="{16B8128F-D449-436F-95D1-4095AA19D192}" type="slidenum">
+            <a:fld id="{24AC4E7E-6BEA-4673-90AA-4901088FA717}" type="slidenum">
               <a:rPr b="0" lang="en-US" sz="1200" spc="-1" strike="noStrike">
                 <a:solidFill>
                   <a:srgbClr val="000000"/>
@@ -942,10 +836,10 @@
                 <a:latin typeface="+mn-lt"/>
                 <a:ea typeface="+mn-ea"/>
               </a:rPr>
-              <a:t>1</a:t>
+              <a:t>&lt;number&gt;</a:t>
             </a:fld>
             <a:endParaRPr b="0" lang="en-US" sz="1200" spc="-1" strike="noStrike">
-              <a:latin typeface="Times New Roman"/>
+              <a:latin typeface="Arial"/>
             </a:endParaRPr>
           </a:p>
         </p:txBody>
@@ -974,7 +868,7 @@
       </p:grpSpPr>
       <p:sp>
         <p:nvSpPr>
-          <p:cNvPr id="72" name="PlaceHolder 1"/>
+          <p:cNvPr id="75" name="PlaceHolder 1"/>
           <p:cNvSpPr>
             <a:spLocks noGrp="1"/>
           </p:cNvSpPr>
@@ -985,16 +879,16 @@
         <p:spPr>
           <a:xfrm>
             <a:off x="685800" y="1143000"/>
-            <a:ext cx="5486040" cy="3085920"/>
-          </a:xfrm>
-          <a:prstGeom prst="rect">
-            <a:avLst/>
-          </a:prstGeom>
-        </p:spPr>
-      </p:sp>
-      <p:sp>
-        <p:nvSpPr>
-          <p:cNvPr id="73" name="PlaceHolder 2"/>
+            <a:ext cx="5485680" cy="3085560"/>
+          </a:xfrm>
+          <a:prstGeom prst="rect">
+            <a:avLst/>
+          </a:prstGeom>
+        </p:spPr>
+      </p:sp>
+      <p:sp>
+        <p:nvSpPr>
+          <p:cNvPr id="76" name="PlaceHolder 2"/>
           <p:cNvSpPr>
             <a:spLocks noGrp="1"/>
           </p:cNvSpPr>
@@ -1005,31 +899,162 @@
         <p:spPr>
           <a:xfrm>
             <a:off x="685800" y="4400640"/>
-            <a:ext cx="5486040" cy="3600000"/>
-          </a:xfrm>
-          <a:prstGeom prst="rect">
-            <a:avLst/>
-          </a:prstGeom>
-        </p:spPr>
-        <p:txBody>
-          <a:bodyPr/>
-          <a:p>
+            <a:ext cx="5485680" cy="3599640"/>
+          </a:xfrm>
+          <a:prstGeom prst="rect">
+            <a:avLst/>
+          </a:prstGeom>
+        </p:spPr>
+        <p:txBody>
+          <a:bodyPr lIns="0" rIns="0" tIns="0" bIns="0"/>
+          <a:p>
+            <a:pPr marL="216000" indent="-215640">
+              <a:lnSpc>
+                <a:spcPct val="100000"/>
+              </a:lnSpc>
+            </a:pPr>
+            <a:r>
+              <a:rPr b="0" lang="en-US" sz="2000" spc="-1" strike="noStrike">
+                <a:latin typeface="Arial"/>
+              </a:rPr>
+              <a:t>Master &lt;- </a:t>
+            </a:r>
+            <a:r>
+              <a:rPr b="0" lang="en-US" sz="2000" spc="-1" strike="noStrike">
+                <a:latin typeface="Arial"/>
+              </a:rPr>
+              <a:t>공유기</a:t>
+            </a:r>
+            <a:r>
+              <a:rPr b="0" lang="en-US" sz="2000" spc="-1" strike="noStrike">
+                <a:latin typeface="Arial"/>
+              </a:rPr>
+              <a:t>(switch) -&gt; Node (</a:t>
+            </a:r>
+            <a:r>
+              <a:rPr b="0" lang="en-US" sz="2000" spc="-1" strike="noStrike">
+                <a:latin typeface="Arial"/>
+              </a:rPr>
+              <a:t>가정</a:t>
+            </a:r>
+            <a:r>
+              <a:rPr b="0" lang="en-US" sz="2000" spc="-1" strike="noStrike">
+                <a:latin typeface="Arial"/>
+              </a:rPr>
+              <a:t>) </a:t>
+            </a:r>
             <a:endParaRPr b="0" lang="en-US" sz="2000" spc="-1" strike="noStrike">
               <a:latin typeface="Arial"/>
             </a:endParaRPr>
           </a:p>
-        </p:txBody>
-      </p:sp>
-      <p:sp>
-        <p:nvSpPr>
-          <p:cNvPr id="74" name="TextShape 3"/>
-          <p:cNvSpPr txBox="1"/>
+          <a:p>
+            <a:pPr marL="216000" indent="-215640">
+              <a:lnSpc>
+                <a:spcPct val="100000"/>
+              </a:lnSpc>
+            </a:pPr>
+            <a:endParaRPr b="0" lang="en-US" sz="2000" spc="-1" strike="noStrike">
+              <a:latin typeface="Arial"/>
+            </a:endParaRPr>
+          </a:p>
+          <a:p>
+            <a:pPr marL="216000" indent="-215640">
+              <a:lnSpc>
+                <a:spcPct val="100000"/>
+              </a:lnSpc>
+            </a:pPr>
+            <a:r>
+              <a:rPr b="0" lang="en-US" sz="2000" spc="-1" strike="noStrike">
+                <a:latin typeface="Arial"/>
+              </a:rPr>
+              <a:t>이 사이의 통신을 효과적으로 구현할 수 있는 서버를 만들자</a:t>
+            </a:r>
+            <a:r>
+              <a:rPr b="0" lang="en-US" sz="2000" spc="-1" strike="noStrike">
+                <a:latin typeface="Arial"/>
+              </a:rPr>
+              <a:t>.</a:t>
+            </a:r>
+            <a:endParaRPr b="0" lang="en-US" sz="2000" spc="-1" strike="noStrike">
+              <a:latin typeface="Arial"/>
+            </a:endParaRPr>
+          </a:p>
+          <a:p>
+            <a:pPr marL="216000" indent="-215640">
+              <a:lnSpc>
+                <a:spcPct val="100000"/>
+              </a:lnSpc>
+            </a:pPr>
+            <a:endParaRPr b="0" lang="en-US" sz="2000" spc="-1" strike="noStrike">
+              <a:latin typeface="Arial"/>
+            </a:endParaRPr>
+          </a:p>
+          <a:p>
+            <a:pPr marL="216000" indent="-215640">
+              <a:lnSpc>
+                <a:spcPct val="100000"/>
+              </a:lnSpc>
+            </a:pPr>
+            <a:r>
+              <a:rPr b="0" lang="en-US" sz="2000" spc="-1" strike="noStrike">
+                <a:latin typeface="Arial"/>
+              </a:rPr>
+              <a:t>Flask IO, MQTT, NAT, Port-Forwarding, </a:t>
+            </a:r>
+            <a:endParaRPr b="0" lang="en-US" sz="2000" spc="-1" strike="noStrike">
+              <a:latin typeface="Arial"/>
+            </a:endParaRPr>
+          </a:p>
+          <a:p>
+            <a:pPr marL="216000" indent="-215640">
+              <a:lnSpc>
+                <a:spcPct val="100000"/>
+              </a:lnSpc>
+            </a:pPr>
+            <a:r>
+              <a:rPr b="0" lang="en-US" sz="2000" spc="-1" strike="noStrike">
+                <a:latin typeface="Arial"/>
+              </a:rPr>
+              <a:t>PAT </a:t>
+            </a:r>
+            <a:r>
+              <a:rPr b="0" lang="en-US" sz="2000" spc="-1" strike="noStrike">
+                <a:latin typeface="Arial"/>
+              </a:rPr>
+              <a:t>는 대안이 될 수 없나</a:t>
+            </a:r>
+            <a:r>
+              <a:rPr b="0" lang="en-US" sz="2000" spc="-1" strike="noStrike">
+                <a:latin typeface="Arial"/>
+              </a:rPr>
+              <a:t>?</a:t>
+            </a:r>
+            <a:endParaRPr b="0" lang="en-US" sz="2000" spc="-1" strike="noStrike">
+              <a:latin typeface="Arial"/>
+            </a:endParaRPr>
+          </a:p>
+          <a:p>
+            <a:pPr marL="216000" indent="-215640">
+              <a:lnSpc>
+                <a:spcPct val="100000"/>
+              </a:lnSpc>
+            </a:pPr>
+            <a:endParaRPr b="0" lang="en-US" sz="2000" spc="-1" strike="noStrike">
+              <a:latin typeface="Arial"/>
+            </a:endParaRPr>
+          </a:p>
+        </p:txBody>
+      </p:sp>
+      <p:sp>
+        <p:nvSpPr>
+          <p:cNvPr id="77" name="CustomShape 3"/>
+          <p:cNvSpPr/>
           <p:nvPr/>
         </p:nvSpPr>
         <p:spPr>
           <a:xfrm>
             <a:off x="3884760" y="8685360"/>
-            <a:ext cx="2971440" cy="458280"/>
+            <a:ext cx="2971080" cy="457920"/>
           </a:xfrm>
           <a:prstGeom prst="rect">
             <a:avLst/>
@@ -1039,15 +1064,21 @@
             <a:noFill/>
           </a:ln>
         </p:spPr>
-        <p:txBody>
-          <a:bodyPr anchor="b"/>
+        <p:style>
+          <a:lnRef idx="0"/>
+          <a:fillRef idx="0"/>
+          <a:effectRef idx="0"/>
+          <a:fontRef idx="minor"/>
+        </p:style>
+        <p:txBody>
+          <a:bodyPr lIns="90000" rIns="90000" tIns="45000" bIns="45000" anchor="b"/>
           <a:p>
             <a:pPr algn="r">
               <a:lnSpc>
                 <a:spcPct val="100000"/>
               </a:lnSpc>
             </a:pPr>
-            <a:fld id="{D561163A-224B-4125-9CF6-186A2D6C3F9F}" type="slidenum">
+            <a:fld id="{3B7F4E30-6684-47ED-91A6-B3BC9B93D825}" type="slidenum">
               <a:rPr b="0" lang="en-US" sz="1200" spc="-1" strike="noStrike">
                 <a:solidFill>
                   <a:srgbClr val="000000"/>
@@ -1055,10 +1086,10 @@
                 <a:latin typeface="+mn-lt"/>
                 <a:ea typeface="+mn-ea"/>
               </a:rPr>
-              <a:t>1</a:t>
+              <a:t>&lt;number&gt;</a:t>
             </a:fld>
             <a:endParaRPr b="0" lang="en-US" sz="1200" spc="-1" strike="noStrike">
-              <a:latin typeface="Times New Roman"/>
+              <a:latin typeface="Arial"/>
             </a:endParaRPr>
           </a:p>
         </p:txBody>
@@ -1087,7 +1118,7 @@
       </p:grpSpPr>
       <p:sp>
         <p:nvSpPr>
-          <p:cNvPr id="75" name="PlaceHolder 1"/>
+          <p:cNvPr id="78" name="PlaceHolder 1"/>
           <p:cNvSpPr>
             <a:spLocks noGrp="1"/>
           </p:cNvSpPr>
@@ -1098,16 +1129,16 @@
         <p:spPr>
           <a:xfrm>
             <a:off x="685800" y="1143000"/>
-            <a:ext cx="5486040" cy="3085920"/>
-          </a:xfrm>
-          <a:prstGeom prst="rect">
-            <a:avLst/>
-          </a:prstGeom>
-        </p:spPr>
-      </p:sp>
-      <p:sp>
-        <p:nvSpPr>
-          <p:cNvPr id="76" name="PlaceHolder 2"/>
+            <a:ext cx="5485680" cy="3085560"/>
+          </a:xfrm>
+          <a:prstGeom prst="rect">
+            <a:avLst/>
+          </a:prstGeom>
+        </p:spPr>
+      </p:sp>
+      <p:sp>
+        <p:nvSpPr>
+          <p:cNvPr id="79" name="PlaceHolder 2"/>
           <p:cNvSpPr>
             <a:spLocks noGrp="1"/>
           </p:cNvSpPr>
@@ -1118,14 +1149,14 @@
         <p:spPr>
           <a:xfrm>
             <a:off x="685800" y="4400640"/>
-            <a:ext cx="5486040" cy="3600000"/>
-          </a:xfrm>
-          <a:prstGeom prst="rect">
-            <a:avLst/>
-          </a:prstGeom>
-        </p:spPr>
-        <p:txBody>
-          <a:bodyPr/>
+            <a:ext cx="5485680" cy="3599640"/>
+          </a:xfrm>
+          <a:prstGeom prst="rect">
+            <a:avLst/>
+          </a:prstGeom>
+        </p:spPr>
+        <p:txBody>
+          <a:bodyPr lIns="0" rIns="0" tIns="0" bIns="0"/>
           <a:p>
             <a:endParaRPr b="0" lang="en-US" sz="2000" spc="-1" strike="noStrike">
               <a:latin typeface="Arial"/>
@@ -1135,14 +1166,14 @@
       </p:sp>
       <p:sp>
         <p:nvSpPr>
-          <p:cNvPr id="77" name="TextShape 3"/>
-          <p:cNvSpPr txBox="1"/>
+          <p:cNvPr id="80" name="CustomShape 3"/>
+          <p:cNvSpPr/>
           <p:nvPr/>
         </p:nvSpPr>
         <p:spPr>
           <a:xfrm>
             <a:off x="3884760" y="8685360"/>
-            <a:ext cx="2971440" cy="458280"/>
+            <a:ext cx="2971080" cy="457920"/>
           </a:xfrm>
           <a:prstGeom prst="rect">
             <a:avLst/>
@@ -1152,15 +1183,21 @@
             <a:noFill/>
           </a:ln>
         </p:spPr>
-        <p:txBody>
-          <a:bodyPr anchor="b"/>
+        <p:style>
+          <a:lnRef idx="0"/>
+          <a:fillRef idx="0"/>
+          <a:effectRef idx="0"/>
+          <a:fontRef idx="minor"/>
+        </p:style>
+        <p:txBody>
+          <a:bodyPr lIns="90000" rIns="90000" tIns="45000" bIns="45000" anchor="b"/>
           <a:p>
             <a:pPr algn="r">
               <a:lnSpc>
                 <a:spcPct val="100000"/>
               </a:lnSpc>
             </a:pPr>
-            <a:fld id="{2C05CFEF-AB0A-4F67-9E32-B11E8A2C017E}" type="slidenum">
+            <a:fld id="{09E3E891-8460-44CB-9CB6-390FB884FDE7}" type="slidenum">
               <a:rPr b="0" lang="en-US" sz="1200" spc="-1" strike="noStrike">
                 <a:solidFill>
                   <a:srgbClr val="000000"/>
@@ -1168,10 +1205,10 @@
                 <a:latin typeface="+mn-lt"/>
                 <a:ea typeface="+mn-ea"/>
               </a:rPr>
-              <a:t>1</a:t>
+              <a:t>&lt;number&gt;</a:t>
             </a:fld>
             <a:endParaRPr b="0" lang="en-US" sz="1200" spc="-1" strike="noStrike">
-              <a:latin typeface="Times New Roman"/>
+              <a:latin typeface="Arial"/>
             </a:endParaRPr>
           </a:p>
         </p:txBody>
@@ -1200,7 +1237,7 @@
       </p:grpSpPr>
       <p:sp>
         <p:nvSpPr>
-          <p:cNvPr id="78" name="PlaceHolder 1"/>
+          <p:cNvPr id="81" name="PlaceHolder 1"/>
           <p:cNvSpPr>
             <a:spLocks noGrp="1"/>
           </p:cNvSpPr>
@@ -1211,16 +1248,16 @@
         <p:spPr>
           <a:xfrm>
             <a:off x="685800" y="1143000"/>
-            <a:ext cx="5486040" cy="3085920"/>
-          </a:xfrm>
-          <a:prstGeom prst="rect">
-            <a:avLst/>
-          </a:prstGeom>
-        </p:spPr>
-      </p:sp>
-      <p:sp>
-        <p:nvSpPr>
-          <p:cNvPr id="79" name="PlaceHolder 2"/>
+            <a:ext cx="5485680" cy="3085560"/>
+          </a:xfrm>
+          <a:prstGeom prst="rect">
+            <a:avLst/>
+          </a:prstGeom>
+        </p:spPr>
+      </p:sp>
+      <p:sp>
+        <p:nvSpPr>
+          <p:cNvPr id="82" name="PlaceHolder 2"/>
           <p:cNvSpPr>
             <a:spLocks noGrp="1"/>
           </p:cNvSpPr>
@@ -1231,14 +1268,14 @@
         <p:spPr>
           <a:xfrm>
             <a:off x="685800" y="4400640"/>
-            <a:ext cx="5486040" cy="3600000"/>
-          </a:xfrm>
-          <a:prstGeom prst="rect">
-            <a:avLst/>
-          </a:prstGeom>
-        </p:spPr>
-        <p:txBody>
-          <a:bodyPr/>
+            <a:ext cx="5485680" cy="3599640"/>
+          </a:xfrm>
+          <a:prstGeom prst="rect">
+            <a:avLst/>
+          </a:prstGeom>
+        </p:spPr>
+        <p:txBody>
+          <a:bodyPr lIns="0" rIns="0" tIns="0" bIns="0"/>
           <a:p>
             <a:endParaRPr b="0" lang="en-US" sz="2000" spc="-1" strike="noStrike">
               <a:latin typeface="Arial"/>
@@ -1248,14 +1285,14 @@
       </p:sp>
       <p:sp>
         <p:nvSpPr>
-          <p:cNvPr id="80" name="TextShape 3"/>
-          <p:cNvSpPr txBox="1"/>
+          <p:cNvPr id="83" name="CustomShape 3"/>
+          <p:cNvSpPr/>
           <p:nvPr/>
         </p:nvSpPr>
         <p:spPr>
           <a:xfrm>
             <a:off x="3884760" y="8685360"/>
-            <a:ext cx="2971440" cy="458280"/>
+            <a:ext cx="2971080" cy="457920"/>
           </a:xfrm>
           <a:prstGeom prst="rect">
             <a:avLst/>
@@ -1265,15 +1302,21 @@
             <a:noFill/>
           </a:ln>
         </p:spPr>
-        <p:txBody>
-          <a:bodyPr anchor="b"/>
+        <p:style>
+          <a:lnRef idx="0"/>
+          <a:fillRef idx="0"/>
+          <a:effectRef idx="0"/>
+          <a:fontRef idx="minor"/>
+        </p:style>
+        <p:txBody>
+          <a:bodyPr lIns="90000" rIns="90000" tIns="45000" bIns="45000" anchor="b"/>
           <a:p>
             <a:pPr algn="r">
               <a:lnSpc>
                 <a:spcPct val="100000"/>
               </a:lnSpc>
             </a:pPr>
-            <a:fld id="{77907922-BED6-4E26-B22B-31D148893BA5}" type="slidenum">
+            <a:fld id="{9B814043-9D30-40FF-B130-EF2C32B1083D}" type="slidenum">
               <a:rPr b="0" lang="en-US" sz="1200" spc="-1" strike="noStrike">
                 <a:solidFill>
                   <a:srgbClr val="000000"/>
@@ -1281,10 +1324,10 @@
                 <a:latin typeface="+mn-lt"/>
                 <a:ea typeface="+mn-ea"/>
               </a:rPr>
-              <a:t>1</a:t>
+              <a:t>&lt;number&gt;</a:t>
             </a:fld>
             <a:endParaRPr b="0" lang="en-US" sz="1200" spc="-1" strike="noStrike">
-              <a:latin typeface="Times New Roman"/>
+              <a:latin typeface="Arial"/>
             </a:endParaRPr>
           </a:p>
         </p:txBody>
@@ -1313,7 +1356,7 @@
       </p:grpSpPr>
       <p:sp>
         <p:nvSpPr>
-          <p:cNvPr id="81" name="PlaceHolder 1"/>
+          <p:cNvPr id="84" name="PlaceHolder 1"/>
           <p:cNvSpPr>
             <a:spLocks noGrp="1"/>
           </p:cNvSpPr>
@@ -1324,16 +1367,16 @@
         <p:spPr>
           <a:xfrm>
             <a:off x="685800" y="1143000"/>
-            <a:ext cx="5486040" cy="3085920"/>
-          </a:xfrm>
-          <a:prstGeom prst="rect">
-            <a:avLst/>
-          </a:prstGeom>
-        </p:spPr>
-      </p:sp>
-      <p:sp>
-        <p:nvSpPr>
-          <p:cNvPr id="82" name="PlaceHolder 2"/>
+            <a:ext cx="5485680" cy="3085560"/>
+          </a:xfrm>
+          <a:prstGeom prst="rect">
+            <a:avLst/>
+          </a:prstGeom>
+        </p:spPr>
+      </p:sp>
+      <p:sp>
+        <p:nvSpPr>
+          <p:cNvPr id="85" name="PlaceHolder 2"/>
           <p:cNvSpPr>
             <a:spLocks noGrp="1"/>
           </p:cNvSpPr>
@@ -1344,14 +1387,14 @@
         <p:spPr>
           <a:xfrm>
             <a:off x="685800" y="4400640"/>
-            <a:ext cx="5486040" cy="3600000"/>
-          </a:xfrm>
-          <a:prstGeom prst="rect">
-            <a:avLst/>
-          </a:prstGeom>
-        </p:spPr>
-        <p:txBody>
-          <a:bodyPr/>
+            <a:ext cx="5485680" cy="3599640"/>
+          </a:xfrm>
+          <a:prstGeom prst="rect">
+            <a:avLst/>
+          </a:prstGeom>
+        </p:spPr>
+        <p:txBody>
+          <a:bodyPr lIns="0" rIns="0" tIns="0" bIns="0"/>
           <a:p>
             <a:endParaRPr b="0" lang="en-US" sz="2000" spc="-1" strike="noStrike">
               <a:latin typeface="Arial"/>
@@ -1361,14 +1404,14 @@
       </p:sp>
       <p:sp>
         <p:nvSpPr>
-          <p:cNvPr id="83" name="TextShape 3"/>
-          <p:cNvSpPr txBox="1"/>
+          <p:cNvPr id="86" name="CustomShape 3"/>
+          <p:cNvSpPr/>
           <p:nvPr/>
         </p:nvSpPr>
         <p:spPr>
           <a:xfrm>
             <a:off x="3884760" y="8685360"/>
-            <a:ext cx="2971440" cy="458280"/>
+            <a:ext cx="2971080" cy="457920"/>
           </a:xfrm>
           <a:prstGeom prst="rect">
             <a:avLst/>
@@ -1378,15 +1421,21 @@
             <a:noFill/>
           </a:ln>
         </p:spPr>
-        <p:txBody>
-          <a:bodyPr anchor="b"/>
+        <p:style>
+          <a:lnRef idx="0"/>
+          <a:fillRef idx="0"/>
+          <a:effectRef idx="0"/>
+          <a:fontRef idx="minor"/>
+        </p:style>
+        <p:txBody>
+          <a:bodyPr lIns="90000" rIns="90000" tIns="45000" bIns="45000" anchor="b"/>
           <a:p>
             <a:pPr algn="r">
               <a:lnSpc>
                 <a:spcPct val="100000"/>
               </a:lnSpc>
             </a:pPr>
-            <a:fld id="{16D94C51-1542-41E7-964C-E8F13665B2BC}" type="slidenum">
+            <a:fld id="{69607DB9-1BA6-4BE1-9D52-BC9432598240}" type="slidenum">
               <a:rPr b="0" lang="en-US" sz="1200" spc="-1" strike="noStrike">
                 <a:solidFill>
                   <a:srgbClr val="000000"/>
@@ -1394,10 +1443,10 @@
                 <a:latin typeface="+mn-lt"/>
                 <a:ea typeface="+mn-ea"/>
               </a:rPr>
-              <a:t>1</a:t>
+              <a:t>&lt;number&gt;</a:t>
             </a:fld>
             <a:endParaRPr b="0" lang="en-US" sz="1200" spc="-1" strike="noStrike">
-              <a:latin typeface="Times New Roman"/>
+              <a:latin typeface="Arial"/>
             </a:endParaRPr>
           </a:p>
         </p:txBody>
@@ -1426,7 +1475,7 @@
       </p:grpSpPr>
       <p:sp>
         <p:nvSpPr>
-          <p:cNvPr id="84" name="PlaceHolder 1"/>
+          <p:cNvPr id="87" name="PlaceHolder 1"/>
           <p:cNvSpPr>
             <a:spLocks noGrp="1"/>
           </p:cNvSpPr>
@@ -1437,16 +1486,16 @@
         <p:spPr>
           <a:xfrm>
             <a:off x="685800" y="1143000"/>
-            <a:ext cx="5486040" cy="3085920"/>
-          </a:xfrm>
-          <a:prstGeom prst="rect">
-            <a:avLst/>
-          </a:prstGeom>
-        </p:spPr>
-      </p:sp>
-      <p:sp>
-        <p:nvSpPr>
-          <p:cNvPr id="85" name="PlaceHolder 2"/>
+            <a:ext cx="5485680" cy="3085560"/>
+          </a:xfrm>
+          <a:prstGeom prst="rect">
+            <a:avLst/>
+          </a:prstGeom>
+        </p:spPr>
+      </p:sp>
+      <p:sp>
+        <p:nvSpPr>
+          <p:cNvPr id="88" name="PlaceHolder 2"/>
           <p:cNvSpPr>
             <a:spLocks noGrp="1"/>
           </p:cNvSpPr>
@@ -1457,14 +1506,14 @@
         <p:spPr>
           <a:xfrm>
             <a:off x="685800" y="4400640"/>
-            <a:ext cx="5486040" cy="3600000"/>
-          </a:xfrm>
-          <a:prstGeom prst="rect">
-            <a:avLst/>
-          </a:prstGeom>
-        </p:spPr>
-        <p:txBody>
-          <a:bodyPr/>
+            <a:ext cx="5485680" cy="3599640"/>
+          </a:xfrm>
+          <a:prstGeom prst="rect">
+            <a:avLst/>
+          </a:prstGeom>
+        </p:spPr>
+        <p:txBody>
+          <a:bodyPr lIns="0" rIns="0" tIns="0" bIns="0"/>
           <a:p>
             <a:endParaRPr b="0" lang="en-US" sz="2000" spc="-1" strike="noStrike">
               <a:latin typeface="Arial"/>
@@ -1474,14 +1523,14 @@
       </p:sp>
       <p:sp>
         <p:nvSpPr>
-          <p:cNvPr id="86" name="TextShape 3"/>
-          <p:cNvSpPr txBox="1"/>
+          <p:cNvPr id="89" name="CustomShape 3"/>
+          <p:cNvSpPr/>
           <p:nvPr/>
         </p:nvSpPr>
         <p:spPr>
           <a:xfrm>
             <a:off x="3884760" y="8685360"/>
-            <a:ext cx="2971440" cy="458280"/>
+            <a:ext cx="2971080" cy="457920"/>
           </a:xfrm>
           <a:prstGeom prst="rect">
             <a:avLst/>
@@ -1491,15 +1540,21 @@
             <a:noFill/>
           </a:ln>
         </p:spPr>
-        <p:txBody>
-          <a:bodyPr anchor="b"/>
+        <p:style>
+          <a:lnRef idx="0"/>
+          <a:fillRef idx="0"/>
+          <a:effectRef idx="0"/>
+          <a:fontRef idx="minor"/>
+        </p:style>
+        <p:txBody>
+          <a:bodyPr lIns="90000" rIns="90000" tIns="45000" bIns="45000" anchor="b"/>
           <a:p>
             <a:pPr algn="r">
               <a:lnSpc>
                 <a:spcPct val="100000"/>
               </a:lnSpc>
             </a:pPr>
-            <a:fld id="{82D5359E-0900-4381-830F-5EBD956AAAAF}" type="slidenum">
+            <a:fld id="{920EF5C2-53B5-4E33-A931-2E29101930B9}" type="slidenum">
               <a:rPr b="0" lang="en-US" sz="1200" spc="-1" strike="noStrike">
                 <a:solidFill>
                   <a:srgbClr val="000000"/>
@@ -1507,10 +1562,10 @@
                 <a:latin typeface="+mn-lt"/>
                 <a:ea typeface="+mn-ea"/>
               </a:rPr>
-              <a:t>1</a:t>
+              <a:t>&lt;number&gt;</a:t>
             </a:fld>
             <a:endParaRPr b="0" lang="en-US" sz="1200" spc="-1" strike="noStrike">
-              <a:latin typeface="Times New Roman"/>
+              <a:latin typeface="Arial"/>
             </a:endParaRPr>
           </a:p>
         </p:txBody>
@@ -1561,7 +1616,7 @@
       </p:grpSpPr>
       <p:sp>
         <p:nvSpPr>
-          <p:cNvPr id="26" name="PlaceHolder 1"/>
+          <p:cNvPr id="23" name="PlaceHolder 1"/>
           <p:cNvSpPr>
             <a:spLocks noGrp="1"/>
           </p:cNvSpPr>
@@ -1572,7 +1627,7 @@
         <p:spPr>
           <a:xfrm>
             <a:off x="1523880" y="1122480"/>
-            <a:ext cx="9143640" cy="2387160"/>
+            <a:ext cx="9143280" cy="2386800"/>
           </a:xfrm>
           <a:prstGeom prst="rect">
             <a:avLst/>
@@ -1581,18 +1636,16 @@
         <p:txBody>
           <a:bodyPr lIns="0" rIns="0" tIns="0" bIns="0" anchor="ctr"/>
           <a:p>
-            <a:endParaRPr b="0" lang="ko-KR" sz="1800" spc="-1" strike="noStrike">
-              <a:solidFill>
-                <a:srgbClr val="000000"/>
-              </a:solidFill>
-              <a:latin typeface="맑은 고딕"/>
-            </a:endParaRPr>
-          </a:p>
-        </p:txBody>
-      </p:sp>
-      <p:sp>
-        <p:nvSpPr>
-          <p:cNvPr id="27" name="PlaceHolder 2"/>
+            <a:pPr algn="ctr"/>
+            <a:endParaRPr b="0" lang="en-US" sz="4400" spc="-1" strike="noStrike">
+              <a:latin typeface="Arial"/>
+            </a:endParaRPr>
+          </a:p>
+        </p:txBody>
+      </p:sp>
+      <p:sp>
+        <p:nvSpPr>
+          <p:cNvPr id="24" name="PlaceHolder 2"/>
           <p:cNvSpPr>
             <a:spLocks noGrp="1"/>
           </p:cNvSpPr>
@@ -1614,18 +1667,15 @@
             <a:normAutofit/>
           </a:bodyPr>
           <a:p>
-            <a:endParaRPr b="0" lang="ko-KR" sz="2800" spc="-1" strike="noStrike">
-              <a:solidFill>
-                <a:srgbClr val="000000"/>
-              </a:solidFill>
-              <a:latin typeface="맑은 고딕"/>
-            </a:endParaRPr>
-          </a:p>
-        </p:txBody>
-      </p:sp>
-      <p:sp>
-        <p:nvSpPr>
-          <p:cNvPr id="28" name="PlaceHolder 3"/>
+            <a:endParaRPr b="0" lang="en-US" sz="3200" spc="-1" strike="noStrike">
+              <a:latin typeface="Arial"/>
+            </a:endParaRPr>
+          </a:p>
+        </p:txBody>
+      </p:sp>
+      <p:sp>
+        <p:nvSpPr>
+          <p:cNvPr id="25" name="PlaceHolder 3"/>
           <p:cNvSpPr>
             <a:spLocks noGrp="1"/>
           </p:cNvSpPr>
@@ -1647,11 +1697,8 @@
             <a:normAutofit/>
           </a:bodyPr>
           <a:p>
-            <a:endParaRPr b="0" lang="ko-KR" sz="2800" spc="-1" strike="noStrike">
-              <a:solidFill>
-                <a:srgbClr val="000000"/>
-              </a:solidFill>
-              <a:latin typeface="맑은 고딕"/>
+            <a:endParaRPr b="0" lang="en-US" sz="3200" spc="-1" strike="noStrike">
+              <a:latin typeface="Arial"/>
             </a:endParaRPr>
           </a:p>
         </p:txBody>
@@ -1680,7 +1727,7 @@
       </p:grpSpPr>
       <p:sp>
         <p:nvSpPr>
-          <p:cNvPr id="29" name="PlaceHolder 1"/>
+          <p:cNvPr id="26" name="PlaceHolder 1"/>
           <p:cNvSpPr>
             <a:spLocks noGrp="1"/>
           </p:cNvSpPr>
@@ -1691,7 +1738,7 @@
         <p:spPr>
           <a:xfrm>
             <a:off x="1523880" y="1122480"/>
-            <a:ext cx="9143640" cy="2387160"/>
+            <a:ext cx="9143280" cy="2386800"/>
           </a:xfrm>
           <a:prstGeom prst="rect">
             <a:avLst/>
@@ -1700,18 +1747,16 @@
         <p:txBody>
           <a:bodyPr lIns="0" rIns="0" tIns="0" bIns="0" anchor="ctr"/>
           <a:p>
-            <a:endParaRPr b="0" lang="ko-KR" sz="1800" spc="-1" strike="noStrike">
-              <a:solidFill>
-                <a:srgbClr val="000000"/>
-              </a:solidFill>
-              <a:latin typeface="맑은 고딕"/>
-            </a:endParaRPr>
-          </a:p>
-        </p:txBody>
-      </p:sp>
-      <p:sp>
-        <p:nvSpPr>
-          <p:cNvPr id="30" name="PlaceHolder 2"/>
+            <a:pPr algn="ctr"/>
+            <a:endParaRPr b="0" lang="en-US" sz="4400" spc="-1" strike="noStrike">
+              <a:latin typeface="Arial"/>
+            </a:endParaRPr>
+          </a:p>
+        </p:txBody>
+      </p:sp>
+      <p:sp>
+        <p:nvSpPr>
+          <p:cNvPr id="27" name="PlaceHolder 2"/>
           <p:cNvSpPr>
             <a:spLocks noGrp="1"/>
           </p:cNvSpPr>
@@ -1733,18 +1778,15 @@
             <a:normAutofit/>
           </a:bodyPr>
           <a:p>
-            <a:endParaRPr b="0" lang="ko-KR" sz="2800" spc="-1" strike="noStrike">
-              <a:solidFill>
-                <a:srgbClr val="000000"/>
-              </a:solidFill>
-              <a:latin typeface="맑은 고딕"/>
-            </a:endParaRPr>
-          </a:p>
-        </p:txBody>
-      </p:sp>
-      <p:sp>
-        <p:nvSpPr>
-          <p:cNvPr id="31" name="PlaceHolder 3"/>
+            <a:endParaRPr b="0" lang="en-US" sz="3200" spc="-1" strike="noStrike">
+              <a:latin typeface="Arial"/>
+            </a:endParaRPr>
+          </a:p>
+        </p:txBody>
+      </p:sp>
+      <p:sp>
+        <p:nvSpPr>
+          <p:cNvPr id="28" name="PlaceHolder 3"/>
           <p:cNvSpPr>
             <a:spLocks noGrp="1"/>
           </p:cNvSpPr>
@@ -1766,18 +1808,15 @@
             <a:normAutofit/>
           </a:bodyPr>
           <a:p>
-            <a:endParaRPr b="0" lang="ko-KR" sz="2800" spc="-1" strike="noStrike">
-              <a:solidFill>
-                <a:srgbClr val="000000"/>
-              </a:solidFill>
-              <a:latin typeface="맑은 고딕"/>
-            </a:endParaRPr>
-          </a:p>
-        </p:txBody>
-      </p:sp>
-      <p:sp>
-        <p:nvSpPr>
-          <p:cNvPr id="32" name="PlaceHolder 4"/>
+            <a:endParaRPr b="0" lang="en-US" sz="3200" spc="-1" strike="noStrike">
+              <a:latin typeface="Arial"/>
+            </a:endParaRPr>
+          </a:p>
+        </p:txBody>
+      </p:sp>
+      <p:sp>
+        <p:nvSpPr>
+          <p:cNvPr id="29" name="PlaceHolder 4"/>
           <p:cNvSpPr>
             <a:spLocks noGrp="1"/>
           </p:cNvSpPr>
@@ -1799,18 +1838,15 @@
             <a:normAutofit/>
           </a:bodyPr>
           <a:p>
-            <a:endParaRPr b="0" lang="ko-KR" sz="2800" spc="-1" strike="noStrike">
-              <a:solidFill>
-                <a:srgbClr val="000000"/>
-              </a:solidFill>
-              <a:latin typeface="맑은 고딕"/>
-            </a:endParaRPr>
-          </a:p>
-        </p:txBody>
-      </p:sp>
-      <p:sp>
-        <p:nvSpPr>
-          <p:cNvPr id="33" name="PlaceHolder 5"/>
+            <a:endParaRPr b="0" lang="en-US" sz="3200" spc="-1" strike="noStrike">
+              <a:latin typeface="Arial"/>
+            </a:endParaRPr>
+          </a:p>
+        </p:txBody>
+      </p:sp>
+      <p:sp>
+        <p:nvSpPr>
+          <p:cNvPr id="30" name="PlaceHolder 5"/>
           <p:cNvSpPr>
             <a:spLocks noGrp="1"/>
           </p:cNvSpPr>
@@ -1832,11 +1868,8 @@
             <a:normAutofit/>
           </a:bodyPr>
           <a:p>
-            <a:endParaRPr b="0" lang="ko-KR" sz="2800" spc="-1" strike="noStrike">
-              <a:solidFill>
-                <a:srgbClr val="000000"/>
-              </a:solidFill>
-              <a:latin typeface="맑은 고딕"/>
+            <a:endParaRPr b="0" lang="en-US" sz="3200" spc="-1" strike="noStrike">
+              <a:latin typeface="Arial"/>
             </a:endParaRPr>
           </a:p>
         </p:txBody>
@@ -1865,7 +1898,7 @@
       </p:grpSpPr>
       <p:sp>
         <p:nvSpPr>
-          <p:cNvPr id="34" name="PlaceHolder 1"/>
+          <p:cNvPr id="31" name="PlaceHolder 1"/>
           <p:cNvSpPr>
             <a:spLocks noGrp="1"/>
           </p:cNvSpPr>
@@ -1876,7 +1909,7 @@
         <p:spPr>
           <a:xfrm>
             <a:off x="1523880" y="1122480"/>
-            <a:ext cx="9143640" cy="2387160"/>
+            <a:ext cx="9143280" cy="2386800"/>
           </a:xfrm>
           <a:prstGeom prst="rect">
             <a:avLst/>
@@ -1885,18 +1918,16 @@
         <p:txBody>
           <a:bodyPr lIns="0" rIns="0" tIns="0" bIns="0" anchor="ctr"/>
           <a:p>
-            <a:endParaRPr b="0" lang="ko-KR" sz="1800" spc="-1" strike="noStrike">
-              <a:solidFill>
-                <a:srgbClr val="000000"/>
-              </a:solidFill>
-              <a:latin typeface="맑은 고딕"/>
-            </a:endParaRPr>
-          </a:p>
-        </p:txBody>
-      </p:sp>
-      <p:sp>
-        <p:nvSpPr>
-          <p:cNvPr id="35" name="PlaceHolder 2"/>
+            <a:pPr algn="ctr"/>
+            <a:endParaRPr b="0" lang="en-US" sz="4400" spc="-1" strike="noStrike">
+              <a:latin typeface="Arial"/>
+            </a:endParaRPr>
+          </a:p>
+        </p:txBody>
+      </p:sp>
+      <p:sp>
+        <p:nvSpPr>
+          <p:cNvPr id="32" name="PlaceHolder 2"/>
           <p:cNvSpPr>
             <a:spLocks noGrp="1"/>
           </p:cNvSpPr>
@@ -1918,18 +1949,15 @@
             <a:normAutofit/>
           </a:bodyPr>
           <a:p>
-            <a:endParaRPr b="0" lang="ko-KR" sz="2800" spc="-1" strike="noStrike">
-              <a:solidFill>
-                <a:srgbClr val="000000"/>
-              </a:solidFill>
-              <a:latin typeface="맑은 고딕"/>
-            </a:endParaRPr>
-          </a:p>
-        </p:txBody>
-      </p:sp>
-      <p:sp>
-        <p:nvSpPr>
-          <p:cNvPr id="36" name="PlaceHolder 3"/>
+            <a:endParaRPr b="0" lang="en-US" sz="3200" spc="-1" strike="noStrike">
+              <a:latin typeface="Arial"/>
+            </a:endParaRPr>
+          </a:p>
+        </p:txBody>
+      </p:sp>
+      <p:sp>
+        <p:nvSpPr>
+          <p:cNvPr id="33" name="PlaceHolder 3"/>
           <p:cNvSpPr>
             <a:spLocks noGrp="1"/>
           </p:cNvSpPr>
@@ -1951,18 +1979,15 @@
             <a:normAutofit/>
           </a:bodyPr>
           <a:p>
-            <a:endParaRPr b="0" lang="ko-KR" sz="2800" spc="-1" strike="noStrike">
-              <a:solidFill>
-                <a:srgbClr val="000000"/>
-              </a:solidFill>
-              <a:latin typeface="맑은 고딕"/>
-            </a:endParaRPr>
-          </a:p>
-        </p:txBody>
-      </p:sp>
-      <p:sp>
-        <p:nvSpPr>
-          <p:cNvPr id="37" name="PlaceHolder 4"/>
+            <a:endParaRPr b="0" lang="en-US" sz="3200" spc="-1" strike="noStrike">
+              <a:latin typeface="Arial"/>
+            </a:endParaRPr>
+          </a:p>
+        </p:txBody>
+      </p:sp>
+      <p:sp>
+        <p:nvSpPr>
+          <p:cNvPr id="34" name="PlaceHolder 4"/>
           <p:cNvSpPr>
             <a:spLocks noGrp="1"/>
           </p:cNvSpPr>
@@ -1984,18 +2009,15 @@
             <a:normAutofit/>
           </a:bodyPr>
           <a:p>
-            <a:endParaRPr b="0" lang="ko-KR" sz="2800" spc="-1" strike="noStrike">
-              <a:solidFill>
-                <a:srgbClr val="000000"/>
-              </a:solidFill>
-              <a:latin typeface="맑은 고딕"/>
-            </a:endParaRPr>
-          </a:p>
-        </p:txBody>
-      </p:sp>
-      <p:sp>
-        <p:nvSpPr>
-          <p:cNvPr id="38" name="PlaceHolder 5"/>
+            <a:endParaRPr b="0" lang="en-US" sz="3200" spc="-1" strike="noStrike">
+              <a:latin typeface="Arial"/>
+            </a:endParaRPr>
+          </a:p>
+        </p:txBody>
+      </p:sp>
+      <p:sp>
+        <p:nvSpPr>
+          <p:cNvPr id="35" name="PlaceHolder 5"/>
           <p:cNvSpPr>
             <a:spLocks noGrp="1"/>
           </p:cNvSpPr>
@@ -2017,18 +2039,15 @@
             <a:normAutofit/>
           </a:bodyPr>
           <a:p>
-            <a:endParaRPr b="0" lang="ko-KR" sz="2800" spc="-1" strike="noStrike">
-              <a:solidFill>
-                <a:srgbClr val="000000"/>
-              </a:solidFill>
-              <a:latin typeface="맑은 고딕"/>
-            </a:endParaRPr>
-          </a:p>
-        </p:txBody>
-      </p:sp>
-      <p:sp>
-        <p:nvSpPr>
-          <p:cNvPr id="39" name="PlaceHolder 6"/>
+            <a:endParaRPr b="0" lang="en-US" sz="3200" spc="-1" strike="noStrike">
+              <a:latin typeface="Arial"/>
+            </a:endParaRPr>
+          </a:p>
+        </p:txBody>
+      </p:sp>
+      <p:sp>
+        <p:nvSpPr>
+          <p:cNvPr id="36" name="PlaceHolder 6"/>
           <p:cNvSpPr>
             <a:spLocks noGrp="1"/>
           </p:cNvSpPr>
@@ -2050,18 +2069,15 @@
             <a:normAutofit/>
           </a:bodyPr>
           <a:p>
-            <a:endParaRPr b="0" lang="ko-KR" sz="2800" spc="-1" strike="noStrike">
-              <a:solidFill>
-                <a:srgbClr val="000000"/>
-              </a:solidFill>
-              <a:latin typeface="맑은 고딕"/>
-            </a:endParaRPr>
-          </a:p>
-        </p:txBody>
-      </p:sp>
-      <p:sp>
-        <p:nvSpPr>
-          <p:cNvPr id="40" name="PlaceHolder 7"/>
+            <a:endParaRPr b="0" lang="en-US" sz="3200" spc="-1" strike="noStrike">
+              <a:latin typeface="Arial"/>
+            </a:endParaRPr>
+          </a:p>
+        </p:txBody>
+      </p:sp>
+      <p:sp>
+        <p:nvSpPr>
+          <p:cNvPr id="37" name="PlaceHolder 7"/>
           <p:cNvSpPr>
             <a:spLocks noGrp="1"/>
           </p:cNvSpPr>
@@ -2083,11 +2099,8 @@
             <a:normAutofit/>
           </a:bodyPr>
           <a:p>
-            <a:endParaRPr b="0" lang="ko-KR" sz="2800" spc="-1" strike="noStrike">
-              <a:solidFill>
-                <a:srgbClr val="000000"/>
-              </a:solidFill>
-              <a:latin typeface="맑은 고딕"/>
+            <a:endParaRPr b="0" lang="en-US" sz="3200" spc="-1" strike="noStrike">
+              <a:latin typeface="Arial"/>
             </a:endParaRPr>
           </a:p>
         </p:txBody>
@@ -2116,7 +2129,7 @@
       </p:grpSpPr>
       <p:sp>
         <p:nvSpPr>
-          <p:cNvPr id="5" name="PlaceHolder 1"/>
+          <p:cNvPr id="2" name="PlaceHolder 1"/>
           <p:cNvSpPr>
             <a:spLocks noGrp="1"/>
           </p:cNvSpPr>
@@ -2127,7 +2140,7 @@
         <p:spPr>
           <a:xfrm>
             <a:off x="1523880" y="1122480"/>
-            <a:ext cx="9143640" cy="2387160"/>
+            <a:ext cx="9143280" cy="2386800"/>
           </a:xfrm>
           <a:prstGeom prst="rect">
             <a:avLst/>
@@ -2136,18 +2149,16 @@
         <p:txBody>
           <a:bodyPr lIns="0" rIns="0" tIns="0" bIns="0" anchor="ctr"/>
           <a:p>
-            <a:endParaRPr b="0" lang="ko-KR" sz="1800" spc="-1" strike="noStrike">
-              <a:solidFill>
-                <a:srgbClr val="000000"/>
-              </a:solidFill>
-              <a:latin typeface="맑은 고딕"/>
-            </a:endParaRPr>
-          </a:p>
-        </p:txBody>
-      </p:sp>
-      <p:sp>
-        <p:nvSpPr>
-          <p:cNvPr id="6" name="PlaceHolder 2"/>
+            <a:pPr algn="ctr"/>
+            <a:endParaRPr b="0" lang="en-US" sz="4400" spc="-1" strike="noStrike">
+              <a:latin typeface="Arial"/>
+            </a:endParaRPr>
+          </a:p>
+        </p:txBody>
+      </p:sp>
+      <p:sp>
+        <p:nvSpPr>
+          <p:cNvPr id="3" name="PlaceHolder 2"/>
           <p:cNvSpPr>
             <a:spLocks noGrp="1"/>
           </p:cNvSpPr>
@@ -2198,7 +2209,7 @@
       </p:grpSpPr>
       <p:sp>
         <p:nvSpPr>
-          <p:cNvPr id="7" name="PlaceHolder 1"/>
+          <p:cNvPr id="4" name="PlaceHolder 1"/>
           <p:cNvSpPr>
             <a:spLocks noGrp="1"/>
           </p:cNvSpPr>
@@ -2209,7 +2220,7 @@
         <p:spPr>
           <a:xfrm>
             <a:off x="1523880" y="1122480"/>
-            <a:ext cx="9143640" cy="2387160"/>
+            <a:ext cx="9143280" cy="2386800"/>
           </a:xfrm>
           <a:prstGeom prst="rect">
             <a:avLst/>
@@ -2218,18 +2229,16 @@
         <p:txBody>
           <a:bodyPr lIns="0" rIns="0" tIns="0" bIns="0" anchor="ctr"/>
           <a:p>
-            <a:endParaRPr b="0" lang="ko-KR" sz="1800" spc="-1" strike="noStrike">
-              <a:solidFill>
-                <a:srgbClr val="000000"/>
-              </a:solidFill>
-              <a:latin typeface="맑은 고딕"/>
-            </a:endParaRPr>
-          </a:p>
-        </p:txBody>
-      </p:sp>
-      <p:sp>
-        <p:nvSpPr>
-          <p:cNvPr id="8" name="PlaceHolder 2"/>
+            <a:pPr algn="ctr"/>
+            <a:endParaRPr b="0" lang="en-US" sz="4400" spc="-1" strike="noStrike">
+              <a:latin typeface="Arial"/>
+            </a:endParaRPr>
+          </a:p>
+        </p:txBody>
+      </p:sp>
+      <p:sp>
+        <p:nvSpPr>
+          <p:cNvPr id="5" name="PlaceHolder 2"/>
           <p:cNvSpPr>
             <a:spLocks noGrp="1"/>
           </p:cNvSpPr>
@@ -2251,11 +2260,8 @@
             <a:normAutofit/>
           </a:bodyPr>
           <a:p>
-            <a:endParaRPr b="0" lang="ko-KR" sz="2800" spc="-1" strike="noStrike">
-              <a:solidFill>
-                <a:srgbClr val="000000"/>
-              </a:solidFill>
-              <a:latin typeface="맑은 고딕"/>
+            <a:endParaRPr b="0" lang="en-US" sz="3200" spc="-1" strike="noStrike">
+              <a:latin typeface="Arial"/>
             </a:endParaRPr>
           </a:p>
         </p:txBody>
@@ -2284,7 +2290,7 @@
       </p:grpSpPr>
       <p:sp>
         <p:nvSpPr>
-          <p:cNvPr id="9" name="PlaceHolder 1"/>
+          <p:cNvPr id="6" name="PlaceHolder 1"/>
           <p:cNvSpPr>
             <a:spLocks noGrp="1"/>
           </p:cNvSpPr>
@@ -2295,7 +2301,7 @@
         <p:spPr>
           <a:xfrm>
             <a:off x="1523880" y="1122480"/>
-            <a:ext cx="9143640" cy="2387160"/>
+            <a:ext cx="9143280" cy="2386800"/>
           </a:xfrm>
           <a:prstGeom prst="rect">
             <a:avLst/>
@@ -2304,18 +2310,16 @@
         <p:txBody>
           <a:bodyPr lIns="0" rIns="0" tIns="0" bIns="0" anchor="ctr"/>
           <a:p>
-            <a:endParaRPr b="0" lang="ko-KR" sz="1800" spc="-1" strike="noStrike">
-              <a:solidFill>
-                <a:srgbClr val="000000"/>
-              </a:solidFill>
-              <a:latin typeface="맑은 고딕"/>
-            </a:endParaRPr>
-          </a:p>
-        </p:txBody>
-      </p:sp>
-      <p:sp>
-        <p:nvSpPr>
-          <p:cNvPr id="10" name="PlaceHolder 2"/>
+            <a:pPr algn="ctr"/>
+            <a:endParaRPr b="0" lang="en-US" sz="4400" spc="-1" strike="noStrike">
+              <a:latin typeface="Arial"/>
+            </a:endParaRPr>
+          </a:p>
+        </p:txBody>
+      </p:sp>
+      <p:sp>
+        <p:nvSpPr>
+          <p:cNvPr id="7" name="PlaceHolder 2"/>
           <p:cNvSpPr>
             <a:spLocks noGrp="1"/>
           </p:cNvSpPr>
@@ -2337,18 +2341,15 @@
             <a:normAutofit/>
           </a:bodyPr>
           <a:p>
-            <a:endParaRPr b="0" lang="ko-KR" sz="2800" spc="-1" strike="noStrike">
-              <a:solidFill>
-                <a:srgbClr val="000000"/>
-              </a:solidFill>
-              <a:latin typeface="맑은 고딕"/>
-            </a:endParaRPr>
-          </a:p>
-        </p:txBody>
-      </p:sp>
-      <p:sp>
-        <p:nvSpPr>
-          <p:cNvPr id="11" name="PlaceHolder 3"/>
+            <a:endParaRPr b="0" lang="en-US" sz="3200" spc="-1" strike="noStrike">
+              <a:latin typeface="Arial"/>
+            </a:endParaRPr>
+          </a:p>
+        </p:txBody>
+      </p:sp>
+      <p:sp>
+        <p:nvSpPr>
+          <p:cNvPr id="8" name="PlaceHolder 3"/>
           <p:cNvSpPr>
             <a:spLocks noGrp="1"/>
           </p:cNvSpPr>
@@ -2370,11 +2371,8 @@
             <a:normAutofit/>
           </a:bodyPr>
           <a:p>
-            <a:endParaRPr b="0" lang="ko-KR" sz="2800" spc="-1" strike="noStrike">
-              <a:solidFill>
-                <a:srgbClr val="000000"/>
-              </a:solidFill>
-              <a:latin typeface="맑은 고딕"/>
+            <a:endParaRPr b="0" lang="en-US" sz="3200" spc="-1" strike="noStrike">
+              <a:latin typeface="Arial"/>
             </a:endParaRPr>
           </a:p>
         </p:txBody>
@@ -2403,7 +2401,7 @@
       </p:grpSpPr>
       <p:sp>
         <p:nvSpPr>
-          <p:cNvPr id="12" name="PlaceHolder 1"/>
+          <p:cNvPr id="9" name="PlaceHolder 1"/>
           <p:cNvSpPr>
             <a:spLocks noGrp="1"/>
           </p:cNvSpPr>
@@ -2414,7 +2412,7 @@
         <p:spPr>
           <a:xfrm>
             <a:off x="1523880" y="1122480"/>
-            <a:ext cx="9143640" cy="2387160"/>
+            <a:ext cx="9143280" cy="2386800"/>
           </a:xfrm>
           <a:prstGeom prst="rect">
             <a:avLst/>
@@ -2423,11 +2421,9 @@
         <p:txBody>
           <a:bodyPr lIns="0" rIns="0" tIns="0" bIns="0" anchor="ctr"/>
           <a:p>
-            <a:endParaRPr b="0" lang="ko-KR" sz="1800" spc="-1" strike="noStrike">
-              <a:solidFill>
-                <a:srgbClr val="000000"/>
-              </a:solidFill>
-              <a:latin typeface="맑은 고딕"/>
+            <a:pPr algn="ctr"/>
+            <a:endParaRPr b="0" lang="en-US" sz="4400" spc="-1" strike="noStrike">
+              <a:latin typeface="Arial"/>
             </a:endParaRPr>
           </a:p>
         </p:txBody>
@@ -2456,7 +2452,7 @@
       </p:grpSpPr>
       <p:sp>
         <p:nvSpPr>
-          <p:cNvPr id="13" name="PlaceHolder 1"/>
+          <p:cNvPr id="10" name="PlaceHolder 1"/>
           <p:cNvSpPr>
             <a:spLocks noGrp="1"/>
           </p:cNvSpPr>
@@ -2467,7 +2463,7 @@
         <p:spPr>
           <a:xfrm>
             <a:off x="1523880" y="1122480"/>
-            <a:ext cx="9143640" cy="11066760"/>
+            <a:ext cx="9143280" cy="11064960"/>
           </a:xfrm>
           <a:prstGeom prst="rect">
             <a:avLst/>
@@ -2507,7 +2503,7 @@
       </p:grpSpPr>
       <p:sp>
         <p:nvSpPr>
-          <p:cNvPr id="14" name="PlaceHolder 1"/>
+          <p:cNvPr id="11" name="PlaceHolder 1"/>
           <p:cNvSpPr>
             <a:spLocks noGrp="1"/>
           </p:cNvSpPr>
@@ -2518,7 +2514,7 @@
         <p:spPr>
           <a:xfrm>
             <a:off x="1523880" y="1122480"/>
-            <a:ext cx="9143640" cy="2387160"/>
+            <a:ext cx="9143280" cy="2386800"/>
           </a:xfrm>
           <a:prstGeom prst="rect">
             <a:avLst/>
@@ -2527,18 +2523,16 @@
         <p:txBody>
           <a:bodyPr lIns="0" rIns="0" tIns="0" bIns="0" anchor="ctr"/>
           <a:p>
-            <a:endParaRPr b="0" lang="ko-KR" sz="1800" spc="-1" strike="noStrike">
-              <a:solidFill>
-                <a:srgbClr val="000000"/>
-              </a:solidFill>
-              <a:latin typeface="맑은 고딕"/>
-            </a:endParaRPr>
-          </a:p>
-        </p:txBody>
-      </p:sp>
-      <p:sp>
-        <p:nvSpPr>
-          <p:cNvPr id="15" name="PlaceHolder 2"/>
+            <a:pPr algn="ctr"/>
+            <a:endParaRPr b="0" lang="en-US" sz="4400" spc="-1" strike="noStrike">
+              <a:latin typeface="Arial"/>
+            </a:endParaRPr>
+          </a:p>
+        </p:txBody>
+      </p:sp>
+      <p:sp>
+        <p:nvSpPr>
+          <p:cNvPr id="12" name="PlaceHolder 2"/>
           <p:cNvSpPr>
             <a:spLocks noGrp="1"/>
           </p:cNvSpPr>
@@ -2560,18 +2554,15 @@
             <a:normAutofit/>
           </a:bodyPr>
           <a:p>
-            <a:endParaRPr b="0" lang="ko-KR" sz="2800" spc="-1" strike="noStrike">
-              <a:solidFill>
-                <a:srgbClr val="000000"/>
-              </a:solidFill>
-              <a:latin typeface="맑은 고딕"/>
-            </a:endParaRPr>
-          </a:p>
-        </p:txBody>
-      </p:sp>
-      <p:sp>
-        <p:nvSpPr>
-          <p:cNvPr id="16" name="PlaceHolder 3"/>
+            <a:endParaRPr b="0" lang="en-US" sz="3200" spc="-1" strike="noStrike">
+              <a:latin typeface="Arial"/>
+            </a:endParaRPr>
+          </a:p>
+        </p:txBody>
+      </p:sp>
+      <p:sp>
+        <p:nvSpPr>
+          <p:cNvPr id="13" name="PlaceHolder 3"/>
           <p:cNvSpPr>
             <a:spLocks noGrp="1"/>
           </p:cNvSpPr>
@@ -2593,18 +2584,15 @@
             <a:normAutofit/>
           </a:bodyPr>
           <a:p>
-            <a:endParaRPr b="0" lang="ko-KR" sz="2800" spc="-1" strike="noStrike">
-              <a:solidFill>
-                <a:srgbClr val="000000"/>
-              </a:solidFill>
-              <a:latin typeface="맑은 고딕"/>
-            </a:endParaRPr>
-          </a:p>
-        </p:txBody>
-      </p:sp>
-      <p:sp>
-        <p:nvSpPr>
-          <p:cNvPr id="17" name="PlaceHolder 4"/>
+            <a:endParaRPr b="0" lang="en-US" sz="3200" spc="-1" strike="noStrike">
+              <a:latin typeface="Arial"/>
+            </a:endParaRPr>
+          </a:p>
+        </p:txBody>
+      </p:sp>
+      <p:sp>
+        <p:nvSpPr>
+          <p:cNvPr id="14" name="PlaceHolder 4"/>
           <p:cNvSpPr>
             <a:spLocks noGrp="1"/>
           </p:cNvSpPr>
@@ -2626,11 +2614,8 @@
             <a:normAutofit/>
           </a:bodyPr>
           <a:p>
-            <a:endParaRPr b="0" lang="ko-KR" sz="2800" spc="-1" strike="noStrike">
-              <a:solidFill>
-                <a:srgbClr val="000000"/>
-              </a:solidFill>
-              <a:latin typeface="맑은 고딕"/>
+            <a:endParaRPr b="0" lang="en-US" sz="3200" spc="-1" strike="noStrike">
+              <a:latin typeface="Arial"/>
             </a:endParaRPr>
           </a:p>
         </p:txBody>
@@ -2659,7 +2644,7 @@
       </p:grpSpPr>
       <p:sp>
         <p:nvSpPr>
-          <p:cNvPr id="18" name="PlaceHolder 1"/>
+          <p:cNvPr id="15" name="PlaceHolder 1"/>
           <p:cNvSpPr>
             <a:spLocks noGrp="1"/>
           </p:cNvSpPr>
@@ -2670,7 +2655,7 @@
         <p:spPr>
           <a:xfrm>
             <a:off x="1523880" y="1122480"/>
-            <a:ext cx="9143640" cy="2387160"/>
+            <a:ext cx="9143280" cy="2386800"/>
           </a:xfrm>
           <a:prstGeom prst="rect">
             <a:avLst/>
@@ -2679,18 +2664,16 @@
         <p:txBody>
           <a:bodyPr lIns="0" rIns="0" tIns="0" bIns="0" anchor="ctr"/>
           <a:p>
-            <a:endParaRPr b="0" lang="ko-KR" sz="1800" spc="-1" strike="noStrike">
-              <a:solidFill>
-                <a:srgbClr val="000000"/>
-              </a:solidFill>
-              <a:latin typeface="맑은 고딕"/>
-            </a:endParaRPr>
-          </a:p>
-        </p:txBody>
-      </p:sp>
-      <p:sp>
-        <p:nvSpPr>
-          <p:cNvPr id="19" name="PlaceHolder 2"/>
+            <a:pPr algn="ctr"/>
+            <a:endParaRPr b="0" lang="en-US" sz="4400" spc="-1" strike="noStrike">
+              <a:latin typeface="Arial"/>
+            </a:endParaRPr>
+          </a:p>
+        </p:txBody>
+      </p:sp>
+      <p:sp>
+        <p:nvSpPr>
+          <p:cNvPr id="16" name="PlaceHolder 2"/>
           <p:cNvSpPr>
             <a:spLocks noGrp="1"/>
           </p:cNvSpPr>
@@ -2712,18 +2695,15 @@
             <a:normAutofit/>
           </a:bodyPr>
           <a:p>
-            <a:endParaRPr b="0" lang="ko-KR" sz="2800" spc="-1" strike="noStrike">
-              <a:solidFill>
-                <a:srgbClr val="000000"/>
-              </a:solidFill>
-              <a:latin typeface="맑은 고딕"/>
-            </a:endParaRPr>
-          </a:p>
-        </p:txBody>
-      </p:sp>
-      <p:sp>
-        <p:nvSpPr>
-          <p:cNvPr id="20" name="PlaceHolder 3"/>
+            <a:endParaRPr b="0" lang="en-US" sz="3200" spc="-1" strike="noStrike">
+              <a:latin typeface="Arial"/>
+            </a:endParaRPr>
+          </a:p>
+        </p:txBody>
+      </p:sp>
+      <p:sp>
+        <p:nvSpPr>
+          <p:cNvPr id="17" name="PlaceHolder 3"/>
           <p:cNvSpPr>
             <a:spLocks noGrp="1"/>
           </p:cNvSpPr>
@@ -2745,18 +2725,15 @@
             <a:normAutofit/>
           </a:bodyPr>
           <a:p>
-            <a:endParaRPr b="0" lang="ko-KR" sz="2800" spc="-1" strike="noStrike">
-              <a:solidFill>
-                <a:srgbClr val="000000"/>
-              </a:solidFill>
-              <a:latin typeface="맑은 고딕"/>
-            </a:endParaRPr>
-          </a:p>
-        </p:txBody>
-      </p:sp>
-      <p:sp>
-        <p:nvSpPr>
-          <p:cNvPr id="21" name="PlaceHolder 4"/>
+            <a:endParaRPr b="0" lang="en-US" sz="3200" spc="-1" strike="noStrike">
+              <a:latin typeface="Arial"/>
+            </a:endParaRPr>
+          </a:p>
+        </p:txBody>
+      </p:sp>
+      <p:sp>
+        <p:nvSpPr>
+          <p:cNvPr id="18" name="PlaceHolder 4"/>
           <p:cNvSpPr>
             <a:spLocks noGrp="1"/>
           </p:cNvSpPr>
@@ -2778,11 +2755,8 @@
             <a:normAutofit/>
           </a:bodyPr>
           <a:p>
-            <a:endParaRPr b="0" lang="ko-KR" sz="2800" spc="-1" strike="noStrike">
-              <a:solidFill>
-                <a:srgbClr val="000000"/>
-              </a:solidFill>
-              <a:latin typeface="맑은 고딕"/>
+            <a:endParaRPr b="0" lang="en-US" sz="3200" spc="-1" strike="noStrike">
+              <a:latin typeface="Arial"/>
             </a:endParaRPr>
           </a:p>
         </p:txBody>
@@ -2811,7 +2785,7 @@
       </p:grpSpPr>
       <p:sp>
         <p:nvSpPr>
-          <p:cNvPr id="22" name="PlaceHolder 1"/>
+          <p:cNvPr id="19" name="PlaceHolder 1"/>
           <p:cNvSpPr>
             <a:spLocks noGrp="1"/>
           </p:cNvSpPr>
@@ -2822,7 +2796,7 @@
         <p:spPr>
           <a:xfrm>
             <a:off x="1523880" y="1122480"/>
-            <a:ext cx="9143640" cy="2387160"/>
+            <a:ext cx="9143280" cy="2386800"/>
           </a:xfrm>
           <a:prstGeom prst="rect">
             <a:avLst/>
@@ -2831,18 +2805,16 @@
         <p:txBody>
           <a:bodyPr lIns="0" rIns="0" tIns="0" bIns="0" anchor="ctr"/>
           <a:p>
-            <a:endParaRPr b="0" lang="ko-KR" sz="1800" spc="-1" strike="noStrike">
-              <a:solidFill>
-                <a:srgbClr val="000000"/>
-              </a:solidFill>
-              <a:latin typeface="맑은 고딕"/>
-            </a:endParaRPr>
-          </a:p>
-        </p:txBody>
-      </p:sp>
-      <p:sp>
-        <p:nvSpPr>
-          <p:cNvPr id="23" name="PlaceHolder 2"/>
+            <a:pPr algn="ctr"/>
+            <a:endParaRPr b="0" lang="en-US" sz="4400" spc="-1" strike="noStrike">
+              <a:latin typeface="Arial"/>
+            </a:endParaRPr>
+          </a:p>
+        </p:txBody>
+      </p:sp>
+      <p:sp>
+        <p:nvSpPr>
+          <p:cNvPr id="20" name="PlaceHolder 2"/>
           <p:cNvSpPr>
             <a:spLocks noGrp="1"/>
           </p:cNvSpPr>
@@ -2864,18 +2836,15 @@
             <a:normAutofit/>
           </a:bodyPr>
           <a:p>
-            <a:endParaRPr b="0" lang="ko-KR" sz="2800" spc="-1" strike="noStrike">
-              <a:solidFill>
-                <a:srgbClr val="000000"/>
-              </a:solidFill>
-              <a:latin typeface="맑은 고딕"/>
-            </a:endParaRPr>
-          </a:p>
-        </p:txBody>
-      </p:sp>
-      <p:sp>
-        <p:nvSpPr>
-          <p:cNvPr id="24" name="PlaceHolder 3"/>
+            <a:endParaRPr b="0" lang="en-US" sz="3200" spc="-1" strike="noStrike">
+              <a:latin typeface="Arial"/>
+            </a:endParaRPr>
+          </a:p>
+        </p:txBody>
+      </p:sp>
+      <p:sp>
+        <p:nvSpPr>
+          <p:cNvPr id="21" name="PlaceHolder 3"/>
           <p:cNvSpPr>
             <a:spLocks noGrp="1"/>
           </p:cNvSpPr>
@@ -2897,18 +2866,15 @@
             <a:normAutofit/>
           </a:bodyPr>
           <a:p>
-            <a:endParaRPr b="0" lang="ko-KR" sz="2800" spc="-1" strike="noStrike">
-              <a:solidFill>
-                <a:srgbClr val="000000"/>
-              </a:solidFill>
-              <a:latin typeface="맑은 고딕"/>
-            </a:endParaRPr>
-          </a:p>
-        </p:txBody>
-      </p:sp>
-      <p:sp>
-        <p:nvSpPr>
-          <p:cNvPr id="25" name="PlaceHolder 4"/>
+            <a:endParaRPr b="0" lang="en-US" sz="3200" spc="-1" strike="noStrike">
+              <a:latin typeface="Arial"/>
+            </a:endParaRPr>
+          </a:p>
+        </p:txBody>
+      </p:sp>
+      <p:sp>
+        <p:nvSpPr>
+          <p:cNvPr id="22" name="PlaceHolder 4"/>
           <p:cNvSpPr>
             <a:spLocks noGrp="1"/>
           </p:cNvSpPr>
@@ -2930,11 +2896,8 @@
             <a:normAutofit/>
           </a:bodyPr>
           <a:p>
-            <a:endParaRPr b="0" lang="ko-KR" sz="2800" spc="-1" strike="noStrike">
-              <a:solidFill>
-                <a:srgbClr val="000000"/>
-              </a:solidFill>
-              <a:latin typeface="맑은 고딕"/>
+            <a:endParaRPr b="0" lang="en-US" sz="3200" spc="-1" strike="noStrike">
+              <a:latin typeface="Arial"/>
             </a:endParaRPr>
           </a:p>
         </p:txBody>
@@ -2981,34 +2944,23 @@
         <p:spPr>
           <a:xfrm>
             <a:off x="1523880" y="1122480"/>
-            <a:ext cx="9143640" cy="2387160"/>
-          </a:xfrm>
-          <a:prstGeom prst="rect">
-            <a:avLst/>
-          </a:prstGeom>
-        </p:spPr>
-        <p:txBody>
-          <a:bodyPr anchor="b"/>
-          <a:p>
-            <a:pPr algn="ctr">
-              <a:lnSpc>
-                <a:spcPct val="90000"/>
-              </a:lnSpc>
-            </a:pPr>
-            <a:r>
-              <a:rPr b="0" lang="ko-KR" sz="6000" spc="-1" strike="noStrike">
-                <a:solidFill>
-                  <a:srgbClr val="000000"/>
-                </a:solidFill>
-                <a:latin typeface="맑은 고딕"/>
-              </a:rPr>
-              <a:t>마스터 제목 스타일 편집</a:t>
-            </a:r>
-            <a:endParaRPr b="0" lang="ko-KR" sz="6000" spc="-1" strike="noStrike">
-              <a:solidFill>
-                <a:srgbClr val="000000"/>
-              </a:solidFill>
-              <a:latin typeface="맑은 고딕"/>
+            <a:ext cx="9143280" cy="2386800"/>
+          </a:xfrm>
+          <a:prstGeom prst="rect">
+            <a:avLst/>
+          </a:prstGeom>
+        </p:spPr>
+        <p:txBody>
+          <a:bodyPr lIns="0" rIns="0" tIns="0" bIns="0" anchor="ctr"/>
+          <a:p>
+            <a:r>
+              <a:rPr b="0" lang="en-US" sz="1800" spc="-1" strike="noStrike">
+                <a:latin typeface="Arial"/>
+              </a:rPr>
+              <a:t>Click to edit the title text format</a:t>
+            </a:r>
+            <a:endParaRPr b="0" lang="en-US" sz="1800" spc="-1" strike="noStrike">
+              <a:latin typeface="Arial"/>
             </a:endParaRPr>
           </a:p>
         </p:txBody>
@@ -3016,118 +2968,6 @@
       <p:sp>
         <p:nvSpPr>
           <p:cNvPr id="1" name="PlaceHolder 2"/>
-          <p:cNvSpPr>
-            <a:spLocks noGrp="1"/>
-          </p:cNvSpPr>
-          <p:nvPr>
-            <p:ph type="dt"/>
-          </p:nvPr>
-        </p:nvSpPr>
-        <p:spPr>
-          <a:xfrm>
-            <a:off x="838080" y="6356520"/>
-            <a:ext cx="2742840" cy="364680"/>
-          </a:xfrm>
-          <a:prstGeom prst="rect">
-            <a:avLst/>
-          </a:prstGeom>
-        </p:spPr>
-        <p:txBody>
-          <a:bodyPr anchor="ctr"/>
-          <a:p>
-            <a:pPr>
-              <a:lnSpc>
-                <a:spcPct val="100000"/>
-              </a:lnSpc>
-            </a:pPr>
-            <a:fld id="{0A563597-352F-414D-BE98-F609F34668EB}" type="datetime">
-              <a:rPr b="0" lang="en-US" sz="1200" spc="-1" strike="noStrike">
-                <a:solidFill>
-                  <a:srgbClr val="8b8b8b"/>
-                </a:solidFill>
-                <a:latin typeface="맑은 고딕"/>
-              </a:rPr>
-              <a:t>5/4/20</a:t>
-            </a:fld>
-            <a:endParaRPr b="0" lang="en-US" sz="1200" spc="-1" strike="noStrike">
-              <a:latin typeface="Times New Roman"/>
-            </a:endParaRPr>
-          </a:p>
-        </p:txBody>
-      </p:sp>
-      <p:sp>
-        <p:nvSpPr>
-          <p:cNvPr id="2" name="PlaceHolder 3"/>
-          <p:cNvSpPr>
-            <a:spLocks noGrp="1"/>
-          </p:cNvSpPr>
-          <p:nvPr>
-            <p:ph type="ftr"/>
-          </p:nvPr>
-        </p:nvSpPr>
-        <p:spPr>
-          <a:xfrm>
-            <a:off x="4038480" y="6356520"/>
-            <a:ext cx="4114440" cy="364680"/>
-          </a:xfrm>
-          <a:prstGeom prst="rect">
-            <a:avLst/>
-          </a:prstGeom>
-        </p:spPr>
-        <p:txBody>
-          <a:bodyPr anchor="ctr"/>
-          <a:p>
-            <a:endParaRPr b="0" lang="en-US" sz="2400" spc="-1" strike="noStrike">
-              <a:latin typeface="Times New Roman"/>
-            </a:endParaRPr>
-          </a:p>
-        </p:txBody>
-      </p:sp>
-      <p:sp>
-        <p:nvSpPr>
-          <p:cNvPr id="3" name="PlaceHolder 4"/>
-          <p:cNvSpPr>
-            <a:spLocks noGrp="1"/>
-          </p:cNvSpPr>
-          <p:nvPr>
-            <p:ph type="sldNum"/>
-          </p:nvPr>
-        </p:nvSpPr>
-        <p:spPr>
-          <a:xfrm>
-            <a:off x="8610480" y="6356520"/>
-            <a:ext cx="2742840" cy="364680"/>
-          </a:xfrm>
-          <a:prstGeom prst="rect">
-            <a:avLst/>
-          </a:prstGeom>
-        </p:spPr>
-        <p:txBody>
-          <a:bodyPr anchor="ctr"/>
-          <a:p>
-            <a:pPr algn="r">
-              <a:lnSpc>
-                <a:spcPct val="100000"/>
-              </a:lnSpc>
-            </a:pPr>
-            <a:fld id="{68F4144B-C3E7-4E73-BCFA-F79287D5E682}" type="slidenum">
-              <a:rPr b="0" lang="en-US" sz="1200" spc="-1" strike="noStrike">
-                <a:solidFill>
-                  <a:srgbClr val="8b8b8b"/>
-                </a:solidFill>
-                <a:latin typeface="맑은 고딕"/>
-              </a:rPr>
-              <a:t>&lt;number&gt;</a:t>
-            </a:fld>
-            <a:endParaRPr b="0" lang="en-US" sz="1200" spc="-1" strike="noStrike">
-              <a:latin typeface="Times New Roman"/>
-            </a:endParaRPr>
-          </a:p>
-        </p:txBody>
-      </p:sp>
-      <p:sp>
-        <p:nvSpPr>
-          <p:cNvPr id="4" name="PlaceHolder 5"/>
           <p:cNvSpPr>
             <a:spLocks noGrp="1"/>
           </p:cNvSpPr>
@@ -3161,19 +3001,13 @@
               <a:buChar char=""/>
             </a:pPr>
             <a:r>
-              <a:rPr b="0" lang="ko-KR" sz="2800" spc="-1" strike="noStrike">
-                <a:solidFill>
-                  <a:srgbClr val="000000"/>
-                </a:solidFill>
-                <a:latin typeface="맑은 고딕"/>
+              <a:rPr b="0" lang="en-US" sz="3200" spc="-1" strike="noStrike">
+                <a:latin typeface="Arial"/>
               </a:rPr>
               <a:t>Click to edit the outline text format</a:t>
             </a:r>
-            <a:endParaRPr b="0" lang="ko-KR" sz="2800" spc="-1" strike="noStrike">
-              <a:solidFill>
-                <a:srgbClr val="000000"/>
-              </a:solidFill>
-              <a:latin typeface="맑은 고딕"/>
+            <a:endParaRPr b="0" lang="en-US" sz="3200" spc="-1" strike="noStrike">
+              <a:latin typeface="Arial"/>
             </a:endParaRPr>
           </a:p>
           <a:p>
@@ -3189,19 +3023,13 @@
               <a:buChar char=""/>
             </a:pPr>
             <a:r>
-              <a:rPr b="0" lang="ko-KR" sz="2000" spc="-1" strike="noStrike">
-                <a:solidFill>
-                  <a:srgbClr val="000000"/>
-                </a:solidFill>
-                <a:latin typeface="맑은 고딕"/>
+              <a:rPr b="0" lang="en-US" sz="2800" spc="-1" strike="noStrike">
+                <a:latin typeface="Arial"/>
               </a:rPr>
               <a:t>Second Outline Level</a:t>
             </a:r>
-            <a:endParaRPr b="0" lang="ko-KR" sz="2000" spc="-1" strike="noStrike">
-              <a:solidFill>
-                <a:srgbClr val="000000"/>
-              </a:solidFill>
-              <a:latin typeface="맑은 고딕"/>
+            <a:endParaRPr b="0" lang="en-US" sz="2800" spc="-1" strike="noStrike">
+              <a:latin typeface="Arial"/>
             </a:endParaRPr>
           </a:p>
           <a:p>
@@ -3217,19 +3045,13 @@
               <a:buChar char=""/>
             </a:pPr>
             <a:r>
-              <a:rPr b="0" lang="ko-KR" sz="1800" spc="-1" strike="noStrike">
-                <a:solidFill>
-                  <a:srgbClr val="000000"/>
-                </a:solidFill>
-                <a:latin typeface="맑은 고딕"/>
+              <a:rPr b="0" lang="en-US" sz="2400" spc="-1" strike="noStrike">
+                <a:latin typeface="Arial"/>
               </a:rPr>
               <a:t>Third Outline Level</a:t>
             </a:r>
-            <a:endParaRPr b="0" lang="ko-KR" sz="1800" spc="-1" strike="noStrike">
-              <a:solidFill>
-                <a:srgbClr val="000000"/>
-              </a:solidFill>
-              <a:latin typeface="맑은 고딕"/>
+            <a:endParaRPr b="0" lang="en-US" sz="2400" spc="-1" strike="noStrike">
+              <a:latin typeface="Arial"/>
             </a:endParaRPr>
           </a:p>
           <a:p>
@@ -3245,19 +3067,13 @@
               <a:buChar char=""/>
             </a:pPr>
             <a:r>
-              <a:rPr b="0" lang="ko-KR" sz="1800" spc="-1" strike="noStrike">
-                <a:solidFill>
-                  <a:srgbClr val="000000"/>
-                </a:solidFill>
-                <a:latin typeface="맑은 고딕"/>
+              <a:rPr b="0" lang="en-US" sz="2000" spc="-1" strike="noStrike">
+                <a:latin typeface="Arial"/>
               </a:rPr>
               <a:t>Fourth Outline Level</a:t>
             </a:r>
-            <a:endParaRPr b="0" lang="ko-KR" sz="1800" spc="-1" strike="noStrike">
-              <a:solidFill>
-                <a:srgbClr val="000000"/>
-              </a:solidFill>
-              <a:latin typeface="맑은 고딕"/>
+            <a:endParaRPr b="0" lang="en-US" sz="2000" spc="-1" strike="noStrike">
+              <a:latin typeface="Arial"/>
             </a:endParaRPr>
           </a:p>
           <a:p>
@@ -3273,19 +3089,13 @@
               <a:buChar char=""/>
             </a:pPr>
             <a:r>
-              <a:rPr b="0" lang="ko-KR" sz="2000" spc="-1" strike="noStrike">
-                <a:solidFill>
-                  <a:srgbClr val="000000"/>
-                </a:solidFill>
-                <a:latin typeface="맑은 고딕"/>
+              <a:rPr b="0" lang="en-US" sz="2000" spc="-1" strike="noStrike">
+                <a:latin typeface="Arial"/>
               </a:rPr>
               <a:t>Fifth Outline Level</a:t>
             </a:r>
-            <a:endParaRPr b="0" lang="ko-KR" sz="2000" spc="-1" strike="noStrike">
-              <a:solidFill>
-                <a:srgbClr val="000000"/>
-              </a:solidFill>
-              <a:latin typeface="맑은 고딕"/>
+            <a:endParaRPr b="0" lang="en-US" sz="2000" spc="-1" strike="noStrike">
+              <a:latin typeface="Arial"/>
             </a:endParaRPr>
           </a:p>
           <a:p>
@@ -3301,19 +3111,13 @@
               <a:buChar char=""/>
             </a:pPr>
             <a:r>
-              <a:rPr b="0" lang="ko-KR" sz="2000" spc="-1" strike="noStrike">
-                <a:solidFill>
-                  <a:srgbClr val="000000"/>
-                </a:solidFill>
-                <a:latin typeface="맑은 고딕"/>
+              <a:rPr b="0" lang="en-US" sz="2000" spc="-1" strike="noStrike">
+                <a:latin typeface="Arial"/>
               </a:rPr>
               <a:t>Sixth Outline Level</a:t>
             </a:r>
-            <a:endParaRPr b="0" lang="ko-KR" sz="2000" spc="-1" strike="noStrike">
-              <a:solidFill>
-                <a:srgbClr val="000000"/>
-              </a:solidFill>
-              <a:latin typeface="맑은 고딕"/>
+            <a:endParaRPr b="0" lang="en-US" sz="2000" spc="-1" strike="noStrike">
+              <a:latin typeface="Arial"/>
             </a:endParaRPr>
           </a:p>
           <a:p>
@@ -3329,19 +3133,13 @@
               <a:buChar char=""/>
             </a:pPr>
             <a:r>
-              <a:rPr b="0" lang="ko-KR" sz="2000" spc="-1" strike="noStrike">
-                <a:solidFill>
-                  <a:srgbClr val="000000"/>
-                </a:solidFill>
-                <a:latin typeface="맑은 고딕"/>
+              <a:rPr b="0" lang="en-US" sz="2000" spc="-1" strike="noStrike">
+                <a:latin typeface="Arial"/>
               </a:rPr>
               <a:t>Seventh Outline Level</a:t>
             </a:r>
-            <a:endParaRPr b="0" lang="ko-KR" sz="2000" spc="-1" strike="noStrike">
-              <a:solidFill>
-                <a:srgbClr val="000000"/>
-              </a:solidFill>
-              <a:latin typeface="맑은 고딕"/>
+            <a:endParaRPr b="0" lang="en-US" sz="2000" spc="-1" strike="noStrike">
+              <a:latin typeface="Arial"/>
             </a:endParaRPr>
           </a:p>
         </p:txBody>
@@ -3385,14 +3183,14 @@
       </p:grpSpPr>
       <p:sp>
         <p:nvSpPr>
-          <p:cNvPr id="47" name="CustomShape 1"/>
+          <p:cNvPr id="44" name="CustomShape 1"/>
           <p:cNvSpPr/>
           <p:nvPr/>
         </p:nvSpPr>
         <p:spPr>
           <a:xfrm>
-            <a:off x="677160" y="654840"/>
-            <a:ext cx="3284640" cy="1736280"/>
+            <a:off x="879120" y="478440"/>
+            <a:ext cx="1989000" cy="364320"/>
           </a:xfrm>
           <a:prstGeom prst="rect">
             <a:avLst/>
@@ -3409,47 +3207,9 @@
           <a:fontRef idx="minor"/>
         </p:style>
         <p:txBody>
-          <a:bodyPr lIns="90000" rIns="90000" tIns="45000" bIns="45000"/>
-          <a:p>
-            <a:pPr>
-              <a:lnSpc>
-                <a:spcPct val="100000"/>
-              </a:lnSpc>
-            </a:pPr>
-            <a:r>
-              <a:rPr b="0" lang="en-US" sz="1800" spc="-1" strike="noStrike">
-                <a:solidFill>
-                  <a:srgbClr val="000000"/>
-                </a:solidFill>
-                <a:latin typeface="맑은 고딕"/>
-              </a:rPr>
-              <a:t>일단 오늘 할 것</a:t>
-            </a:r>
-            <a:r>
-              <a:rPr b="0" lang="en-US" sz="1800" spc="-1" strike="noStrike">
-                <a:solidFill>
-                  <a:srgbClr val="000000"/>
-                </a:solidFill>
-                <a:latin typeface="맑은 고딕"/>
-              </a:rPr>
-              <a:t>,</a:t>
-            </a:r>
-            <a:endParaRPr b="0" lang="en-US" sz="1800" spc="-1" strike="noStrike">
-              <a:latin typeface="Arial"/>
-            </a:endParaRPr>
-          </a:p>
-          <a:p>
-            <a:pPr>
-              <a:lnSpc>
-                <a:spcPct val="100000"/>
-              </a:lnSpc>
-            </a:pPr>
-            <a:endParaRPr b="0" lang="en-US" sz="1800" spc="-1" strike="noStrike">
-              <a:latin typeface="Arial"/>
-            </a:endParaRPr>
-          </a:p>
-          <a:p>
-            <a:pPr marL="285840" indent="-285480">
+          <a:bodyPr wrap="none" lIns="90000" rIns="90000" tIns="45000" bIns="45000"/>
+          <a:p>
+            <a:pPr marL="285840" indent="-285120">
               <a:lnSpc>
                 <a:spcPct val="100000"/>
               </a:lnSpc>
@@ -3465,259 +3225,663 @@
                   <a:srgbClr val="000000"/>
                 </a:solidFill>
                 <a:latin typeface="맑은 고딕"/>
-              </a:rPr>
-              <a:t>같은 </a:t>
-            </a:r>
-            <a:r>
-              <a:rPr b="0" lang="en-US" sz="1800" spc="-1" strike="noStrike">
-                <a:solidFill>
-                  <a:srgbClr val="000000"/>
-                </a:solidFill>
-                <a:latin typeface="맑은 고딕"/>
-              </a:rPr>
-              <a:t>WIFI (</a:t>
-            </a:r>
-            <a:r>
-              <a:rPr b="0" lang="en-US" sz="1800" spc="-1" strike="noStrike">
-                <a:solidFill>
-                  <a:srgbClr val="000000"/>
-                </a:solidFill>
-                <a:latin typeface="맑은 고딕"/>
-              </a:rPr>
-              <a:t>통신망</a:t>
-            </a:r>
-            <a:r>
-              <a:rPr b="0" lang="en-US" sz="1800" spc="-1" strike="noStrike">
-                <a:solidFill>
-                  <a:srgbClr val="000000"/>
-                </a:solidFill>
-                <a:latin typeface="맑은 고딕"/>
-              </a:rPr>
-              <a:t>) </a:t>
-            </a:r>
-            <a:r>
-              <a:rPr b="0" lang="en-US" sz="1800" spc="-1" strike="noStrike">
-                <a:solidFill>
-                  <a:srgbClr val="000000"/>
-                </a:solidFill>
-                <a:latin typeface="맑은 고딕"/>
-              </a:rPr>
-              <a:t>안에서의 </a:t>
-            </a:r>
-            <a:r>
-              <a:rPr b="0" lang="en-US" sz="1800" spc="-1" strike="noStrike">
-                <a:solidFill>
-                  <a:srgbClr val="000000"/>
-                </a:solidFill>
-                <a:latin typeface="맑은 고딕"/>
-              </a:rPr>
-              <a:t>socket </a:t>
-            </a:r>
-            <a:r>
-              <a:rPr b="0" lang="en-US" sz="1800" spc="-1" strike="noStrike">
-                <a:solidFill>
-                  <a:srgbClr val="000000"/>
-                </a:solidFill>
-                <a:latin typeface="맑은 고딕"/>
-              </a:rPr>
-              <a:t>통신 </a:t>
-            </a:r>
-            <a:r>
-              <a:rPr b="0" lang="en-US" sz="1800" spc="-1" strike="noStrike">
-                <a:solidFill>
-                  <a:srgbClr val="000000"/>
-                </a:solidFill>
-                <a:latin typeface="맑은 고딕"/>
-              </a:rPr>
-              <a:t>WITH MATT</a:t>
+                <a:ea typeface="DejaVu Sans"/>
+              </a:rPr>
+              <a:t>Terminal </a:t>
+            </a:r>
+            <a:r>
+              <a:rPr b="0" lang="en-US" sz="1800" spc="-1" strike="noStrike">
+                <a:solidFill>
+                  <a:srgbClr val="000000"/>
+                </a:solidFill>
+                <a:latin typeface="맑은 고딕"/>
+                <a:ea typeface="DejaVu Sans"/>
+              </a:rPr>
+              <a:t>접근 </a:t>
             </a:r>
             <a:endParaRPr b="0" lang="en-US" sz="1800" spc="-1" strike="noStrike">
               <a:latin typeface="Arial"/>
             </a:endParaRPr>
           </a:p>
-          <a:p>
-            <a:pPr marL="285840" indent="-285480">
+        </p:txBody>
+      </p:sp>
+      <p:sp>
+        <p:nvSpPr>
+          <p:cNvPr id="45" name="CustomShape 2"/>
+          <p:cNvSpPr/>
+          <p:nvPr/>
+        </p:nvSpPr>
+        <p:spPr>
+          <a:xfrm>
+            <a:off x="2686680" y="1309680"/>
+            <a:ext cx="4819680" cy="5027040"/>
+          </a:xfrm>
+          <a:prstGeom prst="rect">
+            <a:avLst/>
+          </a:prstGeom>
+          <a:noFill/>
+          <a:ln>
+            <a:noFill/>
+          </a:ln>
+        </p:spPr>
+        <p:style>
+          <a:lnRef idx="0"/>
+          <a:fillRef idx="0"/>
+          <a:effectRef idx="0"/>
+          <a:fontRef idx="minor"/>
+        </p:style>
+        <p:txBody>
+          <a:bodyPr lIns="90000" rIns="90000" tIns="45000" bIns="45000"/>
+          <a:p>
+            <a:pPr>
+              <a:lnSpc>
+                <a:spcPct val="100000"/>
+              </a:lnSpc>
+            </a:pPr>
+            <a:r>
+              <a:rPr b="0" lang="en-US" sz="1800" spc="-1" strike="noStrike">
+                <a:solidFill>
+                  <a:srgbClr val="000000"/>
+                </a:solidFill>
+                <a:latin typeface="맑은 고딕"/>
+                <a:ea typeface="DejaVu Sans"/>
+              </a:rPr>
+              <a:t>어떻게</a:t>
+            </a:r>
+            <a:r>
+              <a:rPr b="0" lang="en-US" sz="1800" spc="-1" strike="noStrike">
+                <a:solidFill>
+                  <a:srgbClr val="000000"/>
+                </a:solidFill>
+                <a:latin typeface="맑은 고딕"/>
+                <a:ea typeface="DejaVu Sans"/>
+              </a:rPr>
+              <a:t>, client </a:t>
+            </a:r>
+            <a:r>
+              <a:rPr b="0" lang="en-US" sz="1800" spc="-1" strike="noStrike">
+                <a:solidFill>
+                  <a:srgbClr val="000000"/>
+                </a:solidFill>
+                <a:latin typeface="맑은 고딕"/>
+                <a:ea typeface="DejaVu Sans"/>
+              </a:rPr>
+              <a:t>가 </a:t>
+            </a:r>
+            <a:r>
+              <a:rPr b="0" lang="en-US" sz="1800" spc="-1" strike="noStrike">
+                <a:solidFill>
+                  <a:srgbClr val="000000"/>
+                </a:solidFill>
+                <a:latin typeface="맑은 고딕"/>
+                <a:ea typeface="DejaVu Sans"/>
+              </a:rPr>
+              <a:t>server </a:t>
+            </a:r>
+            <a:r>
+              <a:rPr b="0" lang="en-US" sz="1800" spc="-1" strike="noStrike">
+                <a:solidFill>
+                  <a:srgbClr val="000000"/>
+                </a:solidFill>
+                <a:latin typeface="맑은 고딕"/>
+                <a:ea typeface="DejaVu Sans"/>
+              </a:rPr>
+              <a:t>에 접근 만으로</a:t>
+            </a:r>
+            <a:endParaRPr b="0" lang="en-US" sz="1800" spc="-1" strike="noStrike">
+              <a:latin typeface="Arial"/>
+            </a:endParaRPr>
+          </a:p>
+          <a:p>
+            <a:pPr>
+              <a:lnSpc>
+                <a:spcPct val="100000"/>
+              </a:lnSpc>
+            </a:pPr>
+            <a:r>
+              <a:rPr b="0" lang="en-US" sz="1800" spc="-1" strike="noStrike">
+                <a:solidFill>
+                  <a:srgbClr val="000000"/>
+                </a:solidFill>
+                <a:latin typeface="맑은 고딕"/>
+                <a:ea typeface="DejaVu Sans"/>
+              </a:rPr>
+              <a:t>스스로 </a:t>
+            </a:r>
+            <a:r>
+              <a:rPr b="0" lang="en-US" sz="1800" spc="-1" strike="noStrike">
+                <a:solidFill>
+                  <a:srgbClr val="000000"/>
+                </a:solidFill>
+                <a:latin typeface="맑은 고딕"/>
+                <a:ea typeface="DejaVu Sans"/>
+              </a:rPr>
+              <a:t>terminal (docker) </a:t>
+            </a:r>
+            <a:r>
+              <a:rPr b="0" lang="en-US" sz="1800" spc="-1" strike="noStrike">
+                <a:solidFill>
+                  <a:srgbClr val="000000"/>
+                </a:solidFill>
+                <a:latin typeface="맑은 고딕"/>
+                <a:ea typeface="DejaVu Sans"/>
+              </a:rPr>
+              <a:t>조작을 하게 만들지</a:t>
+            </a:r>
+            <a:r>
+              <a:rPr b="0" lang="en-US" sz="1800" spc="-1" strike="noStrike">
+                <a:solidFill>
+                  <a:srgbClr val="000000"/>
+                </a:solidFill>
+                <a:latin typeface="맑은 고딕"/>
+                <a:ea typeface="DejaVu Sans"/>
+              </a:rPr>
+              <a:t>?</a:t>
+            </a:r>
+            <a:endParaRPr b="0" lang="en-US" sz="1800" spc="-1" strike="noStrike">
+              <a:latin typeface="Arial"/>
+            </a:endParaRPr>
+          </a:p>
+          <a:p>
+            <a:pPr>
+              <a:lnSpc>
+                <a:spcPct val="100000"/>
+              </a:lnSpc>
+            </a:pPr>
+            <a:endParaRPr b="0" lang="en-US" sz="1800" spc="-1" strike="noStrike">
+              <a:latin typeface="Arial"/>
+            </a:endParaRPr>
+          </a:p>
+          <a:p>
+            <a:pPr marL="343080" indent="-342360">
               <a:lnSpc>
                 <a:spcPct val="100000"/>
               </a:lnSpc>
               <a:buClr>
                 <a:srgbClr val="000000"/>
               </a:buClr>
-              <a:buFont typeface="Arial"/>
-              <a:buChar char="•"/>
-            </a:pPr>
-            <a:r>
-              <a:rPr b="0" lang="en-US" sz="1800" spc="-1" strike="noStrike">
-                <a:solidFill>
-                  <a:srgbClr val="000000"/>
-                </a:solidFill>
-                <a:latin typeface="맑은 고딕"/>
-              </a:rPr>
-              <a:t>Terminal </a:t>
-            </a:r>
-            <a:r>
-              <a:rPr b="0" lang="en-US" sz="1800" spc="-1" strike="noStrike">
-                <a:solidFill>
-                  <a:srgbClr val="000000"/>
-                </a:solidFill>
-                <a:latin typeface="맑은 고딕"/>
-              </a:rPr>
-              <a:t>접근 </a:t>
+              <a:buFont typeface="StarSymbol"/>
+              <a:buAutoNum type="arabicPeriod"/>
+            </a:pPr>
+            <a:r>
+              <a:rPr b="0" lang="en-US" sz="1800" spc="-1" strike="noStrike">
+                <a:solidFill>
+                  <a:srgbClr val="000000"/>
+                </a:solidFill>
+                <a:latin typeface="맑은 고딕"/>
+                <a:ea typeface="DejaVu Sans"/>
+              </a:rPr>
+              <a:t>clinet </a:t>
+            </a:r>
+            <a:r>
+              <a:rPr b="0" lang="en-US" sz="1800" spc="-1" strike="noStrike">
+                <a:solidFill>
+                  <a:srgbClr val="000000"/>
+                </a:solidFill>
+                <a:latin typeface="맑은 고딕"/>
+                <a:ea typeface="DejaVu Sans"/>
+              </a:rPr>
+              <a:t>가 </a:t>
+            </a:r>
+            <a:r>
+              <a:rPr b="0" lang="en-US" sz="1800" spc="-1" strike="noStrike">
+                <a:solidFill>
+                  <a:srgbClr val="000000"/>
+                </a:solidFill>
+                <a:latin typeface="맑은 고딕"/>
+                <a:ea typeface="DejaVu Sans"/>
+              </a:rPr>
+              <a:t>server url </a:t>
+            </a:r>
+            <a:r>
+              <a:rPr b="0" lang="en-US" sz="1800" spc="-1" strike="noStrike">
+                <a:solidFill>
+                  <a:srgbClr val="000000"/>
+                </a:solidFill>
+                <a:latin typeface="맑은 고딕"/>
+                <a:ea typeface="DejaVu Sans"/>
+              </a:rPr>
+              <a:t>에 접근해서 </a:t>
+            </a:r>
+            <a:r>
+              <a:rPr b="0" lang="en-US" sz="1800" spc="-1" strike="noStrike">
+                <a:solidFill>
+                  <a:srgbClr val="000000"/>
+                </a:solidFill>
+                <a:latin typeface="맑은 고딕"/>
+                <a:ea typeface="DejaVu Sans"/>
+              </a:rPr>
+              <a:t>status </a:t>
+            </a:r>
+            <a:r>
+              <a:rPr b="0" lang="en-US" sz="1800" spc="-1" strike="noStrike">
+                <a:solidFill>
+                  <a:srgbClr val="000000"/>
+                </a:solidFill>
+                <a:latin typeface="맑은 고딕"/>
+                <a:ea typeface="DejaVu Sans"/>
+              </a:rPr>
+              <a:t>버튼을 누른다</a:t>
+            </a:r>
+            <a:r>
+              <a:rPr b="0" lang="en-US" sz="1800" spc="-1" strike="noStrike">
+                <a:solidFill>
+                  <a:srgbClr val="000000"/>
+                </a:solidFill>
+                <a:latin typeface="맑은 고딕"/>
+                <a:ea typeface="DejaVu Sans"/>
+              </a:rPr>
+              <a:t>.</a:t>
             </a:r>
             <a:endParaRPr b="0" lang="en-US" sz="1800" spc="-1" strike="noStrike">
               <a:latin typeface="Arial"/>
             </a:endParaRPr>
           </a:p>
-        </p:txBody>
-      </p:sp>
-      <p:sp>
-        <p:nvSpPr>
-          <p:cNvPr id="48" name="CustomShape 2"/>
-          <p:cNvSpPr/>
-          <p:nvPr/>
-        </p:nvSpPr>
-        <p:spPr>
-          <a:xfrm>
-            <a:off x="2319840" y="3510720"/>
-            <a:ext cx="1089000" cy="1049400"/>
-          </a:xfrm>
-          <a:prstGeom prst="rect">
-            <a:avLst/>
-          </a:prstGeom>
-          <a:ln/>
-        </p:spPr>
-        <p:style>
-          <a:lnRef idx="2">
-            <a:schemeClr val="dk1"/>
-          </a:lnRef>
-          <a:fillRef idx="1">
-            <a:schemeClr val="lt1"/>
-          </a:fillRef>
-          <a:effectRef idx="0">
-            <a:schemeClr val="dk1"/>
-          </a:effectRef>
-          <a:fontRef idx="minor"/>
-        </p:style>
-        <p:txBody>
-          <a:bodyPr lIns="90000" rIns="90000" tIns="45000" bIns="45000" anchor="ctr"/>
-          <a:p>
-            <a:pPr algn="ctr">
+          <a:p>
+            <a:pPr marL="343080" indent="-342360">
               <a:lnSpc>
                 <a:spcPct val="100000"/>
               </a:lnSpc>
-            </a:pPr>
-            <a:r>
-              <a:rPr b="0" lang="en-US" sz="1800" spc="-1" strike="noStrike">
-                <a:solidFill>
-                  <a:srgbClr val="000000"/>
-                </a:solidFill>
-                <a:latin typeface="맑은 고딕"/>
-              </a:rPr>
-              <a:t>client</a:t>
+              <a:buClr>
+                <a:srgbClr val="000000"/>
+              </a:buClr>
+              <a:buFont typeface="StarSymbol"/>
+              <a:buAutoNum type="arabicPeriod"/>
+            </a:pPr>
+            <a:r>
+              <a:rPr b="0" lang="en-US" sz="1800" spc="-1" strike="noStrike">
+                <a:solidFill>
+                  <a:srgbClr val="000000"/>
+                </a:solidFill>
+                <a:latin typeface="맑은 고딕"/>
+                <a:ea typeface="DejaVu Sans"/>
+              </a:rPr>
+              <a:t>버튼을 누르면</a:t>
+            </a:r>
+            <a:r>
+              <a:rPr b="0" lang="en-US" sz="1800" spc="-1" strike="noStrike">
+                <a:solidFill>
+                  <a:srgbClr val="000000"/>
+                </a:solidFill>
+                <a:latin typeface="맑은 고딕"/>
+                <a:ea typeface="DejaVu Sans"/>
+              </a:rPr>
+              <a:t>, server </a:t>
+            </a:r>
+            <a:r>
+              <a:rPr b="0" lang="en-US" sz="1800" spc="-1" strike="noStrike">
+                <a:solidFill>
+                  <a:srgbClr val="000000"/>
+                </a:solidFill>
+                <a:latin typeface="맑은 고딕"/>
+                <a:ea typeface="DejaVu Sans"/>
+              </a:rPr>
+              <a:t>가 </a:t>
+            </a:r>
+            <a:r>
+              <a:rPr b="0" lang="en-US" sz="1800" spc="-1" strike="noStrike">
+                <a:solidFill>
+                  <a:srgbClr val="000000"/>
+                </a:solidFill>
+                <a:latin typeface="맑은 고딕"/>
+                <a:ea typeface="DejaVu Sans"/>
+              </a:rPr>
+              <a:t>status request </a:t>
+            </a:r>
+            <a:r>
+              <a:rPr b="0" lang="en-US" sz="1800" spc="-1" strike="noStrike">
+                <a:solidFill>
+                  <a:srgbClr val="000000"/>
+                </a:solidFill>
+                <a:latin typeface="맑은 고딕"/>
+                <a:ea typeface="DejaVu Sans"/>
+              </a:rPr>
+              <a:t>를 받고</a:t>
+            </a:r>
+            <a:r>
+              <a:rPr b="0" lang="en-US" sz="1800" spc="-1" strike="noStrike">
+                <a:solidFill>
+                  <a:srgbClr val="000000"/>
+                </a:solidFill>
+                <a:latin typeface="맑은 고딕"/>
+                <a:ea typeface="DejaVu Sans"/>
+              </a:rPr>
+              <a:t>, </a:t>
+            </a:r>
+            <a:r>
+              <a:rPr b="0" lang="en-US" sz="1800" spc="-1" strike="noStrike">
+                <a:solidFill>
+                  <a:srgbClr val="000000"/>
+                </a:solidFill>
+                <a:latin typeface="맑은 고딕"/>
+                <a:ea typeface="DejaVu Sans"/>
+              </a:rPr>
+              <a:t>그 기기가 </a:t>
+            </a:r>
+            <a:r>
+              <a:rPr b="0" lang="en-US" sz="1800" spc="-1" strike="noStrike">
+                <a:solidFill>
+                  <a:srgbClr val="000000"/>
+                </a:solidFill>
+                <a:latin typeface="맑은 고딕"/>
+                <a:ea typeface="DejaVu Sans"/>
+              </a:rPr>
+              <a:t>DB </a:t>
+            </a:r>
+            <a:r>
+              <a:rPr b="0" lang="en-US" sz="1800" spc="-1" strike="noStrike">
+                <a:solidFill>
+                  <a:srgbClr val="000000"/>
+                </a:solidFill>
+                <a:latin typeface="맑은 고딕"/>
+                <a:ea typeface="DejaVu Sans"/>
+              </a:rPr>
+              <a:t>에 저장되어 있는지 보고 그 기기의 </a:t>
+            </a:r>
+            <a:r>
+              <a:rPr b="0" lang="en-US" sz="1800" spc="-1" strike="noStrike">
+                <a:solidFill>
+                  <a:srgbClr val="000000"/>
+                </a:solidFill>
+                <a:latin typeface="맑은 고딕"/>
+                <a:ea typeface="DejaVu Sans"/>
+              </a:rPr>
+              <a:t>terminal </a:t>
+            </a:r>
+            <a:r>
+              <a:rPr b="0" lang="en-US" sz="1800" spc="-1" strike="noStrike">
+                <a:solidFill>
+                  <a:srgbClr val="000000"/>
+                </a:solidFill>
+                <a:latin typeface="맑은 고딕"/>
+                <a:ea typeface="DejaVu Sans"/>
+              </a:rPr>
+              <a:t>로 부터 </a:t>
+            </a:r>
+            <a:r>
+              <a:rPr b="0" lang="en-US" sz="1800" spc="-1" strike="noStrike">
+                <a:solidFill>
+                  <a:srgbClr val="000000"/>
+                </a:solidFill>
+                <a:latin typeface="맑은 고딕"/>
+                <a:ea typeface="DejaVu Sans"/>
+              </a:rPr>
+              <a:t>docker ps –a </a:t>
+            </a:r>
+            <a:r>
+              <a:rPr b="0" lang="en-US" sz="1800" spc="-1" strike="noStrike">
+                <a:solidFill>
+                  <a:srgbClr val="000000"/>
+                </a:solidFill>
+                <a:latin typeface="맑은 고딕"/>
+                <a:ea typeface="DejaVu Sans"/>
+              </a:rPr>
+              <a:t>명령을 받아서 </a:t>
+            </a:r>
+            <a:r>
+              <a:rPr b="0" lang="en-US" sz="1800" spc="-1" strike="noStrike">
+                <a:solidFill>
+                  <a:srgbClr val="000000"/>
+                </a:solidFill>
+                <a:latin typeface="맑은 고딕"/>
+                <a:ea typeface="DejaVu Sans"/>
+              </a:rPr>
+              <a:t>response </a:t>
+            </a:r>
+            <a:r>
+              <a:rPr b="0" lang="en-US" sz="1800" spc="-1" strike="noStrike">
+                <a:solidFill>
+                  <a:srgbClr val="000000"/>
+                </a:solidFill>
+                <a:latin typeface="맑은 고딕"/>
+                <a:ea typeface="DejaVu Sans"/>
+              </a:rPr>
+              <a:t>로 보낸다</a:t>
+            </a:r>
+            <a:r>
+              <a:rPr b="0" lang="en-US" sz="1800" spc="-1" strike="noStrike">
+                <a:solidFill>
+                  <a:srgbClr val="000000"/>
+                </a:solidFill>
+                <a:latin typeface="맑은 고딕"/>
+                <a:ea typeface="DejaVu Sans"/>
+              </a:rPr>
+              <a:t>.</a:t>
             </a:r>
             <a:endParaRPr b="0" lang="en-US" sz="1800" spc="-1" strike="noStrike">
               <a:latin typeface="Arial"/>
             </a:endParaRPr>
           </a:p>
-        </p:txBody>
-      </p:sp>
-      <p:sp>
-        <p:nvSpPr>
-          <p:cNvPr id="49" name="CustomShape 3"/>
-          <p:cNvSpPr/>
-          <p:nvPr/>
-        </p:nvSpPr>
-        <p:spPr>
-          <a:xfrm>
-            <a:off x="6547680" y="3510720"/>
-            <a:ext cx="1089000" cy="1049400"/>
-          </a:xfrm>
-          <a:prstGeom prst="rect">
-            <a:avLst/>
-          </a:prstGeom>
-          <a:ln/>
-        </p:spPr>
-        <p:style>
-          <a:lnRef idx="2">
-            <a:schemeClr val="dk1"/>
-          </a:lnRef>
-          <a:fillRef idx="1">
-            <a:schemeClr val="lt1"/>
-          </a:fillRef>
-          <a:effectRef idx="0">
-            <a:schemeClr val="dk1"/>
-          </a:effectRef>
-          <a:fontRef idx="minor"/>
-        </p:style>
-        <p:txBody>
-          <a:bodyPr lIns="90000" rIns="90000" tIns="45000" bIns="45000" anchor="ctr"/>
-          <a:p>
-            <a:pPr algn="ctr">
+          <a:p>
+            <a:pPr marL="343080" indent="-342360">
               <a:lnSpc>
                 <a:spcPct val="100000"/>
               </a:lnSpc>
-            </a:pPr>
-            <a:r>
-              <a:rPr b="0" lang="en-US" sz="1800" spc="-1" strike="noStrike">
-                <a:solidFill>
-                  <a:srgbClr val="000000"/>
-                </a:solidFill>
-                <a:latin typeface="맑은 고딕"/>
-              </a:rPr>
-              <a:t>server</a:t>
+              <a:buClr>
+                <a:srgbClr val="000000"/>
+              </a:buClr>
+              <a:buFont typeface="StarSymbol"/>
+              <a:buAutoNum type="arabicPeriod"/>
+            </a:pPr>
+            <a:r>
+              <a:rPr b="0" lang="en-US" sz="1800" spc="-1" strike="noStrike">
+                <a:solidFill>
+                  <a:srgbClr val="000000"/>
+                </a:solidFill>
+                <a:latin typeface="맑은 고딕"/>
+                <a:ea typeface="DejaVu Sans"/>
+              </a:rPr>
+              <a:t>홈페이지에 출력</a:t>
             </a:r>
             <a:endParaRPr b="0" lang="en-US" sz="1800" spc="-1" strike="noStrike">
               <a:latin typeface="Arial"/>
             </a:endParaRPr>
           </a:p>
-        </p:txBody>
-      </p:sp>
-      <p:sp>
-        <p:nvSpPr>
-          <p:cNvPr id="50" name="CustomShape 4"/>
-          <p:cNvSpPr/>
-          <p:nvPr/>
-        </p:nvSpPr>
-        <p:spPr>
-          <a:xfrm>
-            <a:off x="3522240" y="3843720"/>
-            <a:ext cx="2912040" cy="364680"/>
-          </a:xfrm>
-          <a:prstGeom prst="rect">
-            <a:avLst/>
-          </a:prstGeom>
-          <a:solidFill>
-            <a:schemeClr val="accent3">
-              <a:lumMod val="40000"/>
-              <a:lumOff val="60000"/>
-            </a:schemeClr>
-          </a:solidFill>
-          <a:ln>
-            <a:noFill/>
-          </a:ln>
-        </p:spPr>
-        <p:style>
-          <a:lnRef idx="0"/>
-          <a:fillRef idx="0"/>
-          <a:effectRef idx="0"/>
-          <a:fontRef idx="minor"/>
-        </p:style>
-        <p:txBody>
-          <a:bodyPr lIns="90000" rIns="90000" tIns="45000" bIns="45000"/>
-          <a:p>
-            <a:pPr algn="ctr">
+          <a:p>
+            <a:pPr>
               <a:lnSpc>
                 <a:spcPct val="100000"/>
               </a:lnSpc>
             </a:pPr>
-            <a:r>
-              <a:rPr b="0" lang="en-US" sz="1800" spc="-1" strike="noStrike">
-                <a:solidFill>
-                  <a:srgbClr val="000000"/>
-                </a:solidFill>
-                <a:latin typeface="맑은 고딕"/>
-              </a:rPr>
-              <a:t>Socket channel</a:t>
+            <a:endParaRPr b="0" lang="en-US" sz="1800" spc="-1" strike="noStrike">
+              <a:latin typeface="Arial"/>
+            </a:endParaRPr>
+          </a:p>
+          <a:p>
+            <a:pPr>
+              <a:lnSpc>
+                <a:spcPct val="100000"/>
+              </a:lnSpc>
+            </a:pPr>
+            <a:endParaRPr b="0" lang="en-US" sz="1800" spc="-1" strike="noStrike">
+              <a:latin typeface="Arial"/>
+            </a:endParaRPr>
+          </a:p>
+          <a:p>
+            <a:pPr>
+              <a:lnSpc>
+                <a:spcPct val="100000"/>
+              </a:lnSpc>
+            </a:pPr>
+            <a:endParaRPr b="0" lang="en-US" sz="1800" spc="-1" strike="noStrike">
+              <a:latin typeface="Arial"/>
+            </a:endParaRPr>
+          </a:p>
+          <a:p>
+            <a:pPr>
+              <a:lnSpc>
+                <a:spcPct val="100000"/>
+              </a:lnSpc>
+            </a:pPr>
+            <a:r>
+              <a:rPr b="0" lang="en-US" sz="1800" spc="-1" strike="noStrike">
+                <a:solidFill>
+                  <a:srgbClr val="000000"/>
+                </a:solidFill>
+                <a:latin typeface="맑은 고딕"/>
+                <a:ea typeface="DejaVu Sans"/>
+              </a:rPr>
+              <a:t>-&gt; </a:t>
+            </a:r>
+            <a:r>
+              <a:rPr b="0" lang="en-US" sz="1800" spc="-1" strike="noStrike">
+                <a:solidFill>
+                  <a:srgbClr val="000000"/>
+                </a:solidFill>
+                <a:latin typeface="맑은 고딕"/>
+                <a:ea typeface="DejaVu Sans"/>
+              </a:rPr>
+              <a:t>각 </a:t>
+            </a:r>
+            <a:r>
+              <a:rPr b="0" lang="en-US" sz="1800" spc="-1" strike="noStrike">
+                <a:solidFill>
+                  <a:srgbClr val="000000"/>
+                </a:solidFill>
+                <a:latin typeface="맑은 고딕"/>
+                <a:ea typeface="DejaVu Sans"/>
+              </a:rPr>
+              <a:t>node </a:t>
+            </a:r>
+            <a:r>
+              <a:rPr b="0" lang="en-US" sz="1800" spc="-1" strike="noStrike">
+                <a:solidFill>
+                  <a:srgbClr val="000000"/>
+                </a:solidFill>
+                <a:latin typeface="맑은 고딕"/>
+                <a:ea typeface="DejaVu Sans"/>
+              </a:rPr>
+              <a:t>들도 </a:t>
+            </a:r>
+            <a:r>
+              <a:rPr b="0" lang="en-US" sz="1800" spc="-1" strike="noStrike">
+                <a:solidFill>
+                  <a:srgbClr val="000000"/>
+                </a:solidFill>
+                <a:latin typeface="맑은 고딕"/>
+                <a:ea typeface="DejaVu Sans"/>
+              </a:rPr>
+              <a:t>docker </a:t>
+            </a:r>
+            <a:r>
+              <a:rPr b="0" lang="en-US" sz="1800" spc="-1" strike="noStrike">
+                <a:solidFill>
+                  <a:srgbClr val="000000"/>
+                </a:solidFill>
+                <a:latin typeface="맑은 고딕"/>
+                <a:ea typeface="DejaVu Sans"/>
+              </a:rPr>
+              <a:t>조작을 할 수 있는 </a:t>
+            </a:r>
+            <a:r>
+              <a:rPr b="0" lang="en-US" sz="1800" spc="-1" strike="noStrike">
+                <a:solidFill>
+                  <a:srgbClr val="000000"/>
+                </a:solidFill>
+                <a:latin typeface="맑은 고딕"/>
+                <a:ea typeface="DejaVu Sans"/>
+              </a:rPr>
+              <a:t>server </a:t>
+            </a:r>
+            <a:r>
+              <a:rPr b="0" lang="en-US" sz="1800" spc="-1" strike="noStrike">
+                <a:solidFill>
+                  <a:srgbClr val="000000"/>
+                </a:solidFill>
+                <a:latin typeface="맑은 고딕"/>
+                <a:ea typeface="DejaVu Sans"/>
+              </a:rPr>
+              <a:t>가 동작하면 될까</a:t>
+            </a:r>
+            <a:r>
+              <a:rPr b="0" lang="en-US" sz="1800" spc="-1" strike="noStrike">
+                <a:solidFill>
+                  <a:srgbClr val="000000"/>
+                </a:solidFill>
+                <a:latin typeface="맑은 고딕"/>
+                <a:ea typeface="DejaVu Sans"/>
+              </a:rPr>
+              <a:t>?</a:t>
+            </a:r>
+            <a:endParaRPr b="0" lang="en-US" sz="1800" spc="-1" strike="noStrike">
+              <a:latin typeface="Arial"/>
+            </a:endParaRPr>
+          </a:p>
+          <a:p>
+            <a:pPr>
+              <a:lnSpc>
+                <a:spcPct val="100000"/>
+              </a:lnSpc>
+            </a:pPr>
+            <a:r>
+              <a:rPr b="0" lang="en-US" sz="1800" spc="-1" strike="noStrike">
+                <a:solidFill>
+                  <a:srgbClr val="000000"/>
+                </a:solidFill>
+                <a:latin typeface="맑은 고딕"/>
+                <a:ea typeface="DejaVu Sans"/>
+              </a:rPr>
+              <a:t>-&gt; </a:t>
+            </a:r>
+            <a:r>
+              <a:rPr b="0" lang="en-US" sz="1800" spc="-1" strike="noStrike">
+                <a:solidFill>
+                  <a:srgbClr val="000000"/>
+                </a:solidFill>
+                <a:latin typeface="맑은 고딕"/>
+                <a:ea typeface="DejaVu Sans"/>
+              </a:rPr>
+              <a:t>기존 </a:t>
+            </a:r>
+            <a:r>
+              <a:rPr b="0" lang="en-US" sz="1800" spc="-1" strike="noStrike">
+                <a:solidFill>
+                  <a:srgbClr val="000000"/>
+                </a:solidFill>
+                <a:latin typeface="맑은 고딕"/>
+                <a:ea typeface="DejaVu Sans"/>
+              </a:rPr>
+              <a:t>docker </a:t>
+            </a:r>
+            <a:r>
+              <a:rPr b="0" lang="en-US" sz="1800" spc="-1" strike="noStrike">
+                <a:solidFill>
+                  <a:srgbClr val="000000"/>
+                </a:solidFill>
+                <a:latin typeface="맑은 고딕"/>
+                <a:ea typeface="DejaVu Sans"/>
+              </a:rPr>
+              <a:t>에서는 </a:t>
+            </a:r>
+            <a:r>
+              <a:rPr b="0" lang="en-US" sz="1800" spc="-1" strike="noStrike">
+                <a:solidFill>
+                  <a:srgbClr val="000000"/>
+                </a:solidFill>
+                <a:latin typeface="맑은 고딕"/>
+                <a:ea typeface="DejaVu Sans"/>
+              </a:rPr>
+              <a:t>url </a:t>
+            </a:r>
+            <a:r>
+              <a:rPr b="0" lang="en-US" sz="1800" spc="-1" strike="noStrike">
+                <a:solidFill>
+                  <a:srgbClr val="000000"/>
+                </a:solidFill>
+                <a:latin typeface="맑은 고딕"/>
+                <a:ea typeface="DejaVu Sans"/>
+              </a:rPr>
+              <a:t>로 이를 조작할 수 있는 방법은 없을까</a:t>
+            </a:r>
+            <a:r>
+              <a:rPr b="0" lang="en-US" sz="1800" spc="-1" strike="noStrike">
+                <a:solidFill>
+                  <a:srgbClr val="000000"/>
+                </a:solidFill>
+                <a:latin typeface="맑은 고딕"/>
+                <a:ea typeface="DejaVu Sans"/>
+              </a:rPr>
+              <a:t>?</a:t>
             </a:r>
             <a:endParaRPr b="0" lang="en-US" sz="1800" spc="-1" strike="noStrike">
               <a:latin typeface="Arial"/>
@@ -3825,14 +3989,14 @@
       </p:grpSpPr>
       <p:sp>
         <p:nvSpPr>
-          <p:cNvPr id="51" name="CustomShape 1"/>
+          <p:cNvPr id="46" name="CustomShape 1"/>
           <p:cNvSpPr/>
           <p:nvPr/>
         </p:nvSpPr>
         <p:spPr>
           <a:xfrm>
-            <a:off x="879120" y="478440"/>
-            <a:ext cx="1989360" cy="364680"/>
+            <a:off x="913320" y="456120"/>
+            <a:ext cx="1989000" cy="364320"/>
           </a:xfrm>
           <a:prstGeom prst="rect">
             <a:avLst/>
@@ -3851,7 +4015,7 @@
         <p:txBody>
           <a:bodyPr wrap="none" lIns="90000" rIns="90000" tIns="45000" bIns="45000"/>
           <a:p>
-            <a:pPr marL="285840" indent="-285480">
+            <a:pPr marL="285840" indent="-285120">
               <a:lnSpc>
                 <a:spcPct val="100000"/>
               </a:lnSpc>
@@ -3867,6 +4031,7 @@
                   <a:srgbClr val="000000"/>
                 </a:solidFill>
                 <a:latin typeface="맑은 고딕"/>
+                <a:ea typeface="DejaVu Sans"/>
               </a:rPr>
               <a:t>Terminal </a:t>
             </a:r>
@@ -3876,6 +4041,7 @@
                   <a:srgbClr val="000000"/>
                 </a:solidFill>
                 <a:latin typeface="맑은 고딕"/>
+                <a:ea typeface="DejaVu Sans"/>
               </a:rPr>
               <a:t>접근 </a:t>
             </a:r>
@@ -3887,14 +4053,14 @@
       </p:sp>
       <p:sp>
         <p:nvSpPr>
-          <p:cNvPr id="52" name="CustomShape 2"/>
+          <p:cNvPr id="47" name="CustomShape 2"/>
           <p:cNvSpPr/>
           <p:nvPr/>
         </p:nvSpPr>
         <p:spPr>
           <a:xfrm>
-            <a:off x="2686680" y="1309680"/>
-            <a:ext cx="4820040" cy="5027400"/>
+            <a:off x="1230480" y="1219320"/>
+            <a:ext cx="7551720" cy="969480"/>
           </a:xfrm>
           <a:prstGeom prst="rect">
             <a:avLst/>
@@ -3924,44 +4090,49 @@
                   <a:srgbClr val="000000"/>
                 </a:solidFill>
                 <a:latin typeface="맑은 고딕"/>
-              </a:rPr>
-              <a:t>어떻게</a:t>
-            </a:r>
-            <a:r>
-              <a:rPr b="0" lang="en-US" sz="1800" spc="-1" strike="noStrike">
-                <a:solidFill>
-                  <a:srgbClr val="000000"/>
-                </a:solidFill>
-                <a:latin typeface="맑은 고딕"/>
-              </a:rPr>
-              <a:t>, client </a:t>
-            </a:r>
-            <a:r>
-              <a:rPr b="0" lang="en-US" sz="1800" spc="-1" strike="noStrike">
-                <a:solidFill>
-                  <a:srgbClr val="000000"/>
-                </a:solidFill>
-                <a:latin typeface="맑은 고딕"/>
-              </a:rPr>
-              <a:t>가 </a:t>
-            </a:r>
-            <a:r>
-              <a:rPr b="0" lang="en-US" sz="1800" spc="-1" strike="noStrike">
-                <a:solidFill>
-                  <a:srgbClr val="000000"/>
-                </a:solidFill>
-                <a:latin typeface="맑은 고딕"/>
-              </a:rPr>
-              <a:t>server </a:t>
-            </a:r>
-            <a:r>
-              <a:rPr b="0" lang="en-US" sz="1800" spc="-1" strike="noStrike">
-                <a:solidFill>
-                  <a:srgbClr val="000000"/>
-                </a:solidFill>
-                <a:latin typeface="맑은 고딕"/>
-              </a:rPr>
-              <a:t>에 접근 만으로</a:t>
+                <a:ea typeface="DejaVu Sans"/>
+              </a:rPr>
+              <a:t>일단</a:t>
+            </a:r>
+            <a:r>
+              <a:rPr b="0" lang="en-US" sz="1800" spc="-1" strike="noStrike">
+                <a:solidFill>
+                  <a:srgbClr val="000000"/>
+                </a:solidFill>
+                <a:latin typeface="맑은 고딕"/>
+                <a:ea typeface="DejaVu Sans"/>
+              </a:rPr>
+              <a:t>, </a:t>
+            </a:r>
+            <a:r>
+              <a:rPr b="0" lang="en-US" sz="1800" spc="-1" strike="noStrike">
+                <a:solidFill>
+                  <a:srgbClr val="000000"/>
+                </a:solidFill>
+                <a:latin typeface="맑은 고딕"/>
+                <a:ea typeface="DejaVu Sans"/>
+              </a:rPr>
+              <a:t>서로의 </a:t>
+            </a:r>
+            <a:r>
+              <a:rPr b="0" lang="en-US" sz="1800" spc="-1" strike="noStrike">
+                <a:solidFill>
+                  <a:srgbClr val="000000"/>
+                </a:solidFill>
+                <a:latin typeface="맑은 고딕"/>
+                <a:ea typeface="DejaVu Sans"/>
+              </a:rPr>
+              <a:t>Ip </a:t>
+            </a:r>
+            <a:r>
+              <a:rPr b="0" lang="en-US" sz="1800" spc="-1" strike="noStrike">
+                <a:solidFill>
+                  <a:srgbClr val="000000"/>
+                </a:solidFill>
+                <a:latin typeface="맑은 고딕"/>
+                <a:ea typeface="DejaVu Sans"/>
+              </a:rPr>
+              <a:t>접근이 가능한 상태에서</a:t>
             </a:r>
             <a:endParaRPr b="0" lang="en-US" sz="1800" spc="-1" strike="noStrike">
               <a:latin typeface="Arial"/>
@@ -3979,35 +4150,59 @@
                   <a:srgbClr val="000000"/>
                 </a:solidFill>
                 <a:latin typeface="맑은 고딕"/>
-              </a:rPr>
-              <a:t>스스로 </a:t>
-            </a:r>
-            <a:r>
-              <a:rPr b="0" lang="en-US" sz="1800" spc="-1" strike="noStrike">
-                <a:solidFill>
-                  <a:srgbClr val="000000"/>
-                </a:solidFill>
-                <a:latin typeface="맑은 고딕"/>
-              </a:rPr>
-              <a:t>terminal (docker) </a:t>
-            </a:r>
-            <a:r>
-              <a:rPr b="0" lang="en-US" sz="1800" spc="-1" strike="noStrike">
-                <a:solidFill>
-                  <a:srgbClr val="000000"/>
-                </a:solidFill>
-                <a:latin typeface="맑은 고딕"/>
-              </a:rPr>
-              <a:t>조작을 하게 만들지</a:t>
-            </a:r>
-            <a:r>
-              <a:rPr b="0" lang="en-US" sz="1800" spc="-1" strike="noStrike">
-                <a:solidFill>
-                  <a:srgbClr val="000000"/>
-                </a:solidFill>
-                <a:latin typeface="맑은 고딕"/>
-              </a:rPr>
-              <a:t>?</a:t>
+                <a:ea typeface="DejaVu Sans"/>
+              </a:rPr>
+              <a:t>Docker daemon </a:t>
+            </a:r>
+            <a:r>
+              <a:rPr b="0" lang="en-US" sz="1800" spc="-1" strike="noStrike">
+                <a:solidFill>
+                  <a:srgbClr val="000000"/>
+                </a:solidFill>
+                <a:latin typeface="맑은 고딕"/>
+                <a:ea typeface="DejaVu Sans"/>
+              </a:rPr>
+              <a:t>을 </a:t>
+            </a:r>
+            <a:r>
+              <a:rPr b="0" lang="en-US" sz="1800" spc="-1" strike="noStrike">
+                <a:solidFill>
+                  <a:srgbClr val="000000"/>
+                </a:solidFill>
+                <a:latin typeface="맑은 고딕"/>
+                <a:ea typeface="DejaVu Sans"/>
+              </a:rPr>
+              <a:t>tcp </a:t>
+            </a:r>
+            <a:r>
+              <a:rPr b="0" lang="en-US" sz="1800" spc="-1" strike="noStrike">
+                <a:solidFill>
+                  <a:srgbClr val="000000"/>
+                </a:solidFill>
+                <a:latin typeface="맑은 고딕"/>
+                <a:ea typeface="DejaVu Sans"/>
+              </a:rPr>
+              <a:t>소켓</a:t>
+            </a:r>
+            <a:r>
+              <a:rPr b="0" lang="en-US" sz="1800" spc="-1" strike="noStrike">
+                <a:solidFill>
+                  <a:srgbClr val="000000"/>
+                </a:solidFill>
+                <a:latin typeface="맑은 고딕"/>
+                <a:ea typeface="DejaVu Sans"/>
+              </a:rPr>
+              <a:t>? </a:t>
+            </a:r>
+            <a:r>
+              <a:rPr b="0" lang="en-US" sz="1800" spc="-1" strike="noStrike">
+                <a:solidFill>
+                  <a:srgbClr val="000000"/>
+                </a:solidFill>
+                <a:latin typeface="맑은 고딕"/>
+                <a:ea typeface="DejaVu Sans"/>
+              </a:rPr>
+              <a:t>으로 통신하는 방법으로 적용</a:t>
             </a:r>
             <a:endParaRPr b="0" lang="en-US" sz="1800" spc="-1" strike="noStrike">
               <a:latin typeface="Arial"/>
@@ -4019,460 +4214,17 @@
                 <a:spcPct val="100000"/>
               </a:lnSpc>
             </a:pPr>
-            <a:endParaRPr b="0" lang="en-US" sz="1800" spc="-1" strike="noStrike">
-              <a:latin typeface="Arial"/>
-            </a:endParaRPr>
-          </a:p>
-          <a:p>
-            <a:pPr marL="343080" indent="-342720">
-              <a:lnSpc>
-                <a:spcPct val="100000"/>
-              </a:lnSpc>
-              <a:buClr>
-                <a:srgbClr val="000000"/>
-              </a:buClr>
-              <a:buFont typeface="StarSymbol"/>
-              <a:buAutoNum type="arabicPeriod"/>
-            </a:pPr>
-            <a:r>
-              <a:rPr b="0" lang="en-US" sz="1800" spc="-1" strike="noStrike">
-                <a:solidFill>
-                  <a:srgbClr val="000000"/>
-                </a:solidFill>
-                <a:latin typeface="맑은 고딕"/>
-              </a:rPr>
-              <a:t>clinet </a:t>
-            </a:r>
-            <a:r>
-              <a:rPr b="0" lang="en-US" sz="1800" spc="-1" strike="noStrike">
-                <a:solidFill>
-                  <a:srgbClr val="000000"/>
-                </a:solidFill>
-                <a:latin typeface="맑은 고딕"/>
-              </a:rPr>
-              <a:t>가 </a:t>
-            </a:r>
-            <a:r>
-              <a:rPr b="0" lang="en-US" sz="1800" spc="-1" strike="noStrike">
-                <a:solidFill>
-                  <a:srgbClr val="000000"/>
-                </a:solidFill>
-                <a:latin typeface="맑은 고딕"/>
-              </a:rPr>
-              <a:t>server url </a:t>
-            </a:r>
-            <a:r>
-              <a:rPr b="0" lang="en-US" sz="1800" spc="-1" strike="noStrike">
-                <a:solidFill>
-                  <a:srgbClr val="000000"/>
-                </a:solidFill>
-                <a:latin typeface="맑은 고딕"/>
-              </a:rPr>
-              <a:t>에 접근해서 </a:t>
-            </a:r>
-            <a:r>
-              <a:rPr b="0" lang="en-US" sz="1800" spc="-1" strike="noStrike">
-                <a:solidFill>
-                  <a:srgbClr val="000000"/>
-                </a:solidFill>
-                <a:latin typeface="맑은 고딕"/>
-              </a:rPr>
-              <a:t>status </a:t>
-            </a:r>
-            <a:r>
-              <a:rPr b="0" lang="en-US" sz="1800" spc="-1" strike="noStrike">
-                <a:solidFill>
-                  <a:srgbClr val="000000"/>
-                </a:solidFill>
-                <a:latin typeface="맑은 고딕"/>
-              </a:rPr>
-              <a:t>버튼을 누른다</a:t>
-            </a:r>
-            <a:r>
-              <a:rPr b="0" lang="en-US" sz="1800" spc="-1" strike="noStrike">
-                <a:solidFill>
-                  <a:srgbClr val="000000"/>
-                </a:solidFill>
-                <a:latin typeface="맑은 고딕"/>
-              </a:rPr>
-              <a:t>.</a:t>
-            </a:r>
-            <a:endParaRPr b="0" lang="en-US" sz="1800" spc="-1" strike="noStrike">
-              <a:latin typeface="Arial"/>
-            </a:endParaRPr>
-          </a:p>
-          <a:p>
-            <a:pPr marL="343080" indent="-342720">
-              <a:lnSpc>
-                <a:spcPct val="100000"/>
-              </a:lnSpc>
-              <a:buClr>
-                <a:srgbClr val="000000"/>
-              </a:buClr>
-              <a:buFont typeface="StarSymbol"/>
-              <a:buAutoNum type="arabicPeriod"/>
-            </a:pPr>
-            <a:r>
-              <a:rPr b="0" lang="en-US" sz="1800" spc="-1" strike="noStrike">
-                <a:solidFill>
-                  <a:srgbClr val="000000"/>
-                </a:solidFill>
-                <a:latin typeface="맑은 고딕"/>
-              </a:rPr>
-              <a:t>버튼을 누르면</a:t>
-            </a:r>
-            <a:r>
-              <a:rPr b="0" lang="en-US" sz="1800" spc="-1" strike="noStrike">
-                <a:solidFill>
-                  <a:srgbClr val="000000"/>
-                </a:solidFill>
-                <a:latin typeface="맑은 고딕"/>
-              </a:rPr>
-              <a:t>, server </a:t>
-            </a:r>
-            <a:r>
-              <a:rPr b="0" lang="en-US" sz="1800" spc="-1" strike="noStrike">
-                <a:solidFill>
-                  <a:srgbClr val="000000"/>
-                </a:solidFill>
-                <a:latin typeface="맑은 고딕"/>
-              </a:rPr>
-              <a:t>가 </a:t>
-            </a:r>
-            <a:r>
-              <a:rPr b="0" lang="en-US" sz="1800" spc="-1" strike="noStrike">
-                <a:solidFill>
-                  <a:srgbClr val="000000"/>
-                </a:solidFill>
-                <a:latin typeface="맑은 고딕"/>
-              </a:rPr>
-              <a:t>status request </a:t>
-            </a:r>
-            <a:r>
-              <a:rPr b="0" lang="en-US" sz="1800" spc="-1" strike="noStrike">
-                <a:solidFill>
-                  <a:srgbClr val="000000"/>
-                </a:solidFill>
-                <a:latin typeface="맑은 고딕"/>
-              </a:rPr>
-              <a:t>를 받고</a:t>
-            </a:r>
-            <a:r>
-              <a:rPr b="0" lang="en-US" sz="1800" spc="-1" strike="noStrike">
-                <a:solidFill>
-                  <a:srgbClr val="000000"/>
-                </a:solidFill>
-                <a:latin typeface="맑은 고딕"/>
-              </a:rPr>
-              <a:t>, </a:t>
-            </a:r>
-            <a:r>
-              <a:rPr b="0" lang="en-US" sz="1800" spc="-1" strike="noStrike">
-                <a:solidFill>
-                  <a:srgbClr val="000000"/>
-                </a:solidFill>
-                <a:latin typeface="맑은 고딕"/>
-              </a:rPr>
-              <a:t>그 기기가 </a:t>
-            </a:r>
-            <a:r>
-              <a:rPr b="0" lang="en-US" sz="1800" spc="-1" strike="noStrike">
-                <a:solidFill>
-                  <a:srgbClr val="000000"/>
-                </a:solidFill>
-                <a:latin typeface="맑은 고딕"/>
-              </a:rPr>
-              <a:t>DB </a:t>
-            </a:r>
-            <a:r>
-              <a:rPr b="0" lang="en-US" sz="1800" spc="-1" strike="noStrike">
-                <a:solidFill>
-                  <a:srgbClr val="000000"/>
-                </a:solidFill>
-                <a:latin typeface="맑은 고딕"/>
-              </a:rPr>
-              <a:t>에 저장되어 있는지 보고 그 기기의 </a:t>
-            </a:r>
-            <a:r>
-              <a:rPr b="0" lang="en-US" sz="1800" spc="-1" strike="noStrike">
-                <a:solidFill>
-                  <a:srgbClr val="000000"/>
-                </a:solidFill>
-                <a:latin typeface="맑은 고딕"/>
-              </a:rPr>
-              <a:t>terminal </a:t>
-            </a:r>
-            <a:r>
-              <a:rPr b="0" lang="en-US" sz="1800" spc="-1" strike="noStrike">
-                <a:solidFill>
-                  <a:srgbClr val="000000"/>
-                </a:solidFill>
-                <a:latin typeface="맑은 고딕"/>
-              </a:rPr>
-              <a:t>로 부터 </a:t>
-            </a:r>
-            <a:r>
-              <a:rPr b="0" lang="en-US" sz="1800" spc="-1" strike="noStrike">
-                <a:solidFill>
-                  <a:srgbClr val="000000"/>
-                </a:solidFill>
-                <a:latin typeface="맑은 고딕"/>
-              </a:rPr>
-              <a:t>docker ps –a </a:t>
-            </a:r>
-            <a:r>
-              <a:rPr b="0" lang="en-US" sz="1800" spc="-1" strike="noStrike">
-                <a:solidFill>
-                  <a:srgbClr val="000000"/>
-                </a:solidFill>
-                <a:latin typeface="맑은 고딕"/>
-              </a:rPr>
-              <a:t>명령을 받아서 </a:t>
-            </a:r>
-            <a:r>
-              <a:rPr b="0" lang="en-US" sz="1800" spc="-1" strike="noStrike">
-                <a:solidFill>
-                  <a:srgbClr val="000000"/>
-                </a:solidFill>
-                <a:latin typeface="맑은 고딕"/>
-              </a:rPr>
-              <a:t>response </a:t>
-            </a:r>
-            <a:r>
-              <a:rPr b="0" lang="en-US" sz="1800" spc="-1" strike="noStrike">
-                <a:solidFill>
-                  <a:srgbClr val="000000"/>
-                </a:solidFill>
-                <a:latin typeface="맑은 고딕"/>
-              </a:rPr>
-              <a:t>로 보낸다</a:t>
-            </a:r>
-            <a:r>
-              <a:rPr b="0" lang="en-US" sz="1800" spc="-1" strike="noStrike">
-                <a:solidFill>
-                  <a:srgbClr val="000000"/>
-                </a:solidFill>
-                <a:latin typeface="맑은 고딕"/>
-              </a:rPr>
-              <a:t>.</a:t>
-            </a:r>
-            <a:endParaRPr b="0" lang="en-US" sz="1800" spc="-1" strike="noStrike">
-              <a:latin typeface="Arial"/>
-            </a:endParaRPr>
-          </a:p>
-          <a:p>
-            <a:pPr marL="343080" indent="-342720">
-              <a:lnSpc>
-                <a:spcPct val="100000"/>
-              </a:lnSpc>
-              <a:buClr>
-                <a:srgbClr val="000000"/>
-              </a:buClr>
-              <a:buFont typeface="StarSymbol"/>
-              <a:buAutoNum type="arabicPeriod"/>
-            </a:pPr>
-            <a:r>
-              <a:rPr b="0" lang="en-US" sz="1800" spc="-1" strike="noStrike">
-                <a:solidFill>
-                  <a:srgbClr val="000000"/>
-                </a:solidFill>
-                <a:latin typeface="맑은 고딕"/>
-              </a:rPr>
-              <a:t>홈페이지에 출력</a:t>
-            </a:r>
-            <a:endParaRPr b="0" lang="en-US" sz="1800" spc="-1" strike="noStrike">
-              <a:latin typeface="Arial"/>
-            </a:endParaRPr>
-          </a:p>
-          <a:p>
-            <a:pPr>
-              <a:lnSpc>
-                <a:spcPct val="100000"/>
-              </a:lnSpc>
-            </a:pPr>
-            <a:endParaRPr b="0" lang="en-US" sz="1800" spc="-1" strike="noStrike">
-              <a:latin typeface="Arial"/>
-            </a:endParaRPr>
-          </a:p>
-          <a:p>
-            <a:pPr>
-              <a:lnSpc>
-                <a:spcPct val="100000"/>
-              </a:lnSpc>
-            </a:pPr>
-            <a:endParaRPr b="0" lang="en-US" sz="1800" spc="-1" strike="noStrike">
-              <a:latin typeface="Arial"/>
-            </a:endParaRPr>
-          </a:p>
-          <a:p>
-            <a:pPr>
-              <a:lnSpc>
-                <a:spcPct val="100000"/>
-              </a:lnSpc>
-            </a:pPr>
-            <a:endParaRPr b="0" lang="en-US" sz="1800" spc="-1" strike="noStrike">
-              <a:latin typeface="Arial"/>
-            </a:endParaRPr>
-          </a:p>
-          <a:p>
-            <a:pPr>
-              <a:lnSpc>
-                <a:spcPct val="100000"/>
-              </a:lnSpc>
-            </a:pPr>
-            <a:r>
-              <a:rPr b="0" lang="en-US" sz="1800" spc="-1" strike="noStrike">
-                <a:solidFill>
-                  <a:srgbClr val="000000"/>
-                </a:solidFill>
-                <a:latin typeface="맑은 고딕"/>
-              </a:rPr>
-              <a:t>-&gt; </a:t>
-            </a:r>
-            <a:r>
-              <a:rPr b="0" lang="en-US" sz="1800" spc="-1" strike="noStrike">
-                <a:solidFill>
-                  <a:srgbClr val="000000"/>
-                </a:solidFill>
-                <a:latin typeface="맑은 고딕"/>
-              </a:rPr>
-              <a:t>각 </a:t>
-            </a:r>
-            <a:r>
-              <a:rPr b="0" lang="en-US" sz="1800" spc="-1" strike="noStrike">
-                <a:solidFill>
-                  <a:srgbClr val="000000"/>
-                </a:solidFill>
-                <a:latin typeface="맑은 고딕"/>
-              </a:rPr>
-              <a:t>node </a:t>
-            </a:r>
-            <a:r>
-              <a:rPr b="0" lang="en-US" sz="1800" spc="-1" strike="noStrike">
-                <a:solidFill>
-                  <a:srgbClr val="000000"/>
-                </a:solidFill>
-                <a:latin typeface="맑은 고딕"/>
-              </a:rPr>
-              <a:t>들도 </a:t>
-            </a:r>
-            <a:r>
-              <a:rPr b="0" lang="en-US" sz="1800" spc="-1" strike="noStrike">
-                <a:solidFill>
-                  <a:srgbClr val="000000"/>
-                </a:solidFill>
-                <a:latin typeface="맑은 고딕"/>
-              </a:rPr>
-              <a:t>docker </a:t>
-            </a:r>
-            <a:r>
-              <a:rPr b="0" lang="en-US" sz="1800" spc="-1" strike="noStrike">
-                <a:solidFill>
-                  <a:srgbClr val="000000"/>
-                </a:solidFill>
-                <a:latin typeface="맑은 고딕"/>
-              </a:rPr>
-              <a:t>조작을 할 수 있는 </a:t>
-            </a:r>
-            <a:r>
-              <a:rPr b="0" lang="en-US" sz="1800" spc="-1" strike="noStrike">
-                <a:solidFill>
-                  <a:srgbClr val="000000"/>
-                </a:solidFill>
-                <a:latin typeface="맑은 고딕"/>
-              </a:rPr>
-              <a:t>server </a:t>
-            </a:r>
-            <a:r>
-              <a:rPr b="0" lang="en-US" sz="1800" spc="-1" strike="noStrike">
-                <a:solidFill>
-                  <a:srgbClr val="000000"/>
-                </a:solidFill>
-                <a:latin typeface="맑은 고딕"/>
-              </a:rPr>
-              <a:t>가 동작하면 될까</a:t>
-            </a:r>
-            <a:r>
-              <a:rPr b="0" lang="en-US" sz="1800" spc="-1" strike="noStrike">
-                <a:solidFill>
-                  <a:srgbClr val="000000"/>
-                </a:solidFill>
-                <a:latin typeface="맑은 고딕"/>
-              </a:rPr>
-              <a:t>?</a:t>
-            </a:r>
-            <a:endParaRPr b="0" lang="en-US" sz="1800" spc="-1" strike="noStrike">
-              <a:latin typeface="Arial"/>
-            </a:endParaRPr>
-          </a:p>
-          <a:p>
-            <a:pPr>
-              <a:lnSpc>
-                <a:spcPct val="100000"/>
-              </a:lnSpc>
-            </a:pPr>
-            <a:r>
-              <a:rPr b="0" lang="en-US" sz="1800" spc="-1" strike="noStrike">
-                <a:solidFill>
-                  <a:srgbClr val="000000"/>
-                </a:solidFill>
-                <a:latin typeface="맑은 고딕"/>
-              </a:rPr>
-              <a:t>-&gt; </a:t>
-            </a:r>
-            <a:r>
-              <a:rPr b="0" lang="en-US" sz="1800" spc="-1" strike="noStrike">
-                <a:solidFill>
-                  <a:srgbClr val="000000"/>
-                </a:solidFill>
-                <a:latin typeface="맑은 고딕"/>
-              </a:rPr>
-              <a:t>기존 </a:t>
-            </a:r>
-            <a:r>
-              <a:rPr b="0" lang="en-US" sz="1800" spc="-1" strike="noStrike">
-                <a:solidFill>
-                  <a:srgbClr val="000000"/>
-                </a:solidFill>
-                <a:latin typeface="맑은 고딕"/>
-              </a:rPr>
-              <a:t>docker </a:t>
-            </a:r>
-            <a:r>
-              <a:rPr b="0" lang="en-US" sz="1800" spc="-1" strike="noStrike">
-                <a:solidFill>
-                  <a:srgbClr val="000000"/>
-                </a:solidFill>
-                <a:latin typeface="맑은 고딕"/>
-              </a:rPr>
-              <a:t>에서는 </a:t>
-            </a:r>
-            <a:r>
-              <a:rPr b="0" lang="en-US" sz="1800" spc="-1" strike="noStrike">
-                <a:solidFill>
-                  <a:srgbClr val="000000"/>
-                </a:solidFill>
-                <a:latin typeface="맑은 고딕"/>
-              </a:rPr>
-              <a:t>url </a:t>
-            </a:r>
-            <a:r>
-              <a:rPr b="0" lang="en-US" sz="1800" spc="-1" strike="noStrike">
-                <a:solidFill>
-                  <a:srgbClr val="000000"/>
-                </a:solidFill>
-                <a:latin typeface="맑은 고딕"/>
-              </a:rPr>
-              <a:t>로 이를 조작할 수 있는 방법은 없을까</a:t>
-            </a:r>
-            <a:r>
-              <a:rPr b="0" lang="en-US" sz="1800" spc="-1" strike="noStrike">
-                <a:solidFill>
-                  <a:srgbClr val="000000"/>
-                </a:solidFill>
-                <a:latin typeface="맑은 고딕"/>
-              </a:rPr>
-              <a:t>?</a:t>
+            <a:r>
+              <a:rPr b="0" lang="en-US" sz="1800" spc="-1" strike="noStrike" u="sng">
+                <a:solidFill>
+                  <a:srgbClr val="0563c1"/>
+                </a:solidFill>
+                <a:uFillTx/>
+                <a:latin typeface="맑은 고딕"/>
+                <a:ea typeface="DejaVu Sans"/>
+                <a:hlinkClick r:id="rId1"/>
+              </a:rPr>
+              <a:t>https://systory.tistory.com/entry/%EC%99%B8%EB%B6%80-%ED%81%B4%EB%9D%BC%EC%9D%B4%EC%96%B8%ED%8A%B8%EC%97%90%EC%84%9C-%EB%8F%84%EC%BB%A4-%EB%8D%B0%EB%AA%AC-%EC%A0%91%EC%86%8D%ED%95%98%EA%B8%B0</a:t>
             </a:r>
             <a:endParaRPr b="0" lang="en-US" sz="1800" spc="-1" strike="noStrike">
               <a:latin typeface="Arial"/>
@@ -4531,229 +4283,365 @@
       </p:grpSpPr>
       <p:sp>
         <p:nvSpPr>
-          <p:cNvPr id="53" name="CustomShape 1"/>
+          <p:cNvPr id="48" name="CustomShape 1"/>
           <p:cNvSpPr/>
           <p:nvPr/>
         </p:nvSpPr>
         <p:spPr>
           <a:xfrm>
-            <a:off x="913320" y="456120"/>
-            <a:ext cx="1989360" cy="364680"/>
-          </a:xfrm>
-          <a:prstGeom prst="rect">
-            <a:avLst/>
-          </a:prstGeom>
-          <a:noFill/>
+            <a:off x="1839960" y="395280"/>
+            <a:ext cx="3115080" cy="5654880"/>
+          </a:xfrm>
+          <a:prstGeom prst="rect">
+            <a:avLst/>
+          </a:prstGeom>
           <a:ln>
-            <a:noFill/>
+            <a:round/>
           </a:ln>
         </p:spPr>
         <p:style>
-          <a:lnRef idx="0"/>
-          <a:fillRef idx="0"/>
-          <a:effectRef idx="0"/>
+          <a:lnRef idx="2">
+            <a:schemeClr val="dk1"/>
+          </a:lnRef>
+          <a:fillRef idx="1">
+            <a:schemeClr val="lt1"/>
+          </a:fillRef>
+          <a:effectRef idx="0">
+            <a:schemeClr val="dk1"/>
+          </a:effectRef>
           <a:fontRef idx="minor"/>
         </p:style>
-        <p:txBody>
-          <a:bodyPr wrap="none" lIns="90000" rIns="90000" tIns="45000" bIns="45000"/>
-          <a:p>
-            <a:pPr marL="285840" indent="-285480">
+      </p:sp>
+      <p:sp>
+        <p:nvSpPr>
+          <p:cNvPr id="49" name="CustomShape 2"/>
+          <p:cNvSpPr/>
+          <p:nvPr/>
+        </p:nvSpPr>
+        <p:spPr>
+          <a:xfrm>
+            <a:off x="2280240" y="970920"/>
+            <a:ext cx="2234520" cy="597600"/>
+          </a:xfrm>
+          <a:prstGeom prst="rect">
+            <a:avLst/>
+          </a:prstGeom>
+          <a:ln>
+            <a:round/>
+          </a:ln>
+        </p:spPr>
+        <p:style>
+          <a:lnRef idx="2">
+            <a:schemeClr val="dk1">
+              <a:shade val="50000"/>
+            </a:schemeClr>
+          </a:lnRef>
+          <a:fillRef idx="1">
+            <a:schemeClr val="dk1"/>
+          </a:fillRef>
+          <a:effectRef idx="0">
+            <a:schemeClr val="dk1"/>
+          </a:effectRef>
+          <a:fontRef idx="minor"/>
+        </p:style>
+        <p:txBody>
+          <a:bodyPr lIns="90000" rIns="90000" tIns="45000" bIns="45000" anchor="ctr"/>
+          <a:p>
+            <a:pPr algn="ctr">
+              <a:lnSpc>
+                <a:spcPct val="100000"/>
+              </a:lnSpc>
+            </a:pPr>
+            <a:r>
+              <a:rPr b="0" lang="en-US" sz="1800" spc="-1" strike="noStrike">
+                <a:solidFill>
+                  <a:srgbClr val="ffffff"/>
+                </a:solidFill>
+                <a:latin typeface="맑은 고딕"/>
+                <a:ea typeface="DejaVu Sans"/>
+              </a:rPr>
+              <a:t>REGISTER</a:t>
+            </a:r>
+            <a:endParaRPr b="0" lang="en-US" sz="1800" spc="-1" strike="noStrike">
+              <a:latin typeface="Arial"/>
+            </a:endParaRPr>
+          </a:p>
+        </p:txBody>
+      </p:sp>
+      <p:sp>
+        <p:nvSpPr>
+          <p:cNvPr id="50" name="CustomShape 3"/>
+          <p:cNvSpPr/>
+          <p:nvPr/>
+        </p:nvSpPr>
+        <p:spPr>
+          <a:xfrm>
+            <a:off x="2280240" y="1936080"/>
+            <a:ext cx="2234520" cy="597600"/>
+          </a:xfrm>
+          <a:prstGeom prst="rect">
+            <a:avLst/>
+          </a:prstGeom>
+          <a:ln>
+            <a:round/>
+          </a:ln>
+        </p:spPr>
+        <p:style>
+          <a:lnRef idx="2">
+            <a:schemeClr val="dk1">
+              <a:shade val="50000"/>
+            </a:schemeClr>
+          </a:lnRef>
+          <a:fillRef idx="1">
+            <a:schemeClr val="dk1"/>
+          </a:fillRef>
+          <a:effectRef idx="0">
+            <a:schemeClr val="dk1"/>
+          </a:effectRef>
+          <a:fontRef idx="minor"/>
+        </p:style>
+        <p:txBody>
+          <a:bodyPr lIns="90000" rIns="90000" tIns="45000" bIns="45000" anchor="ctr"/>
+          <a:p>
+            <a:pPr algn="ctr">
+              <a:lnSpc>
+                <a:spcPct val="100000"/>
+              </a:lnSpc>
+            </a:pPr>
+            <a:r>
+              <a:rPr b="0" lang="en-US" sz="1800" spc="-1" strike="noStrike">
+                <a:solidFill>
+                  <a:srgbClr val="ffffff"/>
+                </a:solidFill>
+                <a:latin typeface="맑은 고딕"/>
+                <a:ea typeface="DejaVu Sans"/>
+              </a:rPr>
+              <a:t>STATUS</a:t>
+            </a:r>
+            <a:endParaRPr b="0" lang="en-US" sz="1800" spc="-1" strike="noStrike">
+              <a:latin typeface="Arial"/>
+            </a:endParaRPr>
+          </a:p>
+        </p:txBody>
+      </p:sp>
+      <p:sp>
+        <p:nvSpPr>
+          <p:cNvPr id="51" name="CustomShape 4"/>
+          <p:cNvSpPr/>
+          <p:nvPr/>
+        </p:nvSpPr>
+        <p:spPr>
+          <a:xfrm>
+            <a:off x="2382120" y="3223080"/>
+            <a:ext cx="2133000" cy="2544840"/>
+          </a:xfrm>
+          <a:prstGeom prst="rect">
+            <a:avLst/>
+          </a:prstGeom>
+          <a:ln>
+            <a:round/>
+          </a:ln>
+        </p:spPr>
+        <p:style>
+          <a:lnRef idx="2">
+            <a:schemeClr val="dk1"/>
+          </a:lnRef>
+          <a:fillRef idx="1">
+            <a:schemeClr val="lt1"/>
+          </a:fillRef>
+          <a:effectRef idx="0">
+            <a:schemeClr val="dk1"/>
+          </a:effectRef>
+          <a:fontRef idx="minor"/>
+        </p:style>
+        <p:txBody>
+          <a:bodyPr lIns="90000" rIns="90000" tIns="45000" bIns="45000" anchor="ctr"/>
+          <a:p>
+            <a:pPr algn="ctr">
+              <a:lnSpc>
+                <a:spcPct val="100000"/>
+              </a:lnSpc>
+            </a:pPr>
+            <a:r>
+              <a:rPr b="0" lang="en-US" sz="1800" spc="-1" strike="noStrike">
+                <a:solidFill>
+                  <a:srgbClr val="000000"/>
+                </a:solidFill>
+                <a:latin typeface="맑은 고딕"/>
+                <a:ea typeface="DejaVu Sans"/>
+              </a:rPr>
+              <a:t>LIST</a:t>
+            </a:r>
+            <a:endParaRPr b="0" lang="en-US" sz="1800" spc="-1" strike="noStrike">
+              <a:latin typeface="Arial"/>
+            </a:endParaRPr>
+          </a:p>
+          <a:p>
+            <a:pPr algn="ctr">
+              <a:lnSpc>
+                <a:spcPct val="100000"/>
+              </a:lnSpc>
+            </a:pPr>
+            <a:endParaRPr b="0" lang="en-US" sz="1800" spc="-1" strike="noStrike">
+              <a:latin typeface="Arial"/>
+            </a:endParaRPr>
+          </a:p>
+          <a:p>
+            <a:pPr marL="343080" indent="-342360" algn="ctr">
               <a:lnSpc>
                 <a:spcPct val="100000"/>
               </a:lnSpc>
               <a:buClr>
                 <a:srgbClr val="000000"/>
               </a:buClr>
-              <a:buFont typeface="Arial"/>
-              <a:buChar char="•"/>
-            </a:pPr>
-            <a:r>
-              <a:rPr b="0" lang="en-US" sz="1800" spc="-1" strike="noStrike">
-                <a:solidFill>
-                  <a:srgbClr val="000000"/>
-                </a:solidFill>
-                <a:latin typeface="맑은 고딕"/>
-              </a:rPr>
-              <a:t>Terminal </a:t>
-            </a:r>
-            <a:r>
-              <a:rPr b="0" lang="en-US" sz="1800" spc="-1" strike="noStrike">
-                <a:solidFill>
-                  <a:srgbClr val="000000"/>
-                </a:solidFill>
-                <a:latin typeface="맑은 고딕"/>
-              </a:rPr>
-              <a:t>접근 </a:t>
+              <a:buFont typeface="StarSymbol"/>
+              <a:buAutoNum type="arabicPeriod"/>
+            </a:pPr>
+            <a:r>
+              <a:rPr b="0" lang="en-US" sz="1800" spc="-1" strike="noStrike">
+                <a:solidFill>
+                  <a:srgbClr val="000000"/>
+                </a:solidFill>
+                <a:latin typeface="맑은 고딕"/>
+                <a:ea typeface="DejaVu Sans"/>
+              </a:rPr>
+              <a:t>Node 1</a:t>
             </a:r>
             <a:endParaRPr b="0" lang="en-US" sz="1800" spc="-1" strike="noStrike">
               <a:latin typeface="Arial"/>
             </a:endParaRPr>
           </a:p>
-        </p:txBody>
-      </p:sp>
-      <p:sp>
-        <p:nvSpPr>
-          <p:cNvPr id="54" name="CustomShape 2"/>
-          <p:cNvSpPr/>
-          <p:nvPr/>
-        </p:nvSpPr>
-        <p:spPr>
-          <a:xfrm>
-            <a:off x="1230480" y="1219320"/>
-            <a:ext cx="7552080" cy="969840"/>
-          </a:xfrm>
-          <a:prstGeom prst="rect">
-            <a:avLst/>
-          </a:prstGeom>
-          <a:noFill/>
-          <a:ln>
-            <a:noFill/>
-          </a:ln>
-        </p:spPr>
-        <p:style>
-          <a:lnRef idx="0"/>
-          <a:fillRef idx="0"/>
-          <a:effectRef idx="0"/>
-          <a:fontRef idx="minor"/>
-        </p:style>
-        <p:txBody>
-          <a:bodyPr lIns="90000" rIns="90000" tIns="45000" bIns="45000"/>
-          <a:p>
-            <a:pPr>
+          <a:p>
+            <a:pPr marL="343080" indent="-342360" algn="ctr">
               <a:lnSpc>
                 <a:spcPct val="100000"/>
               </a:lnSpc>
-            </a:pPr>
-            <a:r>
-              <a:rPr b="0" lang="en-US" sz="1800" spc="-1" strike="noStrike">
-                <a:solidFill>
-                  <a:srgbClr val="000000"/>
-                </a:solidFill>
-                <a:latin typeface="맑은 고딕"/>
-              </a:rPr>
-              <a:t>일단</a:t>
-            </a:r>
-            <a:r>
-              <a:rPr b="0" lang="en-US" sz="1800" spc="-1" strike="noStrike">
-                <a:solidFill>
-                  <a:srgbClr val="000000"/>
-                </a:solidFill>
-                <a:latin typeface="맑은 고딕"/>
-              </a:rPr>
-              <a:t>, </a:t>
-            </a:r>
-            <a:r>
-              <a:rPr b="0" lang="en-US" sz="1800" spc="-1" strike="noStrike">
-                <a:solidFill>
-                  <a:srgbClr val="000000"/>
-                </a:solidFill>
-                <a:latin typeface="맑은 고딕"/>
-              </a:rPr>
-              <a:t>서로의 </a:t>
-            </a:r>
-            <a:r>
-              <a:rPr b="0" lang="en-US" sz="1800" spc="-1" strike="noStrike">
-                <a:solidFill>
-                  <a:srgbClr val="000000"/>
-                </a:solidFill>
-                <a:latin typeface="맑은 고딕"/>
-              </a:rPr>
-              <a:t>Ip </a:t>
-            </a:r>
-            <a:r>
-              <a:rPr b="0" lang="en-US" sz="1800" spc="-1" strike="noStrike">
-                <a:solidFill>
-                  <a:srgbClr val="000000"/>
-                </a:solidFill>
-                <a:latin typeface="맑은 고딕"/>
-              </a:rPr>
-              <a:t>접근이 가능한 상태에서</a:t>
+              <a:buClr>
+                <a:srgbClr val="000000"/>
+              </a:buClr>
+              <a:buFont typeface="StarSymbol"/>
+              <a:buAutoNum type="arabicPeriod"/>
+            </a:pPr>
+            <a:r>
+              <a:rPr b="0" lang="en-US" sz="1800" spc="-1" strike="noStrike">
+                <a:solidFill>
+                  <a:srgbClr val="000000"/>
+                </a:solidFill>
+                <a:latin typeface="맑은 고딕"/>
+                <a:ea typeface="DejaVu Sans"/>
+              </a:rPr>
+              <a:t>Node 2</a:t>
             </a:r>
             <a:endParaRPr b="0" lang="en-US" sz="1800" spc="-1" strike="noStrike">
               <a:latin typeface="Arial"/>
             </a:endParaRPr>
           </a:p>
           <a:p>
-            <a:pPr>
+            <a:pPr marL="343080" indent="-342360" algn="ctr">
               <a:lnSpc>
                 <a:spcPct val="100000"/>
               </a:lnSpc>
-            </a:pPr>
-            <a:r>
-              <a:rPr b="0" lang="en-US" sz="1800" spc="-1" strike="noStrike">
-                <a:solidFill>
-                  <a:srgbClr val="000000"/>
-                </a:solidFill>
-                <a:latin typeface="맑은 고딕"/>
-              </a:rPr>
-              <a:t>Docker daemon </a:t>
-            </a:r>
-            <a:r>
-              <a:rPr b="0" lang="en-US" sz="1800" spc="-1" strike="noStrike">
-                <a:solidFill>
-                  <a:srgbClr val="000000"/>
-                </a:solidFill>
-                <a:latin typeface="맑은 고딕"/>
-              </a:rPr>
-              <a:t>을 </a:t>
-            </a:r>
-            <a:r>
-              <a:rPr b="0" lang="en-US" sz="1800" spc="-1" strike="noStrike">
-                <a:solidFill>
-                  <a:srgbClr val="000000"/>
-                </a:solidFill>
-                <a:latin typeface="맑은 고딕"/>
-              </a:rPr>
-              <a:t>tcp </a:t>
-            </a:r>
-            <a:r>
-              <a:rPr b="0" lang="en-US" sz="1800" spc="-1" strike="noStrike">
-                <a:solidFill>
-                  <a:srgbClr val="000000"/>
-                </a:solidFill>
-                <a:latin typeface="맑은 고딕"/>
-              </a:rPr>
-              <a:t>소켓</a:t>
-            </a:r>
-            <a:r>
-              <a:rPr b="0" lang="en-US" sz="1800" spc="-1" strike="noStrike">
-                <a:solidFill>
-                  <a:srgbClr val="000000"/>
-                </a:solidFill>
-                <a:latin typeface="맑은 고딕"/>
-              </a:rPr>
-              <a:t>? </a:t>
-            </a:r>
-            <a:r>
-              <a:rPr b="0" lang="en-US" sz="1800" spc="-1" strike="noStrike">
-                <a:solidFill>
-                  <a:srgbClr val="000000"/>
-                </a:solidFill>
-                <a:latin typeface="맑은 고딕"/>
-              </a:rPr>
-              <a:t>으로 통신하는 방법으로 적용</a:t>
+              <a:buClr>
+                <a:srgbClr val="000000"/>
+              </a:buClr>
+              <a:buFont typeface="StarSymbol"/>
+              <a:buAutoNum type="arabicPeriod"/>
+            </a:pPr>
+            <a:r>
+              <a:rPr b="0" lang="en-US" sz="1800" spc="-1" strike="noStrike">
+                <a:solidFill>
+                  <a:srgbClr val="000000"/>
+                </a:solidFill>
+                <a:latin typeface="맑은 고딕"/>
+                <a:ea typeface="DejaVu Sans"/>
+              </a:rPr>
+              <a:t>Node 3</a:t>
             </a:r>
             <a:endParaRPr b="0" lang="en-US" sz="1800" spc="-1" strike="noStrike">
               <a:latin typeface="Arial"/>
             </a:endParaRPr>
           </a:p>
           <a:p>
-            <a:pPr>
+            <a:pPr marL="343080" indent="-342360" algn="ctr">
               <a:lnSpc>
                 <a:spcPct val="100000"/>
               </a:lnSpc>
-            </a:pPr>
-            <a:r>
-              <a:rPr b="0" lang="en-US" sz="1800" spc="-1" strike="noStrike" u="sng">
-                <a:solidFill>
-                  <a:srgbClr val="0563c1"/>
-                </a:solidFill>
-                <a:uFillTx/>
-                <a:latin typeface="맑은 고딕"/>
-                <a:hlinkClick r:id="rId1"/>
-              </a:rPr>
-              <a:t>https://systory.tistory.com/entry/%EC%99%B8%EB%B6%80-%ED%81%B4%EB%9D%BC%EC%9D%B4%EC%96%B8%ED%8A%B8%EC%97%90%EC%84%9C-%EB%8F%84%EC%BB%A4-%EB%8D%B0%EB%AA%AC-%EC%A0%91%EC%86%8D%ED%95%98%EA%B8%B0</a:t>
-            </a:r>
+              <a:buClr>
+                <a:srgbClr val="000000"/>
+              </a:buClr>
+              <a:buFont typeface="StarSymbol"/>
+              <a:buAutoNum type="arabicPeriod"/>
+            </a:pPr>
+            <a:r>
+              <a:rPr b="0" lang="en-US" sz="1800" spc="-1" strike="noStrike">
+                <a:solidFill>
+                  <a:srgbClr val="000000"/>
+                </a:solidFill>
+                <a:latin typeface="맑은 고딕"/>
+                <a:ea typeface="DejaVu Sans"/>
+              </a:rPr>
+              <a:t>.</a:t>
+            </a:r>
+            <a:endParaRPr b="0" lang="en-US" sz="1800" spc="-1" strike="noStrike">
+              <a:latin typeface="Arial"/>
+            </a:endParaRPr>
+          </a:p>
+          <a:p>
+            <a:pPr marL="343080" indent="-342360" algn="ctr">
+              <a:lnSpc>
+                <a:spcPct val="100000"/>
+              </a:lnSpc>
+              <a:buClr>
+                <a:srgbClr val="000000"/>
+              </a:buClr>
+              <a:buFont typeface="StarSymbol"/>
+              <a:buAutoNum type="arabicPeriod"/>
+            </a:pPr>
+            <a:r>
+              <a:rPr b="0" lang="en-US" sz="1800" spc="-1" strike="noStrike">
+                <a:solidFill>
+                  <a:srgbClr val="000000"/>
+                </a:solidFill>
+                <a:latin typeface="맑은 고딕"/>
+                <a:ea typeface="DejaVu Sans"/>
+              </a:rPr>
+              <a:t>.</a:t>
+            </a:r>
+            <a:endParaRPr b="0" lang="en-US" sz="1800" spc="-1" strike="noStrike">
+              <a:latin typeface="Arial"/>
+            </a:endParaRPr>
+          </a:p>
+          <a:p>
+            <a:pPr marL="343080" indent="-342360" algn="ctr">
+              <a:lnSpc>
+                <a:spcPct val="100000"/>
+              </a:lnSpc>
+              <a:buClr>
+                <a:srgbClr val="000000"/>
+              </a:buClr>
+              <a:buFont typeface="StarSymbol"/>
+              <a:buAutoNum type="arabicPeriod"/>
+            </a:pPr>
+            <a:r>
+              <a:rPr b="0" lang="en-US" sz="1800" spc="-1" strike="noStrike">
+                <a:solidFill>
+                  <a:srgbClr val="000000"/>
+                </a:solidFill>
+                <a:latin typeface="맑은 고딕"/>
+                <a:ea typeface="DejaVu Sans"/>
+              </a:rPr>
+              <a:t>.</a:t>
+            </a:r>
+            <a:endParaRPr b="0" lang="en-US" sz="1800" spc="-1" strike="noStrike">
+              <a:latin typeface="Arial"/>
+            </a:endParaRPr>
+          </a:p>
+          <a:p>
+            <a:pPr algn="ctr">
+              <a:lnSpc>
+                <a:spcPct val="100000"/>
+              </a:lnSpc>
+            </a:pPr>
             <a:endParaRPr b="0" lang="en-US" sz="1800" spc="-1" strike="noStrike">
               <a:latin typeface="Arial"/>
             </a:endParaRPr>
@@ -4811,348 +4699,153 @@
       </p:grpSpPr>
       <p:sp>
         <p:nvSpPr>
-          <p:cNvPr id="55" name="CustomShape 1"/>
+          <p:cNvPr id="52" name="CustomShape 1"/>
           <p:cNvSpPr/>
           <p:nvPr/>
         </p:nvSpPr>
         <p:spPr>
           <a:xfrm>
-            <a:off x="1839960" y="395280"/>
-            <a:ext cx="3115440" cy="5655240"/>
-          </a:xfrm>
-          <a:prstGeom prst="rect">
-            <a:avLst/>
-          </a:prstGeom>
-          <a:ln/>
+            <a:off x="2468880" y="731520"/>
+            <a:ext cx="7772040" cy="1338480"/>
+          </a:xfrm>
+          <a:prstGeom prst="rect">
+            <a:avLst/>
+          </a:prstGeom>
+          <a:noFill/>
+          <a:ln>
+            <a:noFill/>
+          </a:ln>
         </p:spPr>
         <p:style>
-          <a:lnRef idx="2">
-            <a:schemeClr val="dk1"/>
-          </a:lnRef>
-          <a:fillRef idx="1">
-            <a:schemeClr val="lt1"/>
-          </a:fillRef>
-          <a:effectRef idx="0">
-            <a:schemeClr val="dk1"/>
-          </a:effectRef>
+          <a:lnRef idx="0"/>
+          <a:fillRef idx="0"/>
+          <a:effectRef idx="0"/>
           <a:fontRef idx="minor"/>
         </p:style>
-      </p:sp>
-      <p:sp>
-        <p:nvSpPr>
-          <p:cNvPr id="56" name="CustomShape 2"/>
-          <p:cNvSpPr/>
-          <p:nvPr/>
-        </p:nvSpPr>
-        <p:spPr>
-          <a:xfrm>
-            <a:off x="2280240" y="970920"/>
-            <a:ext cx="2234880" cy="597960"/>
-          </a:xfrm>
-          <a:prstGeom prst="rect">
-            <a:avLst/>
-          </a:prstGeom>
-          <a:ln/>
-        </p:spPr>
-        <p:style>
-          <a:lnRef idx="2">
-            <a:schemeClr val="dk1">
-              <a:shade val="50000"/>
-            </a:schemeClr>
-          </a:lnRef>
-          <a:fillRef idx="1">
-            <a:schemeClr val="dk1"/>
-          </a:fillRef>
-          <a:effectRef idx="0">
-            <a:schemeClr val="dk1"/>
-          </a:effectRef>
-          <a:fontRef idx="minor"/>
-        </p:style>
-        <p:txBody>
-          <a:bodyPr lIns="90000" rIns="90000" tIns="45000" bIns="45000" anchor="ctr"/>
-          <a:p>
-            <a:pPr algn="ctr">
+        <p:txBody>
+          <a:bodyPr lIns="90000" rIns="90000" tIns="45000" bIns="45000"/>
+          <a:p>
+            <a:pPr>
               <a:lnSpc>
                 <a:spcPct val="100000"/>
               </a:lnSpc>
             </a:pPr>
             <a:r>
               <a:rPr b="0" lang="en-US" sz="1800" spc="-1" strike="noStrike">
-                <a:solidFill>
-                  <a:srgbClr val="ffffff"/>
-                </a:solidFill>
-                <a:latin typeface="맑은 고딕"/>
-              </a:rPr>
-              <a:t>REGISTER</a:t>
+                <a:latin typeface="Arial"/>
+              </a:rPr>
+              <a:t>Publish </a:t>
+            </a:r>
+            <a:r>
+              <a:rPr b="0" lang="en-US" sz="1800" spc="-1" strike="noStrike">
+                <a:latin typeface="Arial"/>
+              </a:rPr>
+              <a:t>를 누르면</a:t>
+            </a:r>
+            <a:r>
+              <a:rPr b="0" lang="en-US" sz="1800" spc="-1" strike="noStrike">
+                <a:latin typeface="Arial"/>
+              </a:rPr>
+              <a:t>, </a:t>
+            </a:r>
+            <a:r>
+              <a:rPr b="0" lang="en-US" sz="1800" spc="-1" strike="noStrike">
+                <a:latin typeface="Arial"/>
+              </a:rPr>
+              <a:t>그 기기 디비에 정보 저장</a:t>
+            </a:r>
+            <a:r>
+              <a:rPr b="0" lang="en-US" sz="1800" spc="-1" strike="noStrike">
+                <a:latin typeface="Arial"/>
+              </a:rPr>
+              <a:t>, </a:t>
+            </a:r>
+            <a:r>
+              <a:rPr b="0" lang="en-US" sz="1800" spc="-1" strike="noStrike">
+                <a:latin typeface="Arial"/>
+              </a:rPr>
+              <a:t>화면에 출력</a:t>
             </a:r>
             <a:endParaRPr b="0" lang="en-US" sz="1800" spc="-1" strike="noStrike">
               <a:latin typeface="Arial"/>
             </a:endParaRPr>
           </a:p>
-        </p:txBody>
-      </p:sp>
-      <p:sp>
-        <p:nvSpPr>
-          <p:cNvPr id="57" name="CustomShape 3"/>
-          <p:cNvSpPr/>
-          <p:nvPr/>
-        </p:nvSpPr>
-        <p:spPr>
-          <a:xfrm>
-            <a:off x="2280240" y="1936080"/>
-            <a:ext cx="2234880" cy="597960"/>
-          </a:xfrm>
-          <a:prstGeom prst="rect">
-            <a:avLst/>
-          </a:prstGeom>
-          <a:ln/>
-        </p:spPr>
-        <p:style>
-          <a:lnRef idx="2">
-            <a:schemeClr val="dk1">
-              <a:shade val="50000"/>
-            </a:schemeClr>
-          </a:lnRef>
-          <a:fillRef idx="1">
-            <a:schemeClr val="dk1"/>
-          </a:fillRef>
-          <a:effectRef idx="0">
-            <a:schemeClr val="dk1"/>
-          </a:effectRef>
-          <a:fontRef idx="minor"/>
-        </p:style>
-        <p:txBody>
-          <a:bodyPr lIns="90000" rIns="90000" tIns="45000" bIns="45000" anchor="ctr"/>
-          <a:p>
-            <a:pPr algn="ctr">
+          <a:p>
+            <a:pPr>
               <a:lnSpc>
                 <a:spcPct val="100000"/>
               </a:lnSpc>
             </a:pPr>
-            <a:r>
-              <a:rPr b="0" lang="en-US" sz="1800" spc="-1" strike="noStrike">
-                <a:solidFill>
-                  <a:srgbClr val="ffffff"/>
-                </a:solidFill>
-                <a:latin typeface="맑은 고딕"/>
-              </a:rPr>
-              <a:t>STATUS</a:t>
-            </a:r>
             <a:endParaRPr b="0" lang="en-US" sz="1800" spc="-1" strike="noStrike">
               <a:latin typeface="Arial"/>
             </a:endParaRPr>
           </a:p>
-        </p:txBody>
-      </p:sp>
-      <p:sp>
-        <p:nvSpPr>
-          <p:cNvPr id="58" name="CustomShape 4"/>
-          <p:cNvSpPr/>
-          <p:nvPr/>
-        </p:nvSpPr>
-        <p:spPr>
-          <a:xfrm>
-            <a:off x="2382120" y="3223080"/>
-            <a:ext cx="2133360" cy="2545200"/>
-          </a:xfrm>
-          <a:prstGeom prst="rect">
-            <a:avLst/>
-          </a:prstGeom>
-          <a:ln/>
-        </p:spPr>
-        <p:style>
-          <a:lnRef idx="2">
-            <a:schemeClr val="dk1"/>
-          </a:lnRef>
-          <a:fillRef idx="1">
-            <a:schemeClr val="lt1"/>
-          </a:fillRef>
-          <a:effectRef idx="0">
-            <a:schemeClr val="dk1"/>
-          </a:effectRef>
-          <a:fontRef idx="minor"/>
-        </p:style>
-        <p:txBody>
-          <a:bodyPr lIns="90000" rIns="90000" tIns="45000" bIns="45000" anchor="ctr"/>
-          <a:p>
-            <a:pPr algn="ctr">
+          <a:p>
+            <a:pPr>
               <a:lnSpc>
                 <a:spcPct val="100000"/>
               </a:lnSpc>
             </a:pPr>
             <a:r>
               <a:rPr b="0" lang="en-US" sz="1800" spc="-1" strike="noStrike">
-                <a:solidFill>
-                  <a:srgbClr val="000000"/>
-                </a:solidFill>
-                <a:latin typeface="맑은 고딕"/>
-              </a:rPr>
-              <a:t>LIST</a:t>
-            </a:r>
-            <a:endParaRPr b="0" lang="en-US" sz="1800" spc="-1" strike="noStrike">
-              <a:latin typeface="Arial"/>
-            </a:endParaRPr>
-          </a:p>
-          <a:p>
-            <a:pPr algn="ctr">
-              <a:lnSpc>
-                <a:spcPct val="100000"/>
-              </a:lnSpc>
-            </a:pPr>
-            <a:endParaRPr b="0" lang="en-US" sz="1800" spc="-1" strike="noStrike">
-              <a:latin typeface="Arial"/>
-            </a:endParaRPr>
-          </a:p>
-          <a:p>
-            <a:pPr marL="343080" indent="-342720" algn="ctr">
-              <a:lnSpc>
-                <a:spcPct val="100000"/>
-              </a:lnSpc>
-              <a:buClr>
-                <a:srgbClr val="000000"/>
-              </a:buClr>
-              <a:buFont typeface="StarSymbol"/>
-              <a:buAutoNum type="arabicPeriod"/>
-            </a:pPr>
-            <a:r>
-              <a:rPr b="0" lang="en-US" sz="1800" spc="-1" strike="noStrike">
-                <a:solidFill>
-                  <a:srgbClr val="000000"/>
-                </a:solidFill>
-                <a:latin typeface="맑은 고딕"/>
-              </a:rPr>
-              <a:t>Node 1</a:t>
-            </a:r>
-            <a:endParaRPr b="0" lang="en-US" sz="1800" spc="-1" strike="noStrike">
-              <a:latin typeface="Arial"/>
-            </a:endParaRPr>
-          </a:p>
-          <a:p>
-            <a:pPr marL="343080" indent="-342720" algn="ctr">
-              <a:lnSpc>
-                <a:spcPct val="100000"/>
-              </a:lnSpc>
-              <a:buClr>
-                <a:srgbClr val="000000"/>
-              </a:buClr>
-              <a:buFont typeface="StarSymbol"/>
-              <a:buAutoNum type="arabicPeriod"/>
-            </a:pPr>
-            <a:r>
-              <a:rPr b="0" lang="en-US" sz="1800" spc="-1" strike="noStrike">
-                <a:solidFill>
-                  <a:srgbClr val="000000"/>
-                </a:solidFill>
-                <a:latin typeface="맑은 고딕"/>
-              </a:rPr>
-              <a:t>Node 2</a:t>
-            </a:r>
-            <a:endParaRPr b="0" lang="en-US" sz="1800" spc="-1" strike="noStrike">
-              <a:latin typeface="Arial"/>
-            </a:endParaRPr>
-          </a:p>
-          <a:p>
-            <a:pPr marL="343080" indent="-342720" algn="ctr">
-              <a:lnSpc>
-                <a:spcPct val="100000"/>
-              </a:lnSpc>
-              <a:buClr>
-                <a:srgbClr val="000000"/>
-              </a:buClr>
-              <a:buFont typeface="StarSymbol"/>
-              <a:buAutoNum type="arabicPeriod"/>
-            </a:pPr>
-            <a:r>
-              <a:rPr b="0" lang="en-US" sz="1800" spc="-1" strike="noStrike">
-                <a:solidFill>
-                  <a:srgbClr val="000000"/>
-                </a:solidFill>
-                <a:latin typeface="맑은 고딕"/>
-              </a:rPr>
-              <a:t>Node 3</a:t>
-            </a:r>
-            <a:endParaRPr b="0" lang="en-US" sz="1800" spc="-1" strike="noStrike">
-              <a:latin typeface="Arial"/>
-            </a:endParaRPr>
-          </a:p>
-          <a:p>
-            <a:pPr marL="343080" indent="-342720" algn="ctr">
-              <a:lnSpc>
-                <a:spcPct val="100000"/>
-              </a:lnSpc>
-              <a:buClr>
-                <a:srgbClr val="000000"/>
-              </a:buClr>
-              <a:buFont typeface="StarSymbol"/>
-              <a:buAutoNum type="arabicPeriod"/>
-            </a:pPr>
-            <a:r>
-              <a:rPr b="0" lang="en-US" sz="1800" spc="-1" strike="noStrike">
-                <a:solidFill>
-                  <a:srgbClr val="000000"/>
-                </a:solidFill>
-                <a:latin typeface="맑은 고딕"/>
-              </a:rPr>
-              <a:t>.</a:t>
-            </a:r>
-            <a:endParaRPr b="0" lang="en-US" sz="1800" spc="-1" strike="noStrike">
-              <a:latin typeface="Arial"/>
-            </a:endParaRPr>
-          </a:p>
-          <a:p>
-            <a:pPr marL="343080" indent="-342720" algn="ctr">
-              <a:lnSpc>
-                <a:spcPct val="100000"/>
-              </a:lnSpc>
-              <a:buClr>
-                <a:srgbClr val="000000"/>
-              </a:buClr>
-              <a:buFont typeface="StarSymbol"/>
-              <a:buAutoNum type="arabicPeriod"/>
-            </a:pPr>
-            <a:r>
-              <a:rPr b="0" lang="en-US" sz="1800" spc="-1" strike="noStrike">
-                <a:solidFill>
-                  <a:srgbClr val="000000"/>
-                </a:solidFill>
-                <a:latin typeface="맑은 고딕"/>
-              </a:rPr>
-              <a:t>.</a:t>
-            </a:r>
-            <a:endParaRPr b="0" lang="en-US" sz="1800" spc="-1" strike="noStrike">
-              <a:latin typeface="Arial"/>
-            </a:endParaRPr>
-          </a:p>
-          <a:p>
-            <a:pPr marL="343080" indent="-342720" algn="ctr">
-              <a:lnSpc>
-                <a:spcPct val="100000"/>
-              </a:lnSpc>
-              <a:buClr>
-                <a:srgbClr val="000000"/>
-              </a:buClr>
-              <a:buFont typeface="StarSymbol"/>
-              <a:buAutoNum type="arabicPeriod"/>
-            </a:pPr>
-            <a:r>
-              <a:rPr b="0" lang="en-US" sz="1800" spc="-1" strike="noStrike">
-                <a:solidFill>
-                  <a:srgbClr val="000000"/>
-                </a:solidFill>
-                <a:latin typeface="맑은 고딕"/>
-              </a:rPr>
-              <a:t>.</a:t>
-            </a:r>
-            <a:endParaRPr b="0" lang="en-US" sz="1800" spc="-1" strike="noStrike">
-              <a:latin typeface="Arial"/>
-            </a:endParaRPr>
-          </a:p>
-          <a:p>
-            <a:pPr algn="ctr">
-              <a:lnSpc>
-                <a:spcPct val="100000"/>
-              </a:lnSpc>
-            </a:pPr>
+                <a:latin typeface="Arial"/>
+              </a:rPr>
+              <a:t>사용자는 </a:t>
+            </a:r>
+            <a:r>
+              <a:rPr b="0" lang="en-US" sz="1800" spc="-1" strike="noStrike">
+                <a:latin typeface="Arial"/>
+              </a:rPr>
+              <a:t>list </a:t>
+            </a:r>
+            <a:r>
+              <a:rPr b="0" lang="en-US" sz="1800" spc="-1" strike="noStrike">
+                <a:latin typeface="Arial"/>
+              </a:rPr>
+              <a:t>에서 원하는 거 누르고 </a:t>
+            </a:r>
+            <a:r>
+              <a:rPr b="0" lang="en-US" sz="1800" spc="-1" strike="noStrike">
+                <a:latin typeface="Arial"/>
+              </a:rPr>
+              <a:t>(</a:t>
+            </a:r>
+            <a:r>
+              <a:rPr b="0" lang="en-US" sz="1800" spc="-1" strike="noStrike">
+                <a:latin typeface="Arial"/>
+              </a:rPr>
+              <a:t>토픽은 주소</a:t>
+            </a:r>
+            <a:r>
+              <a:rPr b="0" lang="en-US" sz="1800" spc="-1" strike="noStrike">
+                <a:latin typeface="Arial"/>
+              </a:rPr>
+              <a:t>, </a:t>
+            </a:r>
+            <a:r>
+              <a:rPr b="0" lang="en-US" sz="1800" spc="-1" strike="noStrike">
+                <a:latin typeface="Arial"/>
+              </a:rPr>
+              <a:t>메세지는 명령어 심볼</a:t>
+            </a:r>
+            <a:r>
+              <a:rPr b="0" lang="en-US" sz="1800" spc="-1" strike="noStrike">
+                <a:latin typeface="Arial"/>
+              </a:rPr>
+              <a:t>) </a:t>
+            </a:r>
+            <a:r>
+              <a:rPr b="0" lang="en-US" sz="1800" spc="-1" strike="noStrike">
+                <a:latin typeface="Arial"/>
+              </a:rPr>
+              <a:t>퍼블리쉬 하면 </a:t>
+            </a:r>
+            <a:r>
+              <a:rPr b="0" lang="en-US" sz="1800" spc="-1" strike="noStrike">
+                <a:latin typeface="Arial"/>
+              </a:rPr>
+              <a:t>.. ? </a:t>
+            </a:r>
             <a:endParaRPr b="0" lang="en-US" sz="1800" spc="-1" strike="noStrike">
               <a:latin typeface="Arial"/>
             </a:endParaRPr>
@@ -5210,14 +4903,14 @@
       </p:grpSpPr>
       <p:sp>
         <p:nvSpPr>
-          <p:cNvPr id="59" name="TextShape 1"/>
-          <p:cNvSpPr txBox="1"/>
+          <p:cNvPr id="53" name="CustomShape 1"/>
+          <p:cNvSpPr/>
           <p:nvPr/>
         </p:nvSpPr>
         <p:spPr>
           <a:xfrm>
-            <a:off x="2468880" y="731520"/>
-            <a:ext cx="7772400" cy="1338840"/>
+            <a:off x="677160" y="654840"/>
+            <a:ext cx="3284280" cy="1735920"/>
           </a:xfrm>
           <a:prstGeom prst="rect">
             <a:avLst/>
@@ -5227,132 +4920,535 @@
             <a:noFill/>
           </a:ln>
         </p:spPr>
+        <p:style>
+          <a:lnRef idx="0"/>
+          <a:fillRef idx="0"/>
+          <a:effectRef idx="0"/>
+          <a:fontRef idx="minor"/>
+        </p:style>
         <p:txBody>
           <a:bodyPr lIns="90000" rIns="90000" tIns="45000" bIns="45000"/>
           <a:p>
-            <a:r>
-              <a:rPr b="0" lang="en-US" sz="1800" spc="-1" strike="noStrike">
-                <a:latin typeface="Arial"/>
-              </a:rPr>
-              <a:t>Publish </a:t>
-            </a:r>
-            <a:r>
-              <a:rPr b="0" lang="en-US" sz="1800" spc="-1" strike="noStrike">
-                <a:latin typeface="Arial"/>
-              </a:rPr>
-              <a:t>를 누르면</a:t>
-            </a:r>
-            <a:r>
-              <a:rPr b="0" lang="en-US" sz="1800" spc="-1" strike="noStrike">
-                <a:latin typeface="Arial"/>
-              </a:rPr>
-              <a:t>, </a:t>
-            </a:r>
-            <a:r>
-              <a:rPr b="0" lang="en-US" sz="1800" spc="-1" strike="noStrike">
-                <a:latin typeface="Arial"/>
-              </a:rPr>
-              <a:t>그 기기 </a:t>
-            </a:r>
-            <a:r>
-              <a:rPr b="0" lang="en-US" sz="1800" spc="-1" strike="noStrike">
-                <a:latin typeface="Arial"/>
-              </a:rPr>
-              <a:t>디비에 정보 저장</a:t>
-            </a:r>
-            <a:r>
-              <a:rPr b="0" lang="en-US" sz="1800" spc="-1" strike="noStrike">
-                <a:latin typeface="Arial"/>
-              </a:rPr>
-              <a:t>, </a:t>
-            </a:r>
-            <a:r>
-              <a:rPr b="0" lang="en-US" sz="1800" spc="-1" strike="noStrike">
-                <a:latin typeface="Arial"/>
-              </a:rPr>
-              <a:t>화면에 출력</a:t>
+            <a:pPr>
+              <a:lnSpc>
+                <a:spcPct val="100000"/>
+              </a:lnSpc>
+            </a:pPr>
+            <a:r>
+              <a:rPr b="0" lang="en-US" sz="1800" spc="-1" strike="noStrike">
+                <a:solidFill>
+                  <a:srgbClr val="000000"/>
+                </a:solidFill>
+                <a:latin typeface="맑은 고딕"/>
+                <a:ea typeface="DejaVu Sans"/>
+              </a:rPr>
+              <a:t> </a:t>
             </a:r>
             <a:endParaRPr b="0" lang="en-US" sz="1800" spc="-1" strike="noStrike">
               <a:latin typeface="Arial"/>
             </a:endParaRPr>
           </a:p>
-          <a:p>
+        </p:txBody>
+      </p:sp>
+      <p:sp>
+        <p:nvSpPr>
+          <p:cNvPr id="54" name="CustomShape 2"/>
+          <p:cNvSpPr/>
+          <p:nvPr/>
+        </p:nvSpPr>
+        <p:spPr>
+          <a:xfrm>
+            <a:off x="1005840" y="3108960"/>
+            <a:ext cx="1088640" cy="1049040"/>
+          </a:xfrm>
+          <a:prstGeom prst="rect">
+            <a:avLst/>
+          </a:prstGeom>
+          <a:ln>
+            <a:round/>
+          </a:ln>
+        </p:spPr>
+        <p:style>
+          <a:lnRef idx="2">
+            <a:schemeClr val="dk1"/>
+          </a:lnRef>
+          <a:fillRef idx="1">
+            <a:schemeClr val="lt1"/>
+          </a:fillRef>
+          <a:effectRef idx="0">
+            <a:schemeClr val="dk1"/>
+          </a:effectRef>
+          <a:fontRef idx="minor"/>
+        </p:style>
+        <p:txBody>
+          <a:bodyPr lIns="90000" rIns="90000" tIns="45000" bIns="45000" anchor="ctr"/>
+          <a:p>
+            <a:pPr algn="ctr">
+              <a:lnSpc>
+                <a:spcPct val="100000"/>
+              </a:lnSpc>
+            </a:pPr>
+            <a:r>
+              <a:rPr b="0" lang="en-US" sz="1800" spc="-1" strike="noStrike">
+                <a:solidFill>
+                  <a:srgbClr val="000000"/>
+                </a:solidFill>
+                <a:latin typeface="맑은 고딕"/>
+                <a:ea typeface="DejaVu Sans"/>
+              </a:rPr>
+              <a:t>client</a:t>
+            </a:r>
             <a:endParaRPr b="0" lang="en-US" sz="1800" spc="-1" strike="noStrike">
               <a:latin typeface="Arial"/>
             </a:endParaRPr>
           </a:p>
-          <a:p>
-            <a:r>
-              <a:rPr b="0" lang="en-US" sz="1800" spc="-1" strike="noStrike">
-                <a:latin typeface="Arial"/>
-              </a:rPr>
-              <a:t>사용자는 </a:t>
-            </a:r>
-            <a:r>
-              <a:rPr b="0" lang="en-US" sz="1800" spc="-1" strike="noStrike">
-                <a:latin typeface="Arial"/>
-              </a:rPr>
-              <a:t>list </a:t>
-            </a:r>
-            <a:r>
-              <a:rPr b="0" lang="en-US" sz="1800" spc="-1" strike="noStrike">
-                <a:latin typeface="Arial"/>
-              </a:rPr>
-              <a:t>에서 원하는 거 </a:t>
-            </a:r>
-            <a:r>
-              <a:rPr b="0" lang="en-US" sz="1800" spc="-1" strike="noStrike">
-                <a:latin typeface="Arial"/>
-              </a:rPr>
-              <a:t>누르고 </a:t>
-            </a:r>
-            <a:r>
-              <a:rPr b="0" lang="en-US" sz="1800" spc="-1" strike="noStrike">
-                <a:latin typeface="Arial"/>
-              </a:rPr>
-              <a:t>(</a:t>
-            </a:r>
-            <a:r>
-              <a:rPr b="0" lang="en-US" sz="1800" spc="-1" strike="noStrike">
-                <a:latin typeface="Arial"/>
-              </a:rPr>
-              <a:t>토픽은 주소</a:t>
-            </a:r>
-            <a:r>
-              <a:rPr b="0" lang="en-US" sz="1800" spc="-1" strike="noStrike">
-                <a:latin typeface="Arial"/>
-              </a:rPr>
-              <a:t>, </a:t>
-            </a:r>
-            <a:r>
-              <a:rPr b="0" lang="en-US" sz="1800" spc="-1" strike="noStrike">
-                <a:latin typeface="Arial"/>
-              </a:rPr>
-              <a:t>메세지는 </a:t>
-            </a:r>
-            <a:r>
-              <a:rPr b="0" lang="en-US" sz="1800" spc="-1" strike="noStrike">
-                <a:latin typeface="Arial"/>
-              </a:rPr>
-              <a:t>명령어 심볼</a:t>
-            </a:r>
-            <a:r>
-              <a:rPr b="0" lang="en-US" sz="1800" spc="-1" strike="noStrike">
-                <a:latin typeface="Arial"/>
-              </a:rPr>
-              <a:t>) </a:t>
-            </a:r>
-            <a:r>
-              <a:rPr b="0" lang="en-US" sz="1800" spc="-1" strike="noStrike">
-                <a:latin typeface="Arial"/>
-              </a:rPr>
-              <a:t>퍼블리쉬 하면 </a:t>
-            </a:r>
-            <a:r>
-              <a:rPr b="0" lang="en-US" sz="1800" spc="-1" strike="noStrike">
-                <a:latin typeface="Arial"/>
-              </a:rPr>
-              <a:t>.. ? </a:t>
+        </p:txBody>
+      </p:sp>
+      <p:sp>
+        <p:nvSpPr>
+          <p:cNvPr id="55" name="CustomShape 3"/>
+          <p:cNvSpPr/>
+          <p:nvPr/>
+        </p:nvSpPr>
+        <p:spPr>
+          <a:xfrm>
+            <a:off x="5233680" y="1737360"/>
+            <a:ext cx="1088640" cy="3657600"/>
+          </a:xfrm>
+          <a:prstGeom prst="rect">
+            <a:avLst/>
+          </a:prstGeom>
+          <a:ln>
+            <a:round/>
+          </a:ln>
+        </p:spPr>
+        <p:style>
+          <a:lnRef idx="2">
+            <a:schemeClr val="dk1"/>
+          </a:lnRef>
+          <a:fillRef idx="1">
+            <a:schemeClr val="lt1"/>
+          </a:fillRef>
+          <a:effectRef idx="0">
+            <a:schemeClr val="dk1"/>
+          </a:effectRef>
+          <a:fontRef idx="minor"/>
+        </p:style>
+        <p:txBody>
+          <a:bodyPr lIns="90000" rIns="90000" tIns="45000" bIns="45000" anchor="ctr"/>
+          <a:p>
+            <a:pPr algn="ctr">
+              <a:lnSpc>
+                <a:spcPct val="100000"/>
+              </a:lnSpc>
+            </a:pPr>
+            <a:r>
+              <a:rPr b="0" lang="en-US" sz="1800" spc="-1" strike="noStrike">
+                <a:solidFill>
+                  <a:srgbClr val="000000"/>
+                </a:solidFill>
+                <a:latin typeface="맑은 고딕"/>
+                <a:ea typeface="DejaVu Sans"/>
+              </a:rPr>
+              <a:t>server</a:t>
+            </a:r>
+            <a:endParaRPr b="0" lang="en-US" sz="1800" spc="-1" strike="noStrike">
+              <a:latin typeface="Arial"/>
+            </a:endParaRPr>
+          </a:p>
+        </p:txBody>
+      </p:sp>
+      <p:sp>
+        <p:nvSpPr>
+          <p:cNvPr id="56" name="CustomShape 4"/>
+          <p:cNvSpPr/>
+          <p:nvPr/>
+        </p:nvSpPr>
+        <p:spPr>
+          <a:xfrm>
+            <a:off x="2208240" y="3441960"/>
+            <a:ext cx="2911680" cy="364320"/>
+          </a:xfrm>
+          <a:prstGeom prst="rect">
+            <a:avLst/>
+          </a:prstGeom>
+          <a:solidFill>
+            <a:schemeClr val="accent3">
+              <a:lumMod val="40000"/>
+              <a:lumOff val="60000"/>
+            </a:schemeClr>
+          </a:solidFill>
+          <a:ln>
+            <a:noFill/>
+          </a:ln>
+        </p:spPr>
+        <p:style>
+          <a:lnRef idx="0"/>
+          <a:fillRef idx="0"/>
+          <a:effectRef idx="0"/>
+          <a:fontRef idx="minor"/>
+        </p:style>
+        <p:txBody>
+          <a:bodyPr lIns="90000" rIns="90000" tIns="45000" bIns="45000"/>
+          <a:p>
+            <a:pPr algn="ctr">
+              <a:lnSpc>
+                <a:spcPct val="100000"/>
+              </a:lnSpc>
+            </a:pPr>
+            <a:r>
+              <a:rPr b="0" lang="en-US" sz="1800" spc="-1" strike="noStrike">
+                <a:solidFill>
+                  <a:srgbClr val="000000"/>
+                </a:solidFill>
+                <a:latin typeface="맑은 고딕"/>
+                <a:ea typeface="DejaVu Sans"/>
+              </a:rPr>
+              <a:t>Socket channel</a:t>
+            </a:r>
+            <a:endParaRPr b="0" lang="en-US" sz="1800" spc="-1" strike="noStrike">
+              <a:latin typeface="Arial"/>
+            </a:endParaRPr>
+          </a:p>
+        </p:txBody>
+      </p:sp>
+      <p:sp>
+        <p:nvSpPr>
+          <p:cNvPr id="57" name="CustomShape 5"/>
+          <p:cNvSpPr/>
+          <p:nvPr/>
+        </p:nvSpPr>
+        <p:spPr>
+          <a:xfrm>
+            <a:off x="9692640" y="3065760"/>
+            <a:ext cx="1088640" cy="1049040"/>
+          </a:xfrm>
+          <a:prstGeom prst="rect">
+            <a:avLst/>
+          </a:prstGeom>
+          <a:ln>
+            <a:round/>
+          </a:ln>
+        </p:spPr>
+        <p:style>
+          <a:lnRef idx="2">
+            <a:schemeClr val="dk1"/>
+          </a:lnRef>
+          <a:fillRef idx="1">
+            <a:schemeClr val="lt1"/>
+          </a:fillRef>
+          <a:effectRef idx="0">
+            <a:schemeClr val="dk1"/>
+          </a:effectRef>
+          <a:fontRef idx="minor"/>
+        </p:style>
+        <p:txBody>
+          <a:bodyPr lIns="90000" rIns="90000" tIns="45000" bIns="45000" anchor="ctr"/>
+          <a:p>
+            <a:pPr algn="ctr">
+              <a:lnSpc>
+                <a:spcPct val="100000"/>
+              </a:lnSpc>
+            </a:pPr>
+            <a:r>
+              <a:rPr b="0" lang="en-US" sz="1800" spc="-1" strike="noStrike">
+                <a:solidFill>
+                  <a:srgbClr val="000000"/>
+                </a:solidFill>
+                <a:latin typeface="맑은 고딕"/>
+                <a:ea typeface="DejaVu Sans"/>
+              </a:rPr>
+              <a:t>Docker 2</a:t>
+            </a:r>
+            <a:endParaRPr b="0" lang="en-US" sz="1800" spc="-1" strike="noStrike">
+              <a:latin typeface="Arial"/>
+            </a:endParaRPr>
+          </a:p>
+        </p:txBody>
+      </p:sp>
+      <p:sp>
+        <p:nvSpPr>
+          <p:cNvPr id="58" name="CustomShape 6"/>
+          <p:cNvSpPr/>
+          <p:nvPr/>
+        </p:nvSpPr>
+        <p:spPr>
+          <a:xfrm>
+            <a:off x="9692640" y="1419840"/>
+            <a:ext cx="1088640" cy="1049040"/>
+          </a:xfrm>
+          <a:prstGeom prst="rect">
+            <a:avLst/>
+          </a:prstGeom>
+          <a:ln>
+            <a:round/>
+          </a:ln>
+        </p:spPr>
+        <p:style>
+          <a:lnRef idx="2">
+            <a:schemeClr val="dk1"/>
+          </a:lnRef>
+          <a:fillRef idx="1">
+            <a:schemeClr val="lt1"/>
+          </a:fillRef>
+          <a:effectRef idx="0">
+            <a:schemeClr val="dk1"/>
+          </a:effectRef>
+          <a:fontRef idx="minor"/>
+        </p:style>
+        <p:txBody>
+          <a:bodyPr lIns="90000" rIns="90000" tIns="45000" bIns="45000" anchor="ctr"/>
+          <a:p>
+            <a:pPr algn="ctr">
+              <a:lnSpc>
+                <a:spcPct val="100000"/>
+              </a:lnSpc>
+            </a:pPr>
+            <a:r>
+              <a:rPr b="0" lang="en-US" sz="1800" spc="-1" strike="noStrike">
+                <a:solidFill>
+                  <a:srgbClr val="000000"/>
+                </a:solidFill>
+                <a:latin typeface="맑은 고딕"/>
+                <a:ea typeface="DejaVu Sans"/>
+              </a:rPr>
+              <a:t>Docker 1</a:t>
+            </a:r>
+            <a:endParaRPr b="0" lang="en-US" sz="1800" spc="-1" strike="noStrike">
+              <a:latin typeface="Arial"/>
+            </a:endParaRPr>
+          </a:p>
+        </p:txBody>
+      </p:sp>
+      <p:sp>
+        <p:nvSpPr>
+          <p:cNvPr id="59" name="CustomShape 7"/>
+          <p:cNvSpPr/>
+          <p:nvPr/>
+        </p:nvSpPr>
+        <p:spPr>
+          <a:xfrm>
+            <a:off x="9701280" y="4620240"/>
+            <a:ext cx="1088640" cy="1049040"/>
+          </a:xfrm>
+          <a:prstGeom prst="rect">
+            <a:avLst/>
+          </a:prstGeom>
+          <a:ln>
+            <a:round/>
+          </a:ln>
+        </p:spPr>
+        <p:style>
+          <a:lnRef idx="2">
+            <a:schemeClr val="dk1"/>
+          </a:lnRef>
+          <a:fillRef idx="1">
+            <a:schemeClr val="lt1"/>
+          </a:fillRef>
+          <a:effectRef idx="0">
+            <a:schemeClr val="dk1"/>
+          </a:effectRef>
+          <a:fontRef idx="minor"/>
+        </p:style>
+        <p:txBody>
+          <a:bodyPr lIns="90000" rIns="90000" tIns="45000" bIns="45000" anchor="ctr"/>
+          <a:p>
+            <a:pPr algn="ctr">
+              <a:lnSpc>
+                <a:spcPct val="100000"/>
+              </a:lnSpc>
+            </a:pPr>
+            <a:r>
+              <a:rPr b="0" lang="en-US" sz="1800" spc="-1" strike="noStrike">
+                <a:solidFill>
+                  <a:srgbClr val="000000"/>
+                </a:solidFill>
+                <a:latin typeface="맑은 고딕"/>
+                <a:ea typeface="DejaVu Sans"/>
+              </a:rPr>
+              <a:t>Docker 3</a:t>
+            </a:r>
+            <a:endParaRPr b="0" lang="en-US" sz="1800" spc="-1" strike="noStrike">
+              <a:latin typeface="Arial"/>
+            </a:endParaRPr>
+          </a:p>
+        </p:txBody>
+      </p:sp>
+      <p:sp>
+        <p:nvSpPr>
+          <p:cNvPr id="60" name="CustomShape 8"/>
+          <p:cNvSpPr/>
+          <p:nvPr/>
+        </p:nvSpPr>
+        <p:spPr>
+          <a:xfrm>
+            <a:off x="6598080" y="3474720"/>
+            <a:ext cx="2911680" cy="364320"/>
+          </a:xfrm>
+          <a:prstGeom prst="rect">
+            <a:avLst/>
+          </a:prstGeom>
+          <a:solidFill>
+            <a:schemeClr val="accent3">
+              <a:lumMod val="40000"/>
+              <a:lumOff val="60000"/>
+            </a:schemeClr>
+          </a:solidFill>
+          <a:ln>
+            <a:noFill/>
+          </a:ln>
+        </p:spPr>
+        <p:style>
+          <a:lnRef idx="0"/>
+          <a:fillRef idx="0"/>
+          <a:effectRef idx="0"/>
+          <a:fontRef idx="minor"/>
+        </p:style>
+        <p:txBody>
+          <a:bodyPr lIns="90000" rIns="90000" tIns="45000" bIns="45000"/>
+          <a:p>
+            <a:pPr algn="ctr">
+              <a:lnSpc>
+                <a:spcPct val="100000"/>
+              </a:lnSpc>
+            </a:pPr>
+            <a:r>
+              <a:rPr b="0" lang="en-US" sz="1800" spc="-1" strike="noStrike">
+                <a:solidFill>
+                  <a:srgbClr val="000000"/>
+                </a:solidFill>
+                <a:latin typeface="맑은 고딕"/>
+                <a:ea typeface="DejaVu Sans"/>
+              </a:rPr>
+              <a:t>MQTT </a:t>
+            </a:r>
+            <a:r>
+              <a:rPr b="0" lang="en-US" sz="1800" spc="-1" strike="noStrike">
+                <a:solidFill>
+                  <a:srgbClr val="000000"/>
+                </a:solidFill>
+                <a:latin typeface="맑은 고딕"/>
+                <a:ea typeface="DejaVu Sans"/>
+              </a:rPr>
+              <a:t>(Topic2)</a:t>
+            </a:r>
+            <a:endParaRPr b="0" lang="en-US" sz="1800" spc="-1" strike="noStrike">
+              <a:latin typeface="Arial"/>
+            </a:endParaRPr>
+          </a:p>
+        </p:txBody>
+      </p:sp>
+      <p:sp>
+        <p:nvSpPr>
+          <p:cNvPr id="61" name="CustomShape 9"/>
+          <p:cNvSpPr/>
+          <p:nvPr/>
+        </p:nvSpPr>
+        <p:spPr>
+          <a:xfrm>
+            <a:off x="6598080" y="5029200"/>
+            <a:ext cx="2911680" cy="364320"/>
+          </a:xfrm>
+          <a:prstGeom prst="rect">
+            <a:avLst/>
+          </a:prstGeom>
+          <a:solidFill>
+            <a:schemeClr val="accent3">
+              <a:lumMod val="40000"/>
+              <a:lumOff val="60000"/>
+            </a:schemeClr>
+          </a:solidFill>
+          <a:ln>
+            <a:noFill/>
+          </a:ln>
+        </p:spPr>
+        <p:style>
+          <a:lnRef idx="0"/>
+          <a:fillRef idx="0"/>
+          <a:effectRef idx="0"/>
+          <a:fontRef idx="minor"/>
+        </p:style>
+        <p:txBody>
+          <a:bodyPr lIns="90000" rIns="90000" tIns="45000" bIns="45000"/>
+          <a:p>
+            <a:pPr algn="ctr">
+              <a:lnSpc>
+                <a:spcPct val="100000"/>
+              </a:lnSpc>
+            </a:pPr>
+            <a:r>
+              <a:rPr b="0" lang="en-US" sz="1800" spc="-1" strike="noStrike">
+                <a:solidFill>
+                  <a:srgbClr val="000000"/>
+                </a:solidFill>
+                <a:latin typeface="맑은 고딕"/>
+                <a:ea typeface="DejaVu Sans"/>
+              </a:rPr>
+              <a:t>MQTT </a:t>
+            </a:r>
+            <a:r>
+              <a:rPr b="0" lang="en-US" sz="1800" spc="-1" strike="noStrike">
+                <a:solidFill>
+                  <a:srgbClr val="000000"/>
+                </a:solidFill>
+                <a:latin typeface="맑은 고딕"/>
+                <a:ea typeface="DejaVu Sans"/>
+              </a:rPr>
+              <a:t>(Topic3)</a:t>
+            </a:r>
+            <a:endParaRPr b="0" lang="en-US" sz="1800" spc="-1" strike="noStrike">
+              <a:latin typeface="Arial"/>
+            </a:endParaRPr>
+          </a:p>
+        </p:txBody>
+      </p:sp>
+      <p:sp>
+        <p:nvSpPr>
+          <p:cNvPr id="62" name="CustomShape 10"/>
+          <p:cNvSpPr/>
+          <p:nvPr/>
+        </p:nvSpPr>
+        <p:spPr>
+          <a:xfrm>
+            <a:off x="6598080" y="1828800"/>
+            <a:ext cx="2911680" cy="364320"/>
+          </a:xfrm>
+          <a:prstGeom prst="rect">
+            <a:avLst/>
+          </a:prstGeom>
+          <a:solidFill>
+            <a:schemeClr val="accent3">
+              <a:lumMod val="40000"/>
+              <a:lumOff val="60000"/>
+            </a:schemeClr>
+          </a:solidFill>
+          <a:ln>
+            <a:noFill/>
+          </a:ln>
+        </p:spPr>
+        <p:style>
+          <a:lnRef idx="0"/>
+          <a:fillRef idx="0"/>
+          <a:effectRef idx="0"/>
+          <a:fontRef idx="minor"/>
+        </p:style>
+        <p:txBody>
+          <a:bodyPr lIns="90000" rIns="90000" tIns="45000" bIns="45000"/>
+          <a:p>
+            <a:pPr algn="ctr">
+              <a:lnSpc>
+                <a:spcPct val="100000"/>
+              </a:lnSpc>
+            </a:pPr>
+            <a:r>
+              <a:rPr b="0" lang="en-US" sz="1800" spc="-1" strike="noStrike">
+                <a:solidFill>
+                  <a:srgbClr val="000000"/>
+                </a:solidFill>
+                <a:latin typeface="맑은 고딕"/>
+                <a:ea typeface="DejaVu Sans"/>
+              </a:rPr>
+              <a:t>MQTT (Topic1)</a:t>
             </a:r>
             <a:endParaRPr b="0" lang="en-US" sz="1800" spc="-1" strike="noStrike">
               <a:latin typeface="Arial"/>

--- a/FiveStarts_app.pptx
+++ b/FiveStarts_app.pptx
@@ -1,31 +1,444 @@
 
 <file path=ppt/presentation.xml><?xml version="1.0" encoding="utf-8"?>
-<p:presentation xmlns:a="http://schemas.openxmlformats.org/drawingml/2006/main" xmlns:p="http://schemas.openxmlformats.org/presentationml/2006/main" xmlns:r="http://schemas.openxmlformats.org/officeDocument/2006/relationships" xmlns:p14="http://schemas.microsoft.com/office/powerpoint/2010/main" xmlns:p15="http://schemas.microsoft.com/office/powerpoint/2012/main" xmlns:mc="http://schemas.openxmlformats.org/markup-compatibility/2006">
+<p:presentation xmlns:a="http://schemas.openxmlformats.org/drawingml/2006/main" xmlns:r="http://schemas.openxmlformats.org/officeDocument/2006/relationships" xmlns:p="http://schemas.openxmlformats.org/presentationml/2006/main">
   <p:sldMasterIdLst>
-    <p:sldMasterId id="2147483648" r:id="rId2"/>
+    <p:sldMasterId id="2147483648" r:id="rId1"/>
   </p:sldMasterIdLst>
   <p:notesMasterIdLst>
-    <p:notesMasterId r:id="rId3"/>
+    <p:notesMasterId r:id="rId12"/>
   </p:notesMasterIdLst>
   <p:sldIdLst>
-    <p:sldId id="256" r:id="rId4"/>
-    <p:sldId id="257" r:id="rId5"/>
-    <p:sldId id="258" r:id="rId6"/>
-    <p:sldId id="259" r:id="rId7"/>
-    <p:sldId id="260" r:id="rId8"/>
-    <p:sldId id="261" r:id="rId9"/>
-    <p:sldId id="262" r:id="rId10"/>
-    <p:sldId id="263" r:id="rId11"/>
-    <p:sldId id="264" r:id="rId12"/>
-    <p:sldId id="265" r:id="rId13"/>
+    <p:sldId id="256" r:id="rId2"/>
+    <p:sldId id="257" r:id="rId3"/>
+    <p:sldId id="258" r:id="rId4"/>
+    <p:sldId id="259" r:id="rId5"/>
+    <p:sldId id="260" r:id="rId6"/>
+    <p:sldId id="261" r:id="rId7"/>
+    <p:sldId id="262" r:id="rId8"/>
+    <p:sldId id="263" r:id="rId9"/>
+    <p:sldId id="264" r:id="rId10"/>
+    <p:sldId id="265" r:id="rId11"/>
   </p:sldIdLst>
   <p:sldSz cx="12192000" cy="6858000"/>
   <p:notesSz cx="6858000" cy="9144000"/>
+  <p:defaultTextStyle>
+    <a:defPPr>
+      <a:defRPr lang="ko-KR"/>
+    </a:defPPr>
+    <a:lvl1pPr marL="0" algn="l" defTabSz="914400" rtl="0" eaLnBrk="1" latinLnBrk="1" hangingPunct="1">
+      <a:defRPr sz="1800" kern="1200">
+        <a:solidFill>
+          <a:schemeClr val="tx1"/>
+        </a:solidFill>
+        <a:latin typeface="+mn-lt"/>
+        <a:ea typeface="+mn-ea"/>
+        <a:cs typeface="+mn-cs"/>
+      </a:defRPr>
+    </a:lvl1pPr>
+    <a:lvl2pPr marL="457200" algn="l" defTabSz="914400" rtl="0" eaLnBrk="1" latinLnBrk="1" hangingPunct="1">
+      <a:defRPr sz="1800" kern="1200">
+        <a:solidFill>
+          <a:schemeClr val="tx1"/>
+        </a:solidFill>
+        <a:latin typeface="+mn-lt"/>
+        <a:ea typeface="+mn-ea"/>
+        <a:cs typeface="+mn-cs"/>
+      </a:defRPr>
+    </a:lvl2pPr>
+    <a:lvl3pPr marL="914400" algn="l" defTabSz="914400" rtl="0" eaLnBrk="1" latinLnBrk="1" hangingPunct="1">
+      <a:defRPr sz="1800" kern="1200">
+        <a:solidFill>
+          <a:schemeClr val="tx1"/>
+        </a:solidFill>
+        <a:latin typeface="+mn-lt"/>
+        <a:ea typeface="+mn-ea"/>
+        <a:cs typeface="+mn-cs"/>
+      </a:defRPr>
+    </a:lvl3pPr>
+    <a:lvl4pPr marL="1371600" algn="l" defTabSz="914400" rtl="0" eaLnBrk="1" latinLnBrk="1" hangingPunct="1">
+      <a:defRPr sz="1800" kern="1200">
+        <a:solidFill>
+          <a:schemeClr val="tx1"/>
+        </a:solidFill>
+        <a:latin typeface="+mn-lt"/>
+        <a:ea typeface="+mn-ea"/>
+        <a:cs typeface="+mn-cs"/>
+      </a:defRPr>
+    </a:lvl4pPr>
+    <a:lvl5pPr marL="1828800" algn="l" defTabSz="914400" rtl="0" eaLnBrk="1" latinLnBrk="1" hangingPunct="1">
+      <a:defRPr sz="1800" kern="1200">
+        <a:solidFill>
+          <a:schemeClr val="tx1"/>
+        </a:solidFill>
+        <a:latin typeface="+mn-lt"/>
+        <a:ea typeface="+mn-ea"/>
+        <a:cs typeface="+mn-cs"/>
+      </a:defRPr>
+    </a:lvl5pPr>
+    <a:lvl6pPr marL="2286000" algn="l" defTabSz="914400" rtl="0" eaLnBrk="1" latinLnBrk="1" hangingPunct="1">
+      <a:defRPr sz="1800" kern="1200">
+        <a:solidFill>
+          <a:schemeClr val="tx1"/>
+        </a:solidFill>
+        <a:latin typeface="+mn-lt"/>
+        <a:ea typeface="+mn-ea"/>
+        <a:cs typeface="+mn-cs"/>
+      </a:defRPr>
+    </a:lvl6pPr>
+    <a:lvl7pPr marL="2743200" algn="l" defTabSz="914400" rtl="0" eaLnBrk="1" latinLnBrk="1" hangingPunct="1">
+      <a:defRPr sz="1800" kern="1200">
+        <a:solidFill>
+          <a:schemeClr val="tx1"/>
+        </a:solidFill>
+        <a:latin typeface="+mn-lt"/>
+        <a:ea typeface="+mn-ea"/>
+        <a:cs typeface="+mn-cs"/>
+      </a:defRPr>
+    </a:lvl7pPr>
+    <a:lvl8pPr marL="3200400" algn="l" defTabSz="914400" rtl="0" eaLnBrk="1" latinLnBrk="1" hangingPunct="1">
+      <a:defRPr sz="1800" kern="1200">
+        <a:solidFill>
+          <a:schemeClr val="tx1"/>
+        </a:solidFill>
+        <a:latin typeface="+mn-lt"/>
+        <a:ea typeface="+mn-ea"/>
+        <a:cs typeface="+mn-cs"/>
+      </a:defRPr>
+    </a:lvl8pPr>
+    <a:lvl9pPr marL="3657600" algn="l" defTabSz="914400" rtl="0" eaLnBrk="1" latinLnBrk="1" hangingPunct="1">
+      <a:defRPr sz="1800" kern="1200">
+        <a:solidFill>
+          <a:schemeClr val="tx1"/>
+        </a:solidFill>
+        <a:latin typeface="+mn-lt"/>
+        <a:ea typeface="+mn-ea"/>
+        <a:cs typeface="+mn-cs"/>
+      </a:defRPr>
+    </a:lvl9pPr>
+  </p:defaultTextStyle>
 </p:presentation>
 </file>
 
 <file path=ppt/notesMasters/notesMaster1.xml><?xml version="1.0" encoding="utf-8"?>
-<p:notesMaster xmlns:a="http://schemas.openxmlformats.org/drawingml/2006/main" xmlns:p="http://schemas.openxmlformats.org/presentationml/2006/main" xmlns:r="http://schemas.openxmlformats.org/officeDocument/2006/relationships" xmlns:p14="http://schemas.microsoft.com/office/powerpoint/2010/main" xmlns:p15="http://schemas.microsoft.com/office/powerpoint/2012/main" xmlns:mc="http://schemas.openxmlformats.org/markup-compatibility/2006">
+<p:notesMaster xmlns:a="http://schemas.openxmlformats.org/drawingml/2006/main" xmlns:r="http://schemas.openxmlformats.org/officeDocument/2006/relationships" xmlns:p="http://schemas.openxmlformats.org/presentationml/2006/main">
+  <p:cSld>
+    <p:bg>
+      <p:bgRef idx="1001">
+        <a:schemeClr val="bg1"/>
+      </p:bgRef>
+    </p:bg>
+    <p:spTree>
+      <p:nvGrpSpPr>
+        <p:cNvPr id="1" name=""/>
+        <p:cNvGrpSpPr/>
+        <p:nvPr/>
+      </p:nvGrpSpPr>
+      <p:grpSpPr>
+        <a:xfrm>
+          <a:off x="0" y="0"/>
+          <a:ext cx="0" cy="0"/>
+          <a:chOff x="0" y="0"/>
+          <a:chExt cx="0" cy="0"/>
+        </a:xfrm>
+      </p:grpSpPr>
+      <p:sp>
+        <p:nvSpPr>
+          <p:cNvPr id="38" name="PlaceHolder 1"/>
+          <p:cNvSpPr>
+            <a:spLocks noGrp="1" noRot="1" noChangeAspect="1"/>
+          </p:cNvSpPr>
+          <p:nvPr>
+            <p:ph type="sldImg"/>
+          </p:nvPr>
+        </p:nvSpPr>
+        <p:spPr>
+          <a:xfrm>
+            <a:off x="216000" y="812520"/>
+            <a:ext cx="7127280" cy="4008960"/>
+          </a:xfrm>
+          <a:prstGeom prst="rect">
+            <a:avLst/>
+          </a:prstGeom>
+        </p:spPr>
+        <p:txBody>
+          <a:bodyPr lIns="0" tIns="0" rIns="0" bIns="0" anchor="ctr"/>
+          <a:lstStyle/>
+          <a:p>
+            <a:pPr algn="ctr"/>
+            <a:r>
+              <a:rPr lang="en-US" sz="4400" b="0" strike="noStrike" spc="-1">
+                <a:latin typeface="Arial"/>
+              </a:rPr>
+              <a:t>Click to move the slide</a:t>
+            </a:r>
+          </a:p>
+        </p:txBody>
+      </p:sp>
+      <p:sp>
+        <p:nvSpPr>
+          <p:cNvPr id="39" name="PlaceHolder 2"/>
+          <p:cNvSpPr>
+            <a:spLocks noGrp="1"/>
+          </p:cNvSpPr>
+          <p:nvPr>
+            <p:ph type="body"/>
+          </p:nvPr>
+        </p:nvSpPr>
+        <p:spPr>
+          <a:xfrm>
+            <a:off x="756000" y="5078520"/>
+            <a:ext cx="6047640" cy="4811040"/>
+          </a:xfrm>
+          <a:prstGeom prst="rect">
+            <a:avLst/>
+          </a:prstGeom>
+        </p:spPr>
+        <p:txBody>
+          <a:bodyPr lIns="0" tIns="0" rIns="0" bIns="0"/>
+          <a:lstStyle/>
+          <a:p>
+            <a:r>
+              <a:rPr lang="en-US" sz="2000" b="0" strike="noStrike" spc="-1">
+                <a:latin typeface="Arial"/>
+              </a:rPr>
+              <a:t>Click to edit the notes format</a:t>
+            </a:r>
+          </a:p>
+        </p:txBody>
+      </p:sp>
+      <p:sp>
+        <p:nvSpPr>
+          <p:cNvPr id="40" name="PlaceHolder 3"/>
+          <p:cNvSpPr>
+            <a:spLocks noGrp="1"/>
+          </p:cNvSpPr>
+          <p:nvPr>
+            <p:ph type="hdr"/>
+          </p:nvPr>
+        </p:nvSpPr>
+        <p:spPr>
+          <a:xfrm>
+            <a:off x="0" y="0"/>
+            <a:ext cx="3280680" cy="534240"/>
+          </a:xfrm>
+          <a:prstGeom prst="rect">
+            <a:avLst/>
+          </a:prstGeom>
+        </p:spPr>
+        <p:txBody>
+          <a:bodyPr lIns="0" tIns="0" rIns="0" bIns="0"/>
+          <a:lstStyle/>
+          <a:p>
+            <a:r>
+              <a:rPr lang="en-US" sz="1400" b="0" strike="noStrike" spc="-1">
+                <a:latin typeface="Times New Roman"/>
+              </a:rPr>
+              <a:t> </a:t>
+            </a:r>
+          </a:p>
+        </p:txBody>
+      </p:sp>
+      <p:sp>
+        <p:nvSpPr>
+          <p:cNvPr id="41" name="PlaceHolder 4"/>
+          <p:cNvSpPr>
+            <a:spLocks noGrp="1"/>
+          </p:cNvSpPr>
+          <p:nvPr>
+            <p:ph type="dt"/>
+          </p:nvPr>
+        </p:nvSpPr>
+        <p:spPr>
+          <a:xfrm>
+            <a:off x="4278960" y="0"/>
+            <a:ext cx="3280680" cy="534240"/>
+          </a:xfrm>
+          <a:prstGeom prst="rect">
+            <a:avLst/>
+          </a:prstGeom>
+        </p:spPr>
+        <p:txBody>
+          <a:bodyPr lIns="0" tIns="0" rIns="0" bIns="0"/>
+          <a:lstStyle/>
+          <a:p>
+            <a:pPr algn="r"/>
+            <a:r>
+              <a:rPr lang="en-US" sz="1400" b="0" strike="noStrike" spc="-1">
+                <a:latin typeface="Times New Roman"/>
+              </a:rPr>
+              <a:t> </a:t>
+            </a:r>
+          </a:p>
+        </p:txBody>
+      </p:sp>
+      <p:sp>
+        <p:nvSpPr>
+          <p:cNvPr id="42" name="PlaceHolder 5"/>
+          <p:cNvSpPr>
+            <a:spLocks noGrp="1"/>
+          </p:cNvSpPr>
+          <p:nvPr>
+            <p:ph type="ftr"/>
+          </p:nvPr>
+        </p:nvSpPr>
+        <p:spPr>
+          <a:xfrm>
+            <a:off x="0" y="10157400"/>
+            <a:ext cx="3280680" cy="534240"/>
+          </a:xfrm>
+          <a:prstGeom prst="rect">
+            <a:avLst/>
+          </a:prstGeom>
+        </p:spPr>
+        <p:txBody>
+          <a:bodyPr lIns="0" tIns="0" rIns="0" bIns="0" anchor="b"/>
+          <a:lstStyle/>
+          <a:p>
+            <a:r>
+              <a:rPr lang="en-US" sz="1400" b="0" strike="noStrike" spc="-1">
+                <a:latin typeface="Times New Roman"/>
+              </a:rPr>
+              <a:t> </a:t>
+            </a:r>
+          </a:p>
+        </p:txBody>
+      </p:sp>
+      <p:sp>
+        <p:nvSpPr>
+          <p:cNvPr id="43" name="PlaceHolder 6"/>
+          <p:cNvSpPr>
+            <a:spLocks noGrp="1"/>
+          </p:cNvSpPr>
+          <p:nvPr>
+            <p:ph type="sldNum"/>
+          </p:nvPr>
+        </p:nvSpPr>
+        <p:spPr>
+          <a:xfrm>
+            <a:off x="4278960" y="10157400"/>
+            <a:ext cx="3280680" cy="534240"/>
+          </a:xfrm>
+          <a:prstGeom prst="rect">
+            <a:avLst/>
+          </a:prstGeom>
+        </p:spPr>
+        <p:txBody>
+          <a:bodyPr lIns="0" tIns="0" rIns="0" bIns="0" anchor="b"/>
+          <a:lstStyle/>
+          <a:p>
+            <a:pPr algn="r"/>
+            <a:fld id="{6209BEEF-3F16-42F4-988D-1AB5FD9B0D41}" type="slidenum">
+              <a:rPr lang="en-US" sz="1400" b="0" strike="noStrike" spc="-1">
+                <a:latin typeface="Times New Roman"/>
+              </a:rPr>
+              <a:t>‹#›</a:t>
+            </a:fld>
+            <a:endParaRPr lang="en-US" sz="1400" b="0" strike="noStrike" spc="-1">
+              <a:latin typeface="Times New Roman"/>
+            </a:endParaRPr>
+          </a:p>
+        </p:txBody>
+      </p:sp>
+    </p:spTree>
+  </p:cSld>
+  <p:clrMap bg1="lt1" tx1="dk1" bg2="lt2" tx2="dk2" accent1="accent1" accent2="accent2" accent3="accent3" accent4="accent4" accent5="accent5" accent6="accent6" hlink="hlink" folHlink="folHlink"/>
+  <p:notesStyle>
+    <a:lvl1pPr marL="0" algn="l" defTabSz="914400" rtl="0" eaLnBrk="1" latinLnBrk="1" hangingPunct="1">
+      <a:defRPr sz="1200" kern="1200">
+        <a:solidFill>
+          <a:schemeClr val="tx1"/>
+        </a:solidFill>
+        <a:latin typeface="+mn-lt"/>
+        <a:ea typeface="+mn-ea"/>
+        <a:cs typeface="+mn-cs"/>
+      </a:defRPr>
+    </a:lvl1pPr>
+    <a:lvl2pPr marL="457200" algn="l" defTabSz="914400" rtl="0" eaLnBrk="1" latinLnBrk="1" hangingPunct="1">
+      <a:defRPr sz="1200" kern="1200">
+        <a:solidFill>
+          <a:schemeClr val="tx1"/>
+        </a:solidFill>
+        <a:latin typeface="+mn-lt"/>
+        <a:ea typeface="+mn-ea"/>
+        <a:cs typeface="+mn-cs"/>
+      </a:defRPr>
+    </a:lvl2pPr>
+    <a:lvl3pPr marL="914400" algn="l" defTabSz="914400" rtl="0" eaLnBrk="1" latinLnBrk="1" hangingPunct="1">
+      <a:defRPr sz="1200" kern="1200">
+        <a:solidFill>
+          <a:schemeClr val="tx1"/>
+        </a:solidFill>
+        <a:latin typeface="+mn-lt"/>
+        <a:ea typeface="+mn-ea"/>
+        <a:cs typeface="+mn-cs"/>
+      </a:defRPr>
+    </a:lvl3pPr>
+    <a:lvl4pPr marL="1371600" algn="l" defTabSz="914400" rtl="0" eaLnBrk="1" latinLnBrk="1" hangingPunct="1">
+      <a:defRPr sz="1200" kern="1200">
+        <a:solidFill>
+          <a:schemeClr val="tx1"/>
+        </a:solidFill>
+        <a:latin typeface="+mn-lt"/>
+        <a:ea typeface="+mn-ea"/>
+        <a:cs typeface="+mn-cs"/>
+      </a:defRPr>
+    </a:lvl4pPr>
+    <a:lvl5pPr marL="1828800" algn="l" defTabSz="914400" rtl="0" eaLnBrk="1" latinLnBrk="1" hangingPunct="1">
+      <a:defRPr sz="1200" kern="1200">
+        <a:solidFill>
+          <a:schemeClr val="tx1"/>
+        </a:solidFill>
+        <a:latin typeface="+mn-lt"/>
+        <a:ea typeface="+mn-ea"/>
+        <a:cs typeface="+mn-cs"/>
+      </a:defRPr>
+    </a:lvl5pPr>
+    <a:lvl6pPr marL="2286000" algn="l" defTabSz="914400" rtl="0" eaLnBrk="1" latinLnBrk="1" hangingPunct="1">
+      <a:defRPr sz="1200" kern="1200">
+        <a:solidFill>
+          <a:schemeClr val="tx1"/>
+        </a:solidFill>
+        <a:latin typeface="+mn-lt"/>
+        <a:ea typeface="+mn-ea"/>
+        <a:cs typeface="+mn-cs"/>
+      </a:defRPr>
+    </a:lvl6pPr>
+    <a:lvl7pPr marL="2743200" algn="l" defTabSz="914400" rtl="0" eaLnBrk="1" latinLnBrk="1" hangingPunct="1">
+      <a:defRPr sz="1200" kern="1200">
+        <a:solidFill>
+          <a:schemeClr val="tx1"/>
+        </a:solidFill>
+        <a:latin typeface="+mn-lt"/>
+        <a:ea typeface="+mn-ea"/>
+        <a:cs typeface="+mn-cs"/>
+      </a:defRPr>
+    </a:lvl7pPr>
+    <a:lvl8pPr marL="3200400" algn="l" defTabSz="914400" rtl="0" eaLnBrk="1" latinLnBrk="1" hangingPunct="1">
+      <a:defRPr sz="1200" kern="1200">
+        <a:solidFill>
+          <a:schemeClr val="tx1"/>
+        </a:solidFill>
+        <a:latin typeface="+mn-lt"/>
+        <a:ea typeface="+mn-ea"/>
+        <a:cs typeface="+mn-cs"/>
+      </a:defRPr>
+    </a:lvl8pPr>
+    <a:lvl9pPr marL="3657600" algn="l" defTabSz="914400" rtl="0" eaLnBrk="1" latinLnBrk="1" hangingPunct="1">
+      <a:defRPr sz="1200" kern="1200">
+        <a:solidFill>
+          <a:schemeClr val="tx1"/>
+        </a:solidFill>
+        <a:latin typeface="+mn-lt"/>
+        <a:ea typeface="+mn-ea"/>
+        <a:cs typeface="+mn-cs"/>
+      </a:defRPr>
+    </a:lvl9pPr>
+  </p:notesStyle>
+</p:notesMaster>
+</file>
+
+<file path=ppt/notesSlides/notesSlide1.xml><?xml version="1.0" encoding="utf-8"?>
+<p:notes xmlns:a="http://schemas.openxmlformats.org/drawingml/2006/main" xmlns:r="http://schemas.openxmlformats.org/officeDocument/2006/relationships" xmlns:p="http://schemas.openxmlformats.org/presentationml/2006/main">
   <p:cSld>
     <p:spTree>
       <p:nvGrpSpPr>
@@ -43,9 +456,9 @@
       </p:grpSpPr>
       <p:sp>
         <p:nvSpPr>
-          <p:cNvPr id="38" name="PlaceHolder 1"/>
+          <p:cNvPr id="63" name="PlaceHolder 1"/>
           <p:cNvSpPr>
-            <a:spLocks noGrp="1"/>
+            <a:spLocks noGrp="1" noRot="1" noChangeAspect="1"/>
           </p:cNvSpPr>
           <p:nvPr>
             <p:ph type="sldImg"/>
@@ -53,32 +466,17 @@
         </p:nvSpPr>
         <p:spPr>
           <a:xfrm>
-            <a:off x="216000" y="812520"/>
-            <a:ext cx="7127280" cy="4008960"/>
-          </a:xfrm>
-          <a:prstGeom prst="rect">
-            <a:avLst/>
-          </a:prstGeom>
-        </p:spPr>
-        <p:txBody>
-          <a:bodyPr lIns="0" rIns="0" tIns="0" bIns="0" anchor="ctr"/>
-          <a:p>
-            <a:pPr algn="ctr"/>
-            <a:r>
-              <a:rPr b="0" lang="en-US" sz="4400" spc="-1" strike="noStrike">
-                <a:latin typeface="Arial"/>
-              </a:rPr>
-              <a:t>Click to move the slide</a:t>
-            </a:r>
-            <a:endParaRPr b="0" lang="en-US" sz="4400" spc="-1" strike="noStrike">
-              <a:latin typeface="Arial"/>
-            </a:endParaRPr>
-          </a:p>
-        </p:txBody>
-      </p:sp>
-      <p:sp>
-        <p:nvSpPr>
-          <p:cNvPr id="39" name="PlaceHolder 2"/>
+            <a:off x="685800" y="1143000"/>
+            <a:ext cx="5485680" cy="3085560"/>
+          </a:xfrm>
+          <a:prstGeom prst="rect">
+            <a:avLst/>
+          </a:prstGeom>
+        </p:spPr>
+      </p:sp>
+      <p:sp>
+        <p:nvSpPr>
+          <p:cNvPr id="64" name="PlaceHolder 2"/>
           <p:cNvSpPr>
             <a:spLocks noGrp="1"/>
           </p:cNvSpPr>
@@ -88,174 +486,89 @@
         </p:nvSpPr>
         <p:spPr>
           <a:xfrm>
-            <a:off x="756000" y="5078520"/>
-            <a:ext cx="6047640" cy="4811040"/>
-          </a:xfrm>
-          <a:prstGeom prst="rect">
-            <a:avLst/>
-          </a:prstGeom>
-        </p:spPr>
-        <p:txBody>
-          <a:bodyPr lIns="0" rIns="0" tIns="0" bIns="0"/>
-          <a:p>
-            <a:r>
-              <a:rPr b="0" lang="en-US" sz="2000" spc="-1" strike="noStrike">
-                <a:latin typeface="Arial"/>
-              </a:rPr>
-              <a:t>Click to edit the notes format</a:t>
-            </a:r>
-            <a:endParaRPr b="0" lang="en-US" sz="2000" spc="-1" strike="noStrike">
-              <a:latin typeface="Arial"/>
-            </a:endParaRPr>
-          </a:p>
-        </p:txBody>
-      </p:sp>
-      <p:sp>
-        <p:nvSpPr>
-          <p:cNvPr id="40" name="PlaceHolder 3"/>
-          <p:cNvSpPr>
-            <a:spLocks noGrp="1"/>
-          </p:cNvSpPr>
-          <p:nvPr>
-            <p:ph type="hdr"/>
-          </p:nvPr>
-        </p:nvSpPr>
-        <p:spPr>
-          <a:xfrm>
-            <a:off x="0" y="0"/>
-            <a:ext cx="3280680" cy="534240"/>
-          </a:xfrm>
-          <a:prstGeom prst="rect">
-            <a:avLst/>
-          </a:prstGeom>
-        </p:spPr>
-        <p:txBody>
-          <a:bodyPr lIns="0" rIns="0" tIns="0" bIns="0"/>
-          <a:p>
-            <a:r>
-              <a:rPr b="0" lang="en-US" sz="1400" spc="-1" strike="noStrike">
-                <a:latin typeface="Times New Roman"/>
-              </a:rPr>
-              <a:t> </a:t>
-            </a:r>
-            <a:endParaRPr b="0" lang="en-US" sz="1400" spc="-1" strike="noStrike">
-              <a:latin typeface="Times New Roman"/>
-            </a:endParaRPr>
-          </a:p>
-        </p:txBody>
-      </p:sp>
-      <p:sp>
-        <p:nvSpPr>
-          <p:cNvPr id="41" name="PlaceHolder 4"/>
-          <p:cNvSpPr>
-            <a:spLocks noGrp="1"/>
-          </p:cNvSpPr>
-          <p:nvPr>
-            <p:ph type="dt"/>
-          </p:nvPr>
-        </p:nvSpPr>
-        <p:spPr>
-          <a:xfrm>
-            <a:off x="4278960" y="0"/>
-            <a:ext cx="3280680" cy="534240"/>
-          </a:xfrm>
-          <a:prstGeom prst="rect">
-            <a:avLst/>
-          </a:prstGeom>
-        </p:spPr>
-        <p:txBody>
-          <a:bodyPr lIns="0" rIns="0" tIns="0" bIns="0"/>
-          <a:p>
-            <a:pPr algn="r"/>
-            <a:r>
-              <a:rPr b="0" lang="en-US" sz="1400" spc="-1" strike="noStrike">
-                <a:latin typeface="Times New Roman"/>
-              </a:rPr>
-              <a:t> </a:t>
-            </a:r>
-            <a:endParaRPr b="0" lang="en-US" sz="1400" spc="-1" strike="noStrike">
-              <a:latin typeface="Times New Roman"/>
-            </a:endParaRPr>
-          </a:p>
-        </p:txBody>
-      </p:sp>
-      <p:sp>
-        <p:nvSpPr>
-          <p:cNvPr id="42" name="PlaceHolder 5"/>
-          <p:cNvSpPr>
-            <a:spLocks noGrp="1"/>
-          </p:cNvSpPr>
-          <p:nvPr>
-            <p:ph type="ftr"/>
-          </p:nvPr>
-        </p:nvSpPr>
-        <p:spPr>
-          <a:xfrm>
-            <a:off x="0" y="10157400"/>
-            <a:ext cx="3280680" cy="534240"/>
-          </a:xfrm>
-          <a:prstGeom prst="rect">
-            <a:avLst/>
-          </a:prstGeom>
-        </p:spPr>
-        <p:txBody>
-          <a:bodyPr lIns="0" rIns="0" tIns="0" bIns="0" anchor="b"/>
-          <a:p>
-            <a:r>
-              <a:rPr b="0" lang="en-US" sz="1400" spc="-1" strike="noStrike">
-                <a:latin typeface="Times New Roman"/>
-              </a:rPr>
-              <a:t> </a:t>
-            </a:r>
-            <a:endParaRPr b="0" lang="en-US" sz="1400" spc="-1" strike="noStrike">
-              <a:latin typeface="Times New Roman"/>
-            </a:endParaRPr>
-          </a:p>
-        </p:txBody>
-      </p:sp>
-      <p:sp>
-        <p:nvSpPr>
-          <p:cNvPr id="43" name="PlaceHolder 6"/>
-          <p:cNvSpPr>
-            <a:spLocks noGrp="1"/>
-          </p:cNvSpPr>
-          <p:nvPr>
-            <p:ph type="sldNum"/>
-          </p:nvPr>
-        </p:nvSpPr>
-        <p:spPr>
-          <a:xfrm>
-            <a:off x="4278960" y="10157400"/>
-            <a:ext cx="3280680" cy="534240"/>
-          </a:xfrm>
-          <a:prstGeom prst="rect">
-            <a:avLst/>
-          </a:prstGeom>
-        </p:spPr>
-        <p:txBody>
-          <a:bodyPr lIns="0" rIns="0" tIns="0" bIns="0" anchor="b"/>
-          <a:p>
-            <a:pPr algn="r"/>
-            <a:fld id="{6209BEEF-3F16-42F4-988D-1AB5FD9B0D41}" type="slidenum">
-              <a:rPr b="0" lang="en-US" sz="1400" spc="-1" strike="noStrike">
-                <a:latin typeface="Times New Roman"/>
+            <a:off x="685800" y="4400640"/>
+            <a:ext cx="5485680" cy="3599640"/>
+          </a:xfrm>
+          <a:prstGeom prst="rect">
+            <a:avLst/>
+          </a:prstGeom>
+        </p:spPr>
+        <p:txBody>
+          <a:bodyPr lIns="0" tIns="0" rIns="0" bIns="0"/>
+          <a:lstStyle/>
+          <a:p>
+            <a:endParaRPr lang="en-US" sz="2000" b="0" strike="noStrike" spc="-1">
+              <a:latin typeface="Arial"/>
+            </a:endParaRPr>
+          </a:p>
+        </p:txBody>
+      </p:sp>
+      <p:sp>
+        <p:nvSpPr>
+          <p:cNvPr id="65" name="CustomShape 3"/>
+          <p:cNvSpPr/>
+          <p:nvPr/>
+        </p:nvSpPr>
+        <p:spPr>
+          <a:xfrm>
+            <a:off x="3884760" y="8685360"/>
+            <a:ext cx="2971080" cy="457920"/>
+          </a:xfrm>
+          <a:prstGeom prst="rect">
+            <a:avLst/>
+          </a:prstGeom>
+          <a:noFill/>
+          <a:ln>
+            <a:noFill/>
+          </a:ln>
+        </p:spPr>
+        <p:style>
+          <a:lnRef idx="0">
+            <a:scrgbClr r="0" g="0" b="0"/>
+          </a:lnRef>
+          <a:fillRef idx="0">
+            <a:scrgbClr r="0" g="0" b="0"/>
+          </a:fillRef>
+          <a:effectRef idx="0">
+            <a:scrgbClr r="0" g="0" b="0"/>
+          </a:effectRef>
+          <a:fontRef idx="minor"/>
+        </p:style>
+        <p:txBody>
+          <a:bodyPr lIns="90000" tIns="45000" rIns="90000" bIns="45000" anchor="b"/>
+          <a:lstStyle/>
+          <a:p>
+            <a:pPr algn="r">
+              <a:lnSpc>
+                <a:spcPct val="100000"/>
+              </a:lnSpc>
+            </a:pPr>
+            <a:fld id="{80200357-070D-43FB-826F-1CEC89835D60}" type="slidenum">
+              <a:rPr lang="en-US" sz="1200" b="0" strike="noStrike" spc="-1">
+                <a:solidFill>
+                  <a:srgbClr val="000000"/>
+                </a:solidFill>
+                <a:latin typeface="+mn-lt"/>
+                <a:ea typeface="+mn-ea"/>
               </a:rPr>
               <a:t>1</a:t>
             </a:fld>
-            <a:endParaRPr b="0" lang="en-US" sz="1400" spc="-1" strike="noStrike">
-              <a:latin typeface="Times New Roman"/>
+            <a:endParaRPr lang="en-US" sz="1200" b="0" strike="noStrike" spc="-1">
+              <a:latin typeface="Arial"/>
             </a:endParaRPr>
           </a:p>
         </p:txBody>
       </p:sp>
     </p:spTree>
   </p:cSld>
-  <p:clrMap bg1="lt1" bg2="lt2" tx1="dk1" tx2="dk2" accent1="accent1" accent2="accent2" accent3="accent3" accent4="accent4" accent5="accent5" accent6="accent6" hlink="hlink" folHlink="folHlink"/>
-</p:notesMaster>
+  <p:clrMapOvr>
+    <a:masterClrMapping/>
+  </p:clrMapOvr>
+</p:notes>
 </file>
 
-<file path=ppt/notesSlides/notesSlide1.xml><?xml version="1.0" encoding="utf-8"?>
-<p:notes xmlns:a="http://schemas.openxmlformats.org/drawingml/2006/main" xmlns:p="http://schemas.openxmlformats.org/presentationml/2006/main" xmlns:r="http://schemas.openxmlformats.org/officeDocument/2006/relationships" xmlns:p14="http://schemas.microsoft.com/office/powerpoint/2010/main" xmlns:p15="http://schemas.microsoft.com/office/powerpoint/2012/main" xmlns:mc="http://schemas.openxmlformats.org/markup-compatibility/2006">
+<file path=ppt/notesSlides/notesSlide10.xml><?xml version="1.0" encoding="utf-8"?>
+<p:notes xmlns:a="http://schemas.openxmlformats.org/drawingml/2006/main" xmlns:r="http://schemas.openxmlformats.org/officeDocument/2006/relationships" xmlns:p="http://schemas.openxmlformats.org/presentationml/2006/main">
   <p:cSld>
     <p:spTree>
       <p:nvGrpSpPr>
@@ -273,9 +586,9 @@
       </p:grpSpPr>
       <p:sp>
         <p:nvSpPr>
-          <p:cNvPr id="63" name="PlaceHolder 1"/>
+          <p:cNvPr id="90" name="PlaceHolder 1"/>
           <p:cNvSpPr>
-            <a:spLocks noGrp="1"/>
+            <a:spLocks noGrp="1" noRot="1" noChangeAspect="1"/>
           </p:cNvSpPr>
           <p:nvPr>
             <p:ph type="sldImg"/>
@@ -293,7 +606,7 @@
       </p:sp>
       <p:sp>
         <p:nvSpPr>
-          <p:cNvPr id="64" name="PlaceHolder 2"/>
+          <p:cNvPr id="91" name="PlaceHolder 2"/>
           <p:cNvSpPr>
             <a:spLocks noGrp="1"/>
           </p:cNvSpPr>
@@ -311,17 +624,18 @@
           </a:prstGeom>
         </p:spPr>
         <p:txBody>
-          <a:bodyPr lIns="0" rIns="0" tIns="0" bIns="0"/>
-          <a:p>
-            <a:endParaRPr b="0" lang="en-US" sz="2000" spc="-1" strike="noStrike">
-              <a:latin typeface="Arial"/>
-            </a:endParaRPr>
-          </a:p>
-        </p:txBody>
-      </p:sp>
-      <p:sp>
-        <p:nvSpPr>
-          <p:cNvPr id="65" name="CustomShape 3"/>
+          <a:bodyPr lIns="0" tIns="0" rIns="0" bIns="0"/>
+          <a:lstStyle/>
+          <a:p>
+            <a:endParaRPr lang="en-US" sz="2000" b="0" strike="noStrike" spc="-1">
+              <a:latin typeface="Arial"/>
+            </a:endParaRPr>
+          </a:p>
+        </p:txBody>
+      </p:sp>
+      <p:sp>
+        <p:nvSpPr>
+          <p:cNvPr id="92" name="CustomShape 3"/>
           <p:cNvSpPr/>
           <p:nvPr/>
         </p:nvSpPr>
@@ -339,30 +653,37 @@
           </a:ln>
         </p:spPr>
         <p:style>
-          <a:lnRef idx="0"/>
-          <a:fillRef idx="0"/>
-          <a:effectRef idx="0"/>
+          <a:lnRef idx="0">
+            <a:scrgbClr r="0" g="0" b="0"/>
+          </a:lnRef>
+          <a:fillRef idx="0">
+            <a:scrgbClr r="0" g="0" b="0"/>
+          </a:fillRef>
+          <a:effectRef idx="0">
+            <a:scrgbClr r="0" g="0" b="0"/>
+          </a:effectRef>
           <a:fontRef idx="minor"/>
         </p:style>
         <p:txBody>
-          <a:bodyPr lIns="90000" rIns="90000" tIns="45000" bIns="45000" anchor="b"/>
+          <a:bodyPr lIns="90000" tIns="45000" rIns="90000" bIns="45000" anchor="b"/>
+          <a:lstStyle/>
           <a:p>
             <a:pPr algn="r">
               <a:lnSpc>
                 <a:spcPct val="100000"/>
               </a:lnSpc>
             </a:pPr>
-            <a:fld id="{80200357-070D-43FB-826F-1CEC89835D60}" type="slidenum">
-              <a:rPr b="0" lang="en-US" sz="1200" spc="-1" strike="noStrike">
+            <a:fld id="{825C24C5-A3CE-4425-B0C8-81F4840D1C9B}" type="slidenum">
+              <a:rPr lang="en-US" sz="1200" b="0" strike="noStrike" spc="-1">
                 <a:solidFill>
                   <a:srgbClr val="000000"/>
                 </a:solidFill>
                 <a:latin typeface="+mn-lt"/>
                 <a:ea typeface="+mn-ea"/>
               </a:rPr>
-              <a:t>&lt;number&gt;</a:t>
+              <a:t>10</a:t>
             </a:fld>
-            <a:endParaRPr b="0" lang="en-US" sz="1200" spc="-1" strike="noStrike">
+            <a:endParaRPr lang="en-US" sz="1200" b="0" strike="noStrike" spc="-1">
               <a:latin typeface="Arial"/>
             </a:endParaRPr>
           </a:p>
@@ -370,11 +691,14 @@
       </p:sp>
     </p:spTree>
   </p:cSld>
+  <p:clrMapOvr>
+    <a:masterClrMapping/>
+  </p:clrMapOvr>
 </p:notes>
 </file>
 
-<file path=ppt/notesSlides/notesSlide10.xml><?xml version="1.0" encoding="utf-8"?>
-<p:notes xmlns:a="http://schemas.openxmlformats.org/drawingml/2006/main" xmlns:p="http://schemas.openxmlformats.org/presentationml/2006/main" xmlns:r="http://schemas.openxmlformats.org/officeDocument/2006/relationships" xmlns:p14="http://schemas.microsoft.com/office/powerpoint/2010/main" xmlns:p15="http://schemas.microsoft.com/office/powerpoint/2012/main" xmlns:mc="http://schemas.openxmlformats.org/markup-compatibility/2006">
+<file path=ppt/notesSlides/notesSlide2.xml><?xml version="1.0" encoding="utf-8"?>
+<p:notes xmlns:a="http://schemas.openxmlformats.org/drawingml/2006/main" xmlns:r="http://schemas.openxmlformats.org/officeDocument/2006/relationships" xmlns:p="http://schemas.openxmlformats.org/presentationml/2006/main">
   <p:cSld>
     <p:spTree>
       <p:nvGrpSpPr>
@@ -392,9 +716,9 @@
       </p:grpSpPr>
       <p:sp>
         <p:nvSpPr>
-          <p:cNvPr id="90" name="PlaceHolder 1"/>
+          <p:cNvPr id="66" name="PlaceHolder 1"/>
           <p:cNvSpPr>
-            <a:spLocks noGrp="1"/>
+            <a:spLocks noGrp="1" noRot="1" noChangeAspect="1"/>
           </p:cNvSpPr>
           <p:nvPr>
             <p:ph type="sldImg"/>
@@ -412,7 +736,7 @@
       </p:sp>
       <p:sp>
         <p:nvSpPr>
-          <p:cNvPr id="91" name="PlaceHolder 2"/>
+          <p:cNvPr id="67" name="PlaceHolder 2"/>
           <p:cNvSpPr>
             <a:spLocks noGrp="1"/>
           </p:cNvSpPr>
@@ -430,17 +754,18 @@
           </a:prstGeom>
         </p:spPr>
         <p:txBody>
-          <a:bodyPr lIns="0" rIns="0" tIns="0" bIns="0"/>
-          <a:p>
-            <a:endParaRPr b="0" lang="en-US" sz="2000" spc="-1" strike="noStrike">
-              <a:latin typeface="Arial"/>
-            </a:endParaRPr>
-          </a:p>
-        </p:txBody>
-      </p:sp>
-      <p:sp>
-        <p:nvSpPr>
-          <p:cNvPr id="92" name="CustomShape 3"/>
+          <a:bodyPr lIns="0" tIns="0" rIns="0" bIns="0"/>
+          <a:lstStyle/>
+          <a:p>
+            <a:endParaRPr lang="en-US" sz="2000" b="0" strike="noStrike" spc="-1">
+              <a:latin typeface="Arial"/>
+            </a:endParaRPr>
+          </a:p>
+        </p:txBody>
+      </p:sp>
+      <p:sp>
+        <p:nvSpPr>
+          <p:cNvPr id="68" name="CustomShape 3"/>
           <p:cNvSpPr/>
           <p:nvPr/>
         </p:nvSpPr>
@@ -458,30 +783,37 @@
           </a:ln>
         </p:spPr>
         <p:style>
-          <a:lnRef idx="0"/>
-          <a:fillRef idx="0"/>
-          <a:effectRef idx="0"/>
+          <a:lnRef idx="0">
+            <a:scrgbClr r="0" g="0" b="0"/>
+          </a:lnRef>
+          <a:fillRef idx="0">
+            <a:scrgbClr r="0" g="0" b="0"/>
+          </a:fillRef>
+          <a:effectRef idx="0">
+            <a:scrgbClr r="0" g="0" b="0"/>
+          </a:effectRef>
           <a:fontRef idx="minor"/>
         </p:style>
         <p:txBody>
-          <a:bodyPr lIns="90000" rIns="90000" tIns="45000" bIns="45000" anchor="b"/>
+          <a:bodyPr lIns="90000" tIns="45000" rIns="90000" bIns="45000" anchor="b"/>
+          <a:lstStyle/>
           <a:p>
             <a:pPr algn="r">
               <a:lnSpc>
                 <a:spcPct val="100000"/>
               </a:lnSpc>
             </a:pPr>
-            <a:fld id="{825C24C5-A3CE-4425-B0C8-81F4840D1C9B}" type="slidenum">
-              <a:rPr b="0" lang="en-US" sz="1200" spc="-1" strike="noStrike">
+            <a:fld id="{C0BF2E31-02A3-469A-A88D-378A7843312B}" type="slidenum">
+              <a:rPr lang="en-US" sz="1200" b="0" strike="noStrike" spc="-1">
                 <a:solidFill>
                   <a:srgbClr val="000000"/>
                 </a:solidFill>
                 <a:latin typeface="+mn-lt"/>
                 <a:ea typeface="+mn-ea"/>
               </a:rPr>
-              <a:t>&lt;number&gt;</a:t>
+              <a:t>2</a:t>
             </a:fld>
-            <a:endParaRPr b="0" lang="en-US" sz="1200" spc="-1" strike="noStrike">
+            <a:endParaRPr lang="en-US" sz="1200" b="0" strike="noStrike" spc="-1">
               <a:latin typeface="Arial"/>
             </a:endParaRPr>
           </a:p>
@@ -489,11 +821,14 @@
       </p:sp>
     </p:spTree>
   </p:cSld>
+  <p:clrMapOvr>
+    <a:masterClrMapping/>
+  </p:clrMapOvr>
 </p:notes>
 </file>
 
-<file path=ppt/notesSlides/notesSlide2.xml><?xml version="1.0" encoding="utf-8"?>
-<p:notes xmlns:a="http://schemas.openxmlformats.org/drawingml/2006/main" xmlns:p="http://schemas.openxmlformats.org/presentationml/2006/main" xmlns:r="http://schemas.openxmlformats.org/officeDocument/2006/relationships" xmlns:p14="http://schemas.microsoft.com/office/powerpoint/2010/main" xmlns:p15="http://schemas.microsoft.com/office/powerpoint/2012/main" xmlns:mc="http://schemas.openxmlformats.org/markup-compatibility/2006">
+<file path=ppt/notesSlides/notesSlide3.xml><?xml version="1.0" encoding="utf-8"?>
+<p:notes xmlns:a="http://schemas.openxmlformats.org/drawingml/2006/main" xmlns:r="http://schemas.openxmlformats.org/officeDocument/2006/relationships" xmlns:p="http://schemas.openxmlformats.org/presentationml/2006/main">
   <p:cSld>
     <p:spTree>
       <p:nvGrpSpPr>
@@ -511,9 +846,9 @@
       </p:grpSpPr>
       <p:sp>
         <p:nvSpPr>
-          <p:cNvPr id="66" name="PlaceHolder 1"/>
+          <p:cNvPr id="69" name="PlaceHolder 1"/>
           <p:cNvSpPr>
-            <a:spLocks noGrp="1"/>
+            <a:spLocks noGrp="1" noRot="1" noChangeAspect="1"/>
           </p:cNvSpPr>
           <p:nvPr>
             <p:ph type="sldImg"/>
@@ -531,7 +866,7 @@
       </p:sp>
       <p:sp>
         <p:nvSpPr>
-          <p:cNvPr id="67" name="PlaceHolder 2"/>
+          <p:cNvPr id="70" name="PlaceHolder 2"/>
           <p:cNvSpPr>
             <a:spLocks noGrp="1"/>
           </p:cNvSpPr>
@@ -549,17 +884,18 @@
           </a:prstGeom>
         </p:spPr>
         <p:txBody>
-          <a:bodyPr lIns="0" rIns="0" tIns="0" bIns="0"/>
-          <a:p>
-            <a:endParaRPr b="0" lang="en-US" sz="2000" spc="-1" strike="noStrike">
-              <a:latin typeface="Arial"/>
-            </a:endParaRPr>
-          </a:p>
-        </p:txBody>
-      </p:sp>
-      <p:sp>
-        <p:nvSpPr>
-          <p:cNvPr id="68" name="CustomShape 3"/>
+          <a:bodyPr lIns="0" tIns="0" rIns="0" bIns="0"/>
+          <a:lstStyle/>
+          <a:p>
+            <a:endParaRPr lang="en-US" sz="2000" b="0" strike="noStrike" spc="-1">
+              <a:latin typeface="Arial"/>
+            </a:endParaRPr>
+          </a:p>
+        </p:txBody>
+      </p:sp>
+      <p:sp>
+        <p:nvSpPr>
+          <p:cNvPr id="71" name="CustomShape 3"/>
           <p:cNvSpPr/>
           <p:nvPr/>
         </p:nvSpPr>
@@ -577,30 +913,37 @@
           </a:ln>
         </p:spPr>
         <p:style>
-          <a:lnRef idx="0"/>
-          <a:fillRef idx="0"/>
-          <a:effectRef idx="0"/>
+          <a:lnRef idx="0">
+            <a:scrgbClr r="0" g="0" b="0"/>
+          </a:lnRef>
+          <a:fillRef idx="0">
+            <a:scrgbClr r="0" g="0" b="0"/>
+          </a:fillRef>
+          <a:effectRef idx="0">
+            <a:scrgbClr r="0" g="0" b="0"/>
+          </a:effectRef>
           <a:fontRef idx="minor"/>
         </p:style>
         <p:txBody>
-          <a:bodyPr lIns="90000" rIns="90000" tIns="45000" bIns="45000" anchor="b"/>
+          <a:bodyPr lIns="90000" tIns="45000" rIns="90000" bIns="45000" anchor="b"/>
+          <a:lstStyle/>
           <a:p>
             <a:pPr algn="r">
               <a:lnSpc>
                 <a:spcPct val="100000"/>
               </a:lnSpc>
             </a:pPr>
-            <a:fld id="{C0BF2E31-02A3-469A-A88D-378A7843312B}" type="slidenum">
-              <a:rPr b="0" lang="en-US" sz="1200" spc="-1" strike="noStrike">
+            <a:fld id="{C56F6586-9598-4248-AFE2-69A3DDAEE208}" type="slidenum">
+              <a:rPr lang="en-US" sz="1200" b="0" strike="noStrike" spc="-1">
                 <a:solidFill>
                   <a:srgbClr val="000000"/>
                 </a:solidFill>
                 <a:latin typeface="+mn-lt"/>
                 <a:ea typeface="+mn-ea"/>
               </a:rPr>
-              <a:t>&lt;number&gt;</a:t>
+              <a:t>3</a:t>
             </a:fld>
-            <a:endParaRPr b="0" lang="en-US" sz="1200" spc="-1" strike="noStrike">
+            <a:endParaRPr lang="en-US" sz="1200" b="0" strike="noStrike" spc="-1">
               <a:latin typeface="Arial"/>
             </a:endParaRPr>
           </a:p>
@@ -608,11 +951,14 @@
       </p:sp>
     </p:spTree>
   </p:cSld>
+  <p:clrMapOvr>
+    <a:masterClrMapping/>
+  </p:clrMapOvr>
 </p:notes>
 </file>
 
-<file path=ppt/notesSlides/notesSlide3.xml><?xml version="1.0" encoding="utf-8"?>
-<p:notes xmlns:a="http://schemas.openxmlformats.org/drawingml/2006/main" xmlns:p="http://schemas.openxmlformats.org/presentationml/2006/main" xmlns:r="http://schemas.openxmlformats.org/officeDocument/2006/relationships" xmlns:p14="http://schemas.microsoft.com/office/powerpoint/2010/main" xmlns:p15="http://schemas.microsoft.com/office/powerpoint/2012/main" xmlns:mc="http://schemas.openxmlformats.org/markup-compatibility/2006">
+<file path=ppt/notesSlides/notesSlide4.xml><?xml version="1.0" encoding="utf-8"?>
+<p:notes xmlns:a="http://schemas.openxmlformats.org/drawingml/2006/main" xmlns:r="http://schemas.openxmlformats.org/officeDocument/2006/relationships" xmlns:p="http://schemas.openxmlformats.org/presentationml/2006/main">
   <p:cSld>
     <p:spTree>
       <p:nvGrpSpPr>
@@ -630,9 +976,9 @@
       </p:grpSpPr>
       <p:sp>
         <p:nvSpPr>
-          <p:cNvPr id="69" name="PlaceHolder 1"/>
+          <p:cNvPr id="72" name="PlaceHolder 1"/>
           <p:cNvSpPr>
-            <a:spLocks noGrp="1"/>
+            <a:spLocks noGrp="1" noRot="1" noChangeAspect="1"/>
           </p:cNvSpPr>
           <p:nvPr>
             <p:ph type="sldImg"/>
@@ -650,7 +996,7 @@
       </p:sp>
       <p:sp>
         <p:nvSpPr>
-          <p:cNvPr id="70" name="PlaceHolder 2"/>
+          <p:cNvPr id="73" name="PlaceHolder 2"/>
           <p:cNvSpPr>
             <a:spLocks noGrp="1"/>
           </p:cNvSpPr>
@@ -668,17 +1014,18 @@
           </a:prstGeom>
         </p:spPr>
         <p:txBody>
-          <a:bodyPr lIns="0" rIns="0" tIns="0" bIns="0"/>
-          <a:p>
-            <a:endParaRPr b="0" lang="en-US" sz="2000" spc="-1" strike="noStrike">
-              <a:latin typeface="Arial"/>
-            </a:endParaRPr>
-          </a:p>
-        </p:txBody>
-      </p:sp>
-      <p:sp>
-        <p:nvSpPr>
-          <p:cNvPr id="71" name="CustomShape 3"/>
+          <a:bodyPr lIns="0" tIns="0" rIns="0" bIns="0"/>
+          <a:lstStyle/>
+          <a:p>
+            <a:endParaRPr lang="en-US" sz="2000" b="0" strike="noStrike" spc="-1">
+              <a:latin typeface="Arial"/>
+            </a:endParaRPr>
+          </a:p>
+        </p:txBody>
+      </p:sp>
+      <p:sp>
+        <p:nvSpPr>
+          <p:cNvPr id="74" name="CustomShape 3"/>
           <p:cNvSpPr/>
           <p:nvPr/>
         </p:nvSpPr>
@@ -696,30 +1043,37 @@
           </a:ln>
         </p:spPr>
         <p:style>
-          <a:lnRef idx="0"/>
-          <a:fillRef idx="0"/>
-          <a:effectRef idx="0"/>
+          <a:lnRef idx="0">
+            <a:scrgbClr r="0" g="0" b="0"/>
+          </a:lnRef>
+          <a:fillRef idx="0">
+            <a:scrgbClr r="0" g="0" b="0"/>
+          </a:fillRef>
+          <a:effectRef idx="0">
+            <a:scrgbClr r="0" g="0" b="0"/>
+          </a:effectRef>
           <a:fontRef idx="minor"/>
         </p:style>
         <p:txBody>
-          <a:bodyPr lIns="90000" rIns="90000" tIns="45000" bIns="45000" anchor="b"/>
+          <a:bodyPr lIns="90000" tIns="45000" rIns="90000" bIns="45000" anchor="b"/>
+          <a:lstStyle/>
           <a:p>
             <a:pPr algn="r">
               <a:lnSpc>
                 <a:spcPct val="100000"/>
               </a:lnSpc>
             </a:pPr>
-            <a:fld id="{C56F6586-9598-4248-AFE2-69A3DDAEE208}" type="slidenum">
-              <a:rPr b="0" lang="en-US" sz="1200" spc="-1" strike="noStrike">
+            <a:fld id="{24AC4E7E-6BEA-4673-90AA-4901088FA717}" type="slidenum">
+              <a:rPr lang="en-US" sz="1200" b="0" strike="noStrike" spc="-1">
                 <a:solidFill>
                   <a:srgbClr val="000000"/>
                 </a:solidFill>
                 <a:latin typeface="+mn-lt"/>
                 <a:ea typeface="+mn-ea"/>
               </a:rPr>
-              <a:t>&lt;number&gt;</a:t>
+              <a:t>4</a:t>
             </a:fld>
-            <a:endParaRPr b="0" lang="en-US" sz="1200" spc="-1" strike="noStrike">
+            <a:endParaRPr lang="en-US" sz="1200" b="0" strike="noStrike" spc="-1">
               <a:latin typeface="Arial"/>
             </a:endParaRPr>
           </a:p>
@@ -727,11 +1081,14 @@
       </p:sp>
     </p:spTree>
   </p:cSld>
+  <p:clrMapOvr>
+    <a:masterClrMapping/>
+  </p:clrMapOvr>
 </p:notes>
 </file>
 
-<file path=ppt/notesSlides/notesSlide4.xml><?xml version="1.0" encoding="utf-8"?>
-<p:notes xmlns:a="http://schemas.openxmlformats.org/drawingml/2006/main" xmlns:p="http://schemas.openxmlformats.org/presentationml/2006/main" xmlns:r="http://schemas.openxmlformats.org/officeDocument/2006/relationships" xmlns:p14="http://schemas.microsoft.com/office/powerpoint/2010/main" xmlns:p15="http://schemas.microsoft.com/office/powerpoint/2012/main" xmlns:mc="http://schemas.openxmlformats.org/markup-compatibility/2006">
+<file path=ppt/notesSlides/notesSlide5.xml><?xml version="1.0" encoding="utf-8"?>
+<p:notes xmlns:a="http://schemas.openxmlformats.org/drawingml/2006/main" xmlns:r="http://schemas.openxmlformats.org/officeDocument/2006/relationships" xmlns:p="http://schemas.openxmlformats.org/presentationml/2006/main">
   <p:cSld>
     <p:spTree>
       <p:nvGrpSpPr>
@@ -749,9 +1106,9 @@
       </p:grpSpPr>
       <p:sp>
         <p:nvSpPr>
-          <p:cNvPr id="72" name="PlaceHolder 1"/>
+          <p:cNvPr id="75" name="PlaceHolder 1"/>
           <p:cNvSpPr>
-            <a:spLocks noGrp="1"/>
+            <a:spLocks noGrp="1" noRot="1" noChangeAspect="1"/>
           </p:cNvSpPr>
           <p:nvPr>
             <p:ph type="sldImg"/>
@@ -769,7 +1126,7 @@
       </p:sp>
       <p:sp>
         <p:nvSpPr>
-          <p:cNvPr id="73" name="PlaceHolder 2"/>
+          <p:cNvPr id="76" name="PlaceHolder 2"/>
           <p:cNvSpPr>
             <a:spLocks noGrp="1"/>
           </p:cNvSpPr>
@@ -787,17 +1144,95 @@
           </a:prstGeom>
         </p:spPr>
         <p:txBody>
-          <a:bodyPr lIns="0" rIns="0" tIns="0" bIns="0"/>
-          <a:p>
-            <a:endParaRPr b="0" lang="en-US" sz="2000" spc="-1" strike="noStrike">
-              <a:latin typeface="Arial"/>
-            </a:endParaRPr>
-          </a:p>
-        </p:txBody>
-      </p:sp>
-      <p:sp>
-        <p:nvSpPr>
-          <p:cNvPr id="74" name="CustomShape 3"/>
+          <a:bodyPr lIns="0" tIns="0" rIns="0" bIns="0"/>
+          <a:lstStyle/>
+          <a:p>
+            <a:pPr marL="216000" indent="-215640">
+              <a:lnSpc>
+                <a:spcPct val="100000"/>
+              </a:lnSpc>
+            </a:pPr>
+            <a:r>
+              <a:rPr lang="en-US" sz="2000" b="0" strike="noStrike" spc="-1">
+                <a:latin typeface="Arial"/>
+              </a:rPr>
+              <a:t>Master &lt;- 공유기(switch) -&gt; Node (가정) </a:t>
+            </a:r>
+          </a:p>
+          <a:p>
+            <a:pPr marL="216000" indent="-215640">
+              <a:lnSpc>
+                <a:spcPct val="100000"/>
+              </a:lnSpc>
+            </a:pPr>
+            <a:endParaRPr lang="en-US" sz="2000" b="0" strike="noStrike" spc="-1">
+              <a:latin typeface="Arial"/>
+            </a:endParaRPr>
+          </a:p>
+          <a:p>
+            <a:pPr marL="216000" indent="-215640">
+              <a:lnSpc>
+                <a:spcPct val="100000"/>
+              </a:lnSpc>
+            </a:pPr>
+            <a:r>
+              <a:rPr lang="en-US" sz="2000" b="0" strike="noStrike" spc="-1">
+                <a:latin typeface="Arial"/>
+              </a:rPr>
+              <a:t>이 사이의 통신을 효과적으로 구현할 수 있는 서버를 만들자.</a:t>
+            </a:r>
+          </a:p>
+          <a:p>
+            <a:pPr marL="216000" indent="-215640">
+              <a:lnSpc>
+                <a:spcPct val="100000"/>
+              </a:lnSpc>
+            </a:pPr>
+            <a:endParaRPr lang="en-US" sz="2000" b="0" strike="noStrike" spc="-1">
+              <a:latin typeface="Arial"/>
+            </a:endParaRPr>
+          </a:p>
+          <a:p>
+            <a:pPr marL="216000" indent="-215640">
+              <a:lnSpc>
+                <a:spcPct val="100000"/>
+              </a:lnSpc>
+            </a:pPr>
+            <a:r>
+              <a:rPr lang="en-US" sz="2000" b="0" strike="noStrike" spc="-1">
+                <a:latin typeface="Arial"/>
+              </a:rPr>
+              <a:t>Flask IO, MQTT, NAT, Port-Forwarding, </a:t>
+            </a:r>
+          </a:p>
+          <a:p>
+            <a:pPr marL="216000" indent="-215640">
+              <a:lnSpc>
+                <a:spcPct val="100000"/>
+              </a:lnSpc>
+            </a:pPr>
+            <a:r>
+              <a:rPr lang="en-US" sz="2000" b="0" strike="noStrike" spc="-1">
+                <a:latin typeface="Arial"/>
+              </a:rPr>
+              <a:t>PAT 는 대안이 될 수 없나?</a:t>
+            </a:r>
+          </a:p>
+          <a:p>
+            <a:pPr marL="216000" indent="-215640">
+              <a:lnSpc>
+                <a:spcPct val="100000"/>
+              </a:lnSpc>
+            </a:pPr>
+            <a:endParaRPr lang="en-US" sz="2000" b="0" strike="noStrike" spc="-1">
+              <a:latin typeface="Arial"/>
+            </a:endParaRPr>
+          </a:p>
+        </p:txBody>
+      </p:sp>
+      <p:sp>
+        <p:nvSpPr>
+          <p:cNvPr id="77" name="CustomShape 3"/>
           <p:cNvSpPr/>
           <p:nvPr/>
         </p:nvSpPr>
@@ -815,30 +1250,37 @@
           </a:ln>
         </p:spPr>
         <p:style>
-          <a:lnRef idx="0"/>
-          <a:fillRef idx="0"/>
-          <a:effectRef idx="0"/>
+          <a:lnRef idx="0">
+            <a:scrgbClr r="0" g="0" b="0"/>
+          </a:lnRef>
+          <a:fillRef idx="0">
+            <a:scrgbClr r="0" g="0" b="0"/>
+          </a:fillRef>
+          <a:effectRef idx="0">
+            <a:scrgbClr r="0" g="0" b="0"/>
+          </a:effectRef>
           <a:fontRef idx="minor"/>
         </p:style>
         <p:txBody>
-          <a:bodyPr lIns="90000" rIns="90000" tIns="45000" bIns="45000" anchor="b"/>
+          <a:bodyPr lIns="90000" tIns="45000" rIns="90000" bIns="45000" anchor="b"/>
+          <a:lstStyle/>
           <a:p>
             <a:pPr algn="r">
               <a:lnSpc>
                 <a:spcPct val="100000"/>
               </a:lnSpc>
             </a:pPr>
-            <a:fld id="{24AC4E7E-6BEA-4673-90AA-4901088FA717}" type="slidenum">
-              <a:rPr b="0" lang="en-US" sz="1200" spc="-1" strike="noStrike">
+            <a:fld id="{3B7F4E30-6684-47ED-91A6-B3BC9B93D825}" type="slidenum">
+              <a:rPr lang="en-US" sz="1200" b="0" strike="noStrike" spc="-1">
                 <a:solidFill>
                   <a:srgbClr val="000000"/>
                 </a:solidFill>
                 <a:latin typeface="+mn-lt"/>
                 <a:ea typeface="+mn-ea"/>
               </a:rPr>
-              <a:t>&lt;number&gt;</a:t>
+              <a:t>5</a:t>
             </a:fld>
-            <a:endParaRPr b="0" lang="en-US" sz="1200" spc="-1" strike="noStrike">
+            <a:endParaRPr lang="en-US" sz="1200" b="0" strike="noStrike" spc="-1">
               <a:latin typeface="Arial"/>
             </a:endParaRPr>
           </a:p>
@@ -846,11 +1288,14 @@
       </p:sp>
     </p:spTree>
   </p:cSld>
+  <p:clrMapOvr>
+    <a:masterClrMapping/>
+  </p:clrMapOvr>
 </p:notes>
 </file>
 
-<file path=ppt/notesSlides/notesSlide5.xml><?xml version="1.0" encoding="utf-8"?>
-<p:notes xmlns:a="http://schemas.openxmlformats.org/drawingml/2006/main" xmlns:p="http://schemas.openxmlformats.org/presentationml/2006/main" xmlns:r="http://schemas.openxmlformats.org/officeDocument/2006/relationships" xmlns:p14="http://schemas.microsoft.com/office/powerpoint/2010/main" xmlns:p15="http://schemas.microsoft.com/office/powerpoint/2012/main" xmlns:mc="http://schemas.openxmlformats.org/markup-compatibility/2006">
+<file path=ppt/notesSlides/notesSlide6.xml><?xml version="1.0" encoding="utf-8"?>
+<p:notes xmlns:a="http://schemas.openxmlformats.org/drawingml/2006/main" xmlns:r="http://schemas.openxmlformats.org/officeDocument/2006/relationships" xmlns:p="http://schemas.openxmlformats.org/presentationml/2006/main">
   <p:cSld>
     <p:spTree>
       <p:nvGrpSpPr>
@@ -868,9 +1313,9 @@
       </p:grpSpPr>
       <p:sp>
         <p:nvSpPr>
-          <p:cNvPr id="75" name="PlaceHolder 1"/>
+          <p:cNvPr id="78" name="PlaceHolder 1"/>
           <p:cNvSpPr>
-            <a:spLocks noGrp="1"/>
+            <a:spLocks noGrp="1" noRot="1" noChangeAspect="1"/>
           </p:cNvSpPr>
           <p:nvPr>
             <p:ph type="sldImg"/>
@@ -879,16 +1324,16 @@
         <p:spPr>
           <a:xfrm>
             <a:off x="685800" y="1143000"/>
-            <a:ext cx="5485680" cy="3085560"/>
-          </a:xfrm>
-          <a:prstGeom prst="rect">
-            <a:avLst/>
-          </a:prstGeom>
-        </p:spPr>
-      </p:sp>
-      <p:sp>
-        <p:nvSpPr>
-          <p:cNvPr id="76" name="PlaceHolder 2"/>
+            <a:ext cx="5486400" cy="3086100"/>
+          </a:xfrm>
+          <a:prstGeom prst="rect">
+            <a:avLst/>
+          </a:prstGeom>
+        </p:spPr>
+      </p:sp>
+      <p:sp>
+        <p:nvSpPr>
+          <p:cNvPr id="79" name="PlaceHolder 2"/>
           <p:cNvSpPr>
             <a:spLocks noGrp="1"/>
           </p:cNvSpPr>
@@ -906,148 +1351,18 @@
           </a:prstGeom>
         </p:spPr>
         <p:txBody>
-          <a:bodyPr lIns="0" rIns="0" tIns="0" bIns="0"/>
-          <a:p>
-            <a:pPr marL="216000" indent="-215640">
-              <a:lnSpc>
-                <a:spcPct val="100000"/>
-              </a:lnSpc>
-            </a:pPr>
-            <a:r>
-              <a:rPr b="0" lang="en-US" sz="2000" spc="-1" strike="noStrike">
-                <a:latin typeface="Arial"/>
-              </a:rPr>
-              <a:t>Master &lt;- </a:t>
-            </a:r>
-            <a:r>
-              <a:rPr b="0" lang="en-US" sz="2000" spc="-1" strike="noStrike">
-                <a:latin typeface="Arial"/>
-              </a:rPr>
-              <a:t>공유기</a:t>
-            </a:r>
-            <a:r>
-              <a:rPr b="0" lang="en-US" sz="2000" spc="-1" strike="noStrike">
-                <a:latin typeface="Arial"/>
-              </a:rPr>
-              <a:t>(switch) -&gt; Node (</a:t>
-            </a:r>
-            <a:r>
-              <a:rPr b="0" lang="en-US" sz="2000" spc="-1" strike="noStrike">
-                <a:latin typeface="Arial"/>
-              </a:rPr>
-              <a:t>가정</a:t>
-            </a:r>
-            <a:r>
-              <a:rPr b="0" lang="en-US" sz="2000" spc="-1" strike="noStrike">
-                <a:latin typeface="Arial"/>
-              </a:rPr>
-              <a:t>) </a:t>
-            </a:r>
-            <a:endParaRPr b="0" lang="en-US" sz="2000" spc="-1" strike="noStrike">
-              <a:latin typeface="Arial"/>
-            </a:endParaRPr>
-          </a:p>
-          <a:p>
-            <a:pPr marL="216000" indent="-215640">
-              <a:lnSpc>
-                <a:spcPct val="100000"/>
-              </a:lnSpc>
-            </a:pPr>
-            <a:endParaRPr b="0" lang="en-US" sz="2000" spc="-1" strike="noStrike">
-              <a:latin typeface="Arial"/>
-            </a:endParaRPr>
-          </a:p>
-          <a:p>
-            <a:pPr marL="216000" indent="-215640">
-              <a:lnSpc>
-                <a:spcPct val="100000"/>
-              </a:lnSpc>
-            </a:pPr>
-            <a:r>
-              <a:rPr b="0" lang="en-US" sz="2000" spc="-1" strike="noStrike">
-                <a:latin typeface="Arial"/>
-              </a:rPr>
-              <a:t>이 사이의 통신을 효과적으로 구현할 수 있는 서버를 만들자</a:t>
-            </a:r>
-            <a:r>
-              <a:rPr b="0" lang="en-US" sz="2000" spc="-1" strike="noStrike">
-                <a:latin typeface="Arial"/>
-              </a:rPr>
-              <a:t>.</a:t>
-            </a:r>
-            <a:endParaRPr b="0" lang="en-US" sz="2000" spc="-1" strike="noStrike">
-              <a:latin typeface="Arial"/>
-            </a:endParaRPr>
-          </a:p>
-          <a:p>
-            <a:pPr marL="216000" indent="-215640">
-              <a:lnSpc>
-                <a:spcPct val="100000"/>
-              </a:lnSpc>
-            </a:pPr>
-            <a:endParaRPr b="0" lang="en-US" sz="2000" spc="-1" strike="noStrike">
-              <a:latin typeface="Arial"/>
-            </a:endParaRPr>
-          </a:p>
-          <a:p>
-            <a:pPr marL="216000" indent="-215640">
-              <a:lnSpc>
-                <a:spcPct val="100000"/>
-              </a:lnSpc>
-            </a:pPr>
-            <a:r>
-              <a:rPr b="0" lang="en-US" sz="2000" spc="-1" strike="noStrike">
-                <a:latin typeface="Arial"/>
-              </a:rPr>
-              <a:t>Flask IO, MQTT, NAT, Port-Forwarding, </a:t>
-            </a:r>
-            <a:endParaRPr b="0" lang="en-US" sz="2000" spc="-1" strike="noStrike">
-              <a:latin typeface="Arial"/>
-            </a:endParaRPr>
-          </a:p>
-          <a:p>
-            <a:pPr marL="216000" indent="-215640">
-              <a:lnSpc>
-                <a:spcPct val="100000"/>
-              </a:lnSpc>
-            </a:pPr>
-            <a:r>
-              <a:rPr b="0" lang="en-US" sz="2000" spc="-1" strike="noStrike">
-                <a:latin typeface="Arial"/>
-              </a:rPr>
-              <a:t>PAT </a:t>
-            </a:r>
-            <a:r>
-              <a:rPr b="0" lang="en-US" sz="2000" spc="-1" strike="noStrike">
-                <a:latin typeface="Arial"/>
-              </a:rPr>
-              <a:t>는 대안이 될 수 없나</a:t>
-            </a:r>
-            <a:r>
-              <a:rPr b="0" lang="en-US" sz="2000" spc="-1" strike="noStrike">
-                <a:latin typeface="Arial"/>
-              </a:rPr>
-              <a:t>?</a:t>
-            </a:r>
-            <a:endParaRPr b="0" lang="en-US" sz="2000" spc="-1" strike="noStrike">
-              <a:latin typeface="Arial"/>
-            </a:endParaRPr>
-          </a:p>
-          <a:p>
-            <a:pPr marL="216000" indent="-215640">
-              <a:lnSpc>
-                <a:spcPct val="100000"/>
-              </a:lnSpc>
-            </a:pPr>
-            <a:endParaRPr b="0" lang="en-US" sz="2000" spc="-1" strike="noStrike">
-              <a:latin typeface="Arial"/>
-            </a:endParaRPr>
-          </a:p>
-        </p:txBody>
-      </p:sp>
-      <p:sp>
-        <p:nvSpPr>
-          <p:cNvPr id="77" name="CustomShape 3"/>
+          <a:bodyPr lIns="0" tIns="0" rIns="0" bIns="0"/>
+          <a:lstStyle/>
+          <a:p>
+            <a:endParaRPr lang="en-US" sz="2000" b="0" strike="noStrike" spc="-1">
+              <a:latin typeface="Arial"/>
+            </a:endParaRPr>
+          </a:p>
+        </p:txBody>
+      </p:sp>
+      <p:sp>
+        <p:nvSpPr>
+          <p:cNvPr id="80" name="CustomShape 3"/>
           <p:cNvSpPr/>
           <p:nvPr/>
         </p:nvSpPr>
@@ -1065,30 +1380,37 @@
           </a:ln>
         </p:spPr>
         <p:style>
-          <a:lnRef idx="0"/>
-          <a:fillRef idx="0"/>
-          <a:effectRef idx="0"/>
+          <a:lnRef idx="0">
+            <a:scrgbClr r="0" g="0" b="0"/>
+          </a:lnRef>
+          <a:fillRef idx="0">
+            <a:scrgbClr r="0" g="0" b="0"/>
+          </a:fillRef>
+          <a:effectRef idx="0">
+            <a:scrgbClr r="0" g="0" b="0"/>
+          </a:effectRef>
           <a:fontRef idx="minor"/>
         </p:style>
         <p:txBody>
-          <a:bodyPr lIns="90000" rIns="90000" tIns="45000" bIns="45000" anchor="b"/>
+          <a:bodyPr lIns="90000" tIns="45000" rIns="90000" bIns="45000" anchor="b"/>
+          <a:lstStyle/>
           <a:p>
             <a:pPr algn="r">
               <a:lnSpc>
                 <a:spcPct val="100000"/>
               </a:lnSpc>
             </a:pPr>
-            <a:fld id="{3B7F4E30-6684-47ED-91A6-B3BC9B93D825}" type="slidenum">
-              <a:rPr b="0" lang="en-US" sz="1200" spc="-1" strike="noStrike">
+            <a:fld id="{09E3E891-8460-44CB-9CB6-390FB884FDE7}" type="slidenum">
+              <a:rPr lang="en-US" sz="1200" b="0" strike="noStrike" spc="-1">
                 <a:solidFill>
                   <a:srgbClr val="000000"/>
                 </a:solidFill>
                 <a:latin typeface="+mn-lt"/>
                 <a:ea typeface="+mn-ea"/>
               </a:rPr>
-              <a:t>&lt;number&gt;</a:t>
+              <a:t>6</a:t>
             </a:fld>
-            <a:endParaRPr b="0" lang="en-US" sz="1200" spc="-1" strike="noStrike">
+            <a:endParaRPr lang="en-US" sz="1200" b="0" strike="noStrike" spc="-1">
               <a:latin typeface="Arial"/>
             </a:endParaRPr>
           </a:p>
@@ -1096,11 +1418,14 @@
       </p:sp>
     </p:spTree>
   </p:cSld>
+  <p:clrMapOvr>
+    <a:masterClrMapping/>
+  </p:clrMapOvr>
 </p:notes>
 </file>
 
-<file path=ppt/notesSlides/notesSlide6.xml><?xml version="1.0" encoding="utf-8"?>
-<p:notes xmlns:a="http://schemas.openxmlformats.org/drawingml/2006/main" xmlns:p="http://schemas.openxmlformats.org/presentationml/2006/main" xmlns:r="http://schemas.openxmlformats.org/officeDocument/2006/relationships" xmlns:p14="http://schemas.microsoft.com/office/powerpoint/2010/main" xmlns:p15="http://schemas.microsoft.com/office/powerpoint/2012/main" xmlns:mc="http://schemas.openxmlformats.org/markup-compatibility/2006">
+<file path=ppt/notesSlides/notesSlide7.xml><?xml version="1.0" encoding="utf-8"?>
+<p:notes xmlns:a="http://schemas.openxmlformats.org/drawingml/2006/main" xmlns:r="http://schemas.openxmlformats.org/officeDocument/2006/relationships" xmlns:p="http://schemas.openxmlformats.org/presentationml/2006/main">
   <p:cSld>
     <p:spTree>
       <p:nvGrpSpPr>
@@ -1118,9 +1443,9 @@
       </p:grpSpPr>
       <p:sp>
         <p:nvSpPr>
-          <p:cNvPr id="78" name="PlaceHolder 1"/>
+          <p:cNvPr id="81" name="PlaceHolder 1"/>
           <p:cNvSpPr>
-            <a:spLocks noGrp="1"/>
+            <a:spLocks noGrp="1" noRot="1" noChangeAspect="1"/>
           </p:cNvSpPr>
           <p:nvPr>
             <p:ph type="sldImg"/>
@@ -1138,7 +1463,7 @@
       </p:sp>
       <p:sp>
         <p:nvSpPr>
-          <p:cNvPr id="79" name="PlaceHolder 2"/>
+          <p:cNvPr id="82" name="PlaceHolder 2"/>
           <p:cNvSpPr>
             <a:spLocks noGrp="1"/>
           </p:cNvSpPr>
@@ -1156,17 +1481,18 @@
           </a:prstGeom>
         </p:spPr>
         <p:txBody>
-          <a:bodyPr lIns="0" rIns="0" tIns="0" bIns="0"/>
-          <a:p>
-            <a:endParaRPr b="0" lang="en-US" sz="2000" spc="-1" strike="noStrike">
-              <a:latin typeface="Arial"/>
-            </a:endParaRPr>
-          </a:p>
-        </p:txBody>
-      </p:sp>
-      <p:sp>
-        <p:nvSpPr>
-          <p:cNvPr id="80" name="CustomShape 3"/>
+          <a:bodyPr lIns="0" tIns="0" rIns="0" bIns="0"/>
+          <a:lstStyle/>
+          <a:p>
+            <a:endParaRPr lang="en-US" sz="2000" b="0" strike="noStrike" spc="-1">
+              <a:latin typeface="Arial"/>
+            </a:endParaRPr>
+          </a:p>
+        </p:txBody>
+      </p:sp>
+      <p:sp>
+        <p:nvSpPr>
+          <p:cNvPr id="83" name="CustomShape 3"/>
           <p:cNvSpPr/>
           <p:nvPr/>
         </p:nvSpPr>
@@ -1184,30 +1510,37 @@
           </a:ln>
         </p:spPr>
         <p:style>
-          <a:lnRef idx="0"/>
-          <a:fillRef idx="0"/>
-          <a:effectRef idx="0"/>
+          <a:lnRef idx="0">
+            <a:scrgbClr r="0" g="0" b="0"/>
+          </a:lnRef>
+          <a:fillRef idx="0">
+            <a:scrgbClr r="0" g="0" b="0"/>
+          </a:fillRef>
+          <a:effectRef idx="0">
+            <a:scrgbClr r="0" g="0" b="0"/>
+          </a:effectRef>
           <a:fontRef idx="minor"/>
         </p:style>
         <p:txBody>
-          <a:bodyPr lIns="90000" rIns="90000" tIns="45000" bIns="45000" anchor="b"/>
+          <a:bodyPr lIns="90000" tIns="45000" rIns="90000" bIns="45000" anchor="b"/>
+          <a:lstStyle/>
           <a:p>
             <a:pPr algn="r">
               <a:lnSpc>
                 <a:spcPct val="100000"/>
               </a:lnSpc>
             </a:pPr>
-            <a:fld id="{09E3E891-8460-44CB-9CB6-390FB884FDE7}" type="slidenum">
-              <a:rPr b="0" lang="en-US" sz="1200" spc="-1" strike="noStrike">
+            <a:fld id="{9B814043-9D30-40FF-B130-EF2C32B1083D}" type="slidenum">
+              <a:rPr lang="en-US" sz="1200" b="0" strike="noStrike" spc="-1">
                 <a:solidFill>
                   <a:srgbClr val="000000"/>
                 </a:solidFill>
                 <a:latin typeface="+mn-lt"/>
                 <a:ea typeface="+mn-ea"/>
               </a:rPr>
-              <a:t>&lt;number&gt;</a:t>
+              <a:t>7</a:t>
             </a:fld>
-            <a:endParaRPr b="0" lang="en-US" sz="1200" spc="-1" strike="noStrike">
+            <a:endParaRPr lang="en-US" sz="1200" b="0" strike="noStrike" spc="-1">
               <a:latin typeface="Arial"/>
             </a:endParaRPr>
           </a:p>
@@ -1215,11 +1548,14 @@
       </p:sp>
     </p:spTree>
   </p:cSld>
+  <p:clrMapOvr>
+    <a:masterClrMapping/>
+  </p:clrMapOvr>
 </p:notes>
 </file>
 
-<file path=ppt/notesSlides/notesSlide7.xml><?xml version="1.0" encoding="utf-8"?>
-<p:notes xmlns:a="http://schemas.openxmlformats.org/drawingml/2006/main" xmlns:p="http://schemas.openxmlformats.org/presentationml/2006/main" xmlns:r="http://schemas.openxmlformats.org/officeDocument/2006/relationships" xmlns:p14="http://schemas.microsoft.com/office/powerpoint/2010/main" xmlns:p15="http://schemas.microsoft.com/office/powerpoint/2012/main" xmlns:mc="http://schemas.openxmlformats.org/markup-compatibility/2006">
+<file path=ppt/notesSlides/notesSlide8.xml><?xml version="1.0" encoding="utf-8"?>
+<p:notes xmlns:a="http://schemas.openxmlformats.org/drawingml/2006/main" xmlns:r="http://schemas.openxmlformats.org/officeDocument/2006/relationships" xmlns:p="http://schemas.openxmlformats.org/presentationml/2006/main">
   <p:cSld>
     <p:spTree>
       <p:nvGrpSpPr>
@@ -1237,9 +1573,9 @@
       </p:grpSpPr>
       <p:sp>
         <p:nvSpPr>
-          <p:cNvPr id="81" name="PlaceHolder 1"/>
+          <p:cNvPr id="84" name="PlaceHolder 1"/>
           <p:cNvSpPr>
-            <a:spLocks noGrp="1"/>
+            <a:spLocks noGrp="1" noRot="1" noChangeAspect="1"/>
           </p:cNvSpPr>
           <p:nvPr>
             <p:ph type="sldImg"/>
@@ -1257,7 +1593,7 @@
       </p:sp>
       <p:sp>
         <p:nvSpPr>
-          <p:cNvPr id="82" name="PlaceHolder 2"/>
+          <p:cNvPr id="85" name="PlaceHolder 2"/>
           <p:cNvSpPr>
             <a:spLocks noGrp="1"/>
           </p:cNvSpPr>
@@ -1275,17 +1611,18 @@
           </a:prstGeom>
         </p:spPr>
         <p:txBody>
-          <a:bodyPr lIns="0" rIns="0" tIns="0" bIns="0"/>
-          <a:p>
-            <a:endParaRPr b="0" lang="en-US" sz="2000" spc="-1" strike="noStrike">
-              <a:latin typeface="Arial"/>
-            </a:endParaRPr>
-          </a:p>
-        </p:txBody>
-      </p:sp>
-      <p:sp>
-        <p:nvSpPr>
-          <p:cNvPr id="83" name="CustomShape 3"/>
+          <a:bodyPr lIns="0" tIns="0" rIns="0" bIns="0"/>
+          <a:lstStyle/>
+          <a:p>
+            <a:endParaRPr lang="en-US" sz="2000" b="0" strike="noStrike" spc="-1">
+              <a:latin typeface="Arial"/>
+            </a:endParaRPr>
+          </a:p>
+        </p:txBody>
+      </p:sp>
+      <p:sp>
+        <p:nvSpPr>
+          <p:cNvPr id="86" name="CustomShape 3"/>
           <p:cNvSpPr/>
           <p:nvPr/>
         </p:nvSpPr>
@@ -1303,30 +1640,37 @@
           </a:ln>
         </p:spPr>
         <p:style>
-          <a:lnRef idx="0"/>
-          <a:fillRef idx="0"/>
-          <a:effectRef idx="0"/>
+          <a:lnRef idx="0">
+            <a:scrgbClr r="0" g="0" b="0"/>
+          </a:lnRef>
+          <a:fillRef idx="0">
+            <a:scrgbClr r="0" g="0" b="0"/>
+          </a:fillRef>
+          <a:effectRef idx="0">
+            <a:scrgbClr r="0" g="0" b="0"/>
+          </a:effectRef>
           <a:fontRef idx="minor"/>
         </p:style>
         <p:txBody>
-          <a:bodyPr lIns="90000" rIns="90000" tIns="45000" bIns="45000" anchor="b"/>
+          <a:bodyPr lIns="90000" tIns="45000" rIns="90000" bIns="45000" anchor="b"/>
+          <a:lstStyle/>
           <a:p>
             <a:pPr algn="r">
               <a:lnSpc>
                 <a:spcPct val="100000"/>
               </a:lnSpc>
             </a:pPr>
-            <a:fld id="{9B814043-9D30-40FF-B130-EF2C32B1083D}" type="slidenum">
-              <a:rPr b="0" lang="en-US" sz="1200" spc="-1" strike="noStrike">
+            <a:fld id="{69607DB9-1BA6-4BE1-9D52-BC9432598240}" type="slidenum">
+              <a:rPr lang="en-US" sz="1200" b="0" strike="noStrike" spc="-1">
                 <a:solidFill>
                   <a:srgbClr val="000000"/>
                 </a:solidFill>
                 <a:latin typeface="+mn-lt"/>
                 <a:ea typeface="+mn-ea"/>
               </a:rPr>
-              <a:t>&lt;number&gt;</a:t>
+              <a:t>8</a:t>
             </a:fld>
-            <a:endParaRPr b="0" lang="en-US" sz="1200" spc="-1" strike="noStrike">
+            <a:endParaRPr lang="en-US" sz="1200" b="0" strike="noStrike" spc="-1">
               <a:latin typeface="Arial"/>
             </a:endParaRPr>
           </a:p>
@@ -1334,11 +1678,14 @@
       </p:sp>
     </p:spTree>
   </p:cSld>
+  <p:clrMapOvr>
+    <a:masterClrMapping/>
+  </p:clrMapOvr>
 </p:notes>
 </file>
 
-<file path=ppt/notesSlides/notesSlide8.xml><?xml version="1.0" encoding="utf-8"?>
-<p:notes xmlns:a="http://schemas.openxmlformats.org/drawingml/2006/main" xmlns:p="http://schemas.openxmlformats.org/presentationml/2006/main" xmlns:r="http://schemas.openxmlformats.org/officeDocument/2006/relationships" xmlns:p14="http://schemas.microsoft.com/office/powerpoint/2010/main" xmlns:p15="http://schemas.microsoft.com/office/powerpoint/2012/main" xmlns:mc="http://schemas.openxmlformats.org/markup-compatibility/2006">
+<file path=ppt/notesSlides/notesSlide9.xml><?xml version="1.0" encoding="utf-8"?>
+<p:notes xmlns:a="http://schemas.openxmlformats.org/drawingml/2006/main" xmlns:r="http://schemas.openxmlformats.org/officeDocument/2006/relationships" xmlns:p="http://schemas.openxmlformats.org/presentationml/2006/main">
   <p:cSld>
     <p:spTree>
       <p:nvGrpSpPr>
@@ -1356,128 +1703,9 @@
       </p:grpSpPr>
       <p:sp>
         <p:nvSpPr>
-          <p:cNvPr id="84" name="PlaceHolder 1"/>
-          <p:cNvSpPr>
-            <a:spLocks noGrp="1"/>
-          </p:cNvSpPr>
-          <p:nvPr>
-            <p:ph type="sldImg"/>
-          </p:nvPr>
-        </p:nvSpPr>
-        <p:spPr>
-          <a:xfrm>
-            <a:off x="685800" y="1143000"/>
-            <a:ext cx="5485680" cy="3085560"/>
-          </a:xfrm>
-          <a:prstGeom prst="rect">
-            <a:avLst/>
-          </a:prstGeom>
-        </p:spPr>
-      </p:sp>
-      <p:sp>
-        <p:nvSpPr>
-          <p:cNvPr id="85" name="PlaceHolder 2"/>
-          <p:cNvSpPr>
-            <a:spLocks noGrp="1"/>
-          </p:cNvSpPr>
-          <p:nvPr>
-            <p:ph type="body"/>
-          </p:nvPr>
-        </p:nvSpPr>
-        <p:spPr>
-          <a:xfrm>
-            <a:off x="685800" y="4400640"/>
-            <a:ext cx="5485680" cy="3599640"/>
-          </a:xfrm>
-          <a:prstGeom prst="rect">
-            <a:avLst/>
-          </a:prstGeom>
-        </p:spPr>
-        <p:txBody>
-          <a:bodyPr lIns="0" rIns="0" tIns="0" bIns="0"/>
-          <a:p>
-            <a:endParaRPr b="0" lang="en-US" sz="2000" spc="-1" strike="noStrike">
-              <a:latin typeface="Arial"/>
-            </a:endParaRPr>
-          </a:p>
-        </p:txBody>
-      </p:sp>
-      <p:sp>
-        <p:nvSpPr>
-          <p:cNvPr id="86" name="CustomShape 3"/>
-          <p:cNvSpPr/>
-          <p:nvPr/>
-        </p:nvSpPr>
-        <p:spPr>
-          <a:xfrm>
-            <a:off x="3884760" y="8685360"/>
-            <a:ext cx="2971080" cy="457920"/>
-          </a:xfrm>
-          <a:prstGeom prst="rect">
-            <a:avLst/>
-          </a:prstGeom>
-          <a:noFill/>
-          <a:ln>
-            <a:noFill/>
-          </a:ln>
-        </p:spPr>
-        <p:style>
-          <a:lnRef idx="0"/>
-          <a:fillRef idx="0"/>
-          <a:effectRef idx="0"/>
-          <a:fontRef idx="minor"/>
-        </p:style>
-        <p:txBody>
-          <a:bodyPr lIns="90000" rIns="90000" tIns="45000" bIns="45000" anchor="b"/>
-          <a:p>
-            <a:pPr algn="r">
-              <a:lnSpc>
-                <a:spcPct val="100000"/>
-              </a:lnSpc>
-            </a:pPr>
-            <a:fld id="{69607DB9-1BA6-4BE1-9D52-BC9432598240}" type="slidenum">
-              <a:rPr b="0" lang="en-US" sz="1200" spc="-1" strike="noStrike">
-                <a:solidFill>
-                  <a:srgbClr val="000000"/>
-                </a:solidFill>
-                <a:latin typeface="+mn-lt"/>
-                <a:ea typeface="+mn-ea"/>
-              </a:rPr>
-              <a:t>&lt;number&gt;</a:t>
-            </a:fld>
-            <a:endParaRPr b="0" lang="en-US" sz="1200" spc="-1" strike="noStrike">
-              <a:latin typeface="Arial"/>
-            </a:endParaRPr>
-          </a:p>
-        </p:txBody>
-      </p:sp>
-    </p:spTree>
-  </p:cSld>
-</p:notes>
-</file>
-
-<file path=ppt/notesSlides/notesSlide9.xml><?xml version="1.0" encoding="utf-8"?>
-<p:notes xmlns:a="http://schemas.openxmlformats.org/drawingml/2006/main" xmlns:p="http://schemas.openxmlformats.org/presentationml/2006/main" xmlns:r="http://schemas.openxmlformats.org/officeDocument/2006/relationships" xmlns:p14="http://schemas.microsoft.com/office/powerpoint/2010/main" xmlns:p15="http://schemas.microsoft.com/office/powerpoint/2012/main" xmlns:mc="http://schemas.openxmlformats.org/markup-compatibility/2006">
-  <p:cSld>
-    <p:spTree>
-      <p:nvGrpSpPr>
-        <p:cNvPr id="1" name=""/>
-        <p:cNvGrpSpPr/>
-        <p:nvPr/>
-      </p:nvGrpSpPr>
-      <p:grpSpPr>
-        <a:xfrm>
-          <a:off x="0" y="0"/>
-          <a:ext cx="0" cy="0"/>
-          <a:chOff x="0" y="0"/>
-          <a:chExt cx="0" cy="0"/>
-        </a:xfrm>
-      </p:grpSpPr>
-      <p:sp>
-        <p:nvSpPr>
           <p:cNvPr id="87" name="PlaceHolder 1"/>
           <p:cNvSpPr>
-            <a:spLocks noGrp="1"/>
+            <a:spLocks noGrp="1" noRot="1" noChangeAspect="1"/>
           </p:cNvSpPr>
           <p:nvPr>
             <p:ph type="sldImg"/>
@@ -1513,9 +1741,10 @@
           </a:prstGeom>
         </p:spPr>
         <p:txBody>
-          <a:bodyPr lIns="0" rIns="0" tIns="0" bIns="0"/>
-          <a:p>
-            <a:endParaRPr b="0" lang="en-US" sz="2000" spc="-1" strike="noStrike">
+          <a:bodyPr lIns="0" tIns="0" rIns="0" bIns="0"/>
+          <a:lstStyle/>
+          <a:p>
+            <a:endParaRPr lang="en-US" sz="2000" b="0" strike="noStrike" spc="-1">
               <a:latin typeface="Arial"/>
             </a:endParaRPr>
           </a:p>
@@ -1541,13 +1770,20 @@
           </a:ln>
         </p:spPr>
         <p:style>
-          <a:lnRef idx="0"/>
-          <a:fillRef idx="0"/>
-          <a:effectRef idx="0"/>
+          <a:lnRef idx="0">
+            <a:scrgbClr r="0" g="0" b="0"/>
+          </a:lnRef>
+          <a:fillRef idx="0">
+            <a:scrgbClr r="0" g="0" b="0"/>
+          </a:fillRef>
+          <a:effectRef idx="0">
+            <a:scrgbClr r="0" g="0" b="0"/>
+          </a:effectRef>
           <a:fontRef idx="minor"/>
         </p:style>
         <p:txBody>
-          <a:bodyPr lIns="90000" rIns="90000" tIns="45000" bIns="45000" anchor="b"/>
+          <a:bodyPr lIns="90000" tIns="45000" rIns="90000" bIns="45000" anchor="b"/>
+          <a:lstStyle/>
           <a:p>
             <a:pPr algn="r">
               <a:lnSpc>
@@ -1555,16 +1791,16 @@
               </a:lnSpc>
             </a:pPr>
             <a:fld id="{920EF5C2-53B5-4E33-A931-2E29101930B9}" type="slidenum">
-              <a:rPr b="0" lang="en-US" sz="1200" spc="-1" strike="noStrike">
+              <a:rPr lang="en-US" sz="1200" b="0" strike="noStrike" spc="-1">
                 <a:solidFill>
                   <a:srgbClr val="000000"/>
                 </a:solidFill>
                 <a:latin typeface="+mn-lt"/>
                 <a:ea typeface="+mn-ea"/>
               </a:rPr>
-              <a:t>&lt;number&gt;</a:t>
+              <a:t>9</a:t>
             </a:fld>
-            <a:endParaRPr b="0" lang="en-US" sz="1200" spc="-1" strike="noStrike">
+            <a:endParaRPr lang="en-US" sz="1200" b="0" strike="noStrike" spc="-1">
               <a:latin typeface="Arial"/>
             </a:endParaRPr>
           </a:p>
@@ -1572,11 +1808,14 @@
       </p:sp>
     </p:spTree>
   </p:cSld>
+  <p:clrMapOvr>
+    <a:masterClrMapping/>
+  </p:clrMapOvr>
 </p:notes>
 </file>
 
 <file path=ppt/slideLayouts/slideLayout1.xml><?xml version="1.0" encoding="utf-8"?>
-<p:sldLayout xmlns:a="http://schemas.openxmlformats.org/drawingml/2006/main" xmlns:p="http://schemas.openxmlformats.org/presentationml/2006/main" xmlns:r="http://schemas.openxmlformats.org/officeDocument/2006/relationships" xmlns:p14="http://schemas.microsoft.com/office/powerpoint/2010/main" xmlns:p15="http://schemas.microsoft.com/office/powerpoint/2012/main" xmlns:mc="http://schemas.openxmlformats.org/markup-compatibility/2006" type="blank" preserve="1">
+<p:sldLayout xmlns:a="http://schemas.openxmlformats.org/drawingml/2006/main" xmlns:r="http://schemas.openxmlformats.org/officeDocument/2006/relationships" xmlns:p="http://schemas.openxmlformats.org/presentationml/2006/main" type="blank" preserve="1">
   <p:cSld name="Blank Slide">
     <p:spTree>
       <p:nvGrpSpPr>
@@ -1594,11 +1833,14 @@
       </p:grpSpPr>
     </p:spTree>
   </p:cSld>
+  <p:clrMapOvr>
+    <a:masterClrMapping/>
+  </p:clrMapOvr>
 </p:sldLayout>
 </file>
 
 <file path=ppt/slideLayouts/slideLayout10.xml><?xml version="1.0" encoding="utf-8"?>
-<p:sldLayout xmlns:a="http://schemas.openxmlformats.org/drawingml/2006/main" xmlns:p="http://schemas.openxmlformats.org/presentationml/2006/main" xmlns:r="http://schemas.openxmlformats.org/officeDocument/2006/relationships" xmlns:p14="http://schemas.microsoft.com/office/powerpoint/2010/main" xmlns:p15="http://schemas.microsoft.com/office/powerpoint/2012/main" xmlns:mc="http://schemas.openxmlformats.org/markup-compatibility/2006" type="objOverTx" preserve="1">
+<p:sldLayout xmlns:a="http://schemas.openxmlformats.org/drawingml/2006/main" xmlns:r="http://schemas.openxmlformats.org/officeDocument/2006/relationships" xmlns:p="http://schemas.openxmlformats.org/presentationml/2006/main" type="objOverTx" preserve="1">
   <p:cSld name="Title, Content over Content">
     <p:spTree>
       <p:nvGrpSpPr>
@@ -1634,10 +1876,11 @@
           </a:prstGeom>
         </p:spPr>
         <p:txBody>
-          <a:bodyPr lIns="0" rIns="0" tIns="0" bIns="0" anchor="ctr"/>
+          <a:bodyPr lIns="0" tIns="0" rIns="0" bIns="0" anchor="ctr"/>
+          <a:lstStyle/>
           <a:p>
             <a:pPr algn="ctr"/>
-            <a:endParaRPr b="0" lang="en-US" sz="4400" spc="-1" strike="noStrike">
+            <a:endParaRPr lang="en-US" sz="4400" b="0" strike="noStrike" spc="-1">
               <a:latin typeface="Arial"/>
             </a:endParaRPr>
           </a:p>
@@ -1663,11 +1906,12 @@
           </a:prstGeom>
         </p:spPr>
         <p:txBody>
-          <a:bodyPr lIns="0" rIns="0" tIns="0" bIns="0">
+          <a:bodyPr lIns="0" tIns="0" rIns="0" bIns="0">
             <a:normAutofit/>
           </a:bodyPr>
-          <a:p>
-            <a:endParaRPr b="0" lang="en-US" sz="3200" spc="-1" strike="noStrike">
+          <a:lstStyle/>
+          <a:p>
+            <a:endParaRPr lang="en-US" sz="3200" b="0" strike="noStrike" spc="-1">
               <a:latin typeface="Arial"/>
             </a:endParaRPr>
           </a:p>
@@ -1693,11 +1937,12 @@
           </a:prstGeom>
         </p:spPr>
         <p:txBody>
-          <a:bodyPr lIns="0" rIns="0" tIns="0" bIns="0">
+          <a:bodyPr lIns="0" tIns="0" rIns="0" bIns="0">
             <a:normAutofit/>
           </a:bodyPr>
-          <a:p>
-            <a:endParaRPr b="0" lang="en-US" sz="3200" spc="-1" strike="noStrike">
+          <a:lstStyle/>
+          <a:p>
+            <a:endParaRPr lang="en-US" sz="3200" b="0" strike="noStrike" spc="-1">
               <a:latin typeface="Arial"/>
             </a:endParaRPr>
           </a:p>
@@ -1705,11 +1950,14 @@
       </p:sp>
     </p:spTree>
   </p:cSld>
+  <p:clrMapOvr>
+    <a:masterClrMapping/>
+  </p:clrMapOvr>
 </p:sldLayout>
 </file>
 
 <file path=ppt/slideLayouts/slideLayout11.xml><?xml version="1.0" encoding="utf-8"?>
-<p:sldLayout xmlns:a="http://schemas.openxmlformats.org/drawingml/2006/main" xmlns:p="http://schemas.openxmlformats.org/presentationml/2006/main" xmlns:r="http://schemas.openxmlformats.org/officeDocument/2006/relationships" xmlns:p14="http://schemas.microsoft.com/office/powerpoint/2010/main" xmlns:p15="http://schemas.microsoft.com/office/powerpoint/2012/main" xmlns:mc="http://schemas.openxmlformats.org/markup-compatibility/2006" type="fourObj" preserve="1">
+<p:sldLayout xmlns:a="http://schemas.openxmlformats.org/drawingml/2006/main" xmlns:r="http://schemas.openxmlformats.org/officeDocument/2006/relationships" xmlns:p="http://schemas.openxmlformats.org/presentationml/2006/main" type="fourObj" preserve="1">
   <p:cSld name="Title, 4 Content">
     <p:spTree>
       <p:nvGrpSpPr>
@@ -1745,10 +1993,11 @@
           </a:prstGeom>
         </p:spPr>
         <p:txBody>
-          <a:bodyPr lIns="0" rIns="0" tIns="0" bIns="0" anchor="ctr"/>
+          <a:bodyPr lIns="0" tIns="0" rIns="0" bIns="0" anchor="ctr"/>
+          <a:lstStyle/>
           <a:p>
             <a:pPr algn="ctr"/>
-            <a:endParaRPr b="0" lang="en-US" sz="4400" spc="-1" strike="noStrike">
+            <a:endParaRPr lang="en-US" sz="4400" b="0" strike="noStrike" spc="-1">
               <a:latin typeface="Arial"/>
             </a:endParaRPr>
           </a:p>
@@ -1774,11 +2023,12 @@
           </a:prstGeom>
         </p:spPr>
         <p:txBody>
-          <a:bodyPr lIns="0" rIns="0" tIns="0" bIns="0">
+          <a:bodyPr lIns="0" tIns="0" rIns="0" bIns="0">
             <a:normAutofit/>
           </a:bodyPr>
-          <a:p>
-            <a:endParaRPr b="0" lang="en-US" sz="3200" spc="-1" strike="noStrike">
+          <a:lstStyle/>
+          <a:p>
+            <a:endParaRPr lang="en-US" sz="3200" b="0" strike="noStrike" spc="-1">
               <a:latin typeface="Arial"/>
             </a:endParaRPr>
           </a:p>
@@ -1804,11 +2054,12 @@
           </a:prstGeom>
         </p:spPr>
         <p:txBody>
-          <a:bodyPr lIns="0" rIns="0" tIns="0" bIns="0">
+          <a:bodyPr lIns="0" tIns="0" rIns="0" bIns="0">
             <a:normAutofit/>
           </a:bodyPr>
-          <a:p>
-            <a:endParaRPr b="0" lang="en-US" sz="3200" spc="-1" strike="noStrike">
+          <a:lstStyle/>
+          <a:p>
+            <a:endParaRPr lang="en-US" sz="3200" b="0" strike="noStrike" spc="-1">
               <a:latin typeface="Arial"/>
             </a:endParaRPr>
           </a:p>
@@ -1834,11 +2085,12 @@
           </a:prstGeom>
         </p:spPr>
         <p:txBody>
-          <a:bodyPr lIns="0" rIns="0" tIns="0" bIns="0">
+          <a:bodyPr lIns="0" tIns="0" rIns="0" bIns="0">
             <a:normAutofit/>
           </a:bodyPr>
-          <a:p>
-            <a:endParaRPr b="0" lang="en-US" sz="3200" spc="-1" strike="noStrike">
+          <a:lstStyle/>
+          <a:p>
+            <a:endParaRPr lang="en-US" sz="3200" b="0" strike="noStrike" spc="-1">
               <a:latin typeface="Arial"/>
             </a:endParaRPr>
           </a:p>
@@ -1864,11 +2116,12 @@
           </a:prstGeom>
         </p:spPr>
         <p:txBody>
-          <a:bodyPr lIns="0" rIns="0" tIns="0" bIns="0">
+          <a:bodyPr lIns="0" tIns="0" rIns="0" bIns="0">
             <a:normAutofit/>
           </a:bodyPr>
-          <a:p>
-            <a:endParaRPr b="0" lang="en-US" sz="3200" spc="-1" strike="noStrike">
+          <a:lstStyle/>
+          <a:p>
+            <a:endParaRPr lang="en-US" sz="3200" b="0" strike="noStrike" spc="-1">
               <a:latin typeface="Arial"/>
             </a:endParaRPr>
           </a:p>
@@ -1876,11 +2129,14 @@
       </p:sp>
     </p:spTree>
   </p:cSld>
+  <p:clrMapOvr>
+    <a:masterClrMapping/>
+  </p:clrMapOvr>
 </p:sldLayout>
 </file>
 
 <file path=ppt/slideLayouts/slideLayout12.xml><?xml version="1.0" encoding="utf-8"?>
-<p:sldLayout xmlns:a="http://schemas.openxmlformats.org/drawingml/2006/main" xmlns:p="http://schemas.openxmlformats.org/presentationml/2006/main" xmlns:r="http://schemas.openxmlformats.org/officeDocument/2006/relationships" xmlns:p14="http://schemas.microsoft.com/office/powerpoint/2010/main" xmlns:p15="http://schemas.microsoft.com/office/powerpoint/2012/main" xmlns:mc="http://schemas.openxmlformats.org/markup-compatibility/2006" type="blank" preserve="1">
+<p:sldLayout xmlns:a="http://schemas.openxmlformats.org/drawingml/2006/main" xmlns:r="http://schemas.openxmlformats.org/officeDocument/2006/relationships" xmlns:p="http://schemas.openxmlformats.org/presentationml/2006/main" type="blank" preserve="1">
   <p:cSld name="Title, 6 Content">
     <p:spTree>
       <p:nvGrpSpPr>
@@ -1916,10 +2172,11 @@
           </a:prstGeom>
         </p:spPr>
         <p:txBody>
-          <a:bodyPr lIns="0" rIns="0" tIns="0" bIns="0" anchor="ctr"/>
+          <a:bodyPr lIns="0" tIns="0" rIns="0" bIns="0" anchor="ctr"/>
+          <a:lstStyle/>
           <a:p>
             <a:pPr algn="ctr"/>
-            <a:endParaRPr b="0" lang="en-US" sz="4400" spc="-1" strike="noStrike">
+            <a:endParaRPr lang="en-US" sz="4400" b="0" strike="noStrike" spc="-1">
               <a:latin typeface="Arial"/>
             </a:endParaRPr>
           </a:p>
@@ -1945,11 +2202,12 @@
           </a:prstGeom>
         </p:spPr>
         <p:txBody>
-          <a:bodyPr lIns="0" rIns="0" tIns="0" bIns="0">
+          <a:bodyPr lIns="0" tIns="0" rIns="0" bIns="0">
             <a:normAutofit/>
           </a:bodyPr>
-          <a:p>
-            <a:endParaRPr b="0" lang="en-US" sz="3200" spc="-1" strike="noStrike">
+          <a:lstStyle/>
+          <a:p>
+            <a:endParaRPr lang="en-US" sz="3200" b="0" strike="noStrike" spc="-1">
               <a:latin typeface="Arial"/>
             </a:endParaRPr>
           </a:p>
@@ -1975,11 +2233,12 @@
           </a:prstGeom>
         </p:spPr>
         <p:txBody>
-          <a:bodyPr lIns="0" rIns="0" tIns="0" bIns="0">
+          <a:bodyPr lIns="0" tIns="0" rIns="0" bIns="0">
             <a:normAutofit/>
           </a:bodyPr>
-          <a:p>
-            <a:endParaRPr b="0" lang="en-US" sz="3200" spc="-1" strike="noStrike">
+          <a:lstStyle/>
+          <a:p>
+            <a:endParaRPr lang="en-US" sz="3200" b="0" strike="noStrike" spc="-1">
               <a:latin typeface="Arial"/>
             </a:endParaRPr>
           </a:p>
@@ -2005,11 +2264,12 @@
           </a:prstGeom>
         </p:spPr>
         <p:txBody>
-          <a:bodyPr lIns="0" rIns="0" tIns="0" bIns="0">
+          <a:bodyPr lIns="0" tIns="0" rIns="0" bIns="0">
             <a:normAutofit/>
           </a:bodyPr>
-          <a:p>
-            <a:endParaRPr b="0" lang="en-US" sz="3200" spc="-1" strike="noStrike">
+          <a:lstStyle/>
+          <a:p>
+            <a:endParaRPr lang="en-US" sz="3200" b="0" strike="noStrike" spc="-1">
               <a:latin typeface="Arial"/>
             </a:endParaRPr>
           </a:p>
@@ -2035,11 +2295,12 @@
           </a:prstGeom>
         </p:spPr>
         <p:txBody>
-          <a:bodyPr lIns="0" rIns="0" tIns="0" bIns="0">
+          <a:bodyPr lIns="0" tIns="0" rIns="0" bIns="0">
             <a:normAutofit/>
           </a:bodyPr>
-          <a:p>
-            <a:endParaRPr b="0" lang="en-US" sz="3200" spc="-1" strike="noStrike">
+          <a:lstStyle/>
+          <a:p>
+            <a:endParaRPr lang="en-US" sz="3200" b="0" strike="noStrike" spc="-1">
               <a:latin typeface="Arial"/>
             </a:endParaRPr>
           </a:p>
@@ -2065,11 +2326,12 @@
           </a:prstGeom>
         </p:spPr>
         <p:txBody>
-          <a:bodyPr lIns="0" rIns="0" tIns="0" bIns="0">
+          <a:bodyPr lIns="0" tIns="0" rIns="0" bIns="0">
             <a:normAutofit/>
           </a:bodyPr>
-          <a:p>
-            <a:endParaRPr b="0" lang="en-US" sz="3200" spc="-1" strike="noStrike">
+          <a:lstStyle/>
+          <a:p>
+            <a:endParaRPr lang="en-US" sz="3200" b="0" strike="noStrike" spc="-1">
               <a:latin typeface="Arial"/>
             </a:endParaRPr>
           </a:p>
@@ -2095,11 +2357,12 @@
           </a:prstGeom>
         </p:spPr>
         <p:txBody>
-          <a:bodyPr lIns="0" rIns="0" tIns="0" bIns="0">
+          <a:bodyPr lIns="0" tIns="0" rIns="0" bIns="0">
             <a:normAutofit/>
           </a:bodyPr>
-          <a:p>
-            <a:endParaRPr b="0" lang="en-US" sz="3200" spc="-1" strike="noStrike">
+          <a:lstStyle/>
+          <a:p>
+            <a:endParaRPr lang="en-US" sz="3200" b="0" strike="noStrike" spc="-1">
               <a:latin typeface="Arial"/>
             </a:endParaRPr>
           </a:p>
@@ -2107,11 +2370,14 @@
       </p:sp>
     </p:spTree>
   </p:cSld>
+  <p:clrMapOvr>
+    <a:masterClrMapping/>
+  </p:clrMapOvr>
 </p:sldLayout>
 </file>
 
 <file path=ppt/slideLayouts/slideLayout2.xml><?xml version="1.0" encoding="utf-8"?>
-<p:sldLayout xmlns:a="http://schemas.openxmlformats.org/drawingml/2006/main" xmlns:p="http://schemas.openxmlformats.org/presentationml/2006/main" xmlns:r="http://schemas.openxmlformats.org/officeDocument/2006/relationships" xmlns:p14="http://schemas.microsoft.com/office/powerpoint/2010/main" xmlns:p15="http://schemas.microsoft.com/office/powerpoint/2012/main" xmlns:mc="http://schemas.openxmlformats.org/markup-compatibility/2006" type="tx" preserve="1">
+<p:sldLayout xmlns:a="http://schemas.openxmlformats.org/drawingml/2006/main" xmlns:r="http://schemas.openxmlformats.org/officeDocument/2006/relationships" xmlns:p="http://schemas.openxmlformats.org/presentationml/2006/main" type="tx" preserve="1">
   <p:cSld name="Title Slide">
     <p:spTree>
       <p:nvGrpSpPr>
@@ -2147,10 +2413,11 @@
           </a:prstGeom>
         </p:spPr>
         <p:txBody>
-          <a:bodyPr lIns="0" rIns="0" tIns="0" bIns="0" anchor="ctr"/>
+          <a:bodyPr lIns="0" tIns="0" rIns="0" bIns="0" anchor="ctr"/>
+          <a:lstStyle/>
           <a:p>
             <a:pPr algn="ctr"/>
-            <a:endParaRPr b="0" lang="en-US" sz="4400" spc="-1" strike="noStrike">
+            <a:endParaRPr lang="en-US" sz="4400" b="0" strike="noStrike" spc="-1">
               <a:latin typeface="Arial"/>
             </a:endParaRPr>
           </a:p>
@@ -2176,10 +2443,11 @@
           </a:prstGeom>
         </p:spPr>
         <p:txBody>
-          <a:bodyPr lIns="0" rIns="0" tIns="0" bIns="0" anchor="ctr"/>
+          <a:bodyPr lIns="0" tIns="0" rIns="0" bIns="0" anchor="ctr"/>
+          <a:lstStyle/>
           <a:p>
             <a:pPr algn="ctr"/>
-            <a:endParaRPr b="0" lang="en-US" sz="3200" spc="-1" strike="noStrike">
+            <a:endParaRPr lang="en-US" sz="3200" b="0" strike="noStrike" spc="-1">
               <a:latin typeface="Arial"/>
             </a:endParaRPr>
           </a:p>
@@ -2187,11 +2455,14 @@
       </p:sp>
     </p:spTree>
   </p:cSld>
+  <p:clrMapOvr>
+    <a:masterClrMapping/>
+  </p:clrMapOvr>
 </p:sldLayout>
 </file>
 
 <file path=ppt/slideLayouts/slideLayout3.xml><?xml version="1.0" encoding="utf-8"?>
-<p:sldLayout xmlns:a="http://schemas.openxmlformats.org/drawingml/2006/main" xmlns:p="http://schemas.openxmlformats.org/presentationml/2006/main" xmlns:r="http://schemas.openxmlformats.org/officeDocument/2006/relationships" xmlns:p14="http://schemas.microsoft.com/office/powerpoint/2010/main" xmlns:p15="http://schemas.microsoft.com/office/powerpoint/2012/main" xmlns:mc="http://schemas.openxmlformats.org/markup-compatibility/2006" type="obj" preserve="1">
+<p:sldLayout xmlns:a="http://schemas.openxmlformats.org/drawingml/2006/main" xmlns:r="http://schemas.openxmlformats.org/officeDocument/2006/relationships" xmlns:p="http://schemas.openxmlformats.org/presentationml/2006/main" type="obj" preserve="1">
   <p:cSld name="Title, Content">
     <p:spTree>
       <p:nvGrpSpPr>
@@ -2227,10 +2498,11 @@
           </a:prstGeom>
         </p:spPr>
         <p:txBody>
-          <a:bodyPr lIns="0" rIns="0" tIns="0" bIns="0" anchor="ctr"/>
+          <a:bodyPr lIns="0" tIns="0" rIns="0" bIns="0" anchor="ctr"/>
+          <a:lstStyle/>
           <a:p>
             <a:pPr algn="ctr"/>
-            <a:endParaRPr b="0" lang="en-US" sz="4400" spc="-1" strike="noStrike">
+            <a:endParaRPr lang="en-US" sz="4400" b="0" strike="noStrike" spc="-1">
               <a:latin typeface="Arial"/>
             </a:endParaRPr>
           </a:p>
@@ -2256,11 +2528,12 @@
           </a:prstGeom>
         </p:spPr>
         <p:txBody>
-          <a:bodyPr lIns="0" rIns="0" tIns="0" bIns="0">
+          <a:bodyPr lIns="0" tIns="0" rIns="0" bIns="0">
             <a:normAutofit/>
           </a:bodyPr>
-          <a:p>
-            <a:endParaRPr b="0" lang="en-US" sz="3200" spc="-1" strike="noStrike">
+          <a:lstStyle/>
+          <a:p>
+            <a:endParaRPr lang="en-US" sz="3200" b="0" strike="noStrike" spc="-1">
               <a:latin typeface="Arial"/>
             </a:endParaRPr>
           </a:p>
@@ -2268,11 +2541,14 @@
       </p:sp>
     </p:spTree>
   </p:cSld>
+  <p:clrMapOvr>
+    <a:masterClrMapping/>
+  </p:clrMapOvr>
 </p:sldLayout>
 </file>
 
 <file path=ppt/slideLayouts/slideLayout4.xml><?xml version="1.0" encoding="utf-8"?>
-<p:sldLayout xmlns:a="http://schemas.openxmlformats.org/drawingml/2006/main" xmlns:p="http://schemas.openxmlformats.org/presentationml/2006/main" xmlns:r="http://schemas.openxmlformats.org/officeDocument/2006/relationships" xmlns:p14="http://schemas.microsoft.com/office/powerpoint/2010/main" xmlns:p15="http://schemas.microsoft.com/office/powerpoint/2012/main" xmlns:mc="http://schemas.openxmlformats.org/markup-compatibility/2006" type="twoObj" preserve="1">
+<p:sldLayout xmlns:a="http://schemas.openxmlformats.org/drawingml/2006/main" xmlns:r="http://schemas.openxmlformats.org/officeDocument/2006/relationships" xmlns:p="http://schemas.openxmlformats.org/presentationml/2006/main" type="twoObj" preserve="1">
   <p:cSld name="Title, 2 Content">
     <p:spTree>
       <p:nvGrpSpPr>
@@ -2308,10 +2584,11 @@
           </a:prstGeom>
         </p:spPr>
         <p:txBody>
-          <a:bodyPr lIns="0" rIns="0" tIns="0" bIns="0" anchor="ctr"/>
+          <a:bodyPr lIns="0" tIns="0" rIns="0" bIns="0" anchor="ctr"/>
+          <a:lstStyle/>
           <a:p>
             <a:pPr algn="ctr"/>
-            <a:endParaRPr b="0" lang="en-US" sz="4400" spc="-1" strike="noStrike">
+            <a:endParaRPr lang="en-US" sz="4400" b="0" strike="noStrike" spc="-1">
               <a:latin typeface="Arial"/>
             </a:endParaRPr>
           </a:p>
@@ -2337,11 +2614,12 @@
           </a:prstGeom>
         </p:spPr>
         <p:txBody>
-          <a:bodyPr lIns="0" rIns="0" tIns="0" bIns="0">
+          <a:bodyPr lIns="0" tIns="0" rIns="0" bIns="0">
             <a:normAutofit/>
           </a:bodyPr>
-          <a:p>
-            <a:endParaRPr b="0" lang="en-US" sz="3200" spc="-1" strike="noStrike">
+          <a:lstStyle/>
+          <a:p>
+            <a:endParaRPr lang="en-US" sz="3200" b="0" strike="noStrike" spc="-1">
               <a:latin typeface="Arial"/>
             </a:endParaRPr>
           </a:p>
@@ -2367,11 +2645,12 @@
           </a:prstGeom>
         </p:spPr>
         <p:txBody>
-          <a:bodyPr lIns="0" rIns="0" tIns="0" bIns="0">
+          <a:bodyPr lIns="0" tIns="0" rIns="0" bIns="0">
             <a:normAutofit/>
           </a:bodyPr>
-          <a:p>
-            <a:endParaRPr b="0" lang="en-US" sz="3200" spc="-1" strike="noStrike">
+          <a:lstStyle/>
+          <a:p>
+            <a:endParaRPr lang="en-US" sz="3200" b="0" strike="noStrike" spc="-1">
               <a:latin typeface="Arial"/>
             </a:endParaRPr>
           </a:p>
@@ -2379,11 +2658,14 @@
       </p:sp>
     </p:spTree>
   </p:cSld>
+  <p:clrMapOvr>
+    <a:masterClrMapping/>
+  </p:clrMapOvr>
 </p:sldLayout>
 </file>
 
 <file path=ppt/slideLayouts/slideLayout5.xml><?xml version="1.0" encoding="utf-8"?>
-<p:sldLayout xmlns:a="http://schemas.openxmlformats.org/drawingml/2006/main" xmlns:p="http://schemas.openxmlformats.org/presentationml/2006/main" xmlns:r="http://schemas.openxmlformats.org/officeDocument/2006/relationships" xmlns:p14="http://schemas.microsoft.com/office/powerpoint/2010/main" xmlns:p15="http://schemas.microsoft.com/office/powerpoint/2012/main" xmlns:mc="http://schemas.openxmlformats.org/markup-compatibility/2006" type="titleOnly" preserve="1">
+<p:sldLayout xmlns:a="http://schemas.openxmlformats.org/drawingml/2006/main" xmlns:r="http://schemas.openxmlformats.org/officeDocument/2006/relationships" xmlns:p="http://schemas.openxmlformats.org/presentationml/2006/main" type="titleOnly" preserve="1">
   <p:cSld name="Title Only">
     <p:spTree>
       <p:nvGrpSpPr>
@@ -2419,10 +2701,11 @@
           </a:prstGeom>
         </p:spPr>
         <p:txBody>
-          <a:bodyPr lIns="0" rIns="0" tIns="0" bIns="0" anchor="ctr"/>
+          <a:bodyPr lIns="0" tIns="0" rIns="0" bIns="0" anchor="ctr"/>
+          <a:lstStyle/>
           <a:p>
             <a:pPr algn="ctr"/>
-            <a:endParaRPr b="0" lang="en-US" sz="4400" spc="-1" strike="noStrike">
+            <a:endParaRPr lang="en-US" sz="4400" b="0" strike="noStrike" spc="-1">
               <a:latin typeface="Arial"/>
             </a:endParaRPr>
           </a:p>
@@ -2430,11 +2713,14 @@
       </p:sp>
     </p:spTree>
   </p:cSld>
+  <p:clrMapOvr>
+    <a:masterClrMapping/>
+  </p:clrMapOvr>
 </p:sldLayout>
 </file>
 
 <file path=ppt/slideLayouts/slideLayout6.xml><?xml version="1.0" encoding="utf-8"?>
-<p:sldLayout xmlns:a="http://schemas.openxmlformats.org/drawingml/2006/main" xmlns:p="http://schemas.openxmlformats.org/presentationml/2006/main" xmlns:r="http://schemas.openxmlformats.org/officeDocument/2006/relationships" xmlns:p14="http://schemas.microsoft.com/office/powerpoint/2010/main" xmlns:p15="http://schemas.microsoft.com/office/powerpoint/2012/main" xmlns:mc="http://schemas.openxmlformats.org/markup-compatibility/2006" type="objOnly" preserve="1">
+<p:sldLayout xmlns:a="http://schemas.openxmlformats.org/drawingml/2006/main" xmlns:r="http://schemas.openxmlformats.org/officeDocument/2006/relationships" xmlns:p="http://schemas.openxmlformats.org/presentationml/2006/main" type="objOnly" preserve="1">
   <p:cSld name="Centered Text">
     <p:spTree>
       <p:nvGrpSpPr>
@@ -2470,10 +2756,11 @@
           </a:prstGeom>
         </p:spPr>
         <p:txBody>
-          <a:bodyPr lIns="0" rIns="0" tIns="0" bIns="0" anchor="ctr"/>
+          <a:bodyPr lIns="0" tIns="0" rIns="0" bIns="0" anchor="ctr"/>
+          <a:lstStyle/>
           <a:p>
             <a:pPr algn="ctr"/>
-            <a:endParaRPr b="0" lang="en-US" sz="3200" spc="-1" strike="noStrike">
+            <a:endParaRPr lang="en-US" sz="3200" b="0" strike="noStrike" spc="-1">
               <a:latin typeface="Arial"/>
             </a:endParaRPr>
           </a:p>
@@ -2481,11 +2768,14 @@
       </p:sp>
     </p:spTree>
   </p:cSld>
+  <p:clrMapOvr>
+    <a:masterClrMapping/>
+  </p:clrMapOvr>
 </p:sldLayout>
 </file>
 
 <file path=ppt/slideLayouts/slideLayout7.xml><?xml version="1.0" encoding="utf-8"?>
-<p:sldLayout xmlns:a="http://schemas.openxmlformats.org/drawingml/2006/main" xmlns:p="http://schemas.openxmlformats.org/presentationml/2006/main" xmlns:r="http://schemas.openxmlformats.org/officeDocument/2006/relationships" xmlns:p14="http://schemas.microsoft.com/office/powerpoint/2010/main" xmlns:p15="http://schemas.microsoft.com/office/powerpoint/2012/main" xmlns:mc="http://schemas.openxmlformats.org/markup-compatibility/2006" type="twoObjAndObj" preserve="1">
+<p:sldLayout xmlns:a="http://schemas.openxmlformats.org/drawingml/2006/main" xmlns:r="http://schemas.openxmlformats.org/officeDocument/2006/relationships" xmlns:p="http://schemas.openxmlformats.org/presentationml/2006/main" type="twoObjAndObj" preserve="1">
   <p:cSld name="Title, 2 Content and Content">
     <p:spTree>
       <p:nvGrpSpPr>
@@ -2521,10 +2811,11 @@
           </a:prstGeom>
         </p:spPr>
         <p:txBody>
-          <a:bodyPr lIns="0" rIns="0" tIns="0" bIns="0" anchor="ctr"/>
+          <a:bodyPr lIns="0" tIns="0" rIns="0" bIns="0" anchor="ctr"/>
+          <a:lstStyle/>
           <a:p>
             <a:pPr algn="ctr"/>
-            <a:endParaRPr b="0" lang="en-US" sz="4400" spc="-1" strike="noStrike">
+            <a:endParaRPr lang="en-US" sz="4400" b="0" strike="noStrike" spc="-1">
               <a:latin typeface="Arial"/>
             </a:endParaRPr>
           </a:p>
@@ -2550,11 +2841,12 @@
           </a:prstGeom>
         </p:spPr>
         <p:txBody>
-          <a:bodyPr lIns="0" rIns="0" tIns="0" bIns="0">
+          <a:bodyPr lIns="0" tIns="0" rIns="0" bIns="0">
             <a:normAutofit/>
           </a:bodyPr>
-          <a:p>
-            <a:endParaRPr b="0" lang="en-US" sz="3200" spc="-1" strike="noStrike">
+          <a:lstStyle/>
+          <a:p>
+            <a:endParaRPr lang="en-US" sz="3200" b="0" strike="noStrike" spc="-1">
               <a:latin typeface="Arial"/>
             </a:endParaRPr>
           </a:p>
@@ -2580,11 +2872,12 @@
           </a:prstGeom>
         </p:spPr>
         <p:txBody>
-          <a:bodyPr lIns="0" rIns="0" tIns="0" bIns="0">
+          <a:bodyPr lIns="0" tIns="0" rIns="0" bIns="0">
             <a:normAutofit/>
           </a:bodyPr>
-          <a:p>
-            <a:endParaRPr b="0" lang="en-US" sz="3200" spc="-1" strike="noStrike">
+          <a:lstStyle/>
+          <a:p>
+            <a:endParaRPr lang="en-US" sz="3200" b="0" strike="noStrike" spc="-1">
               <a:latin typeface="Arial"/>
             </a:endParaRPr>
           </a:p>
@@ -2610,11 +2903,12 @@
           </a:prstGeom>
         </p:spPr>
         <p:txBody>
-          <a:bodyPr lIns="0" rIns="0" tIns="0" bIns="0">
+          <a:bodyPr lIns="0" tIns="0" rIns="0" bIns="0">
             <a:normAutofit/>
           </a:bodyPr>
-          <a:p>
-            <a:endParaRPr b="0" lang="en-US" sz="3200" spc="-1" strike="noStrike">
+          <a:lstStyle/>
+          <a:p>
+            <a:endParaRPr lang="en-US" sz="3200" b="0" strike="noStrike" spc="-1">
               <a:latin typeface="Arial"/>
             </a:endParaRPr>
           </a:p>
@@ -2622,11 +2916,14 @@
       </p:sp>
     </p:spTree>
   </p:cSld>
+  <p:clrMapOvr>
+    <a:masterClrMapping/>
+  </p:clrMapOvr>
 </p:sldLayout>
 </file>
 
 <file path=ppt/slideLayouts/slideLayout8.xml><?xml version="1.0" encoding="utf-8"?>
-<p:sldLayout xmlns:a="http://schemas.openxmlformats.org/drawingml/2006/main" xmlns:p="http://schemas.openxmlformats.org/presentationml/2006/main" xmlns:r="http://schemas.openxmlformats.org/officeDocument/2006/relationships" xmlns:p14="http://schemas.microsoft.com/office/powerpoint/2010/main" xmlns:p15="http://schemas.microsoft.com/office/powerpoint/2012/main" xmlns:mc="http://schemas.openxmlformats.org/markup-compatibility/2006" type="objAndTwoObj" preserve="1">
+<p:sldLayout xmlns:a="http://schemas.openxmlformats.org/drawingml/2006/main" xmlns:r="http://schemas.openxmlformats.org/officeDocument/2006/relationships" xmlns:p="http://schemas.openxmlformats.org/presentationml/2006/main" type="objAndTwoObj" preserve="1">
   <p:cSld name="Title Content and 2 Content">
     <p:spTree>
       <p:nvGrpSpPr>
@@ -2662,10 +2959,11 @@
           </a:prstGeom>
         </p:spPr>
         <p:txBody>
-          <a:bodyPr lIns="0" rIns="0" tIns="0" bIns="0" anchor="ctr"/>
+          <a:bodyPr lIns="0" tIns="0" rIns="0" bIns="0" anchor="ctr"/>
+          <a:lstStyle/>
           <a:p>
             <a:pPr algn="ctr"/>
-            <a:endParaRPr b="0" lang="en-US" sz="4400" spc="-1" strike="noStrike">
+            <a:endParaRPr lang="en-US" sz="4400" b="0" strike="noStrike" spc="-1">
               <a:latin typeface="Arial"/>
             </a:endParaRPr>
           </a:p>
@@ -2691,11 +2989,12 @@
           </a:prstGeom>
         </p:spPr>
         <p:txBody>
-          <a:bodyPr lIns="0" rIns="0" tIns="0" bIns="0">
+          <a:bodyPr lIns="0" tIns="0" rIns="0" bIns="0">
             <a:normAutofit/>
           </a:bodyPr>
-          <a:p>
-            <a:endParaRPr b="0" lang="en-US" sz="3200" spc="-1" strike="noStrike">
+          <a:lstStyle/>
+          <a:p>
+            <a:endParaRPr lang="en-US" sz="3200" b="0" strike="noStrike" spc="-1">
               <a:latin typeface="Arial"/>
             </a:endParaRPr>
           </a:p>
@@ -2721,11 +3020,12 @@
           </a:prstGeom>
         </p:spPr>
         <p:txBody>
-          <a:bodyPr lIns="0" rIns="0" tIns="0" bIns="0">
+          <a:bodyPr lIns="0" tIns="0" rIns="0" bIns="0">
             <a:normAutofit/>
           </a:bodyPr>
-          <a:p>
-            <a:endParaRPr b="0" lang="en-US" sz="3200" spc="-1" strike="noStrike">
+          <a:lstStyle/>
+          <a:p>
+            <a:endParaRPr lang="en-US" sz="3200" b="0" strike="noStrike" spc="-1">
               <a:latin typeface="Arial"/>
             </a:endParaRPr>
           </a:p>
@@ -2751,11 +3051,12 @@
           </a:prstGeom>
         </p:spPr>
         <p:txBody>
-          <a:bodyPr lIns="0" rIns="0" tIns="0" bIns="0">
+          <a:bodyPr lIns="0" tIns="0" rIns="0" bIns="0">
             <a:normAutofit/>
           </a:bodyPr>
-          <a:p>
-            <a:endParaRPr b="0" lang="en-US" sz="3200" spc="-1" strike="noStrike">
+          <a:lstStyle/>
+          <a:p>
+            <a:endParaRPr lang="en-US" sz="3200" b="0" strike="noStrike" spc="-1">
               <a:latin typeface="Arial"/>
             </a:endParaRPr>
           </a:p>
@@ -2763,11 +3064,14 @@
       </p:sp>
     </p:spTree>
   </p:cSld>
+  <p:clrMapOvr>
+    <a:masterClrMapping/>
+  </p:clrMapOvr>
 </p:sldLayout>
 </file>
 
 <file path=ppt/slideLayouts/slideLayout9.xml><?xml version="1.0" encoding="utf-8"?>
-<p:sldLayout xmlns:a="http://schemas.openxmlformats.org/drawingml/2006/main" xmlns:p="http://schemas.openxmlformats.org/presentationml/2006/main" xmlns:r="http://schemas.openxmlformats.org/officeDocument/2006/relationships" xmlns:p14="http://schemas.microsoft.com/office/powerpoint/2010/main" xmlns:p15="http://schemas.microsoft.com/office/powerpoint/2012/main" xmlns:mc="http://schemas.openxmlformats.org/markup-compatibility/2006" type="twoObjOverTx" preserve="1">
+<p:sldLayout xmlns:a="http://schemas.openxmlformats.org/drawingml/2006/main" xmlns:r="http://schemas.openxmlformats.org/officeDocument/2006/relationships" xmlns:p="http://schemas.openxmlformats.org/presentationml/2006/main" type="twoObjOverTx" preserve="1">
   <p:cSld name="Title, 2 Content over Content">
     <p:spTree>
       <p:nvGrpSpPr>
@@ -2803,10 +3107,11 @@
           </a:prstGeom>
         </p:spPr>
         <p:txBody>
-          <a:bodyPr lIns="0" rIns="0" tIns="0" bIns="0" anchor="ctr"/>
+          <a:bodyPr lIns="0" tIns="0" rIns="0" bIns="0" anchor="ctr"/>
+          <a:lstStyle/>
           <a:p>
             <a:pPr algn="ctr"/>
-            <a:endParaRPr b="0" lang="en-US" sz="4400" spc="-1" strike="noStrike">
+            <a:endParaRPr lang="en-US" sz="4400" b="0" strike="noStrike" spc="-1">
               <a:latin typeface="Arial"/>
             </a:endParaRPr>
           </a:p>
@@ -2832,11 +3137,12 @@
           </a:prstGeom>
         </p:spPr>
         <p:txBody>
-          <a:bodyPr lIns="0" rIns="0" tIns="0" bIns="0">
+          <a:bodyPr lIns="0" tIns="0" rIns="0" bIns="0">
             <a:normAutofit/>
           </a:bodyPr>
-          <a:p>
-            <a:endParaRPr b="0" lang="en-US" sz="3200" spc="-1" strike="noStrike">
+          <a:lstStyle/>
+          <a:p>
+            <a:endParaRPr lang="en-US" sz="3200" b="0" strike="noStrike" spc="-1">
               <a:latin typeface="Arial"/>
             </a:endParaRPr>
           </a:p>
@@ -2862,11 +3168,12 @@
           </a:prstGeom>
         </p:spPr>
         <p:txBody>
-          <a:bodyPr lIns="0" rIns="0" tIns="0" bIns="0">
+          <a:bodyPr lIns="0" tIns="0" rIns="0" bIns="0">
             <a:normAutofit/>
           </a:bodyPr>
-          <a:p>
-            <a:endParaRPr b="0" lang="en-US" sz="3200" spc="-1" strike="noStrike">
+          <a:lstStyle/>
+          <a:p>
+            <a:endParaRPr lang="en-US" sz="3200" b="0" strike="noStrike" spc="-1">
               <a:latin typeface="Arial"/>
             </a:endParaRPr>
           </a:p>
@@ -2892,11 +3199,12 @@
           </a:prstGeom>
         </p:spPr>
         <p:txBody>
-          <a:bodyPr lIns="0" rIns="0" tIns="0" bIns="0">
+          <a:bodyPr lIns="0" tIns="0" rIns="0" bIns="0">
             <a:normAutofit/>
           </a:bodyPr>
-          <a:p>
-            <a:endParaRPr b="0" lang="en-US" sz="3200" spc="-1" strike="noStrike">
+          <a:lstStyle/>
+          <a:p>
+            <a:endParaRPr lang="en-US" sz="3200" b="0" strike="noStrike" spc="-1">
               <a:latin typeface="Arial"/>
             </a:endParaRPr>
           </a:p>
@@ -2904,17 +3212,21 @@
       </p:sp>
     </p:spTree>
   </p:cSld>
+  <p:clrMapOvr>
+    <a:masterClrMapping/>
+  </p:clrMapOvr>
 </p:sldLayout>
 </file>
 
 <file path=ppt/slideMasters/slideMaster1.xml><?xml version="1.0" encoding="utf-8"?>
-<p:sldMaster xmlns:a="http://schemas.openxmlformats.org/drawingml/2006/main" xmlns:p="http://schemas.openxmlformats.org/presentationml/2006/main" xmlns:r="http://schemas.openxmlformats.org/officeDocument/2006/relationships" xmlns:p14="http://schemas.microsoft.com/office/powerpoint/2010/main" xmlns:p15="http://schemas.microsoft.com/office/powerpoint/2012/main" xmlns:mc="http://schemas.openxmlformats.org/markup-compatibility/2006">
+<p:sldMaster xmlns:a="http://schemas.openxmlformats.org/drawingml/2006/main" xmlns:r="http://schemas.openxmlformats.org/officeDocument/2006/relationships" xmlns:p="http://schemas.openxmlformats.org/presentationml/2006/main">
   <p:cSld>
     <p:bg>
       <p:bgPr>
         <a:solidFill>
-          <a:srgbClr val="ffffff"/>
+          <a:srgbClr val="FFFFFF"/>
         </a:solidFill>
+        <a:effectLst/>
       </p:bgPr>
     </p:bg>
     <p:spTree>
@@ -2933,7 +3245,7 @@
       </p:grpSpPr>
       <p:sp>
         <p:nvSpPr>
-          <p:cNvPr id="0" name="PlaceHolder 1"/>
+          <p:cNvPr id="2" name="PlaceHolder 1"/>
           <p:cNvSpPr>
             <a:spLocks noGrp="1"/>
           </p:cNvSpPr>
@@ -2951,23 +3263,21 @@
           </a:prstGeom>
         </p:spPr>
         <p:txBody>
-          <a:bodyPr lIns="0" rIns="0" tIns="0" bIns="0" anchor="ctr"/>
-          <a:p>
-            <a:r>
-              <a:rPr b="0" lang="en-US" sz="1800" spc="-1" strike="noStrike">
+          <a:bodyPr lIns="0" tIns="0" rIns="0" bIns="0" anchor="ctr"/>
+          <a:lstStyle/>
+          <a:p>
+            <a:r>
+              <a:rPr lang="en-US" sz="1800" b="0" strike="noStrike" spc="-1">
                 <a:latin typeface="Arial"/>
               </a:rPr>
               <a:t>Click to edit the title text format</a:t>
             </a:r>
-            <a:endParaRPr b="0" lang="en-US" sz="1800" spc="-1" strike="noStrike">
-              <a:latin typeface="Arial"/>
-            </a:endParaRPr>
-          </a:p>
-        </p:txBody>
-      </p:sp>
-      <p:sp>
-        <p:nvSpPr>
-          <p:cNvPr id="1" name="PlaceHolder 2"/>
+          </a:p>
+        </p:txBody>
+      </p:sp>
+      <p:sp>
+        <p:nvSpPr>
+          <p:cNvPr id="3" name="PlaceHolder 2"/>
           <p:cNvSpPr>
             <a:spLocks noGrp="1"/>
           </p:cNvSpPr>
@@ -2985,9 +3295,10 @@
           </a:prstGeom>
         </p:spPr>
         <p:txBody>
-          <a:bodyPr lIns="0" rIns="0" tIns="0" bIns="0">
+          <a:bodyPr lIns="0" tIns="0" rIns="0" bIns="0">
             <a:normAutofit/>
           </a:bodyPr>
+          <a:lstStyle/>
           <a:p>
             <a:pPr marL="432000" indent="-324000">
               <a:spcBef>
@@ -3001,17 +3312,14 @@
               <a:buChar char=""/>
             </a:pPr>
             <a:r>
-              <a:rPr b="0" lang="en-US" sz="3200" spc="-1" strike="noStrike">
+              <a:rPr lang="en-US" sz="3200" b="0" strike="noStrike" spc="-1">
                 <a:latin typeface="Arial"/>
               </a:rPr>
               <a:t>Click to edit the outline text format</a:t>
             </a:r>
-            <a:endParaRPr b="0" lang="en-US" sz="3200" spc="-1" strike="noStrike">
-              <a:latin typeface="Arial"/>
-            </a:endParaRPr>
-          </a:p>
-          <a:p>
-            <a:pPr lvl="1" marL="864000" indent="-324000">
+          </a:p>
+          <a:p>
+            <a:pPr marL="864000" lvl="1" indent="-324000">
               <a:spcBef>
                 <a:spcPts val="1134"/>
               </a:spcBef>
@@ -3023,17 +3331,14 @@
               <a:buChar char=""/>
             </a:pPr>
             <a:r>
-              <a:rPr b="0" lang="en-US" sz="2800" spc="-1" strike="noStrike">
+              <a:rPr lang="en-US" sz="2800" b="0" strike="noStrike" spc="-1">
                 <a:latin typeface="Arial"/>
               </a:rPr>
               <a:t>Second Outline Level</a:t>
             </a:r>
-            <a:endParaRPr b="0" lang="en-US" sz="2800" spc="-1" strike="noStrike">
-              <a:latin typeface="Arial"/>
-            </a:endParaRPr>
-          </a:p>
-          <a:p>
-            <a:pPr lvl="2" marL="1296000" indent="-288000">
+          </a:p>
+          <a:p>
+            <a:pPr marL="1296000" lvl="2" indent="-288000">
               <a:spcBef>
                 <a:spcPts val="850"/>
               </a:spcBef>
@@ -3045,17 +3350,14 @@
               <a:buChar char=""/>
             </a:pPr>
             <a:r>
-              <a:rPr b="0" lang="en-US" sz="2400" spc="-1" strike="noStrike">
+              <a:rPr lang="en-US" sz="2400" b="0" strike="noStrike" spc="-1">
                 <a:latin typeface="Arial"/>
               </a:rPr>
               <a:t>Third Outline Level</a:t>
             </a:r>
-            <a:endParaRPr b="0" lang="en-US" sz="2400" spc="-1" strike="noStrike">
-              <a:latin typeface="Arial"/>
-            </a:endParaRPr>
-          </a:p>
-          <a:p>
-            <a:pPr lvl="3" marL="1728000" indent="-216000">
+          </a:p>
+          <a:p>
+            <a:pPr marL="1728000" lvl="3" indent="-216000">
               <a:spcBef>
                 <a:spcPts val="567"/>
               </a:spcBef>
@@ -3067,17 +3369,14 @@
               <a:buChar char=""/>
             </a:pPr>
             <a:r>
-              <a:rPr b="0" lang="en-US" sz="2000" spc="-1" strike="noStrike">
+              <a:rPr lang="en-US" sz="2000" b="0" strike="noStrike" spc="-1">
                 <a:latin typeface="Arial"/>
               </a:rPr>
               <a:t>Fourth Outline Level</a:t>
             </a:r>
-            <a:endParaRPr b="0" lang="en-US" sz="2000" spc="-1" strike="noStrike">
-              <a:latin typeface="Arial"/>
-            </a:endParaRPr>
-          </a:p>
-          <a:p>
-            <a:pPr lvl="4" marL="2160000" indent="-216000">
+          </a:p>
+          <a:p>
+            <a:pPr marL="2160000" lvl="4" indent="-216000">
               <a:spcBef>
                 <a:spcPts val="283"/>
               </a:spcBef>
@@ -3089,17 +3388,14 @@
               <a:buChar char=""/>
             </a:pPr>
             <a:r>
-              <a:rPr b="0" lang="en-US" sz="2000" spc="-1" strike="noStrike">
+              <a:rPr lang="en-US" sz="2000" b="0" strike="noStrike" spc="-1">
                 <a:latin typeface="Arial"/>
               </a:rPr>
               <a:t>Fifth Outline Level</a:t>
             </a:r>
-            <a:endParaRPr b="0" lang="en-US" sz="2000" spc="-1" strike="noStrike">
-              <a:latin typeface="Arial"/>
-            </a:endParaRPr>
-          </a:p>
-          <a:p>
-            <a:pPr lvl="5" marL="2592000" indent="-216000">
+          </a:p>
+          <a:p>
+            <a:pPr marL="2592000" lvl="5" indent="-216000">
               <a:spcBef>
                 <a:spcPts val="283"/>
               </a:spcBef>
@@ -3111,17 +3407,14 @@
               <a:buChar char=""/>
             </a:pPr>
             <a:r>
-              <a:rPr b="0" lang="en-US" sz="2000" spc="-1" strike="noStrike">
+              <a:rPr lang="en-US" sz="2000" b="0" strike="noStrike" spc="-1">
                 <a:latin typeface="Arial"/>
               </a:rPr>
               <a:t>Sixth Outline Level</a:t>
             </a:r>
-            <a:endParaRPr b="0" lang="en-US" sz="2000" spc="-1" strike="noStrike">
-              <a:latin typeface="Arial"/>
-            </a:endParaRPr>
-          </a:p>
-          <a:p>
-            <a:pPr lvl="6" marL="3024000" indent="-216000">
+          </a:p>
+          <a:p>
+            <a:pPr marL="3024000" lvl="6" indent="-216000">
               <a:spcBef>
                 <a:spcPts val="283"/>
               </a:spcBef>
@@ -3133,39 +3426,316 @@
               <a:buChar char=""/>
             </a:pPr>
             <a:r>
-              <a:rPr b="0" lang="en-US" sz="2000" spc="-1" strike="noStrike">
+              <a:rPr lang="en-US" sz="2000" b="0" strike="noStrike" spc="-1">
                 <a:latin typeface="Arial"/>
               </a:rPr>
               <a:t>Seventh Outline Level</a:t>
             </a:r>
-            <a:endParaRPr b="0" lang="en-US" sz="2000" spc="-1" strike="noStrike">
-              <a:latin typeface="Arial"/>
-            </a:endParaRPr>
           </a:p>
         </p:txBody>
       </p:sp>
     </p:spTree>
   </p:cSld>
-  <p:clrMap bg1="lt1" bg2="lt2" tx1="dk1" tx2="dk2" accent1="accent1" accent2="accent2" accent3="accent3" accent4="accent4" accent5="accent5" accent6="accent6" hlink="hlink" folHlink="folHlink"/>
+  <p:clrMap bg1="lt1" tx1="dk1" bg2="lt2" tx2="dk2" accent1="accent1" accent2="accent2" accent3="accent3" accent4="accent4" accent5="accent5" accent6="accent6" hlink="hlink" folHlink="folHlink"/>
   <p:sldLayoutIdLst>
-    <p:sldLayoutId id="2147483649" r:id="rId2"/>
-    <p:sldLayoutId id="2147483650" r:id="rId3"/>
-    <p:sldLayoutId id="2147483651" r:id="rId4"/>
-    <p:sldLayoutId id="2147483652" r:id="rId5"/>
-    <p:sldLayoutId id="2147483653" r:id="rId6"/>
-    <p:sldLayoutId id="2147483654" r:id="rId7"/>
-    <p:sldLayoutId id="2147483655" r:id="rId8"/>
-    <p:sldLayoutId id="2147483656" r:id="rId9"/>
-    <p:sldLayoutId id="2147483657" r:id="rId10"/>
-    <p:sldLayoutId id="2147483658" r:id="rId11"/>
-    <p:sldLayoutId id="2147483659" r:id="rId12"/>
-    <p:sldLayoutId id="2147483660" r:id="rId13"/>
+    <p:sldLayoutId id="2147483649" r:id="rId1"/>
+    <p:sldLayoutId id="2147483650" r:id="rId2"/>
+    <p:sldLayoutId id="2147483651" r:id="rId3"/>
+    <p:sldLayoutId id="2147483652" r:id="rId4"/>
+    <p:sldLayoutId id="2147483653" r:id="rId5"/>
+    <p:sldLayoutId id="2147483654" r:id="rId6"/>
+    <p:sldLayoutId id="2147483655" r:id="rId7"/>
+    <p:sldLayoutId id="2147483656" r:id="rId8"/>
+    <p:sldLayoutId id="2147483657" r:id="rId9"/>
+    <p:sldLayoutId id="2147483658" r:id="rId10"/>
+    <p:sldLayoutId id="2147483659" r:id="rId11"/>
+    <p:sldLayoutId id="2147483660" r:id="rId12"/>
   </p:sldLayoutIdLst>
+  <p:txStyles>
+    <p:titleStyle>
+      <a:lvl1pPr algn="l" defTabSz="914400" rtl="0" eaLnBrk="1" latinLnBrk="1" hangingPunct="1">
+        <a:lnSpc>
+          <a:spcPct val="90000"/>
+        </a:lnSpc>
+        <a:spcBef>
+          <a:spcPct val="0"/>
+        </a:spcBef>
+        <a:buNone/>
+        <a:defRPr sz="4400" kern="1200">
+          <a:solidFill>
+            <a:schemeClr val="tx1"/>
+          </a:solidFill>
+          <a:latin typeface="+mj-lt"/>
+          <a:ea typeface="+mj-ea"/>
+          <a:cs typeface="+mj-cs"/>
+        </a:defRPr>
+      </a:lvl1pPr>
+    </p:titleStyle>
+    <p:bodyStyle>
+      <a:lvl1pPr marL="228600" indent="-228600" algn="l" defTabSz="914400" rtl="0" eaLnBrk="1" latinLnBrk="1" hangingPunct="1">
+        <a:lnSpc>
+          <a:spcPct val="90000"/>
+        </a:lnSpc>
+        <a:spcBef>
+          <a:spcPts val="1000"/>
+        </a:spcBef>
+        <a:buFont typeface="Arial" panose="020B0604020202020204" pitchFamily="34" charset="0"/>
+        <a:buChar char="•"/>
+        <a:defRPr sz="2800" kern="1200">
+          <a:solidFill>
+            <a:schemeClr val="tx1"/>
+          </a:solidFill>
+          <a:latin typeface="+mn-lt"/>
+          <a:ea typeface="+mn-ea"/>
+          <a:cs typeface="+mn-cs"/>
+        </a:defRPr>
+      </a:lvl1pPr>
+      <a:lvl2pPr marL="685800" indent="-228600" algn="l" defTabSz="914400" rtl="0" eaLnBrk="1" latinLnBrk="1" hangingPunct="1">
+        <a:lnSpc>
+          <a:spcPct val="90000"/>
+        </a:lnSpc>
+        <a:spcBef>
+          <a:spcPts val="500"/>
+        </a:spcBef>
+        <a:buFont typeface="Arial" panose="020B0604020202020204" pitchFamily="34" charset="0"/>
+        <a:buChar char="•"/>
+        <a:defRPr sz="2400" kern="1200">
+          <a:solidFill>
+            <a:schemeClr val="tx1"/>
+          </a:solidFill>
+          <a:latin typeface="+mn-lt"/>
+          <a:ea typeface="+mn-ea"/>
+          <a:cs typeface="+mn-cs"/>
+        </a:defRPr>
+      </a:lvl2pPr>
+      <a:lvl3pPr marL="1143000" indent="-228600" algn="l" defTabSz="914400" rtl="0" eaLnBrk="1" latinLnBrk="1" hangingPunct="1">
+        <a:lnSpc>
+          <a:spcPct val="90000"/>
+        </a:lnSpc>
+        <a:spcBef>
+          <a:spcPts val="500"/>
+        </a:spcBef>
+        <a:buFont typeface="Arial" panose="020B0604020202020204" pitchFamily="34" charset="0"/>
+        <a:buChar char="•"/>
+        <a:defRPr sz="2000" kern="1200">
+          <a:solidFill>
+            <a:schemeClr val="tx1"/>
+          </a:solidFill>
+          <a:latin typeface="+mn-lt"/>
+          <a:ea typeface="+mn-ea"/>
+          <a:cs typeface="+mn-cs"/>
+        </a:defRPr>
+      </a:lvl3pPr>
+      <a:lvl4pPr marL="1600200" indent="-228600" algn="l" defTabSz="914400" rtl="0" eaLnBrk="1" latinLnBrk="1" hangingPunct="1">
+        <a:lnSpc>
+          <a:spcPct val="90000"/>
+        </a:lnSpc>
+        <a:spcBef>
+          <a:spcPts val="500"/>
+        </a:spcBef>
+        <a:buFont typeface="Arial" panose="020B0604020202020204" pitchFamily="34" charset="0"/>
+        <a:buChar char="•"/>
+        <a:defRPr sz="1800" kern="1200">
+          <a:solidFill>
+            <a:schemeClr val="tx1"/>
+          </a:solidFill>
+          <a:latin typeface="+mn-lt"/>
+          <a:ea typeface="+mn-ea"/>
+          <a:cs typeface="+mn-cs"/>
+        </a:defRPr>
+      </a:lvl4pPr>
+      <a:lvl5pPr marL="2057400" indent="-228600" algn="l" defTabSz="914400" rtl="0" eaLnBrk="1" latinLnBrk="1" hangingPunct="1">
+        <a:lnSpc>
+          <a:spcPct val="90000"/>
+        </a:lnSpc>
+        <a:spcBef>
+          <a:spcPts val="500"/>
+        </a:spcBef>
+        <a:buFont typeface="Arial" panose="020B0604020202020204" pitchFamily="34" charset="0"/>
+        <a:buChar char="•"/>
+        <a:defRPr sz="1800" kern="1200">
+          <a:solidFill>
+            <a:schemeClr val="tx1"/>
+          </a:solidFill>
+          <a:latin typeface="+mn-lt"/>
+          <a:ea typeface="+mn-ea"/>
+          <a:cs typeface="+mn-cs"/>
+        </a:defRPr>
+      </a:lvl5pPr>
+      <a:lvl6pPr marL="2514600" indent="-228600" algn="l" defTabSz="914400" rtl="0" eaLnBrk="1" latinLnBrk="1" hangingPunct="1">
+        <a:lnSpc>
+          <a:spcPct val="90000"/>
+        </a:lnSpc>
+        <a:spcBef>
+          <a:spcPts val="500"/>
+        </a:spcBef>
+        <a:buFont typeface="Arial" panose="020B0604020202020204" pitchFamily="34" charset="0"/>
+        <a:buChar char="•"/>
+        <a:defRPr sz="1800" kern="1200">
+          <a:solidFill>
+            <a:schemeClr val="tx1"/>
+          </a:solidFill>
+          <a:latin typeface="+mn-lt"/>
+          <a:ea typeface="+mn-ea"/>
+          <a:cs typeface="+mn-cs"/>
+        </a:defRPr>
+      </a:lvl6pPr>
+      <a:lvl7pPr marL="2971800" indent="-228600" algn="l" defTabSz="914400" rtl="0" eaLnBrk="1" latinLnBrk="1" hangingPunct="1">
+        <a:lnSpc>
+          <a:spcPct val="90000"/>
+        </a:lnSpc>
+        <a:spcBef>
+          <a:spcPts val="500"/>
+        </a:spcBef>
+        <a:buFont typeface="Arial" panose="020B0604020202020204" pitchFamily="34" charset="0"/>
+        <a:buChar char="•"/>
+        <a:defRPr sz="1800" kern="1200">
+          <a:solidFill>
+            <a:schemeClr val="tx1"/>
+          </a:solidFill>
+          <a:latin typeface="+mn-lt"/>
+          <a:ea typeface="+mn-ea"/>
+          <a:cs typeface="+mn-cs"/>
+        </a:defRPr>
+      </a:lvl7pPr>
+      <a:lvl8pPr marL="3429000" indent="-228600" algn="l" defTabSz="914400" rtl="0" eaLnBrk="1" latinLnBrk="1" hangingPunct="1">
+        <a:lnSpc>
+          <a:spcPct val="90000"/>
+        </a:lnSpc>
+        <a:spcBef>
+          <a:spcPts val="500"/>
+        </a:spcBef>
+        <a:buFont typeface="Arial" panose="020B0604020202020204" pitchFamily="34" charset="0"/>
+        <a:buChar char="•"/>
+        <a:defRPr sz="1800" kern="1200">
+          <a:solidFill>
+            <a:schemeClr val="tx1"/>
+          </a:solidFill>
+          <a:latin typeface="+mn-lt"/>
+          <a:ea typeface="+mn-ea"/>
+          <a:cs typeface="+mn-cs"/>
+        </a:defRPr>
+      </a:lvl8pPr>
+      <a:lvl9pPr marL="3886200" indent="-228600" algn="l" defTabSz="914400" rtl="0" eaLnBrk="1" latinLnBrk="1" hangingPunct="1">
+        <a:lnSpc>
+          <a:spcPct val="90000"/>
+        </a:lnSpc>
+        <a:spcBef>
+          <a:spcPts val="500"/>
+        </a:spcBef>
+        <a:buFont typeface="Arial" panose="020B0604020202020204" pitchFamily="34" charset="0"/>
+        <a:buChar char="•"/>
+        <a:defRPr sz="1800" kern="1200">
+          <a:solidFill>
+            <a:schemeClr val="tx1"/>
+          </a:solidFill>
+          <a:latin typeface="+mn-lt"/>
+          <a:ea typeface="+mn-ea"/>
+          <a:cs typeface="+mn-cs"/>
+        </a:defRPr>
+      </a:lvl9pPr>
+    </p:bodyStyle>
+    <p:otherStyle>
+      <a:defPPr>
+        <a:defRPr lang="ko-KR"/>
+      </a:defPPr>
+      <a:lvl1pPr marL="0" algn="l" defTabSz="914400" rtl="0" eaLnBrk="1" latinLnBrk="1" hangingPunct="1">
+        <a:defRPr sz="1800" kern="1200">
+          <a:solidFill>
+            <a:schemeClr val="tx1"/>
+          </a:solidFill>
+          <a:latin typeface="+mn-lt"/>
+          <a:ea typeface="+mn-ea"/>
+          <a:cs typeface="+mn-cs"/>
+        </a:defRPr>
+      </a:lvl1pPr>
+      <a:lvl2pPr marL="457200" algn="l" defTabSz="914400" rtl="0" eaLnBrk="1" latinLnBrk="1" hangingPunct="1">
+        <a:defRPr sz="1800" kern="1200">
+          <a:solidFill>
+            <a:schemeClr val="tx1"/>
+          </a:solidFill>
+          <a:latin typeface="+mn-lt"/>
+          <a:ea typeface="+mn-ea"/>
+          <a:cs typeface="+mn-cs"/>
+        </a:defRPr>
+      </a:lvl2pPr>
+      <a:lvl3pPr marL="914400" algn="l" defTabSz="914400" rtl="0" eaLnBrk="1" latinLnBrk="1" hangingPunct="1">
+        <a:defRPr sz="1800" kern="1200">
+          <a:solidFill>
+            <a:schemeClr val="tx1"/>
+          </a:solidFill>
+          <a:latin typeface="+mn-lt"/>
+          <a:ea typeface="+mn-ea"/>
+          <a:cs typeface="+mn-cs"/>
+        </a:defRPr>
+      </a:lvl3pPr>
+      <a:lvl4pPr marL="1371600" algn="l" defTabSz="914400" rtl="0" eaLnBrk="1" latinLnBrk="1" hangingPunct="1">
+        <a:defRPr sz="1800" kern="1200">
+          <a:solidFill>
+            <a:schemeClr val="tx1"/>
+          </a:solidFill>
+          <a:latin typeface="+mn-lt"/>
+          <a:ea typeface="+mn-ea"/>
+          <a:cs typeface="+mn-cs"/>
+        </a:defRPr>
+      </a:lvl4pPr>
+      <a:lvl5pPr marL="1828800" algn="l" defTabSz="914400" rtl="0" eaLnBrk="1" latinLnBrk="1" hangingPunct="1">
+        <a:defRPr sz="1800" kern="1200">
+          <a:solidFill>
+            <a:schemeClr val="tx1"/>
+          </a:solidFill>
+          <a:latin typeface="+mn-lt"/>
+          <a:ea typeface="+mn-ea"/>
+          <a:cs typeface="+mn-cs"/>
+        </a:defRPr>
+      </a:lvl5pPr>
+      <a:lvl6pPr marL="2286000" algn="l" defTabSz="914400" rtl="0" eaLnBrk="1" latinLnBrk="1" hangingPunct="1">
+        <a:defRPr sz="1800" kern="1200">
+          <a:solidFill>
+            <a:schemeClr val="tx1"/>
+          </a:solidFill>
+          <a:latin typeface="+mn-lt"/>
+          <a:ea typeface="+mn-ea"/>
+          <a:cs typeface="+mn-cs"/>
+        </a:defRPr>
+      </a:lvl6pPr>
+      <a:lvl7pPr marL="2743200" algn="l" defTabSz="914400" rtl="0" eaLnBrk="1" latinLnBrk="1" hangingPunct="1">
+        <a:defRPr sz="1800" kern="1200">
+          <a:solidFill>
+            <a:schemeClr val="tx1"/>
+          </a:solidFill>
+          <a:latin typeface="+mn-lt"/>
+          <a:ea typeface="+mn-ea"/>
+          <a:cs typeface="+mn-cs"/>
+        </a:defRPr>
+      </a:lvl7pPr>
+      <a:lvl8pPr marL="3200400" algn="l" defTabSz="914400" rtl="0" eaLnBrk="1" latinLnBrk="1" hangingPunct="1">
+        <a:defRPr sz="1800" kern="1200">
+          <a:solidFill>
+            <a:schemeClr val="tx1"/>
+          </a:solidFill>
+          <a:latin typeface="+mn-lt"/>
+          <a:ea typeface="+mn-ea"/>
+          <a:cs typeface="+mn-cs"/>
+        </a:defRPr>
+      </a:lvl8pPr>
+      <a:lvl9pPr marL="3657600" algn="l" defTabSz="914400" rtl="0" eaLnBrk="1" latinLnBrk="1" hangingPunct="1">
+        <a:defRPr sz="1800" kern="1200">
+          <a:solidFill>
+            <a:schemeClr val="tx1"/>
+          </a:solidFill>
+          <a:latin typeface="+mn-lt"/>
+          <a:ea typeface="+mn-ea"/>
+          <a:cs typeface="+mn-cs"/>
+        </a:defRPr>
+      </a:lvl9pPr>
+    </p:otherStyle>
+  </p:txStyles>
 </p:sldMaster>
 </file>
 
 <file path=ppt/slides/slide1.xml><?xml version="1.0" encoding="utf-8"?>
-<p:sld xmlns:a="http://schemas.openxmlformats.org/drawingml/2006/main" xmlns:p="http://schemas.openxmlformats.org/presentationml/2006/main" xmlns:r="http://schemas.openxmlformats.org/officeDocument/2006/relationships" xmlns:p14="http://schemas.microsoft.com/office/powerpoint/2010/main" xmlns:p15="http://schemas.microsoft.com/office/powerpoint/2012/main" xmlns:mc="http://schemas.openxmlformats.org/markup-compatibility/2006">
+<p:sld xmlns:a="http://schemas.openxmlformats.org/drawingml/2006/main" xmlns:r="http://schemas.openxmlformats.org/officeDocument/2006/relationships" xmlns:p="http://schemas.openxmlformats.org/presentationml/2006/main">
   <p:cSld>
     <p:spTree>
       <p:nvGrpSpPr>
@@ -3201,13 +3771,20 @@
           </a:ln>
         </p:spPr>
         <p:style>
-          <a:lnRef idx="0"/>
-          <a:fillRef idx="0"/>
-          <a:effectRef idx="0"/>
+          <a:lnRef idx="0">
+            <a:scrgbClr r="0" g="0" b="0"/>
+          </a:lnRef>
+          <a:fillRef idx="0">
+            <a:scrgbClr r="0" g="0" b="0"/>
+          </a:fillRef>
+          <a:effectRef idx="0">
+            <a:scrgbClr r="0" g="0" b="0"/>
+          </a:effectRef>
           <a:fontRef idx="minor"/>
         </p:style>
         <p:txBody>
-          <a:bodyPr wrap="none" lIns="90000" rIns="90000" tIns="45000" bIns="45000"/>
+          <a:bodyPr wrap="none" lIns="90000" tIns="45000" rIns="90000" bIns="45000"/>
+          <a:lstStyle/>
           <a:p>
             <a:pPr marL="285840" indent="-285120">
               <a:lnSpc>
@@ -3220,58 +3797,75 @@
               <a:buChar char="•"/>
             </a:pPr>
             <a:r>
-              <a:rPr b="0" lang="en-US" sz="1800" spc="-1" strike="noStrike">
+              <a:rPr lang="en-US" sz="1800" b="0" strike="noStrike" spc="-1">
                 <a:solidFill>
                   <a:srgbClr val="000000"/>
                 </a:solidFill>
                 <a:latin typeface="맑은 고딕"/>
                 <a:ea typeface="DejaVu Sans"/>
               </a:rPr>
-              <a:t>Terminal </a:t>
-            </a:r>
-            <a:r>
-              <a:rPr b="0" lang="en-US" sz="1800" spc="-1" strike="noStrike">
+              <a:t>Terminal 접근 </a:t>
+            </a:r>
+            <a:endParaRPr lang="en-US" sz="1800" b="0" strike="noStrike" spc="-1">
+              <a:latin typeface="Arial"/>
+            </a:endParaRPr>
+          </a:p>
+        </p:txBody>
+      </p:sp>
+      <p:sp>
+        <p:nvSpPr>
+          <p:cNvPr id="45" name="CustomShape 2"/>
+          <p:cNvSpPr/>
+          <p:nvPr/>
+        </p:nvSpPr>
+        <p:spPr>
+          <a:xfrm>
+            <a:off x="2686680" y="1309680"/>
+            <a:ext cx="4819680" cy="5027040"/>
+          </a:xfrm>
+          <a:prstGeom prst="rect">
+            <a:avLst/>
+          </a:prstGeom>
+          <a:noFill/>
+          <a:ln>
+            <a:noFill/>
+          </a:ln>
+        </p:spPr>
+        <p:style>
+          <a:lnRef idx="0">
+            <a:scrgbClr r="0" g="0" b="0"/>
+          </a:lnRef>
+          <a:fillRef idx="0">
+            <a:scrgbClr r="0" g="0" b="0"/>
+          </a:fillRef>
+          <a:effectRef idx="0">
+            <a:scrgbClr r="0" g="0" b="0"/>
+          </a:effectRef>
+          <a:fontRef idx="minor"/>
+        </p:style>
+        <p:txBody>
+          <a:bodyPr lIns="90000" tIns="45000" rIns="90000" bIns="45000"/>
+          <a:lstStyle/>
+          <a:p>
+            <a:pPr>
+              <a:lnSpc>
+                <a:spcPct val="100000"/>
+              </a:lnSpc>
+            </a:pPr>
+            <a:r>
+              <a:rPr lang="en-US" sz="1800" b="0" strike="noStrike" spc="-1">
                 <a:solidFill>
                   <a:srgbClr val="000000"/>
                 </a:solidFill>
                 <a:latin typeface="맑은 고딕"/>
                 <a:ea typeface="DejaVu Sans"/>
               </a:rPr>
-              <a:t>접근 </a:t>
-            </a:r>
-            <a:endParaRPr b="0" lang="en-US" sz="1800" spc="-1" strike="noStrike">
-              <a:latin typeface="Arial"/>
-            </a:endParaRPr>
-          </a:p>
-        </p:txBody>
-      </p:sp>
-      <p:sp>
-        <p:nvSpPr>
-          <p:cNvPr id="45" name="CustomShape 2"/>
-          <p:cNvSpPr/>
-          <p:nvPr/>
-        </p:nvSpPr>
-        <p:spPr>
-          <a:xfrm>
-            <a:off x="2686680" y="1309680"/>
-            <a:ext cx="4819680" cy="5027040"/>
-          </a:xfrm>
-          <a:prstGeom prst="rect">
-            <a:avLst/>
-          </a:prstGeom>
-          <a:noFill/>
-          <a:ln>
-            <a:noFill/>
-          </a:ln>
-        </p:spPr>
-        <p:style>
-          <a:lnRef idx="0"/>
-          <a:fillRef idx="0"/>
-          <a:effectRef idx="0"/>
-          <a:fontRef idx="minor"/>
-        </p:style>
-        <p:txBody>
-          <a:bodyPr lIns="90000" rIns="90000" tIns="45000" bIns="45000"/>
+              <a:t>어떻게, client 가 server 에 접근 만으로</a:t>
+            </a:r>
+            <a:endParaRPr lang="en-US" sz="1800" b="0" strike="noStrike" spc="-1">
+              <a:latin typeface="Arial"/>
+            </a:endParaRPr>
+          </a:p>
           <a:p>
             <a:pPr>
               <a:lnSpc>
@@ -3279,56 +3873,16 @@
               </a:lnSpc>
             </a:pPr>
             <a:r>
-              <a:rPr b="0" lang="en-US" sz="1800" spc="-1" strike="noStrike">
+              <a:rPr lang="en-US" sz="1800" b="0" strike="noStrike" spc="-1">
                 <a:solidFill>
                   <a:srgbClr val="000000"/>
                 </a:solidFill>
                 <a:latin typeface="맑은 고딕"/>
                 <a:ea typeface="DejaVu Sans"/>
               </a:rPr>
-              <a:t>어떻게</a:t>
-            </a:r>
-            <a:r>
-              <a:rPr b="0" lang="en-US" sz="1800" spc="-1" strike="noStrike">
-                <a:solidFill>
-                  <a:srgbClr val="000000"/>
-                </a:solidFill>
-                <a:latin typeface="맑은 고딕"/>
-                <a:ea typeface="DejaVu Sans"/>
-              </a:rPr>
-              <a:t>, client </a:t>
-            </a:r>
-            <a:r>
-              <a:rPr b="0" lang="en-US" sz="1800" spc="-1" strike="noStrike">
-                <a:solidFill>
-                  <a:srgbClr val="000000"/>
-                </a:solidFill>
-                <a:latin typeface="맑은 고딕"/>
-                <a:ea typeface="DejaVu Sans"/>
-              </a:rPr>
-              <a:t>가 </a:t>
-            </a:r>
-            <a:r>
-              <a:rPr b="0" lang="en-US" sz="1800" spc="-1" strike="noStrike">
-                <a:solidFill>
-                  <a:srgbClr val="000000"/>
-                </a:solidFill>
-                <a:latin typeface="맑은 고딕"/>
-                <a:ea typeface="DejaVu Sans"/>
-              </a:rPr>
-              <a:t>server </a:t>
-            </a:r>
-            <a:r>
-              <a:rPr b="0" lang="en-US" sz="1800" spc="-1" strike="noStrike">
-                <a:solidFill>
-                  <a:srgbClr val="000000"/>
-                </a:solidFill>
-                <a:latin typeface="맑은 고딕"/>
-                <a:ea typeface="DejaVu Sans"/>
-              </a:rPr>
-              <a:t>에 접근 만으로</a:t>
-            </a:r>
-            <a:endParaRPr b="0" lang="en-US" sz="1800" spc="-1" strike="noStrike">
+              <a:t>스스로 terminal (docker) 조작을 하게 만들지?</a:t>
+            </a:r>
+            <a:endParaRPr lang="en-US" sz="1800" b="0" strike="noStrike" spc="-1">
               <a:latin typeface="Arial"/>
             </a:endParaRPr>
           </a:p>
@@ -3338,57 +3892,7 @@
                 <a:spcPct val="100000"/>
               </a:lnSpc>
             </a:pPr>
-            <a:r>
-              <a:rPr b="0" lang="en-US" sz="1800" spc="-1" strike="noStrike">
-                <a:solidFill>
-                  <a:srgbClr val="000000"/>
-                </a:solidFill>
-                <a:latin typeface="맑은 고딕"/>
-                <a:ea typeface="DejaVu Sans"/>
-              </a:rPr>
-              <a:t>스스로 </a:t>
-            </a:r>
-            <a:r>
-              <a:rPr b="0" lang="en-US" sz="1800" spc="-1" strike="noStrike">
-                <a:solidFill>
-                  <a:srgbClr val="000000"/>
-                </a:solidFill>
-                <a:latin typeface="맑은 고딕"/>
-                <a:ea typeface="DejaVu Sans"/>
-              </a:rPr>
-              <a:t>terminal (docker) </a:t>
-            </a:r>
-            <a:r>
-              <a:rPr b="0" lang="en-US" sz="1800" spc="-1" strike="noStrike">
-                <a:solidFill>
-                  <a:srgbClr val="000000"/>
-                </a:solidFill>
-                <a:latin typeface="맑은 고딕"/>
-                <a:ea typeface="DejaVu Sans"/>
-              </a:rPr>
-              <a:t>조작을 하게 만들지</a:t>
-            </a:r>
-            <a:r>
-              <a:rPr b="0" lang="en-US" sz="1800" spc="-1" strike="noStrike">
-                <a:solidFill>
-                  <a:srgbClr val="000000"/>
-                </a:solidFill>
-                <a:latin typeface="맑은 고딕"/>
-                <a:ea typeface="DejaVu Sans"/>
-              </a:rPr>
-              <a:t>?</a:t>
-            </a:r>
-            <a:endParaRPr b="0" lang="en-US" sz="1800" spc="-1" strike="noStrike">
-              <a:latin typeface="Arial"/>
-            </a:endParaRPr>
-          </a:p>
-          <a:p>
-            <a:pPr>
-              <a:lnSpc>
-                <a:spcPct val="100000"/>
-              </a:lnSpc>
-            </a:pPr>
-            <a:endParaRPr b="0" lang="en-US" sz="1800" spc="-1" strike="noStrike">
+            <a:endParaRPr lang="en-US" sz="1800" b="0" strike="noStrike" spc="-1">
               <a:latin typeface="Arial"/>
             </a:endParaRPr>
           </a:p>
@@ -3404,76 +3908,16 @@
               <a:buAutoNum type="arabicPeriod"/>
             </a:pPr>
             <a:r>
-              <a:rPr b="0" lang="en-US" sz="1800" spc="-1" strike="noStrike">
+              <a:rPr lang="en-US" sz="1800" b="0" strike="noStrike" spc="-1">
                 <a:solidFill>
                   <a:srgbClr val="000000"/>
                 </a:solidFill>
                 <a:latin typeface="맑은 고딕"/>
                 <a:ea typeface="DejaVu Sans"/>
               </a:rPr>
-              <a:t>clinet </a:t>
-            </a:r>
-            <a:r>
-              <a:rPr b="0" lang="en-US" sz="1800" spc="-1" strike="noStrike">
-                <a:solidFill>
-                  <a:srgbClr val="000000"/>
-                </a:solidFill>
-                <a:latin typeface="맑은 고딕"/>
-                <a:ea typeface="DejaVu Sans"/>
-              </a:rPr>
-              <a:t>가 </a:t>
-            </a:r>
-            <a:r>
-              <a:rPr b="0" lang="en-US" sz="1800" spc="-1" strike="noStrike">
-                <a:solidFill>
-                  <a:srgbClr val="000000"/>
-                </a:solidFill>
-                <a:latin typeface="맑은 고딕"/>
-                <a:ea typeface="DejaVu Sans"/>
-              </a:rPr>
-              <a:t>server url </a:t>
-            </a:r>
-            <a:r>
-              <a:rPr b="0" lang="en-US" sz="1800" spc="-1" strike="noStrike">
-                <a:solidFill>
-                  <a:srgbClr val="000000"/>
-                </a:solidFill>
-                <a:latin typeface="맑은 고딕"/>
-                <a:ea typeface="DejaVu Sans"/>
-              </a:rPr>
-              <a:t>에 접근해서 </a:t>
-            </a:r>
-            <a:r>
-              <a:rPr b="0" lang="en-US" sz="1800" spc="-1" strike="noStrike">
-                <a:solidFill>
-                  <a:srgbClr val="000000"/>
-                </a:solidFill>
-                <a:latin typeface="맑은 고딕"/>
-                <a:ea typeface="DejaVu Sans"/>
-              </a:rPr>
-              <a:t>status </a:t>
-            </a:r>
-            <a:r>
-              <a:rPr b="0" lang="en-US" sz="1800" spc="-1" strike="noStrike">
-                <a:solidFill>
-                  <a:srgbClr val="000000"/>
-                </a:solidFill>
-                <a:latin typeface="맑은 고딕"/>
-                <a:ea typeface="DejaVu Sans"/>
-              </a:rPr>
-              <a:t>버튼을 누른다</a:t>
-            </a:r>
-            <a:r>
-              <a:rPr b="0" lang="en-US" sz="1800" spc="-1" strike="noStrike">
-                <a:solidFill>
-                  <a:srgbClr val="000000"/>
-                </a:solidFill>
-                <a:latin typeface="맑은 고딕"/>
-                <a:ea typeface="DejaVu Sans"/>
-              </a:rPr>
-              <a:t>.</a:t>
-            </a:r>
-            <a:endParaRPr b="0" lang="en-US" sz="1800" spc="-1" strike="noStrike">
+              <a:t>clinet 가 server url 에 접근해서 status 버튼을 누른다.</a:t>
+            </a:r>
+            <a:endParaRPr lang="en-US" sz="1800" b="0" strike="noStrike" spc="-1">
               <a:latin typeface="Arial"/>
             </a:endParaRPr>
           </a:p>
@@ -3489,166 +3933,16 @@
               <a:buAutoNum type="arabicPeriod"/>
             </a:pPr>
             <a:r>
-              <a:rPr b="0" lang="en-US" sz="1800" spc="-1" strike="noStrike">
+              <a:rPr lang="en-US" sz="1800" b="0" strike="noStrike" spc="-1">
                 <a:solidFill>
                   <a:srgbClr val="000000"/>
                 </a:solidFill>
                 <a:latin typeface="맑은 고딕"/>
                 <a:ea typeface="DejaVu Sans"/>
               </a:rPr>
-              <a:t>버튼을 누르면</a:t>
-            </a:r>
-            <a:r>
-              <a:rPr b="0" lang="en-US" sz="1800" spc="-1" strike="noStrike">
-                <a:solidFill>
-                  <a:srgbClr val="000000"/>
-                </a:solidFill>
-                <a:latin typeface="맑은 고딕"/>
-                <a:ea typeface="DejaVu Sans"/>
-              </a:rPr>
-              <a:t>, server </a:t>
-            </a:r>
-            <a:r>
-              <a:rPr b="0" lang="en-US" sz="1800" spc="-1" strike="noStrike">
-                <a:solidFill>
-                  <a:srgbClr val="000000"/>
-                </a:solidFill>
-                <a:latin typeface="맑은 고딕"/>
-                <a:ea typeface="DejaVu Sans"/>
-              </a:rPr>
-              <a:t>가 </a:t>
-            </a:r>
-            <a:r>
-              <a:rPr b="0" lang="en-US" sz="1800" spc="-1" strike="noStrike">
-                <a:solidFill>
-                  <a:srgbClr val="000000"/>
-                </a:solidFill>
-                <a:latin typeface="맑은 고딕"/>
-                <a:ea typeface="DejaVu Sans"/>
-              </a:rPr>
-              <a:t>status request </a:t>
-            </a:r>
-            <a:r>
-              <a:rPr b="0" lang="en-US" sz="1800" spc="-1" strike="noStrike">
-                <a:solidFill>
-                  <a:srgbClr val="000000"/>
-                </a:solidFill>
-                <a:latin typeface="맑은 고딕"/>
-                <a:ea typeface="DejaVu Sans"/>
-              </a:rPr>
-              <a:t>를 받고</a:t>
-            </a:r>
-            <a:r>
-              <a:rPr b="0" lang="en-US" sz="1800" spc="-1" strike="noStrike">
-                <a:solidFill>
-                  <a:srgbClr val="000000"/>
-                </a:solidFill>
-                <a:latin typeface="맑은 고딕"/>
-                <a:ea typeface="DejaVu Sans"/>
-              </a:rPr>
-              <a:t>, </a:t>
-            </a:r>
-            <a:r>
-              <a:rPr b="0" lang="en-US" sz="1800" spc="-1" strike="noStrike">
-                <a:solidFill>
-                  <a:srgbClr val="000000"/>
-                </a:solidFill>
-                <a:latin typeface="맑은 고딕"/>
-                <a:ea typeface="DejaVu Sans"/>
-              </a:rPr>
-              <a:t>그 기기가 </a:t>
-            </a:r>
-            <a:r>
-              <a:rPr b="0" lang="en-US" sz="1800" spc="-1" strike="noStrike">
-                <a:solidFill>
-                  <a:srgbClr val="000000"/>
-                </a:solidFill>
-                <a:latin typeface="맑은 고딕"/>
-                <a:ea typeface="DejaVu Sans"/>
-              </a:rPr>
-              <a:t>DB </a:t>
-            </a:r>
-            <a:r>
-              <a:rPr b="0" lang="en-US" sz="1800" spc="-1" strike="noStrike">
-                <a:solidFill>
-                  <a:srgbClr val="000000"/>
-                </a:solidFill>
-                <a:latin typeface="맑은 고딕"/>
-                <a:ea typeface="DejaVu Sans"/>
-              </a:rPr>
-              <a:t>에 저장되어 있는지 보고 그 기기의 </a:t>
-            </a:r>
-            <a:r>
-              <a:rPr b="0" lang="en-US" sz="1800" spc="-1" strike="noStrike">
-                <a:solidFill>
-                  <a:srgbClr val="000000"/>
-                </a:solidFill>
-                <a:latin typeface="맑은 고딕"/>
-                <a:ea typeface="DejaVu Sans"/>
-              </a:rPr>
-              <a:t>terminal </a:t>
-            </a:r>
-            <a:r>
-              <a:rPr b="0" lang="en-US" sz="1800" spc="-1" strike="noStrike">
-                <a:solidFill>
-                  <a:srgbClr val="000000"/>
-                </a:solidFill>
-                <a:latin typeface="맑은 고딕"/>
-                <a:ea typeface="DejaVu Sans"/>
-              </a:rPr>
-              <a:t>로 부터 </a:t>
-            </a:r>
-            <a:r>
-              <a:rPr b="0" lang="en-US" sz="1800" spc="-1" strike="noStrike">
-                <a:solidFill>
-                  <a:srgbClr val="000000"/>
-                </a:solidFill>
-                <a:latin typeface="맑은 고딕"/>
-                <a:ea typeface="DejaVu Sans"/>
-              </a:rPr>
-              <a:t>docker ps –a </a:t>
-            </a:r>
-            <a:r>
-              <a:rPr b="0" lang="en-US" sz="1800" spc="-1" strike="noStrike">
-                <a:solidFill>
-                  <a:srgbClr val="000000"/>
-                </a:solidFill>
-                <a:latin typeface="맑은 고딕"/>
-                <a:ea typeface="DejaVu Sans"/>
-              </a:rPr>
-              <a:t>명령을 받아서 </a:t>
-            </a:r>
-            <a:r>
-              <a:rPr b="0" lang="en-US" sz="1800" spc="-1" strike="noStrike">
-                <a:solidFill>
-                  <a:srgbClr val="000000"/>
-                </a:solidFill>
-                <a:latin typeface="맑은 고딕"/>
-                <a:ea typeface="DejaVu Sans"/>
-              </a:rPr>
-              <a:t>response </a:t>
-            </a:r>
-            <a:r>
-              <a:rPr b="0" lang="en-US" sz="1800" spc="-1" strike="noStrike">
-                <a:solidFill>
-                  <a:srgbClr val="000000"/>
-                </a:solidFill>
-                <a:latin typeface="맑은 고딕"/>
-                <a:ea typeface="DejaVu Sans"/>
-              </a:rPr>
-              <a:t>로 보낸다</a:t>
-            </a:r>
-            <a:r>
-              <a:rPr b="0" lang="en-US" sz="1800" spc="-1" strike="noStrike">
-                <a:solidFill>
-                  <a:srgbClr val="000000"/>
-                </a:solidFill>
-                <a:latin typeface="맑은 고딕"/>
-                <a:ea typeface="DejaVu Sans"/>
-              </a:rPr>
-              <a:t>.</a:t>
-            </a:r>
-            <a:endParaRPr b="0" lang="en-US" sz="1800" spc="-1" strike="noStrike">
+              <a:t>버튼을 누르면, server 가 status request 를 받고, 그 기기가 DB 에 저장되어 있는지 보고 그 기기의 terminal 로 부터 docker ps –a 명령을 받아서 response 로 보낸다.</a:t>
+            </a:r>
+            <a:endParaRPr lang="en-US" sz="1800" b="0" strike="noStrike" spc="-1">
               <a:latin typeface="Arial"/>
             </a:endParaRPr>
           </a:p>
@@ -3664,7 +3958,7 @@
               <a:buAutoNum type="arabicPeriod"/>
             </a:pPr>
             <a:r>
-              <a:rPr b="0" lang="en-US" sz="1800" spc="-1" strike="noStrike">
+              <a:rPr lang="en-US" sz="1800" b="0" strike="noStrike" spc="-1">
                 <a:solidFill>
                   <a:srgbClr val="000000"/>
                 </a:solidFill>
@@ -3673,7 +3967,7 @@
               </a:rPr>
               <a:t>홈페이지에 출력</a:t>
             </a:r>
-            <a:endParaRPr b="0" lang="en-US" sz="1800" spc="-1" strike="noStrike">
+            <a:endParaRPr lang="en-US" sz="1800" b="0" strike="noStrike" spc="-1">
               <a:latin typeface="Arial"/>
             </a:endParaRPr>
           </a:p>
@@ -3683,7 +3977,7 @@
                 <a:spcPct val="100000"/>
               </a:lnSpc>
             </a:pPr>
-            <a:endParaRPr b="0" lang="en-US" sz="1800" spc="-1" strike="noStrike">
+            <a:endParaRPr lang="en-US" sz="1800" b="0" strike="noStrike" spc="-1">
               <a:latin typeface="Arial"/>
             </a:endParaRPr>
           </a:p>
@@ -3693,7 +3987,7 @@
                 <a:spcPct val="100000"/>
               </a:lnSpc>
             </a:pPr>
-            <a:endParaRPr b="0" lang="en-US" sz="1800" spc="-1" strike="noStrike">
+            <a:endParaRPr lang="en-US" sz="1800" b="0" strike="noStrike" spc="-1">
               <a:latin typeface="Arial"/>
             </a:endParaRPr>
           </a:p>
@@ -3703,7 +3997,7 @@
                 <a:spcPct val="100000"/>
               </a:lnSpc>
             </a:pPr>
-            <a:endParaRPr b="0" lang="en-US" sz="1800" spc="-1" strike="noStrike">
+            <a:endParaRPr lang="en-US" sz="1800" b="0" strike="noStrike" spc="-1">
               <a:latin typeface="Arial"/>
             </a:endParaRPr>
           </a:p>
@@ -3714,176 +4008,36 @@
               </a:lnSpc>
             </a:pPr>
             <a:r>
-              <a:rPr b="0" lang="en-US" sz="1800" spc="-1" strike="noStrike">
+              <a:rPr lang="en-US" sz="1800" b="0" strike="noStrike" spc="-1">
                 <a:solidFill>
                   <a:srgbClr val="000000"/>
                 </a:solidFill>
                 <a:latin typeface="맑은 고딕"/>
                 <a:ea typeface="DejaVu Sans"/>
               </a:rPr>
-              <a:t>-&gt; </a:t>
-            </a:r>
-            <a:r>
-              <a:rPr b="0" lang="en-US" sz="1800" spc="-1" strike="noStrike">
+              <a:t>-&gt; 각 node 들도 docker 조작을 할 수 있는 server 가 동작하면 될까?</a:t>
+            </a:r>
+            <a:endParaRPr lang="en-US" sz="1800" b="0" strike="noStrike" spc="-1">
+              <a:latin typeface="Arial"/>
+            </a:endParaRPr>
+          </a:p>
+          <a:p>
+            <a:pPr>
+              <a:lnSpc>
+                <a:spcPct val="100000"/>
+              </a:lnSpc>
+            </a:pPr>
+            <a:r>
+              <a:rPr lang="en-US" sz="1800" b="0" strike="noStrike" spc="-1">
                 <a:solidFill>
                   <a:srgbClr val="000000"/>
                 </a:solidFill>
                 <a:latin typeface="맑은 고딕"/>
                 <a:ea typeface="DejaVu Sans"/>
               </a:rPr>
-              <a:t>각 </a:t>
-            </a:r>
-            <a:r>
-              <a:rPr b="0" lang="en-US" sz="1800" spc="-1" strike="noStrike">
-                <a:solidFill>
-                  <a:srgbClr val="000000"/>
-                </a:solidFill>
-                <a:latin typeface="맑은 고딕"/>
-                <a:ea typeface="DejaVu Sans"/>
-              </a:rPr>
-              <a:t>node </a:t>
-            </a:r>
-            <a:r>
-              <a:rPr b="0" lang="en-US" sz="1800" spc="-1" strike="noStrike">
-                <a:solidFill>
-                  <a:srgbClr val="000000"/>
-                </a:solidFill>
-                <a:latin typeface="맑은 고딕"/>
-                <a:ea typeface="DejaVu Sans"/>
-              </a:rPr>
-              <a:t>들도 </a:t>
-            </a:r>
-            <a:r>
-              <a:rPr b="0" lang="en-US" sz="1800" spc="-1" strike="noStrike">
-                <a:solidFill>
-                  <a:srgbClr val="000000"/>
-                </a:solidFill>
-                <a:latin typeface="맑은 고딕"/>
-                <a:ea typeface="DejaVu Sans"/>
-              </a:rPr>
-              <a:t>docker </a:t>
-            </a:r>
-            <a:r>
-              <a:rPr b="0" lang="en-US" sz="1800" spc="-1" strike="noStrike">
-                <a:solidFill>
-                  <a:srgbClr val="000000"/>
-                </a:solidFill>
-                <a:latin typeface="맑은 고딕"/>
-                <a:ea typeface="DejaVu Sans"/>
-              </a:rPr>
-              <a:t>조작을 할 수 있는 </a:t>
-            </a:r>
-            <a:r>
-              <a:rPr b="0" lang="en-US" sz="1800" spc="-1" strike="noStrike">
-                <a:solidFill>
-                  <a:srgbClr val="000000"/>
-                </a:solidFill>
-                <a:latin typeface="맑은 고딕"/>
-                <a:ea typeface="DejaVu Sans"/>
-              </a:rPr>
-              <a:t>server </a:t>
-            </a:r>
-            <a:r>
-              <a:rPr b="0" lang="en-US" sz="1800" spc="-1" strike="noStrike">
-                <a:solidFill>
-                  <a:srgbClr val="000000"/>
-                </a:solidFill>
-                <a:latin typeface="맑은 고딕"/>
-                <a:ea typeface="DejaVu Sans"/>
-              </a:rPr>
-              <a:t>가 동작하면 될까</a:t>
-            </a:r>
-            <a:r>
-              <a:rPr b="0" lang="en-US" sz="1800" spc="-1" strike="noStrike">
-                <a:solidFill>
-                  <a:srgbClr val="000000"/>
-                </a:solidFill>
-                <a:latin typeface="맑은 고딕"/>
-                <a:ea typeface="DejaVu Sans"/>
-              </a:rPr>
-              <a:t>?</a:t>
-            </a:r>
-            <a:endParaRPr b="0" lang="en-US" sz="1800" spc="-1" strike="noStrike">
-              <a:latin typeface="Arial"/>
-            </a:endParaRPr>
-          </a:p>
-          <a:p>
-            <a:pPr>
-              <a:lnSpc>
-                <a:spcPct val="100000"/>
-              </a:lnSpc>
-            </a:pPr>
-            <a:r>
-              <a:rPr b="0" lang="en-US" sz="1800" spc="-1" strike="noStrike">
-                <a:solidFill>
-                  <a:srgbClr val="000000"/>
-                </a:solidFill>
-                <a:latin typeface="맑은 고딕"/>
-                <a:ea typeface="DejaVu Sans"/>
-              </a:rPr>
-              <a:t>-&gt; </a:t>
-            </a:r>
-            <a:r>
-              <a:rPr b="0" lang="en-US" sz="1800" spc="-1" strike="noStrike">
-                <a:solidFill>
-                  <a:srgbClr val="000000"/>
-                </a:solidFill>
-                <a:latin typeface="맑은 고딕"/>
-                <a:ea typeface="DejaVu Sans"/>
-              </a:rPr>
-              <a:t>기존 </a:t>
-            </a:r>
-            <a:r>
-              <a:rPr b="0" lang="en-US" sz="1800" spc="-1" strike="noStrike">
-                <a:solidFill>
-                  <a:srgbClr val="000000"/>
-                </a:solidFill>
-                <a:latin typeface="맑은 고딕"/>
-                <a:ea typeface="DejaVu Sans"/>
-              </a:rPr>
-              <a:t>docker </a:t>
-            </a:r>
-            <a:r>
-              <a:rPr b="0" lang="en-US" sz="1800" spc="-1" strike="noStrike">
-                <a:solidFill>
-                  <a:srgbClr val="000000"/>
-                </a:solidFill>
-                <a:latin typeface="맑은 고딕"/>
-                <a:ea typeface="DejaVu Sans"/>
-              </a:rPr>
-              <a:t>에서는 </a:t>
-            </a:r>
-            <a:r>
-              <a:rPr b="0" lang="en-US" sz="1800" spc="-1" strike="noStrike">
-                <a:solidFill>
-                  <a:srgbClr val="000000"/>
-                </a:solidFill>
-                <a:latin typeface="맑은 고딕"/>
-                <a:ea typeface="DejaVu Sans"/>
-              </a:rPr>
-              <a:t>url </a:t>
-            </a:r>
-            <a:r>
-              <a:rPr b="0" lang="en-US" sz="1800" spc="-1" strike="noStrike">
-                <a:solidFill>
-                  <a:srgbClr val="000000"/>
-                </a:solidFill>
-                <a:latin typeface="맑은 고딕"/>
-                <a:ea typeface="DejaVu Sans"/>
-              </a:rPr>
-              <a:t>로 이를 조작할 수 있는 방법은 없을까</a:t>
-            </a:r>
-            <a:r>
-              <a:rPr b="0" lang="en-US" sz="1800" spc="-1" strike="noStrike">
-                <a:solidFill>
-                  <a:srgbClr val="000000"/>
-                </a:solidFill>
-                <a:latin typeface="맑은 고딕"/>
-                <a:ea typeface="DejaVu Sans"/>
-              </a:rPr>
-              <a:t>?</a:t>
-            </a:r>
-            <a:endParaRPr b="0" lang="en-US" sz="1800" spc="-1" strike="noStrike">
+              <a:t>-&gt; 기존 docker 에서는 url 로 이를 조작할 수 있는 방법은 없을까?</a:t>
+            </a:r>
+            <a:endParaRPr lang="en-US" sz="1800" b="0" strike="noStrike" spc="-1">
               <a:latin typeface="Arial"/>
             </a:endParaRPr>
           </a:p>
@@ -3891,6 +4045,9 @@
       </p:sp>
     </p:spTree>
   </p:cSld>
+  <p:clrMapOvr>
+    <a:masterClrMapping/>
+  </p:clrMapOvr>
   <p:timing>
     <p:tnLst>
       <p:par>
@@ -3899,14 +4056,14 @@
             <p:seq>
               <p:cTn id="2" dur="indefinite" nodeType="mainSeq"/>
               <p:prevCondLst>
-                <p:cond delay="0" evt="onPrev">
+                <p:cond evt="onPrev" delay="0">
                   <p:tgtEl>
                     <p:sldTgt/>
                   </p:tgtEl>
                 </p:cond>
               </p:prevCondLst>
               <p:nextCondLst>
-                <p:cond delay="0" evt="onNext">
+                <p:cond evt="onNext" delay="0">
                   <p:tgtEl>
                     <p:sldTgt/>
                   </p:tgtEl>
@@ -3922,7 +4079,7 @@
 </file>
 
 <file path=ppt/slides/slide10.xml><?xml version="1.0" encoding="utf-8"?>
-<p:sld xmlns:a="http://schemas.openxmlformats.org/drawingml/2006/main" xmlns:p="http://schemas.openxmlformats.org/presentationml/2006/main" xmlns:r="http://schemas.openxmlformats.org/officeDocument/2006/relationships" xmlns:p14="http://schemas.microsoft.com/office/powerpoint/2010/main" xmlns:p15="http://schemas.microsoft.com/office/powerpoint/2012/main" xmlns:mc="http://schemas.openxmlformats.org/markup-compatibility/2006">
+<p:sld xmlns:a="http://schemas.openxmlformats.org/drawingml/2006/main" xmlns:r="http://schemas.openxmlformats.org/officeDocument/2006/relationships" xmlns:p="http://schemas.openxmlformats.org/presentationml/2006/main">
   <p:cSld>
     <p:spTree>
       <p:nvGrpSpPr>
@@ -3940,22 +4097,25 @@
       </p:grpSpPr>
     </p:spTree>
   </p:cSld>
+  <p:clrMapOvr>
+    <a:masterClrMapping/>
+  </p:clrMapOvr>
   <p:timing>
     <p:tnLst>
       <p:par>
-        <p:cTn id="19" dur="indefinite" restart="never" nodeType="tmRoot">
+        <p:cTn id="1" dur="indefinite" restart="never" nodeType="tmRoot">
           <p:childTnLst>
             <p:seq>
-              <p:cTn id="20" dur="indefinite" nodeType="mainSeq"/>
+              <p:cTn id="2" dur="indefinite" nodeType="mainSeq"/>
               <p:prevCondLst>
-                <p:cond delay="0" evt="onPrev">
+                <p:cond evt="onPrev" delay="0">
                   <p:tgtEl>
                     <p:sldTgt/>
                   </p:tgtEl>
                 </p:cond>
               </p:prevCondLst>
               <p:nextCondLst>
-                <p:cond delay="0" evt="onNext">
+                <p:cond evt="onNext" delay="0">
                   <p:tgtEl>
                     <p:sldTgt/>
                   </p:tgtEl>
@@ -3971,7 +4131,7 @@
 </file>
 
 <file path=ppt/slides/slide2.xml><?xml version="1.0" encoding="utf-8"?>
-<p:sld xmlns:a="http://schemas.openxmlformats.org/drawingml/2006/main" xmlns:p="http://schemas.openxmlformats.org/presentationml/2006/main" xmlns:r="http://schemas.openxmlformats.org/officeDocument/2006/relationships" xmlns:p14="http://schemas.microsoft.com/office/powerpoint/2010/main" xmlns:p15="http://schemas.microsoft.com/office/powerpoint/2012/main" xmlns:mc="http://schemas.openxmlformats.org/markup-compatibility/2006">
+<p:sld xmlns:a="http://schemas.openxmlformats.org/drawingml/2006/main" xmlns:r="http://schemas.openxmlformats.org/officeDocument/2006/relationships" xmlns:p="http://schemas.openxmlformats.org/presentationml/2006/main">
   <p:cSld>
     <p:spTree>
       <p:nvGrpSpPr>
@@ -4007,13 +4167,20 @@
           </a:ln>
         </p:spPr>
         <p:style>
-          <a:lnRef idx="0"/>
-          <a:fillRef idx="0"/>
-          <a:effectRef idx="0"/>
+          <a:lnRef idx="0">
+            <a:scrgbClr r="0" g="0" b="0"/>
+          </a:lnRef>
+          <a:fillRef idx="0">
+            <a:scrgbClr r="0" g="0" b="0"/>
+          </a:fillRef>
+          <a:effectRef idx="0">
+            <a:scrgbClr r="0" g="0" b="0"/>
+          </a:effectRef>
           <a:fontRef idx="minor"/>
         </p:style>
         <p:txBody>
-          <a:bodyPr wrap="none" lIns="90000" rIns="90000" tIns="45000" bIns="45000"/>
+          <a:bodyPr wrap="none" lIns="90000" tIns="45000" rIns="90000" bIns="45000"/>
+          <a:lstStyle/>
           <a:p>
             <a:pPr marL="285840" indent="-285120">
               <a:lnSpc>
@@ -4026,58 +4193,75 @@
               <a:buChar char="•"/>
             </a:pPr>
             <a:r>
-              <a:rPr b="0" lang="en-US" sz="1800" spc="-1" strike="noStrike">
+              <a:rPr lang="en-US" sz="1800" b="0" strike="noStrike" spc="-1">
                 <a:solidFill>
                   <a:srgbClr val="000000"/>
                 </a:solidFill>
                 <a:latin typeface="맑은 고딕"/>
                 <a:ea typeface="DejaVu Sans"/>
               </a:rPr>
-              <a:t>Terminal </a:t>
-            </a:r>
-            <a:r>
-              <a:rPr b="0" lang="en-US" sz="1800" spc="-1" strike="noStrike">
+              <a:t>Terminal 접근 </a:t>
+            </a:r>
+            <a:endParaRPr lang="en-US" sz="1800" b="0" strike="noStrike" spc="-1">
+              <a:latin typeface="Arial"/>
+            </a:endParaRPr>
+          </a:p>
+        </p:txBody>
+      </p:sp>
+      <p:sp>
+        <p:nvSpPr>
+          <p:cNvPr id="47" name="CustomShape 2"/>
+          <p:cNvSpPr/>
+          <p:nvPr/>
+        </p:nvSpPr>
+        <p:spPr>
+          <a:xfrm>
+            <a:off x="1230480" y="1219320"/>
+            <a:ext cx="7551720" cy="969480"/>
+          </a:xfrm>
+          <a:prstGeom prst="rect">
+            <a:avLst/>
+          </a:prstGeom>
+          <a:noFill/>
+          <a:ln>
+            <a:noFill/>
+          </a:ln>
+        </p:spPr>
+        <p:style>
+          <a:lnRef idx="0">
+            <a:scrgbClr r="0" g="0" b="0"/>
+          </a:lnRef>
+          <a:fillRef idx="0">
+            <a:scrgbClr r="0" g="0" b="0"/>
+          </a:fillRef>
+          <a:effectRef idx="0">
+            <a:scrgbClr r="0" g="0" b="0"/>
+          </a:effectRef>
+          <a:fontRef idx="minor"/>
+        </p:style>
+        <p:txBody>
+          <a:bodyPr lIns="90000" tIns="45000" rIns="90000" bIns="45000"/>
+          <a:lstStyle/>
+          <a:p>
+            <a:pPr>
+              <a:lnSpc>
+                <a:spcPct val="100000"/>
+              </a:lnSpc>
+            </a:pPr>
+            <a:r>
+              <a:rPr lang="en-US" sz="1800" b="0" strike="noStrike" spc="-1">
                 <a:solidFill>
                   <a:srgbClr val="000000"/>
                 </a:solidFill>
                 <a:latin typeface="맑은 고딕"/>
                 <a:ea typeface="DejaVu Sans"/>
               </a:rPr>
-              <a:t>접근 </a:t>
-            </a:r>
-            <a:endParaRPr b="0" lang="en-US" sz="1800" spc="-1" strike="noStrike">
-              <a:latin typeface="Arial"/>
-            </a:endParaRPr>
-          </a:p>
-        </p:txBody>
-      </p:sp>
-      <p:sp>
-        <p:nvSpPr>
-          <p:cNvPr id="47" name="CustomShape 2"/>
-          <p:cNvSpPr/>
-          <p:nvPr/>
-        </p:nvSpPr>
-        <p:spPr>
-          <a:xfrm>
-            <a:off x="1230480" y="1219320"/>
-            <a:ext cx="7551720" cy="969480"/>
-          </a:xfrm>
-          <a:prstGeom prst="rect">
-            <a:avLst/>
-          </a:prstGeom>
-          <a:noFill/>
-          <a:ln>
-            <a:noFill/>
-          </a:ln>
-        </p:spPr>
-        <p:style>
-          <a:lnRef idx="0"/>
-          <a:fillRef idx="0"/>
-          <a:effectRef idx="0"/>
-          <a:fontRef idx="minor"/>
-        </p:style>
-        <p:txBody>
-          <a:bodyPr lIns="90000" rIns="90000" tIns="45000" bIns="45000"/>
+              <a:t>일단, 서로의 Ip 접근이 가능한 상태에서</a:t>
+            </a:r>
+            <a:endParaRPr lang="en-US" sz="1800" b="0" strike="noStrike" spc="-1">
+              <a:latin typeface="Arial"/>
+            </a:endParaRPr>
+          </a:p>
           <a:p>
             <a:pPr>
               <a:lnSpc>
@@ -4085,56 +4269,16 @@
               </a:lnSpc>
             </a:pPr>
             <a:r>
-              <a:rPr b="0" lang="en-US" sz="1800" spc="-1" strike="noStrike">
+              <a:rPr lang="en-US" sz="1800" b="0" strike="noStrike" spc="-1">
                 <a:solidFill>
                   <a:srgbClr val="000000"/>
                 </a:solidFill>
                 <a:latin typeface="맑은 고딕"/>
                 <a:ea typeface="DejaVu Sans"/>
               </a:rPr>
-              <a:t>일단</a:t>
-            </a:r>
-            <a:r>
-              <a:rPr b="0" lang="en-US" sz="1800" spc="-1" strike="noStrike">
-                <a:solidFill>
-                  <a:srgbClr val="000000"/>
-                </a:solidFill>
-                <a:latin typeface="맑은 고딕"/>
-                <a:ea typeface="DejaVu Sans"/>
-              </a:rPr>
-              <a:t>, </a:t>
-            </a:r>
-            <a:r>
-              <a:rPr b="0" lang="en-US" sz="1800" spc="-1" strike="noStrike">
-                <a:solidFill>
-                  <a:srgbClr val="000000"/>
-                </a:solidFill>
-                <a:latin typeface="맑은 고딕"/>
-                <a:ea typeface="DejaVu Sans"/>
-              </a:rPr>
-              <a:t>서로의 </a:t>
-            </a:r>
-            <a:r>
-              <a:rPr b="0" lang="en-US" sz="1800" spc="-1" strike="noStrike">
-                <a:solidFill>
-                  <a:srgbClr val="000000"/>
-                </a:solidFill>
-                <a:latin typeface="맑은 고딕"/>
-                <a:ea typeface="DejaVu Sans"/>
-              </a:rPr>
-              <a:t>Ip </a:t>
-            </a:r>
-            <a:r>
-              <a:rPr b="0" lang="en-US" sz="1800" spc="-1" strike="noStrike">
-                <a:solidFill>
-                  <a:srgbClr val="000000"/>
-                </a:solidFill>
-                <a:latin typeface="맑은 고딕"/>
-                <a:ea typeface="DejaVu Sans"/>
-              </a:rPr>
-              <a:t>접근이 가능한 상태에서</a:t>
-            </a:r>
-            <a:endParaRPr b="0" lang="en-US" sz="1800" spc="-1" strike="noStrike">
+              <a:t>Docker daemon 을 tcp 소켓? 으로 통신하는 방법으로 적용</a:t>
+            </a:r>
+            <a:endParaRPr lang="en-US" sz="1800" b="0" strike="noStrike" spc="-1">
               <a:latin typeface="Arial"/>
             </a:endParaRPr>
           </a:p>
@@ -4145,88 +4289,18 @@
               </a:lnSpc>
             </a:pPr>
             <a:r>
-              <a:rPr b="0" lang="en-US" sz="1800" spc="-1" strike="noStrike">
+              <a:rPr lang="en-US" sz="1800" b="0" u="sng" strike="noStrike" spc="-1">
                 <a:solidFill>
-                  <a:srgbClr val="000000"/>
-                </a:solidFill>
-                <a:latin typeface="맑은 고딕"/>
-                <a:ea typeface="DejaVu Sans"/>
-              </a:rPr>
-              <a:t>Docker daemon </a:t>
-            </a:r>
-            <a:r>
-              <a:rPr b="0" lang="en-US" sz="1800" spc="-1" strike="noStrike">
-                <a:solidFill>
-                  <a:srgbClr val="000000"/>
-                </a:solidFill>
-                <a:latin typeface="맑은 고딕"/>
-                <a:ea typeface="DejaVu Sans"/>
-              </a:rPr>
-              <a:t>을 </a:t>
-            </a:r>
-            <a:r>
-              <a:rPr b="0" lang="en-US" sz="1800" spc="-1" strike="noStrike">
-                <a:solidFill>
-                  <a:srgbClr val="000000"/>
-                </a:solidFill>
-                <a:latin typeface="맑은 고딕"/>
-                <a:ea typeface="DejaVu Sans"/>
-              </a:rPr>
-              <a:t>tcp </a:t>
-            </a:r>
-            <a:r>
-              <a:rPr b="0" lang="en-US" sz="1800" spc="-1" strike="noStrike">
-                <a:solidFill>
-                  <a:srgbClr val="000000"/>
-                </a:solidFill>
-                <a:latin typeface="맑은 고딕"/>
-                <a:ea typeface="DejaVu Sans"/>
-              </a:rPr>
-              <a:t>소켓</a:t>
-            </a:r>
-            <a:r>
-              <a:rPr b="0" lang="en-US" sz="1800" spc="-1" strike="noStrike">
-                <a:solidFill>
-                  <a:srgbClr val="000000"/>
-                </a:solidFill>
-                <a:latin typeface="맑은 고딕"/>
-                <a:ea typeface="DejaVu Sans"/>
-              </a:rPr>
-              <a:t>? </a:t>
-            </a:r>
-            <a:r>
-              <a:rPr b="0" lang="en-US" sz="1800" spc="-1" strike="noStrike">
-                <a:solidFill>
-                  <a:srgbClr val="000000"/>
-                </a:solidFill>
-                <a:latin typeface="맑은 고딕"/>
-                <a:ea typeface="DejaVu Sans"/>
-              </a:rPr>
-              <a:t>으로 통신하는 방법으로 적용</a:t>
-            </a:r>
-            <a:endParaRPr b="0" lang="en-US" sz="1800" spc="-1" strike="noStrike">
-              <a:latin typeface="Arial"/>
-            </a:endParaRPr>
-          </a:p>
-          <a:p>
-            <a:pPr>
-              <a:lnSpc>
-                <a:spcPct val="100000"/>
-              </a:lnSpc>
-            </a:pPr>
-            <a:r>
-              <a:rPr b="0" lang="en-US" sz="1800" spc="-1" strike="noStrike" u="sng">
-                <a:solidFill>
-                  <a:srgbClr val="0563c1"/>
+                  <a:srgbClr val="0563C1"/>
                 </a:solidFill>
                 <a:uFillTx/>
                 <a:latin typeface="맑은 고딕"/>
                 <a:ea typeface="DejaVu Sans"/>
-                <a:hlinkClick r:id="rId1"/>
+                <a:hlinkClick r:id="rId3"/>
               </a:rPr>
               <a:t>https://systory.tistory.com/entry/%EC%99%B8%EB%B6%80-%ED%81%B4%EB%9D%BC%EC%9D%B4%EC%96%B8%ED%8A%B8%EC%97%90%EC%84%9C-%EB%8F%84%EC%BB%A4-%EB%8D%B0%EB%AA%AC-%EC%A0%91%EC%86%8D%ED%95%98%EA%B8%B0</a:t>
             </a:r>
-            <a:endParaRPr b="0" lang="en-US" sz="1800" spc="-1" strike="noStrike">
+            <a:endParaRPr lang="en-US" sz="1800" b="0" strike="noStrike" spc="-1">
               <a:latin typeface="Arial"/>
             </a:endParaRPr>
           </a:p>
@@ -4234,22 +4308,25 @@
       </p:sp>
     </p:spTree>
   </p:cSld>
+  <p:clrMapOvr>
+    <a:masterClrMapping/>
+  </p:clrMapOvr>
   <p:timing>
     <p:tnLst>
       <p:par>
-        <p:cTn id="3" dur="indefinite" restart="never" nodeType="tmRoot">
+        <p:cTn id="1" dur="indefinite" restart="never" nodeType="tmRoot">
           <p:childTnLst>
             <p:seq>
-              <p:cTn id="4" dur="indefinite" nodeType="mainSeq"/>
+              <p:cTn id="2" dur="indefinite" nodeType="mainSeq"/>
               <p:prevCondLst>
-                <p:cond delay="0" evt="onPrev">
+                <p:cond evt="onPrev" delay="0">
                   <p:tgtEl>
                     <p:sldTgt/>
                   </p:tgtEl>
                 </p:cond>
               </p:prevCondLst>
               <p:nextCondLst>
-                <p:cond delay="0" evt="onNext">
+                <p:cond evt="onNext" delay="0">
                   <p:tgtEl>
                     <p:sldTgt/>
                   </p:tgtEl>
@@ -4265,7 +4342,7 @@
 </file>
 
 <file path=ppt/slides/slide3.xml><?xml version="1.0" encoding="utf-8"?>
-<p:sld xmlns:a="http://schemas.openxmlformats.org/drawingml/2006/main" xmlns:p="http://schemas.openxmlformats.org/presentationml/2006/main" xmlns:r="http://schemas.openxmlformats.org/officeDocument/2006/relationships" xmlns:p14="http://schemas.microsoft.com/office/powerpoint/2010/main" xmlns:p15="http://schemas.microsoft.com/office/powerpoint/2012/main" xmlns:mc="http://schemas.openxmlformats.org/markup-compatibility/2006">
+<p:sld xmlns:a="http://schemas.openxmlformats.org/drawingml/2006/main" xmlns:r="http://schemas.openxmlformats.org/officeDocument/2006/relationships" xmlns:p="http://schemas.openxmlformats.org/presentationml/2006/main">
   <p:cSld>
     <p:spTree>
       <p:nvGrpSpPr>
@@ -4345,7 +4422,8 @@
           <a:fontRef idx="minor"/>
         </p:style>
         <p:txBody>
-          <a:bodyPr lIns="90000" rIns="90000" tIns="45000" bIns="45000" anchor="ctr"/>
+          <a:bodyPr lIns="90000" tIns="45000" rIns="90000" bIns="45000" anchor="ctr"/>
+          <a:lstStyle/>
           <a:p>
             <a:pPr algn="ctr">
               <a:lnSpc>
@@ -4353,16 +4431,16 @@
               </a:lnSpc>
             </a:pPr>
             <a:r>
-              <a:rPr b="0" lang="en-US" sz="1800" spc="-1" strike="noStrike">
+              <a:rPr lang="en-US" sz="1800" b="0" strike="noStrike" spc="-1">
                 <a:solidFill>
-                  <a:srgbClr val="ffffff"/>
+                  <a:srgbClr val="FFFFFF"/>
                 </a:solidFill>
                 <a:latin typeface="맑은 고딕"/>
                 <a:ea typeface="DejaVu Sans"/>
               </a:rPr>
               <a:t>REGISTER</a:t>
             </a:r>
-            <a:endParaRPr b="0" lang="en-US" sz="1800" spc="-1" strike="noStrike">
+            <a:endParaRPr lang="en-US" sz="1800" b="0" strike="noStrike" spc="-1">
               <a:latin typeface="Arial"/>
             </a:endParaRPr>
           </a:p>
@@ -4401,7 +4479,8 @@
           <a:fontRef idx="minor"/>
         </p:style>
         <p:txBody>
-          <a:bodyPr lIns="90000" rIns="90000" tIns="45000" bIns="45000" anchor="ctr"/>
+          <a:bodyPr lIns="90000" tIns="45000" rIns="90000" bIns="45000" anchor="ctr"/>
+          <a:lstStyle/>
           <a:p>
             <a:pPr algn="ctr">
               <a:lnSpc>
@@ -4409,16 +4488,16 @@
               </a:lnSpc>
             </a:pPr>
             <a:r>
-              <a:rPr b="0" lang="en-US" sz="1800" spc="-1" strike="noStrike">
+              <a:rPr lang="en-US" sz="1800" b="0" strike="noStrike" spc="-1">
                 <a:solidFill>
-                  <a:srgbClr val="ffffff"/>
+                  <a:srgbClr val="FFFFFF"/>
                 </a:solidFill>
                 <a:latin typeface="맑은 고딕"/>
                 <a:ea typeface="DejaVu Sans"/>
               </a:rPr>
               <a:t>STATUS</a:t>
             </a:r>
-            <a:endParaRPr b="0" lang="en-US" sz="1800" spc="-1" strike="noStrike">
+            <a:endParaRPr lang="en-US" sz="1800" b="0" strike="noStrike" spc="-1">
               <a:latin typeface="Arial"/>
             </a:endParaRPr>
           </a:p>
@@ -4455,7 +4534,8 @@
           <a:fontRef idx="minor"/>
         </p:style>
         <p:txBody>
-          <a:bodyPr lIns="90000" rIns="90000" tIns="45000" bIns="45000" anchor="ctr"/>
+          <a:bodyPr lIns="90000" tIns="45000" rIns="90000" bIns="45000" anchor="ctr"/>
+          <a:lstStyle/>
           <a:p>
             <a:pPr algn="ctr">
               <a:lnSpc>
@@ -4463,7 +4543,7 @@
               </a:lnSpc>
             </a:pPr>
             <a:r>
-              <a:rPr b="0" lang="en-US" sz="1800" spc="-1" strike="noStrike">
+              <a:rPr lang="en-US" sz="1800" b="0" strike="noStrike" spc="-1">
                 <a:solidFill>
                   <a:srgbClr val="000000"/>
                 </a:solidFill>
@@ -4472,7 +4552,7 @@
               </a:rPr>
               <a:t>LIST</a:t>
             </a:r>
-            <a:endParaRPr b="0" lang="en-US" sz="1800" spc="-1" strike="noStrike">
+            <a:endParaRPr lang="en-US" sz="1800" b="0" strike="noStrike" spc="-1">
               <a:latin typeface="Arial"/>
             </a:endParaRPr>
           </a:p>
@@ -4482,7 +4562,7 @@
                 <a:spcPct val="100000"/>
               </a:lnSpc>
             </a:pPr>
-            <a:endParaRPr b="0" lang="en-US" sz="1800" spc="-1" strike="noStrike">
+            <a:endParaRPr lang="en-US" sz="1800" b="0" strike="noStrike" spc="-1">
               <a:latin typeface="Arial"/>
             </a:endParaRPr>
           </a:p>
@@ -4498,7 +4578,7 @@
               <a:buAutoNum type="arabicPeriod"/>
             </a:pPr>
             <a:r>
-              <a:rPr b="0" lang="en-US" sz="1800" spc="-1" strike="noStrike">
+              <a:rPr lang="en-US" sz="1800" b="0" strike="noStrike" spc="-1">
                 <a:solidFill>
                   <a:srgbClr val="000000"/>
                 </a:solidFill>
@@ -4507,7 +4587,7 @@
               </a:rPr>
               <a:t>Node 1</a:t>
             </a:r>
-            <a:endParaRPr b="0" lang="en-US" sz="1800" spc="-1" strike="noStrike">
+            <a:endParaRPr lang="en-US" sz="1800" b="0" strike="noStrike" spc="-1">
               <a:latin typeface="Arial"/>
             </a:endParaRPr>
           </a:p>
@@ -4523,7 +4603,7 @@
               <a:buAutoNum type="arabicPeriod"/>
             </a:pPr>
             <a:r>
-              <a:rPr b="0" lang="en-US" sz="1800" spc="-1" strike="noStrike">
+              <a:rPr lang="en-US" sz="1800" b="0" strike="noStrike" spc="-1">
                 <a:solidFill>
                   <a:srgbClr val="000000"/>
                 </a:solidFill>
@@ -4532,7 +4612,7 @@
               </a:rPr>
               <a:t>Node 2</a:t>
             </a:r>
-            <a:endParaRPr b="0" lang="en-US" sz="1800" spc="-1" strike="noStrike">
+            <a:endParaRPr lang="en-US" sz="1800" b="0" strike="noStrike" spc="-1">
               <a:latin typeface="Arial"/>
             </a:endParaRPr>
           </a:p>
@@ -4548,7 +4628,7 @@
               <a:buAutoNum type="arabicPeriod"/>
             </a:pPr>
             <a:r>
-              <a:rPr b="0" lang="en-US" sz="1800" spc="-1" strike="noStrike">
+              <a:rPr lang="en-US" sz="1800" b="0" strike="noStrike" spc="-1">
                 <a:solidFill>
                   <a:srgbClr val="000000"/>
                 </a:solidFill>
@@ -4557,7 +4637,7 @@
               </a:rPr>
               <a:t>Node 3</a:t>
             </a:r>
-            <a:endParaRPr b="0" lang="en-US" sz="1800" spc="-1" strike="noStrike">
+            <a:endParaRPr lang="en-US" sz="1800" b="0" strike="noStrike" spc="-1">
               <a:latin typeface="Arial"/>
             </a:endParaRPr>
           </a:p>
@@ -4573,7 +4653,7 @@
               <a:buAutoNum type="arabicPeriod"/>
             </a:pPr>
             <a:r>
-              <a:rPr b="0" lang="en-US" sz="1800" spc="-1" strike="noStrike">
+              <a:rPr lang="en-US" sz="1800" b="0" strike="noStrike" spc="-1">
                 <a:solidFill>
                   <a:srgbClr val="000000"/>
                 </a:solidFill>
@@ -4582,7 +4662,7 @@
               </a:rPr>
               <a:t>.</a:t>
             </a:r>
-            <a:endParaRPr b="0" lang="en-US" sz="1800" spc="-1" strike="noStrike">
+            <a:endParaRPr lang="en-US" sz="1800" b="0" strike="noStrike" spc="-1">
               <a:latin typeface="Arial"/>
             </a:endParaRPr>
           </a:p>
@@ -4598,7 +4678,7 @@
               <a:buAutoNum type="arabicPeriod"/>
             </a:pPr>
             <a:r>
-              <a:rPr b="0" lang="en-US" sz="1800" spc="-1" strike="noStrike">
+              <a:rPr lang="en-US" sz="1800" b="0" strike="noStrike" spc="-1">
                 <a:solidFill>
                   <a:srgbClr val="000000"/>
                 </a:solidFill>
@@ -4607,7 +4687,7 @@
               </a:rPr>
               <a:t>.</a:t>
             </a:r>
-            <a:endParaRPr b="0" lang="en-US" sz="1800" spc="-1" strike="noStrike">
+            <a:endParaRPr lang="en-US" sz="1800" b="0" strike="noStrike" spc="-1">
               <a:latin typeface="Arial"/>
             </a:endParaRPr>
           </a:p>
@@ -4623,7 +4703,7 @@
               <a:buAutoNum type="arabicPeriod"/>
             </a:pPr>
             <a:r>
-              <a:rPr b="0" lang="en-US" sz="1800" spc="-1" strike="noStrike">
+              <a:rPr lang="en-US" sz="1800" b="0" strike="noStrike" spc="-1">
                 <a:solidFill>
                   <a:srgbClr val="000000"/>
                 </a:solidFill>
@@ -4632,7 +4712,7 @@
               </a:rPr>
               <a:t>.</a:t>
             </a:r>
-            <a:endParaRPr b="0" lang="en-US" sz="1800" spc="-1" strike="noStrike">
+            <a:endParaRPr lang="en-US" sz="1800" b="0" strike="noStrike" spc="-1">
               <a:latin typeface="Arial"/>
             </a:endParaRPr>
           </a:p>
@@ -4642,7 +4722,7 @@
                 <a:spcPct val="100000"/>
               </a:lnSpc>
             </a:pPr>
-            <a:endParaRPr b="0" lang="en-US" sz="1800" spc="-1" strike="noStrike">
+            <a:endParaRPr lang="en-US" sz="1800" b="0" strike="noStrike" spc="-1">
               <a:latin typeface="Arial"/>
             </a:endParaRPr>
           </a:p>
@@ -4650,22 +4730,25 @@
       </p:sp>
     </p:spTree>
   </p:cSld>
+  <p:clrMapOvr>
+    <a:masterClrMapping/>
+  </p:clrMapOvr>
   <p:timing>
     <p:tnLst>
       <p:par>
-        <p:cTn id="5" dur="indefinite" restart="never" nodeType="tmRoot">
+        <p:cTn id="1" dur="indefinite" restart="never" nodeType="tmRoot">
           <p:childTnLst>
             <p:seq>
-              <p:cTn id="6" dur="indefinite" nodeType="mainSeq"/>
+              <p:cTn id="2" dur="indefinite" nodeType="mainSeq"/>
               <p:prevCondLst>
-                <p:cond delay="0" evt="onPrev">
+                <p:cond evt="onPrev" delay="0">
                   <p:tgtEl>
                     <p:sldTgt/>
                   </p:tgtEl>
                 </p:cond>
               </p:prevCondLst>
               <p:nextCondLst>
-                <p:cond delay="0" evt="onNext">
+                <p:cond evt="onNext" delay="0">
                   <p:tgtEl>
                     <p:sldTgt/>
                   </p:tgtEl>
@@ -4681,7 +4764,7 @@
 </file>
 
 <file path=ppt/slides/slide4.xml><?xml version="1.0" encoding="utf-8"?>
-<p:sld xmlns:a="http://schemas.openxmlformats.org/drawingml/2006/main" xmlns:p="http://schemas.openxmlformats.org/presentationml/2006/main" xmlns:r="http://schemas.openxmlformats.org/officeDocument/2006/relationships" xmlns:p14="http://schemas.microsoft.com/office/powerpoint/2010/main" xmlns:p15="http://schemas.microsoft.com/office/powerpoint/2012/main" xmlns:mc="http://schemas.openxmlformats.org/markup-compatibility/2006">
+<p:sld xmlns:a="http://schemas.openxmlformats.org/drawingml/2006/main" xmlns:r="http://schemas.openxmlformats.org/officeDocument/2006/relationships" xmlns:p="http://schemas.openxmlformats.org/presentationml/2006/main">
   <p:cSld>
     <p:spTree>
       <p:nvGrpSpPr>
@@ -4717,13 +4800,20 @@
           </a:ln>
         </p:spPr>
         <p:style>
-          <a:lnRef idx="0"/>
-          <a:fillRef idx="0"/>
-          <a:effectRef idx="0"/>
+          <a:lnRef idx="0">
+            <a:scrgbClr r="0" g="0" b="0"/>
+          </a:lnRef>
+          <a:fillRef idx="0">
+            <a:scrgbClr r="0" g="0" b="0"/>
+          </a:fillRef>
+          <a:effectRef idx="0">
+            <a:scrgbClr r="0" g="0" b="0"/>
+          </a:effectRef>
           <a:fontRef idx="minor"/>
         </p:style>
         <p:txBody>
-          <a:bodyPr lIns="90000" rIns="90000" tIns="45000" bIns="45000"/>
+          <a:bodyPr lIns="90000" tIns="45000" rIns="90000" bIns="45000"/>
+          <a:lstStyle/>
           <a:p>
             <a:pPr>
               <a:lnSpc>
@@ -4731,44 +4821,11 @@
               </a:lnSpc>
             </a:pPr>
             <a:r>
-              <a:rPr b="0" lang="en-US" sz="1800" spc="-1" strike="noStrike">
+              <a:rPr lang="en-US" sz="1800" b="0" strike="noStrike" spc="-1">
                 <a:latin typeface="Arial"/>
               </a:rPr>
-              <a:t>Publish </a:t>
-            </a:r>
-            <a:r>
-              <a:rPr b="0" lang="en-US" sz="1800" spc="-1" strike="noStrike">
-                <a:latin typeface="Arial"/>
-              </a:rPr>
-              <a:t>를 누르면</a:t>
-            </a:r>
-            <a:r>
-              <a:rPr b="0" lang="en-US" sz="1800" spc="-1" strike="noStrike">
-                <a:latin typeface="Arial"/>
-              </a:rPr>
-              <a:t>, </a:t>
-            </a:r>
-            <a:r>
-              <a:rPr b="0" lang="en-US" sz="1800" spc="-1" strike="noStrike">
-                <a:latin typeface="Arial"/>
-              </a:rPr>
-              <a:t>그 기기 디비에 정보 저장</a:t>
-            </a:r>
-            <a:r>
-              <a:rPr b="0" lang="en-US" sz="1800" spc="-1" strike="noStrike">
-                <a:latin typeface="Arial"/>
-              </a:rPr>
-              <a:t>, </a:t>
-            </a:r>
-            <a:r>
-              <a:rPr b="0" lang="en-US" sz="1800" spc="-1" strike="noStrike">
-                <a:latin typeface="Arial"/>
-              </a:rPr>
-              <a:t>화면에 출력</a:t>
-            </a:r>
-            <a:endParaRPr b="0" lang="en-US" sz="1800" spc="-1" strike="noStrike">
-              <a:latin typeface="Arial"/>
-            </a:endParaRPr>
+              <a:t>Publish 를 누르면, 그 기기 디비에 정보 저장, 화면에 출력</a:t>
+            </a:r>
           </a:p>
           <a:p>
             <a:pPr>
@@ -4776,7 +4833,7 @@
                 <a:spcPct val="100000"/>
               </a:lnSpc>
             </a:pPr>
-            <a:endParaRPr b="0" lang="en-US" sz="1800" spc="-1" strike="noStrike">
+            <a:endParaRPr lang="en-US" sz="1800" b="0" strike="noStrike" spc="-1">
               <a:latin typeface="Arial"/>
             </a:endParaRPr>
           </a:p>
@@ -4787,89 +4844,35 @@
               </a:lnSpc>
             </a:pPr>
             <a:r>
-              <a:rPr b="0" lang="en-US" sz="1800" spc="-1" strike="noStrike">
+              <a:rPr lang="en-US" sz="1800" b="0" strike="noStrike" spc="-1">
                 <a:latin typeface="Arial"/>
               </a:rPr>
-              <a:t>사용자는 </a:t>
-            </a:r>
-            <a:r>
-              <a:rPr b="0" lang="en-US" sz="1800" spc="-1" strike="noStrike">
-                <a:latin typeface="Arial"/>
-              </a:rPr>
-              <a:t>list </a:t>
-            </a:r>
-            <a:r>
-              <a:rPr b="0" lang="en-US" sz="1800" spc="-1" strike="noStrike">
-                <a:latin typeface="Arial"/>
-              </a:rPr>
-              <a:t>에서 원하는 거 누르고 </a:t>
-            </a:r>
-            <a:r>
-              <a:rPr b="0" lang="en-US" sz="1800" spc="-1" strike="noStrike">
-                <a:latin typeface="Arial"/>
-              </a:rPr>
-              <a:t>(</a:t>
-            </a:r>
-            <a:r>
-              <a:rPr b="0" lang="en-US" sz="1800" spc="-1" strike="noStrike">
-                <a:latin typeface="Arial"/>
-              </a:rPr>
-              <a:t>토픽은 주소</a:t>
-            </a:r>
-            <a:r>
-              <a:rPr b="0" lang="en-US" sz="1800" spc="-1" strike="noStrike">
-                <a:latin typeface="Arial"/>
-              </a:rPr>
-              <a:t>, </a:t>
-            </a:r>
-            <a:r>
-              <a:rPr b="0" lang="en-US" sz="1800" spc="-1" strike="noStrike">
-                <a:latin typeface="Arial"/>
-              </a:rPr>
-              <a:t>메세지는 명령어 심볼</a:t>
-            </a:r>
-            <a:r>
-              <a:rPr b="0" lang="en-US" sz="1800" spc="-1" strike="noStrike">
-                <a:latin typeface="Arial"/>
-              </a:rPr>
-              <a:t>) </a:t>
-            </a:r>
-            <a:r>
-              <a:rPr b="0" lang="en-US" sz="1800" spc="-1" strike="noStrike">
-                <a:latin typeface="Arial"/>
-              </a:rPr>
-              <a:t>퍼블리쉬 하면 </a:t>
-            </a:r>
-            <a:r>
-              <a:rPr b="0" lang="en-US" sz="1800" spc="-1" strike="noStrike">
-                <a:latin typeface="Arial"/>
-              </a:rPr>
-              <a:t>.. ? </a:t>
-            </a:r>
-            <a:endParaRPr b="0" lang="en-US" sz="1800" spc="-1" strike="noStrike">
-              <a:latin typeface="Arial"/>
-            </a:endParaRPr>
+              <a:t>사용자는 list 에서 원하는 거 누르고 (토픽은 주소, 메세지는 명령어 심볼) 퍼블리쉬 하면 .. ? </a:t>
+            </a:r>
           </a:p>
         </p:txBody>
       </p:sp>
     </p:spTree>
   </p:cSld>
+  <p:clrMapOvr>
+    <a:masterClrMapping/>
+  </p:clrMapOvr>
   <p:timing>
     <p:tnLst>
       <p:par>
-        <p:cTn id="7" dur="indefinite" restart="never" nodeType="tmRoot">
+        <p:cTn id="1" dur="indefinite" restart="never" nodeType="tmRoot">
           <p:childTnLst>
             <p:seq>
-              <p:cTn id="8" dur="indefinite" nodeType="mainSeq"/>
+              <p:cTn id="2" dur="indefinite" nodeType="mainSeq"/>
               <p:prevCondLst>
-                <p:cond delay="0" evt="onPrev">
+                <p:cond evt="onPrev" delay="0">
                   <p:tgtEl>
                     <p:sldTgt/>
                   </p:tgtEl>
                 </p:cond>
               </p:prevCondLst>
               <p:nextCondLst>
-                <p:cond delay="0" evt="onNext">
+                <p:cond evt="onNext" delay="0">
                   <p:tgtEl>
                     <p:sldTgt/>
                   </p:tgtEl>
@@ -4885,7 +4888,7 @@
 </file>
 
 <file path=ppt/slides/slide5.xml><?xml version="1.0" encoding="utf-8"?>
-<p:sld xmlns:a="http://schemas.openxmlformats.org/drawingml/2006/main" xmlns:p="http://schemas.openxmlformats.org/presentationml/2006/main" xmlns:r="http://schemas.openxmlformats.org/officeDocument/2006/relationships" xmlns:p14="http://schemas.microsoft.com/office/powerpoint/2010/main" xmlns:p15="http://schemas.microsoft.com/office/powerpoint/2012/main" xmlns:mc="http://schemas.openxmlformats.org/markup-compatibility/2006">
+<p:sld xmlns:a="http://schemas.openxmlformats.org/drawingml/2006/main" xmlns:r="http://schemas.openxmlformats.org/officeDocument/2006/relationships" xmlns:p="http://schemas.openxmlformats.org/presentationml/2006/main">
   <p:cSld>
     <p:spTree>
       <p:nvGrpSpPr>
@@ -4921,13 +4924,20 @@
           </a:ln>
         </p:spPr>
         <p:style>
-          <a:lnRef idx="0"/>
-          <a:fillRef idx="0"/>
-          <a:effectRef idx="0"/>
+          <a:lnRef idx="0">
+            <a:scrgbClr r="0" g="0" b="0"/>
+          </a:lnRef>
+          <a:fillRef idx="0">
+            <a:scrgbClr r="0" g="0" b="0"/>
+          </a:fillRef>
+          <a:effectRef idx="0">
+            <a:scrgbClr r="0" g="0" b="0"/>
+          </a:effectRef>
           <a:fontRef idx="minor"/>
         </p:style>
         <p:txBody>
-          <a:bodyPr lIns="90000" rIns="90000" tIns="45000" bIns="45000"/>
+          <a:bodyPr lIns="90000" tIns="45000" rIns="90000" bIns="45000"/>
+          <a:lstStyle/>
           <a:p>
             <a:pPr>
               <a:lnSpc>
@@ -4935,7 +4945,7 @@
               </a:lnSpc>
             </a:pPr>
             <a:r>
-              <a:rPr b="0" lang="en-US" sz="1800" spc="-1" strike="noStrike">
+              <a:rPr lang="en-US" sz="1800" b="0" strike="noStrike" spc="-1">
                 <a:solidFill>
                   <a:srgbClr val="000000"/>
                 </a:solidFill>
@@ -4944,7 +4954,7 @@
               </a:rPr>
               <a:t> </a:t>
             </a:r>
-            <a:endParaRPr b="0" lang="en-US" sz="1800" spc="-1" strike="noStrike">
+            <a:endParaRPr lang="en-US" sz="1800" b="0" strike="noStrike" spc="-1">
               <a:latin typeface="Arial"/>
             </a:endParaRPr>
           </a:p>
@@ -4981,7 +4991,8 @@
           <a:fontRef idx="minor"/>
         </p:style>
         <p:txBody>
-          <a:bodyPr lIns="90000" rIns="90000" tIns="45000" bIns="45000" anchor="ctr"/>
+          <a:bodyPr lIns="90000" tIns="45000" rIns="90000" bIns="45000" anchor="ctr"/>
+          <a:lstStyle/>
           <a:p>
             <a:pPr algn="ctr">
               <a:lnSpc>
@@ -4989,7 +5000,7 @@
               </a:lnSpc>
             </a:pPr>
             <a:r>
-              <a:rPr b="0" lang="en-US" sz="1800" spc="-1" strike="noStrike">
+              <a:rPr lang="en-US" sz="1800" b="0" strike="noStrike" spc="-1">
                 <a:solidFill>
                   <a:srgbClr val="000000"/>
                 </a:solidFill>
@@ -4998,7 +5009,7 @@
               </a:rPr>
               <a:t>client</a:t>
             </a:r>
-            <a:endParaRPr b="0" lang="en-US" sz="1800" spc="-1" strike="noStrike">
+            <a:endParaRPr lang="en-US" sz="1800" b="0" strike="noStrike" spc="-1">
               <a:latin typeface="Arial"/>
             </a:endParaRPr>
           </a:p>
@@ -5035,7 +5046,8 @@
           <a:fontRef idx="minor"/>
         </p:style>
         <p:txBody>
-          <a:bodyPr lIns="90000" rIns="90000" tIns="45000" bIns="45000" anchor="ctr"/>
+          <a:bodyPr lIns="90000" tIns="45000" rIns="90000" bIns="45000" anchor="ctr"/>
+          <a:lstStyle/>
           <a:p>
             <a:pPr algn="ctr">
               <a:lnSpc>
@@ -5043,7 +5055,7 @@
               </a:lnSpc>
             </a:pPr>
             <a:r>
-              <a:rPr b="0" lang="en-US" sz="1800" spc="-1" strike="noStrike">
+              <a:rPr lang="en-US" sz="1800" b="0" strike="noStrike" spc="-1">
                 <a:solidFill>
                   <a:srgbClr val="000000"/>
                 </a:solidFill>
@@ -5052,7 +5064,7 @@
               </a:rPr>
               <a:t>server</a:t>
             </a:r>
-            <a:endParaRPr b="0" lang="en-US" sz="1800" spc="-1" strike="noStrike">
+            <a:endParaRPr lang="en-US" sz="1800" b="0" strike="noStrike" spc="-1">
               <a:latin typeface="Arial"/>
             </a:endParaRPr>
           </a:p>
@@ -5083,13 +5095,20 @@
           </a:ln>
         </p:spPr>
         <p:style>
-          <a:lnRef idx="0"/>
-          <a:fillRef idx="0"/>
-          <a:effectRef idx="0"/>
+          <a:lnRef idx="0">
+            <a:scrgbClr r="0" g="0" b="0"/>
+          </a:lnRef>
+          <a:fillRef idx="0">
+            <a:scrgbClr r="0" g="0" b="0"/>
+          </a:fillRef>
+          <a:effectRef idx="0">
+            <a:scrgbClr r="0" g="0" b="0"/>
+          </a:effectRef>
           <a:fontRef idx="minor"/>
         </p:style>
         <p:txBody>
-          <a:bodyPr lIns="90000" rIns="90000" tIns="45000" bIns="45000"/>
+          <a:bodyPr lIns="90000" tIns="45000" rIns="90000" bIns="45000"/>
+          <a:lstStyle/>
           <a:p>
             <a:pPr algn="ctr">
               <a:lnSpc>
@@ -5097,7 +5116,7 @@
               </a:lnSpc>
             </a:pPr>
             <a:r>
-              <a:rPr b="0" lang="en-US" sz="1800" spc="-1" strike="noStrike">
+              <a:rPr lang="en-US" sz="1800" b="0" strike="noStrike" spc="-1">
                 <a:solidFill>
                   <a:srgbClr val="000000"/>
                 </a:solidFill>
@@ -5106,7 +5125,7 @@
               </a:rPr>
               <a:t>Socket channel</a:t>
             </a:r>
-            <a:endParaRPr b="0" lang="en-US" sz="1800" spc="-1" strike="noStrike">
+            <a:endParaRPr lang="en-US" sz="1800" b="0" strike="noStrike" spc="-1">
               <a:latin typeface="Arial"/>
             </a:endParaRPr>
           </a:p>
@@ -5143,7 +5162,8 @@
           <a:fontRef idx="minor"/>
         </p:style>
         <p:txBody>
-          <a:bodyPr lIns="90000" rIns="90000" tIns="45000" bIns="45000" anchor="ctr"/>
+          <a:bodyPr lIns="90000" tIns="45000" rIns="90000" bIns="45000" anchor="ctr"/>
+          <a:lstStyle/>
           <a:p>
             <a:pPr algn="ctr">
               <a:lnSpc>
@@ -5151,7 +5171,7 @@
               </a:lnSpc>
             </a:pPr>
             <a:r>
-              <a:rPr b="0" lang="en-US" sz="1800" spc="-1" strike="noStrike">
+              <a:rPr lang="en-US" sz="1800" b="0" strike="noStrike" spc="-1">
                 <a:solidFill>
                   <a:srgbClr val="000000"/>
                 </a:solidFill>
@@ -5160,7 +5180,7 @@
               </a:rPr>
               <a:t>Docker 2</a:t>
             </a:r>
-            <a:endParaRPr b="0" lang="en-US" sz="1800" spc="-1" strike="noStrike">
+            <a:endParaRPr lang="en-US" sz="1800" b="0" strike="noStrike" spc="-1">
               <a:latin typeface="Arial"/>
             </a:endParaRPr>
           </a:p>
@@ -5197,7 +5217,8 @@
           <a:fontRef idx="minor"/>
         </p:style>
         <p:txBody>
-          <a:bodyPr lIns="90000" rIns="90000" tIns="45000" bIns="45000" anchor="ctr"/>
+          <a:bodyPr lIns="90000" tIns="45000" rIns="90000" bIns="45000" anchor="ctr"/>
+          <a:lstStyle/>
           <a:p>
             <a:pPr algn="ctr">
               <a:lnSpc>
@@ -5205,7 +5226,7 @@
               </a:lnSpc>
             </a:pPr>
             <a:r>
-              <a:rPr b="0" lang="en-US" sz="1800" spc="-1" strike="noStrike">
+              <a:rPr lang="en-US" sz="1800" b="0" strike="noStrike" spc="-1">
                 <a:solidFill>
                   <a:srgbClr val="000000"/>
                 </a:solidFill>
@@ -5214,7 +5235,7 @@
               </a:rPr>
               <a:t>Docker 1</a:t>
             </a:r>
-            <a:endParaRPr b="0" lang="en-US" sz="1800" spc="-1" strike="noStrike">
+            <a:endParaRPr lang="en-US" sz="1800" b="0" strike="noStrike" spc="-1">
               <a:latin typeface="Arial"/>
             </a:endParaRPr>
           </a:p>
@@ -5251,7 +5272,8 @@
           <a:fontRef idx="minor"/>
         </p:style>
         <p:txBody>
-          <a:bodyPr lIns="90000" rIns="90000" tIns="45000" bIns="45000" anchor="ctr"/>
+          <a:bodyPr lIns="90000" tIns="45000" rIns="90000" bIns="45000" anchor="ctr"/>
+          <a:lstStyle/>
           <a:p>
             <a:pPr algn="ctr">
               <a:lnSpc>
@@ -5259,7 +5281,7 @@
               </a:lnSpc>
             </a:pPr>
             <a:r>
-              <a:rPr b="0" lang="en-US" sz="1800" spc="-1" strike="noStrike">
+              <a:rPr lang="en-US" sz="1800" b="0" strike="noStrike" spc="-1">
                 <a:solidFill>
                   <a:srgbClr val="000000"/>
                 </a:solidFill>
@@ -5268,7 +5290,7 @@
               </a:rPr>
               <a:t>Docker 3</a:t>
             </a:r>
-            <a:endParaRPr b="0" lang="en-US" sz="1800" spc="-1" strike="noStrike">
+            <a:endParaRPr lang="en-US" sz="1800" b="0" strike="noStrike" spc="-1">
               <a:latin typeface="Arial"/>
             </a:endParaRPr>
           </a:p>
@@ -5299,13 +5321,20 @@
           </a:ln>
         </p:spPr>
         <p:style>
-          <a:lnRef idx="0"/>
-          <a:fillRef idx="0"/>
-          <a:effectRef idx="0"/>
+          <a:lnRef idx="0">
+            <a:scrgbClr r="0" g="0" b="0"/>
+          </a:lnRef>
+          <a:fillRef idx="0">
+            <a:scrgbClr r="0" g="0" b="0"/>
+          </a:fillRef>
+          <a:effectRef idx="0">
+            <a:scrgbClr r="0" g="0" b="0"/>
+          </a:effectRef>
           <a:fontRef idx="minor"/>
         </p:style>
         <p:txBody>
-          <a:bodyPr lIns="90000" rIns="90000" tIns="45000" bIns="45000"/>
+          <a:bodyPr lIns="90000" tIns="45000" rIns="90000" bIns="45000"/>
+          <a:lstStyle/>
           <a:p>
             <a:pPr algn="ctr">
               <a:lnSpc>
@@ -5313,26 +5342,16 @@
               </a:lnSpc>
             </a:pPr>
             <a:r>
-              <a:rPr b="0" lang="en-US" sz="1800" spc="-1" strike="noStrike">
+              <a:rPr lang="en-US" sz="1800" b="0" strike="noStrike" spc="-1">
                 <a:solidFill>
                   <a:srgbClr val="000000"/>
                 </a:solidFill>
                 <a:latin typeface="맑은 고딕"/>
                 <a:ea typeface="DejaVu Sans"/>
               </a:rPr>
-              <a:t>MQTT </a:t>
-            </a:r>
-            <a:r>
-              <a:rPr b="0" lang="en-US" sz="1800" spc="-1" strike="noStrike">
-                <a:solidFill>
-                  <a:srgbClr val="000000"/>
-                </a:solidFill>
-                <a:latin typeface="맑은 고딕"/>
-                <a:ea typeface="DejaVu Sans"/>
-              </a:rPr>
-              <a:t>(Topic2)</a:t>
-            </a:r>
-            <a:endParaRPr b="0" lang="en-US" sz="1800" spc="-1" strike="noStrike">
+              <a:t>MQTT (Topic2)</a:t>
+            </a:r>
+            <a:endParaRPr lang="en-US" sz="1800" b="0" strike="noStrike" spc="-1">
               <a:latin typeface="Arial"/>
             </a:endParaRPr>
           </a:p>
@@ -5363,13 +5382,20 @@
           </a:ln>
         </p:spPr>
         <p:style>
-          <a:lnRef idx="0"/>
-          <a:fillRef idx="0"/>
-          <a:effectRef idx="0"/>
+          <a:lnRef idx="0">
+            <a:scrgbClr r="0" g="0" b="0"/>
+          </a:lnRef>
+          <a:fillRef idx="0">
+            <a:scrgbClr r="0" g="0" b="0"/>
+          </a:fillRef>
+          <a:effectRef idx="0">
+            <a:scrgbClr r="0" g="0" b="0"/>
+          </a:effectRef>
           <a:fontRef idx="minor"/>
         </p:style>
         <p:txBody>
-          <a:bodyPr lIns="90000" rIns="90000" tIns="45000" bIns="45000"/>
+          <a:bodyPr lIns="90000" tIns="45000" rIns="90000" bIns="45000"/>
+          <a:lstStyle/>
           <a:p>
             <a:pPr algn="ctr">
               <a:lnSpc>
@@ -5377,26 +5403,16 @@
               </a:lnSpc>
             </a:pPr>
             <a:r>
-              <a:rPr b="0" lang="en-US" sz="1800" spc="-1" strike="noStrike">
+              <a:rPr lang="en-US" sz="1800" b="0" strike="noStrike" spc="-1">
                 <a:solidFill>
                   <a:srgbClr val="000000"/>
                 </a:solidFill>
                 <a:latin typeface="맑은 고딕"/>
                 <a:ea typeface="DejaVu Sans"/>
               </a:rPr>
-              <a:t>MQTT </a:t>
-            </a:r>
-            <a:r>
-              <a:rPr b="0" lang="en-US" sz="1800" spc="-1" strike="noStrike">
-                <a:solidFill>
-                  <a:srgbClr val="000000"/>
-                </a:solidFill>
-                <a:latin typeface="맑은 고딕"/>
-                <a:ea typeface="DejaVu Sans"/>
-              </a:rPr>
-              <a:t>(Topic3)</a:t>
-            </a:r>
-            <a:endParaRPr b="0" lang="en-US" sz="1800" spc="-1" strike="noStrike">
+              <a:t>MQTT (Topic3)</a:t>
+            </a:r>
+            <a:endParaRPr lang="en-US" sz="1800" b="0" strike="noStrike" spc="-1">
               <a:latin typeface="Arial"/>
             </a:endParaRPr>
           </a:p>
@@ -5427,13 +5443,20 @@
           </a:ln>
         </p:spPr>
         <p:style>
-          <a:lnRef idx="0"/>
-          <a:fillRef idx="0"/>
-          <a:effectRef idx="0"/>
+          <a:lnRef idx="0">
+            <a:scrgbClr r="0" g="0" b="0"/>
+          </a:lnRef>
+          <a:fillRef idx="0">
+            <a:scrgbClr r="0" g="0" b="0"/>
+          </a:fillRef>
+          <a:effectRef idx="0">
+            <a:scrgbClr r="0" g="0" b="0"/>
+          </a:effectRef>
           <a:fontRef idx="minor"/>
         </p:style>
         <p:txBody>
-          <a:bodyPr lIns="90000" rIns="90000" tIns="45000" bIns="45000"/>
+          <a:bodyPr lIns="90000" tIns="45000" rIns="90000" bIns="45000"/>
+          <a:lstStyle/>
           <a:p>
             <a:pPr algn="ctr">
               <a:lnSpc>
@@ -5441,7 +5464,7 @@
               </a:lnSpc>
             </a:pPr>
             <a:r>
-              <a:rPr b="0" lang="en-US" sz="1800" spc="-1" strike="noStrike">
+              <a:rPr lang="en-US" sz="1800" b="0" strike="noStrike" spc="-1">
                 <a:solidFill>
                   <a:srgbClr val="000000"/>
                 </a:solidFill>
@@ -5450,7 +5473,7 @@
               </a:rPr>
               <a:t>MQTT (Topic1)</a:t>
             </a:r>
-            <a:endParaRPr b="0" lang="en-US" sz="1800" spc="-1" strike="noStrike">
+            <a:endParaRPr lang="en-US" sz="1800" b="0" strike="noStrike" spc="-1">
               <a:latin typeface="Arial"/>
             </a:endParaRPr>
           </a:p>
@@ -5458,22 +5481,25 @@
       </p:sp>
     </p:spTree>
   </p:cSld>
+  <p:clrMapOvr>
+    <a:masterClrMapping/>
+  </p:clrMapOvr>
   <p:timing>
     <p:tnLst>
       <p:par>
-        <p:cTn id="9" dur="indefinite" restart="never" nodeType="tmRoot">
+        <p:cTn id="1" dur="indefinite" restart="never" nodeType="tmRoot">
           <p:childTnLst>
             <p:seq>
-              <p:cTn id="10" dur="indefinite" nodeType="mainSeq"/>
+              <p:cTn id="2" dur="indefinite" nodeType="mainSeq"/>
               <p:prevCondLst>
-                <p:cond delay="0" evt="onPrev">
+                <p:cond evt="onPrev" delay="0">
                   <p:tgtEl>
                     <p:sldTgt/>
                   </p:tgtEl>
                 </p:cond>
               </p:prevCondLst>
               <p:nextCondLst>
-                <p:cond delay="0" evt="onNext">
+                <p:cond evt="onNext" delay="0">
                   <p:tgtEl>
                     <p:sldTgt/>
                   </p:tgtEl>
@@ -5489,7 +5515,515 @@
 </file>
 
 <file path=ppt/slides/slide6.xml><?xml version="1.0" encoding="utf-8"?>
-<p:sld xmlns:a="http://schemas.openxmlformats.org/drawingml/2006/main" xmlns:p="http://schemas.openxmlformats.org/presentationml/2006/main" xmlns:r="http://schemas.openxmlformats.org/officeDocument/2006/relationships" xmlns:p14="http://schemas.microsoft.com/office/powerpoint/2010/main" xmlns:p15="http://schemas.microsoft.com/office/powerpoint/2012/main" xmlns:mc="http://schemas.openxmlformats.org/markup-compatibility/2006">
+<p:sld xmlns:a="http://schemas.openxmlformats.org/drawingml/2006/main" xmlns:r="http://schemas.openxmlformats.org/officeDocument/2006/relationships" xmlns:p="http://schemas.openxmlformats.org/presentationml/2006/main">
+  <p:cSld>
+    <p:spTree>
+      <p:nvGrpSpPr>
+        <p:cNvPr id="1" name=""/>
+        <p:cNvGrpSpPr/>
+        <p:nvPr/>
+      </p:nvGrpSpPr>
+      <p:grpSpPr>
+        <a:xfrm>
+          <a:off x="0" y="0"/>
+          <a:ext cx="0" cy="0"/>
+          <a:chOff x="0" y="0"/>
+          <a:chExt cx="0" cy="0"/>
+        </a:xfrm>
+      </p:grpSpPr>
+      <p:sp>
+        <p:nvSpPr>
+          <p:cNvPr id="2" name="직사각형 1"/>
+          <p:cNvSpPr/>
+          <p:nvPr/>
+        </p:nvSpPr>
+        <p:spPr>
+          <a:xfrm>
+            <a:off x="1518837" y="436786"/>
+            <a:ext cx="1031051" cy="369332"/>
+          </a:xfrm>
+          <a:prstGeom prst="rect">
+            <a:avLst/>
+          </a:prstGeom>
+          <a:noFill/>
+        </p:spPr>
+        <p:txBody>
+          <a:bodyPr wrap="none" lIns="91440" tIns="45720" rIns="91440" bIns="45720">
+            <a:spAutoFit/>
+          </a:bodyPr>
+          <a:lstStyle/>
+          <a:p>
+            <a:pPr algn="ctr"/>
+            <a:r>
+              <a:rPr lang="en-US" altLang="ko-KR" b="0" cap="none" spc="0" dirty="0" smtClean="0">
+                <a:ln w="0"/>
+                <a:solidFill>
+                  <a:schemeClr val="tx1"/>
+                </a:solidFill>
+              </a:rPr>
+              <a:t>DB </a:t>
+            </a:r>
+            <a:r>
+              <a:rPr lang="ko-KR" altLang="en-US" dirty="0" smtClean="0">
+                <a:ln w="0"/>
+              </a:rPr>
+              <a:t>설계</a:t>
+            </a:r>
+            <a:endParaRPr lang="en-US" altLang="ko-KR" b="0" cap="none" spc="0" dirty="0">
+              <a:ln w="0"/>
+              <a:solidFill>
+                <a:schemeClr val="tx1"/>
+              </a:solidFill>
+            </a:endParaRPr>
+          </a:p>
+        </p:txBody>
+      </p:sp>
+      <p:graphicFrame>
+        <p:nvGraphicFramePr>
+          <p:cNvPr id="3" name="표 2"/>
+          <p:cNvGraphicFramePr>
+            <a:graphicFrameLocks noGrp="1"/>
+          </p:cNvGraphicFramePr>
+          <p:nvPr>
+            <p:extLst>
+              <p:ext uri="{D42A27DB-BD31-4B8C-83A1-F6EECF244321}">
+                <p14:modId xmlns:p14="http://schemas.microsoft.com/office/powerpoint/2010/main" val="2305396351"/>
+              </p:ext>
+            </p:extLst>
+          </p:nvPr>
+        </p:nvGraphicFramePr>
+        <p:xfrm>
+          <a:off x="1436576" y="1676596"/>
+          <a:ext cx="8127999" cy="1854200"/>
+        </p:xfrm>
+        <a:graphic>
+          <a:graphicData uri="http://schemas.openxmlformats.org/drawingml/2006/table">
+            <a:tbl>
+              <a:tblPr firstRow="1" bandRow="1">
+                <a:tableStyleId>{073A0DAA-6AF3-43AB-8588-CEC1D06C72B9}</a:tableStyleId>
+              </a:tblPr>
+              <a:tblGrid>
+                <a:gridCol w="2709333">
+                  <a:extLst>
+                    <a:ext uri="{9D8B030D-6E8A-4147-A177-3AD203B41FA5}">
+                      <a16:colId xmlns:a16="http://schemas.microsoft.com/office/drawing/2014/main" val="533802208"/>
+                    </a:ext>
+                  </a:extLst>
+                </a:gridCol>
+                <a:gridCol w="2709333">
+                  <a:extLst>
+                    <a:ext uri="{9D8B030D-6E8A-4147-A177-3AD203B41FA5}">
+                      <a16:colId xmlns:a16="http://schemas.microsoft.com/office/drawing/2014/main" val="2040318907"/>
+                    </a:ext>
+                  </a:extLst>
+                </a:gridCol>
+                <a:gridCol w="2709333">
+                  <a:extLst>
+                    <a:ext uri="{9D8B030D-6E8A-4147-A177-3AD203B41FA5}">
+                      <a16:colId xmlns:a16="http://schemas.microsoft.com/office/drawing/2014/main" val="2410537580"/>
+                    </a:ext>
+                  </a:extLst>
+                </a:gridCol>
+              </a:tblGrid>
+              <a:tr h="370840">
+                <a:tc>
+                  <a:txBody>
+                    <a:bodyPr/>
+                    <a:lstStyle/>
+                    <a:p>
+                      <a:pPr latinLnBrk="1"/>
+                      <a:r>
+                        <a:rPr lang="en-US" altLang="ko-KR" dirty="0" smtClean="0"/>
+                        <a:t>Key</a:t>
+                      </a:r>
+                      <a:endParaRPr lang="ko-KR" altLang="en-US" dirty="0"/>
+                    </a:p>
+                  </a:txBody>
+                  <a:tcPr/>
+                </a:tc>
+                <a:tc>
+                  <a:txBody>
+                    <a:bodyPr/>
+                    <a:lstStyle/>
+                    <a:p>
+                      <a:pPr latinLnBrk="1"/>
+                      <a:r>
+                        <a:rPr lang="en-US" altLang="ko-KR" dirty="0" smtClean="0"/>
+                        <a:t>Type</a:t>
+                      </a:r>
+                      <a:endParaRPr lang="ko-KR" altLang="en-US" dirty="0"/>
+                    </a:p>
+                  </a:txBody>
+                  <a:tcPr/>
+                </a:tc>
+                <a:tc>
+                  <a:txBody>
+                    <a:bodyPr/>
+                    <a:lstStyle/>
+                    <a:p>
+                      <a:pPr latinLnBrk="1"/>
+                      <a:r>
+                        <a:rPr lang="en-US" altLang="ko-KR" dirty="0" smtClean="0"/>
+                        <a:t>Feature</a:t>
+                      </a:r>
+                      <a:endParaRPr lang="ko-KR" altLang="en-US" dirty="0"/>
+                    </a:p>
+                  </a:txBody>
+                  <a:tcPr/>
+                </a:tc>
+                <a:extLst>
+                  <a:ext uri="{0D108BD9-81ED-4DB2-BD59-A6C34878D82A}">
+                    <a16:rowId xmlns:a16="http://schemas.microsoft.com/office/drawing/2014/main" val="225501983"/>
+                  </a:ext>
+                </a:extLst>
+              </a:tr>
+              <a:tr h="370840">
+                <a:tc>
+                  <a:txBody>
+                    <a:bodyPr/>
+                    <a:lstStyle/>
+                    <a:p>
+                      <a:pPr latinLnBrk="1"/>
+                      <a:r>
+                        <a:rPr lang="en-US" altLang="ko-KR" dirty="0" smtClean="0"/>
+                        <a:t>Index</a:t>
+                      </a:r>
+                      <a:endParaRPr lang="ko-KR" altLang="en-US" dirty="0"/>
+                    </a:p>
+                  </a:txBody>
+                  <a:tcPr/>
+                </a:tc>
+                <a:tc>
+                  <a:txBody>
+                    <a:bodyPr/>
+                    <a:lstStyle/>
+                    <a:p>
+                      <a:pPr latinLnBrk="1"/>
+                      <a:r>
+                        <a:rPr lang="en-US" altLang="ko-KR" dirty="0" smtClean="0"/>
+                        <a:t>Number</a:t>
+                      </a:r>
+                      <a:endParaRPr lang="ko-KR" altLang="en-US" dirty="0"/>
+                    </a:p>
+                  </a:txBody>
+                  <a:tcPr/>
+                </a:tc>
+                <a:tc>
+                  <a:txBody>
+                    <a:bodyPr/>
+                    <a:lstStyle/>
+                    <a:p>
+                      <a:pPr latinLnBrk="1"/>
+                      <a:r>
+                        <a:rPr lang="en-US" altLang="ko-KR" dirty="0" smtClean="0"/>
+                        <a:t>Unique</a:t>
+                      </a:r>
+                      <a:endParaRPr lang="ko-KR" altLang="en-US" dirty="0"/>
+                    </a:p>
+                  </a:txBody>
+                  <a:tcPr/>
+                </a:tc>
+                <a:extLst>
+                  <a:ext uri="{0D108BD9-81ED-4DB2-BD59-A6C34878D82A}">
+                    <a16:rowId xmlns:a16="http://schemas.microsoft.com/office/drawing/2014/main" val="1021854122"/>
+                  </a:ext>
+                </a:extLst>
+              </a:tr>
+              <a:tr h="370840">
+                <a:tc>
+                  <a:txBody>
+                    <a:bodyPr/>
+                    <a:lstStyle/>
+                    <a:p>
+                      <a:pPr latinLnBrk="1"/>
+                      <a:r>
+                        <a:rPr lang="en-US" altLang="ko-KR" dirty="0" smtClean="0"/>
+                        <a:t>Name</a:t>
+                      </a:r>
+                      <a:endParaRPr lang="ko-KR" altLang="en-US" dirty="0"/>
+                    </a:p>
+                  </a:txBody>
+                  <a:tcPr/>
+                </a:tc>
+                <a:tc>
+                  <a:txBody>
+                    <a:bodyPr/>
+                    <a:lstStyle/>
+                    <a:p>
+                      <a:pPr latinLnBrk="1"/>
+                      <a:r>
+                        <a:rPr lang="en-US" altLang="ko-KR" dirty="0" smtClean="0"/>
+                        <a:t>String</a:t>
+                      </a:r>
+                      <a:endParaRPr lang="ko-KR" altLang="en-US" dirty="0"/>
+                    </a:p>
+                  </a:txBody>
+                  <a:tcPr/>
+                </a:tc>
+                <a:tc>
+                  <a:txBody>
+                    <a:bodyPr/>
+                    <a:lstStyle/>
+                    <a:p>
+                      <a:pPr latinLnBrk="1"/>
+                      <a:r>
+                        <a:rPr lang="en-US" altLang="ko-KR" dirty="0" smtClean="0"/>
+                        <a:t>Required</a:t>
+                      </a:r>
+                      <a:endParaRPr lang="ko-KR" altLang="en-US" dirty="0"/>
+                    </a:p>
+                  </a:txBody>
+                  <a:tcPr/>
+                </a:tc>
+                <a:extLst>
+                  <a:ext uri="{0D108BD9-81ED-4DB2-BD59-A6C34878D82A}">
+                    <a16:rowId xmlns:a16="http://schemas.microsoft.com/office/drawing/2014/main" val="1260366088"/>
+                  </a:ext>
+                </a:extLst>
+              </a:tr>
+              <a:tr h="370840">
+                <a:tc>
+                  <a:txBody>
+                    <a:bodyPr/>
+                    <a:lstStyle/>
+                    <a:p>
+                      <a:pPr latinLnBrk="1"/>
+                      <a:r>
+                        <a:rPr lang="en-US" altLang="ko-KR" dirty="0" smtClean="0"/>
+                        <a:t>Register</a:t>
+                      </a:r>
+                      <a:endParaRPr lang="ko-KR" altLang="en-US" dirty="0"/>
+                    </a:p>
+                  </a:txBody>
+                  <a:tcPr/>
+                </a:tc>
+                <a:tc>
+                  <a:txBody>
+                    <a:bodyPr/>
+                    <a:lstStyle/>
+                    <a:p>
+                      <a:pPr latinLnBrk="1"/>
+                      <a:r>
+                        <a:rPr lang="en-US" altLang="ko-KR" dirty="0" smtClean="0"/>
+                        <a:t>Time</a:t>
+                      </a:r>
+                      <a:endParaRPr lang="ko-KR" altLang="en-US" dirty="0"/>
+                    </a:p>
+                  </a:txBody>
+                  <a:tcPr/>
+                </a:tc>
+                <a:tc>
+                  <a:txBody>
+                    <a:bodyPr/>
+                    <a:lstStyle/>
+                    <a:p>
+                      <a:pPr latinLnBrk="1"/>
+                      <a:r>
+                        <a:rPr lang="en-US" altLang="ko-KR" dirty="0" smtClean="0"/>
+                        <a:t>Required</a:t>
+                      </a:r>
+                      <a:endParaRPr lang="ko-KR" altLang="en-US" dirty="0"/>
+                    </a:p>
+                  </a:txBody>
+                  <a:tcPr/>
+                </a:tc>
+                <a:extLst>
+                  <a:ext uri="{0D108BD9-81ED-4DB2-BD59-A6C34878D82A}">
+                    <a16:rowId xmlns:a16="http://schemas.microsoft.com/office/drawing/2014/main" val="122038133"/>
+                  </a:ext>
+                </a:extLst>
+              </a:tr>
+              <a:tr h="370840">
+                <a:tc>
+                  <a:txBody>
+                    <a:bodyPr/>
+                    <a:lstStyle/>
+                    <a:p>
+                      <a:pPr latinLnBrk="1"/>
+                      <a:r>
+                        <a:rPr lang="en-US" altLang="ko-KR" baseline="0" dirty="0" smtClean="0"/>
+                        <a:t>IPv4Addr</a:t>
+                      </a:r>
+                      <a:endParaRPr lang="ko-KR" altLang="en-US" dirty="0"/>
+                    </a:p>
+                  </a:txBody>
+                  <a:tcPr/>
+                </a:tc>
+                <a:tc>
+                  <a:txBody>
+                    <a:bodyPr/>
+                    <a:lstStyle/>
+                    <a:p>
+                      <a:pPr latinLnBrk="1"/>
+                      <a:r>
+                        <a:rPr lang="en-US" altLang="ko-KR" dirty="0" smtClean="0"/>
+                        <a:t>String</a:t>
+                      </a:r>
+                      <a:endParaRPr lang="ko-KR" altLang="en-US" dirty="0"/>
+                    </a:p>
+                  </a:txBody>
+                  <a:tcPr/>
+                </a:tc>
+                <a:tc>
+                  <a:txBody>
+                    <a:bodyPr/>
+                    <a:lstStyle/>
+                    <a:p>
+                      <a:pPr latinLnBrk="1"/>
+                      <a:r>
+                        <a:rPr lang="en-US" altLang="ko-KR" dirty="0" smtClean="0"/>
+                        <a:t>Required</a:t>
+                      </a:r>
+                      <a:endParaRPr lang="ko-KR" altLang="en-US" dirty="0"/>
+                    </a:p>
+                  </a:txBody>
+                  <a:tcPr/>
+                </a:tc>
+                <a:extLst>
+                  <a:ext uri="{0D108BD9-81ED-4DB2-BD59-A6C34878D82A}">
+                    <a16:rowId xmlns:a16="http://schemas.microsoft.com/office/drawing/2014/main" val="1644570520"/>
+                  </a:ext>
+                </a:extLst>
+              </a:tr>
+            </a:tbl>
+          </a:graphicData>
+        </a:graphic>
+      </p:graphicFrame>
+      <p:sp>
+        <p:nvSpPr>
+          <p:cNvPr id="4" name="TextBox 3"/>
+          <p:cNvSpPr txBox="1"/>
+          <p:nvPr/>
+        </p:nvSpPr>
+        <p:spPr>
+          <a:xfrm>
+            <a:off x="1436576" y="3561907"/>
+            <a:ext cx="6995043" cy="1200329"/>
+          </a:xfrm>
+          <a:prstGeom prst="rect">
+            <a:avLst/>
+          </a:prstGeom>
+          <a:noFill/>
+        </p:spPr>
+        <p:txBody>
+          <a:bodyPr wrap="square" rtlCol="0">
+            <a:spAutoFit/>
+          </a:bodyPr>
+          <a:lstStyle/>
+          <a:p>
+            <a:r>
+              <a:rPr lang="en-US" altLang="ko-KR" dirty="0" smtClean="0"/>
+              <a:t>Topic : ‘</a:t>
+            </a:r>
+            <a:r>
+              <a:rPr lang="en-US" altLang="ko-KR" dirty="0" err="1"/>
+              <a:t>I</a:t>
+            </a:r>
+            <a:r>
+              <a:rPr lang="en-US" altLang="ko-KR" dirty="0" err="1" smtClean="0"/>
+              <a:t>ndex_Name</a:t>
+            </a:r>
+            <a:r>
+              <a:rPr lang="en-US" altLang="ko-KR" dirty="0" smtClean="0"/>
+              <a:t>’</a:t>
+            </a:r>
+          </a:p>
+          <a:p>
+            <a:endParaRPr lang="en-US" altLang="ko-KR" dirty="0"/>
+          </a:p>
+          <a:p>
+            <a:r>
+              <a:rPr lang="en-US" altLang="ko-KR" dirty="0" smtClean="0"/>
+              <a:t>Name </a:t>
+            </a:r>
+            <a:r>
+              <a:rPr lang="ko-KR" altLang="en-US" dirty="0" smtClean="0"/>
+              <a:t>은</a:t>
+            </a:r>
+            <a:r>
+              <a:rPr lang="en-US" altLang="ko-KR" dirty="0" smtClean="0"/>
+              <a:t>, Default </a:t>
+            </a:r>
+            <a:r>
+              <a:rPr lang="ko-KR" altLang="en-US" dirty="0" smtClean="0"/>
+              <a:t>로 </a:t>
+            </a:r>
+            <a:r>
+              <a:rPr lang="en-US" altLang="ko-KR" dirty="0" smtClean="0"/>
+              <a:t>IP </a:t>
+            </a:r>
+            <a:r>
+              <a:rPr lang="ko-KR" altLang="en-US" dirty="0" smtClean="0"/>
+              <a:t>주소</a:t>
+            </a:r>
+            <a:endParaRPr lang="en-US" altLang="ko-KR" dirty="0" smtClean="0"/>
+          </a:p>
+          <a:p>
+            <a:r>
+              <a:rPr lang="en-US" altLang="ko-KR" dirty="0" smtClean="0"/>
+              <a:t>// </a:t>
+            </a:r>
+            <a:r>
+              <a:rPr lang="en-US" altLang="ko-KR" dirty="0" err="1" smtClean="0"/>
+              <a:t>ip</a:t>
+            </a:r>
+            <a:r>
+              <a:rPr lang="en-US" altLang="ko-KR" dirty="0" smtClean="0"/>
+              <a:t> address </a:t>
+            </a:r>
+            <a:r>
+              <a:rPr lang="ko-KR" altLang="en-US" dirty="0" smtClean="0"/>
+              <a:t>아니면</a:t>
+            </a:r>
+            <a:r>
+              <a:rPr lang="en-US" altLang="ko-KR" dirty="0" smtClean="0"/>
+              <a:t>, </a:t>
+            </a:r>
+            <a:r>
+              <a:rPr lang="ko-KR" altLang="en-US" smtClean="0"/>
+              <a:t>사용자가 정의한 이름</a:t>
+            </a:r>
+            <a:endParaRPr lang="ko-KR" altLang="en-US" dirty="0"/>
+          </a:p>
+        </p:txBody>
+      </p:sp>
+    </p:spTree>
+  </p:cSld>
+  <p:clrMapOvr>
+    <a:masterClrMapping/>
+  </p:clrMapOvr>
+  <p:timing>
+    <p:tnLst>
+      <p:par>
+        <p:cTn id="1" dur="indefinite" restart="never" nodeType="tmRoot">
+          <p:childTnLst>
+            <p:seq>
+              <p:cTn id="2" dur="indefinite" nodeType="mainSeq"/>
+              <p:prevCondLst>
+                <p:cond evt="onPrev" delay="0">
+                  <p:tgtEl>
+                    <p:sldTgt/>
+                  </p:tgtEl>
+                </p:cond>
+              </p:prevCondLst>
+              <p:nextCondLst>
+                <p:cond evt="onNext" delay="0">
+                  <p:tgtEl>
+                    <p:sldTgt/>
+                  </p:tgtEl>
+                </p:cond>
+              </p:nextCondLst>
+            </p:seq>
+          </p:childTnLst>
+        </p:cTn>
+      </p:par>
+    </p:tnLst>
+  </p:timing>
+</p:sld>
+</file>
+
+<file path=ppt/slides/slide7.xml><?xml version="1.0" encoding="utf-8"?>
+<p:sld xmlns:a="http://schemas.openxmlformats.org/drawingml/2006/main" xmlns:r="http://schemas.openxmlformats.org/officeDocument/2006/relationships" xmlns:p="http://schemas.openxmlformats.org/presentationml/2006/main">
   <p:cSld>
     <p:spTree>
       <p:nvGrpSpPr>
@@ -5507,22 +6041,25 @@
       </p:grpSpPr>
     </p:spTree>
   </p:cSld>
+  <p:clrMapOvr>
+    <a:masterClrMapping/>
+  </p:clrMapOvr>
   <p:timing>
     <p:tnLst>
       <p:par>
-        <p:cTn id="11" dur="indefinite" restart="never" nodeType="tmRoot">
+        <p:cTn id="1" dur="indefinite" restart="never" nodeType="tmRoot">
           <p:childTnLst>
             <p:seq>
-              <p:cTn id="12" dur="indefinite" nodeType="mainSeq"/>
+              <p:cTn id="2" dur="indefinite" nodeType="mainSeq"/>
               <p:prevCondLst>
-                <p:cond delay="0" evt="onPrev">
+                <p:cond evt="onPrev" delay="0">
                   <p:tgtEl>
                     <p:sldTgt/>
                   </p:tgtEl>
                 </p:cond>
               </p:prevCondLst>
               <p:nextCondLst>
-                <p:cond delay="0" evt="onNext">
+                <p:cond evt="onNext" delay="0">
                   <p:tgtEl>
                     <p:sldTgt/>
                   </p:tgtEl>
@@ -5537,8 +6074,8 @@
 </p:sld>
 </file>
 
-<file path=ppt/slides/slide7.xml><?xml version="1.0" encoding="utf-8"?>
-<p:sld xmlns:a="http://schemas.openxmlformats.org/drawingml/2006/main" xmlns:p="http://schemas.openxmlformats.org/presentationml/2006/main" xmlns:r="http://schemas.openxmlformats.org/officeDocument/2006/relationships" xmlns:p14="http://schemas.microsoft.com/office/powerpoint/2010/main" xmlns:p15="http://schemas.microsoft.com/office/powerpoint/2012/main" xmlns:mc="http://schemas.openxmlformats.org/markup-compatibility/2006">
+<file path=ppt/slides/slide8.xml><?xml version="1.0" encoding="utf-8"?>
+<p:sld xmlns:a="http://schemas.openxmlformats.org/drawingml/2006/main" xmlns:r="http://schemas.openxmlformats.org/officeDocument/2006/relationships" xmlns:p="http://schemas.openxmlformats.org/presentationml/2006/main">
   <p:cSld>
     <p:spTree>
       <p:nvGrpSpPr>
@@ -5556,22 +6093,25 @@
       </p:grpSpPr>
     </p:spTree>
   </p:cSld>
+  <p:clrMapOvr>
+    <a:masterClrMapping/>
+  </p:clrMapOvr>
   <p:timing>
     <p:tnLst>
       <p:par>
-        <p:cTn id="13" dur="indefinite" restart="never" nodeType="tmRoot">
+        <p:cTn id="1" dur="indefinite" restart="never" nodeType="tmRoot">
           <p:childTnLst>
             <p:seq>
-              <p:cTn id="14" dur="indefinite" nodeType="mainSeq"/>
+              <p:cTn id="2" dur="indefinite" nodeType="mainSeq"/>
               <p:prevCondLst>
-                <p:cond delay="0" evt="onPrev">
+                <p:cond evt="onPrev" delay="0">
                   <p:tgtEl>
                     <p:sldTgt/>
                   </p:tgtEl>
                 </p:cond>
               </p:prevCondLst>
               <p:nextCondLst>
-                <p:cond delay="0" evt="onNext">
+                <p:cond evt="onNext" delay="0">
                   <p:tgtEl>
                     <p:sldTgt/>
                   </p:tgtEl>
@@ -5586,8 +6126,8 @@
 </p:sld>
 </file>
 
-<file path=ppt/slides/slide8.xml><?xml version="1.0" encoding="utf-8"?>
-<p:sld xmlns:a="http://schemas.openxmlformats.org/drawingml/2006/main" xmlns:p="http://schemas.openxmlformats.org/presentationml/2006/main" xmlns:r="http://schemas.openxmlformats.org/officeDocument/2006/relationships" xmlns:p14="http://schemas.microsoft.com/office/powerpoint/2010/main" xmlns:p15="http://schemas.microsoft.com/office/powerpoint/2012/main" xmlns:mc="http://schemas.openxmlformats.org/markup-compatibility/2006">
+<file path=ppt/slides/slide9.xml><?xml version="1.0" encoding="utf-8"?>
+<p:sld xmlns:a="http://schemas.openxmlformats.org/drawingml/2006/main" xmlns:r="http://schemas.openxmlformats.org/officeDocument/2006/relationships" xmlns:p="http://schemas.openxmlformats.org/presentationml/2006/main">
   <p:cSld>
     <p:spTree>
       <p:nvGrpSpPr>
@@ -5605,71 +6145,25 @@
       </p:grpSpPr>
     </p:spTree>
   </p:cSld>
+  <p:clrMapOvr>
+    <a:masterClrMapping/>
+  </p:clrMapOvr>
   <p:timing>
     <p:tnLst>
       <p:par>
-        <p:cTn id="15" dur="indefinite" restart="never" nodeType="tmRoot">
+        <p:cTn id="1" dur="indefinite" restart="never" nodeType="tmRoot">
           <p:childTnLst>
             <p:seq>
-              <p:cTn id="16" dur="indefinite" nodeType="mainSeq"/>
+              <p:cTn id="2" dur="indefinite" nodeType="mainSeq"/>
               <p:prevCondLst>
-                <p:cond delay="0" evt="onPrev">
+                <p:cond evt="onPrev" delay="0">
                   <p:tgtEl>
                     <p:sldTgt/>
                   </p:tgtEl>
                 </p:cond>
               </p:prevCondLst>
               <p:nextCondLst>
-                <p:cond delay="0" evt="onNext">
-                  <p:tgtEl>
-                    <p:sldTgt/>
-                  </p:tgtEl>
-                </p:cond>
-              </p:nextCondLst>
-            </p:seq>
-          </p:childTnLst>
-        </p:cTn>
-      </p:par>
-    </p:tnLst>
-  </p:timing>
-</p:sld>
-</file>
-
-<file path=ppt/slides/slide9.xml><?xml version="1.0" encoding="utf-8"?>
-<p:sld xmlns:a="http://schemas.openxmlformats.org/drawingml/2006/main" xmlns:p="http://schemas.openxmlformats.org/presentationml/2006/main" xmlns:r="http://schemas.openxmlformats.org/officeDocument/2006/relationships" xmlns:p14="http://schemas.microsoft.com/office/powerpoint/2010/main" xmlns:p15="http://schemas.microsoft.com/office/powerpoint/2012/main" xmlns:mc="http://schemas.openxmlformats.org/markup-compatibility/2006">
-  <p:cSld>
-    <p:spTree>
-      <p:nvGrpSpPr>
-        <p:cNvPr id="1" name=""/>
-        <p:cNvGrpSpPr/>
-        <p:nvPr/>
-      </p:nvGrpSpPr>
-      <p:grpSpPr>
-        <a:xfrm>
-          <a:off x="0" y="0"/>
-          <a:ext cx="0" cy="0"/>
-          <a:chOff x="0" y="0"/>
-          <a:chExt cx="0" cy="0"/>
-        </a:xfrm>
-      </p:grpSpPr>
-    </p:spTree>
-  </p:cSld>
-  <p:timing>
-    <p:tnLst>
-      <p:par>
-        <p:cTn id="17" dur="indefinite" restart="never" nodeType="tmRoot">
-          <p:childTnLst>
-            <p:seq>
-              <p:cTn id="18" dur="indefinite" nodeType="mainSeq"/>
-              <p:prevCondLst>
-                <p:cond delay="0" evt="onPrev">
-                  <p:tgtEl>
-                    <p:sldTgt/>
-                  </p:tgtEl>
-                </p:cond>
-              </p:prevCondLst>
-              <p:nextCondLst>
-                <p:cond delay="0" evt="onNext">
+                <p:cond evt="onNext" delay="0">
                   <p:tgtEl>
                     <p:sldTgt/>
                   </p:tgtEl>
@@ -5695,34 +6189,34 @@
         <a:sysClr val="window" lastClr="FFFFFF"/>
       </a:lt1>
       <a:dk2>
-        <a:srgbClr val="44546a"/>
+        <a:srgbClr val="44546A"/>
       </a:dk2>
       <a:lt2>
-        <a:srgbClr val="e7e6e6"/>
+        <a:srgbClr val="E7E6E6"/>
       </a:lt2>
       <a:accent1>
-        <a:srgbClr val="5b9bd5"/>
+        <a:srgbClr val="5B9BD5"/>
       </a:accent1>
       <a:accent2>
-        <a:srgbClr val="ed7d31"/>
+        <a:srgbClr val="ED7D31"/>
       </a:accent2>
       <a:accent3>
-        <a:srgbClr val="a5a5a5"/>
+        <a:srgbClr val="A5A5A5"/>
       </a:accent3>
       <a:accent4>
-        <a:srgbClr val="ffc000"/>
+        <a:srgbClr val="FFC000"/>
       </a:accent4>
       <a:accent5>
-        <a:srgbClr val="4472c4"/>
+        <a:srgbClr val="4472C4"/>
       </a:accent5>
       <a:accent6>
-        <a:srgbClr val="70ad47"/>
+        <a:srgbClr val="70AD47"/>
       </a:accent6>
       <a:hlink>
-        <a:srgbClr val="0563c1"/>
+        <a:srgbClr val="0563C1"/>
       </a:hlink>
       <a:folHlink>
-        <a:srgbClr val="954f72"/>
+        <a:srgbClr val="954F72"/>
       </a:folHlink>
     </a:clrScheme>
     <a:fontScheme name="Office">
@@ -5904,6 +6398,8 @@
       </a:bgFillStyleLst>
     </a:fmtScheme>
   </a:themeElements>
+  <a:objectDefaults/>
+  <a:extraClrSchemeLst/>
 </a:theme>
 </file>
 
@@ -5918,34 +6414,34 @@
         <a:sysClr val="window" lastClr="FFFFFF"/>
       </a:lt1>
       <a:dk2>
-        <a:srgbClr val="44546a"/>
+        <a:srgbClr val="44546A"/>
       </a:dk2>
       <a:lt2>
-        <a:srgbClr val="e7e6e6"/>
+        <a:srgbClr val="E7E6E6"/>
       </a:lt2>
       <a:accent1>
-        <a:srgbClr val="5b9bd5"/>
+        <a:srgbClr val="5B9BD5"/>
       </a:accent1>
       <a:accent2>
-        <a:srgbClr val="ed7d31"/>
+        <a:srgbClr val="ED7D31"/>
       </a:accent2>
       <a:accent3>
-        <a:srgbClr val="a5a5a5"/>
+        <a:srgbClr val="A5A5A5"/>
       </a:accent3>
       <a:accent4>
-        <a:srgbClr val="ffc000"/>
+        <a:srgbClr val="FFC000"/>
       </a:accent4>
       <a:accent5>
-        <a:srgbClr val="4472c4"/>
+        <a:srgbClr val="4472C4"/>
       </a:accent5>
       <a:accent6>
-        <a:srgbClr val="70ad47"/>
+        <a:srgbClr val="70AD47"/>
       </a:accent6>
       <a:hlink>
-        <a:srgbClr val="0563c1"/>
+        <a:srgbClr val="0563C1"/>
       </a:hlink>
       <a:folHlink>
-        <a:srgbClr val="954f72"/>
+        <a:srgbClr val="954F72"/>
       </a:folHlink>
     </a:clrScheme>
     <a:fontScheme name="Office">
@@ -6127,5 +6623,7 @@
       </a:bgFillStyleLst>
     </a:fmtScheme>
   </a:themeElements>
+  <a:objectDefaults/>
+  <a:extraClrSchemeLst/>
 </a:theme>
 </file>
--- a/FiveStarts_app.pptx
+++ b/FiveStarts_app.pptx
@@ -8,14 +8,14 @@
     <p:notesMasterId r:id="rId12"/>
   </p:notesMasterIdLst>
   <p:sldIdLst>
-    <p:sldId id="256" r:id="rId2"/>
-    <p:sldId id="257" r:id="rId3"/>
-    <p:sldId id="258" r:id="rId4"/>
-    <p:sldId id="259" r:id="rId5"/>
-    <p:sldId id="260" r:id="rId6"/>
-    <p:sldId id="261" r:id="rId7"/>
-    <p:sldId id="262" r:id="rId8"/>
-    <p:sldId id="263" r:id="rId9"/>
+    <p:sldId id="262" r:id="rId2"/>
+    <p:sldId id="256" r:id="rId3"/>
+    <p:sldId id="257" r:id="rId4"/>
+    <p:sldId id="258" r:id="rId5"/>
+    <p:sldId id="259" r:id="rId6"/>
+    <p:sldId id="260" r:id="rId7"/>
+    <p:sldId id="263" r:id="rId8"/>
+    <p:sldId id="261" r:id="rId9"/>
     <p:sldId id="264" r:id="rId10"/>
     <p:sldId id="265" r:id="rId11"/>
   </p:sldIdLst>
@@ -116,6 +116,11 @@
       </a:defRPr>
     </a:lvl9pPr>
   </p:defaultTextStyle>
+  <p:extLst>
+    <p:ext uri="{EFAFB233-063F-42B5-8137-9DF3F51BA10A}">
+      <p15:sldGuideLst xmlns:p15="http://schemas.microsoft.com/office/powerpoint/2012/main"/>
+    </p:ext>
+  </p:extLst>
 </p:presentation>
 </file>
 
@@ -456,7 +461,7 @@
       </p:grpSpPr>
       <p:sp>
         <p:nvSpPr>
-          <p:cNvPr id="63" name="PlaceHolder 1"/>
+          <p:cNvPr id="81" name="PlaceHolder 1"/>
           <p:cNvSpPr>
             <a:spLocks noGrp="1" noRot="1" noChangeAspect="1"/>
           </p:cNvSpPr>
@@ -467,16 +472,16 @@
         <p:spPr>
           <a:xfrm>
             <a:off x="685800" y="1143000"/>
-            <a:ext cx="5485680" cy="3085560"/>
-          </a:xfrm>
-          <a:prstGeom prst="rect">
-            <a:avLst/>
-          </a:prstGeom>
-        </p:spPr>
-      </p:sp>
-      <p:sp>
-        <p:nvSpPr>
-          <p:cNvPr id="64" name="PlaceHolder 2"/>
+            <a:ext cx="5486400" cy="3086100"/>
+          </a:xfrm>
+          <a:prstGeom prst="rect">
+            <a:avLst/>
+          </a:prstGeom>
+        </p:spPr>
+      </p:sp>
+      <p:sp>
+        <p:nvSpPr>
+          <p:cNvPr id="82" name="PlaceHolder 2"/>
           <p:cNvSpPr>
             <a:spLocks noGrp="1"/>
           </p:cNvSpPr>
@@ -505,7 +510,7 @@
       </p:sp>
       <p:sp>
         <p:nvSpPr>
-          <p:cNvPr id="65" name="CustomShape 3"/>
+          <p:cNvPr id="83" name="CustomShape 3"/>
           <p:cNvSpPr/>
           <p:nvPr/>
         </p:nvSpPr>
@@ -543,7 +548,7 @@
                 <a:spcPct val="100000"/>
               </a:lnSpc>
             </a:pPr>
-            <a:fld id="{80200357-070D-43FB-826F-1CEC89835D60}" type="slidenum">
+            <a:fld id="{9B814043-9D30-40FF-B130-EF2C32B1083D}" type="slidenum">
               <a:rPr lang="en-US" sz="1200" b="0" strike="noStrike" spc="-1">
                 <a:solidFill>
                   <a:srgbClr val="000000"/>
@@ -716,7 +721,7 @@
       </p:grpSpPr>
       <p:sp>
         <p:nvSpPr>
-          <p:cNvPr id="66" name="PlaceHolder 1"/>
+          <p:cNvPr id="63" name="PlaceHolder 1"/>
           <p:cNvSpPr>
             <a:spLocks noGrp="1" noRot="1" noChangeAspect="1"/>
           </p:cNvSpPr>
@@ -736,7 +741,7 @@
       </p:sp>
       <p:sp>
         <p:nvSpPr>
-          <p:cNvPr id="67" name="PlaceHolder 2"/>
+          <p:cNvPr id="64" name="PlaceHolder 2"/>
           <p:cNvSpPr>
             <a:spLocks noGrp="1"/>
           </p:cNvSpPr>
@@ -765,7 +770,7 @@
       </p:sp>
       <p:sp>
         <p:nvSpPr>
-          <p:cNvPr id="68" name="CustomShape 3"/>
+          <p:cNvPr id="65" name="CustomShape 3"/>
           <p:cNvSpPr/>
           <p:nvPr/>
         </p:nvSpPr>
@@ -803,7 +808,7 @@
                 <a:spcPct val="100000"/>
               </a:lnSpc>
             </a:pPr>
-            <a:fld id="{C0BF2E31-02A3-469A-A88D-378A7843312B}" type="slidenum">
+            <a:fld id="{80200357-070D-43FB-826F-1CEC89835D60}" type="slidenum">
               <a:rPr lang="en-US" sz="1200" b="0" strike="noStrike" spc="-1">
                 <a:solidFill>
                   <a:srgbClr val="000000"/>
@@ -846,7 +851,7 @@
       </p:grpSpPr>
       <p:sp>
         <p:nvSpPr>
-          <p:cNvPr id="69" name="PlaceHolder 1"/>
+          <p:cNvPr id="66" name="PlaceHolder 1"/>
           <p:cNvSpPr>
             <a:spLocks noGrp="1" noRot="1" noChangeAspect="1"/>
           </p:cNvSpPr>
@@ -866,7 +871,7 @@
       </p:sp>
       <p:sp>
         <p:nvSpPr>
-          <p:cNvPr id="70" name="PlaceHolder 2"/>
+          <p:cNvPr id="67" name="PlaceHolder 2"/>
           <p:cNvSpPr>
             <a:spLocks noGrp="1"/>
           </p:cNvSpPr>
@@ -895,7 +900,7 @@
       </p:sp>
       <p:sp>
         <p:nvSpPr>
-          <p:cNvPr id="71" name="CustomShape 3"/>
+          <p:cNvPr id="68" name="CustomShape 3"/>
           <p:cNvSpPr/>
           <p:nvPr/>
         </p:nvSpPr>
@@ -933,7 +938,7 @@
                 <a:spcPct val="100000"/>
               </a:lnSpc>
             </a:pPr>
-            <a:fld id="{C56F6586-9598-4248-AFE2-69A3DDAEE208}" type="slidenum">
+            <a:fld id="{C0BF2E31-02A3-469A-A88D-378A7843312B}" type="slidenum">
               <a:rPr lang="en-US" sz="1200" b="0" strike="noStrike" spc="-1">
                 <a:solidFill>
                   <a:srgbClr val="000000"/>
@@ -976,7 +981,7 @@
       </p:grpSpPr>
       <p:sp>
         <p:nvSpPr>
-          <p:cNvPr id="72" name="PlaceHolder 1"/>
+          <p:cNvPr id="69" name="PlaceHolder 1"/>
           <p:cNvSpPr>
             <a:spLocks noGrp="1" noRot="1" noChangeAspect="1"/>
           </p:cNvSpPr>
@@ -996,7 +1001,7 @@
       </p:sp>
       <p:sp>
         <p:nvSpPr>
-          <p:cNvPr id="73" name="PlaceHolder 2"/>
+          <p:cNvPr id="70" name="PlaceHolder 2"/>
           <p:cNvSpPr>
             <a:spLocks noGrp="1"/>
           </p:cNvSpPr>
@@ -1025,7 +1030,7 @@
       </p:sp>
       <p:sp>
         <p:nvSpPr>
-          <p:cNvPr id="74" name="CustomShape 3"/>
+          <p:cNvPr id="71" name="CustomShape 3"/>
           <p:cNvSpPr/>
           <p:nvPr/>
         </p:nvSpPr>
@@ -1063,7 +1068,7 @@
                 <a:spcPct val="100000"/>
               </a:lnSpc>
             </a:pPr>
-            <a:fld id="{24AC4E7E-6BEA-4673-90AA-4901088FA717}" type="slidenum">
+            <a:fld id="{C56F6586-9598-4248-AFE2-69A3DDAEE208}" type="slidenum">
               <a:rPr lang="en-US" sz="1200" b="0" strike="noStrike" spc="-1">
                 <a:solidFill>
                   <a:srgbClr val="000000"/>
@@ -1106,7 +1111,7 @@
       </p:grpSpPr>
       <p:sp>
         <p:nvSpPr>
-          <p:cNvPr id="75" name="PlaceHolder 1"/>
+          <p:cNvPr id="72" name="PlaceHolder 1"/>
           <p:cNvSpPr>
             <a:spLocks noGrp="1" noRot="1" noChangeAspect="1"/>
           </p:cNvSpPr>
@@ -1126,7 +1131,7 @@
       </p:sp>
       <p:sp>
         <p:nvSpPr>
-          <p:cNvPr id="76" name="PlaceHolder 2"/>
+          <p:cNvPr id="73" name="PlaceHolder 2"/>
           <p:cNvSpPr>
             <a:spLocks noGrp="1"/>
           </p:cNvSpPr>
@@ -1147,92 +1152,15 @@
           <a:bodyPr lIns="0" tIns="0" rIns="0" bIns="0"/>
           <a:lstStyle/>
           <a:p>
-            <a:pPr marL="216000" indent="-215640">
-              <a:lnSpc>
-                <a:spcPct val="100000"/>
-              </a:lnSpc>
-            </a:pPr>
-            <a:r>
-              <a:rPr lang="en-US" sz="2000" b="0" strike="noStrike" spc="-1">
-                <a:latin typeface="Arial"/>
-              </a:rPr>
-              <a:t>Master &lt;- 공유기(switch) -&gt; Node (가정) </a:t>
-            </a:r>
-          </a:p>
-          <a:p>
-            <a:pPr marL="216000" indent="-215640">
-              <a:lnSpc>
-                <a:spcPct val="100000"/>
-              </a:lnSpc>
-            </a:pPr>
             <a:endParaRPr lang="en-US" sz="2000" b="0" strike="noStrike" spc="-1">
               <a:latin typeface="Arial"/>
             </a:endParaRPr>
           </a:p>
-          <a:p>
-            <a:pPr marL="216000" indent="-215640">
-              <a:lnSpc>
-                <a:spcPct val="100000"/>
-              </a:lnSpc>
-            </a:pPr>
-            <a:r>
-              <a:rPr lang="en-US" sz="2000" b="0" strike="noStrike" spc="-1">
-                <a:latin typeface="Arial"/>
-              </a:rPr>
-              <a:t>이 사이의 통신을 효과적으로 구현할 수 있는 서버를 만들자.</a:t>
-            </a:r>
-          </a:p>
-          <a:p>
-            <a:pPr marL="216000" indent="-215640">
-              <a:lnSpc>
-                <a:spcPct val="100000"/>
-              </a:lnSpc>
-            </a:pPr>
-            <a:endParaRPr lang="en-US" sz="2000" b="0" strike="noStrike" spc="-1">
-              <a:latin typeface="Arial"/>
-            </a:endParaRPr>
-          </a:p>
-          <a:p>
-            <a:pPr marL="216000" indent="-215640">
-              <a:lnSpc>
-                <a:spcPct val="100000"/>
-              </a:lnSpc>
-            </a:pPr>
-            <a:r>
-              <a:rPr lang="en-US" sz="2000" b="0" strike="noStrike" spc="-1">
-                <a:latin typeface="Arial"/>
-              </a:rPr>
-              <a:t>Flask IO, MQTT, NAT, Port-Forwarding, </a:t>
-            </a:r>
-          </a:p>
-          <a:p>
-            <a:pPr marL="216000" indent="-215640">
-              <a:lnSpc>
-                <a:spcPct val="100000"/>
-              </a:lnSpc>
-            </a:pPr>
-            <a:r>
-              <a:rPr lang="en-US" sz="2000" b="0" strike="noStrike" spc="-1">
-                <a:latin typeface="Arial"/>
-              </a:rPr>
-              <a:t>PAT 는 대안이 될 수 없나?</a:t>
-            </a:r>
-          </a:p>
-          <a:p>
-            <a:pPr marL="216000" indent="-215640">
-              <a:lnSpc>
-                <a:spcPct val="100000"/>
-              </a:lnSpc>
-            </a:pPr>
-            <a:endParaRPr lang="en-US" sz="2000" b="0" strike="noStrike" spc="-1">
-              <a:latin typeface="Arial"/>
-            </a:endParaRPr>
-          </a:p>
-        </p:txBody>
-      </p:sp>
-      <p:sp>
-        <p:nvSpPr>
-          <p:cNvPr id="77" name="CustomShape 3"/>
+        </p:txBody>
+      </p:sp>
+      <p:sp>
+        <p:nvSpPr>
+          <p:cNvPr id="74" name="CustomShape 3"/>
           <p:cNvSpPr/>
           <p:nvPr/>
         </p:nvSpPr>
@@ -1270,7 +1198,7 @@
                 <a:spcPct val="100000"/>
               </a:lnSpc>
             </a:pPr>
-            <a:fld id="{3B7F4E30-6684-47ED-91A6-B3BC9B93D825}" type="slidenum">
+            <a:fld id="{24AC4E7E-6BEA-4673-90AA-4901088FA717}" type="slidenum">
               <a:rPr lang="en-US" sz="1200" b="0" strike="noStrike" spc="-1">
                 <a:solidFill>
                   <a:srgbClr val="000000"/>
@@ -1313,7 +1241,7 @@
       </p:grpSpPr>
       <p:sp>
         <p:nvSpPr>
-          <p:cNvPr id="78" name="PlaceHolder 1"/>
+          <p:cNvPr id="75" name="PlaceHolder 1"/>
           <p:cNvSpPr>
             <a:spLocks noGrp="1" noRot="1" noChangeAspect="1"/>
           </p:cNvSpPr>
@@ -1333,7 +1261,7 @@
       </p:sp>
       <p:sp>
         <p:nvSpPr>
-          <p:cNvPr id="79" name="PlaceHolder 2"/>
+          <p:cNvPr id="76" name="PlaceHolder 2"/>
           <p:cNvSpPr>
             <a:spLocks noGrp="1"/>
           </p:cNvSpPr>
@@ -1354,15 +1282,92 @@
           <a:bodyPr lIns="0" tIns="0" rIns="0" bIns="0"/>
           <a:lstStyle/>
           <a:p>
+            <a:pPr marL="216000" indent="-215640">
+              <a:lnSpc>
+                <a:spcPct val="100000"/>
+              </a:lnSpc>
+            </a:pPr>
+            <a:r>
+              <a:rPr lang="en-US" sz="2000" b="0" strike="noStrike" spc="-1">
+                <a:latin typeface="Arial"/>
+              </a:rPr>
+              <a:t>Master &lt;- 공유기(switch) -&gt; Node (가정) </a:t>
+            </a:r>
+          </a:p>
+          <a:p>
+            <a:pPr marL="216000" indent="-215640">
+              <a:lnSpc>
+                <a:spcPct val="100000"/>
+              </a:lnSpc>
+            </a:pPr>
             <a:endParaRPr lang="en-US" sz="2000" b="0" strike="noStrike" spc="-1">
               <a:latin typeface="Arial"/>
             </a:endParaRPr>
           </a:p>
-        </p:txBody>
-      </p:sp>
-      <p:sp>
-        <p:nvSpPr>
-          <p:cNvPr id="80" name="CustomShape 3"/>
+          <a:p>
+            <a:pPr marL="216000" indent="-215640">
+              <a:lnSpc>
+                <a:spcPct val="100000"/>
+              </a:lnSpc>
+            </a:pPr>
+            <a:r>
+              <a:rPr lang="en-US" sz="2000" b="0" strike="noStrike" spc="-1">
+                <a:latin typeface="Arial"/>
+              </a:rPr>
+              <a:t>이 사이의 통신을 효과적으로 구현할 수 있는 서버를 만들자.</a:t>
+            </a:r>
+          </a:p>
+          <a:p>
+            <a:pPr marL="216000" indent="-215640">
+              <a:lnSpc>
+                <a:spcPct val="100000"/>
+              </a:lnSpc>
+            </a:pPr>
+            <a:endParaRPr lang="en-US" sz="2000" b="0" strike="noStrike" spc="-1">
+              <a:latin typeface="Arial"/>
+            </a:endParaRPr>
+          </a:p>
+          <a:p>
+            <a:pPr marL="216000" indent="-215640">
+              <a:lnSpc>
+                <a:spcPct val="100000"/>
+              </a:lnSpc>
+            </a:pPr>
+            <a:r>
+              <a:rPr lang="en-US" sz="2000" b="0" strike="noStrike" spc="-1">
+                <a:latin typeface="Arial"/>
+              </a:rPr>
+              <a:t>Flask IO, MQTT, NAT, Port-Forwarding, </a:t>
+            </a:r>
+          </a:p>
+          <a:p>
+            <a:pPr marL="216000" indent="-215640">
+              <a:lnSpc>
+                <a:spcPct val="100000"/>
+              </a:lnSpc>
+            </a:pPr>
+            <a:r>
+              <a:rPr lang="en-US" sz="2000" b="0" strike="noStrike" spc="-1">
+                <a:latin typeface="Arial"/>
+              </a:rPr>
+              <a:t>PAT 는 대안이 될 수 없나?</a:t>
+            </a:r>
+          </a:p>
+          <a:p>
+            <a:pPr marL="216000" indent="-215640">
+              <a:lnSpc>
+                <a:spcPct val="100000"/>
+              </a:lnSpc>
+            </a:pPr>
+            <a:endParaRPr lang="en-US" sz="2000" b="0" strike="noStrike" spc="-1">
+              <a:latin typeface="Arial"/>
+            </a:endParaRPr>
+          </a:p>
+        </p:txBody>
+      </p:sp>
+      <p:sp>
+        <p:nvSpPr>
+          <p:cNvPr id="77" name="CustomShape 3"/>
           <p:cNvSpPr/>
           <p:nvPr/>
         </p:nvSpPr>
@@ -1400,7 +1405,7 @@
                 <a:spcPct val="100000"/>
               </a:lnSpc>
             </a:pPr>
-            <a:fld id="{09E3E891-8460-44CB-9CB6-390FB884FDE7}" type="slidenum">
+            <a:fld id="{3B7F4E30-6684-47ED-91A6-B3BC9B93D825}" type="slidenum">
               <a:rPr lang="en-US" sz="1200" b="0" strike="noStrike" spc="-1">
                 <a:solidFill>
                   <a:srgbClr val="000000"/>
@@ -1443,7 +1448,7 @@
       </p:grpSpPr>
       <p:sp>
         <p:nvSpPr>
-          <p:cNvPr id="81" name="PlaceHolder 1"/>
+          <p:cNvPr id="84" name="PlaceHolder 1"/>
           <p:cNvSpPr>
             <a:spLocks noGrp="1" noRot="1" noChangeAspect="1"/>
           </p:cNvSpPr>
@@ -1454,16 +1459,16 @@
         <p:spPr>
           <a:xfrm>
             <a:off x="685800" y="1143000"/>
-            <a:ext cx="5485680" cy="3085560"/>
-          </a:xfrm>
-          <a:prstGeom prst="rect">
-            <a:avLst/>
-          </a:prstGeom>
-        </p:spPr>
-      </p:sp>
-      <p:sp>
-        <p:nvSpPr>
-          <p:cNvPr id="82" name="PlaceHolder 2"/>
+            <a:ext cx="5486400" cy="3086100"/>
+          </a:xfrm>
+          <a:prstGeom prst="rect">
+            <a:avLst/>
+          </a:prstGeom>
+        </p:spPr>
+      </p:sp>
+      <p:sp>
+        <p:nvSpPr>
+          <p:cNvPr id="85" name="PlaceHolder 2"/>
           <p:cNvSpPr>
             <a:spLocks noGrp="1"/>
           </p:cNvSpPr>
@@ -1492,7 +1497,7 @@
       </p:sp>
       <p:sp>
         <p:nvSpPr>
-          <p:cNvPr id="83" name="CustomShape 3"/>
+          <p:cNvPr id="86" name="CustomShape 3"/>
           <p:cNvSpPr/>
           <p:nvPr/>
         </p:nvSpPr>
@@ -1530,7 +1535,7 @@
                 <a:spcPct val="100000"/>
               </a:lnSpc>
             </a:pPr>
-            <a:fld id="{9B814043-9D30-40FF-B130-EF2C32B1083D}" type="slidenum">
+            <a:fld id="{69607DB9-1BA6-4BE1-9D52-BC9432598240}" type="slidenum">
               <a:rPr lang="en-US" sz="1200" b="0" strike="noStrike" spc="-1">
                 <a:solidFill>
                   <a:srgbClr val="000000"/>
@@ -1573,7 +1578,7 @@
       </p:grpSpPr>
       <p:sp>
         <p:nvSpPr>
-          <p:cNvPr id="84" name="PlaceHolder 1"/>
+          <p:cNvPr id="78" name="PlaceHolder 1"/>
           <p:cNvSpPr>
             <a:spLocks noGrp="1" noRot="1" noChangeAspect="1"/>
           </p:cNvSpPr>
@@ -1584,16 +1589,16 @@
         <p:spPr>
           <a:xfrm>
             <a:off x="685800" y="1143000"/>
-            <a:ext cx="5485680" cy="3085560"/>
-          </a:xfrm>
-          <a:prstGeom prst="rect">
-            <a:avLst/>
-          </a:prstGeom>
-        </p:spPr>
-      </p:sp>
-      <p:sp>
-        <p:nvSpPr>
-          <p:cNvPr id="85" name="PlaceHolder 2"/>
+            <a:ext cx="5486400" cy="3086100"/>
+          </a:xfrm>
+          <a:prstGeom prst="rect">
+            <a:avLst/>
+          </a:prstGeom>
+        </p:spPr>
+      </p:sp>
+      <p:sp>
+        <p:nvSpPr>
+          <p:cNvPr id="79" name="PlaceHolder 2"/>
           <p:cNvSpPr>
             <a:spLocks noGrp="1"/>
           </p:cNvSpPr>
@@ -1622,7 +1627,7 @@
       </p:sp>
       <p:sp>
         <p:nvSpPr>
-          <p:cNvPr id="86" name="CustomShape 3"/>
+          <p:cNvPr id="80" name="CustomShape 3"/>
           <p:cNvSpPr/>
           <p:nvPr/>
         </p:nvSpPr>
@@ -1660,7 +1665,7 @@
                 <a:spcPct val="100000"/>
               </a:lnSpc>
             </a:pPr>
-            <a:fld id="{69607DB9-1BA6-4BE1-9D52-BC9432598240}" type="slidenum">
+            <a:fld id="{09E3E891-8460-44CB-9CB6-390FB884FDE7}" type="slidenum">
               <a:rPr lang="en-US" sz="1200" b="0" strike="noStrike" spc="-1">
                 <a:solidFill>
                   <a:srgbClr val="000000"/>
@@ -3753,293 +3758,342 @@
       </p:grpSpPr>
       <p:sp>
         <p:nvSpPr>
-          <p:cNvPr id="44" name="CustomShape 1"/>
+          <p:cNvPr id="4" name="직사각형 3"/>
           <p:cNvSpPr/>
           <p:nvPr/>
         </p:nvSpPr>
         <p:spPr>
           <a:xfrm>
-            <a:off x="879120" y="478440"/>
-            <a:ext cx="1989000" cy="364320"/>
-          </a:xfrm>
-          <a:prstGeom prst="rect">
-            <a:avLst/>
-          </a:prstGeom>
-          <a:noFill/>
-          <a:ln>
-            <a:noFill/>
-          </a:ln>
-        </p:spPr>
-        <p:style>
-          <a:lnRef idx="0">
-            <a:scrgbClr r="0" g="0" b="0"/>
-          </a:lnRef>
-          <a:fillRef idx="0">
-            <a:scrgbClr r="0" g="0" b="0"/>
-          </a:fillRef>
-          <a:effectRef idx="0">
-            <a:scrgbClr r="0" g="0" b="0"/>
-          </a:effectRef>
-          <a:fontRef idx="minor"/>
-        </p:style>
-        <p:txBody>
-          <a:bodyPr wrap="none" lIns="90000" tIns="45000" rIns="90000" bIns="45000"/>
-          <a:lstStyle/>
-          <a:p>
-            <a:pPr marL="285840" indent="-285120">
-              <a:lnSpc>
-                <a:spcPct val="100000"/>
-              </a:lnSpc>
-              <a:buClr>
-                <a:srgbClr val="000000"/>
-              </a:buClr>
-              <a:buFont typeface="Arial"/>
+            <a:off x="1547446" y="840774"/>
+            <a:ext cx="6096000" cy="2123658"/>
+          </a:xfrm>
+          <a:prstGeom prst="rect">
+            <a:avLst/>
+          </a:prstGeom>
+        </p:spPr>
+        <p:txBody>
+          <a:bodyPr>
+            <a:spAutoFit/>
+          </a:bodyPr>
+          <a:lstStyle/>
+          <a:p>
+            <a:pPr>
+              <a:buFont typeface="Arial" panose="020B0604020202020204" pitchFamily="34" charset="0"/>
               <a:buChar char="•"/>
             </a:pPr>
             <a:r>
-              <a:rPr lang="en-US" sz="1800" b="0" strike="noStrike" spc="-1">
-                <a:solidFill>
-                  <a:srgbClr val="000000"/>
-                </a:solidFill>
-                <a:latin typeface="맑은 고딕"/>
-                <a:ea typeface="DejaVu Sans"/>
-              </a:rPr>
-              <a:t>Terminal 접근 </a:t>
-            </a:r>
-            <a:endParaRPr lang="en-US" sz="1800" b="0" strike="noStrike" spc="-1">
-              <a:latin typeface="Arial"/>
-            </a:endParaRPr>
-          </a:p>
-        </p:txBody>
-      </p:sp>
-      <p:sp>
-        <p:nvSpPr>
-          <p:cNvPr id="45" name="CustomShape 2"/>
-          <p:cNvSpPr/>
-          <p:nvPr/>
-        </p:nvSpPr>
-        <p:spPr>
-          <a:xfrm>
-            <a:off x="2686680" y="1309680"/>
-            <a:ext cx="4819680" cy="5027040"/>
-          </a:xfrm>
-          <a:prstGeom prst="rect">
-            <a:avLst/>
-          </a:prstGeom>
-          <a:noFill/>
-          <a:ln>
-            <a:noFill/>
-          </a:ln>
-        </p:spPr>
-        <p:style>
-          <a:lnRef idx="0">
-            <a:scrgbClr r="0" g="0" b="0"/>
-          </a:lnRef>
-          <a:fillRef idx="0">
-            <a:scrgbClr r="0" g="0" b="0"/>
-          </a:fillRef>
-          <a:effectRef idx="0">
-            <a:scrgbClr r="0" g="0" b="0"/>
-          </a:effectRef>
-          <a:fontRef idx="minor"/>
-        </p:style>
-        <p:txBody>
-          <a:bodyPr lIns="90000" tIns="45000" rIns="90000" bIns="45000"/>
-          <a:lstStyle/>
+              <a:rPr lang="ko-KR" altLang="en-US" sz="1200" b="1" dirty="0"/>
+              <a:t>목적 </a:t>
+            </a:r>
+            <a:r>
+              <a:rPr lang="en-US" altLang="ko-KR" sz="1200" b="1" dirty="0"/>
+              <a:t>:</a:t>
+            </a:r>
+            <a:r>
+              <a:rPr lang="ko-KR" altLang="en-US" sz="1200" dirty="0"/>
+              <a:t> </a:t>
+            </a:r>
+            <a:r>
+              <a:rPr lang="ko-KR" altLang="en-US" sz="1200" dirty="0" err="1"/>
+              <a:t>엣지</a:t>
+            </a:r>
+            <a:r>
+              <a:rPr lang="ko-KR" altLang="en-US" sz="1200" dirty="0"/>
+              <a:t> 디바이스에의 </a:t>
+            </a:r>
+            <a:r>
+              <a:rPr lang="en-US" altLang="ko-KR" sz="1200" dirty="0" err="1"/>
+              <a:t>docker</a:t>
+            </a:r>
+            <a:r>
+              <a:rPr lang="en-US" altLang="ko-KR" sz="1200" dirty="0"/>
+              <a:t> container image </a:t>
+            </a:r>
+            <a:r>
+              <a:rPr lang="ko-KR" altLang="en-US" sz="1200" dirty="0"/>
+              <a:t>설치를 지원하는 </a:t>
+            </a:r>
+            <a:br>
+              <a:rPr lang="ko-KR" altLang="en-US" sz="1200" dirty="0"/>
+            </a:br>
+            <a:r>
+              <a:rPr lang="ko-KR" altLang="en-US" sz="1200" dirty="0"/>
+              <a:t>서버 </a:t>
+            </a:r>
+            <a:r>
+              <a:rPr lang="en-US" altLang="ko-KR" sz="1200" dirty="0"/>
+              <a:t>- </a:t>
+            </a:r>
+            <a:r>
+              <a:rPr lang="ko-KR" altLang="en-US" sz="1200" dirty="0"/>
+              <a:t>클라이언트 어플리케이션 작성 </a:t>
+            </a:r>
+            <a:r>
+              <a:rPr lang="en-US" altLang="ko-KR" sz="1200" dirty="0"/>
+              <a:t>(</a:t>
+            </a:r>
+            <a:r>
+              <a:rPr lang="ko-KR" altLang="en-US" sz="1200" dirty="0"/>
+              <a:t>서버 </a:t>
+            </a:r>
+            <a:r>
+              <a:rPr lang="en-US" altLang="ko-KR" sz="1200" dirty="0"/>
+              <a:t>1</a:t>
+            </a:r>
+            <a:r>
+              <a:rPr lang="ko-KR" altLang="en-US" sz="1200" dirty="0"/>
+              <a:t>종</a:t>
+            </a:r>
+            <a:r>
+              <a:rPr lang="en-US" altLang="ko-KR" sz="1200" dirty="0"/>
+              <a:t>, </a:t>
+            </a:r>
+            <a:r>
+              <a:rPr lang="ko-KR" altLang="en-US" sz="1200" dirty="0"/>
+              <a:t>클라이언트 </a:t>
+            </a:r>
+            <a:r>
+              <a:rPr lang="en-US" altLang="ko-KR" sz="1200" dirty="0"/>
+              <a:t>1</a:t>
+            </a:r>
+            <a:r>
+              <a:rPr lang="ko-KR" altLang="en-US" sz="1200" dirty="0"/>
+              <a:t>종</a:t>
+            </a:r>
+            <a:r>
+              <a:rPr lang="en-US" altLang="ko-KR" sz="1200" dirty="0"/>
+              <a:t>)</a:t>
+            </a:r>
+          </a:p>
           <a:p>
             <a:pPr>
-              <a:lnSpc>
-                <a:spcPct val="100000"/>
-              </a:lnSpc>
+              <a:buFont typeface="Arial" panose="020B0604020202020204" pitchFamily="34" charset="0"/>
+              <a:buChar char="•"/>
             </a:pPr>
             <a:r>
-              <a:rPr lang="en-US" sz="1800" b="0" strike="noStrike" spc="-1">
-                <a:solidFill>
-                  <a:srgbClr val="000000"/>
-                </a:solidFill>
-                <a:latin typeface="맑은 고딕"/>
-                <a:ea typeface="DejaVu Sans"/>
-              </a:rPr>
-              <a:t>어떻게, client 가 server 에 접근 만으로</a:t>
-            </a:r>
-            <a:endParaRPr lang="en-US" sz="1800" b="0" strike="noStrike" spc="-1">
-              <a:latin typeface="Arial"/>
-            </a:endParaRPr>
+              <a:rPr lang="ko-KR" altLang="en-US" sz="1200" b="1" dirty="0"/>
+              <a:t>제약 </a:t>
+            </a:r>
+            <a:r>
+              <a:rPr lang="en-US" altLang="ko-KR" sz="1200" b="1" dirty="0"/>
+              <a:t>:</a:t>
+            </a:r>
+            <a:r>
+              <a:rPr lang="ko-KR" altLang="en-US" sz="1200" dirty="0"/>
+              <a:t> </a:t>
+            </a:r>
+            <a:r>
+              <a:rPr lang="en-US" altLang="ko-KR" sz="1200" dirty="0"/>
+              <a:t>NAT Traversal issue</a:t>
+            </a:r>
+            <a:r>
+              <a:rPr lang="ko-KR" altLang="en-US" sz="1200" dirty="0"/>
+              <a:t>로부터 자유로울 것</a:t>
+            </a:r>
           </a:p>
           <a:p>
             <a:pPr>
-              <a:lnSpc>
-                <a:spcPct val="100000"/>
-              </a:lnSpc>
+              <a:buFont typeface="Arial" panose="020B0604020202020204" pitchFamily="34" charset="0"/>
+              <a:buChar char="•"/>
             </a:pPr>
             <a:r>
-              <a:rPr lang="en-US" sz="1800" b="0" strike="noStrike" spc="-1">
-                <a:solidFill>
-                  <a:srgbClr val="000000"/>
-                </a:solidFill>
-                <a:latin typeface="맑은 고딕"/>
-                <a:ea typeface="DejaVu Sans"/>
-              </a:rPr>
-              <a:t>스스로 terminal (docker) 조작을 하게 만들지?</a:t>
-            </a:r>
-            <a:endParaRPr lang="en-US" sz="1800" b="0" strike="noStrike" spc="-1">
-              <a:latin typeface="Arial"/>
-            </a:endParaRPr>
+              <a:rPr lang="ko-KR" altLang="en-US" sz="1200" b="1" dirty="0"/>
+              <a:t>방법 </a:t>
+            </a:r>
+            <a:r>
+              <a:rPr lang="en-US" altLang="ko-KR" sz="1200" b="1" dirty="0"/>
+              <a:t>:</a:t>
+            </a:r>
+            <a:r>
+              <a:rPr lang="ko-KR" altLang="en-US" sz="1200" dirty="0"/>
+              <a:t> </a:t>
+            </a:r>
+            <a:r>
+              <a:rPr lang="en-US" altLang="ko-KR" sz="1200" dirty="0"/>
+              <a:t>MQTT + Flask socket </a:t>
+            </a:r>
+            <a:r>
+              <a:rPr lang="en-US" altLang="ko-KR" sz="1200" dirty="0" err="1"/>
+              <a:t>io</a:t>
+            </a:r>
+            <a:r>
+              <a:rPr lang="en-US" altLang="ko-KR" sz="1200" dirty="0"/>
+              <a:t> </a:t>
+            </a:r>
+            <a:r>
+              <a:rPr lang="ko-KR" altLang="en-US" sz="1200" dirty="0"/>
+              <a:t>사용</a:t>
+            </a:r>
+          </a:p>
+          <a:p>
+            <a:r>
+              <a:rPr lang="ko-KR" altLang="en-US" sz="1200" dirty="0"/>
+              <a:t> </a:t>
+            </a:r>
+            <a:br>
+              <a:rPr lang="ko-KR" altLang="en-US" sz="1200" dirty="0"/>
+            </a:br>
+            <a:r>
+              <a:rPr lang="ko-KR" altLang="en-US" sz="1200" dirty="0"/>
+              <a:t>      </a:t>
+            </a:r>
+            <a:r>
+              <a:rPr lang="ko-KR" altLang="en-US" sz="1200" b="1" dirty="0"/>
+              <a:t>클라이언트 </a:t>
+            </a:r>
+            <a:r>
+              <a:rPr lang="en-US" altLang="ko-KR" sz="1200" b="1" dirty="0"/>
+              <a:t>- </a:t>
+            </a:r>
+            <a:r>
+              <a:rPr lang="ko-KR" altLang="en-US" sz="1200" b="1" dirty="0"/>
+              <a:t>서버 </a:t>
+            </a:r>
+            <a:r>
+              <a:rPr lang="ko-KR" altLang="en-US" sz="1200" b="1" dirty="0" err="1"/>
+              <a:t>프로로콜</a:t>
+            </a:r>
+            <a:r>
+              <a:rPr lang="ko-KR" altLang="en-US" sz="1200" b="1" dirty="0"/>
+              <a:t> 상세</a:t>
+            </a:r>
+            <a:endParaRPr lang="ko-KR" altLang="en-US" sz="1200" dirty="0"/>
           </a:p>
           <a:p>
             <a:pPr>
-              <a:lnSpc>
-                <a:spcPct val="100000"/>
-              </a:lnSpc>
-            </a:pPr>
-            <a:endParaRPr lang="en-US" sz="1800" b="0" strike="noStrike" spc="-1">
-              <a:latin typeface="Arial"/>
-            </a:endParaRPr>
-          </a:p>
-          <a:p>
-            <a:pPr marL="343080" indent="-342360">
-              <a:lnSpc>
-                <a:spcPct val="100000"/>
-              </a:lnSpc>
-              <a:buClr>
-                <a:srgbClr val="000000"/>
-              </a:buClr>
-              <a:buFont typeface="StarSymbol"/>
+              <a:buFont typeface="+mj-lt"/>
               <a:buAutoNum type="arabicPeriod"/>
             </a:pPr>
             <a:r>
-              <a:rPr lang="en-US" sz="1800" b="0" strike="noStrike" spc="-1">
-                <a:solidFill>
-                  <a:srgbClr val="000000"/>
-                </a:solidFill>
-                <a:latin typeface="맑은 고딕"/>
-                <a:ea typeface="DejaVu Sans"/>
-              </a:rPr>
-              <a:t>clinet 가 server url 에 접근해서 status 버튼을 누른다.</a:t>
-            </a:r>
-            <a:endParaRPr lang="en-US" sz="1800" b="0" strike="noStrike" spc="-1">
-              <a:latin typeface="Arial"/>
-            </a:endParaRPr>
-          </a:p>
-          <a:p>
-            <a:pPr marL="343080" indent="-342360">
-              <a:lnSpc>
-                <a:spcPct val="100000"/>
-              </a:lnSpc>
-              <a:buClr>
-                <a:srgbClr val="000000"/>
-              </a:buClr>
-              <a:buFont typeface="StarSymbol"/>
+              <a:rPr lang="ko-KR" altLang="en-US" sz="1200" dirty="0"/>
+              <a:t> 클라이언트는 </a:t>
+            </a:r>
+            <a:r>
+              <a:rPr lang="ko-KR" altLang="en-US" sz="1200" dirty="0" err="1"/>
+              <a:t>엣지</a:t>
+            </a:r>
+            <a:r>
+              <a:rPr lang="ko-KR" altLang="en-US" sz="1200" dirty="0"/>
+              <a:t> 노드에서 </a:t>
+            </a:r>
+            <a:r>
+              <a:rPr lang="ko-KR" altLang="en-US" sz="1200" dirty="0" err="1"/>
+              <a:t>실행시</a:t>
+            </a:r>
+            <a:r>
+              <a:rPr lang="ko-KR" altLang="en-US" sz="1200" dirty="0"/>
+              <a:t> </a:t>
+            </a:r>
+            <a:r>
+              <a:rPr lang="en-US" altLang="ko-KR" sz="1200" dirty="0"/>
+              <a:t>MQTT Topic</a:t>
+            </a:r>
+            <a:r>
+              <a:rPr lang="ko-KR" altLang="en-US" sz="1200" dirty="0"/>
+              <a:t>에 자기 자신 등록</a:t>
+            </a:r>
+          </a:p>
+          <a:p>
+            <a:pPr>
+              <a:buFont typeface="+mj-lt"/>
               <a:buAutoNum type="arabicPeriod"/>
             </a:pPr>
             <a:r>
-              <a:rPr lang="en-US" sz="1800" b="0" strike="noStrike" spc="-1">
-                <a:solidFill>
-                  <a:srgbClr val="000000"/>
-                </a:solidFill>
-                <a:latin typeface="맑은 고딕"/>
-                <a:ea typeface="DejaVu Sans"/>
-              </a:rPr>
-              <a:t>버튼을 누르면, server 가 status request 를 받고, 그 기기가 DB 에 저장되어 있는지 보고 그 기기의 terminal 로 부터 docker ps –a 명령을 받아서 response 로 보낸다.</a:t>
-            </a:r>
-            <a:endParaRPr lang="en-US" sz="1800" b="0" strike="noStrike" spc="-1">
-              <a:latin typeface="Arial"/>
-            </a:endParaRPr>
-          </a:p>
-          <a:p>
-            <a:pPr marL="343080" indent="-342360">
-              <a:lnSpc>
-                <a:spcPct val="100000"/>
-              </a:lnSpc>
-              <a:buClr>
-                <a:srgbClr val="000000"/>
-              </a:buClr>
-              <a:buFont typeface="StarSymbol"/>
+              <a:rPr lang="ko-KR" altLang="en-US" sz="1200" dirty="0"/>
+              <a:t>서버는 </a:t>
+            </a:r>
+            <a:r>
+              <a:rPr lang="ko-KR" altLang="en-US" sz="1200" dirty="0" err="1"/>
+              <a:t>엣지</a:t>
+            </a:r>
+            <a:r>
+              <a:rPr lang="ko-KR" altLang="en-US" sz="1200" dirty="0"/>
+              <a:t> </a:t>
+            </a:r>
+            <a:r>
+              <a:rPr lang="ko-KR" altLang="en-US" sz="1200" dirty="0" err="1"/>
+              <a:t>노드로부터</a:t>
+            </a:r>
+            <a:r>
+              <a:rPr lang="ko-KR" altLang="en-US" sz="1200" dirty="0"/>
+              <a:t> 전달된 등록 요청에 의거하여 기기 정보 </a:t>
+            </a:r>
+            <a:r>
+              <a:rPr lang="en-US" altLang="ko-KR" sz="1200" dirty="0"/>
+              <a:t>DB</a:t>
+            </a:r>
+            <a:r>
+              <a:rPr lang="ko-KR" altLang="en-US" sz="1200" dirty="0"/>
+              <a:t>에 저장</a:t>
+            </a:r>
+          </a:p>
+          <a:p>
+            <a:pPr>
+              <a:buFont typeface="+mj-lt"/>
               <a:buAutoNum type="arabicPeriod"/>
             </a:pPr>
             <a:r>
-              <a:rPr lang="en-US" sz="1800" b="0" strike="noStrike" spc="-1">
-                <a:solidFill>
-                  <a:srgbClr val="000000"/>
-                </a:solidFill>
-                <a:latin typeface="맑은 고딕"/>
-                <a:ea typeface="DejaVu Sans"/>
-              </a:rPr>
-              <a:t>홈페이지에 출력</a:t>
-            </a:r>
-            <a:endParaRPr lang="en-US" sz="1800" b="0" strike="noStrike" spc="-1">
-              <a:latin typeface="Arial"/>
-            </a:endParaRPr>
+              <a:rPr lang="ko-KR" altLang="en-US" sz="1200" dirty="0"/>
+              <a:t>서버는 </a:t>
+            </a:r>
+            <a:r>
+              <a:rPr lang="ko-KR" altLang="en-US" sz="1200" dirty="0" err="1"/>
+              <a:t>엣지</a:t>
+            </a:r>
+            <a:r>
+              <a:rPr lang="ko-KR" altLang="en-US" sz="1200" dirty="0"/>
+              <a:t> 노드에 </a:t>
+            </a:r>
+            <a:r>
+              <a:rPr lang="en-US" altLang="ko-KR" sz="1200" dirty="0"/>
+              <a:t>hello-world </a:t>
+            </a:r>
+            <a:r>
+              <a:rPr lang="ko-KR" altLang="en-US" sz="1200" dirty="0"/>
+              <a:t>컨테이너 설치를 요청</a:t>
+            </a:r>
+            <a:r>
+              <a:rPr lang="en-US" altLang="ko-KR" sz="1200" dirty="0"/>
+              <a:t>. </a:t>
+            </a:r>
+            <a:r>
+              <a:rPr lang="ko-KR" altLang="en-US" sz="1200" dirty="0"/>
+              <a:t>이 때 서버는 클라이언트에 컨테이너 </a:t>
+            </a:r>
+            <a:r>
+              <a:rPr lang="en-US" altLang="ko-KR" sz="1200" dirty="0"/>
+              <a:t>URL </a:t>
+            </a:r>
+            <a:r>
+              <a:rPr lang="ko-KR" altLang="en-US" sz="1200" dirty="0"/>
+              <a:t>및 설치 명령만 전송</a:t>
+            </a:r>
+            <a:r>
+              <a:rPr lang="en-US" altLang="ko-KR" sz="1200" dirty="0"/>
+              <a:t>.</a:t>
+            </a:r>
           </a:p>
           <a:p>
             <a:pPr>
-              <a:lnSpc>
-                <a:spcPct val="100000"/>
-              </a:lnSpc>
+              <a:buFont typeface="+mj-lt"/>
+              <a:buAutoNum type="arabicPeriod"/>
             </a:pPr>
-            <a:endParaRPr lang="en-US" sz="1800" b="0" strike="noStrike" spc="-1">
-              <a:latin typeface="Arial"/>
-            </a:endParaRPr>
-          </a:p>
-          <a:p>
-            <a:pPr>
-              <a:lnSpc>
-                <a:spcPct val="100000"/>
-              </a:lnSpc>
-            </a:pPr>
-            <a:endParaRPr lang="en-US" sz="1800" b="0" strike="noStrike" spc="-1">
-              <a:latin typeface="Arial"/>
-            </a:endParaRPr>
-          </a:p>
-          <a:p>
-            <a:pPr>
-              <a:lnSpc>
-                <a:spcPct val="100000"/>
-              </a:lnSpc>
-            </a:pPr>
-            <a:endParaRPr lang="en-US" sz="1800" b="0" strike="noStrike" spc="-1">
-              <a:latin typeface="Arial"/>
-            </a:endParaRPr>
-          </a:p>
-          <a:p>
-            <a:pPr>
-              <a:lnSpc>
-                <a:spcPct val="100000"/>
-              </a:lnSpc>
-            </a:pPr>
-            <a:r>
-              <a:rPr lang="en-US" sz="1800" b="0" strike="noStrike" spc="-1">
-                <a:solidFill>
-                  <a:srgbClr val="000000"/>
-                </a:solidFill>
-                <a:latin typeface="맑은 고딕"/>
-                <a:ea typeface="DejaVu Sans"/>
-              </a:rPr>
-              <a:t>-&gt; 각 node 들도 docker 조작을 할 수 있는 server 가 동작하면 될까?</a:t>
-            </a:r>
-            <a:endParaRPr lang="en-US" sz="1800" b="0" strike="noStrike" spc="-1">
-              <a:latin typeface="Arial"/>
-            </a:endParaRPr>
-          </a:p>
-          <a:p>
-            <a:pPr>
-              <a:lnSpc>
-                <a:spcPct val="100000"/>
-              </a:lnSpc>
-            </a:pPr>
-            <a:r>
-              <a:rPr lang="en-US" sz="1800" b="0" strike="noStrike" spc="-1">
-                <a:solidFill>
-                  <a:srgbClr val="000000"/>
-                </a:solidFill>
-                <a:latin typeface="맑은 고딕"/>
-                <a:ea typeface="DejaVu Sans"/>
-              </a:rPr>
-              <a:t>-&gt; 기존 docker 에서는 url 로 이를 조작할 수 있는 방법은 없을까?</a:t>
-            </a:r>
-            <a:endParaRPr lang="en-US" sz="1800" b="0" strike="noStrike" spc="-1">
-              <a:latin typeface="Arial"/>
-            </a:endParaRPr>
+            <a:r>
+              <a:rPr lang="ko-KR" altLang="en-US" sz="1200" dirty="0"/>
+              <a:t>클라이언트는 명령에 의거하여 </a:t>
+            </a:r>
+            <a:r>
+              <a:rPr lang="en-US" altLang="ko-KR" sz="1200" dirty="0" err="1"/>
+              <a:t>docker</a:t>
+            </a:r>
+            <a:r>
+              <a:rPr lang="en-US" altLang="ko-KR" sz="1200" dirty="0"/>
+              <a:t> run … </a:t>
+            </a:r>
+            <a:r>
+              <a:rPr lang="ko-KR" altLang="en-US" sz="1200" dirty="0"/>
+              <a:t>명령을 로컬에서 실행</a:t>
+            </a:r>
           </a:p>
         </p:txBody>
       </p:sp>
@@ -4149,13 +4203,13 @@
       </p:grpSpPr>
       <p:sp>
         <p:nvSpPr>
-          <p:cNvPr id="46" name="CustomShape 1"/>
+          <p:cNvPr id="44" name="CustomShape 1"/>
           <p:cNvSpPr/>
           <p:nvPr/>
         </p:nvSpPr>
         <p:spPr>
           <a:xfrm>
-            <a:off x="913320" y="456120"/>
+            <a:off x="879120" y="478440"/>
             <a:ext cx="1989000" cy="364320"/>
           </a:xfrm>
           <a:prstGeom prst="rect">
@@ -4210,14 +4264,14 @@
       </p:sp>
       <p:sp>
         <p:nvSpPr>
-          <p:cNvPr id="47" name="CustomShape 2"/>
+          <p:cNvPr id="45" name="CustomShape 2"/>
           <p:cNvSpPr/>
           <p:nvPr/>
         </p:nvSpPr>
         <p:spPr>
           <a:xfrm>
-            <a:off x="1230480" y="1219320"/>
-            <a:ext cx="7551720" cy="969480"/>
+            <a:off x="2686680" y="1309680"/>
+            <a:ext cx="4819680" cy="5027040"/>
           </a:xfrm>
           <a:prstGeom prst="rect">
             <a:avLst/>
@@ -4249,16 +4303,56 @@
               </a:lnSpc>
             </a:pPr>
             <a:r>
-              <a:rPr lang="en-US" sz="1800" b="0" strike="noStrike" spc="-1">
-                <a:solidFill>
-                  <a:srgbClr val="000000"/>
-                </a:solidFill>
-                <a:latin typeface="맑은 고딕"/>
-                <a:ea typeface="DejaVu Sans"/>
-              </a:rPr>
-              <a:t>일단, 서로의 Ip 접근이 가능한 상태에서</a:t>
-            </a:r>
-            <a:endParaRPr lang="en-US" sz="1800" b="0" strike="noStrike" spc="-1">
+              <a:rPr lang="en-US" sz="1800" b="0" strike="noStrike" spc="-1" dirty="0" err="1">
+                <a:solidFill>
+                  <a:srgbClr val="000000"/>
+                </a:solidFill>
+                <a:latin typeface="맑은 고딕"/>
+                <a:ea typeface="DejaVu Sans"/>
+              </a:rPr>
+              <a:t>어떻게</a:t>
+            </a:r>
+            <a:r>
+              <a:rPr lang="en-US" sz="1800" b="0" strike="noStrike" spc="-1" dirty="0">
+                <a:solidFill>
+                  <a:srgbClr val="000000"/>
+                </a:solidFill>
+                <a:latin typeface="맑은 고딕"/>
+                <a:ea typeface="DejaVu Sans"/>
+              </a:rPr>
+              <a:t>, client 가 server 에 </a:t>
+            </a:r>
+            <a:r>
+              <a:rPr lang="en-US" sz="1800" b="0" strike="noStrike" spc="-1" dirty="0" err="1">
+                <a:solidFill>
+                  <a:srgbClr val="000000"/>
+                </a:solidFill>
+                <a:latin typeface="맑은 고딕"/>
+                <a:ea typeface="DejaVu Sans"/>
+              </a:rPr>
+              <a:t>접근</a:t>
+            </a:r>
+            <a:r>
+              <a:rPr lang="en-US" sz="1800" b="0" strike="noStrike" spc="-1" dirty="0">
+                <a:solidFill>
+                  <a:srgbClr val="000000"/>
+                </a:solidFill>
+                <a:latin typeface="맑은 고딕"/>
+                <a:ea typeface="DejaVu Sans"/>
+              </a:rPr>
+              <a:t> </a:t>
+            </a:r>
+            <a:r>
+              <a:rPr lang="en-US" sz="1800" b="0" strike="noStrike" spc="-1" dirty="0" err="1">
+                <a:solidFill>
+                  <a:srgbClr val="000000"/>
+                </a:solidFill>
+                <a:latin typeface="맑은 고딕"/>
+                <a:ea typeface="DejaVu Sans"/>
+              </a:rPr>
+              <a:t>만으로</a:t>
+            </a:r>
+            <a:endParaRPr lang="en-US" sz="1800" b="0" strike="noStrike" spc="-1" dirty="0">
               <a:latin typeface="Arial"/>
             </a:endParaRPr>
           </a:p>
@@ -4269,16 +4363,106 @@
               </a:lnSpc>
             </a:pPr>
             <a:r>
-              <a:rPr lang="en-US" sz="1800" b="0" strike="noStrike" spc="-1">
-                <a:solidFill>
-                  <a:srgbClr val="000000"/>
-                </a:solidFill>
-                <a:latin typeface="맑은 고딕"/>
-                <a:ea typeface="DejaVu Sans"/>
-              </a:rPr>
-              <a:t>Docker daemon 을 tcp 소켓? 으로 통신하는 방법으로 적용</a:t>
-            </a:r>
-            <a:endParaRPr lang="en-US" sz="1800" b="0" strike="noStrike" spc="-1">
+              <a:rPr lang="en-US" sz="1800" b="0" strike="noStrike" spc="-1" dirty="0" err="1">
+                <a:solidFill>
+                  <a:srgbClr val="000000"/>
+                </a:solidFill>
+                <a:latin typeface="맑은 고딕"/>
+                <a:ea typeface="DejaVu Sans"/>
+              </a:rPr>
+              <a:t>스스로</a:t>
+            </a:r>
+            <a:r>
+              <a:rPr lang="en-US" sz="1800" b="0" strike="noStrike" spc="-1" dirty="0">
+                <a:solidFill>
+                  <a:srgbClr val="000000"/>
+                </a:solidFill>
+                <a:latin typeface="맑은 고딕"/>
+                <a:ea typeface="DejaVu Sans"/>
+              </a:rPr>
+              <a:t> terminal (</a:t>
+            </a:r>
+            <a:r>
+              <a:rPr lang="en-US" sz="1800" b="0" strike="noStrike" spc="-1" dirty="0" err="1">
+                <a:solidFill>
+                  <a:srgbClr val="000000"/>
+                </a:solidFill>
+                <a:latin typeface="맑은 고딕"/>
+                <a:ea typeface="DejaVu Sans"/>
+              </a:rPr>
+              <a:t>docker</a:t>
+            </a:r>
+            <a:r>
+              <a:rPr lang="en-US" sz="1800" b="0" strike="noStrike" spc="-1" dirty="0">
+                <a:solidFill>
+                  <a:srgbClr val="000000"/>
+                </a:solidFill>
+                <a:latin typeface="맑은 고딕"/>
+                <a:ea typeface="DejaVu Sans"/>
+              </a:rPr>
+              <a:t>) </a:t>
+            </a:r>
+            <a:r>
+              <a:rPr lang="en-US" sz="1800" b="0" strike="noStrike" spc="-1" dirty="0" err="1">
+                <a:solidFill>
+                  <a:srgbClr val="000000"/>
+                </a:solidFill>
+                <a:latin typeface="맑은 고딕"/>
+                <a:ea typeface="DejaVu Sans"/>
+              </a:rPr>
+              <a:t>조작을</a:t>
+            </a:r>
+            <a:r>
+              <a:rPr lang="en-US" sz="1800" b="0" strike="noStrike" spc="-1" dirty="0">
+                <a:solidFill>
+                  <a:srgbClr val="000000"/>
+                </a:solidFill>
+                <a:latin typeface="맑은 고딕"/>
+                <a:ea typeface="DejaVu Sans"/>
+              </a:rPr>
+              <a:t> </a:t>
+            </a:r>
+            <a:r>
+              <a:rPr lang="en-US" sz="1800" b="0" strike="noStrike" spc="-1" dirty="0" err="1">
+                <a:solidFill>
+                  <a:srgbClr val="000000"/>
+                </a:solidFill>
+                <a:latin typeface="맑은 고딕"/>
+                <a:ea typeface="DejaVu Sans"/>
+              </a:rPr>
+              <a:t>하게</a:t>
+            </a:r>
+            <a:r>
+              <a:rPr lang="en-US" sz="1800" b="0" strike="noStrike" spc="-1" dirty="0">
+                <a:solidFill>
+                  <a:srgbClr val="000000"/>
+                </a:solidFill>
+                <a:latin typeface="맑은 고딕"/>
+                <a:ea typeface="DejaVu Sans"/>
+              </a:rPr>
+              <a:t> </a:t>
+            </a:r>
+            <a:r>
+              <a:rPr lang="en-US" sz="1800" b="0" strike="noStrike" spc="-1" dirty="0" err="1">
+                <a:solidFill>
+                  <a:srgbClr val="000000"/>
+                </a:solidFill>
+                <a:latin typeface="맑은 고딕"/>
+                <a:ea typeface="DejaVu Sans"/>
+              </a:rPr>
+              <a:t>만들지</a:t>
+            </a:r>
+            <a:r>
+              <a:rPr lang="en-US" sz="1800" b="0" strike="noStrike" spc="-1" dirty="0">
+                <a:solidFill>
+                  <a:srgbClr val="000000"/>
+                </a:solidFill>
+                <a:latin typeface="맑은 고딕"/>
+                <a:ea typeface="DejaVu Sans"/>
+              </a:rPr>
+              <a:t>?</a:t>
+            </a:r>
+            <a:endParaRPr lang="en-US" sz="1800" b="0" strike="noStrike" spc="-1" dirty="0">
               <a:latin typeface="Arial"/>
             </a:endParaRPr>
           </a:p>
@@ -4288,19 +4472,832 @@
                 <a:spcPct val="100000"/>
               </a:lnSpc>
             </a:pPr>
-            <a:r>
-              <a:rPr lang="en-US" sz="1800" b="0" u="sng" strike="noStrike" spc="-1">
-                <a:solidFill>
-                  <a:srgbClr val="0563C1"/>
-                </a:solidFill>
-                <a:uFillTx/>
-                <a:latin typeface="맑은 고딕"/>
-                <a:ea typeface="DejaVu Sans"/>
-                <a:hlinkClick r:id="rId3"/>
-              </a:rPr>
-              <a:t>https://systory.tistory.com/entry/%EC%99%B8%EB%B6%80-%ED%81%B4%EB%9D%BC%EC%9D%B4%EC%96%B8%ED%8A%B8%EC%97%90%EC%84%9C-%EB%8F%84%EC%BB%A4-%EB%8D%B0%EB%AA%AC-%EC%A0%91%EC%86%8D%ED%95%98%EA%B8%B0</a:t>
-            </a:r>
-            <a:endParaRPr lang="en-US" sz="1800" b="0" strike="noStrike" spc="-1">
+            <a:endParaRPr lang="en-US" sz="1800" b="0" strike="noStrike" spc="-1" dirty="0">
+              <a:latin typeface="Arial"/>
+            </a:endParaRPr>
+          </a:p>
+          <a:p>
+            <a:pPr marL="343080" indent="-342360">
+              <a:lnSpc>
+                <a:spcPct val="100000"/>
+              </a:lnSpc>
+              <a:buClr>
+                <a:srgbClr val="000000"/>
+              </a:buClr>
+              <a:buFont typeface="StarSymbol"/>
+              <a:buAutoNum type="arabicPeriod"/>
+            </a:pPr>
+            <a:r>
+              <a:rPr lang="en-US" sz="1800" b="0" strike="noStrike" spc="-1" dirty="0" err="1">
+                <a:solidFill>
+                  <a:srgbClr val="000000"/>
+                </a:solidFill>
+                <a:latin typeface="맑은 고딕"/>
+                <a:ea typeface="DejaVu Sans"/>
+              </a:rPr>
+              <a:t>clinet</a:t>
+            </a:r>
+            <a:r>
+              <a:rPr lang="en-US" sz="1800" b="0" strike="noStrike" spc="-1" dirty="0">
+                <a:solidFill>
+                  <a:srgbClr val="000000"/>
+                </a:solidFill>
+                <a:latin typeface="맑은 고딕"/>
+                <a:ea typeface="DejaVu Sans"/>
+              </a:rPr>
+              <a:t> 가 server </a:t>
+            </a:r>
+            <a:r>
+              <a:rPr lang="en-US" sz="1800" b="0" strike="noStrike" spc="-1" dirty="0" err="1">
+                <a:solidFill>
+                  <a:srgbClr val="000000"/>
+                </a:solidFill>
+                <a:latin typeface="맑은 고딕"/>
+                <a:ea typeface="DejaVu Sans"/>
+              </a:rPr>
+              <a:t>url</a:t>
+            </a:r>
+            <a:r>
+              <a:rPr lang="en-US" sz="1800" b="0" strike="noStrike" spc="-1" dirty="0">
+                <a:solidFill>
+                  <a:srgbClr val="000000"/>
+                </a:solidFill>
+                <a:latin typeface="맑은 고딕"/>
+                <a:ea typeface="DejaVu Sans"/>
+              </a:rPr>
+              <a:t> 에 </a:t>
+            </a:r>
+            <a:r>
+              <a:rPr lang="en-US" sz="1800" b="0" strike="noStrike" spc="-1" dirty="0" err="1">
+                <a:solidFill>
+                  <a:srgbClr val="000000"/>
+                </a:solidFill>
+                <a:latin typeface="맑은 고딕"/>
+                <a:ea typeface="DejaVu Sans"/>
+              </a:rPr>
+              <a:t>접근해서</a:t>
+            </a:r>
+            <a:r>
+              <a:rPr lang="en-US" sz="1800" b="0" strike="noStrike" spc="-1" dirty="0">
+                <a:solidFill>
+                  <a:srgbClr val="000000"/>
+                </a:solidFill>
+                <a:latin typeface="맑은 고딕"/>
+                <a:ea typeface="DejaVu Sans"/>
+              </a:rPr>
+              <a:t> status </a:t>
+            </a:r>
+            <a:r>
+              <a:rPr lang="en-US" sz="1800" b="0" strike="noStrike" spc="-1" dirty="0" err="1">
+                <a:solidFill>
+                  <a:srgbClr val="000000"/>
+                </a:solidFill>
+                <a:latin typeface="맑은 고딕"/>
+                <a:ea typeface="DejaVu Sans"/>
+              </a:rPr>
+              <a:t>버튼을</a:t>
+            </a:r>
+            <a:r>
+              <a:rPr lang="en-US" sz="1800" b="0" strike="noStrike" spc="-1" dirty="0">
+                <a:solidFill>
+                  <a:srgbClr val="000000"/>
+                </a:solidFill>
+                <a:latin typeface="맑은 고딕"/>
+                <a:ea typeface="DejaVu Sans"/>
+              </a:rPr>
+              <a:t> </a:t>
+            </a:r>
+            <a:r>
+              <a:rPr lang="en-US" sz="1800" b="0" strike="noStrike" spc="-1" dirty="0" err="1">
+                <a:solidFill>
+                  <a:srgbClr val="000000"/>
+                </a:solidFill>
+                <a:latin typeface="맑은 고딕"/>
+                <a:ea typeface="DejaVu Sans"/>
+              </a:rPr>
+              <a:t>누른다</a:t>
+            </a:r>
+            <a:r>
+              <a:rPr lang="en-US" sz="1800" b="0" strike="noStrike" spc="-1" dirty="0">
+                <a:solidFill>
+                  <a:srgbClr val="000000"/>
+                </a:solidFill>
+                <a:latin typeface="맑은 고딕"/>
+                <a:ea typeface="DejaVu Sans"/>
+              </a:rPr>
+              <a:t>.</a:t>
+            </a:r>
+            <a:endParaRPr lang="en-US" sz="1800" b="0" strike="noStrike" spc="-1" dirty="0">
+              <a:latin typeface="Arial"/>
+            </a:endParaRPr>
+          </a:p>
+          <a:p>
+            <a:pPr marL="343080" indent="-342360">
+              <a:lnSpc>
+                <a:spcPct val="100000"/>
+              </a:lnSpc>
+              <a:buClr>
+                <a:srgbClr val="000000"/>
+              </a:buClr>
+              <a:buFont typeface="StarSymbol"/>
+              <a:buAutoNum type="arabicPeriod"/>
+            </a:pPr>
+            <a:r>
+              <a:rPr lang="en-US" sz="1800" b="0" strike="noStrike" spc="-1" dirty="0" err="1">
+                <a:solidFill>
+                  <a:srgbClr val="000000"/>
+                </a:solidFill>
+                <a:latin typeface="맑은 고딕"/>
+                <a:ea typeface="DejaVu Sans"/>
+              </a:rPr>
+              <a:t>버튼을</a:t>
+            </a:r>
+            <a:r>
+              <a:rPr lang="en-US" sz="1800" b="0" strike="noStrike" spc="-1" dirty="0">
+                <a:solidFill>
+                  <a:srgbClr val="000000"/>
+                </a:solidFill>
+                <a:latin typeface="맑은 고딕"/>
+                <a:ea typeface="DejaVu Sans"/>
+              </a:rPr>
+              <a:t> </a:t>
+            </a:r>
+            <a:r>
+              <a:rPr lang="en-US" sz="1800" b="0" strike="noStrike" spc="-1" dirty="0" err="1">
+                <a:solidFill>
+                  <a:srgbClr val="000000"/>
+                </a:solidFill>
+                <a:latin typeface="맑은 고딕"/>
+                <a:ea typeface="DejaVu Sans"/>
+              </a:rPr>
+              <a:t>누르면</a:t>
+            </a:r>
+            <a:r>
+              <a:rPr lang="en-US" sz="1800" b="0" strike="noStrike" spc="-1" dirty="0">
+                <a:solidFill>
+                  <a:srgbClr val="000000"/>
+                </a:solidFill>
+                <a:latin typeface="맑은 고딕"/>
+                <a:ea typeface="DejaVu Sans"/>
+              </a:rPr>
+              <a:t>, server 가 status request 를 </a:t>
+            </a:r>
+            <a:r>
+              <a:rPr lang="en-US" sz="1800" b="0" strike="noStrike" spc="-1" dirty="0" err="1">
+                <a:solidFill>
+                  <a:srgbClr val="000000"/>
+                </a:solidFill>
+                <a:latin typeface="맑은 고딕"/>
+                <a:ea typeface="DejaVu Sans"/>
+              </a:rPr>
+              <a:t>받고</a:t>
+            </a:r>
+            <a:r>
+              <a:rPr lang="en-US" sz="1800" b="0" strike="noStrike" spc="-1" dirty="0">
+                <a:solidFill>
+                  <a:srgbClr val="000000"/>
+                </a:solidFill>
+                <a:latin typeface="맑은 고딕"/>
+                <a:ea typeface="DejaVu Sans"/>
+              </a:rPr>
+              <a:t>, 그 </a:t>
+            </a:r>
+            <a:r>
+              <a:rPr lang="en-US" sz="1800" b="0" strike="noStrike" spc="-1" dirty="0" err="1">
+                <a:solidFill>
+                  <a:srgbClr val="000000"/>
+                </a:solidFill>
+                <a:latin typeface="맑은 고딕"/>
+                <a:ea typeface="DejaVu Sans"/>
+              </a:rPr>
+              <a:t>기기가</a:t>
+            </a:r>
+            <a:r>
+              <a:rPr lang="en-US" sz="1800" b="0" strike="noStrike" spc="-1" dirty="0">
+                <a:solidFill>
+                  <a:srgbClr val="000000"/>
+                </a:solidFill>
+                <a:latin typeface="맑은 고딕"/>
+                <a:ea typeface="DejaVu Sans"/>
+              </a:rPr>
+              <a:t> DB 에 </a:t>
+            </a:r>
+            <a:r>
+              <a:rPr lang="en-US" sz="1800" b="0" strike="noStrike" spc="-1" dirty="0" err="1">
+                <a:solidFill>
+                  <a:srgbClr val="000000"/>
+                </a:solidFill>
+                <a:latin typeface="맑은 고딕"/>
+                <a:ea typeface="DejaVu Sans"/>
+              </a:rPr>
+              <a:t>저장되어</a:t>
+            </a:r>
+            <a:r>
+              <a:rPr lang="en-US" sz="1800" b="0" strike="noStrike" spc="-1" dirty="0">
+                <a:solidFill>
+                  <a:srgbClr val="000000"/>
+                </a:solidFill>
+                <a:latin typeface="맑은 고딕"/>
+                <a:ea typeface="DejaVu Sans"/>
+              </a:rPr>
+              <a:t> </a:t>
+            </a:r>
+            <a:r>
+              <a:rPr lang="en-US" sz="1800" b="0" strike="noStrike" spc="-1" dirty="0" err="1">
+                <a:solidFill>
+                  <a:srgbClr val="000000"/>
+                </a:solidFill>
+                <a:latin typeface="맑은 고딕"/>
+                <a:ea typeface="DejaVu Sans"/>
+              </a:rPr>
+              <a:t>있는지</a:t>
+            </a:r>
+            <a:r>
+              <a:rPr lang="en-US" sz="1800" b="0" strike="noStrike" spc="-1" dirty="0">
+                <a:solidFill>
+                  <a:srgbClr val="000000"/>
+                </a:solidFill>
+                <a:latin typeface="맑은 고딕"/>
+                <a:ea typeface="DejaVu Sans"/>
+              </a:rPr>
+              <a:t> </a:t>
+            </a:r>
+            <a:r>
+              <a:rPr lang="en-US" sz="1800" b="0" strike="noStrike" spc="-1" dirty="0" err="1">
+                <a:solidFill>
+                  <a:srgbClr val="000000"/>
+                </a:solidFill>
+                <a:latin typeface="맑은 고딕"/>
+                <a:ea typeface="DejaVu Sans"/>
+              </a:rPr>
+              <a:t>보고</a:t>
+            </a:r>
+            <a:r>
+              <a:rPr lang="en-US" sz="1800" b="0" strike="noStrike" spc="-1" dirty="0">
+                <a:solidFill>
+                  <a:srgbClr val="000000"/>
+                </a:solidFill>
+                <a:latin typeface="맑은 고딕"/>
+                <a:ea typeface="DejaVu Sans"/>
+              </a:rPr>
+              <a:t> 그 </a:t>
+            </a:r>
+            <a:r>
+              <a:rPr lang="en-US" sz="1800" b="0" strike="noStrike" spc="-1" dirty="0" err="1">
+                <a:solidFill>
+                  <a:srgbClr val="000000"/>
+                </a:solidFill>
+                <a:latin typeface="맑은 고딕"/>
+                <a:ea typeface="DejaVu Sans"/>
+              </a:rPr>
+              <a:t>기기의</a:t>
+            </a:r>
+            <a:r>
+              <a:rPr lang="en-US" sz="1800" b="0" strike="noStrike" spc="-1" dirty="0">
+                <a:solidFill>
+                  <a:srgbClr val="000000"/>
+                </a:solidFill>
+                <a:latin typeface="맑은 고딕"/>
+                <a:ea typeface="DejaVu Sans"/>
+              </a:rPr>
+              <a:t> terminal 로 </a:t>
+            </a:r>
+            <a:r>
+              <a:rPr lang="en-US" sz="1800" b="0" strike="noStrike" spc="-1" dirty="0" err="1">
+                <a:solidFill>
+                  <a:srgbClr val="000000"/>
+                </a:solidFill>
+                <a:latin typeface="맑은 고딕"/>
+                <a:ea typeface="DejaVu Sans"/>
+              </a:rPr>
+              <a:t>부터</a:t>
+            </a:r>
+            <a:r>
+              <a:rPr lang="en-US" sz="1800" b="0" strike="noStrike" spc="-1" dirty="0">
+                <a:solidFill>
+                  <a:srgbClr val="000000"/>
+                </a:solidFill>
+                <a:latin typeface="맑은 고딕"/>
+                <a:ea typeface="DejaVu Sans"/>
+              </a:rPr>
+              <a:t> </a:t>
+            </a:r>
+            <a:r>
+              <a:rPr lang="en-US" sz="1800" b="0" strike="noStrike" spc="-1" dirty="0" err="1">
+                <a:solidFill>
+                  <a:srgbClr val="000000"/>
+                </a:solidFill>
+                <a:latin typeface="맑은 고딕"/>
+                <a:ea typeface="DejaVu Sans"/>
+              </a:rPr>
+              <a:t>docker</a:t>
+            </a:r>
+            <a:r>
+              <a:rPr lang="en-US" sz="1800" b="0" strike="noStrike" spc="-1" dirty="0">
+                <a:solidFill>
+                  <a:srgbClr val="000000"/>
+                </a:solidFill>
+                <a:latin typeface="맑은 고딕"/>
+                <a:ea typeface="DejaVu Sans"/>
+              </a:rPr>
+              <a:t> </a:t>
+            </a:r>
+            <a:r>
+              <a:rPr lang="en-US" sz="1800" b="0" strike="noStrike" spc="-1" dirty="0" err="1">
+                <a:solidFill>
+                  <a:srgbClr val="000000"/>
+                </a:solidFill>
+                <a:latin typeface="맑은 고딕"/>
+                <a:ea typeface="DejaVu Sans"/>
+              </a:rPr>
+              <a:t>ps</a:t>
+            </a:r>
+            <a:r>
+              <a:rPr lang="en-US" sz="1800" b="0" strike="noStrike" spc="-1" dirty="0">
+                <a:solidFill>
+                  <a:srgbClr val="000000"/>
+                </a:solidFill>
+                <a:latin typeface="맑은 고딕"/>
+                <a:ea typeface="DejaVu Sans"/>
+              </a:rPr>
+              <a:t> –a </a:t>
+            </a:r>
+            <a:r>
+              <a:rPr lang="en-US" sz="1800" b="0" strike="noStrike" spc="-1" dirty="0" err="1">
+                <a:solidFill>
+                  <a:srgbClr val="000000"/>
+                </a:solidFill>
+                <a:latin typeface="맑은 고딕"/>
+                <a:ea typeface="DejaVu Sans"/>
+              </a:rPr>
+              <a:t>명령을</a:t>
+            </a:r>
+            <a:r>
+              <a:rPr lang="en-US" sz="1800" b="0" strike="noStrike" spc="-1" dirty="0">
+                <a:solidFill>
+                  <a:srgbClr val="000000"/>
+                </a:solidFill>
+                <a:latin typeface="맑은 고딕"/>
+                <a:ea typeface="DejaVu Sans"/>
+              </a:rPr>
+              <a:t> </a:t>
+            </a:r>
+            <a:r>
+              <a:rPr lang="en-US" sz="1800" b="0" strike="noStrike" spc="-1" dirty="0" err="1">
+                <a:solidFill>
+                  <a:srgbClr val="000000"/>
+                </a:solidFill>
+                <a:latin typeface="맑은 고딕"/>
+                <a:ea typeface="DejaVu Sans"/>
+              </a:rPr>
+              <a:t>받아서</a:t>
+            </a:r>
+            <a:r>
+              <a:rPr lang="en-US" sz="1800" b="0" strike="noStrike" spc="-1" dirty="0">
+                <a:solidFill>
+                  <a:srgbClr val="000000"/>
+                </a:solidFill>
+                <a:latin typeface="맑은 고딕"/>
+                <a:ea typeface="DejaVu Sans"/>
+              </a:rPr>
+              <a:t> response 로 </a:t>
+            </a:r>
+            <a:r>
+              <a:rPr lang="en-US" sz="1800" b="0" strike="noStrike" spc="-1" dirty="0" err="1">
+                <a:solidFill>
+                  <a:srgbClr val="000000"/>
+                </a:solidFill>
+                <a:latin typeface="맑은 고딕"/>
+                <a:ea typeface="DejaVu Sans"/>
+              </a:rPr>
+              <a:t>보낸다</a:t>
+            </a:r>
+            <a:r>
+              <a:rPr lang="en-US" sz="1800" b="0" strike="noStrike" spc="-1" dirty="0">
+                <a:solidFill>
+                  <a:srgbClr val="000000"/>
+                </a:solidFill>
+                <a:latin typeface="맑은 고딕"/>
+                <a:ea typeface="DejaVu Sans"/>
+              </a:rPr>
+              <a:t>.</a:t>
+            </a:r>
+            <a:endParaRPr lang="en-US" sz="1800" b="0" strike="noStrike" spc="-1" dirty="0">
+              <a:latin typeface="Arial"/>
+            </a:endParaRPr>
+          </a:p>
+          <a:p>
+            <a:pPr marL="343080" indent="-342360">
+              <a:lnSpc>
+                <a:spcPct val="100000"/>
+              </a:lnSpc>
+              <a:buClr>
+                <a:srgbClr val="000000"/>
+              </a:buClr>
+              <a:buFont typeface="StarSymbol"/>
+              <a:buAutoNum type="arabicPeriod"/>
+            </a:pPr>
+            <a:r>
+              <a:rPr lang="en-US" sz="1800" b="0" strike="noStrike" spc="-1" dirty="0" err="1">
+                <a:solidFill>
+                  <a:srgbClr val="000000"/>
+                </a:solidFill>
+                <a:latin typeface="맑은 고딕"/>
+                <a:ea typeface="DejaVu Sans"/>
+              </a:rPr>
+              <a:t>홈페이지에</a:t>
+            </a:r>
+            <a:r>
+              <a:rPr lang="en-US" sz="1800" b="0" strike="noStrike" spc="-1" dirty="0">
+                <a:solidFill>
+                  <a:srgbClr val="000000"/>
+                </a:solidFill>
+                <a:latin typeface="맑은 고딕"/>
+                <a:ea typeface="DejaVu Sans"/>
+              </a:rPr>
+              <a:t> </a:t>
+            </a:r>
+            <a:r>
+              <a:rPr lang="en-US" sz="1800" b="0" strike="noStrike" spc="-1" dirty="0" err="1">
+                <a:solidFill>
+                  <a:srgbClr val="000000"/>
+                </a:solidFill>
+                <a:latin typeface="맑은 고딕"/>
+                <a:ea typeface="DejaVu Sans"/>
+              </a:rPr>
+              <a:t>출력</a:t>
+            </a:r>
+            <a:endParaRPr lang="en-US" sz="1800" b="0" strike="noStrike" spc="-1" dirty="0">
+              <a:latin typeface="Arial"/>
+            </a:endParaRPr>
+          </a:p>
+          <a:p>
+            <a:pPr>
+              <a:lnSpc>
+                <a:spcPct val="100000"/>
+              </a:lnSpc>
+            </a:pPr>
+            <a:endParaRPr lang="en-US" sz="1800" b="0" strike="noStrike" spc="-1" dirty="0">
+              <a:latin typeface="Arial"/>
+            </a:endParaRPr>
+          </a:p>
+          <a:p>
+            <a:pPr>
+              <a:lnSpc>
+                <a:spcPct val="100000"/>
+              </a:lnSpc>
+            </a:pPr>
+            <a:endParaRPr lang="en-US" sz="1800" b="0" strike="noStrike" spc="-1" dirty="0">
+              <a:latin typeface="Arial"/>
+            </a:endParaRPr>
+          </a:p>
+          <a:p>
+            <a:pPr>
+              <a:lnSpc>
+                <a:spcPct val="100000"/>
+              </a:lnSpc>
+            </a:pPr>
+            <a:endParaRPr lang="en-US" sz="1800" b="0" strike="noStrike" spc="-1" dirty="0">
+              <a:latin typeface="Arial"/>
+            </a:endParaRPr>
+          </a:p>
+          <a:p>
+            <a:pPr>
+              <a:lnSpc>
+                <a:spcPct val="100000"/>
+              </a:lnSpc>
+            </a:pPr>
+            <a:r>
+              <a:rPr lang="en-US" sz="1800" b="0" strike="noStrike" spc="-1" dirty="0">
+                <a:solidFill>
+                  <a:srgbClr val="000000"/>
+                </a:solidFill>
+                <a:latin typeface="맑은 고딕"/>
+                <a:ea typeface="DejaVu Sans"/>
+              </a:rPr>
+              <a:t>-&gt; 각 node </a:t>
+            </a:r>
+            <a:r>
+              <a:rPr lang="en-US" sz="1800" b="0" strike="noStrike" spc="-1" dirty="0" err="1">
+                <a:solidFill>
+                  <a:srgbClr val="000000"/>
+                </a:solidFill>
+                <a:latin typeface="맑은 고딕"/>
+                <a:ea typeface="DejaVu Sans"/>
+              </a:rPr>
+              <a:t>들도</a:t>
+            </a:r>
+            <a:r>
+              <a:rPr lang="en-US" sz="1800" b="0" strike="noStrike" spc="-1" dirty="0">
+                <a:solidFill>
+                  <a:srgbClr val="000000"/>
+                </a:solidFill>
+                <a:latin typeface="맑은 고딕"/>
+                <a:ea typeface="DejaVu Sans"/>
+              </a:rPr>
+              <a:t> </a:t>
+            </a:r>
+            <a:r>
+              <a:rPr lang="en-US" sz="1800" b="0" strike="noStrike" spc="-1" dirty="0" err="1">
+                <a:solidFill>
+                  <a:srgbClr val="000000"/>
+                </a:solidFill>
+                <a:latin typeface="맑은 고딕"/>
+                <a:ea typeface="DejaVu Sans"/>
+              </a:rPr>
+              <a:t>docker</a:t>
+            </a:r>
+            <a:r>
+              <a:rPr lang="en-US" sz="1800" b="0" strike="noStrike" spc="-1" dirty="0">
+                <a:solidFill>
+                  <a:srgbClr val="000000"/>
+                </a:solidFill>
+                <a:latin typeface="맑은 고딕"/>
+                <a:ea typeface="DejaVu Sans"/>
+              </a:rPr>
+              <a:t> </a:t>
+            </a:r>
+            <a:r>
+              <a:rPr lang="en-US" sz="1800" b="0" strike="noStrike" spc="-1" dirty="0" err="1">
+                <a:solidFill>
+                  <a:srgbClr val="000000"/>
+                </a:solidFill>
+                <a:latin typeface="맑은 고딕"/>
+                <a:ea typeface="DejaVu Sans"/>
+              </a:rPr>
+              <a:t>조작을</a:t>
+            </a:r>
+            <a:r>
+              <a:rPr lang="en-US" sz="1800" b="0" strike="noStrike" spc="-1" dirty="0">
+                <a:solidFill>
+                  <a:srgbClr val="000000"/>
+                </a:solidFill>
+                <a:latin typeface="맑은 고딕"/>
+                <a:ea typeface="DejaVu Sans"/>
+              </a:rPr>
+              <a:t> 할 수 </a:t>
+            </a:r>
+            <a:r>
+              <a:rPr lang="en-US" sz="1800" b="0" strike="noStrike" spc="-1" dirty="0" err="1">
+                <a:solidFill>
+                  <a:srgbClr val="000000"/>
+                </a:solidFill>
+                <a:latin typeface="맑은 고딕"/>
+                <a:ea typeface="DejaVu Sans"/>
+              </a:rPr>
+              <a:t>있는</a:t>
+            </a:r>
+            <a:r>
+              <a:rPr lang="en-US" sz="1800" b="0" strike="noStrike" spc="-1" dirty="0">
+                <a:solidFill>
+                  <a:srgbClr val="000000"/>
+                </a:solidFill>
+                <a:latin typeface="맑은 고딕"/>
+                <a:ea typeface="DejaVu Sans"/>
+              </a:rPr>
+              <a:t> server 가 </a:t>
+            </a:r>
+            <a:r>
+              <a:rPr lang="en-US" sz="1800" b="0" strike="noStrike" spc="-1" dirty="0" err="1">
+                <a:solidFill>
+                  <a:srgbClr val="000000"/>
+                </a:solidFill>
+                <a:latin typeface="맑은 고딕"/>
+                <a:ea typeface="DejaVu Sans"/>
+              </a:rPr>
+              <a:t>동작하면</a:t>
+            </a:r>
+            <a:r>
+              <a:rPr lang="en-US" sz="1800" b="0" strike="noStrike" spc="-1" dirty="0">
+                <a:solidFill>
+                  <a:srgbClr val="000000"/>
+                </a:solidFill>
+                <a:latin typeface="맑은 고딕"/>
+                <a:ea typeface="DejaVu Sans"/>
+              </a:rPr>
+              <a:t> </a:t>
+            </a:r>
+            <a:r>
+              <a:rPr lang="en-US" sz="1800" b="0" strike="noStrike" spc="-1" dirty="0" err="1">
+                <a:solidFill>
+                  <a:srgbClr val="000000"/>
+                </a:solidFill>
+                <a:latin typeface="맑은 고딕"/>
+                <a:ea typeface="DejaVu Sans"/>
+              </a:rPr>
+              <a:t>될까</a:t>
+            </a:r>
+            <a:r>
+              <a:rPr lang="en-US" sz="1800" b="0" strike="noStrike" spc="-1" dirty="0">
+                <a:solidFill>
+                  <a:srgbClr val="000000"/>
+                </a:solidFill>
+                <a:latin typeface="맑은 고딕"/>
+                <a:ea typeface="DejaVu Sans"/>
+              </a:rPr>
+              <a:t>?</a:t>
+            </a:r>
+            <a:endParaRPr lang="en-US" sz="1800" b="0" strike="noStrike" spc="-1" dirty="0">
+              <a:latin typeface="Arial"/>
+            </a:endParaRPr>
+          </a:p>
+          <a:p>
+            <a:pPr>
+              <a:lnSpc>
+                <a:spcPct val="100000"/>
+              </a:lnSpc>
+            </a:pPr>
+            <a:r>
+              <a:rPr lang="en-US" sz="1800" b="0" strike="noStrike" spc="-1" dirty="0">
+                <a:solidFill>
+                  <a:srgbClr val="000000"/>
+                </a:solidFill>
+                <a:latin typeface="맑은 고딕"/>
+                <a:ea typeface="DejaVu Sans"/>
+              </a:rPr>
+              <a:t>-&gt; </a:t>
+            </a:r>
+            <a:r>
+              <a:rPr lang="en-US" sz="1800" b="0" strike="noStrike" spc="-1" dirty="0" err="1">
+                <a:solidFill>
+                  <a:srgbClr val="000000"/>
+                </a:solidFill>
+                <a:latin typeface="맑은 고딕"/>
+                <a:ea typeface="DejaVu Sans"/>
+              </a:rPr>
+              <a:t>기존</a:t>
+            </a:r>
+            <a:r>
+              <a:rPr lang="en-US" sz="1800" b="0" strike="noStrike" spc="-1" dirty="0">
+                <a:solidFill>
+                  <a:srgbClr val="000000"/>
+                </a:solidFill>
+                <a:latin typeface="맑은 고딕"/>
+                <a:ea typeface="DejaVu Sans"/>
+              </a:rPr>
+              <a:t> </a:t>
+            </a:r>
+            <a:r>
+              <a:rPr lang="en-US" sz="1800" b="0" strike="noStrike" spc="-1" dirty="0" err="1">
+                <a:solidFill>
+                  <a:srgbClr val="000000"/>
+                </a:solidFill>
+                <a:latin typeface="맑은 고딕"/>
+                <a:ea typeface="DejaVu Sans"/>
+              </a:rPr>
+              <a:t>docker</a:t>
+            </a:r>
+            <a:r>
+              <a:rPr lang="en-US" sz="1800" b="0" strike="noStrike" spc="-1" dirty="0">
+                <a:solidFill>
+                  <a:srgbClr val="000000"/>
+                </a:solidFill>
+                <a:latin typeface="맑은 고딕"/>
+                <a:ea typeface="DejaVu Sans"/>
+              </a:rPr>
+              <a:t> </a:t>
+            </a:r>
+            <a:r>
+              <a:rPr lang="en-US" sz="1800" b="0" strike="noStrike" spc="-1" dirty="0" err="1">
+                <a:solidFill>
+                  <a:srgbClr val="000000"/>
+                </a:solidFill>
+                <a:latin typeface="맑은 고딕"/>
+                <a:ea typeface="DejaVu Sans"/>
+              </a:rPr>
+              <a:t>에서는</a:t>
+            </a:r>
+            <a:r>
+              <a:rPr lang="en-US" sz="1800" b="0" strike="noStrike" spc="-1" dirty="0">
+                <a:solidFill>
+                  <a:srgbClr val="000000"/>
+                </a:solidFill>
+                <a:latin typeface="맑은 고딕"/>
+                <a:ea typeface="DejaVu Sans"/>
+              </a:rPr>
+              <a:t> </a:t>
+            </a:r>
+            <a:r>
+              <a:rPr lang="en-US" sz="1800" b="0" strike="noStrike" spc="-1" dirty="0" err="1">
+                <a:solidFill>
+                  <a:srgbClr val="000000"/>
+                </a:solidFill>
+                <a:latin typeface="맑은 고딕"/>
+                <a:ea typeface="DejaVu Sans"/>
+              </a:rPr>
+              <a:t>url</a:t>
+            </a:r>
+            <a:r>
+              <a:rPr lang="en-US" sz="1800" b="0" strike="noStrike" spc="-1" dirty="0">
+                <a:solidFill>
+                  <a:srgbClr val="000000"/>
+                </a:solidFill>
+                <a:latin typeface="맑은 고딕"/>
+                <a:ea typeface="DejaVu Sans"/>
+              </a:rPr>
+              <a:t> 로 </a:t>
+            </a:r>
+            <a:r>
+              <a:rPr lang="en-US" sz="1800" b="0" strike="noStrike" spc="-1" dirty="0" err="1">
+                <a:solidFill>
+                  <a:srgbClr val="000000"/>
+                </a:solidFill>
+                <a:latin typeface="맑은 고딕"/>
+                <a:ea typeface="DejaVu Sans"/>
+              </a:rPr>
+              <a:t>이를</a:t>
+            </a:r>
+            <a:r>
+              <a:rPr lang="en-US" sz="1800" b="0" strike="noStrike" spc="-1" dirty="0">
+                <a:solidFill>
+                  <a:srgbClr val="000000"/>
+                </a:solidFill>
+                <a:latin typeface="맑은 고딕"/>
+                <a:ea typeface="DejaVu Sans"/>
+              </a:rPr>
+              <a:t> </a:t>
+            </a:r>
+            <a:r>
+              <a:rPr lang="en-US" sz="1800" b="0" strike="noStrike" spc="-1" dirty="0" err="1">
+                <a:solidFill>
+                  <a:srgbClr val="000000"/>
+                </a:solidFill>
+                <a:latin typeface="맑은 고딕"/>
+                <a:ea typeface="DejaVu Sans"/>
+              </a:rPr>
+              <a:t>조작할</a:t>
+            </a:r>
+            <a:r>
+              <a:rPr lang="en-US" sz="1800" b="0" strike="noStrike" spc="-1" dirty="0">
+                <a:solidFill>
+                  <a:srgbClr val="000000"/>
+                </a:solidFill>
+                <a:latin typeface="맑은 고딕"/>
+                <a:ea typeface="DejaVu Sans"/>
+              </a:rPr>
+              <a:t> 수 </a:t>
+            </a:r>
+            <a:r>
+              <a:rPr lang="en-US" sz="1800" b="0" strike="noStrike" spc="-1" dirty="0" err="1">
+                <a:solidFill>
+                  <a:srgbClr val="000000"/>
+                </a:solidFill>
+                <a:latin typeface="맑은 고딕"/>
+                <a:ea typeface="DejaVu Sans"/>
+              </a:rPr>
+              <a:t>있는</a:t>
+            </a:r>
+            <a:r>
+              <a:rPr lang="en-US" sz="1800" b="0" strike="noStrike" spc="-1" dirty="0">
+                <a:solidFill>
+                  <a:srgbClr val="000000"/>
+                </a:solidFill>
+                <a:latin typeface="맑은 고딕"/>
+                <a:ea typeface="DejaVu Sans"/>
+              </a:rPr>
+              <a:t> </a:t>
+            </a:r>
+            <a:r>
+              <a:rPr lang="en-US" sz="1800" b="0" strike="noStrike" spc="-1" dirty="0" err="1">
+                <a:solidFill>
+                  <a:srgbClr val="000000"/>
+                </a:solidFill>
+                <a:latin typeface="맑은 고딕"/>
+                <a:ea typeface="DejaVu Sans"/>
+              </a:rPr>
+              <a:t>방법은</a:t>
+            </a:r>
+            <a:r>
+              <a:rPr lang="en-US" sz="1800" b="0" strike="noStrike" spc="-1" dirty="0">
+                <a:solidFill>
+                  <a:srgbClr val="000000"/>
+                </a:solidFill>
+                <a:latin typeface="맑은 고딕"/>
+                <a:ea typeface="DejaVu Sans"/>
+              </a:rPr>
+              <a:t> </a:t>
+            </a:r>
+            <a:r>
+              <a:rPr lang="en-US" sz="1800" b="0" strike="noStrike" spc="-1" dirty="0" err="1">
+                <a:solidFill>
+                  <a:srgbClr val="000000"/>
+                </a:solidFill>
+                <a:latin typeface="맑은 고딕"/>
+                <a:ea typeface="DejaVu Sans"/>
+              </a:rPr>
+              <a:t>없을까</a:t>
+            </a:r>
+            <a:r>
+              <a:rPr lang="en-US" sz="1800" b="0" strike="noStrike" spc="-1" dirty="0">
+                <a:solidFill>
+                  <a:srgbClr val="000000"/>
+                </a:solidFill>
+                <a:latin typeface="맑은 고딕"/>
+                <a:ea typeface="DejaVu Sans"/>
+              </a:rPr>
+              <a:t>?</a:t>
+            </a:r>
+            <a:endParaRPr lang="en-US" sz="1800" b="0" strike="noStrike" spc="-1" dirty="0">
               <a:latin typeface="Arial"/>
             </a:endParaRPr>
           </a:p>
@@ -4360,222 +5357,48 @@
       </p:grpSpPr>
       <p:sp>
         <p:nvSpPr>
-          <p:cNvPr id="48" name="CustomShape 1"/>
+          <p:cNvPr id="46" name="CustomShape 1"/>
           <p:cNvSpPr/>
           <p:nvPr/>
         </p:nvSpPr>
         <p:spPr>
           <a:xfrm>
-            <a:off x="1839960" y="395280"/>
-            <a:ext cx="3115080" cy="5654880"/>
-          </a:xfrm>
-          <a:prstGeom prst="rect">
-            <a:avLst/>
-          </a:prstGeom>
+            <a:off x="913320" y="456120"/>
+            <a:ext cx="1989000" cy="364320"/>
+          </a:xfrm>
+          <a:prstGeom prst="rect">
+            <a:avLst/>
+          </a:prstGeom>
+          <a:noFill/>
           <a:ln>
-            <a:round/>
+            <a:noFill/>
           </a:ln>
         </p:spPr>
         <p:style>
-          <a:lnRef idx="2">
-            <a:schemeClr val="dk1"/>
+          <a:lnRef idx="0">
+            <a:scrgbClr r="0" g="0" b="0"/>
           </a:lnRef>
-          <a:fillRef idx="1">
-            <a:schemeClr val="lt1"/>
+          <a:fillRef idx="0">
+            <a:scrgbClr r="0" g="0" b="0"/>
           </a:fillRef>
           <a:effectRef idx="0">
-            <a:schemeClr val="dk1"/>
+            <a:scrgbClr r="0" g="0" b="0"/>
           </a:effectRef>
           <a:fontRef idx="minor"/>
         </p:style>
-      </p:sp>
-      <p:sp>
-        <p:nvSpPr>
-          <p:cNvPr id="49" name="CustomShape 2"/>
-          <p:cNvSpPr/>
-          <p:nvPr/>
-        </p:nvSpPr>
-        <p:spPr>
-          <a:xfrm>
-            <a:off x="2280240" y="970920"/>
-            <a:ext cx="2234520" cy="597600"/>
-          </a:xfrm>
-          <a:prstGeom prst="rect">
-            <a:avLst/>
-          </a:prstGeom>
-          <a:ln>
-            <a:round/>
-          </a:ln>
-        </p:spPr>
-        <p:style>
-          <a:lnRef idx="2">
-            <a:schemeClr val="dk1">
-              <a:shade val="50000"/>
-            </a:schemeClr>
-          </a:lnRef>
-          <a:fillRef idx="1">
-            <a:schemeClr val="dk1"/>
-          </a:fillRef>
-          <a:effectRef idx="0">
-            <a:schemeClr val="dk1"/>
-          </a:effectRef>
-          <a:fontRef idx="minor"/>
-        </p:style>
-        <p:txBody>
-          <a:bodyPr lIns="90000" tIns="45000" rIns="90000" bIns="45000" anchor="ctr"/>
-          <a:lstStyle/>
-          <a:p>
-            <a:pPr algn="ctr">
-              <a:lnSpc>
-                <a:spcPct val="100000"/>
-              </a:lnSpc>
-            </a:pPr>
-            <a:r>
-              <a:rPr lang="en-US" sz="1800" b="0" strike="noStrike" spc="-1">
-                <a:solidFill>
-                  <a:srgbClr val="FFFFFF"/>
-                </a:solidFill>
-                <a:latin typeface="맑은 고딕"/>
-                <a:ea typeface="DejaVu Sans"/>
-              </a:rPr>
-              <a:t>REGISTER</a:t>
-            </a:r>
-            <a:endParaRPr lang="en-US" sz="1800" b="0" strike="noStrike" spc="-1">
-              <a:latin typeface="Arial"/>
-            </a:endParaRPr>
-          </a:p>
-        </p:txBody>
-      </p:sp>
-      <p:sp>
-        <p:nvSpPr>
-          <p:cNvPr id="50" name="CustomShape 3"/>
-          <p:cNvSpPr/>
-          <p:nvPr/>
-        </p:nvSpPr>
-        <p:spPr>
-          <a:xfrm>
-            <a:off x="2280240" y="1936080"/>
-            <a:ext cx="2234520" cy="597600"/>
-          </a:xfrm>
-          <a:prstGeom prst="rect">
-            <a:avLst/>
-          </a:prstGeom>
-          <a:ln>
-            <a:round/>
-          </a:ln>
-        </p:spPr>
-        <p:style>
-          <a:lnRef idx="2">
-            <a:schemeClr val="dk1">
-              <a:shade val="50000"/>
-            </a:schemeClr>
-          </a:lnRef>
-          <a:fillRef idx="1">
-            <a:schemeClr val="dk1"/>
-          </a:fillRef>
-          <a:effectRef idx="0">
-            <a:schemeClr val="dk1"/>
-          </a:effectRef>
-          <a:fontRef idx="minor"/>
-        </p:style>
-        <p:txBody>
-          <a:bodyPr lIns="90000" tIns="45000" rIns="90000" bIns="45000" anchor="ctr"/>
-          <a:lstStyle/>
-          <a:p>
-            <a:pPr algn="ctr">
-              <a:lnSpc>
-                <a:spcPct val="100000"/>
-              </a:lnSpc>
-            </a:pPr>
-            <a:r>
-              <a:rPr lang="en-US" sz="1800" b="0" strike="noStrike" spc="-1">
-                <a:solidFill>
-                  <a:srgbClr val="FFFFFF"/>
-                </a:solidFill>
-                <a:latin typeface="맑은 고딕"/>
-                <a:ea typeface="DejaVu Sans"/>
-              </a:rPr>
-              <a:t>STATUS</a:t>
-            </a:r>
-            <a:endParaRPr lang="en-US" sz="1800" b="0" strike="noStrike" spc="-1">
-              <a:latin typeface="Arial"/>
-            </a:endParaRPr>
-          </a:p>
-        </p:txBody>
-      </p:sp>
-      <p:sp>
-        <p:nvSpPr>
-          <p:cNvPr id="51" name="CustomShape 4"/>
-          <p:cNvSpPr/>
-          <p:nvPr/>
-        </p:nvSpPr>
-        <p:spPr>
-          <a:xfrm>
-            <a:off x="2382120" y="3223080"/>
-            <a:ext cx="2133000" cy="2544840"/>
-          </a:xfrm>
-          <a:prstGeom prst="rect">
-            <a:avLst/>
-          </a:prstGeom>
-          <a:ln>
-            <a:round/>
-          </a:ln>
-        </p:spPr>
-        <p:style>
-          <a:lnRef idx="2">
-            <a:schemeClr val="dk1"/>
-          </a:lnRef>
-          <a:fillRef idx="1">
-            <a:schemeClr val="lt1"/>
-          </a:fillRef>
-          <a:effectRef idx="0">
-            <a:schemeClr val="dk1"/>
-          </a:effectRef>
-          <a:fontRef idx="minor"/>
-        </p:style>
-        <p:txBody>
-          <a:bodyPr lIns="90000" tIns="45000" rIns="90000" bIns="45000" anchor="ctr"/>
-          <a:lstStyle/>
-          <a:p>
-            <a:pPr algn="ctr">
-              <a:lnSpc>
-                <a:spcPct val="100000"/>
-              </a:lnSpc>
-            </a:pPr>
-            <a:r>
-              <a:rPr lang="en-US" sz="1800" b="0" strike="noStrike" spc="-1">
-                <a:solidFill>
-                  <a:srgbClr val="000000"/>
-                </a:solidFill>
-                <a:latin typeface="맑은 고딕"/>
-                <a:ea typeface="DejaVu Sans"/>
-              </a:rPr>
-              <a:t>LIST</a:t>
-            </a:r>
-            <a:endParaRPr lang="en-US" sz="1800" b="0" strike="noStrike" spc="-1">
-              <a:latin typeface="Arial"/>
-            </a:endParaRPr>
-          </a:p>
-          <a:p>
-            <a:pPr algn="ctr">
-              <a:lnSpc>
-                <a:spcPct val="100000"/>
-              </a:lnSpc>
-            </a:pPr>
-            <a:endParaRPr lang="en-US" sz="1800" b="0" strike="noStrike" spc="-1">
-              <a:latin typeface="Arial"/>
-            </a:endParaRPr>
-          </a:p>
-          <a:p>
-            <a:pPr marL="343080" indent="-342360" algn="ctr">
+        <p:txBody>
+          <a:bodyPr wrap="none" lIns="90000" tIns="45000" rIns="90000" bIns="45000"/>
+          <a:lstStyle/>
+          <a:p>
+            <a:pPr marL="285840" indent="-285120">
               <a:lnSpc>
                 <a:spcPct val="100000"/>
               </a:lnSpc>
               <a:buClr>
                 <a:srgbClr val="000000"/>
               </a:buClr>
-              <a:buFont typeface="StarSymbol"/>
-              <a:buAutoNum type="arabicPeriod"/>
+              <a:buFont typeface="Arial"/>
+              <a:buChar char="•"/>
             </a:pPr>
             <a:r>
               <a:rPr lang="en-US" sz="1800" b="0" strike="noStrike" spc="-1">
@@ -4585,143 +5408,106 @@
                 <a:latin typeface="맑은 고딕"/>
                 <a:ea typeface="DejaVu Sans"/>
               </a:rPr>
-              <a:t>Node 1</a:t>
+              <a:t>Terminal 접근 </a:t>
             </a:r>
             <a:endParaRPr lang="en-US" sz="1800" b="0" strike="noStrike" spc="-1">
               <a:latin typeface="Arial"/>
             </a:endParaRPr>
           </a:p>
-          <a:p>
-            <a:pPr marL="343080" indent="-342360" algn="ctr">
-              <a:lnSpc>
-                <a:spcPct val="100000"/>
-              </a:lnSpc>
-              <a:buClr>
-                <a:srgbClr val="000000"/>
-              </a:buClr>
-              <a:buFont typeface="StarSymbol"/>
-              <a:buAutoNum type="arabicPeriod"/>
-            </a:pPr>
-            <a:r>
-              <a:rPr lang="en-US" sz="1800" b="0" strike="noStrike" spc="-1">
-                <a:solidFill>
-                  <a:srgbClr val="000000"/>
-                </a:solidFill>
-                <a:latin typeface="맑은 고딕"/>
-                <a:ea typeface="DejaVu Sans"/>
-              </a:rPr>
-              <a:t>Node 2</a:t>
-            </a:r>
-            <a:endParaRPr lang="en-US" sz="1800" b="0" strike="noStrike" spc="-1">
-              <a:latin typeface="Arial"/>
-            </a:endParaRPr>
-          </a:p>
-          <a:p>
-            <a:pPr marL="343080" indent="-342360" algn="ctr">
-              <a:lnSpc>
-                <a:spcPct val="100000"/>
-              </a:lnSpc>
-              <a:buClr>
-                <a:srgbClr val="000000"/>
-              </a:buClr>
-              <a:buFont typeface="StarSymbol"/>
-              <a:buAutoNum type="arabicPeriod"/>
-            </a:pPr>
-            <a:r>
-              <a:rPr lang="en-US" sz="1800" b="0" strike="noStrike" spc="-1">
-                <a:solidFill>
-                  <a:srgbClr val="000000"/>
-                </a:solidFill>
-                <a:latin typeface="맑은 고딕"/>
-                <a:ea typeface="DejaVu Sans"/>
-              </a:rPr>
-              <a:t>Node 3</a:t>
-            </a:r>
-            <a:endParaRPr lang="en-US" sz="1800" b="0" strike="noStrike" spc="-1">
-              <a:latin typeface="Arial"/>
-            </a:endParaRPr>
-          </a:p>
-          <a:p>
-            <a:pPr marL="343080" indent="-342360" algn="ctr">
-              <a:lnSpc>
-                <a:spcPct val="100000"/>
-              </a:lnSpc>
-              <a:buClr>
-                <a:srgbClr val="000000"/>
-              </a:buClr>
-              <a:buFont typeface="StarSymbol"/>
-              <a:buAutoNum type="arabicPeriod"/>
-            </a:pPr>
-            <a:r>
-              <a:rPr lang="en-US" sz="1800" b="0" strike="noStrike" spc="-1">
-                <a:solidFill>
-                  <a:srgbClr val="000000"/>
-                </a:solidFill>
-                <a:latin typeface="맑은 고딕"/>
-                <a:ea typeface="DejaVu Sans"/>
-              </a:rPr>
-              <a:t>.</a:t>
-            </a:r>
-            <a:endParaRPr lang="en-US" sz="1800" b="0" strike="noStrike" spc="-1">
-              <a:latin typeface="Arial"/>
-            </a:endParaRPr>
-          </a:p>
-          <a:p>
-            <a:pPr marL="343080" indent="-342360" algn="ctr">
-              <a:lnSpc>
-                <a:spcPct val="100000"/>
-              </a:lnSpc>
-              <a:buClr>
-                <a:srgbClr val="000000"/>
-              </a:buClr>
-              <a:buFont typeface="StarSymbol"/>
-              <a:buAutoNum type="arabicPeriod"/>
-            </a:pPr>
-            <a:r>
-              <a:rPr lang="en-US" sz="1800" b="0" strike="noStrike" spc="-1">
-                <a:solidFill>
-                  <a:srgbClr val="000000"/>
-                </a:solidFill>
-                <a:latin typeface="맑은 고딕"/>
-                <a:ea typeface="DejaVu Sans"/>
-              </a:rPr>
-              <a:t>.</a:t>
-            </a:r>
-            <a:endParaRPr lang="en-US" sz="1800" b="0" strike="noStrike" spc="-1">
-              <a:latin typeface="Arial"/>
-            </a:endParaRPr>
-          </a:p>
-          <a:p>
-            <a:pPr marL="343080" indent="-342360" algn="ctr">
-              <a:lnSpc>
-                <a:spcPct val="100000"/>
-              </a:lnSpc>
-              <a:buClr>
-                <a:srgbClr val="000000"/>
-              </a:buClr>
-              <a:buFont typeface="StarSymbol"/>
-              <a:buAutoNum type="arabicPeriod"/>
-            </a:pPr>
-            <a:r>
-              <a:rPr lang="en-US" sz="1800" b="0" strike="noStrike" spc="-1">
-                <a:solidFill>
-                  <a:srgbClr val="000000"/>
-                </a:solidFill>
-                <a:latin typeface="맑은 고딕"/>
-                <a:ea typeface="DejaVu Sans"/>
-              </a:rPr>
-              <a:t>.</a:t>
-            </a:r>
-            <a:endParaRPr lang="en-US" sz="1800" b="0" strike="noStrike" spc="-1">
-              <a:latin typeface="Arial"/>
-            </a:endParaRPr>
-          </a:p>
-          <a:p>
-            <a:pPr algn="ctr">
+        </p:txBody>
+      </p:sp>
+      <p:sp>
+        <p:nvSpPr>
+          <p:cNvPr id="47" name="CustomShape 2"/>
+          <p:cNvSpPr/>
+          <p:nvPr/>
+        </p:nvSpPr>
+        <p:spPr>
+          <a:xfrm>
+            <a:off x="1230480" y="1219320"/>
+            <a:ext cx="7551720" cy="969480"/>
+          </a:xfrm>
+          <a:prstGeom prst="rect">
+            <a:avLst/>
+          </a:prstGeom>
+          <a:noFill/>
+          <a:ln>
+            <a:noFill/>
+          </a:ln>
+        </p:spPr>
+        <p:style>
+          <a:lnRef idx="0">
+            <a:scrgbClr r="0" g="0" b="0"/>
+          </a:lnRef>
+          <a:fillRef idx="0">
+            <a:scrgbClr r="0" g="0" b="0"/>
+          </a:fillRef>
+          <a:effectRef idx="0">
+            <a:scrgbClr r="0" g="0" b="0"/>
+          </a:effectRef>
+          <a:fontRef idx="minor"/>
+        </p:style>
+        <p:txBody>
+          <a:bodyPr lIns="90000" tIns="45000" rIns="90000" bIns="45000"/>
+          <a:lstStyle/>
+          <a:p>
+            <a:pPr>
               <a:lnSpc>
                 <a:spcPct val="100000"/>
               </a:lnSpc>
             </a:pPr>
+            <a:r>
+              <a:rPr lang="en-US" sz="1800" b="0" strike="noStrike" spc="-1">
+                <a:solidFill>
+                  <a:srgbClr val="000000"/>
+                </a:solidFill>
+                <a:latin typeface="맑은 고딕"/>
+                <a:ea typeface="DejaVu Sans"/>
+              </a:rPr>
+              <a:t>일단, 서로의 Ip 접근이 가능한 상태에서</a:t>
+            </a:r>
+            <a:endParaRPr lang="en-US" sz="1800" b="0" strike="noStrike" spc="-1">
+              <a:latin typeface="Arial"/>
+            </a:endParaRPr>
+          </a:p>
+          <a:p>
+            <a:pPr>
+              <a:lnSpc>
+                <a:spcPct val="100000"/>
+              </a:lnSpc>
+            </a:pPr>
+            <a:r>
+              <a:rPr lang="en-US" sz="1800" b="0" strike="noStrike" spc="-1">
+                <a:solidFill>
+                  <a:srgbClr val="000000"/>
+                </a:solidFill>
+                <a:latin typeface="맑은 고딕"/>
+                <a:ea typeface="DejaVu Sans"/>
+              </a:rPr>
+              <a:t>Docker daemon 을 tcp 소켓? 으로 통신하는 방법으로 적용</a:t>
+            </a:r>
+            <a:endParaRPr lang="en-US" sz="1800" b="0" strike="noStrike" spc="-1">
+              <a:latin typeface="Arial"/>
+            </a:endParaRPr>
+          </a:p>
+          <a:p>
+            <a:pPr>
+              <a:lnSpc>
+                <a:spcPct val="100000"/>
+              </a:lnSpc>
+            </a:pPr>
+            <a:r>
+              <a:rPr lang="en-US" sz="1800" b="0" u="sng" strike="noStrike" spc="-1">
+                <a:solidFill>
+                  <a:srgbClr val="0563C1"/>
+                </a:solidFill>
+                <a:uFillTx/>
+                <a:latin typeface="맑은 고딕"/>
+                <a:ea typeface="DejaVu Sans"/>
+                <a:hlinkClick r:id="rId3"/>
+              </a:rPr>
+              <a:t>https://systory.tistory.com/entry/%EC%99%B8%EB%B6%80-%ED%81%B4%EB%9D%BC%EC%9D%B4%EC%96%B8%ED%8A%B8%EC%97%90%EC%84%9C-%EB%8F%84%EC%BB%A4-%EB%8D%B0%EB%AA%AC-%EC%A0%91%EC%86%8D%ED%95%98%EA%B8%B0</a:t>
+            </a:r>
             <a:endParaRPr lang="en-US" sz="1800" b="0" strike="noStrike" spc="-1">
               <a:latin typeface="Arial"/>
             </a:endParaRPr>
@@ -4782,53 +5568,204 @@
       </p:grpSpPr>
       <p:sp>
         <p:nvSpPr>
-          <p:cNvPr id="52" name="CustomShape 1"/>
+          <p:cNvPr id="48" name="CustomShape 1"/>
           <p:cNvSpPr/>
           <p:nvPr/>
         </p:nvSpPr>
         <p:spPr>
           <a:xfrm>
-            <a:off x="2468880" y="731520"/>
-            <a:ext cx="7772040" cy="1338480"/>
-          </a:xfrm>
-          <a:prstGeom prst="rect">
-            <a:avLst/>
-          </a:prstGeom>
-          <a:noFill/>
+            <a:off x="1839960" y="395280"/>
+            <a:ext cx="3115080" cy="5654880"/>
+          </a:xfrm>
+          <a:prstGeom prst="rect">
+            <a:avLst/>
+          </a:prstGeom>
           <a:ln>
-            <a:noFill/>
+            <a:round/>
           </a:ln>
         </p:spPr>
         <p:style>
-          <a:lnRef idx="0">
-            <a:scrgbClr r="0" g="0" b="0"/>
+          <a:lnRef idx="2">
+            <a:schemeClr val="dk1"/>
           </a:lnRef>
-          <a:fillRef idx="0">
-            <a:scrgbClr r="0" g="0" b="0"/>
+          <a:fillRef idx="1">
+            <a:schemeClr val="lt1"/>
           </a:fillRef>
           <a:effectRef idx="0">
-            <a:scrgbClr r="0" g="0" b="0"/>
+            <a:schemeClr val="dk1"/>
           </a:effectRef>
           <a:fontRef idx="minor"/>
         </p:style>
-        <p:txBody>
-          <a:bodyPr lIns="90000" tIns="45000" rIns="90000" bIns="45000"/>
-          <a:lstStyle/>
-          <a:p>
-            <a:pPr>
+      </p:sp>
+      <p:sp>
+        <p:nvSpPr>
+          <p:cNvPr id="49" name="CustomShape 2"/>
+          <p:cNvSpPr/>
+          <p:nvPr/>
+        </p:nvSpPr>
+        <p:spPr>
+          <a:xfrm>
+            <a:off x="2280240" y="970920"/>
+            <a:ext cx="2234520" cy="597600"/>
+          </a:xfrm>
+          <a:prstGeom prst="rect">
+            <a:avLst/>
+          </a:prstGeom>
+          <a:ln>
+            <a:round/>
+          </a:ln>
+        </p:spPr>
+        <p:style>
+          <a:lnRef idx="2">
+            <a:schemeClr val="dk1">
+              <a:shade val="50000"/>
+            </a:schemeClr>
+          </a:lnRef>
+          <a:fillRef idx="1">
+            <a:schemeClr val="dk1"/>
+          </a:fillRef>
+          <a:effectRef idx="0">
+            <a:schemeClr val="dk1"/>
+          </a:effectRef>
+          <a:fontRef idx="minor"/>
+        </p:style>
+        <p:txBody>
+          <a:bodyPr lIns="90000" tIns="45000" rIns="90000" bIns="45000" anchor="ctr"/>
+          <a:lstStyle/>
+          <a:p>
+            <a:pPr algn="ctr">
               <a:lnSpc>
                 <a:spcPct val="100000"/>
               </a:lnSpc>
             </a:pPr>
             <a:r>
               <a:rPr lang="en-US" sz="1800" b="0" strike="noStrike" spc="-1">
-                <a:latin typeface="Arial"/>
-              </a:rPr>
-              <a:t>Publish 를 누르면, 그 기기 디비에 정보 저장, 화면에 출력</a:t>
-            </a:r>
-          </a:p>
-          <a:p>
-            <a:pPr>
+                <a:solidFill>
+                  <a:srgbClr val="FFFFFF"/>
+                </a:solidFill>
+                <a:latin typeface="맑은 고딕"/>
+                <a:ea typeface="DejaVu Sans"/>
+              </a:rPr>
+              <a:t>REGISTER</a:t>
+            </a:r>
+            <a:endParaRPr lang="en-US" sz="1800" b="0" strike="noStrike" spc="-1">
+              <a:latin typeface="Arial"/>
+            </a:endParaRPr>
+          </a:p>
+        </p:txBody>
+      </p:sp>
+      <p:sp>
+        <p:nvSpPr>
+          <p:cNvPr id="50" name="CustomShape 3"/>
+          <p:cNvSpPr/>
+          <p:nvPr/>
+        </p:nvSpPr>
+        <p:spPr>
+          <a:xfrm>
+            <a:off x="2280240" y="1936080"/>
+            <a:ext cx="2234520" cy="597600"/>
+          </a:xfrm>
+          <a:prstGeom prst="rect">
+            <a:avLst/>
+          </a:prstGeom>
+          <a:ln>
+            <a:round/>
+          </a:ln>
+        </p:spPr>
+        <p:style>
+          <a:lnRef idx="2">
+            <a:schemeClr val="dk1">
+              <a:shade val="50000"/>
+            </a:schemeClr>
+          </a:lnRef>
+          <a:fillRef idx="1">
+            <a:schemeClr val="dk1"/>
+          </a:fillRef>
+          <a:effectRef idx="0">
+            <a:schemeClr val="dk1"/>
+          </a:effectRef>
+          <a:fontRef idx="minor"/>
+        </p:style>
+        <p:txBody>
+          <a:bodyPr lIns="90000" tIns="45000" rIns="90000" bIns="45000" anchor="ctr"/>
+          <a:lstStyle/>
+          <a:p>
+            <a:pPr algn="ctr">
+              <a:lnSpc>
+                <a:spcPct val="100000"/>
+              </a:lnSpc>
+            </a:pPr>
+            <a:r>
+              <a:rPr lang="en-US" sz="1800" b="0" strike="noStrike" spc="-1">
+                <a:solidFill>
+                  <a:srgbClr val="FFFFFF"/>
+                </a:solidFill>
+                <a:latin typeface="맑은 고딕"/>
+                <a:ea typeface="DejaVu Sans"/>
+              </a:rPr>
+              <a:t>STATUS</a:t>
+            </a:r>
+            <a:endParaRPr lang="en-US" sz="1800" b="0" strike="noStrike" spc="-1">
+              <a:latin typeface="Arial"/>
+            </a:endParaRPr>
+          </a:p>
+        </p:txBody>
+      </p:sp>
+      <p:sp>
+        <p:nvSpPr>
+          <p:cNvPr id="51" name="CustomShape 4"/>
+          <p:cNvSpPr/>
+          <p:nvPr/>
+        </p:nvSpPr>
+        <p:spPr>
+          <a:xfrm>
+            <a:off x="2382120" y="3223080"/>
+            <a:ext cx="2133000" cy="2544840"/>
+          </a:xfrm>
+          <a:prstGeom prst="rect">
+            <a:avLst/>
+          </a:prstGeom>
+          <a:ln>
+            <a:round/>
+          </a:ln>
+        </p:spPr>
+        <p:style>
+          <a:lnRef idx="2">
+            <a:schemeClr val="dk1"/>
+          </a:lnRef>
+          <a:fillRef idx="1">
+            <a:schemeClr val="lt1"/>
+          </a:fillRef>
+          <a:effectRef idx="0">
+            <a:schemeClr val="dk1"/>
+          </a:effectRef>
+          <a:fontRef idx="minor"/>
+        </p:style>
+        <p:txBody>
+          <a:bodyPr lIns="90000" tIns="45000" rIns="90000" bIns="45000" anchor="ctr"/>
+          <a:lstStyle/>
+          <a:p>
+            <a:pPr algn="ctr">
+              <a:lnSpc>
+                <a:spcPct val="100000"/>
+              </a:lnSpc>
+            </a:pPr>
+            <a:r>
+              <a:rPr lang="en-US" sz="1800" b="0" strike="noStrike" spc="-1">
+                <a:solidFill>
+                  <a:srgbClr val="000000"/>
+                </a:solidFill>
+                <a:latin typeface="맑은 고딕"/>
+                <a:ea typeface="DejaVu Sans"/>
+              </a:rPr>
+              <a:t>LIST</a:t>
+            </a:r>
+            <a:endParaRPr lang="en-US" sz="1800" b="0" strike="noStrike" spc="-1">
+              <a:latin typeface="Arial"/>
+            </a:endParaRPr>
+          </a:p>
+          <a:p>
+            <a:pPr algn="ctr">
               <a:lnSpc>
                 <a:spcPct val="100000"/>
               </a:lnSpc>
@@ -4838,17 +5775,164 @@
             </a:endParaRPr>
           </a:p>
           <a:p>
-            <a:pPr>
+            <a:pPr marL="343080" indent="-342360" algn="ctr">
+              <a:lnSpc>
+                <a:spcPct val="100000"/>
+              </a:lnSpc>
+              <a:buClr>
+                <a:srgbClr val="000000"/>
+              </a:buClr>
+              <a:buFont typeface="StarSymbol"/>
+              <a:buAutoNum type="arabicPeriod"/>
+            </a:pPr>
+            <a:r>
+              <a:rPr lang="en-US" sz="1800" b="0" strike="noStrike" spc="-1">
+                <a:solidFill>
+                  <a:srgbClr val="000000"/>
+                </a:solidFill>
+                <a:latin typeface="맑은 고딕"/>
+                <a:ea typeface="DejaVu Sans"/>
+              </a:rPr>
+              <a:t>Node 1</a:t>
+            </a:r>
+            <a:endParaRPr lang="en-US" sz="1800" b="0" strike="noStrike" spc="-1">
+              <a:latin typeface="Arial"/>
+            </a:endParaRPr>
+          </a:p>
+          <a:p>
+            <a:pPr marL="343080" indent="-342360" algn="ctr">
+              <a:lnSpc>
+                <a:spcPct val="100000"/>
+              </a:lnSpc>
+              <a:buClr>
+                <a:srgbClr val="000000"/>
+              </a:buClr>
+              <a:buFont typeface="StarSymbol"/>
+              <a:buAutoNum type="arabicPeriod"/>
+            </a:pPr>
+            <a:r>
+              <a:rPr lang="en-US" sz="1800" b="0" strike="noStrike" spc="-1">
+                <a:solidFill>
+                  <a:srgbClr val="000000"/>
+                </a:solidFill>
+                <a:latin typeface="맑은 고딕"/>
+                <a:ea typeface="DejaVu Sans"/>
+              </a:rPr>
+              <a:t>Node 2</a:t>
+            </a:r>
+            <a:endParaRPr lang="en-US" sz="1800" b="0" strike="noStrike" spc="-1">
+              <a:latin typeface="Arial"/>
+            </a:endParaRPr>
+          </a:p>
+          <a:p>
+            <a:pPr marL="343080" indent="-342360" algn="ctr">
+              <a:lnSpc>
+                <a:spcPct val="100000"/>
+              </a:lnSpc>
+              <a:buClr>
+                <a:srgbClr val="000000"/>
+              </a:buClr>
+              <a:buFont typeface="StarSymbol"/>
+              <a:buAutoNum type="arabicPeriod"/>
+            </a:pPr>
+            <a:r>
+              <a:rPr lang="en-US" sz="1800" b="0" strike="noStrike" spc="-1">
+                <a:solidFill>
+                  <a:srgbClr val="000000"/>
+                </a:solidFill>
+                <a:latin typeface="맑은 고딕"/>
+                <a:ea typeface="DejaVu Sans"/>
+              </a:rPr>
+              <a:t>Node 3</a:t>
+            </a:r>
+            <a:endParaRPr lang="en-US" sz="1800" b="0" strike="noStrike" spc="-1">
+              <a:latin typeface="Arial"/>
+            </a:endParaRPr>
+          </a:p>
+          <a:p>
+            <a:pPr marL="343080" indent="-342360" algn="ctr">
+              <a:lnSpc>
+                <a:spcPct val="100000"/>
+              </a:lnSpc>
+              <a:buClr>
+                <a:srgbClr val="000000"/>
+              </a:buClr>
+              <a:buFont typeface="StarSymbol"/>
+              <a:buAutoNum type="arabicPeriod"/>
+            </a:pPr>
+            <a:r>
+              <a:rPr lang="en-US" sz="1800" b="0" strike="noStrike" spc="-1">
+                <a:solidFill>
+                  <a:srgbClr val="000000"/>
+                </a:solidFill>
+                <a:latin typeface="맑은 고딕"/>
+                <a:ea typeface="DejaVu Sans"/>
+              </a:rPr>
+              <a:t>.</a:t>
+            </a:r>
+            <a:endParaRPr lang="en-US" sz="1800" b="0" strike="noStrike" spc="-1">
+              <a:latin typeface="Arial"/>
+            </a:endParaRPr>
+          </a:p>
+          <a:p>
+            <a:pPr marL="343080" indent="-342360" algn="ctr">
+              <a:lnSpc>
+                <a:spcPct val="100000"/>
+              </a:lnSpc>
+              <a:buClr>
+                <a:srgbClr val="000000"/>
+              </a:buClr>
+              <a:buFont typeface="StarSymbol"/>
+              <a:buAutoNum type="arabicPeriod"/>
+            </a:pPr>
+            <a:r>
+              <a:rPr lang="en-US" sz="1800" b="0" strike="noStrike" spc="-1">
+                <a:solidFill>
+                  <a:srgbClr val="000000"/>
+                </a:solidFill>
+                <a:latin typeface="맑은 고딕"/>
+                <a:ea typeface="DejaVu Sans"/>
+              </a:rPr>
+              <a:t>.</a:t>
+            </a:r>
+            <a:endParaRPr lang="en-US" sz="1800" b="0" strike="noStrike" spc="-1">
+              <a:latin typeface="Arial"/>
+            </a:endParaRPr>
+          </a:p>
+          <a:p>
+            <a:pPr marL="343080" indent="-342360" algn="ctr">
+              <a:lnSpc>
+                <a:spcPct val="100000"/>
+              </a:lnSpc>
+              <a:buClr>
+                <a:srgbClr val="000000"/>
+              </a:buClr>
+              <a:buFont typeface="StarSymbol"/>
+              <a:buAutoNum type="arabicPeriod"/>
+            </a:pPr>
+            <a:r>
+              <a:rPr lang="en-US" sz="1800" b="0" strike="noStrike" spc="-1">
+                <a:solidFill>
+                  <a:srgbClr val="000000"/>
+                </a:solidFill>
+                <a:latin typeface="맑은 고딕"/>
+                <a:ea typeface="DejaVu Sans"/>
+              </a:rPr>
+              <a:t>.</a:t>
+            </a:r>
+            <a:endParaRPr lang="en-US" sz="1800" b="0" strike="noStrike" spc="-1">
+              <a:latin typeface="Arial"/>
+            </a:endParaRPr>
+          </a:p>
+          <a:p>
+            <a:pPr algn="ctr">
               <a:lnSpc>
                 <a:spcPct val="100000"/>
               </a:lnSpc>
             </a:pPr>
-            <a:r>
-              <a:rPr lang="en-US" sz="1800" b="0" strike="noStrike" spc="-1">
-                <a:latin typeface="Arial"/>
-              </a:rPr>
-              <a:t>사용자는 list 에서 원하는 거 누르고 (토픽은 주소, 메세지는 명령어 심볼) 퍼블리쉬 하면 .. ? </a:t>
-            </a:r>
+            <a:endParaRPr lang="en-US" sz="1800" b="0" strike="noStrike" spc="-1">
+              <a:latin typeface="Arial"/>
+            </a:endParaRPr>
           </a:p>
         </p:txBody>
       </p:sp>
@@ -4906,14 +5990,14 @@
       </p:grpSpPr>
       <p:sp>
         <p:nvSpPr>
-          <p:cNvPr id="53" name="CustomShape 1"/>
+          <p:cNvPr id="52" name="CustomShape 1"/>
           <p:cNvSpPr/>
           <p:nvPr/>
         </p:nvSpPr>
         <p:spPr>
           <a:xfrm>
-            <a:off x="677160" y="654840"/>
-            <a:ext cx="3284280" cy="1735920"/>
+            <a:off x="2468880" y="731520"/>
+            <a:ext cx="7772040" cy="1338480"/>
           </a:xfrm>
           <a:prstGeom prst="rect">
             <a:avLst/>
@@ -4946,536 +6030,33 @@
             </a:pPr>
             <a:r>
               <a:rPr lang="en-US" sz="1800" b="0" strike="noStrike" spc="-1">
-                <a:solidFill>
-                  <a:srgbClr val="000000"/>
-                </a:solidFill>
-                <a:latin typeface="맑은 고딕"/>
-                <a:ea typeface="DejaVu Sans"/>
-              </a:rPr>
-              <a:t> </a:t>
-            </a:r>
-            <a:endParaRPr lang="en-US" sz="1800" b="0" strike="noStrike" spc="-1">
-              <a:latin typeface="Arial"/>
-            </a:endParaRPr>
-          </a:p>
-        </p:txBody>
-      </p:sp>
-      <p:sp>
-        <p:nvSpPr>
-          <p:cNvPr id="54" name="CustomShape 2"/>
-          <p:cNvSpPr/>
-          <p:nvPr/>
-        </p:nvSpPr>
-        <p:spPr>
-          <a:xfrm>
-            <a:off x="1005840" y="3108960"/>
-            <a:ext cx="1088640" cy="1049040"/>
-          </a:xfrm>
-          <a:prstGeom prst="rect">
-            <a:avLst/>
-          </a:prstGeom>
-          <a:ln>
-            <a:round/>
-          </a:ln>
-        </p:spPr>
-        <p:style>
-          <a:lnRef idx="2">
-            <a:schemeClr val="dk1"/>
-          </a:lnRef>
-          <a:fillRef idx="1">
-            <a:schemeClr val="lt1"/>
-          </a:fillRef>
-          <a:effectRef idx="0">
-            <a:schemeClr val="dk1"/>
-          </a:effectRef>
-          <a:fontRef idx="minor"/>
-        </p:style>
-        <p:txBody>
-          <a:bodyPr lIns="90000" tIns="45000" rIns="90000" bIns="45000" anchor="ctr"/>
-          <a:lstStyle/>
-          <a:p>
-            <a:pPr algn="ctr">
+                <a:latin typeface="Arial"/>
+              </a:rPr>
+              <a:t>Publish 를 누르면, 그 기기 디비에 정보 저장, 화면에 출력</a:t>
+            </a:r>
+          </a:p>
+          <a:p>
+            <a:pPr>
               <a:lnSpc>
                 <a:spcPct val="100000"/>
               </a:lnSpc>
             </a:pPr>
-            <a:r>
-              <a:rPr lang="en-US" sz="1800" b="0" strike="noStrike" spc="-1">
-                <a:solidFill>
-                  <a:srgbClr val="000000"/>
-                </a:solidFill>
-                <a:latin typeface="맑은 고딕"/>
-                <a:ea typeface="DejaVu Sans"/>
-              </a:rPr>
-              <a:t>client</a:t>
-            </a:r>
             <a:endParaRPr lang="en-US" sz="1800" b="0" strike="noStrike" spc="-1">
               <a:latin typeface="Arial"/>
             </a:endParaRPr>
           </a:p>
-        </p:txBody>
-      </p:sp>
-      <p:sp>
-        <p:nvSpPr>
-          <p:cNvPr id="55" name="CustomShape 3"/>
-          <p:cNvSpPr/>
-          <p:nvPr/>
-        </p:nvSpPr>
-        <p:spPr>
-          <a:xfrm>
-            <a:off x="5233680" y="1737360"/>
-            <a:ext cx="1088640" cy="3657600"/>
-          </a:xfrm>
-          <a:prstGeom prst="rect">
-            <a:avLst/>
-          </a:prstGeom>
-          <a:ln>
-            <a:round/>
-          </a:ln>
-        </p:spPr>
-        <p:style>
-          <a:lnRef idx="2">
-            <a:schemeClr val="dk1"/>
-          </a:lnRef>
-          <a:fillRef idx="1">
-            <a:schemeClr val="lt1"/>
-          </a:fillRef>
-          <a:effectRef idx="0">
-            <a:schemeClr val="dk1"/>
-          </a:effectRef>
-          <a:fontRef idx="minor"/>
-        </p:style>
-        <p:txBody>
-          <a:bodyPr lIns="90000" tIns="45000" rIns="90000" bIns="45000" anchor="ctr"/>
-          <a:lstStyle/>
-          <a:p>
-            <a:pPr algn="ctr">
+          <a:p>
+            <a:pPr>
               <a:lnSpc>
                 <a:spcPct val="100000"/>
               </a:lnSpc>
             </a:pPr>
             <a:r>
               <a:rPr lang="en-US" sz="1800" b="0" strike="noStrike" spc="-1">
-                <a:solidFill>
-                  <a:srgbClr val="000000"/>
-                </a:solidFill>
-                <a:latin typeface="맑은 고딕"/>
-                <a:ea typeface="DejaVu Sans"/>
-              </a:rPr>
-              <a:t>server</a:t>
-            </a:r>
-            <a:endParaRPr lang="en-US" sz="1800" b="0" strike="noStrike" spc="-1">
-              <a:latin typeface="Arial"/>
-            </a:endParaRPr>
-          </a:p>
-        </p:txBody>
-      </p:sp>
-      <p:sp>
-        <p:nvSpPr>
-          <p:cNvPr id="56" name="CustomShape 4"/>
-          <p:cNvSpPr/>
-          <p:nvPr/>
-        </p:nvSpPr>
-        <p:spPr>
-          <a:xfrm>
-            <a:off x="2208240" y="3441960"/>
-            <a:ext cx="2911680" cy="364320"/>
-          </a:xfrm>
-          <a:prstGeom prst="rect">
-            <a:avLst/>
-          </a:prstGeom>
-          <a:solidFill>
-            <a:schemeClr val="accent3">
-              <a:lumMod val="40000"/>
-              <a:lumOff val="60000"/>
-            </a:schemeClr>
-          </a:solidFill>
-          <a:ln>
-            <a:noFill/>
-          </a:ln>
-        </p:spPr>
-        <p:style>
-          <a:lnRef idx="0">
-            <a:scrgbClr r="0" g="0" b="0"/>
-          </a:lnRef>
-          <a:fillRef idx="0">
-            <a:scrgbClr r="0" g="0" b="0"/>
-          </a:fillRef>
-          <a:effectRef idx="0">
-            <a:scrgbClr r="0" g="0" b="0"/>
-          </a:effectRef>
-          <a:fontRef idx="minor"/>
-        </p:style>
-        <p:txBody>
-          <a:bodyPr lIns="90000" tIns="45000" rIns="90000" bIns="45000"/>
-          <a:lstStyle/>
-          <a:p>
-            <a:pPr algn="ctr">
-              <a:lnSpc>
-                <a:spcPct val="100000"/>
-              </a:lnSpc>
-            </a:pPr>
-            <a:r>
-              <a:rPr lang="en-US" sz="1800" b="0" strike="noStrike" spc="-1">
-                <a:solidFill>
-                  <a:srgbClr val="000000"/>
-                </a:solidFill>
-                <a:latin typeface="맑은 고딕"/>
-                <a:ea typeface="DejaVu Sans"/>
-              </a:rPr>
-              <a:t>Socket channel</a:t>
-            </a:r>
-            <a:endParaRPr lang="en-US" sz="1800" b="0" strike="noStrike" spc="-1">
-              <a:latin typeface="Arial"/>
-            </a:endParaRPr>
-          </a:p>
-        </p:txBody>
-      </p:sp>
-      <p:sp>
-        <p:nvSpPr>
-          <p:cNvPr id="57" name="CustomShape 5"/>
-          <p:cNvSpPr/>
-          <p:nvPr/>
-        </p:nvSpPr>
-        <p:spPr>
-          <a:xfrm>
-            <a:off x="9692640" y="3065760"/>
-            <a:ext cx="1088640" cy="1049040"/>
-          </a:xfrm>
-          <a:prstGeom prst="rect">
-            <a:avLst/>
-          </a:prstGeom>
-          <a:ln>
-            <a:round/>
-          </a:ln>
-        </p:spPr>
-        <p:style>
-          <a:lnRef idx="2">
-            <a:schemeClr val="dk1"/>
-          </a:lnRef>
-          <a:fillRef idx="1">
-            <a:schemeClr val="lt1"/>
-          </a:fillRef>
-          <a:effectRef idx="0">
-            <a:schemeClr val="dk1"/>
-          </a:effectRef>
-          <a:fontRef idx="minor"/>
-        </p:style>
-        <p:txBody>
-          <a:bodyPr lIns="90000" tIns="45000" rIns="90000" bIns="45000" anchor="ctr"/>
-          <a:lstStyle/>
-          <a:p>
-            <a:pPr algn="ctr">
-              <a:lnSpc>
-                <a:spcPct val="100000"/>
-              </a:lnSpc>
-            </a:pPr>
-            <a:r>
-              <a:rPr lang="en-US" sz="1800" b="0" strike="noStrike" spc="-1">
-                <a:solidFill>
-                  <a:srgbClr val="000000"/>
-                </a:solidFill>
-                <a:latin typeface="맑은 고딕"/>
-                <a:ea typeface="DejaVu Sans"/>
-              </a:rPr>
-              <a:t>Docker 2</a:t>
-            </a:r>
-            <a:endParaRPr lang="en-US" sz="1800" b="0" strike="noStrike" spc="-1">
-              <a:latin typeface="Arial"/>
-            </a:endParaRPr>
-          </a:p>
-        </p:txBody>
-      </p:sp>
-      <p:sp>
-        <p:nvSpPr>
-          <p:cNvPr id="58" name="CustomShape 6"/>
-          <p:cNvSpPr/>
-          <p:nvPr/>
-        </p:nvSpPr>
-        <p:spPr>
-          <a:xfrm>
-            <a:off x="9692640" y="1419840"/>
-            <a:ext cx="1088640" cy="1049040"/>
-          </a:xfrm>
-          <a:prstGeom prst="rect">
-            <a:avLst/>
-          </a:prstGeom>
-          <a:ln>
-            <a:round/>
-          </a:ln>
-        </p:spPr>
-        <p:style>
-          <a:lnRef idx="2">
-            <a:schemeClr val="dk1"/>
-          </a:lnRef>
-          <a:fillRef idx="1">
-            <a:schemeClr val="lt1"/>
-          </a:fillRef>
-          <a:effectRef idx="0">
-            <a:schemeClr val="dk1"/>
-          </a:effectRef>
-          <a:fontRef idx="minor"/>
-        </p:style>
-        <p:txBody>
-          <a:bodyPr lIns="90000" tIns="45000" rIns="90000" bIns="45000" anchor="ctr"/>
-          <a:lstStyle/>
-          <a:p>
-            <a:pPr algn="ctr">
-              <a:lnSpc>
-                <a:spcPct val="100000"/>
-              </a:lnSpc>
-            </a:pPr>
-            <a:r>
-              <a:rPr lang="en-US" sz="1800" b="0" strike="noStrike" spc="-1">
-                <a:solidFill>
-                  <a:srgbClr val="000000"/>
-                </a:solidFill>
-                <a:latin typeface="맑은 고딕"/>
-                <a:ea typeface="DejaVu Sans"/>
-              </a:rPr>
-              <a:t>Docker 1</a:t>
-            </a:r>
-            <a:endParaRPr lang="en-US" sz="1800" b="0" strike="noStrike" spc="-1">
-              <a:latin typeface="Arial"/>
-            </a:endParaRPr>
-          </a:p>
-        </p:txBody>
-      </p:sp>
-      <p:sp>
-        <p:nvSpPr>
-          <p:cNvPr id="59" name="CustomShape 7"/>
-          <p:cNvSpPr/>
-          <p:nvPr/>
-        </p:nvSpPr>
-        <p:spPr>
-          <a:xfrm>
-            <a:off x="9701280" y="4620240"/>
-            <a:ext cx="1088640" cy="1049040"/>
-          </a:xfrm>
-          <a:prstGeom prst="rect">
-            <a:avLst/>
-          </a:prstGeom>
-          <a:ln>
-            <a:round/>
-          </a:ln>
-        </p:spPr>
-        <p:style>
-          <a:lnRef idx="2">
-            <a:schemeClr val="dk1"/>
-          </a:lnRef>
-          <a:fillRef idx="1">
-            <a:schemeClr val="lt1"/>
-          </a:fillRef>
-          <a:effectRef idx="0">
-            <a:schemeClr val="dk1"/>
-          </a:effectRef>
-          <a:fontRef idx="minor"/>
-        </p:style>
-        <p:txBody>
-          <a:bodyPr lIns="90000" tIns="45000" rIns="90000" bIns="45000" anchor="ctr"/>
-          <a:lstStyle/>
-          <a:p>
-            <a:pPr algn="ctr">
-              <a:lnSpc>
-                <a:spcPct val="100000"/>
-              </a:lnSpc>
-            </a:pPr>
-            <a:r>
-              <a:rPr lang="en-US" sz="1800" b="0" strike="noStrike" spc="-1">
-                <a:solidFill>
-                  <a:srgbClr val="000000"/>
-                </a:solidFill>
-                <a:latin typeface="맑은 고딕"/>
-                <a:ea typeface="DejaVu Sans"/>
-              </a:rPr>
-              <a:t>Docker 3</a:t>
-            </a:r>
-            <a:endParaRPr lang="en-US" sz="1800" b="0" strike="noStrike" spc="-1">
-              <a:latin typeface="Arial"/>
-            </a:endParaRPr>
-          </a:p>
-        </p:txBody>
-      </p:sp>
-      <p:sp>
-        <p:nvSpPr>
-          <p:cNvPr id="60" name="CustomShape 8"/>
-          <p:cNvSpPr/>
-          <p:nvPr/>
-        </p:nvSpPr>
-        <p:spPr>
-          <a:xfrm>
-            <a:off x="6598080" y="3474720"/>
-            <a:ext cx="2911680" cy="364320"/>
-          </a:xfrm>
-          <a:prstGeom prst="rect">
-            <a:avLst/>
-          </a:prstGeom>
-          <a:solidFill>
-            <a:schemeClr val="accent3">
-              <a:lumMod val="40000"/>
-              <a:lumOff val="60000"/>
-            </a:schemeClr>
-          </a:solidFill>
-          <a:ln>
-            <a:noFill/>
-          </a:ln>
-        </p:spPr>
-        <p:style>
-          <a:lnRef idx="0">
-            <a:scrgbClr r="0" g="0" b="0"/>
-          </a:lnRef>
-          <a:fillRef idx="0">
-            <a:scrgbClr r="0" g="0" b="0"/>
-          </a:fillRef>
-          <a:effectRef idx="0">
-            <a:scrgbClr r="0" g="0" b="0"/>
-          </a:effectRef>
-          <a:fontRef idx="minor"/>
-        </p:style>
-        <p:txBody>
-          <a:bodyPr lIns="90000" tIns="45000" rIns="90000" bIns="45000"/>
-          <a:lstStyle/>
-          <a:p>
-            <a:pPr algn="ctr">
-              <a:lnSpc>
-                <a:spcPct val="100000"/>
-              </a:lnSpc>
-            </a:pPr>
-            <a:r>
-              <a:rPr lang="en-US" sz="1800" b="0" strike="noStrike" spc="-1">
-                <a:solidFill>
-                  <a:srgbClr val="000000"/>
-                </a:solidFill>
-                <a:latin typeface="맑은 고딕"/>
-                <a:ea typeface="DejaVu Sans"/>
-              </a:rPr>
-              <a:t>MQTT (Topic2)</a:t>
-            </a:r>
-            <a:endParaRPr lang="en-US" sz="1800" b="0" strike="noStrike" spc="-1">
-              <a:latin typeface="Arial"/>
-            </a:endParaRPr>
-          </a:p>
-        </p:txBody>
-      </p:sp>
-      <p:sp>
-        <p:nvSpPr>
-          <p:cNvPr id="61" name="CustomShape 9"/>
-          <p:cNvSpPr/>
-          <p:nvPr/>
-        </p:nvSpPr>
-        <p:spPr>
-          <a:xfrm>
-            <a:off x="6598080" y="5029200"/>
-            <a:ext cx="2911680" cy="364320"/>
-          </a:xfrm>
-          <a:prstGeom prst="rect">
-            <a:avLst/>
-          </a:prstGeom>
-          <a:solidFill>
-            <a:schemeClr val="accent3">
-              <a:lumMod val="40000"/>
-              <a:lumOff val="60000"/>
-            </a:schemeClr>
-          </a:solidFill>
-          <a:ln>
-            <a:noFill/>
-          </a:ln>
-        </p:spPr>
-        <p:style>
-          <a:lnRef idx="0">
-            <a:scrgbClr r="0" g="0" b="0"/>
-          </a:lnRef>
-          <a:fillRef idx="0">
-            <a:scrgbClr r="0" g="0" b="0"/>
-          </a:fillRef>
-          <a:effectRef idx="0">
-            <a:scrgbClr r="0" g="0" b="0"/>
-          </a:effectRef>
-          <a:fontRef idx="minor"/>
-        </p:style>
-        <p:txBody>
-          <a:bodyPr lIns="90000" tIns="45000" rIns="90000" bIns="45000"/>
-          <a:lstStyle/>
-          <a:p>
-            <a:pPr algn="ctr">
-              <a:lnSpc>
-                <a:spcPct val="100000"/>
-              </a:lnSpc>
-            </a:pPr>
-            <a:r>
-              <a:rPr lang="en-US" sz="1800" b="0" strike="noStrike" spc="-1">
-                <a:solidFill>
-                  <a:srgbClr val="000000"/>
-                </a:solidFill>
-                <a:latin typeface="맑은 고딕"/>
-                <a:ea typeface="DejaVu Sans"/>
-              </a:rPr>
-              <a:t>MQTT (Topic3)</a:t>
-            </a:r>
-            <a:endParaRPr lang="en-US" sz="1800" b="0" strike="noStrike" spc="-1">
-              <a:latin typeface="Arial"/>
-            </a:endParaRPr>
-          </a:p>
-        </p:txBody>
-      </p:sp>
-      <p:sp>
-        <p:nvSpPr>
-          <p:cNvPr id="62" name="CustomShape 10"/>
-          <p:cNvSpPr/>
-          <p:nvPr/>
-        </p:nvSpPr>
-        <p:spPr>
-          <a:xfrm>
-            <a:off x="6598080" y="1828800"/>
-            <a:ext cx="2911680" cy="364320"/>
-          </a:xfrm>
-          <a:prstGeom prst="rect">
-            <a:avLst/>
-          </a:prstGeom>
-          <a:solidFill>
-            <a:schemeClr val="accent3">
-              <a:lumMod val="40000"/>
-              <a:lumOff val="60000"/>
-            </a:schemeClr>
-          </a:solidFill>
-          <a:ln>
-            <a:noFill/>
-          </a:ln>
-        </p:spPr>
-        <p:style>
-          <a:lnRef idx="0">
-            <a:scrgbClr r="0" g="0" b="0"/>
-          </a:lnRef>
-          <a:fillRef idx="0">
-            <a:scrgbClr r="0" g="0" b="0"/>
-          </a:fillRef>
-          <a:effectRef idx="0">
-            <a:scrgbClr r="0" g="0" b="0"/>
-          </a:effectRef>
-          <a:fontRef idx="minor"/>
-        </p:style>
-        <p:txBody>
-          <a:bodyPr lIns="90000" tIns="45000" rIns="90000" bIns="45000"/>
-          <a:lstStyle/>
-          <a:p>
-            <a:pPr algn="ctr">
-              <a:lnSpc>
-                <a:spcPct val="100000"/>
-              </a:lnSpc>
-            </a:pPr>
-            <a:r>
-              <a:rPr lang="en-US" sz="1800" b="0" strike="noStrike" spc="-1">
-                <a:solidFill>
-                  <a:srgbClr val="000000"/>
-                </a:solidFill>
-                <a:latin typeface="맑은 고딕"/>
-                <a:ea typeface="DejaVu Sans"/>
-              </a:rPr>
-              <a:t>MQTT (Topic1)</a:t>
-            </a:r>
-            <a:endParaRPr lang="en-US" sz="1800" b="0" strike="noStrike" spc="-1">
-              <a:latin typeface="Arial"/>
-            </a:endParaRPr>
+                <a:latin typeface="Arial"/>
+              </a:rPr>
+              <a:t>사용자는 list 에서 원하는 거 누르고 (토픽은 주소, 메세지는 명령어 심볼) 퍼블리쉬 하면 .. ? </a:t>
+            </a:r>
           </a:p>
         </p:txBody>
       </p:sp>
@@ -5515,6 +6096,866 @@
 </file>
 
 <file path=ppt/slides/slide6.xml><?xml version="1.0" encoding="utf-8"?>
+<p:sld xmlns:a="http://schemas.openxmlformats.org/drawingml/2006/main" xmlns:r="http://schemas.openxmlformats.org/officeDocument/2006/relationships" xmlns:p="http://schemas.openxmlformats.org/presentationml/2006/main">
+  <p:cSld>
+    <p:spTree>
+      <p:nvGrpSpPr>
+        <p:cNvPr id="1" name=""/>
+        <p:cNvGrpSpPr/>
+        <p:nvPr/>
+      </p:nvGrpSpPr>
+      <p:grpSpPr>
+        <a:xfrm>
+          <a:off x="0" y="0"/>
+          <a:ext cx="0" cy="0"/>
+          <a:chOff x="0" y="0"/>
+          <a:chExt cx="0" cy="0"/>
+        </a:xfrm>
+      </p:grpSpPr>
+      <p:sp>
+        <p:nvSpPr>
+          <p:cNvPr id="53" name="CustomShape 1"/>
+          <p:cNvSpPr/>
+          <p:nvPr/>
+        </p:nvSpPr>
+        <p:spPr>
+          <a:xfrm>
+            <a:off x="677160" y="654840"/>
+            <a:ext cx="3284280" cy="1735920"/>
+          </a:xfrm>
+          <a:prstGeom prst="rect">
+            <a:avLst/>
+          </a:prstGeom>
+          <a:noFill/>
+          <a:ln>
+            <a:noFill/>
+          </a:ln>
+        </p:spPr>
+        <p:style>
+          <a:lnRef idx="0">
+            <a:scrgbClr r="0" g="0" b="0"/>
+          </a:lnRef>
+          <a:fillRef idx="0">
+            <a:scrgbClr r="0" g="0" b="0"/>
+          </a:fillRef>
+          <a:effectRef idx="0">
+            <a:scrgbClr r="0" g="0" b="0"/>
+          </a:effectRef>
+          <a:fontRef idx="minor"/>
+        </p:style>
+        <p:txBody>
+          <a:bodyPr lIns="90000" tIns="45000" rIns="90000" bIns="45000"/>
+          <a:lstStyle/>
+          <a:p>
+            <a:pPr>
+              <a:lnSpc>
+                <a:spcPct val="100000"/>
+              </a:lnSpc>
+            </a:pPr>
+            <a:r>
+              <a:rPr lang="en-US" sz="1800" b="0" strike="noStrike" spc="-1">
+                <a:solidFill>
+                  <a:srgbClr val="000000"/>
+                </a:solidFill>
+                <a:latin typeface="맑은 고딕"/>
+                <a:ea typeface="DejaVu Sans"/>
+              </a:rPr>
+              <a:t> </a:t>
+            </a:r>
+            <a:endParaRPr lang="en-US" sz="1800" b="0" strike="noStrike" spc="-1">
+              <a:latin typeface="Arial"/>
+            </a:endParaRPr>
+          </a:p>
+        </p:txBody>
+      </p:sp>
+      <p:sp>
+        <p:nvSpPr>
+          <p:cNvPr id="54" name="CustomShape 2"/>
+          <p:cNvSpPr/>
+          <p:nvPr/>
+        </p:nvSpPr>
+        <p:spPr>
+          <a:xfrm>
+            <a:off x="1005840" y="3108960"/>
+            <a:ext cx="1088640" cy="1049040"/>
+          </a:xfrm>
+          <a:prstGeom prst="rect">
+            <a:avLst/>
+          </a:prstGeom>
+          <a:ln>
+            <a:round/>
+          </a:ln>
+        </p:spPr>
+        <p:style>
+          <a:lnRef idx="2">
+            <a:schemeClr val="dk1"/>
+          </a:lnRef>
+          <a:fillRef idx="1">
+            <a:schemeClr val="lt1"/>
+          </a:fillRef>
+          <a:effectRef idx="0">
+            <a:schemeClr val="dk1"/>
+          </a:effectRef>
+          <a:fontRef idx="minor"/>
+        </p:style>
+        <p:txBody>
+          <a:bodyPr lIns="90000" tIns="45000" rIns="90000" bIns="45000" anchor="ctr"/>
+          <a:lstStyle/>
+          <a:p>
+            <a:pPr algn="ctr">
+              <a:lnSpc>
+                <a:spcPct val="100000"/>
+              </a:lnSpc>
+            </a:pPr>
+            <a:r>
+              <a:rPr lang="en-US" sz="1800" b="0" strike="noStrike" spc="-1">
+                <a:solidFill>
+                  <a:srgbClr val="000000"/>
+                </a:solidFill>
+                <a:latin typeface="맑은 고딕"/>
+                <a:ea typeface="DejaVu Sans"/>
+              </a:rPr>
+              <a:t>client</a:t>
+            </a:r>
+            <a:endParaRPr lang="en-US" sz="1800" b="0" strike="noStrike" spc="-1">
+              <a:latin typeface="Arial"/>
+            </a:endParaRPr>
+          </a:p>
+        </p:txBody>
+      </p:sp>
+      <p:sp>
+        <p:nvSpPr>
+          <p:cNvPr id="55" name="CustomShape 3"/>
+          <p:cNvSpPr/>
+          <p:nvPr/>
+        </p:nvSpPr>
+        <p:spPr>
+          <a:xfrm>
+            <a:off x="5233680" y="1804680"/>
+            <a:ext cx="1088640" cy="3657600"/>
+          </a:xfrm>
+          <a:prstGeom prst="rect">
+            <a:avLst/>
+          </a:prstGeom>
+          <a:ln>
+            <a:round/>
+          </a:ln>
+        </p:spPr>
+        <p:style>
+          <a:lnRef idx="2">
+            <a:schemeClr val="dk1"/>
+          </a:lnRef>
+          <a:fillRef idx="1">
+            <a:schemeClr val="lt1"/>
+          </a:fillRef>
+          <a:effectRef idx="0">
+            <a:schemeClr val="dk1"/>
+          </a:effectRef>
+          <a:fontRef idx="minor"/>
+        </p:style>
+        <p:txBody>
+          <a:bodyPr lIns="90000" tIns="45000" rIns="90000" bIns="45000" anchor="ctr"/>
+          <a:lstStyle/>
+          <a:p>
+            <a:pPr algn="ctr">
+              <a:lnSpc>
+                <a:spcPct val="100000"/>
+              </a:lnSpc>
+            </a:pPr>
+            <a:r>
+              <a:rPr lang="en-US" sz="1800" b="0" strike="noStrike" spc="-1" dirty="0" smtClean="0">
+                <a:solidFill>
+                  <a:srgbClr val="000000"/>
+                </a:solidFill>
+                <a:latin typeface="맑은 고딕"/>
+                <a:ea typeface="DejaVu Sans"/>
+              </a:rPr>
+              <a:t>Server</a:t>
+            </a:r>
+          </a:p>
+          <a:p>
+            <a:pPr algn="ctr">
+              <a:lnSpc>
+                <a:spcPct val="100000"/>
+              </a:lnSpc>
+            </a:pPr>
+            <a:r>
+              <a:rPr lang="en-US" spc="-1" dirty="0" smtClean="0">
+                <a:solidFill>
+                  <a:srgbClr val="000000"/>
+                </a:solidFill>
+                <a:latin typeface="맑은 고딕"/>
+              </a:rPr>
+              <a:t>(master)</a:t>
+            </a:r>
+            <a:endParaRPr lang="en-US" sz="1800" b="0" strike="noStrike" spc="-1" dirty="0">
+              <a:latin typeface="Arial"/>
+            </a:endParaRPr>
+          </a:p>
+        </p:txBody>
+      </p:sp>
+      <p:sp>
+        <p:nvSpPr>
+          <p:cNvPr id="56" name="CustomShape 4"/>
+          <p:cNvSpPr/>
+          <p:nvPr/>
+        </p:nvSpPr>
+        <p:spPr>
+          <a:xfrm>
+            <a:off x="2208240" y="3441960"/>
+            <a:ext cx="2911680" cy="364320"/>
+          </a:xfrm>
+          <a:prstGeom prst="rect">
+            <a:avLst/>
+          </a:prstGeom>
+          <a:solidFill>
+            <a:schemeClr val="accent3">
+              <a:lumMod val="40000"/>
+              <a:lumOff val="60000"/>
+            </a:schemeClr>
+          </a:solidFill>
+          <a:ln>
+            <a:noFill/>
+          </a:ln>
+        </p:spPr>
+        <p:style>
+          <a:lnRef idx="0">
+            <a:scrgbClr r="0" g="0" b="0"/>
+          </a:lnRef>
+          <a:fillRef idx="0">
+            <a:scrgbClr r="0" g="0" b="0"/>
+          </a:fillRef>
+          <a:effectRef idx="0">
+            <a:scrgbClr r="0" g="0" b="0"/>
+          </a:effectRef>
+          <a:fontRef idx="minor"/>
+        </p:style>
+        <p:txBody>
+          <a:bodyPr lIns="90000" tIns="45000" rIns="90000" bIns="45000"/>
+          <a:lstStyle/>
+          <a:p>
+            <a:pPr algn="ctr">
+              <a:lnSpc>
+                <a:spcPct val="100000"/>
+              </a:lnSpc>
+            </a:pPr>
+            <a:r>
+              <a:rPr lang="en-US" sz="1800" b="0" strike="noStrike" spc="-1">
+                <a:solidFill>
+                  <a:srgbClr val="000000"/>
+                </a:solidFill>
+                <a:latin typeface="맑은 고딕"/>
+                <a:ea typeface="DejaVu Sans"/>
+              </a:rPr>
+              <a:t>Socket channel</a:t>
+            </a:r>
+            <a:endParaRPr lang="en-US" sz="1800" b="0" strike="noStrike" spc="-1">
+              <a:latin typeface="Arial"/>
+            </a:endParaRPr>
+          </a:p>
+        </p:txBody>
+      </p:sp>
+      <p:sp>
+        <p:nvSpPr>
+          <p:cNvPr id="57" name="CustomShape 5"/>
+          <p:cNvSpPr/>
+          <p:nvPr/>
+        </p:nvSpPr>
+        <p:spPr>
+          <a:xfrm>
+            <a:off x="9692640" y="3065760"/>
+            <a:ext cx="1088640" cy="1049040"/>
+          </a:xfrm>
+          <a:prstGeom prst="rect">
+            <a:avLst/>
+          </a:prstGeom>
+          <a:ln>
+            <a:round/>
+          </a:ln>
+        </p:spPr>
+        <p:style>
+          <a:lnRef idx="2">
+            <a:schemeClr val="dk1"/>
+          </a:lnRef>
+          <a:fillRef idx="1">
+            <a:schemeClr val="lt1"/>
+          </a:fillRef>
+          <a:effectRef idx="0">
+            <a:schemeClr val="dk1"/>
+          </a:effectRef>
+          <a:fontRef idx="minor"/>
+        </p:style>
+        <p:txBody>
+          <a:bodyPr lIns="90000" tIns="45000" rIns="90000" bIns="45000" anchor="ctr"/>
+          <a:lstStyle/>
+          <a:p>
+            <a:pPr algn="ctr">
+              <a:lnSpc>
+                <a:spcPct val="100000"/>
+              </a:lnSpc>
+            </a:pPr>
+            <a:r>
+              <a:rPr lang="en-US" sz="1800" b="0" strike="noStrike" spc="-1">
+                <a:solidFill>
+                  <a:srgbClr val="000000"/>
+                </a:solidFill>
+                <a:latin typeface="맑은 고딕"/>
+                <a:ea typeface="DejaVu Sans"/>
+              </a:rPr>
+              <a:t>Docker 2</a:t>
+            </a:r>
+            <a:endParaRPr lang="en-US" sz="1800" b="0" strike="noStrike" spc="-1">
+              <a:latin typeface="Arial"/>
+            </a:endParaRPr>
+          </a:p>
+        </p:txBody>
+      </p:sp>
+      <p:sp>
+        <p:nvSpPr>
+          <p:cNvPr id="58" name="CustomShape 6"/>
+          <p:cNvSpPr/>
+          <p:nvPr/>
+        </p:nvSpPr>
+        <p:spPr>
+          <a:xfrm>
+            <a:off x="9692640" y="1419840"/>
+            <a:ext cx="1088640" cy="1049040"/>
+          </a:xfrm>
+          <a:prstGeom prst="rect">
+            <a:avLst/>
+          </a:prstGeom>
+          <a:ln>
+            <a:round/>
+          </a:ln>
+        </p:spPr>
+        <p:style>
+          <a:lnRef idx="2">
+            <a:schemeClr val="dk1"/>
+          </a:lnRef>
+          <a:fillRef idx="1">
+            <a:schemeClr val="lt1"/>
+          </a:fillRef>
+          <a:effectRef idx="0">
+            <a:schemeClr val="dk1"/>
+          </a:effectRef>
+          <a:fontRef idx="minor"/>
+        </p:style>
+        <p:txBody>
+          <a:bodyPr lIns="90000" tIns="45000" rIns="90000" bIns="45000" anchor="ctr"/>
+          <a:lstStyle/>
+          <a:p>
+            <a:pPr algn="ctr">
+              <a:lnSpc>
+                <a:spcPct val="100000"/>
+              </a:lnSpc>
+            </a:pPr>
+            <a:r>
+              <a:rPr lang="en-US" sz="1800" b="0" strike="noStrike" spc="-1">
+                <a:solidFill>
+                  <a:srgbClr val="000000"/>
+                </a:solidFill>
+                <a:latin typeface="맑은 고딕"/>
+                <a:ea typeface="DejaVu Sans"/>
+              </a:rPr>
+              <a:t>Docker 1</a:t>
+            </a:r>
+            <a:endParaRPr lang="en-US" sz="1800" b="0" strike="noStrike" spc="-1">
+              <a:latin typeface="Arial"/>
+            </a:endParaRPr>
+          </a:p>
+        </p:txBody>
+      </p:sp>
+      <p:sp>
+        <p:nvSpPr>
+          <p:cNvPr id="59" name="CustomShape 7"/>
+          <p:cNvSpPr/>
+          <p:nvPr/>
+        </p:nvSpPr>
+        <p:spPr>
+          <a:xfrm>
+            <a:off x="9701280" y="4620240"/>
+            <a:ext cx="1088640" cy="1049040"/>
+          </a:xfrm>
+          <a:prstGeom prst="rect">
+            <a:avLst/>
+          </a:prstGeom>
+          <a:ln>
+            <a:round/>
+          </a:ln>
+        </p:spPr>
+        <p:style>
+          <a:lnRef idx="2">
+            <a:schemeClr val="dk1"/>
+          </a:lnRef>
+          <a:fillRef idx="1">
+            <a:schemeClr val="lt1"/>
+          </a:fillRef>
+          <a:effectRef idx="0">
+            <a:schemeClr val="dk1"/>
+          </a:effectRef>
+          <a:fontRef idx="minor"/>
+        </p:style>
+        <p:txBody>
+          <a:bodyPr lIns="90000" tIns="45000" rIns="90000" bIns="45000" anchor="ctr"/>
+          <a:lstStyle/>
+          <a:p>
+            <a:pPr algn="ctr">
+              <a:lnSpc>
+                <a:spcPct val="100000"/>
+              </a:lnSpc>
+            </a:pPr>
+            <a:r>
+              <a:rPr lang="en-US" sz="1800" b="0" strike="noStrike" spc="-1">
+                <a:solidFill>
+                  <a:srgbClr val="000000"/>
+                </a:solidFill>
+                <a:latin typeface="맑은 고딕"/>
+                <a:ea typeface="DejaVu Sans"/>
+              </a:rPr>
+              <a:t>Docker 3</a:t>
+            </a:r>
+            <a:endParaRPr lang="en-US" sz="1800" b="0" strike="noStrike" spc="-1">
+              <a:latin typeface="Arial"/>
+            </a:endParaRPr>
+          </a:p>
+        </p:txBody>
+      </p:sp>
+      <p:sp>
+        <p:nvSpPr>
+          <p:cNvPr id="60" name="CustomShape 8"/>
+          <p:cNvSpPr/>
+          <p:nvPr/>
+        </p:nvSpPr>
+        <p:spPr>
+          <a:xfrm>
+            <a:off x="6598080" y="3474720"/>
+            <a:ext cx="2911680" cy="364320"/>
+          </a:xfrm>
+          <a:prstGeom prst="rect">
+            <a:avLst/>
+          </a:prstGeom>
+          <a:solidFill>
+            <a:schemeClr val="accent3">
+              <a:lumMod val="40000"/>
+              <a:lumOff val="60000"/>
+            </a:schemeClr>
+          </a:solidFill>
+          <a:ln>
+            <a:noFill/>
+          </a:ln>
+        </p:spPr>
+        <p:style>
+          <a:lnRef idx="0">
+            <a:scrgbClr r="0" g="0" b="0"/>
+          </a:lnRef>
+          <a:fillRef idx="0">
+            <a:scrgbClr r="0" g="0" b="0"/>
+          </a:fillRef>
+          <a:effectRef idx="0">
+            <a:scrgbClr r="0" g="0" b="0"/>
+          </a:effectRef>
+          <a:fontRef idx="minor"/>
+        </p:style>
+        <p:txBody>
+          <a:bodyPr lIns="90000" tIns="45000" rIns="90000" bIns="45000"/>
+          <a:lstStyle/>
+          <a:p>
+            <a:pPr algn="ctr">
+              <a:lnSpc>
+                <a:spcPct val="100000"/>
+              </a:lnSpc>
+            </a:pPr>
+            <a:r>
+              <a:rPr lang="en-US" sz="1800" b="0" strike="noStrike" spc="-1">
+                <a:solidFill>
+                  <a:srgbClr val="000000"/>
+                </a:solidFill>
+                <a:latin typeface="맑은 고딕"/>
+                <a:ea typeface="DejaVu Sans"/>
+              </a:rPr>
+              <a:t>MQTT (Topic2)</a:t>
+            </a:r>
+            <a:endParaRPr lang="en-US" sz="1800" b="0" strike="noStrike" spc="-1">
+              <a:latin typeface="Arial"/>
+            </a:endParaRPr>
+          </a:p>
+        </p:txBody>
+      </p:sp>
+      <p:sp>
+        <p:nvSpPr>
+          <p:cNvPr id="61" name="CustomShape 9"/>
+          <p:cNvSpPr/>
+          <p:nvPr/>
+        </p:nvSpPr>
+        <p:spPr>
+          <a:xfrm>
+            <a:off x="6598080" y="5029200"/>
+            <a:ext cx="2911680" cy="364320"/>
+          </a:xfrm>
+          <a:prstGeom prst="rect">
+            <a:avLst/>
+          </a:prstGeom>
+          <a:solidFill>
+            <a:schemeClr val="accent3">
+              <a:lumMod val="40000"/>
+              <a:lumOff val="60000"/>
+            </a:schemeClr>
+          </a:solidFill>
+          <a:ln>
+            <a:noFill/>
+          </a:ln>
+        </p:spPr>
+        <p:style>
+          <a:lnRef idx="0">
+            <a:scrgbClr r="0" g="0" b="0"/>
+          </a:lnRef>
+          <a:fillRef idx="0">
+            <a:scrgbClr r="0" g="0" b="0"/>
+          </a:fillRef>
+          <a:effectRef idx="0">
+            <a:scrgbClr r="0" g="0" b="0"/>
+          </a:effectRef>
+          <a:fontRef idx="minor"/>
+        </p:style>
+        <p:txBody>
+          <a:bodyPr lIns="90000" tIns="45000" rIns="90000" bIns="45000"/>
+          <a:lstStyle/>
+          <a:p>
+            <a:pPr algn="ctr">
+              <a:lnSpc>
+                <a:spcPct val="100000"/>
+              </a:lnSpc>
+            </a:pPr>
+            <a:r>
+              <a:rPr lang="en-US" sz="1800" b="0" strike="noStrike" spc="-1">
+                <a:solidFill>
+                  <a:srgbClr val="000000"/>
+                </a:solidFill>
+                <a:latin typeface="맑은 고딕"/>
+                <a:ea typeface="DejaVu Sans"/>
+              </a:rPr>
+              <a:t>MQTT (Topic3)</a:t>
+            </a:r>
+            <a:endParaRPr lang="en-US" sz="1800" b="0" strike="noStrike" spc="-1">
+              <a:latin typeface="Arial"/>
+            </a:endParaRPr>
+          </a:p>
+        </p:txBody>
+      </p:sp>
+      <p:sp>
+        <p:nvSpPr>
+          <p:cNvPr id="62" name="CustomShape 10"/>
+          <p:cNvSpPr/>
+          <p:nvPr/>
+        </p:nvSpPr>
+        <p:spPr>
+          <a:xfrm>
+            <a:off x="6598080" y="1828800"/>
+            <a:ext cx="2911680" cy="364320"/>
+          </a:xfrm>
+          <a:prstGeom prst="rect">
+            <a:avLst/>
+          </a:prstGeom>
+          <a:solidFill>
+            <a:schemeClr val="accent3">
+              <a:lumMod val="40000"/>
+              <a:lumOff val="60000"/>
+            </a:schemeClr>
+          </a:solidFill>
+          <a:ln>
+            <a:noFill/>
+          </a:ln>
+        </p:spPr>
+        <p:style>
+          <a:lnRef idx="0">
+            <a:scrgbClr r="0" g="0" b="0"/>
+          </a:lnRef>
+          <a:fillRef idx="0">
+            <a:scrgbClr r="0" g="0" b="0"/>
+          </a:fillRef>
+          <a:effectRef idx="0">
+            <a:scrgbClr r="0" g="0" b="0"/>
+          </a:effectRef>
+          <a:fontRef idx="minor"/>
+        </p:style>
+        <p:txBody>
+          <a:bodyPr lIns="90000" tIns="45000" rIns="90000" bIns="45000"/>
+          <a:lstStyle/>
+          <a:p>
+            <a:pPr algn="ctr">
+              <a:lnSpc>
+                <a:spcPct val="100000"/>
+              </a:lnSpc>
+            </a:pPr>
+            <a:r>
+              <a:rPr lang="en-US" sz="1800" b="0" strike="noStrike" spc="-1">
+                <a:solidFill>
+                  <a:srgbClr val="000000"/>
+                </a:solidFill>
+                <a:latin typeface="맑은 고딕"/>
+                <a:ea typeface="DejaVu Sans"/>
+              </a:rPr>
+              <a:t>MQTT (Topic1)</a:t>
+            </a:r>
+            <a:endParaRPr lang="en-US" sz="1800" b="0" strike="noStrike" spc="-1">
+              <a:latin typeface="Arial"/>
+            </a:endParaRPr>
+          </a:p>
+        </p:txBody>
+      </p:sp>
+      <p:sp>
+        <p:nvSpPr>
+          <p:cNvPr id="12" name="CustomShape 2"/>
+          <p:cNvSpPr/>
+          <p:nvPr/>
+        </p:nvSpPr>
+        <p:spPr>
+          <a:xfrm>
+            <a:off x="5233680" y="130320"/>
+            <a:ext cx="1088640" cy="1049040"/>
+          </a:xfrm>
+          <a:prstGeom prst="rect">
+            <a:avLst/>
+          </a:prstGeom>
+          <a:ln>
+            <a:round/>
+          </a:ln>
+        </p:spPr>
+        <p:style>
+          <a:lnRef idx="2">
+            <a:schemeClr val="dk1"/>
+          </a:lnRef>
+          <a:fillRef idx="1">
+            <a:schemeClr val="lt1"/>
+          </a:fillRef>
+          <a:effectRef idx="0">
+            <a:schemeClr val="dk1"/>
+          </a:effectRef>
+          <a:fontRef idx="minor"/>
+        </p:style>
+        <p:txBody>
+          <a:bodyPr lIns="90000" tIns="45000" rIns="90000" bIns="45000" anchor="ctr"/>
+          <a:lstStyle/>
+          <a:p>
+            <a:pPr algn="ctr">
+              <a:lnSpc>
+                <a:spcPct val="100000"/>
+              </a:lnSpc>
+            </a:pPr>
+            <a:r>
+              <a:rPr lang="en-US" sz="1800" b="0" strike="noStrike" spc="-1" dirty="0" smtClean="0">
+                <a:latin typeface="Arial"/>
+              </a:rPr>
+              <a:t>DB</a:t>
+            </a:r>
+            <a:endParaRPr lang="en-US" sz="1800" b="0" strike="noStrike" spc="-1" dirty="0">
+              <a:latin typeface="Arial"/>
+            </a:endParaRPr>
+          </a:p>
+        </p:txBody>
+      </p:sp>
+    </p:spTree>
+  </p:cSld>
+  <p:clrMapOvr>
+    <a:masterClrMapping/>
+  </p:clrMapOvr>
+  <p:timing>
+    <p:tnLst>
+      <p:par>
+        <p:cTn id="1" dur="indefinite" restart="never" nodeType="tmRoot">
+          <p:childTnLst>
+            <p:seq>
+              <p:cTn id="2" dur="indefinite" nodeType="mainSeq"/>
+              <p:prevCondLst>
+                <p:cond evt="onPrev" delay="0">
+                  <p:tgtEl>
+                    <p:sldTgt/>
+                  </p:tgtEl>
+                </p:cond>
+              </p:prevCondLst>
+              <p:nextCondLst>
+                <p:cond evt="onNext" delay="0">
+                  <p:tgtEl>
+                    <p:sldTgt/>
+                  </p:tgtEl>
+                </p:cond>
+              </p:nextCondLst>
+            </p:seq>
+          </p:childTnLst>
+        </p:cTn>
+      </p:par>
+    </p:tnLst>
+  </p:timing>
+</p:sld>
+</file>
+
+<file path=ppt/slides/slide7.xml><?xml version="1.0" encoding="utf-8"?>
+<p:sld xmlns:a="http://schemas.openxmlformats.org/drawingml/2006/main" xmlns:r="http://schemas.openxmlformats.org/officeDocument/2006/relationships" xmlns:p="http://schemas.openxmlformats.org/presentationml/2006/main">
+  <p:cSld>
+    <p:spTree>
+      <p:nvGrpSpPr>
+        <p:cNvPr id="1" name=""/>
+        <p:cNvGrpSpPr/>
+        <p:nvPr/>
+      </p:nvGrpSpPr>
+      <p:grpSpPr>
+        <a:xfrm>
+          <a:off x="0" y="0"/>
+          <a:ext cx="0" cy="0"/>
+          <a:chOff x="0" y="0"/>
+          <a:chExt cx="0" cy="0"/>
+        </a:xfrm>
+      </p:grpSpPr>
+      <p:sp>
+        <p:nvSpPr>
+          <p:cNvPr id="2" name="TextBox 1"/>
+          <p:cNvSpPr txBox="1"/>
+          <p:nvPr/>
+        </p:nvSpPr>
+        <p:spPr>
+          <a:xfrm>
+            <a:off x="363415" y="515815"/>
+            <a:ext cx="4161693" cy="2308324"/>
+          </a:xfrm>
+          <a:prstGeom prst="rect">
+            <a:avLst/>
+          </a:prstGeom>
+          <a:noFill/>
+        </p:spPr>
+        <p:txBody>
+          <a:bodyPr wrap="square" rtlCol="0">
+            <a:spAutoFit/>
+          </a:bodyPr>
+          <a:lstStyle/>
+          <a:p>
+            <a:r>
+              <a:rPr lang="ko-KR" altLang="en-US" dirty="0" smtClean="0"/>
+              <a:t>기기 등록 과정</a:t>
+            </a:r>
+            <a:endParaRPr lang="en-US" altLang="ko-KR" dirty="0" smtClean="0"/>
+          </a:p>
+          <a:p>
+            <a:endParaRPr lang="en-US" altLang="ko-KR" dirty="0"/>
+          </a:p>
+          <a:p>
+            <a:pPr marL="342900" indent="-342900">
+              <a:buAutoNum type="arabicPeriod"/>
+            </a:pPr>
+            <a:r>
+              <a:rPr lang="en-US" altLang="ko-KR" dirty="0" smtClean="0"/>
+              <a:t>Worker </a:t>
+            </a:r>
+            <a:r>
+              <a:rPr lang="ko-KR" altLang="en-US" dirty="0" smtClean="0"/>
+              <a:t>에서 </a:t>
+            </a:r>
+            <a:r>
+              <a:rPr lang="en-US" altLang="ko-KR" dirty="0" smtClean="0"/>
+              <a:t>matt </a:t>
+            </a:r>
+            <a:r>
+              <a:rPr lang="ko-KR" altLang="en-US" dirty="0" smtClean="0"/>
+              <a:t>구독 실행과 동시에 등록</a:t>
+            </a:r>
+            <a:r>
+              <a:rPr lang="en-US" altLang="ko-KR" dirty="0" smtClean="0"/>
+              <a:t>? -&gt; </a:t>
+            </a:r>
+            <a:r>
+              <a:rPr lang="ko-KR" altLang="en-US" dirty="0" smtClean="0"/>
+              <a:t>그거 괜찮겠다</a:t>
+            </a:r>
+            <a:r>
+              <a:rPr lang="en-US" altLang="ko-KR" dirty="0" smtClean="0"/>
+              <a:t>!</a:t>
+            </a:r>
+          </a:p>
+          <a:p>
+            <a:pPr marL="342900" indent="-342900">
+              <a:buAutoNum type="arabicPeriod"/>
+            </a:pPr>
+            <a:endParaRPr lang="en-US" altLang="ko-KR" dirty="0"/>
+          </a:p>
+          <a:p>
+            <a:pPr marL="342900" indent="-342900">
+              <a:buAutoNum type="arabicPeriod"/>
+            </a:pPr>
+            <a:r>
+              <a:rPr lang="ko-KR" altLang="en-US" dirty="0" smtClean="0"/>
+              <a:t>대신 로그인 </a:t>
+            </a:r>
+            <a:r>
+              <a:rPr lang="en-US" altLang="ko-KR" dirty="0" smtClean="0"/>
+              <a:t>id , </a:t>
+            </a:r>
+            <a:r>
+              <a:rPr lang="en-US" altLang="ko-KR" dirty="0" err="1" smtClean="0"/>
+              <a:t>pwd</a:t>
+            </a:r>
+            <a:r>
+              <a:rPr lang="en-US" altLang="ko-KR" dirty="0" smtClean="0"/>
+              <a:t> </a:t>
+            </a:r>
+            <a:r>
+              <a:rPr lang="ko-KR" altLang="en-US" dirty="0" smtClean="0"/>
+              <a:t>같은 느낌으로</a:t>
+            </a:r>
+            <a:r>
+              <a:rPr lang="en-US" altLang="ko-KR" dirty="0"/>
+              <a:t> </a:t>
+            </a:r>
+            <a:r>
+              <a:rPr lang="ko-KR" altLang="en-US" dirty="0" smtClean="0"/>
+              <a:t>등록하는 기기 마다의 </a:t>
+            </a:r>
+            <a:r>
+              <a:rPr lang="en-US" altLang="ko-KR" dirty="0" smtClean="0"/>
+              <a:t>name </a:t>
+            </a:r>
+            <a:r>
+              <a:rPr lang="ko-KR" altLang="en-US" dirty="0" smtClean="0"/>
+              <a:t>이 정해져 있음</a:t>
+            </a:r>
+            <a:endParaRPr lang="en-US" altLang="ko-KR" dirty="0" smtClean="0"/>
+          </a:p>
+        </p:txBody>
+      </p:sp>
+    </p:spTree>
+  </p:cSld>
+  <p:clrMapOvr>
+    <a:masterClrMapping/>
+  </p:clrMapOvr>
+  <p:timing>
+    <p:tnLst>
+      <p:par>
+        <p:cTn id="1" dur="indefinite" restart="never" nodeType="tmRoot">
+          <p:childTnLst>
+            <p:seq>
+              <p:cTn id="2" dur="indefinite" nodeType="mainSeq"/>
+              <p:prevCondLst>
+                <p:cond evt="onPrev" delay="0">
+                  <p:tgtEl>
+                    <p:sldTgt/>
+                  </p:tgtEl>
+                </p:cond>
+              </p:prevCondLst>
+              <p:nextCondLst>
+                <p:cond evt="onNext" delay="0">
+                  <p:tgtEl>
+                    <p:sldTgt/>
+                  </p:tgtEl>
+                </p:cond>
+              </p:nextCondLst>
+            </p:seq>
+          </p:childTnLst>
+        </p:cTn>
+      </p:par>
+    </p:tnLst>
+  </p:timing>
+</p:sld>
+</file>
+
+<file path=ppt/slides/slide8.xml><?xml version="1.0" encoding="utf-8"?>
 <p:sld xmlns:a="http://schemas.openxmlformats.org/drawingml/2006/main" xmlns:r="http://schemas.openxmlformats.org/officeDocument/2006/relationships" xmlns:p="http://schemas.openxmlformats.org/presentationml/2006/main">
   <p:cSld>
     <p:spTree>
@@ -5987,110 +7428,6 @@
           </a:p>
         </p:txBody>
       </p:sp>
-    </p:spTree>
-  </p:cSld>
-  <p:clrMapOvr>
-    <a:masterClrMapping/>
-  </p:clrMapOvr>
-  <p:timing>
-    <p:tnLst>
-      <p:par>
-        <p:cTn id="1" dur="indefinite" restart="never" nodeType="tmRoot">
-          <p:childTnLst>
-            <p:seq>
-              <p:cTn id="2" dur="indefinite" nodeType="mainSeq"/>
-              <p:prevCondLst>
-                <p:cond evt="onPrev" delay="0">
-                  <p:tgtEl>
-                    <p:sldTgt/>
-                  </p:tgtEl>
-                </p:cond>
-              </p:prevCondLst>
-              <p:nextCondLst>
-                <p:cond evt="onNext" delay="0">
-                  <p:tgtEl>
-                    <p:sldTgt/>
-                  </p:tgtEl>
-                </p:cond>
-              </p:nextCondLst>
-            </p:seq>
-          </p:childTnLst>
-        </p:cTn>
-      </p:par>
-    </p:tnLst>
-  </p:timing>
-</p:sld>
-</file>
-
-<file path=ppt/slides/slide7.xml><?xml version="1.0" encoding="utf-8"?>
-<p:sld xmlns:a="http://schemas.openxmlformats.org/drawingml/2006/main" xmlns:r="http://schemas.openxmlformats.org/officeDocument/2006/relationships" xmlns:p="http://schemas.openxmlformats.org/presentationml/2006/main">
-  <p:cSld>
-    <p:spTree>
-      <p:nvGrpSpPr>
-        <p:cNvPr id="1" name=""/>
-        <p:cNvGrpSpPr/>
-        <p:nvPr/>
-      </p:nvGrpSpPr>
-      <p:grpSpPr>
-        <a:xfrm>
-          <a:off x="0" y="0"/>
-          <a:ext cx="0" cy="0"/>
-          <a:chOff x="0" y="0"/>
-          <a:chExt cx="0" cy="0"/>
-        </a:xfrm>
-      </p:grpSpPr>
-    </p:spTree>
-  </p:cSld>
-  <p:clrMapOvr>
-    <a:masterClrMapping/>
-  </p:clrMapOvr>
-  <p:timing>
-    <p:tnLst>
-      <p:par>
-        <p:cTn id="1" dur="indefinite" restart="never" nodeType="tmRoot">
-          <p:childTnLst>
-            <p:seq>
-              <p:cTn id="2" dur="indefinite" nodeType="mainSeq"/>
-              <p:prevCondLst>
-                <p:cond evt="onPrev" delay="0">
-                  <p:tgtEl>
-                    <p:sldTgt/>
-                  </p:tgtEl>
-                </p:cond>
-              </p:prevCondLst>
-              <p:nextCondLst>
-                <p:cond evt="onNext" delay="0">
-                  <p:tgtEl>
-                    <p:sldTgt/>
-                  </p:tgtEl>
-                </p:cond>
-              </p:nextCondLst>
-            </p:seq>
-          </p:childTnLst>
-        </p:cTn>
-      </p:par>
-    </p:tnLst>
-  </p:timing>
-</p:sld>
-</file>
-
-<file path=ppt/slides/slide8.xml><?xml version="1.0" encoding="utf-8"?>
-<p:sld xmlns:a="http://schemas.openxmlformats.org/drawingml/2006/main" xmlns:r="http://schemas.openxmlformats.org/officeDocument/2006/relationships" xmlns:p="http://schemas.openxmlformats.org/presentationml/2006/main">
-  <p:cSld>
-    <p:spTree>
-      <p:nvGrpSpPr>
-        <p:cNvPr id="1" name=""/>
-        <p:cNvGrpSpPr/>
-        <p:nvPr/>
-      </p:nvGrpSpPr>
-      <p:grpSpPr>
-        <a:xfrm>
-          <a:off x="0" y="0"/>
-          <a:ext cx="0" cy="0"/>
-          <a:chOff x="0" y="0"/>
-          <a:chExt cx="0" cy="0"/>
-        </a:xfrm>
-      </p:grpSpPr>
     </p:spTree>
   </p:cSld>
   <p:clrMapOvr>

--- a/FiveStarts_app.pptx
+++ b/FiveStarts_app.pptx
@@ -6815,7 +6815,7 @@
         <p:spPr>
           <a:xfrm>
             <a:off x="363415" y="515815"/>
-            <a:ext cx="4161693" cy="2308324"/>
+            <a:ext cx="4161693" cy="3139321"/>
           </a:xfrm>
           <a:prstGeom prst="rect">
             <a:avLst/>
@@ -6915,6 +6915,40 @@
             <a:r>
               <a:rPr lang="ko-KR" altLang="en-US" dirty="0" smtClean="0"/>
               <a:t>이 정해져 있음</a:t>
+            </a:r>
+            <a:endParaRPr lang="en-US" altLang="ko-KR" dirty="0" smtClean="0"/>
+          </a:p>
+          <a:p>
+            <a:pPr marL="342900" indent="-342900">
+              <a:buAutoNum type="arabicPeriod"/>
+            </a:pPr>
+            <a:endParaRPr lang="en-US" altLang="ko-KR" dirty="0"/>
+          </a:p>
+          <a:p>
+            <a:pPr marL="342900" indent="-342900">
+              <a:buAutoNum type="arabicPeriod"/>
+            </a:pPr>
+            <a:endParaRPr lang="en-US" altLang="ko-KR" dirty="0" smtClean="0"/>
+          </a:p>
+          <a:p>
+            <a:pPr marL="342900" indent="-342900">
+              <a:buAutoNum type="arabicPeriod"/>
+            </a:pPr>
+            <a:r>
+              <a:rPr lang="ko-KR" altLang="en-US" dirty="0" smtClean="0"/>
+              <a:t>보안은 </a:t>
+            </a:r>
+            <a:r>
+              <a:rPr lang="en-US" altLang="ko-KR" dirty="0" smtClean="0"/>
+              <a:t>… </a:t>
+            </a:r>
+            <a:r>
+              <a:rPr lang="ko-KR" altLang="en-US" dirty="0" smtClean="0"/>
+              <a:t>좀 나중에 </a:t>
+            </a:r>
+            <a:r>
+              <a:rPr lang="en-US" altLang="ko-KR" smtClean="0"/>
+              <a:t>^^</a:t>
             </a:r>
             <a:endParaRPr lang="en-US" altLang="ko-KR" dirty="0" smtClean="0"/>
           </a:p>

--- a/FiveStarts_app.pptx
+++ b/FiveStarts_app.pptx
@@ -5,7 +5,7 @@
     <p:sldMasterId id="2147483648" r:id="rId1"/>
   </p:sldMasterIdLst>
   <p:notesMasterIdLst>
-    <p:notesMasterId r:id="rId12"/>
+    <p:notesMasterId r:id="rId13"/>
   </p:notesMasterIdLst>
   <p:sldIdLst>
     <p:sldId id="262" r:id="rId2"/>
@@ -16,8 +16,9 @@
     <p:sldId id="260" r:id="rId7"/>
     <p:sldId id="263" r:id="rId8"/>
     <p:sldId id="261" r:id="rId9"/>
-    <p:sldId id="264" r:id="rId10"/>
-    <p:sldId id="265" r:id="rId11"/>
+    <p:sldId id="266" r:id="rId10"/>
+    <p:sldId id="264" r:id="rId11"/>
+    <p:sldId id="265" r:id="rId12"/>
   </p:sldIdLst>
   <p:sldSz cx="12192000" cy="6858000"/>
   <p:notesSz cx="6858000" cy="9144000"/>
@@ -591,7 +592,7 @@
       </p:grpSpPr>
       <p:sp>
         <p:nvSpPr>
-          <p:cNvPr id="90" name="PlaceHolder 1"/>
+          <p:cNvPr id="87" name="PlaceHolder 1"/>
           <p:cNvSpPr>
             <a:spLocks noGrp="1" noRot="1" noChangeAspect="1"/>
           </p:cNvSpPr>
@@ -611,7 +612,7 @@
       </p:sp>
       <p:sp>
         <p:nvSpPr>
-          <p:cNvPr id="91" name="PlaceHolder 2"/>
+          <p:cNvPr id="88" name="PlaceHolder 2"/>
           <p:cNvSpPr>
             <a:spLocks noGrp="1"/>
           </p:cNvSpPr>
@@ -640,7 +641,7 @@
       </p:sp>
       <p:sp>
         <p:nvSpPr>
-          <p:cNvPr id="92" name="CustomShape 3"/>
+          <p:cNvPr id="89" name="CustomShape 3"/>
           <p:cNvSpPr/>
           <p:nvPr/>
         </p:nvSpPr>
@@ -678,6 +679,136 @@
                 <a:spcPct val="100000"/>
               </a:lnSpc>
             </a:pPr>
+            <a:fld id="{920EF5C2-53B5-4E33-A931-2E29101930B9}" type="slidenum">
+              <a:rPr lang="en-US" sz="1200" b="0" strike="noStrike" spc="-1">
+                <a:solidFill>
+                  <a:srgbClr val="000000"/>
+                </a:solidFill>
+                <a:latin typeface="+mn-lt"/>
+                <a:ea typeface="+mn-ea"/>
+              </a:rPr>
+              <a:t>10</a:t>
+            </a:fld>
+            <a:endParaRPr lang="en-US" sz="1200" b="0" strike="noStrike" spc="-1">
+              <a:latin typeface="Arial"/>
+            </a:endParaRPr>
+          </a:p>
+        </p:txBody>
+      </p:sp>
+    </p:spTree>
+  </p:cSld>
+  <p:clrMapOvr>
+    <a:masterClrMapping/>
+  </p:clrMapOvr>
+</p:notes>
+</file>
+
+<file path=ppt/notesSlides/notesSlide11.xml><?xml version="1.0" encoding="utf-8"?>
+<p:notes xmlns:a="http://schemas.openxmlformats.org/drawingml/2006/main" xmlns:r="http://schemas.openxmlformats.org/officeDocument/2006/relationships" xmlns:p="http://schemas.openxmlformats.org/presentationml/2006/main">
+  <p:cSld>
+    <p:spTree>
+      <p:nvGrpSpPr>
+        <p:cNvPr id="1" name=""/>
+        <p:cNvGrpSpPr/>
+        <p:nvPr/>
+      </p:nvGrpSpPr>
+      <p:grpSpPr>
+        <a:xfrm>
+          <a:off x="0" y="0"/>
+          <a:ext cx="0" cy="0"/>
+          <a:chOff x="0" y="0"/>
+          <a:chExt cx="0" cy="0"/>
+        </a:xfrm>
+      </p:grpSpPr>
+      <p:sp>
+        <p:nvSpPr>
+          <p:cNvPr id="90" name="PlaceHolder 1"/>
+          <p:cNvSpPr>
+            <a:spLocks noGrp="1" noRot="1" noChangeAspect="1"/>
+          </p:cNvSpPr>
+          <p:nvPr>
+            <p:ph type="sldImg"/>
+          </p:nvPr>
+        </p:nvSpPr>
+        <p:spPr>
+          <a:xfrm>
+            <a:off x="685800" y="1143000"/>
+            <a:ext cx="5485680" cy="3085560"/>
+          </a:xfrm>
+          <a:prstGeom prst="rect">
+            <a:avLst/>
+          </a:prstGeom>
+        </p:spPr>
+      </p:sp>
+      <p:sp>
+        <p:nvSpPr>
+          <p:cNvPr id="91" name="PlaceHolder 2"/>
+          <p:cNvSpPr>
+            <a:spLocks noGrp="1"/>
+          </p:cNvSpPr>
+          <p:nvPr>
+            <p:ph type="body"/>
+          </p:nvPr>
+        </p:nvSpPr>
+        <p:spPr>
+          <a:xfrm>
+            <a:off x="685800" y="4400640"/>
+            <a:ext cx="5485680" cy="3599640"/>
+          </a:xfrm>
+          <a:prstGeom prst="rect">
+            <a:avLst/>
+          </a:prstGeom>
+        </p:spPr>
+        <p:txBody>
+          <a:bodyPr lIns="0" tIns="0" rIns="0" bIns="0"/>
+          <a:lstStyle/>
+          <a:p>
+            <a:endParaRPr lang="en-US" sz="2000" b="0" strike="noStrike" spc="-1">
+              <a:latin typeface="Arial"/>
+            </a:endParaRPr>
+          </a:p>
+        </p:txBody>
+      </p:sp>
+      <p:sp>
+        <p:nvSpPr>
+          <p:cNvPr id="92" name="CustomShape 3"/>
+          <p:cNvSpPr/>
+          <p:nvPr/>
+        </p:nvSpPr>
+        <p:spPr>
+          <a:xfrm>
+            <a:off x="3884760" y="8685360"/>
+            <a:ext cx="2971080" cy="457920"/>
+          </a:xfrm>
+          <a:prstGeom prst="rect">
+            <a:avLst/>
+          </a:prstGeom>
+          <a:noFill/>
+          <a:ln>
+            <a:noFill/>
+          </a:ln>
+        </p:spPr>
+        <p:style>
+          <a:lnRef idx="0">
+            <a:scrgbClr r="0" g="0" b="0"/>
+          </a:lnRef>
+          <a:fillRef idx="0">
+            <a:scrgbClr r="0" g="0" b="0"/>
+          </a:fillRef>
+          <a:effectRef idx="0">
+            <a:scrgbClr r="0" g="0" b="0"/>
+          </a:effectRef>
+          <a:fontRef idx="minor"/>
+        </p:style>
+        <p:txBody>
+          <a:bodyPr lIns="90000" tIns="45000" rIns="90000" bIns="45000" anchor="b"/>
+          <a:lstStyle/>
+          <a:p>
+            <a:pPr algn="r">
+              <a:lnSpc>
+                <a:spcPct val="100000"/>
+              </a:lnSpc>
+            </a:pPr>
             <a:fld id="{825C24C5-A3CE-4425-B0C8-81F4840D1C9B}" type="slidenum">
               <a:rPr lang="en-US" sz="1200" b="0" strike="noStrike" spc="-1">
                 <a:solidFill>
@@ -686,7 +817,7 @@
                 <a:latin typeface="+mn-lt"/>
                 <a:ea typeface="+mn-ea"/>
               </a:rPr>
-              <a:t>10</a:t>
+              <a:t>11</a:t>
             </a:fld>
             <a:endParaRPr lang="en-US" sz="1200" b="0" strike="noStrike" spc="-1">
               <a:latin typeface="Arial"/>
@@ -1708,7 +1839,7 @@
       </p:grpSpPr>
       <p:sp>
         <p:nvSpPr>
-          <p:cNvPr id="87" name="PlaceHolder 1"/>
+          <p:cNvPr id="2" name="슬라이드 이미지 개체 틀 1"/>
           <p:cNvSpPr>
             <a:spLocks noGrp="1" noRot="1" noChangeAspect="1"/>
           </p:cNvSpPr>
@@ -1716,102 +1847,56 @@
             <p:ph type="sldImg"/>
           </p:nvPr>
         </p:nvSpPr>
-        <p:spPr>
-          <a:xfrm>
-            <a:off x="685800" y="1143000"/>
-            <a:ext cx="5485680" cy="3085560"/>
-          </a:xfrm>
-          <a:prstGeom prst="rect">
-            <a:avLst/>
-          </a:prstGeom>
-        </p:spPr>
-      </p:sp>
-      <p:sp>
-        <p:nvSpPr>
-          <p:cNvPr id="88" name="PlaceHolder 2"/>
+        <p:spPr/>
+      </p:sp>
+      <p:sp>
+        <p:nvSpPr>
+          <p:cNvPr id="3" name="슬라이드 노트 개체 틀 2"/>
           <p:cNvSpPr>
             <a:spLocks noGrp="1"/>
           </p:cNvSpPr>
           <p:nvPr>
-            <p:ph type="body"/>
+            <p:ph type="body" idx="1"/>
           </p:nvPr>
         </p:nvSpPr>
-        <p:spPr>
-          <a:xfrm>
-            <a:off x="685800" y="4400640"/>
-            <a:ext cx="5485680" cy="3599640"/>
-          </a:xfrm>
-          <a:prstGeom prst="rect">
-            <a:avLst/>
-          </a:prstGeom>
-        </p:spPr>
-        <p:txBody>
-          <a:bodyPr lIns="0" tIns="0" rIns="0" bIns="0"/>
-          <a:lstStyle/>
-          <a:p>
-            <a:endParaRPr lang="en-US" sz="2000" b="0" strike="noStrike" spc="-1">
-              <a:latin typeface="Arial"/>
-            </a:endParaRPr>
-          </a:p>
-        </p:txBody>
-      </p:sp>
-      <p:sp>
-        <p:nvSpPr>
-          <p:cNvPr id="89" name="CustomShape 3"/>
-          <p:cNvSpPr/>
-          <p:nvPr/>
-        </p:nvSpPr>
-        <p:spPr>
-          <a:xfrm>
-            <a:off x="3884760" y="8685360"/>
-            <a:ext cx="2971080" cy="457920"/>
-          </a:xfrm>
-          <a:prstGeom prst="rect">
-            <a:avLst/>
-          </a:prstGeom>
-          <a:noFill/>
-          <a:ln>
-            <a:noFill/>
-          </a:ln>
-        </p:spPr>
-        <p:style>
-          <a:lnRef idx="0">
-            <a:scrgbClr r="0" g="0" b="0"/>
-          </a:lnRef>
-          <a:fillRef idx="0">
-            <a:scrgbClr r="0" g="0" b="0"/>
-          </a:fillRef>
-          <a:effectRef idx="0">
-            <a:scrgbClr r="0" g="0" b="0"/>
-          </a:effectRef>
-          <a:fontRef idx="minor"/>
-        </p:style>
-        <p:txBody>
-          <a:bodyPr lIns="90000" tIns="45000" rIns="90000" bIns="45000" anchor="b"/>
-          <a:lstStyle/>
-          <a:p>
-            <a:pPr algn="r">
-              <a:lnSpc>
-                <a:spcPct val="100000"/>
-              </a:lnSpc>
-            </a:pPr>
-            <a:fld id="{920EF5C2-53B5-4E33-A931-2E29101930B9}" type="slidenum">
-              <a:rPr lang="en-US" sz="1200" b="0" strike="noStrike" spc="-1">
-                <a:solidFill>
-                  <a:srgbClr val="000000"/>
-                </a:solidFill>
-                <a:latin typeface="+mn-lt"/>
-                <a:ea typeface="+mn-ea"/>
-              </a:rPr>
+        <p:spPr/>
+        <p:txBody>
+          <a:bodyPr/>
+          <a:lstStyle/>
+          <a:p>
+            <a:endParaRPr lang="en-US" altLang="ko-KR" baseline="0" dirty="0" smtClean="0"/>
+          </a:p>
+        </p:txBody>
+      </p:sp>
+      <p:sp>
+        <p:nvSpPr>
+          <p:cNvPr id="4" name="슬라이드 번호 개체 틀 3"/>
+          <p:cNvSpPr>
+            <a:spLocks noGrp="1"/>
+          </p:cNvSpPr>
+          <p:nvPr>
+            <p:ph type="sldNum" sz="quarter" idx="10"/>
+          </p:nvPr>
+        </p:nvSpPr>
+        <p:spPr/>
+        <p:txBody>
+          <a:bodyPr/>
+          <a:lstStyle/>
+          <a:p>
+            <a:fld id="{4DD73636-681C-4765-A243-9D4A04E81479}" type="slidenum">
+              <a:rPr lang="ko-KR" altLang="en-US" smtClean="0"/>
               <a:t>9</a:t>
             </a:fld>
-            <a:endParaRPr lang="en-US" sz="1200" b="0" strike="noStrike" spc="-1">
-              <a:latin typeface="Arial"/>
-            </a:endParaRPr>
+            <a:endParaRPr lang="ko-KR" altLang="en-US"/>
           </a:p>
         </p:txBody>
       </p:sp>
     </p:spTree>
+    <p:extLst>
+      <p:ext uri="{BB962C8B-B14F-4D97-AF65-F5344CB8AC3E}">
+        <p14:creationId xmlns:p14="http://schemas.microsoft.com/office/powerpoint/2010/main" val="3217304333"/>
+      </p:ext>
+    </p:extLst>
   </p:cSld>
   <p:clrMapOvr>
     <a:masterClrMapping/>
@@ -2381,6 +2466,198 @@
 </p:sldLayout>
 </file>
 
+<file path=ppt/slideLayouts/slideLayout13.xml><?xml version="1.0" encoding="utf-8"?>
+<p:sldLayout xmlns:a="http://schemas.openxmlformats.org/drawingml/2006/main" xmlns:r="http://schemas.openxmlformats.org/officeDocument/2006/relationships" xmlns:p="http://schemas.openxmlformats.org/presentationml/2006/main" type="title">
+  <p:cSld name="제목 슬라이드">
+    <p:spTree>
+      <p:nvGrpSpPr>
+        <p:cNvPr id="1" name=""/>
+        <p:cNvGrpSpPr/>
+        <p:nvPr/>
+      </p:nvGrpSpPr>
+      <p:grpSpPr>
+        <a:xfrm>
+          <a:off x="0" y="0"/>
+          <a:ext cx="0" cy="0"/>
+          <a:chOff x="0" y="0"/>
+          <a:chExt cx="0" cy="0"/>
+        </a:xfrm>
+      </p:grpSpPr>
+      <p:sp>
+        <p:nvSpPr>
+          <p:cNvPr id="2" name="제목 1"/>
+          <p:cNvSpPr>
+            <a:spLocks noGrp="1"/>
+          </p:cNvSpPr>
+          <p:nvPr>
+            <p:ph type="ctrTitle"/>
+          </p:nvPr>
+        </p:nvSpPr>
+        <p:spPr>
+          <a:xfrm>
+            <a:off x="1524000" y="1122363"/>
+            <a:ext cx="9144000" cy="2387600"/>
+          </a:xfrm>
+        </p:spPr>
+        <p:txBody>
+          <a:bodyPr anchor="b"/>
+          <a:lstStyle>
+            <a:lvl1pPr algn="ctr">
+              <a:defRPr sz="6000"/>
+            </a:lvl1pPr>
+          </a:lstStyle>
+          <a:p>
+            <a:r>
+              <a:rPr lang="ko-KR" altLang="en-US" smtClean="0"/>
+              <a:t>마스터 제목 스타일 편집</a:t>
+            </a:r>
+            <a:endParaRPr lang="ko-KR" altLang="en-US"/>
+          </a:p>
+        </p:txBody>
+      </p:sp>
+      <p:sp>
+        <p:nvSpPr>
+          <p:cNvPr id="3" name="부제목 2"/>
+          <p:cNvSpPr>
+            <a:spLocks noGrp="1"/>
+          </p:cNvSpPr>
+          <p:nvPr>
+            <p:ph type="subTitle" idx="1"/>
+          </p:nvPr>
+        </p:nvSpPr>
+        <p:spPr>
+          <a:xfrm>
+            <a:off x="1524000" y="3602038"/>
+            <a:ext cx="9144000" cy="1655762"/>
+          </a:xfrm>
+        </p:spPr>
+        <p:txBody>
+          <a:bodyPr/>
+          <a:lstStyle>
+            <a:lvl1pPr marL="0" indent="0" algn="ctr">
+              <a:buNone/>
+              <a:defRPr sz="2400"/>
+            </a:lvl1pPr>
+            <a:lvl2pPr marL="457200" indent="0" algn="ctr">
+              <a:buNone/>
+              <a:defRPr sz="2000"/>
+            </a:lvl2pPr>
+            <a:lvl3pPr marL="914400" indent="0" algn="ctr">
+              <a:buNone/>
+              <a:defRPr sz="1800"/>
+            </a:lvl3pPr>
+            <a:lvl4pPr marL="1371600" indent="0" algn="ctr">
+              <a:buNone/>
+              <a:defRPr sz="1600"/>
+            </a:lvl4pPr>
+            <a:lvl5pPr marL="1828800" indent="0" algn="ctr">
+              <a:buNone/>
+              <a:defRPr sz="1600"/>
+            </a:lvl5pPr>
+            <a:lvl6pPr marL="2286000" indent="0" algn="ctr">
+              <a:buNone/>
+              <a:defRPr sz="1600"/>
+            </a:lvl6pPr>
+            <a:lvl7pPr marL="2743200" indent="0" algn="ctr">
+              <a:buNone/>
+              <a:defRPr sz="1600"/>
+            </a:lvl7pPr>
+            <a:lvl8pPr marL="3200400" indent="0" algn="ctr">
+              <a:buNone/>
+              <a:defRPr sz="1600"/>
+            </a:lvl8pPr>
+            <a:lvl9pPr marL="3657600" indent="0" algn="ctr">
+              <a:buNone/>
+              <a:defRPr sz="1600"/>
+            </a:lvl9pPr>
+          </a:lstStyle>
+          <a:p>
+            <a:r>
+              <a:rPr lang="ko-KR" altLang="en-US" smtClean="0"/>
+              <a:t>클릭하여 마스터 부제목 스타일 편집</a:t>
+            </a:r>
+            <a:endParaRPr lang="ko-KR" altLang="en-US"/>
+          </a:p>
+        </p:txBody>
+      </p:sp>
+      <p:sp>
+        <p:nvSpPr>
+          <p:cNvPr id="4" name="날짜 개체 틀 3"/>
+          <p:cNvSpPr>
+            <a:spLocks noGrp="1"/>
+          </p:cNvSpPr>
+          <p:nvPr>
+            <p:ph type="dt" sz="half" idx="10"/>
+          </p:nvPr>
+        </p:nvSpPr>
+        <p:spPr/>
+        <p:txBody>
+          <a:bodyPr/>
+          <a:lstStyle/>
+          <a:p>
+            <a:fld id="{39CCC6A7-66E8-4302-AA55-CD0CD215FC2C}" type="datetimeFigureOut">
+              <a:rPr lang="ko-KR" altLang="en-US" smtClean="0"/>
+              <a:t>2020-05-21</a:t>
+            </a:fld>
+            <a:endParaRPr lang="ko-KR" altLang="en-US"/>
+          </a:p>
+        </p:txBody>
+      </p:sp>
+      <p:sp>
+        <p:nvSpPr>
+          <p:cNvPr id="5" name="바닥글 개체 틀 4"/>
+          <p:cNvSpPr>
+            <a:spLocks noGrp="1"/>
+          </p:cNvSpPr>
+          <p:nvPr>
+            <p:ph type="ftr" sz="quarter" idx="11"/>
+          </p:nvPr>
+        </p:nvSpPr>
+        <p:spPr/>
+        <p:txBody>
+          <a:bodyPr/>
+          <a:lstStyle/>
+          <a:p>
+            <a:endParaRPr lang="ko-KR" altLang="en-US"/>
+          </a:p>
+        </p:txBody>
+      </p:sp>
+      <p:sp>
+        <p:nvSpPr>
+          <p:cNvPr id="6" name="슬라이드 번호 개체 틀 5"/>
+          <p:cNvSpPr>
+            <a:spLocks noGrp="1"/>
+          </p:cNvSpPr>
+          <p:nvPr>
+            <p:ph type="sldNum" sz="quarter" idx="12"/>
+          </p:nvPr>
+        </p:nvSpPr>
+        <p:spPr/>
+        <p:txBody>
+          <a:bodyPr/>
+          <a:lstStyle/>
+          <a:p>
+            <a:fld id="{DBB0B1DB-9717-412B-B9F6-92AFEA37C2A5}" type="slidenum">
+              <a:rPr lang="ko-KR" altLang="en-US" smtClean="0"/>
+              <a:t>‹#›</a:t>
+            </a:fld>
+            <a:endParaRPr lang="ko-KR" altLang="en-US"/>
+          </a:p>
+        </p:txBody>
+      </p:sp>
+    </p:spTree>
+    <p:extLst>
+      <p:ext uri="{BB962C8B-B14F-4D97-AF65-F5344CB8AC3E}">
+        <p14:creationId xmlns:p14="http://schemas.microsoft.com/office/powerpoint/2010/main" val="1463468562"/>
+      </p:ext>
+    </p:extLst>
+  </p:cSld>
+  <p:clrMapOvr>
+    <a:masterClrMapping/>
+  </p:clrMapOvr>
+</p:sldLayout>
+</file>
+
 <file path=ppt/slideLayouts/slideLayout2.xml><?xml version="1.0" encoding="utf-8"?>
 <p:sldLayout xmlns:a="http://schemas.openxmlformats.org/drawingml/2006/main" xmlns:r="http://schemas.openxmlformats.org/officeDocument/2006/relationships" xmlns:p="http://schemas.openxmlformats.org/presentationml/2006/main" type="tx" preserve="1">
   <p:cSld name="Title Slide">
@@ -3455,6 +3732,7 @@
     <p:sldLayoutId id="2147483658" r:id="rId10"/>
     <p:sldLayoutId id="2147483659" r:id="rId11"/>
     <p:sldLayoutId id="2147483660" r:id="rId12"/>
+    <p:sldLayoutId id="2147483661" r:id="rId13"/>
   </p:sldLayoutIdLst>
   <p:txStyles>
     <p:titleStyle>
@@ -4133,6 +4411,58 @@
 </file>
 
 <file path=ppt/slides/slide10.xml><?xml version="1.0" encoding="utf-8"?>
+<p:sld xmlns:a="http://schemas.openxmlformats.org/drawingml/2006/main" xmlns:r="http://schemas.openxmlformats.org/officeDocument/2006/relationships" xmlns:p="http://schemas.openxmlformats.org/presentationml/2006/main">
+  <p:cSld>
+    <p:spTree>
+      <p:nvGrpSpPr>
+        <p:cNvPr id="1" name=""/>
+        <p:cNvGrpSpPr/>
+        <p:nvPr/>
+      </p:nvGrpSpPr>
+      <p:grpSpPr>
+        <a:xfrm>
+          <a:off x="0" y="0"/>
+          <a:ext cx="0" cy="0"/>
+          <a:chOff x="0" y="0"/>
+          <a:chExt cx="0" cy="0"/>
+        </a:xfrm>
+      </p:grpSpPr>
+    </p:spTree>
+  </p:cSld>
+  <p:clrMapOvr>
+    <a:masterClrMapping/>
+  </p:clrMapOvr>
+  <p:timing>
+    <p:tnLst>
+      <p:par>
+        <p:cTn id="1" dur="indefinite" restart="never" nodeType="tmRoot">
+          <p:childTnLst>
+            <p:seq>
+              <p:cTn id="2" dur="indefinite" nodeType="mainSeq"/>
+              <p:prevCondLst>
+                <p:cond evt="onPrev" delay="0">
+                  <p:tgtEl>
+                    <p:sldTgt/>
+                  </p:tgtEl>
+                </p:cond>
+              </p:prevCondLst>
+              <p:nextCondLst>
+                <p:cond evt="onNext" delay="0">
+                  <p:tgtEl>
+                    <p:sldTgt/>
+                  </p:tgtEl>
+                </p:cond>
+              </p:nextCondLst>
+            </p:seq>
+          </p:childTnLst>
+        </p:cTn>
+      </p:par>
+    </p:tnLst>
+  </p:timing>
+</p:sld>
+</file>
+
+<file path=ppt/slides/slide11.xml><?xml version="1.0" encoding="utf-8"?>
 <p:sld xmlns:a="http://schemas.openxmlformats.org/drawingml/2006/main" xmlns:r="http://schemas.openxmlformats.org/officeDocument/2006/relationships" xmlns:p="http://schemas.openxmlformats.org/presentationml/2006/main">
   <p:cSld>
     <p:spTree>
@@ -7514,38 +7844,1108 @@
           <a:chExt cx="0" cy="0"/>
         </a:xfrm>
       </p:grpSpPr>
+      <p:sp>
+        <p:nvSpPr>
+          <p:cNvPr id="3" name="타원 2"/>
+          <p:cNvSpPr/>
+          <p:nvPr/>
+        </p:nvSpPr>
+        <p:spPr>
+          <a:xfrm>
+            <a:off x="5327374" y="2329733"/>
+            <a:ext cx="1009816" cy="1009815"/>
+          </a:xfrm>
+          <a:prstGeom prst="ellipse">
+            <a:avLst/>
+          </a:prstGeom>
+        </p:spPr>
+        <p:style>
+          <a:lnRef idx="2">
+            <a:schemeClr val="accent4"/>
+          </a:lnRef>
+          <a:fillRef idx="1">
+            <a:schemeClr val="lt1"/>
+          </a:fillRef>
+          <a:effectRef idx="0">
+            <a:schemeClr val="accent4"/>
+          </a:effectRef>
+          <a:fontRef idx="minor">
+            <a:schemeClr val="dk1"/>
+          </a:fontRef>
+        </p:style>
+        <p:txBody>
+          <a:bodyPr rtlCol="0" anchor="ctr"/>
+          <a:lstStyle/>
+          <a:p>
+            <a:pPr algn="ctr"/>
+            <a:r>
+              <a:rPr lang="en-US" altLang="ko-KR" sz="1400" dirty="0" smtClean="0">
+                <a:latin typeface="배달의민족 연성" panose="020B0600000101010101" pitchFamily="50" charset="-127"/>
+                <a:ea typeface="배달의민족 연성" panose="020B0600000101010101" pitchFamily="50" charset="-127"/>
+              </a:rPr>
+              <a:t>Broker</a:t>
+            </a:r>
+            <a:br>
+              <a:rPr lang="en-US" altLang="ko-KR" sz="1400" dirty="0" smtClean="0">
+                <a:latin typeface="배달의민족 연성" panose="020B0600000101010101" pitchFamily="50" charset="-127"/>
+                <a:ea typeface="배달의민족 연성" panose="020B0600000101010101" pitchFamily="50" charset="-127"/>
+              </a:rPr>
+            </a:br>
+            <a:r>
+              <a:rPr lang="en-US" altLang="ko-KR" sz="1400" dirty="0" smtClean="0">
+                <a:latin typeface="배달의민족 연성" panose="020B0600000101010101" pitchFamily="50" charset="-127"/>
+                <a:ea typeface="배달의민족 연성" panose="020B0600000101010101" pitchFamily="50" charset="-127"/>
+              </a:rPr>
+              <a:t>Server</a:t>
+            </a:r>
+            <a:endParaRPr lang="ko-KR" altLang="en-US" sz="1400" dirty="0">
+              <a:latin typeface="배달의민족 연성" panose="020B0600000101010101" pitchFamily="50" charset="-127"/>
+              <a:ea typeface="배달의민족 연성" panose="020B0600000101010101" pitchFamily="50" charset="-127"/>
+            </a:endParaRPr>
+          </a:p>
+        </p:txBody>
+      </p:sp>
+      <p:sp>
+        <p:nvSpPr>
+          <p:cNvPr id="4" name="직사각형 3"/>
+          <p:cNvSpPr/>
+          <p:nvPr/>
+        </p:nvSpPr>
+        <p:spPr>
+          <a:xfrm>
+            <a:off x="3824577" y="1598212"/>
+            <a:ext cx="795131" cy="731521"/>
+          </a:xfrm>
+          <a:prstGeom prst="rect">
+            <a:avLst/>
+          </a:prstGeom>
+        </p:spPr>
+        <p:style>
+          <a:lnRef idx="2">
+            <a:schemeClr val="accent6"/>
+          </a:lnRef>
+          <a:fillRef idx="1">
+            <a:schemeClr val="lt1"/>
+          </a:fillRef>
+          <a:effectRef idx="0">
+            <a:schemeClr val="accent6"/>
+          </a:effectRef>
+          <a:fontRef idx="minor">
+            <a:schemeClr val="dk1"/>
+          </a:fontRef>
+        </p:style>
+        <p:txBody>
+          <a:bodyPr rtlCol="0" anchor="ctr"/>
+          <a:lstStyle/>
+          <a:p>
+            <a:pPr algn="ctr"/>
+            <a:r>
+              <a:rPr lang="en-US" altLang="ko-KR" sz="1400" dirty="0" smtClean="0">
+                <a:latin typeface="배달의민족 연성" panose="020B0600000101010101" pitchFamily="50" charset="-127"/>
+                <a:ea typeface="배달의민족 연성" panose="020B0600000101010101" pitchFamily="50" charset="-127"/>
+              </a:rPr>
+              <a:t>Client</a:t>
+            </a:r>
+            <a:endParaRPr lang="ko-KR" altLang="en-US" sz="1400" dirty="0">
+              <a:latin typeface="배달의민족 연성" panose="020B0600000101010101" pitchFamily="50" charset="-127"/>
+              <a:ea typeface="배달의민족 연성" panose="020B0600000101010101" pitchFamily="50" charset="-127"/>
+            </a:endParaRPr>
+          </a:p>
+        </p:txBody>
+      </p:sp>
+      <p:sp>
+        <p:nvSpPr>
+          <p:cNvPr id="5" name="직사각형 4"/>
+          <p:cNvSpPr/>
+          <p:nvPr/>
+        </p:nvSpPr>
+        <p:spPr>
+          <a:xfrm>
+            <a:off x="3847106" y="3339548"/>
+            <a:ext cx="795131" cy="731521"/>
+          </a:xfrm>
+          <a:prstGeom prst="rect">
+            <a:avLst/>
+          </a:prstGeom>
+        </p:spPr>
+        <p:style>
+          <a:lnRef idx="2">
+            <a:schemeClr val="accent6"/>
+          </a:lnRef>
+          <a:fillRef idx="1">
+            <a:schemeClr val="lt1"/>
+          </a:fillRef>
+          <a:effectRef idx="0">
+            <a:schemeClr val="accent6"/>
+          </a:effectRef>
+          <a:fontRef idx="minor">
+            <a:schemeClr val="dk1"/>
+          </a:fontRef>
+        </p:style>
+        <p:txBody>
+          <a:bodyPr rtlCol="0" anchor="ctr"/>
+          <a:lstStyle/>
+          <a:p>
+            <a:pPr algn="ctr"/>
+            <a:r>
+              <a:rPr lang="en-US" altLang="ko-KR" sz="1400" dirty="0" smtClean="0">
+                <a:latin typeface="배달의민족 연성" panose="020B0600000101010101" pitchFamily="50" charset="-127"/>
+                <a:ea typeface="배달의민족 연성" panose="020B0600000101010101" pitchFamily="50" charset="-127"/>
+              </a:rPr>
+              <a:t>Client</a:t>
+            </a:r>
+            <a:endParaRPr lang="ko-KR" altLang="en-US" sz="1400" dirty="0">
+              <a:latin typeface="배달의민족 연성" panose="020B0600000101010101" pitchFamily="50" charset="-127"/>
+              <a:ea typeface="배달의민족 연성" panose="020B0600000101010101" pitchFamily="50" charset="-127"/>
+            </a:endParaRPr>
+          </a:p>
+        </p:txBody>
+      </p:sp>
+      <p:sp>
+        <p:nvSpPr>
+          <p:cNvPr id="6" name="직사각형 5"/>
+          <p:cNvSpPr/>
+          <p:nvPr/>
+        </p:nvSpPr>
+        <p:spPr>
+          <a:xfrm>
+            <a:off x="7044856" y="1598212"/>
+            <a:ext cx="795131" cy="731521"/>
+          </a:xfrm>
+          <a:prstGeom prst="rect">
+            <a:avLst/>
+          </a:prstGeom>
+        </p:spPr>
+        <p:style>
+          <a:lnRef idx="2">
+            <a:schemeClr val="accent6"/>
+          </a:lnRef>
+          <a:fillRef idx="1">
+            <a:schemeClr val="lt1"/>
+          </a:fillRef>
+          <a:effectRef idx="0">
+            <a:schemeClr val="accent6"/>
+          </a:effectRef>
+          <a:fontRef idx="minor">
+            <a:schemeClr val="dk1"/>
+          </a:fontRef>
+        </p:style>
+        <p:txBody>
+          <a:bodyPr rtlCol="0" anchor="ctr"/>
+          <a:lstStyle/>
+          <a:p>
+            <a:pPr algn="ctr"/>
+            <a:r>
+              <a:rPr lang="en-US" altLang="ko-KR" sz="1400" dirty="0" smtClean="0">
+                <a:latin typeface="배달의민족 연성" panose="020B0600000101010101" pitchFamily="50" charset="-127"/>
+                <a:ea typeface="배달의민족 연성" panose="020B0600000101010101" pitchFamily="50" charset="-127"/>
+              </a:rPr>
+              <a:t>Client</a:t>
+            </a:r>
+            <a:endParaRPr lang="ko-KR" altLang="en-US" sz="1400" dirty="0">
+              <a:latin typeface="배달의민족 연성" panose="020B0600000101010101" pitchFamily="50" charset="-127"/>
+              <a:ea typeface="배달의민족 연성" panose="020B0600000101010101" pitchFamily="50" charset="-127"/>
+            </a:endParaRPr>
+          </a:p>
+        </p:txBody>
+      </p:sp>
+      <p:sp>
+        <p:nvSpPr>
+          <p:cNvPr id="7" name="직사각형 6"/>
+          <p:cNvSpPr/>
+          <p:nvPr/>
+        </p:nvSpPr>
+        <p:spPr>
+          <a:xfrm>
+            <a:off x="7022327" y="3339548"/>
+            <a:ext cx="795131" cy="731521"/>
+          </a:xfrm>
+          <a:prstGeom prst="rect">
+            <a:avLst/>
+          </a:prstGeom>
+        </p:spPr>
+        <p:style>
+          <a:lnRef idx="2">
+            <a:schemeClr val="accent6"/>
+          </a:lnRef>
+          <a:fillRef idx="1">
+            <a:schemeClr val="lt1"/>
+          </a:fillRef>
+          <a:effectRef idx="0">
+            <a:schemeClr val="accent6"/>
+          </a:effectRef>
+          <a:fontRef idx="minor">
+            <a:schemeClr val="dk1"/>
+          </a:fontRef>
+        </p:style>
+        <p:txBody>
+          <a:bodyPr rtlCol="0" anchor="ctr"/>
+          <a:lstStyle/>
+          <a:p>
+            <a:pPr algn="ctr"/>
+            <a:r>
+              <a:rPr lang="en-US" altLang="ko-KR" sz="1400" dirty="0" smtClean="0">
+                <a:latin typeface="배달의민족 연성" panose="020B0600000101010101" pitchFamily="50" charset="-127"/>
+                <a:ea typeface="배달의민족 연성" panose="020B0600000101010101" pitchFamily="50" charset="-127"/>
+              </a:rPr>
+              <a:t>Client</a:t>
+            </a:r>
+            <a:endParaRPr lang="ko-KR" altLang="en-US" sz="1400" dirty="0">
+              <a:latin typeface="배달의민족 연성" panose="020B0600000101010101" pitchFamily="50" charset="-127"/>
+              <a:ea typeface="배달의민족 연성" panose="020B0600000101010101" pitchFamily="50" charset="-127"/>
+            </a:endParaRPr>
+          </a:p>
+        </p:txBody>
+      </p:sp>
+      <p:cxnSp>
+        <p:nvCxnSpPr>
+          <p:cNvPr id="8" name="직선 화살표 연결선 7"/>
+          <p:cNvCxnSpPr>
+            <a:stCxn id="4" idx="3"/>
+            <a:endCxn id="3" idx="1"/>
+          </p:cNvCxnSpPr>
+          <p:nvPr/>
+        </p:nvCxnSpPr>
+        <p:spPr>
+          <a:xfrm>
+            <a:off x="4619708" y="1963973"/>
+            <a:ext cx="855550" cy="513644"/>
+          </a:xfrm>
+          <a:prstGeom prst="straightConnector1">
+            <a:avLst/>
+          </a:prstGeom>
+          <a:ln>
+            <a:prstDash val="dash"/>
+            <a:tailEnd type="triangle"/>
+          </a:ln>
+        </p:spPr>
+        <p:style>
+          <a:lnRef idx="1">
+            <a:schemeClr val="dk1"/>
+          </a:lnRef>
+          <a:fillRef idx="0">
+            <a:schemeClr val="dk1"/>
+          </a:fillRef>
+          <a:effectRef idx="0">
+            <a:schemeClr val="dk1"/>
+          </a:effectRef>
+          <a:fontRef idx="minor">
+            <a:schemeClr val="tx1"/>
+          </a:fontRef>
+        </p:style>
+      </p:cxnSp>
+      <p:sp>
+        <p:nvSpPr>
+          <p:cNvPr id="9" name="TextBox 8"/>
+          <p:cNvSpPr txBox="1"/>
+          <p:nvPr/>
+        </p:nvSpPr>
+        <p:spPr>
+          <a:xfrm rot="1882657">
+            <a:off x="4691493" y="1760705"/>
+            <a:ext cx="970059" cy="461665"/>
+          </a:xfrm>
+          <a:prstGeom prst="rect">
+            <a:avLst/>
+          </a:prstGeom>
+          <a:noFill/>
+        </p:spPr>
+        <p:txBody>
+          <a:bodyPr wrap="square" rtlCol="0">
+            <a:spAutoFit/>
+          </a:bodyPr>
+          <a:lstStyle/>
+          <a:p>
+            <a:r>
+              <a:rPr lang="en-US" altLang="ko-KR" sz="1200" dirty="0" smtClean="0">
+                <a:latin typeface="배달의민족 연성" panose="020B0600000101010101" pitchFamily="50" charset="-127"/>
+                <a:ea typeface="배달의민족 연성" panose="020B0600000101010101" pitchFamily="50" charset="-127"/>
+              </a:rPr>
+              <a:t>Publish</a:t>
+            </a:r>
+          </a:p>
+          <a:p>
+            <a:r>
+              <a:rPr lang="en-US" altLang="ko-KR" sz="1200" dirty="0" smtClean="0">
+                <a:latin typeface="배달의민족 연성" panose="020B0600000101010101" pitchFamily="50" charset="-127"/>
+                <a:ea typeface="배달의민족 연성" panose="020B0600000101010101" pitchFamily="50" charset="-127"/>
+              </a:rPr>
+              <a:t>Topic : test</a:t>
+            </a:r>
+            <a:endParaRPr lang="ko-KR" altLang="en-US" sz="1200" dirty="0">
+              <a:latin typeface="배달의민족 연성" panose="020B0600000101010101" pitchFamily="50" charset="-127"/>
+              <a:ea typeface="배달의민족 연성" panose="020B0600000101010101" pitchFamily="50" charset="-127"/>
+            </a:endParaRPr>
+          </a:p>
+        </p:txBody>
+      </p:sp>
+      <p:cxnSp>
+        <p:nvCxnSpPr>
+          <p:cNvPr id="10" name="직선 화살표 연결선 9"/>
+          <p:cNvCxnSpPr>
+            <a:stCxn id="5" idx="3"/>
+            <a:endCxn id="3" idx="3"/>
+          </p:cNvCxnSpPr>
+          <p:nvPr/>
+        </p:nvCxnSpPr>
+        <p:spPr>
+          <a:xfrm flipV="1">
+            <a:off x="4642237" y="3191664"/>
+            <a:ext cx="833021" cy="513645"/>
+          </a:xfrm>
+          <a:prstGeom prst="straightConnector1">
+            <a:avLst/>
+          </a:prstGeom>
+          <a:ln>
+            <a:prstDash val="dash"/>
+            <a:tailEnd type="triangle"/>
+          </a:ln>
+        </p:spPr>
+        <p:style>
+          <a:lnRef idx="1">
+            <a:schemeClr val="dk1"/>
+          </a:lnRef>
+          <a:fillRef idx="0">
+            <a:schemeClr val="dk1"/>
+          </a:fillRef>
+          <a:effectRef idx="0">
+            <a:schemeClr val="dk1"/>
+          </a:effectRef>
+          <a:fontRef idx="minor">
+            <a:schemeClr val="tx1"/>
+          </a:fontRef>
+        </p:style>
+      </p:cxnSp>
+      <p:sp>
+        <p:nvSpPr>
+          <p:cNvPr id="11" name="TextBox 10"/>
+          <p:cNvSpPr txBox="1"/>
+          <p:nvPr/>
+        </p:nvSpPr>
+        <p:spPr>
+          <a:xfrm rot="19653778">
+            <a:off x="4690376" y="3474475"/>
+            <a:ext cx="970059" cy="461665"/>
+          </a:xfrm>
+          <a:prstGeom prst="rect">
+            <a:avLst/>
+          </a:prstGeom>
+          <a:noFill/>
+        </p:spPr>
+        <p:txBody>
+          <a:bodyPr wrap="square" rtlCol="0">
+            <a:spAutoFit/>
+          </a:bodyPr>
+          <a:lstStyle/>
+          <a:p>
+            <a:r>
+              <a:rPr lang="en-US" altLang="ko-KR" sz="1200" dirty="0" smtClean="0">
+                <a:latin typeface="배달의민족 연성" panose="020B0600000101010101" pitchFamily="50" charset="-127"/>
+                <a:ea typeface="배달의민족 연성" panose="020B0600000101010101" pitchFamily="50" charset="-127"/>
+              </a:rPr>
+              <a:t>Publish</a:t>
+            </a:r>
+          </a:p>
+          <a:p>
+            <a:r>
+              <a:rPr lang="en-US" altLang="ko-KR" sz="1200" dirty="0" smtClean="0">
+                <a:latin typeface="배달의민족 연성" panose="020B0600000101010101" pitchFamily="50" charset="-127"/>
+                <a:ea typeface="배달의민족 연성" panose="020B0600000101010101" pitchFamily="50" charset="-127"/>
+              </a:rPr>
+              <a:t>Topic : test2</a:t>
+            </a:r>
+            <a:endParaRPr lang="ko-KR" altLang="en-US" sz="1200" dirty="0">
+              <a:latin typeface="배달의민족 연성" panose="020B0600000101010101" pitchFamily="50" charset="-127"/>
+              <a:ea typeface="배달의민족 연성" panose="020B0600000101010101" pitchFamily="50" charset="-127"/>
+            </a:endParaRPr>
+          </a:p>
+        </p:txBody>
+      </p:sp>
+      <p:cxnSp>
+        <p:nvCxnSpPr>
+          <p:cNvPr id="12" name="직선 화살표 연결선 11"/>
+          <p:cNvCxnSpPr>
+            <a:stCxn id="6" idx="1"/>
+            <a:endCxn id="3" idx="7"/>
+          </p:cNvCxnSpPr>
+          <p:nvPr/>
+        </p:nvCxnSpPr>
+        <p:spPr>
+          <a:xfrm flipH="1">
+            <a:off x="6189306" y="1963973"/>
+            <a:ext cx="855550" cy="513644"/>
+          </a:xfrm>
+          <a:prstGeom prst="straightConnector1">
+            <a:avLst/>
+          </a:prstGeom>
+          <a:ln>
+            <a:solidFill>
+              <a:schemeClr val="tx1">
+                <a:lumMod val="95000"/>
+                <a:lumOff val="5000"/>
+              </a:schemeClr>
+            </a:solidFill>
+            <a:prstDash val="dash"/>
+            <a:tailEnd type="triangle"/>
+          </a:ln>
+        </p:spPr>
+        <p:style>
+          <a:lnRef idx="1">
+            <a:schemeClr val="dk1"/>
+          </a:lnRef>
+          <a:fillRef idx="0">
+            <a:schemeClr val="dk1"/>
+          </a:fillRef>
+          <a:effectRef idx="0">
+            <a:schemeClr val="dk1"/>
+          </a:effectRef>
+          <a:fontRef idx="minor">
+            <a:schemeClr val="tx1"/>
+          </a:fontRef>
+        </p:style>
+      </p:cxnSp>
+      <p:sp>
+        <p:nvSpPr>
+          <p:cNvPr id="13" name="TextBox 12"/>
+          <p:cNvSpPr txBox="1"/>
+          <p:nvPr/>
+        </p:nvSpPr>
+        <p:spPr>
+          <a:xfrm rot="19643215">
+            <a:off x="6116150" y="1667935"/>
+            <a:ext cx="970059" cy="461665"/>
+          </a:xfrm>
+          <a:prstGeom prst="rect">
+            <a:avLst/>
+          </a:prstGeom>
+          <a:noFill/>
+        </p:spPr>
+        <p:txBody>
+          <a:bodyPr wrap="square" rtlCol="0">
+            <a:spAutoFit/>
+          </a:bodyPr>
+          <a:lstStyle/>
+          <a:p>
+            <a:r>
+              <a:rPr lang="en-US" altLang="ko-KR" sz="1200" dirty="0" smtClean="0">
+                <a:latin typeface="배달의민족 연성" panose="020B0600000101010101" pitchFamily="50" charset="-127"/>
+                <a:ea typeface="배달의민족 연성" panose="020B0600000101010101" pitchFamily="50" charset="-127"/>
+              </a:rPr>
+              <a:t>Subscribe</a:t>
+            </a:r>
+          </a:p>
+          <a:p>
+            <a:r>
+              <a:rPr lang="en-US" altLang="ko-KR" sz="1200" dirty="0" smtClean="0">
+                <a:latin typeface="배달의민족 연성" panose="020B0600000101010101" pitchFamily="50" charset="-127"/>
+                <a:ea typeface="배달의민족 연성" panose="020B0600000101010101" pitchFamily="50" charset="-127"/>
+              </a:rPr>
+              <a:t>Topic : test</a:t>
+            </a:r>
+            <a:endParaRPr lang="ko-KR" altLang="en-US" sz="1200" dirty="0">
+              <a:latin typeface="배달의민족 연성" panose="020B0600000101010101" pitchFamily="50" charset="-127"/>
+              <a:ea typeface="배달의민족 연성" panose="020B0600000101010101" pitchFamily="50" charset="-127"/>
+            </a:endParaRPr>
+          </a:p>
+        </p:txBody>
+      </p:sp>
+      <p:cxnSp>
+        <p:nvCxnSpPr>
+          <p:cNvPr id="14" name="직선 화살표 연결선 13"/>
+          <p:cNvCxnSpPr>
+            <a:stCxn id="7" idx="1"/>
+            <a:endCxn id="3" idx="5"/>
+          </p:cNvCxnSpPr>
+          <p:nvPr/>
+        </p:nvCxnSpPr>
+        <p:spPr>
+          <a:xfrm flipH="1" flipV="1">
+            <a:off x="6189306" y="3191664"/>
+            <a:ext cx="833021" cy="513645"/>
+          </a:xfrm>
+          <a:prstGeom prst="straightConnector1">
+            <a:avLst/>
+          </a:prstGeom>
+          <a:ln>
+            <a:prstDash val="dash"/>
+            <a:tailEnd type="triangle"/>
+          </a:ln>
+        </p:spPr>
+        <p:style>
+          <a:lnRef idx="1">
+            <a:schemeClr val="dk1"/>
+          </a:lnRef>
+          <a:fillRef idx="0">
+            <a:schemeClr val="dk1"/>
+          </a:fillRef>
+          <a:effectRef idx="0">
+            <a:schemeClr val="dk1"/>
+          </a:effectRef>
+          <a:fontRef idx="minor">
+            <a:schemeClr val="tx1"/>
+          </a:fontRef>
+        </p:style>
+      </p:cxnSp>
+      <p:sp>
+        <p:nvSpPr>
+          <p:cNvPr id="15" name="TextBox 14"/>
+          <p:cNvSpPr txBox="1"/>
+          <p:nvPr/>
+        </p:nvSpPr>
+        <p:spPr>
+          <a:xfrm rot="1976911">
+            <a:off x="6056565" y="3517512"/>
+            <a:ext cx="970059" cy="461665"/>
+          </a:xfrm>
+          <a:prstGeom prst="rect">
+            <a:avLst/>
+          </a:prstGeom>
+          <a:noFill/>
+        </p:spPr>
+        <p:txBody>
+          <a:bodyPr wrap="square" rtlCol="0">
+            <a:spAutoFit/>
+          </a:bodyPr>
+          <a:lstStyle/>
+          <a:p>
+            <a:r>
+              <a:rPr lang="en-US" altLang="ko-KR" sz="1200" dirty="0" smtClean="0">
+                <a:latin typeface="배달의민족 연성" panose="020B0600000101010101" pitchFamily="50" charset="-127"/>
+                <a:ea typeface="배달의민족 연성" panose="020B0600000101010101" pitchFamily="50" charset="-127"/>
+              </a:rPr>
+              <a:t>Subscribe</a:t>
+            </a:r>
+          </a:p>
+          <a:p>
+            <a:r>
+              <a:rPr lang="en-US" altLang="ko-KR" sz="1200" dirty="0" smtClean="0">
+                <a:latin typeface="배달의민족 연성" panose="020B0600000101010101" pitchFamily="50" charset="-127"/>
+                <a:ea typeface="배달의민족 연성" panose="020B0600000101010101" pitchFamily="50" charset="-127"/>
+              </a:rPr>
+              <a:t>Topic : test2</a:t>
+            </a:r>
+            <a:endParaRPr lang="ko-KR" altLang="en-US" sz="1200" dirty="0">
+              <a:latin typeface="배달의민족 연성" panose="020B0600000101010101" pitchFamily="50" charset="-127"/>
+              <a:ea typeface="배달의민족 연성" panose="020B0600000101010101" pitchFamily="50" charset="-127"/>
+            </a:endParaRPr>
+          </a:p>
+        </p:txBody>
+      </p:sp>
+      <p:sp>
+        <p:nvSpPr>
+          <p:cNvPr id="16" name="직사각형 15"/>
+          <p:cNvSpPr/>
+          <p:nvPr/>
+        </p:nvSpPr>
+        <p:spPr>
+          <a:xfrm rot="1932489">
+            <a:off x="4733201" y="2207566"/>
+            <a:ext cx="443002" cy="188720"/>
+          </a:xfrm>
+          <a:prstGeom prst="rect">
+            <a:avLst/>
+          </a:prstGeom>
+        </p:spPr>
+        <p:style>
+          <a:lnRef idx="3">
+            <a:schemeClr val="lt1"/>
+          </a:lnRef>
+          <a:fillRef idx="1">
+            <a:schemeClr val="accent2"/>
+          </a:fillRef>
+          <a:effectRef idx="1">
+            <a:schemeClr val="accent2"/>
+          </a:effectRef>
+          <a:fontRef idx="minor">
+            <a:schemeClr val="lt1"/>
+          </a:fontRef>
+        </p:style>
+        <p:txBody>
+          <a:bodyPr rtlCol="0" anchor="ctr"/>
+          <a:lstStyle/>
+          <a:p>
+            <a:pPr algn="ctr"/>
+            <a:r>
+              <a:rPr lang="en-US" altLang="ko-KR" sz="1000" dirty="0" smtClean="0"/>
+              <a:t>“Hi”</a:t>
+            </a:r>
+            <a:endParaRPr lang="ko-KR" altLang="en-US" dirty="0"/>
+          </a:p>
+        </p:txBody>
+      </p:sp>
+      <p:sp>
+        <p:nvSpPr>
+          <p:cNvPr id="17" name="직사각형 16"/>
+          <p:cNvSpPr/>
+          <p:nvPr/>
+        </p:nvSpPr>
+        <p:spPr>
+          <a:xfrm rot="19540864">
+            <a:off x="6493224" y="2263403"/>
+            <a:ext cx="443002" cy="188720"/>
+          </a:xfrm>
+          <a:prstGeom prst="rect">
+            <a:avLst/>
+          </a:prstGeom>
+        </p:spPr>
+        <p:style>
+          <a:lnRef idx="3">
+            <a:schemeClr val="lt1"/>
+          </a:lnRef>
+          <a:fillRef idx="1">
+            <a:schemeClr val="accent2"/>
+          </a:fillRef>
+          <a:effectRef idx="1">
+            <a:schemeClr val="accent2"/>
+          </a:effectRef>
+          <a:fontRef idx="minor">
+            <a:schemeClr val="lt1"/>
+          </a:fontRef>
+        </p:style>
+        <p:txBody>
+          <a:bodyPr rtlCol="0" anchor="ctr"/>
+          <a:lstStyle/>
+          <a:p>
+            <a:pPr algn="ctr"/>
+            <a:r>
+              <a:rPr lang="en-US" altLang="ko-KR" sz="1000" dirty="0" smtClean="0"/>
+              <a:t>“Hi”</a:t>
+            </a:r>
+            <a:endParaRPr lang="ko-KR" altLang="en-US" dirty="0"/>
+          </a:p>
+        </p:txBody>
+      </p:sp>
+      <p:sp>
+        <p:nvSpPr>
+          <p:cNvPr id="18" name="직사각형 17"/>
+          <p:cNvSpPr/>
+          <p:nvPr/>
+        </p:nvSpPr>
+        <p:spPr>
+          <a:xfrm>
+            <a:off x="8924773" y="2441156"/>
+            <a:ext cx="795131" cy="731521"/>
+          </a:xfrm>
+          <a:prstGeom prst="rect">
+            <a:avLst/>
+          </a:prstGeom>
+        </p:spPr>
+        <p:style>
+          <a:lnRef idx="2">
+            <a:schemeClr val="accent6"/>
+          </a:lnRef>
+          <a:fillRef idx="1">
+            <a:schemeClr val="lt1"/>
+          </a:fillRef>
+          <a:effectRef idx="0">
+            <a:schemeClr val="accent6"/>
+          </a:effectRef>
+          <a:fontRef idx="minor">
+            <a:schemeClr val="dk1"/>
+          </a:fontRef>
+        </p:style>
+        <p:txBody>
+          <a:bodyPr rtlCol="0" anchor="ctr"/>
+          <a:lstStyle/>
+          <a:p>
+            <a:pPr algn="ctr"/>
+            <a:r>
+              <a:rPr lang="en-US" altLang="ko-KR" sz="1400" dirty="0" smtClean="0">
+                <a:latin typeface="배달의민족 연성" panose="020B0600000101010101" pitchFamily="50" charset="-127"/>
+                <a:ea typeface="배달의민족 연성" panose="020B0600000101010101" pitchFamily="50" charset="-127"/>
+              </a:rPr>
+              <a:t>Client</a:t>
+            </a:r>
+            <a:endParaRPr lang="ko-KR" altLang="en-US" sz="1400" dirty="0">
+              <a:latin typeface="배달의민족 연성" panose="020B0600000101010101" pitchFamily="50" charset="-127"/>
+              <a:ea typeface="배달의민족 연성" panose="020B0600000101010101" pitchFamily="50" charset="-127"/>
+            </a:endParaRPr>
+          </a:p>
+        </p:txBody>
+      </p:sp>
+      <p:cxnSp>
+        <p:nvCxnSpPr>
+          <p:cNvPr id="19" name="직선 화살표 연결선 18"/>
+          <p:cNvCxnSpPr>
+            <a:stCxn id="18" idx="1"/>
+            <a:endCxn id="3" idx="6"/>
+          </p:cNvCxnSpPr>
+          <p:nvPr/>
+        </p:nvCxnSpPr>
+        <p:spPr>
+          <a:xfrm flipH="1">
+            <a:off x="6337190" y="2806917"/>
+            <a:ext cx="2587583" cy="27724"/>
+          </a:xfrm>
+          <a:prstGeom prst="straightConnector1">
+            <a:avLst/>
+          </a:prstGeom>
+          <a:ln>
+            <a:prstDash val="dash"/>
+            <a:tailEnd type="triangle"/>
+          </a:ln>
+        </p:spPr>
+        <p:style>
+          <a:lnRef idx="1">
+            <a:schemeClr val="dk1"/>
+          </a:lnRef>
+          <a:fillRef idx="0">
+            <a:schemeClr val="dk1"/>
+          </a:fillRef>
+          <a:effectRef idx="0">
+            <a:schemeClr val="dk1"/>
+          </a:effectRef>
+          <a:fontRef idx="minor">
+            <a:schemeClr val="tx1"/>
+          </a:fontRef>
+        </p:style>
+      </p:cxnSp>
+      <p:sp>
+        <p:nvSpPr>
+          <p:cNvPr id="20" name="TextBox 19"/>
+          <p:cNvSpPr txBox="1"/>
+          <p:nvPr/>
+        </p:nvSpPr>
+        <p:spPr>
+          <a:xfrm>
+            <a:off x="7954714" y="2798794"/>
+            <a:ext cx="970059" cy="461665"/>
+          </a:xfrm>
+          <a:prstGeom prst="rect">
+            <a:avLst/>
+          </a:prstGeom>
+          <a:noFill/>
+        </p:spPr>
+        <p:txBody>
+          <a:bodyPr wrap="square" rtlCol="0">
+            <a:spAutoFit/>
+          </a:bodyPr>
+          <a:lstStyle/>
+          <a:p>
+            <a:r>
+              <a:rPr lang="en-US" altLang="ko-KR" sz="1200" dirty="0" smtClean="0">
+                <a:latin typeface="배달의민족 연성" panose="020B0600000101010101" pitchFamily="50" charset="-127"/>
+                <a:ea typeface="배달의민족 연성" panose="020B0600000101010101" pitchFamily="50" charset="-127"/>
+              </a:rPr>
+              <a:t>Subscribe</a:t>
+            </a:r>
+          </a:p>
+          <a:p>
+            <a:r>
+              <a:rPr lang="en-US" altLang="ko-KR" sz="1200" dirty="0" smtClean="0">
+                <a:latin typeface="배달의민족 연성" panose="020B0600000101010101" pitchFamily="50" charset="-127"/>
+                <a:ea typeface="배달의민족 연성" panose="020B0600000101010101" pitchFamily="50" charset="-127"/>
+              </a:rPr>
+              <a:t>Topic : test1</a:t>
+            </a:r>
+            <a:endParaRPr lang="ko-KR" altLang="en-US" sz="1200" dirty="0">
+              <a:latin typeface="배달의민족 연성" panose="020B0600000101010101" pitchFamily="50" charset="-127"/>
+              <a:ea typeface="배달의민족 연성" panose="020B0600000101010101" pitchFamily="50" charset="-127"/>
+            </a:endParaRPr>
+          </a:p>
+        </p:txBody>
+      </p:sp>
+      <p:sp>
+        <p:nvSpPr>
+          <p:cNvPr id="21" name="직사각형 20"/>
+          <p:cNvSpPr/>
+          <p:nvPr/>
+        </p:nvSpPr>
+        <p:spPr>
+          <a:xfrm>
+            <a:off x="7133009" y="2632059"/>
+            <a:ext cx="443002" cy="188720"/>
+          </a:xfrm>
+          <a:prstGeom prst="rect">
+            <a:avLst/>
+          </a:prstGeom>
+        </p:spPr>
+        <p:style>
+          <a:lnRef idx="3">
+            <a:schemeClr val="lt1"/>
+          </a:lnRef>
+          <a:fillRef idx="1">
+            <a:schemeClr val="accent2"/>
+          </a:fillRef>
+          <a:effectRef idx="1">
+            <a:schemeClr val="accent2"/>
+          </a:effectRef>
+          <a:fontRef idx="minor">
+            <a:schemeClr val="lt1"/>
+          </a:fontRef>
+        </p:style>
+        <p:txBody>
+          <a:bodyPr rtlCol="0" anchor="ctr"/>
+          <a:lstStyle/>
+          <a:p>
+            <a:pPr algn="ctr"/>
+            <a:r>
+              <a:rPr lang="en-US" altLang="ko-KR" sz="1000" dirty="0" smtClean="0"/>
+              <a:t>“Hi”</a:t>
+            </a:r>
+            <a:endParaRPr lang="ko-KR" altLang="en-US" dirty="0"/>
+          </a:p>
+        </p:txBody>
+      </p:sp>
+      <p:cxnSp>
+        <p:nvCxnSpPr>
+          <p:cNvPr id="22" name="직선 화살표 연결선 21"/>
+          <p:cNvCxnSpPr/>
+          <p:nvPr/>
+        </p:nvCxnSpPr>
+        <p:spPr>
+          <a:xfrm>
+            <a:off x="4716992" y="2354618"/>
+            <a:ext cx="237710" cy="145207"/>
+          </a:xfrm>
+          <a:prstGeom prst="straightConnector1">
+            <a:avLst/>
+          </a:prstGeom>
+          <a:ln>
+            <a:tailEnd type="triangle"/>
+          </a:ln>
+        </p:spPr>
+        <p:style>
+          <a:lnRef idx="2">
+            <a:schemeClr val="accent4"/>
+          </a:lnRef>
+          <a:fillRef idx="0">
+            <a:schemeClr val="accent4"/>
+          </a:fillRef>
+          <a:effectRef idx="1">
+            <a:schemeClr val="accent4"/>
+          </a:effectRef>
+          <a:fontRef idx="minor">
+            <a:schemeClr val="tx1"/>
+          </a:fontRef>
+        </p:style>
+      </p:cxnSp>
+      <p:cxnSp>
+        <p:nvCxnSpPr>
+          <p:cNvPr id="23" name="직선 화살표 연결선 22"/>
+          <p:cNvCxnSpPr/>
+          <p:nvPr/>
+        </p:nvCxnSpPr>
+        <p:spPr>
+          <a:xfrm flipV="1">
+            <a:off x="6709862" y="2417616"/>
+            <a:ext cx="185966" cy="142963"/>
+          </a:xfrm>
+          <a:prstGeom prst="straightConnector1">
+            <a:avLst/>
+          </a:prstGeom>
+          <a:ln>
+            <a:tailEnd type="triangle"/>
+          </a:ln>
+        </p:spPr>
+        <p:style>
+          <a:lnRef idx="2">
+            <a:schemeClr val="accent4"/>
+          </a:lnRef>
+          <a:fillRef idx="0">
+            <a:schemeClr val="accent4"/>
+          </a:fillRef>
+          <a:effectRef idx="1">
+            <a:schemeClr val="accent4"/>
+          </a:effectRef>
+          <a:fontRef idx="minor">
+            <a:schemeClr val="tx1"/>
+          </a:fontRef>
+        </p:style>
+      </p:cxnSp>
+      <p:cxnSp>
+        <p:nvCxnSpPr>
+          <p:cNvPr id="24" name="직선 화살표 연결선 23"/>
+          <p:cNvCxnSpPr/>
+          <p:nvPr/>
+        </p:nvCxnSpPr>
+        <p:spPr>
+          <a:xfrm flipV="1">
+            <a:off x="7255671" y="2902420"/>
+            <a:ext cx="232849" cy="1"/>
+          </a:xfrm>
+          <a:prstGeom prst="straightConnector1">
+            <a:avLst/>
+          </a:prstGeom>
+          <a:ln>
+            <a:tailEnd type="triangle"/>
+          </a:ln>
+        </p:spPr>
+        <p:style>
+          <a:lnRef idx="2">
+            <a:schemeClr val="accent4"/>
+          </a:lnRef>
+          <a:fillRef idx="0">
+            <a:schemeClr val="accent4"/>
+          </a:fillRef>
+          <a:effectRef idx="1">
+            <a:schemeClr val="accent4"/>
+          </a:effectRef>
+          <a:fontRef idx="minor">
+            <a:schemeClr val="tx1"/>
+          </a:fontRef>
+        </p:style>
+      </p:cxnSp>
+      <p:sp>
+        <p:nvSpPr>
+          <p:cNvPr id="25" name="직사각형 24"/>
+          <p:cNvSpPr/>
+          <p:nvPr/>
+        </p:nvSpPr>
+        <p:spPr>
+          <a:xfrm rot="19619895">
+            <a:off x="4773057" y="3214641"/>
+            <a:ext cx="443002" cy="188720"/>
+          </a:xfrm>
+          <a:prstGeom prst="rect">
+            <a:avLst/>
+          </a:prstGeom>
+        </p:spPr>
+        <p:style>
+          <a:lnRef idx="3">
+            <a:schemeClr val="lt1"/>
+          </a:lnRef>
+          <a:fillRef idx="1">
+            <a:schemeClr val="accent1"/>
+          </a:fillRef>
+          <a:effectRef idx="1">
+            <a:schemeClr val="accent1"/>
+          </a:effectRef>
+          <a:fontRef idx="minor">
+            <a:schemeClr val="lt1"/>
+          </a:fontRef>
+        </p:style>
+        <p:txBody>
+          <a:bodyPr rtlCol="0" anchor="ctr"/>
+          <a:lstStyle/>
+          <a:p>
+            <a:pPr algn="ctr"/>
+            <a:r>
+              <a:rPr lang="en-US" altLang="ko-KR" sz="1000" dirty="0" smtClean="0"/>
+              <a:t>“A”</a:t>
+            </a:r>
+            <a:endParaRPr lang="ko-KR" altLang="en-US" dirty="0"/>
+          </a:p>
+        </p:txBody>
+      </p:sp>
+      <p:sp>
+        <p:nvSpPr>
+          <p:cNvPr id="26" name="직사각형 25"/>
+          <p:cNvSpPr/>
+          <p:nvPr/>
+        </p:nvSpPr>
+        <p:spPr>
+          <a:xfrm rot="1968231">
+            <a:off x="6458257" y="3233736"/>
+            <a:ext cx="443002" cy="188720"/>
+          </a:xfrm>
+          <a:prstGeom prst="rect">
+            <a:avLst/>
+          </a:prstGeom>
+        </p:spPr>
+        <p:style>
+          <a:lnRef idx="3">
+            <a:schemeClr val="lt1"/>
+          </a:lnRef>
+          <a:fillRef idx="1">
+            <a:schemeClr val="accent1"/>
+          </a:fillRef>
+          <a:effectRef idx="1">
+            <a:schemeClr val="accent1"/>
+          </a:effectRef>
+          <a:fontRef idx="minor">
+            <a:schemeClr val="lt1"/>
+          </a:fontRef>
+        </p:style>
+        <p:txBody>
+          <a:bodyPr rtlCol="0" anchor="ctr"/>
+          <a:lstStyle/>
+          <a:p>
+            <a:pPr algn="ctr"/>
+            <a:r>
+              <a:rPr lang="en-US" altLang="ko-KR" sz="1000" dirty="0" smtClean="0"/>
+              <a:t>“A”</a:t>
+            </a:r>
+            <a:endParaRPr lang="ko-KR" altLang="en-US" dirty="0"/>
+          </a:p>
+        </p:txBody>
+      </p:sp>
+      <p:cxnSp>
+        <p:nvCxnSpPr>
+          <p:cNvPr id="27" name="직선 화살표 연결선 26"/>
+          <p:cNvCxnSpPr/>
+          <p:nvPr/>
+        </p:nvCxnSpPr>
+        <p:spPr>
+          <a:xfrm flipV="1">
+            <a:off x="4796930" y="3102229"/>
+            <a:ext cx="261817" cy="148103"/>
+          </a:xfrm>
+          <a:prstGeom prst="straightConnector1">
+            <a:avLst/>
+          </a:prstGeom>
+          <a:ln>
+            <a:tailEnd type="triangle"/>
+          </a:ln>
+        </p:spPr>
+        <p:style>
+          <a:lnRef idx="2">
+            <a:schemeClr val="accent4"/>
+          </a:lnRef>
+          <a:fillRef idx="0">
+            <a:schemeClr val="accent4"/>
+          </a:fillRef>
+          <a:effectRef idx="1">
+            <a:schemeClr val="accent4"/>
+          </a:effectRef>
+          <a:fontRef idx="minor">
+            <a:schemeClr val="tx1"/>
+          </a:fontRef>
+        </p:style>
+      </p:cxnSp>
+      <p:cxnSp>
+        <p:nvCxnSpPr>
+          <p:cNvPr id="28" name="직선 화살표 연결선 27"/>
+          <p:cNvCxnSpPr/>
+          <p:nvPr/>
+        </p:nvCxnSpPr>
+        <p:spPr>
+          <a:xfrm>
+            <a:off x="6653758" y="3128782"/>
+            <a:ext cx="242070" cy="142123"/>
+          </a:xfrm>
+          <a:prstGeom prst="straightConnector1">
+            <a:avLst/>
+          </a:prstGeom>
+          <a:ln>
+            <a:tailEnd type="triangle"/>
+          </a:ln>
+        </p:spPr>
+        <p:style>
+          <a:lnRef idx="2">
+            <a:schemeClr val="accent4"/>
+          </a:lnRef>
+          <a:fillRef idx="0">
+            <a:schemeClr val="accent4"/>
+          </a:fillRef>
+          <a:effectRef idx="1">
+            <a:schemeClr val="accent4"/>
+          </a:effectRef>
+          <a:fontRef idx="minor">
+            <a:schemeClr val="tx1"/>
+          </a:fontRef>
+        </p:style>
+      </p:cxnSp>
     </p:spTree>
+    <p:extLst>
+      <p:ext uri="{BB962C8B-B14F-4D97-AF65-F5344CB8AC3E}">
+        <p14:creationId xmlns:p14="http://schemas.microsoft.com/office/powerpoint/2010/main" val="1499228650"/>
+      </p:ext>
+    </p:extLst>
   </p:cSld>
   <p:clrMapOvr>
     <a:masterClrMapping/>
   </p:clrMapOvr>
-  <p:timing>
-    <p:tnLst>
-      <p:par>
-        <p:cTn id="1" dur="indefinite" restart="never" nodeType="tmRoot">
-          <p:childTnLst>
-            <p:seq>
-              <p:cTn id="2" dur="indefinite" nodeType="mainSeq"/>
-              <p:prevCondLst>
-                <p:cond evt="onPrev" delay="0">
-                  <p:tgtEl>
-                    <p:sldTgt/>
-                  </p:tgtEl>
-                </p:cond>
-              </p:prevCondLst>
-              <p:nextCondLst>
-                <p:cond evt="onNext" delay="0">
-                  <p:tgtEl>
-                    <p:sldTgt/>
-                  </p:tgtEl>
-                </p:cond>
-              </p:nextCondLst>
-            </p:seq>
-          </p:childTnLst>
-        </p:cTn>
-      </p:par>
-    </p:tnLst>
-  </p:timing>
 </p:sld>
 </file>
 

--- a/FiveStarts_app.pptx
+++ b/FiveStarts_app.pptx
@@ -5,20 +5,13 @@
     <p:sldMasterId id="2147483648" r:id="rId1"/>
   </p:sldMasterIdLst>
   <p:notesMasterIdLst>
-    <p:notesMasterId r:id="rId13"/>
+    <p:notesMasterId r:id="rId6"/>
   </p:notesMasterIdLst>
   <p:sldIdLst>
     <p:sldId id="262" r:id="rId2"/>
-    <p:sldId id="256" r:id="rId3"/>
-    <p:sldId id="257" r:id="rId4"/>
-    <p:sldId id="258" r:id="rId5"/>
-    <p:sldId id="259" r:id="rId6"/>
-    <p:sldId id="260" r:id="rId7"/>
-    <p:sldId id="263" r:id="rId8"/>
-    <p:sldId id="261" r:id="rId9"/>
-    <p:sldId id="266" r:id="rId10"/>
-    <p:sldId id="264" r:id="rId11"/>
-    <p:sldId id="265" r:id="rId12"/>
+    <p:sldId id="260" r:id="rId3"/>
+    <p:sldId id="261" r:id="rId4"/>
+    <p:sldId id="266" r:id="rId5"/>
   </p:sldIdLst>
   <p:sldSz cx="12192000" cy="6858000"/>
   <p:notesSz cx="6858000" cy="9144000"/>
@@ -573,266 +566,6 @@
 </p:notes>
 </file>
 
-<file path=ppt/notesSlides/notesSlide10.xml><?xml version="1.0" encoding="utf-8"?>
-<p:notes xmlns:a="http://schemas.openxmlformats.org/drawingml/2006/main" xmlns:r="http://schemas.openxmlformats.org/officeDocument/2006/relationships" xmlns:p="http://schemas.openxmlformats.org/presentationml/2006/main">
-  <p:cSld>
-    <p:spTree>
-      <p:nvGrpSpPr>
-        <p:cNvPr id="1" name=""/>
-        <p:cNvGrpSpPr/>
-        <p:nvPr/>
-      </p:nvGrpSpPr>
-      <p:grpSpPr>
-        <a:xfrm>
-          <a:off x="0" y="0"/>
-          <a:ext cx="0" cy="0"/>
-          <a:chOff x="0" y="0"/>
-          <a:chExt cx="0" cy="0"/>
-        </a:xfrm>
-      </p:grpSpPr>
-      <p:sp>
-        <p:nvSpPr>
-          <p:cNvPr id="87" name="PlaceHolder 1"/>
-          <p:cNvSpPr>
-            <a:spLocks noGrp="1" noRot="1" noChangeAspect="1"/>
-          </p:cNvSpPr>
-          <p:nvPr>
-            <p:ph type="sldImg"/>
-          </p:nvPr>
-        </p:nvSpPr>
-        <p:spPr>
-          <a:xfrm>
-            <a:off x="685800" y="1143000"/>
-            <a:ext cx="5485680" cy="3085560"/>
-          </a:xfrm>
-          <a:prstGeom prst="rect">
-            <a:avLst/>
-          </a:prstGeom>
-        </p:spPr>
-      </p:sp>
-      <p:sp>
-        <p:nvSpPr>
-          <p:cNvPr id="88" name="PlaceHolder 2"/>
-          <p:cNvSpPr>
-            <a:spLocks noGrp="1"/>
-          </p:cNvSpPr>
-          <p:nvPr>
-            <p:ph type="body"/>
-          </p:nvPr>
-        </p:nvSpPr>
-        <p:spPr>
-          <a:xfrm>
-            <a:off x="685800" y="4400640"/>
-            <a:ext cx="5485680" cy="3599640"/>
-          </a:xfrm>
-          <a:prstGeom prst="rect">
-            <a:avLst/>
-          </a:prstGeom>
-        </p:spPr>
-        <p:txBody>
-          <a:bodyPr lIns="0" tIns="0" rIns="0" bIns="0"/>
-          <a:lstStyle/>
-          <a:p>
-            <a:endParaRPr lang="en-US" sz="2000" b="0" strike="noStrike" spc="-1">
-              <a:latin typeface="Arial"/>
-            </a:endParaRPr>
-          </a:p>
-        </p:txBody>
-      </p:sp>
-      <p:sp>
-        <p:nvSpPr>
-          <p:cNvPr id="89" name="CustomShape 3"/>
-          <p:cNvSpPr/>
-          <p:nvPr/>
-        </p:nvSpPr>
-        <p:spPr>
-          <a:xfrm>
-            <a:off x="3884760" y="8685360"/>
-            <a:ext cx="2971080" cy="457920"/>
-          </a:xfrm>
-          <a:prstGeom prst="rect">
-            <a:avLst/>
-          </a:prstGeom>
-          <a:noFill/>
-          <a:ln>
-            <a:noFill/>
-          </a:ln>
-        </p:spPr>
-        <p:style>
-          <a:lnRef idx="0">
-            <a:scrgbClr r="0" g="0" b="0"/>
-          </a:lnRef>
-          <a:fillRef idx="0">
-            <a:scrgbClr r="0" g="0" b="0"/>
-          </a:fillRef>
-          <a:effectRef idx="0">
-            <a:scrgbClr r="0" g="0" b="0"/>
-          </a:effectRef>
-          <a:fontRef idx="minor"/>
-        </p:style>
-        <p:txBody>
-          <a:bodyPr lIns="90000" tIns="45000" rIns="90000" bIns="45000" anchor="b"/>
-          <a:lstStyle/>
-          <a:p>
-            <a:pPr algn="r">
-              <a:lnSpc>
-                <a:spcPct val="100000"/>
-              </a:lnSpc>
-            </a:pPr>
-            <a:fld id="{920EF5C2-53B5-4E33-A931-2E29101930B9}" type="slidenum">
-              <a:rPr lang="en-US" sz="1200" b="0" strike="noStrike" spc="-1">
-                <a:solidFill>
-                  <a:srgbClr val="000000"/>
-                </a:solidFill>
-                <a:latin typeface="+mn-lt"/>
-                <a:ea typeface="+mn-ea"/>
-              </a:rPr>
-              <a:t>10</a:t>
-            </a:fld>
-            <a:endParaRPr lang="en-US" sz="1200" b="0" strike="noStrike" spc="-1">
-              <a:latin typeface="Arial"/>
-            </a:endParaRPr>
-          </a:p>
-        </p:txBody>
-      </p:sp>
-    </p:spTree>
-  </p:cSld>
-  <p:clrMapOvr>
-    <a:masterClrMapping/>
-  </p:clrMapOvr>
-</p:notes>
-</file>
-
-<file path=ppt/notesSlides/notesSlide11.xml><?xml version="1.0" encoding="utf-8"?>
-<p:notes xmlns:a="http://schemas.openxmlformats.org/drawingml/2006/main" xmlns:r="http://schemas.openxmlformats.org/officeDocument/2006/relationships" xmlns:p="http://schemas.openxmlformats.org/presentationml/2006/main">
-  <p:cSld>
-    <p:spTree>
-      <p:nvGrpSpPr>
-        <p:cNvPr id="1" name=""/>
-        <p:cNvGrpSpPr/>
-        <p:nvPr/>
-      </p:nvGrpSpPr>
-      <p:grpSpPr>
-        <a:xfrm>
-          <a:off x="0" y="0"/>
-          <a:ext cx="0" cy="0"/>
-          <a:chOff x="0" y="0"/>
-          <a:chExt cx="0" cy="0"/>
-        </a:xfrm>
-      </p:grpSpPr>
-      <p:sp>
-        <p:nvSpPr>
-          <p:cNvPr id="90" name="PlaceHolder 1"/>
-          <p:cNvSpPr>
-            <a:spLocks noGrp="1" noRot="1" noChangeAspect="1"/>
-          </p:cNvSpPr>
-          <p:nvPr>
-            <p:ph type="sldImg"/>
-          </p:nvPr>
-        </p:nvSpPr>
-        <p:spPr>
-          <a:xfrm>
-            <a:off x="685800" y="1143000"/>
-            <a:ext cx="5485680" cy="3085560"/>
-          </a:xfrm>
-          <a:prstGeom prst="rect">
-            <a:avLst/>
-          </a:prstGeom>
-        </p:spPr>
-      </p:sp>
-      <p:sp>
-        <p:nvSpPr>
-          <p:cNvPr id="91" name="PlaceHolder 2"/>
-          <p:cNvSpPr>
-            <a:spLocks noGrp="1"/>
-          </p:cNvSpPr>
-          <p:nvPr>
-            <p:ph type="body"/>
-          </p:nvPr>
-        </p:nvSpPr>
-        <p:spPr>
-          <a:xfrm>
-            <a:off x="685800" y="4400640"/>
-            <a:ext cx="5485680" cy="3599640"/>
-          </a:xfrm>
-          <a:prstGeom prst="rect">
-            <a:avLst/>
-          </a:prstGeom>
-        </p:spPr>
-        <p:txBody>
-          <a:bodyPr lIns="0" tIns="0" rIns="0" bIns="0"/>
-          <a:lstStyle/>
-          <a:p>
-            <a:endParaRPr lang="en-US" sz="2000" b="0" strike="noStrike" spc="-1">
-              <a:latin typeface="Arial"/>
-            </a:endParaRPr>
-          </a:p>
-        </p:txBody>
-      </p:sp>
-      <p:sp>
-        <p:nvSpPr>
-          <p:cNvPr id="92" name="CustomShape 3"/>
-          <p:cNvSpPr/>
-          <p:nvPr/>
-        </p:nvSpPr>
-        <p:spPr>
-          <a:xfrm>
-            <a:off x="3884760" y="8685360"/>
-            <a:ext cx="2971080" cy="457920"/>
-          </a:xfrm>
-          <a:prstGeom prst="rect">
-            <a:avLst/>
-          </a:prstGeom>
-          <a:noFill/>
-          <a:ln>
-            <a:noFill/>
-          </a:ln>
-        </p:spPr>
-        <p:style>
-          <a:lnRef idx="0">
-            <a:scrgbClr r="0" g="0" b="0"/>
-          </a:lnRef>
-          <a:fillRef idx="0">
-            <a:scrgbClr r="0" g="0" b="0"/>
-          </a:fillRef>
-          <a:effectRef idx="0">
-            <a:scrgbClr r="0" g="0" b="0"/>
-          </a:effectRef>
-          <a:fontRef idx="minor"/>
-        </p:style>
-        <p:txBody>
-          <a:bodyPr lIns="90000" tIns="45000" rIns="90000" bIns="45000" anchor="b"/>
-          <a:lstStyle/>
-          <a:p>
-            <a:pPr algn="r">
-              <a:lnSpc>
-                <a:spcPct val="100000"/>
-              </a:lnSpc>
-            </a:pPr>
-            <a:fld id="{825C24C5-A3CE-4425-B0C8-81F4840D1C9B}" type="slidenum">
-              <a:rPr lang="en-US" sz="1200" b="0" strike="noStrike" spc="-1">
-                <a:solidFill>
-                  <a:srgbClr val="000000"/>
-                </a:solidFill>
-                <a:latin typeface="+mn-lt"/>
-                <a:ea typeface="+mn-ea"/>
-              </a:rPr>
-              <a:t>11</a:t>
-            </a:fld>
-            <a:endParaRPr lang="en-US" sz="1200" b="0" strike="noStrike" spc="-1">
-              <a:latin typeface="Arial"/>
-            </a:endParaRPr>
-          </a:p>
-        </p:txBody>
-      </p:sp>
-    </p:spTree>
-  </p:cSld>
-  <p:clrMapOvr>
-    <a:masterClrMapping/>
-  </p:clrMapOvr>
-</p:notes>
-</file>
-
 <file path=ppt/notesSlides/notesSlide2.xml><?xml version="1.0" encoding="utf-8"?>
 <p:notes xmlns:a="http://schemas.openxmlformats.org/drawingml/2006/main" xmlns:r="http://schemas.openxmlformats.org/officeDocument/2006/relationships" xmlns:p="http://schemas.openxmlformats.org/presentationml/2006/main">
   <p:cSld>
@@ -852,7 +585,7 @@
       </p:grpSpPr>
       <p:sp>
         <p:nvSpPr>
-          <p:cNvPr id="63" name="PlaceHolder 1"/>
+          <p:cNvPr id="75" name="PlaceHolder 1"/>
           <p:cNvSpPr>
             <a:spLocks noGrp="1" noRot="1" noChangeAspect="1"/>
           </p:cNvSpPr>
@@ -863,16 +596,16 @@
         <p:spPr>
           <a:xfrm>
             <a:off x="685800" y="1143000"/>
-            <a:ext cx="5485680" cy="3085560"/>
-          </a:xfrm>
-          <a:prstGeom prst="rect">
-            <a:avLst/>
-          </a:prstGeom>
-        </p:spPr>
-      </p:sp>
-      <p:sp>
-        <p:nvSpPr>
-          <p:cNvPr id="64" name="PlaceHolder 2"/>
+            <a:ext cx="5486400" cy="3086100"/>
+          </a:xfrm>
+          <a:prstGeom prst="rect">
+            <a:avLst/>
+          </a:prstGeom>
+        </p:spPr>
+      </p:sp>
+      <p:sp>
+        <p:nvSpPr>
+          <p:cNvPr id="76" name="PlaceHolder 2"/>
           <p:cNvSpPr>
             <a:spLocks noGrp="1"/>
           </p:cNvSpPr>
@@ -893,15 +626,92 @@
           <a:bodyPr lIns="0" tIns="0" rIns="0" bIns="0"/>
           <a:lstStyle/>
           <a:p>
+            <a:pPr marL="216000" indent="-215640">
+              <a:lnSpc>
+                <a:spcPct val="100000"/>
+              </a:lnSpc>
+            </a:pPr>
+            <a:r>
+              <a:rPr lang="en-US" sz="2000" b="0" strike="noStrike" spc="-1">
+                <a:latin typeface="Arial"/>
+              </a:rPr>
+              <a:t>Master &lt;- 공유기(switch) -&gt; Node (가정) </a:t>
+            </a:r>
+          </a:p>
+          <a:p>
+            <a:pPr marL="216000" indent="-215640">
+              <a:lnSpc>
+                <a:spcPct val="100000"/>
+              </a:lnSpc>
+            </a:pPr>
             <a:endParaRPr lang="en-US" sz="2000" b="0" strike="noStrike" spc="-1">
               <a:latin typeface="Arial"/>
             </a:endParaRPr>
           </a:p>
-        </p:txBody>
-      </p:sp>
-      <p:sp>
-        <p:nvSpPr>
-          <p:cNvPr id="65" name="CustomShape 3"/>
+          <a:p>
+            <a:pPr marL="216000" indent="-215640">
+              <a:lnSpc>
+                <a:spcPct val="100000"/>
+              </a:lnSpc>
+            </a:pPr>
+            <a:r>
+              <a:rPr lang="en-US" sz="2000" b="0" strike="noStrike" spc="-1">
+                <a:latin typeface="Arial"/>
+              </a:rPr>
+              <a:t>이 사이의 통신을 효과적으로 구현할 수 있는 서버를 만들자.</a:t>
+            </a:r>
+          </a:p>
+          <a:p>
+            <a:pPr marL="216000" indent="-215640">
+              <a:lnSpc>
+                <a:spcPct val="100000"/>
+              </a:lnSpc>
+            </a:pPr>
+            <a:endParaRPr lang="en-US" sz="2000" b="0" strike="noStrike" spc="-1">
+              <a:latin typeface="Arial"/>
+            </a:endParaRPr>
+          </a:p>
+          <a:p>
+            <a:pPr marL="216000" indent="-215640">
+              <a:lnSpc>
+                <a:spcPct val="100000"/>
+              </a:lnSpc>
+            </a:pPr>
+            <a:r>
+              <a:rPr lang="en-US" sz="2000" b="0" strike="noStrike" spc="-1">
+                <a:latin typeface="Arial"/>
+              </a:rPr>
+              <a:t>Flask IO, MQTT, NAT, Port-Forwarding, </a:t>
+            </a:r>
+          </a:p>
+          <a:p>
+            <a:pPr marL="216000" indent="-215640">
+              <a:lnSpc>
+                <a:spcPct val="100000"/>
+              </a:lnSpc>
+            </a:pPr>
+            <a:r>
+              <a:rPr lang="en-US" sz="2000" b="0" strike="noStrike" spc="-1">
+                <a:latin typeface="Arial"/>
+              </a:rPr>
+              <a:t>PAT 는 대안이 될 수 없나?</a:t>
+            </a:r>
+          </a:p>
+          <a:p>
+            <a:pPr marL="216000" indent="-215640">
+              <a:lnSpc>
+                <a:spcPct val="100000"/>
+              </a:lnSpc>
+            </a:pPr>
+            <a:endParaRPr lang="en-US" sz="2000" b="0" strike="noStrike" spc="-1">
+              <a:latin typeface="Arial"/>
+            </a:endParaRPr>
+          </a:p>
+        </p:txBody>
+      </p:sp>
+      <p:sp>
+        <p:nvSpPr>
+          <p:cNvPr id="77" name="CustomShape 3"/>
           <p:cNvSpPr/>
           <p:nvPr/>
         </p:nvSpPr>
@@ -939,7 +749,7 @@
                 <a:spcPct val="100000"/>
               </a:lnSpc>
             </a:pPr>
-            <a:fld id="{80200357-070D-43FB-826F-1CEC89835D60}" type="slidenum">
+            <a:fld id="{3B7F4E30-6684-47ED-91A6-B3BC9B93D825}" type="slidenum">
               <a:rPr lang="en-US" sz="1200" b="0" strike="noStrike" spc="-1">
                 <a:solidFill>
                   <a:srgbClr val="000000"/>
@@ -982,7 +792,7 @@
       </p:grpSpPr>
       <p:sp>
         <p:nvSpPr>
-          <p:cNvPr id="66" name="PlaceHolder 1"/>
+          <p:cNvPr id="78" name="PlaceHolder 1"/>
           <p:cNvSpPr>
             <a:spLocks noGrp="1" noRot="1" noChangeAspect="1"/>
           </p:cNvSpPr>
@@ -993,16 +803,16 @@
         <p:spPr>
           <a:xfrm>
             <a:off x="685800" y="1143000"/>
-            <a:ext cx="5485680" cy="3085560"/>
-          </a:xfrm>
-          <a:prstGeom prst="rect">
-            <a:avLst/>
-          </a:prstGeom>
-        </p:spPr>
-      </p:sp>
-      <p:sp>
-        <p:nvSpPr>
-          <p:cNvPr id="67" name="PlaceHolder 2"/>
+            <a:ext cx="5486400" cy="3086100"/>
+          </a:xfrm>
+          <a:prstGeom prst="rect">
+            <a:avLst/>
+          </a:prstGeom>
+        </p:spPr>
+      </p:sp>
+      <p:sp>
+        <p:nvSpPr>
+          <p:cNvPr id="79" name="PlaceHolder 2"/>
           <p:cNvSpPr>
             <a:spLocks noGrp="1"/>
           </p:cNvSpPr>
@@ -1031,7 +841,7 @@
       </p:sp>
       <p:sp>
         <p:nvSpPr>
-          <p:cNvPr id="68" name="CustomShape 3"/>
+          <p:cNvPr id="80" name="CustomShape 3"/>
           <p:cNvSpPr/>
           <p:nvPr/>
         </p:nvSpPr>
@@ -1069,7 +879,7 @@
                 <a:spcPct val="100000"/>
               </a:lnSpc>
             </a:pPr>
-            <a:fld id="{C0BF2E31-02A3-469A-A88D-378A7843312B}" type="slidenum">
+            <a:fld id="{09E3E891-8460-44CB-9CB6-390FB884FDE7}" type="slidenum">
               <a:rPr lang="en-US" sz="1200" b="0" strike="noStrike" spc="-1">
                 <a:solidFill>
                   <a:srgbClr val="000000"/>
@@ -1112,733 +922,6 @@
       </p:grpSpPr>
       <p:sp>
         <p:nvSpPr>
-          <p:cNvPr id="69" name="PlaceHolder 1"/>
-          <p:cNvSpPr>
-            <a:spLocks noGrp="1" noRot="1" noChangeAspect="1"/>
-          </p:cNvSpPr>
-          <p:nvPr>
-            <p:ph type="sldImg"/>
-          </p:nvPr>
-        </p:nvSpPr>
-        <p:spPr>
-          <a:xfrm>
-            <a:off x="685800" y="1143000"/>
-            <a:ext cx="5485680" cy="3085560"/>
-          </a:xfrm>
-          <a:prstGeom prst="rect">
-            <a:avLst/>
-          </a:prstGeom>
-        </p:spPr>
-      </p:sp>
-      <p:sp>
-        <p:nvSpPr>
-          <p:cNvPr id="70" name="PlaceHolder 2"/>
-          <p:cNvSpPr>
-            <a:spLocks noGrp="1"/>
-          </p:cNvSpPr>
-          <p:nvPr>
-            <p:ph type="body"/>
-          </p:nvPr>
-        </p:nvSpPr>
-        <p:spPr>
-          <a:xfrm>
-            <a:off x="685800" y="4400640"/>
-            <a:ext cx="5485680" cy="3599640"/>
-          </a:xfrm>
-          <a:prstGeom prst="rect">
-            <a:avLst/>
-          </a:prstGeom>
-        </p:spPr>
-        <p:txBody>
-          <a:bodyPr lIns="0" tIns="0" rIns="0" bIns="0"/>
-          <a:lstStyle/>
-          <a:p>
-            <a:endParaRPr lang="en-US" sz="2000" b="0" strike="noStrike" spc="-1">
-              <a:latin typeface="Arial"/>
-            </a:endParaRPr>
-          </a:p>
-        </p:txBody>
-      </p:sp>
-      <p:sp>
-        <p:nvSpPr>
-          <p:cNvPr id="71" name="CustomShape 3"/>
-          <p:cNvSpPr/>
-          <p:nvPr/>
-        </p:nvSpPr>
-        <p:spPr>
-          <a:xfrm>
-            <a:off x="3884760" y="8685360"/>
-            <a:ext cx="2971080" cy="457920"/>
-          </a:xfrm>
-          <a:prstGeom prst="rect">
-            <a:avLst/>
-          </a:prstGeom>
-          <a:noFill/>
-          <a:ln>
-            <a:noFill/>
-          </a:ln>
-        </p:spPr>
-        <p:style>
-          <a:lnRef idx="0">
-            <a:scrgbClr r="0" g="0" b="0"/>
-          </a:lnRef>
-          <a:fillRef idx="0">
-            <a:scrgbClr r="0" g="0" b="0"/>
-          </a:fillRef>
-          <a:effectRef idx="0">
-            <a:scrgbClr r="0" g="0" b="0"/>
-          </a:effectRef>
-          <a:fontRef idx="minor"/>
-        </p:style>
-        <p:txBody>
-          <a:bodyPr lIns="90000" tIns="45000" rIns="90000" bIns="45000" anchor="b"/>
-          <a:lstStyle/>
-          <a:p>
-            <a:pPr algn="r">
-              <a:lnSpc>
-                <a:spcPct val="100000"/>
-              </a:lnSpc>
-            </a:pPr>
-            <a:fld id="{C56F6586-9598-4248-AFE2-69A3DDAEE208}" type="slidenum">
-              <a:rPr lang="en-US" sz="1200" b="0" strike="noStrike" spc="-1">
-                <a:solidFill>
-                  <a:srgbClr val="000000"/>
-                </a:solidFill>
-                <a:latin typeface="+mn-lt"/>
-                <a:ea typeface="+mn-ea"/>
-              </a:rPr>
-              <a:t>4</a:t>
-            </a:fld>
-            <a:endParaRPr lang="en-US" sz="1200" b="0" strike="noStrike" spc="-1">
-              <a:latin typeface="Arial"/>
-            </a:endParaRPr>
-          </a:p>
-        </p:txBody>
-      </p:sp>
-    </p:spTree>
-  </p:cSld>
-  <p:clrMapOvr>
-    <a:masterClrMapping/>
-  </p:clrMapOvr>
-</p:notes>
-</file>
-
-<file path=ppt/notesSlides/notesSlide5.xml><?xml version="1.0" encoding="utf-8"?>
-<p:notes xmlns:a="http://schemas.openxmlformats.org/drawingml/2006/main" xmlns:r="http://schemas.openxmlformats.org/officeDocument/2006/relationships" xmlns:p="http://schemas.openxmlformats.org/presentationml/2006/main">
-  <p:cSld>
-    <p:spTree>
-      <p:nvGrpSpPr>
-        <p:cNvPr id="1" name=""/>
-        <p:cNvGrpSpPr/>
-        <p:nvPr/>
-      </p:nvGrpSpPr>
-      <p:grpSpPr>
-        <a:xfrm>
-          <a:off x="0" y="0"/>
-          <a:ext cx="0" cy="0"/>
-          <a:chOff x="0" y="0"/>
-          <a:chExt cx="0" cy="0"/>
-        </a:xfrm>
-      </p:grpSpPr>
-      <p:sp>
-        <p:nvSpPr>
-          <p:cNvPr id="72" name="PlaceHolder 1"/>
-          <p:cNvSpPr>
-            <a:spLocks noGrp="1" noRot="1" noChangeAspect="1"/>
-          </p:cNvSpPr>
-          <p:nvPr>
-            <p:ph type="sldImg"/>
-          </p:nvPr>
-        </p:nvSpPr>
-        <p:spPr>
-          <a:xfrm>
-            <a:off x="685800" y="1143000"/>
-            <a:ext cx="5485680" cy="3085560"/>
-          </a:xfrm>
-          <a:prstGeom prst="rect">
-            <a:avLst/>
-          </a:prstGeom>
-        </p:spPr>
-      </p:sp>
-      <p:sp>
-        <p:nvSpPr>
-          <p:cNvPr id="73" name="PlaceHolder 2"/>
-          <p:cNvSpPr>
-            <a:spLocks noGrp="1"/>
-          </p:cNvSpPr>
-          <p:nvPr>
-            <p:ph type="body"/>
-          </p:nvPr>
-        </p:nvSpPr>
-        <p:spPr>
-          <a:xfrm>
-            <a:off x="685800" y="4400640"/>
-            <a:ext cx="5485680" cy="3599640"/>
-          </a:xfrm>
-          <a:prstGeom prst="rect">
-            <a:avLst/>
-          </a:prstGeom>
-        </p:spPr>
-        <p:txBody>
-          <a:bodyPr lIns="0" tIns="0" rIns="0" bIns="0"/>
-          <a:lstStyle/>
-          <a:p>
-            <a:endParaRPr lang="en-US" sz="2000" b="0" strike="noStrike" spc="-1">
-              <a:latin typeface="Arial"/>
-            </a:endParaRPr>
-          </a:p>
-        </p:txBody>
-      </p:sp>
-      <p:sp>
-        <p:nvSpPr>
-          <p:cNvPr id="74" name="CustomShape 3"/>
-          <p:cNvSpPr/>
-          <p:nvPr/>
-        </p:nvSpPr>
-        <p:spPr>
-          <a:xfrm>
-            <a:off x="3884760" y="8685360"/>
-            <a:ext cx="2971080" cy="457920"/>
-          </a:xfrm>
-          <a:prstGeom prst="rect">
-            <a:avLst/>
-          </a:prstGeom>
-          <a:noFill/>
-          <a:ln>
-            <a:noFill/>
-          </a:ln>
-        </p:spPr>
-        <p:style>
-          <a:lnRef idx="0">
-            <a:scrgbClr r="0" g="0" b="0"/>
-          </a:lnRef>
-          <a:fillRef idx="0">
-            <a:scrgbClr r="0" g="0" b="0"/>
-          </a:fillRef>
-          <a:effectRef idx="0">
-            <a:scrgbClr r="0" g="0" b="0"/>
-          </a:effectRef>
-          <a:fontRef idx="minor"/>
-        </p:style>
-        <p:txBody>
-          <a:bodyPr lIns="90000" tIns="45000" rIns="90000" bIns="45000" anchor="b"/>
-          <a:lstStyle/>
-          <a:p>
-            <a:pPr algn="r">
-              <a:lnSpc>
-                <a:spcPct val="100000"/>
-              </a:lnSpc>
-            </a:pPr>
-            <a:fld id="{24AC4E7E-6BEA-4673-90AA-4901088FA717}" type="slidenum">
-              <a:rPr lang="en-US" sz="1200" b="0" strike="noStrike" spc="-1">
-                <a:solidFill>
-                  <a:srgbClr val="000000"/>
-                </a:solidFill>
-                <a:latin typeface="+mn-lt"/>
-                <a:ea typeface="+mn-ea"/>
-              </a:rPr>
-              <a:t>5</a:t>
-            </a:fld>
-            <a:endParaRPr lang="en-US" sz="1200" b="0" strike="noStrike" spc="-1">
-              <a:latin typeface="Arial"/>
-            </a:endParaRPr>
-          </a:p>
-        </p:txBody>
-      </p:sp>
-    </p:spTree>
-  </p:cSld>
-  <p:clrMapOvr>
-    <a:masterClrMapping/>
-  </p:clrMapOvr>
-</p:notes>
-</file>
-
-<file path=ppt/notesSlides/notesSlide6.xml><?xml version="1.0" encoding="utf-8"?>
-<p:notes xmlns:a="http://schemas.openxmlformats.org/drawingml/2006/main" xmlns:r="http://schemas.openxmlformats.org/officeDocument/2006/relationships" xmlns:p="http://schemas.openxmlformats.org/presentationml/2006/main">
-  <p:cSld>
-    <p:spTree>
-      <p:nvGrpSpPr>
-        <p:cNvPr id="1" name=""/>
-        <p:cNvGrpSpPr/>
-        <p:nvPr/>
-      </p:nvGrpSpPr>
-      <p:grpSpPr>
-        <a:xfrm>
-          <a:off x="0" y="0"/>
-          <a:ext cx="0" cy="0"/>
-          <a:chOff x="0" y="0"/>
-          <a:chExt cx="0" cy="0"/>
-        </a:xfrm>
-      </p:grpSpPr>
-      <p:sp>
-        <p:nvSpPr>
-          <p:cNvPr id="75" name="PlaceHolder 1"/>
-          <p:cNvSpPr>
-            <a:spLocks noGrp="1" noRot="1" noChangeAspect="1"/>
-          </p:cNvSpPr>
-          <p:nvPr>
-            <p:ph type="sldImg"/>
-          </p:nvPr>
-        </p:nvSpPr>
-        <p:spPr>
-          <a:xfrm>
-            <a:off x="685800" y="1143000"/>
-            <a:ext cx="5486400" cy="3086100"/>
-          </a:xfrm>
-          <a:prstGeom prst="rect">
-            <a:avLst/>
-          </a:prstGeom>
-        </p:spPr>
-      </p:sp>
-      <p:sp>
-        <p:nvSpPr>
-          <p:cNvPr id="76" name="PlaceHolder 2"/>
-          <p:cNvSpPr>
-            <a:spLocks noGrp="1"/>
-          </p:cNvSpPr>
-          <p:nvPr>
-            <p:ph type="body"/>
-          </p:nvPr>
-        </p:nvSpPr>
-        <p:spPr>
-          <a:xfrm>
-            <a:off x="685800" y="4400640"/>
-            <a:ext cx="5485680" cy="3599640"/>
-          </a:xfrm>
-          <a:prstGeom prst="rect">
-            <a:avLst/>
-          </a:prstGeom>
-        </p:spPr>
-        <p:txBody>
-          <a:bodyPr lIns="0" tIns="0" rIns="0" bIns="0"/>
-          <a:lstStyle/>
-          <a:p>
-            <a:pPr marL="216000" indent="-215640">
-              <a:lnSpc>
-                <a:spcPct val="100000"/>
-              </a:lnSpc>
-            </a:pPr>
-            <a:r>
-              <a:rPr lang="en-US" sz="2000" b="0" strike="noStrike" spc="-1">
-                <a:latin typeface="Arial"/>
-              </a:rPr>
-              <a:t>Master &lt;- 공유기(switch) -&gt; Node (가정) </a:t>
-            </a:r>
-          </a:p>
-          <a:p>
-            <a:pPr marL="216000" indent="-215640">
-              <a:lnSpc>
-                <a:spcPct val="100000"/>
-              </a:lnSpc>
-            </a:pPr>
-            <a:endParaRPr lang="en-US" sz="2000" b="0" strike="noStrike" spc="-1">
-              <a:latin typeface="Arial"/>
-            </a:endParaRPr>
-          </a:p>
-          <a:p>
-            <a:pPr marL="216000" indent="-215640">
-              <a:lnSpc>
-                <a:spcPct val="100000"/>
-              </a:lnSpc>
-            </a:pPr>
-            <a:r>
-              <a:rPr lang="en-US" sz="2000" b="0" strike="noStrike" spc="-1">
-                <a:latin typeface="Arial"/>
-              </a:rPr>
-              <a:t>이 사이의 통신을 효과적으로 구현할 수 있는 서버를 만들자.</a:t>
-            </a:r>
-          </a:p>
-          <a:p>
-            <a:pPr marL="216000" indent="-215640">
-              <a:lnSpc>
-                <a:spcPct val="100000"/>
-              </a:lnSpc>
-            </a:pPr>
-            <a:endParaRPr lang="en-US" sz="2000" b="0" strike="noStrike" spc="-1">
-              <a:latin typeface="Arial"/>
-            </a:endParaRPr>
-          </a:p>
-          <a:p>
-            <a:pPr marL="216000" indent="-215640">
-              <a:lnSpc>
-                <a:spcPct val="100000"/>
-              </a:lnSpc>
-            </a:pPr>
-            <a:r>
-              <a:rPr lang="en-US" sz="2000" b="0" strike="noStrike" spc="-1">
-                <a:latin typeface="Arial"/>
-              </a:rPr>
-              <a:t>Flask IO, MQTT, NAT, Port-Forwarding, </a:t>
-            </a:r>
-          </a:p>
-          <a:p>
-            <a:pPr marL="216000" indent="-215640">
-              <a:lnSpc>
-                <a:spcPct val="100000"/>
-              </a:lnSpc>
-            </a:pPr>
-            <a:r>
-              <a:rPr lang="en-US" sz="2000" b="0" strike="noStrike" spc="-1">
-                <a:latin typeface="Arial"/>
-              </a:rPr>
-              <a:t>PAT 는 대안이 될 수 없나?</a:t>
-            </a:r>
-          </a:p>
-          <a:p>
-            <a:pPr marL="216000" indent="-215640">
-              <a:lnSpc>
-                <a:spcPct val="100000"/>
-              </a:lnSpc>
-            </a:pPr>
-            <a:endParaRPr lang="en-US" sz="2000" b="0" strike="noStrike" spc="-1">
-              <a:latin typeface="Arial"/>
-            </a:endParaRPr>
-          </a:p>
-        </p:txBody>
-      </p:sp>
-      <p:sp>
-        <p:nvSpPr>
-          <p:cNvPr id="77" name="CustomShape 3"/>
-          <p:cNvSpPr/>
-          <p:nvPr/>
-        </p:nvSpPr>
-        <p:spPr>
-          <a:xfrm>
-            <a:off x="3884760" y="8685360"/>
-            <a:ext cx="2971080" cy="457920"/>
-          </a:xfrm>
-          <a:prstGeom prst="rect">
-            <a:avLst/>
-          </a:prstGeom>
-          <a:noFill/>
-          <a:ln>
-            <a:noFill/>
-          </a:ln>
-        </p:spPr>
-        <p:style>
-          <a:lnRef idx="0">
-            <a:scrgbClr r="0" g="0" b="0"/>
-          </a:lnRef>
-          <a:fillRef idx="0">
-            <a:scrgbClr r="0" g="0" b="0"/>
-          </a:fillRef>
-          <a:effectRef idx="0">
-            <a:scrgbClr r="0" g="0" b="0"/>
-          </a:effectRef>
-          <a:fontRef idx="minor"/>
-        </p:style>
-        <p:txBody>
-          <a:bodyPr lIns="90000" tIns="45000" rIns="90000" bIns="45000" anchor="b"/>
-          <a:lstStyle/>
-          <a:p>
-            <a:pPr algn="r">
-              <a:lnSpc>
-                <a:spcPct val="100000"/>
-              </a:lnSpc>
-            </a:pPr>
-            <a:fld id="{3B7F4E30-6684-47ED-91A6-B3BC9B93D825}" type="slidenum">
-              <a:rPr lang="en-US" sz="1200" b="0" strike="noStrike" spc="-1">
-                <a:solidFill>
-                  <a:srgbClr val="000000"/>
-                </a:solidFill>
-                <a:latin typeface="+mn-lt"/>
-                <a:ea typeface="+mn-ea"/>
-              </a:rPr>
-              <a:t>6</a:t>
-            </a:fld>
-            <a:endParaRPr lang="en-US" sz="1200" b="0" strike="noStrike" spc="-1">
-              <a:latin typeface="Arial"/>
-            </a:endParaRPr>
-          </a:p>
-        </p:txBody>
-      </p:sp>
-    </p:spTree>
-  </p:cSld>
-  <p:clrMapOvr>
-    <a:masterClrMapping/>
-  </p:clrMapOvr>
-</p:notes>
-</file>
-
-<file path=ppt/notesSlides/notesSlide7.xml><?xml version="1.0" encoding="utf-8"?>
-<p:notes xmlns:a="http://schemas.openxmlformats.org/drawingml/2006/main" xmlns:r="http://schemas.openxmlformats.org/officeDocument/2006/relationships" xmlns:p="http://schemas.openxmlformats.org/presentationml/2006/main">
-  <p:cSld>
-    <p:spTree>
-      <p:nvGrpSpPr>
-        <p:cNvPr id="1" name=""/>
-        <p:cNvGrpSpPr/>
-        <p:nvPr/>
-      </p:nvGrpSpPr>
-      <p:grpSpPr>
-        <a:xfrm>
-          <a:off x="0" y="0"/>
-          <a:ext cx="0" cy="0"/>
-          <a:chOff x="0" y="0"/>
-          <a:chExt cx="0" cy="0"/>
-        </a:xfrm>
-      </p:grpSpPr>
-      <p:sp>
-        <p:nvSpPr>
-          <p:cNvPr id="84" name="PlaceHolder 1"/>
-          <p:cNvSpPr>
-            <a:spLocks noGrp="1" noRot="1" noChangeAspect="1"/>
-          </p:cNvSpPr>
-          <p:nvPr>
-            <p:ph type="sldImg"/>
-          </p:nvPr>
-        </p:nvSpPr>
-        <p:spPr>
-          <a:xfrm>
-            <a:off x="685800" y="1143000"/>
-            <a:ext cx="5486400" cy="3086100"/>
-          </a:xfrm>
-          <a:prstGeom prst="rect">
-            <a:avLst/>
-          </a:prstGeom>
-        </p:spPr>
-      </p:sp>
-      <p:sp>
-        <p:nvSpPr>
-          <p:cNvPr id="85" name="PlaceHolder 2"/>
-          <p:cNvSpPr>
-            <a:spLocks noGrp="1"/>
-          </p:cNvSpPr>
-          <p:nvPr>
-            <p:ph type="body"/>
-          </p:nvPr>
-        </p:nvSpPr>
-        <p:spPr>
-          <a:xfrm>
-            <a:off x="685800" y="4400640"/>
-            <a:ext cx="5485680" cy="3599640"/>
-          </a:xfrm>
-          <a:prstGeom prst="rect">
-            <a:avLst/>
-          </a:prstGeom>
-        </p:spPr>
-        <p:txBody>
-          <a:bodyPr lIns="0" tIns="0" rIns="0" bIns="0"/>
-          <a:lstStyle/>
-          <a:p>
-            <a:endParaRPr lang="en-US" sz="2000" b="0" strike="noStrike" spc="-1">
-              <a:latin typeface="Arial"/>
-            </a:endParaRPr>
-          </a:p>
-        </p:txBody>
-      </p:sp>
-      <p:sp>
-        <p:nvSpPr>
-          <p:cNvPr id="86" name="CustomShape 3"/>
-          <p:cNvSpPr/>
-          <p:nvPr/>
-        </p:nvSpPr>
-        <p:spPr>
-          <a:xfrm>
-            <a:off x="3884760" y="8685360"/>
-            <a:ext cx="2971080" cy="457920"/>
-          </a:xfrm>
-          <a:prstGeom prst="rect">
-            <a:avLst/>
-          </a:prstGeom>
-          <a:noFill/>
-          <a:ln>
-            <a:noFill/>
-          </a:ln>
-        </p:spPr>
-        <p:style>
-          <a:lnRef idx="0">
-            <a:scrgbClr r="0" g="0" b="0"/>
-          </a:lnRef>
-          <a:fillRef idx="0">
-            <a:scrgbClr r="0" g="0" b="0"/>
-          </a:fillRef>
-          <a:effectRef idx="0">
-            <a:scrgbClr r="0" g="0" b="0"/>
-          </a:effectRef>
-          <a:fontRef idx="minor"/>
-        </p:style>
-        <p:txBody>
-          <a:bodyPr lIns="90000" tIns="45000" rIns="90000" bIns="45000" anchor="b"/>
-          <a:lstStyle/>
-          <a:p>
-            <a:pPr algn="r">
-              <a:lnSpc>
-                <a:spcPct val="100000"/>
-              </a:lnSpc>
-            </a:pPr>
-            <a:fld id="{69607DB9-1BA6-4BE1-9D52-BC9432598240}" type="slidenum">
-              <a:rPr lang="en-US" sz="1200" b="0" strike="noStrike" spc="-1">
-                <a:solidFill>
-                  <a:srgbClr val="000000"/>
-                </a:solidFill>
-                <a:latin typeface="+mn-lt"/>
-                <a:ea typeface="+mn-ea"/>
-              </a:rPr>
-              <a:t>7</a:t>
-            </a:fld>
-            <a:endParaRPr lang="en-US" sz="1200" b="0" strike="noStrike" spc="-1">
-              <a:latin typeface="Arial"/>
-            </a:endParaRPr>
-          </a:p>
-        </p:txBody>
-      </p:sp>
-    </p:spTree>
-  </p:cSld>
-  <p:clrMapOvr>
-    <a:masterClrMapping/>
-  </p:clrMapOvr>
-</p:notes>
-</file>
-
-<file path=ppt/notesSlides/notesSlide8.xml><?xml version="1.0" encoding="utf-8"?>
-<p:notes xmlns:a="http://schemas.openxmlformats.org/drawingml/2006/main" xmlns:r="http://schemas.openxmlformats.org/officeDocument/2006/relationships" xmlns:p="http://schemas.openxmlformats.org/presentationml/2006/main">
-  <p:cSld>
-    <p:spTree>
-      <p:nvGrpSpPr>
-        <p:cNvPr id="1" name=""/>
-        <p:cNvGrpSpPr/>
-        <p:nvPr/>
-      </p:nvGrpSpPr>
-      <p:grpSpPr>
-        <a:xfrm>
-          <a:off x="0" y="0"/>
-          <a:ext cx="0" cy="0"/>
-          <a:chOff x="0" y="0"/>
-          <a:chExt cx="0" cy="0"/>
-        </a:xfrm>
-      </p:grpSpPr>
-      <p:sp>
-        <p:nvSpPr>
-          <p:cNvPr id="78" name="PlaceHolder 1"/>
-          <p:cNvSpPr>
-            <a:spLocks noGrp="1" noRot="1" noChangeAspect="1"/>
-          </p:cNvSpPr>
-          <p:nvPr>
-            <p:ph type="sldImg"/>
-          </p:nvPr>
-        </p:nvSpPr>
-        <p:spPr>
-          <a:xfrm>
-            <a:off x="685800" y="1143000"/>
-            <a:ext cx="5486400" cy="3086100"/>
-          </a:xfrm>
-          <a:prstGeom prst="rect">
-            <a:avLst/>
-          </a:prstGeom>
-        </p:spPr>
-      </p:sp>
-      <p:sp>
-        <p:nvSpPr>
-          <p:cNvPr id="79" name="PlaceHolder 2"/>
-          <p:cNvSpPr>
-            <a:spLocks noGrp="1"/>
-          </p:cNvSpPr>
-          <p:nvPr>
-            <p:ph type="body"/>
-          </p:nvPr>
-        </p:nvSpPr>
-        <p:spPr>
-          <a:xfrm>
-            <a:off x="685800" y="4400640"/>
-            <a:ext cx="5485680" cy="3599640"/>
-          </a:xfrm>
-          <a:prstGeom prst="rect">
-            <a:avLst/>
-          </a:prstGeom>
-        </p:spPr>
-        <p:txBody>
-          <a:bodyPr lIns="0" tIns="0" rIns="0" bIns="0"/>
-          <a:lstStyle/>
-          <a:p>
-            <a:endParaRPr lang="en-US" sz="2000" b="0" strike="noStrike" spc="-1">
-              <a:latin typeface="Arial"/>
-            </a:endParaRPr>
-          </a:p>
-        </p:txBody>
-      </p:sp>
-      <p:sp>
-        <p:nvSpPr>
-          <p:cNvPr id="80" name="CustomShape 3"/>
-          <p:cNvSpPr/>
-          <p:nvPr/>
-        </p:nvSpPr>
-        <p:spPr>
-          <a:xfrm>
-            <a:off x="3884760" y="8685360"/>
-            <a:ext cx="2971080" cy="457920"/>
-          </a:xfrm>
-          <a:prstGeom prst="rect">
-            <a:avLst/>
-          </a:prstGeom>
-          <a:noFill/>
-          <a:ln>
-            <a:noFill/>
-          </a:ln>
-        </p:spPr>
-        <p:style>
-          <a:lnRef idx="0">
-            <a:scrgbClr r="0" g="0" b="0"/>
-          </a:lnRef>
-          <a:fillRef idx="0">
-            <a:scrgbClr r="0" g="0" b="0"/>
-          </a:fillRef>
-          <a:effectRef idx="0">
-            <a:scrgbClr r="0" g="0" b="0"/>
-          </a:effectRef>
-          <a:fontRef idx="minor"/>
-        </p:style>
-        <p:txBody>
-          <a:bodyPr lIns="90000" tIns="45000" rIns="90000" bIns="45000" anchor="b"/>
-          <a:lstStyle/>
-          <a:p>
-            <a:pPr algn="r">
-              <a:lnSpc>
-                <a:spcPct val="100000"/>
-              </a:lnSpc>
-            </a:pPr>
-            <a:fld id="{09E3E891-8460-44CB-9CB6-390FB884FDE7}" type="slidenum">
-              <a:rPr lang="en-US" sz="1200" b="0" strike="noStrike" spc="-1">
-                <a:solidFill>
-                  <a:srgbClr val="000000"/>
-                </a:solidFill>
-                <a:latin typeface="+mn-lt"/>
-                <a:ea typeface="+mn-ea"/>
-              </a:rPr>
-              <a:t>8</a:t>
-            </a:fld>
-            <a:endParaRPr lang="en-US" sz="1200" b="0" strike="noStrike" spc="-1">
-              <a:latin typeface="Arial"/>
-            </a:endParaRPr>
-          </a:p>
-        </p:txBody>
-      </p:sp>
-    </p:spTree>
-  </p:cSld>
-  <p:clrMapOvr>
-    <a:masterClrMapping/>
-  </p:clrMapOvr>
-</p:notes>
-</file>
-
-<file path=ppt/notesSlides/notesSlide9.xml><?xml version="1.0" encoding="utf-8"?>
-<p:notes xmlns:a="http://schemas.openxmlformats.org/drawingml/2006/main" xmlns:r="http://schemas.openxmlformats.org/officeDocument/2006/relationships" xmlns:p="http://schemas.openxmlformats.org/presentationml/2006/main">
-  <p:cSld>
-    <p:spTree>
-      <p:nvGrpSpPr>
-        <p:cNvPr id="1" name=""/>
-        <p:cNvGrpSpPr/>
-        <p:nvPr/>
-      </p:nvGrpSpPr>
-      <p:grpSpPr>
-        <a:xfrm>
-          <a:off x="0" y="0"/>
-          <a:ext cx="0" cy="0"/>
-          <a:chOff x="0" y="0"/>
-          <a:chExt cx="0" cy="0"/>
-        </a:xfrm>
-      </p:grpSpPr>
-      <p:sp>
-        <p:nvSpPr>
           <p:cNvPr id="2" name="슬라이드 이미지 개체 틀 1"/>
           <p:cNvSpPr>
             <a:spLocks noGrp="1" noRot="1" noChangeAspect="1"/>
@@ -1885,7 +968,7 @@
           <a:p>
             <a:fld id="{4DD73636-681C-4765-A243-9D4A04E81479}" type="slidenum">
               <a:rPr lang="ko-KR" altLang="en-US" smtClean="0"/>
-              <a:t>9</a:t>
+              <a:t>4</a:t>
             </a:fld>
             <a:endParaRPr lang="ko-KR" altLang="en-US"/>
           </a:p>
@@ -2597,7 +1680,7 @@
           <a:p>
             <a:fld id="{39CCC6A7-66E8-4302-AA55-CD0CD215FC2C}" type="datetimeFigureOut">
               <a:rPr lang="ko-KR" altLang="en-US" smtClean="0"/>
-              <a:t>2020-05-21</a:t>
+              <a:t>2020-08-12</a:t>
             </a:fld>
             <a:endParaRPr lang="ko-KR" altLang="en-US"/>
           </a:p>
@@ -4410,110 +3493,6 @@
 </p:sld>
 </file>
 
-<file path=ppt/slides/slide10.xml><?xml version="1.0" encoding="utf-8"?>
-<p:sld xmlns:a="http://schemas.openxmlformats.org/drawingml/2006/main" xmlns:r="http://schemas.openxmlformats.org/officeDocument/2006/relationships" xmlns:p="http://schemas.openxmlformats.org/presentationml/2006/main">
-  <p:cSld>
-    <p:spTree>
-      <p:nvGrpSpPr>
-        <p:cNvPr id="1" name=""/>
-        <p:cNvGrpSpPr/>
-        <p:nvPr/>
-      </p:nvGrpSpPr>
-      <p:grpSpPr>
-        <a:xfrm>
-          <a:off x="0" y="0"/>
-          <a:ext cx="0" cy="0"/>
-          <a:chOff x="0" y="0"/>
-          <a:chExt cx="0" cy="0"/>
-        </a:xfrm>
-      </p:grpSpPr>
-    </p:spTree>
-  </p:cSld>
-  <p:clrMapOvr>
-    <a:masterClrMapping/>
-  </p:clrMapOvr>
-  <p:timing>
-    <p:tnLst>
-      <p:par>
-        <p:cTn id="1" dur="indefinite" restart="never" nodeType="tmRoot">
-          <p:childTnLst>
-            <p:seq>
-              <p:cTn id="2" dur="indefinite" nodeType="mainSeq"/>
-              <p:prevCondLst>
-                <p:cond evt="onPrev" delay="0">
-                  <p:tgtEl>
-                    <p:sldTgt/>
-                  </p:tgtEl>
-                </p:cond>
-              </p:prevCondLst>
-              <p:nextCondLst>
-                <p:cond evt="onNext" delay="0">
-                  <p:tgtEl>
-                    <p:sldTgt/>
-                  </p:tgtEl>
-                </p:cond>
-              </p:nextCondLst>
-            </p:seq>
-          </p:childTnLst>
-        </p:cTn>
-      </p:par>
-    </p:tnLst>
-  </p:timing>
-</p:sld>
-</file>
-
-<file path=ppt/slides/slide11.xml><?xml version="1.0" encoding="utf-8"?>
-<p:sld xmlns:a="http://schemas.openxmlformats.org/drawingml/2006/main" xmlns:r="http://schemas.openxmlformats.org/officeDocument/2006/relationships" xmlns:p="http://schemas.openxmlformats.org/presentationml/2006/main">
-  <p:cSld>
-    <p:spTree>
-      <p:nvGrpSpPr>
-        <p:cNvPr id="1" name=""/>
-        <p:cNvGrpSpPr/>
-        <p:nvPr/>
-      </p:nvGrpSpPr>
-      <p:grpSpPr>
-        <a:xfrm>
-          <a:off x="0" y="0"/>
-          <a:ext cx="0" cy="0"/>
-          <a:chOff x="0" y="0"/>
-          <a:chExt cx="0" cy="0"/>
-        </a:xfrm>
-      </p:grpSpPr>
-    </p:spTree>
-  </p:cSld>
-  <p:clrMapOvr>
-    <a:masterClrMapping/>
-  </p:clrMapOvr>
-  <p:timing>
-    <p:tnLst>
-      <p:par>
-        <p:cTn id="1" dur="indefinite" restart="never" nodeType="tmRoot">
-          <p:childTnLst>
-            <p:seq>
-              <p:cTn id="2" dur="indefinite" nodeType="mainSeq"/>
-              <p:prevCondLst>
-                <p:cond evt="onPrev" delay="0">
-                  <p:tgtEl>
-                    <p:sldTgt/>
-                  </p:tgtEl>
-                </p:cond>
-              </p:prevCondLst>
-              <p:nextCondLst>
-                <p:cond evt="onNext" delay="0">
-                  <p:tgtEl>
-                    <p:sldTgt/>
-                  </p:tgtEl>
-                </p:cond>
-              </p:nextCondLst>
-            </p:seq>
-          </p:childTnLst>
-        </p:cTn>
-      </p:par>
-    </p:tnLst>
-  </p:timing>
-</p:sld>
-</file>
-
 <file path=ppt/slides/slide2.xml><?xml version="1.0" encoding="utf-8"?>
 <p:sld xmlns:a="http://schemas.openxmlformats.org/drawingml/2006/main" xmlns:r="http://schemas.openxmlformats.org/officeDocument/2006/relationships" xmlns:p="http://schemas.openxmlformats.org/presentationml/2006/main">
   <p:cSld>
@@ -4533,14 +3512,14 @@
       </p:grpSpPr>
       <p:sp>
         <p:nvSpPr>
-          <p:cNvPr id="44" name="CustomShape 1"/>
+          <p:cNvPr id="53" name="CustomShape 1"/>
           <p:cNvSpPr/>
           <p:nvPr/>
         </p:nvSpPr>
         <p:spPr>
           <a:xfrm>
-            <a:off x="879120" y="478440"/>
-            <a:ext cx="1989000" cy="364320"/>
+            <a:off x="677160" y="654840"/>
+            <a:ext cx="3284280" cy="1735920"/>
           </a:xfrm>
           <a:prstGeom prst="rect">
             <a:avLst/>
@@ -4563,18 +3542,13 @@
           <a:fontRef idx="minor"/>
         </p:style>
         <p:txBody>
-          <a:bodyPr wrap="none" lIns="90000" tIns="45000" rIns="90000" bIns="45000"/>
-          <a:lstStyle/>
-          <a:p>
-            <a:pPr marL="285840" indent="-285120">
+          <a:bodyPr lIns="90000" tIns="45000" rIns="90000" bIns="45000"/>
+          <a:lstStyle/>
+          <a:p>
+            <a:pPr>
               <a:lnSpc>
                 <a:spcPct val="100000"/>
               </a:lnSpc>
-              <a:buClr>
-                <a:srgbClr val="000000"/>
-              </a:buClr>
-              <a:buFont typeface="Arial"/>
-              <a:buChar char="•"/>
             </a:pPr>
             <a:r>
               <a:rPr lang="en-US" sz="1800" b="0" strike="noStrike" spc="-1">
@@ -4584,7 +3558,7 @@
                 <a:latin typeface="맑은 고딕"/>
                 <a:ea typeface="DejaVu Sans"/>
               </a:rPr>
-              <a:t>Terminal 접근 </a:t>
+              <a:t> </a:t>
             </a:r>
             <a:endParaRPr lang="en-US" sz="1800" b="0" strike="noStrike" spc="-1">
               <a:latin typeface="Arial"/>
@@ -4594,19 +3568,150 @@
       </p:sp>
       <p:sp>
         <p:nvSpPr>
-          <p:cNvPr id="45" name="CustomShape 2"/>
+          <p:cNvPr id="54" name="CustomShape 2"/>
           <p:cNvSpPr/>
           <p:nvPr/>
         </p:nvSpPr>
         <p:spPr>
           <a:xfrm>
-            <a:off x="2686680" y="1309680"/>
-            <a:ext cx="4819680" cy="5027040"/>
-          </a:xfrm>
-          <a:prstGeom prst="rect">
-            <a:avLst/>
-          </a:prstGeom>
-          <a:noFill/>
+            <a:off x="1005840" y="3108960"/>
+            <a:ext cx="1088640" cy="1049040"/>
+          </a:xfrm>
+          <a:prstGeom prst="rect">
+            <a:avLst/>
+          </a:prstGeom>
+          <a:ln>
+            <a:round/>
+          </a:ln>
+        </p:spPr>
+        <p:style>
+          <a:lnRef idx="2">
+            <a:schemeClr val="dk1"/>
+          </a:lnRef>
+          <a:fillRef idx="1">
+            <a:schemeClr val="lt1"/>
+          </a:fillRef>
+          <a:effectRef idx="0">
+            <a:schemeClr val="dk1"/>
+          </a:effectRef>
+          <a:fontRef idx="minor"/>
+        </p:style>
+        <p:txBody>
+          <a:bodyPr lIns="90000" tIns="45000" rIns="90000" bIns="45000" anchor="ctr"/>
+          <a:lstStyle/>
+          <a:p>
+            <a:pPr algn="ctr">
+              <a:lnSpc>
+                <a:spcPct val="100000"/>
+              </a:lnSpc>
+            </a:pPr>
+            <a:r>
+              <a:rPr lang="en-US" sz="1800" b="0" strike="noStrike" spc="-1">
+                <a:solidFill>
+                  <a:srgbClr val="000000"/>
+                </a:solidFill>
+                <a:latin typeface="맑은 고딕"/>
+                <a:ea typeface="DejaVu Sans"/>
+              </a:rPr>
+              <a:t>client</a:t>
+            </a:r>
+            <a:endParaRPr lang="en-US" sz="1800" b="0" strike="noStrike" spc="-1">
+              <a:latin typeface="Arial"/>
+            </a:endParaRPr>
+          </a:p>
+        </p:txBody>
+      </p:sp>
+      <p:sp>
+        <p:nvSpPr>
+          <p:cNvPr id="55" name="CustomShape 3"/>
+          <p:cNvSpPr/>
+          <p:nvPr/>
+        </p:nvSpPr>
+        <p:spPr>
+          <a:xfrm>
+            <a:off x="5233680" y="1804680"/>
+            <a:ext cx="1088640" cy="3657600"/>
+          </a:xfrm>
+          <a:prstGeom prst="rect">
+            <a:avLst/>
+          </a:prstGeom>
+          <a:ln>
+            <a:round/>
+          </a:ln>
+        </p:spPr>
+        <p:style>
+          <a:lnRef idx="2">
+            <a:schemeClr val="dk1"/>
+          </a:lnRef>
+          <a:fillRef idx="1">
+            <a:schemeClr val="lt1"/>
+          </a:fillRef>
+          <a:effectRef idx="0">
+            <a:schemeClr val="dk1"/>
+          </a:effectRef>
+          <a:fontRef idx="minor"/>
+        </p:style>
+        <p:txBody>
+          <a:bodyPr lIns="90000" tIns="45000" rIns="90000" bIns="45000" anchor="ctr"/>
+          <a:lstStyle/>
+          <a:p>
+            <a:pPr algn="ctr">
+              <a:lnSpc>
+                <a:spcPct val="100000"/>
+              </a:lnSpc>
+            </a:pPr>
+            <a:r>
+              <a:rPr lang="en-US" sz="1800" b="0" strike="noStrike" spc="-1" dirty="0" smtClean="0">
+                <a:solidFill>
+                  <a:srgbClr val="000000"/>
+                </a:solidFill>
+                <a:latin typeface="맑은 고딕"/>
+                <a:ea typeface="DejaVu Sans"/>
+              </a:rPr>
+              <a:t>Server</a:t>
+            </a:r>
+          </a:p>
+          <a:p>
+            <a:pPr algn="ctr">
+              <a:lnSpc>
+                <a:spcPct val="100000"/>
+              </a:lnSpc>
+            </a:pPr>
+            <a:r>
+              <a:rPr lang="en-US" spc="-1" dirty="0" smtClean="0">
+                <a:solidFill>
+                  <a:srgbClr val="000000"/>
+                </a:solidFill>
+                <a:latin typeface="맑은 고딕"/>
+              </a:rPr>
+              <a:t>(master)</a:t>
+            </a:r>
+            <a:endParaRPr lang="en-US" sz="1800" b="0" strike="noStrike" spc="-1" dirty="0">
+              <a:latin typeface="Arial"/>
+            </a:endParaRPr>
+          </a:p>
+        </p:txBody>
+      </p:sp>
+      <p:sp>
+        <p:nvSpPr>
+          <p:cNvPr id="56" name="CustomShape 4"/>
+          <p:cNvSpPr/>
+          <p:nvPr/>
+        </p:nvSpPr>
+        <p:spPr>
+          <a:xfrm>
+            <a:off x="2208240" y="3441960"/>
+            <a:ext cx="2911680" cy="364320"/>
+          </a:xfrm>
+          <a:prstGeom prst="rect">
+            <a:avLst/>
+          </a:prstGeom>
+          <a:solidFill>
+            <a:schemeClr val="accent3">
+              <a:lumMod val="40000"/>
+              <a:lumOff val="60000"/>
+            </a:schemeClr>
+          </a:solidFill>
           <a:ln>
             <a:noFill/>
           </a:ln>
@@ -4627,1005 +3732,419 @@
           <a:bodyPr lIns="90000" tIns="45000" rIns="90000" bIns="45000"/>
           <a:lstStyle/>
           <a:p>
-            <a:pPr>
+            <a:pPr algn="ctr">
               <a:lnSpc>
                 <a:spcPct val="100000"/>
               </a:lnSpc>
             </a:pPr>
             <a:r>
-              <a:rPr lang="en-US" sz="1800" b="0" strike="noStrike" spc="-1" dirty="0" err="1">
+              <a:rPr lang="en-US" sz="1800" b="0" strike="noStrike" spc="-1">
                 <a:solidFill>
                   <a:srgbClr val="000000"/>
                 </a:solidFill>
                 <a:latin typeface="맑은 고딕"/>
                 <a:ea typeface="DejaVu Sans"/>
               </a:rPr>
-              <a:t>어떻게</a:t>
-            </a:r>
-            <a:r>
-              <a:rPr lang="en-US" sz="1800" b="0" strike="noStrike" spc="-1" dirty="0">
+              <a:t>Socket channel</a:t>
+            </a:r>
+            <a:endParaRPr lang="en-US" sz="1800" b="0" strike="noStrike" spc="-1">
+              <a:latin typeface="Arial"/>
+            </a:endParaRPr>
+          </a:p>
+        </p:txBody>
+      </p:sp>
+      <p:sp>
+        <p:nvSpPr>
+          <p:cNvPr id="57" name="CustomShape 5"/>
+          <p:cNvSpPr/>
+          <p:nvPr/>
+        </p:nvSpPr>
+        <p:spPr>
+          <a:xfrm>
+            <a:off x="9692640" y="3065760"/>
+            <a:ext cx="1088640" cy="1049040"/>
+          </a:xfrm>
+          <a:prstGeom prst="rect">
+            <a:avLst/>
+          </a:prstGeom>
+          <a:ln>
+            <a:round/>
+          </a:ln>
+        </p:spPr>
+        <p:style>
+          <a:lnRef idx="2">
+            <a:schemeClr val="dk1"/>
+          </a:lnRef>
+          <a:fillRef idx="1">
+            <a:schemeClr val="lt1"/>
+          </a:fillRef>
+          <a:effectRef idx="0">
+            <a:schemeClr val="dk1"/>
+          </a:effectRef>
+          <a:fontRef idx="minor"/>
+        </p:style>
+        <p:txBody>
+          <a:bodyPr lIns="90000" tIns="45000" rIns="90000" bIns="45000" anchor="ctr"/>
+          <a:lstStyle/>
+          <a:p>
+            <a:pPr algn="ctr">
+              <a:lnSpc>
+                <a:spcPct val="100000"/>
+              </a:lnSpc>
+            </a:pPr>
+            <a:r>
+              <a:rPr lang="en-US" sz="1800" b="0" strike="noStrike" spc="-1">
                 <a:solidFill>
                   <a:srgbClr val="000000"/>
                 </a:solidFill>
                 <a:latin typeface="맑은 고딕"/>
                 <a:ea typeface="DejaVu Sans"/>
               </a:rPr>
-              <a:t>, client 가 server 에 </a:t>
-            </a:r>
-            <a:r>
-              <a:rPr lang="en-US" sz="1800" b="0" strike="noStrike" spc="-1" dirty="0" err="1">
+              <a:t>Docker 2</a:t>
+            </a:r>
+            <a:endParaRPr lang="en-US" sz="1800" b="0" strike="noStrike" spc="-1">
+              <a:latin typeface="Arial"/>
+            </a:endParaRPr>
+          </a:p>
+        </p:txBody>
+      </p:sp>
+      <p:sp>
+        <p:nvSpPr>
+          <p:cNvPr id="58" name="CustomShape 6"/>
+          <p:cNvSpPr/>
+          <p:nvPr/>
+        </p:nvSpPr>
+        <p:spPr>
+          <a:xfrm>
+            <a:off x="9692640" y="1419840"/>
+            <a:ext cx="1088640" cy="1049040"/>
+          </a:xfrm>
+          <a:prstGeom prst="rect">
+            <a:avLst/>
+          </a:prstGeom>
+          <a:ln>
+            <a:round/>
+          </a:ln>
+        </p:spPr>
+        <p:style>
+          <a:lnRef idx="2">
+            <a:schemeClr val="dk1"/>
+          </a:lnRef>
+          <a:fillRef idx="1">
+            <a:schemeClr val="lt1"/>
+          </a:fillRef>
+          <a:effectRef idx="0">
+            <a:schemeClr val="dk1"/>
+          </a:effectRef>
+          <a:fontRef idx="minor"/>
+        </p:style>
+        <p:txBody>
+          <a:bodyPr lIns="90000" tIns="45000" rIns="90000" bIns="45000" anchor="ctr"/>
+          <a:lstStyle/>
+          <a:p>
+            <a:pPr algn="ctr">
+              <a:lnSpc>
+                <a:spcPct val="100000"/>
+              </a:lnSpc>
+            </a:pPr>
+            <a:r>
+              <a:rPr lang="en-US" sz="1800" b="0" strike="noStrike" spc="-1">
                 <a:solidFill>
                   <a:srgbClr val="000000"/>
                 </a:solidFill>
                 <a:latin typeface="맑은 고딕"/>
                 <a:ea typeface="DejaVu Sans"/>
               </a:rPr>
-              <a:t>접근</a:t>
-            </a:r>
-            <a:r>
-              <a:rPr lang="en-US" sz="1800" b="0" strike="noStrike" spc="-1" dirty="0">
+              <a:t>Docker 1</a:t>
+            </a:r>
+            <a:endParaRPr lang="en-US" sz="1800" b="0" strike="noStrike" spc="-1">
+              <a:latin typeface="Arial"/>
+            </a:endParaRPr>
+          </a:p>
+        </p:txBody>
+      </p:sp>
+      <p:sp>
+        <p:nvSpPr>
+          <p:cNvPr id="59" name="CustomShape 7"/>
+          <p:cNvSpPr/>
+          <p:nvPr/>
+        </p:nvSpPr>
+        <p:spPr>
+          <a:xfrm>
+            <a:off x="9701280" y="4620240"/>
+            <a:ext cx="1088640" cy="1049040"/>
+          </a:xfrm>
+          <a:prstGeom prst="rect">
+            <a:avLst/>
+          </a:prstGeom>
+          <a:ln>
+            <a:round/>
+          </a:ln>
+        </p:spPr>
+        <p:style>
+          <a:lnRef idx="2">
+            <a:schemeClr val="dk1"/>
+          </a:lnRef>
+          <a:fillRef idx="1">
+            <a:schemeClr val="lt1"/>
+          </a:fillRef>
+          <a:effectRef idx="0">
+            <a:schemeClr val="dk1"/>
+          </a:effectRef>
+          <a:fontRef idx="minor"/>
+        </p:style>
+        <p:txBody>
+          <a:bodyPr lIns="90000" tIns="45000" rIns="90000" bIns="45000" anchor="ctr"/>
+          <a:lstStyle/>
+          <a:p>
+            <a:pPr algn="ctr">
+              <a:lnSpc>
+                <a:spcPct val="100000"/>
+              </a:lnSpc>
+            </a:pPr>
+            <a:r>
+              <a:rPr lang="en-US" sz="1800" b="0" strike="noStrike" spc="-1">
                 <a:solidFill>
                   <a:srgbClr val="000000"/>
                 </a:solidFill>
                 <a:latin typeface="맑은 고딕"/>
                 <a:ea typeface="DejaVu Sans"/>
               </a:rPr>
-              <a:t> </a:t>
-            </a:r>
-            <a:r>
-              <a:rPr lang="en-US" sz="1800" b="0" strike="noStrike" spc="-1" dirty="0" err="1">
+              <a:t>Docker 3</a:t>
+            </a:r>
+            <a:endParaRPr lang="en-US" sz="1800" b="0" strike="noStrike" spc="-1">
+              <a:latin typeface="Arial"/>
+            </a:endParaRPr>
+          </a:p>
+        </p:txBody>
+      </p:sp>
+      <p:sp>
+        <p:nvSpPr>
+          <p:cNvPr id="60" name="CustomShape 8"/>
+          <p:cNvSpPr/>
+          <p:nvPr/>
+        </p:nvSpPr>
+        <p:spPr>
+          <a:xfrm>
+            <a:off x="6598080" y="3474720"/>
+            <a:ext cx="2911680" cy="364320"/>
+          </a:xfrm>
+          <a:prstGeom prst="rect">
+            <a:avLst/>
+          </a:prstGeom>
+          <a:solidFill>
+            <a:schemeClr val="accent3">
+              <a:lumMod val="40000"/>
+              <a:lumOff val="60000"/>
+            </a:schemeClr>
+          </a:solidFill>
+          <a:ln>
+            <a:noFill/>
+          </a:ln>
+        </p:spPr>
+        <p:style>
+          <a:lnRef idx="0">
+            <a:scrgbClr r="0" g="0" b="0"/>
+          </a:lnRef>
+          <a:fillRef idx="0">
+            <a:scrgbClr r="0" g="0" b="0"/>
+          </a:fillRef>
+          <a:effectRef idx="0">
+            <a:scrgbClr r="0" g="0" b="0"/>
+          </a:effectRef>
+          <a:fontRef idx="minor"/>
+        </p:style>
+        <p:txBody>
+          <a:bodyPr lIns="90000" tIns="45000" rIns="90000" bIns="45000"/>
+          <a:lstStyle/>
+          <a:p>
+            <a:pPr algn="ctr">
+              <a:lnSpc>
+                <a:spcPct val="100000"/>
+              </a:lnSpc>
+            </a:pPr>
+            <a:r>
+              <a:rPr lang="en-US" sz="1800" b="0" strike="noStrike" spc="-1">
                 <a:solidFill>
                   <a:srgbClr val="000000"/>
                 </a:solidFill>
                 <a:latin typeface="맑은 고딕"/>
                 <a:ea typeface="DejaVu Sans"/>
               </a:rPr>
-              <a:t>만으로</a:t>
-            </a:r>
-            <a:endParaRPr lang="en-US" sz="1800" b="0" strike="noStrike" spc="-1" dirty="0">
+              <a:t>MQTT (Topic2)</a:t>
+            </a:r>
+            <a:endParaRPr lang="en-US" sz="1800" b="0" strike="noStrike" spc="-1">
               <a:latin typeface="Arial"/>
             </a:endParaRPr>
           </a:p>
-          <a:p>
-            <a:pPr>
+        </p:txBody>
+      </p:sp>
+      <p:sp>
+        <p:nvSpPr>
+          <p:cNvPr id="61" name="CustomShape 9"/>
+          <p:cNvSpPr/>
+          <p:nvPr/>
+        </p:nvSpPr>
+        <p:spPr>
+          <a:xfrm>
+            <a:off x="6598080" y="5029200"/>
+            <a:ext cx="2911680" cy="364320"/>
+          </a:xfrm>
+          <a:prstGeom prst="rect">
+            <a:avLst/>
+          </a:prstGeom>
+          <a:solidFill>
+            <a:schemeClr val="accent3">
+              <a:lumMod val="40000"/>
+              <a:lumOff val="60000"/>
+            </a:schemeClr>
+          </a:solidFill>
+          <a:ln>
+            <a:noFill/>
+          </a:ln>
+        </p:spPr>
+        <p:style>
+          <a:lnRef idx="0">
+            <a:scrgbClr r="0" g="0" b="0"/>
+          </a:lnRef>
+          <a:fillRef idx="0">
+            <a:scrgbClr r="0" g="0" b="0"/>
+          </a:fillRef>
+          <a:effectRef idx="0">
+            <a:scrgbClr r="0" g="0" b="0"/>
+          </a:effectRef>
+          <a:fontRef idx="minor"/>
+        </p:style>
+        <p:txBody>
+          <a:bodyPr lIns="90000" tIns="45000" rIns="90000" bIns="45000"/>
+          <a:lstStyle/>
+          <a:p>
+            <a:pPr algn="ctr">
               <a:lnSpc>
                 <a:spcPct val="100000"/>
               </a:lnSpc>
             </a:pPr>
             <a:r>
-              <a:rPr lang="en-US" sz="1800" b="0" strike="noStrike" spc="-1" dirty="0" err="1">
+              <a:rPr lang="en-US" sz="1800" b="0" strike="noStrike" spc="-1">
                 <a:solidFill>
                   <a:srgbClr val="000000"/>
                 </a:solidFill>
                 <a:latin typeface="맑은 고딕"/>
                 <a:ea typeface="DejaVu Sans"/>
               </a:rPr>
-              <a:t>스스로</a:t>
-            </a:r>
-            <a:r>
-              <a:rPr lang="en-US" sz="1800" b="0" strike="noStrike" spc="-1" dirty="0">
+              <a:t>MQTT (Topic3)</a:t>
+            </a:r>
+            <a:endParaRPr lang="en-US" sz="1800" b="0" strike="noStrike" spc="-1">
+              <a:latin typeface="Arial"/>
+            </a:endParaRPr>
+          </a:p>
+        </p:txBody>
+      </p:sp>
+      <p:sp>
+        <p:nvSpPr>
+          <p:cNvPr id="62" name="CustomShape 10"/>
+          <p:cNvSpPr/>
+          <p:nvPr/>
+        </p:nvSpPr>
+        <p:spPr>
+          <a:xfrm>
+            <a:off x="6598080" y="1828800"/>
+            <a:ext cx="2911680" cy="364320"/>
+          </a:xfrm>
+          <a:prstGeom prst="rect">
+            <a:avLst/>
+          </a:prstGeom>
+          <a:solidFill>
+            <a:schemeClr val="accent3">
+              <a:lumMod val="40000"/>
+              <a:lumOff val="60000"/>
+            </a:schemeClr>
+          </a:solidFill>
+          <a:ln>
+            <a:noFill/>
+          </a:ln>
+        </p:spPr>
+        <p:style>
+          <a:lnRef idx="0">
+            <a:scrgbClr r="0" g="0" b="0"/>
+          </a:lnRef>
+          <a:fillRef idx="0">
+            <a:scrgbClr r="0" g="0" b="0"/>
+          </a:fillRef>
+          <a:effectRef idx="0">
+            <a:scrgbClr r="0" g="0" b="0"/>
+          </a:effectRef>
+          <a:fontRef idx="minor"/>
+        </p:style>
+        <p:txBody>
+          <a:bodyPr lIns="90000" tIns="45000" rIns="90000" bIns="45000"/>
+          <a:lstStyle/>
+          <a:p>
+            <a:pPr algn="ctr">
+              <a:lnSpc>
+                <a:spcPct val="100000"/>
+              </a:lnSpc>
+            </a:pPr>
+            <a:r>
+              <a:rPr lang="en-US" sz="1800" b="0" strike="noStrike" spc="-1">
                 <a:solidFill>
                   <a:srgbClr val="000000"/>
                 </a:solidFill>
                 <a:latin typeface="맑은 고딕"/>
                 <a:ea typeface="DejaVu Sans"/>
               </a:rPr>
-              <a:t> terminal (</a:t>
-            </a:r>
-            <a:r>
-              <a:rPr lang="en-US" sz="1800" b="0" strike="noStrike" spc="-1" dirty="0" err="1">
-                <a:solidFill>
-                  <a:srgbClr val="000000"/>
-                </a:solidFill>
-                <a:latin typeface="맑은 고딕"/>
-                <a:ea typeface="DejaVu Sans"/>
-              </a:rPr>
-              <a:t>docker</a:t>
-            </a:r>
-            <a:r>
-              <a:rPr lang="en-US" sz="1800" b="0" strike="noStrike" spc="-1" dirty="0">
-                <a:solidFill>
-                  <a:srgbClr val="000000"/>
-                </a:solidFill>
-                <a:latin typeface="맑은 고딕"/>
-                <a:ea typeface="DejaVu Sans"/>
-              </a:rPr>
-              <a:t>) </a:t>
-            </a:r>
-            <a:r>
-              <a:rPr lang="en-US" sz="1800" b="0" strike="noStrike" spc="-1" dirty="0" err="1">
-                <a:solidFill>
-                  <a:srgbClr val="000000"/>
-                </a:solidFill>
-                <a:latin typeface="맑은 고딕"/>
-                <a:ea typeface="DejaVu Sans"/>
-              </a:rPr>
-              <a:t>조작을</a:t>
-            </a:r>
-            <a:r>
-              <a:rPr lang="en-US" sz="1800" b="0" strike="noStrike" spc="-1" dirty="0">
-                <a:solidFill>
-                  <a:srgbClr val="000000"/>
-                </a:solidFill>
-                <a:latin typeface="맑은 고딕"/>
-                <a:ea typeface="DejaVu Sans"/>
-              </a:rPr>
-              <a:t> </a:t>
-            </a:r>
-            <a:r>
-              <a:rPr lang="en-US" sz="1800" b="0" strike="noStrike" spc="-1" dirty="0" err="1">
-                <a:solidFill>
-                  <a:srgbClr val="000000"/>
-                </a:solidFill>
-                <a:latin typeface="맑은 고딕"/>
-                <a:ea typeface="DejaVu Sans"/>
-              </a:rPr>
-              <a:t>하게</a:t>
-            </a:r>
-            <a:r>
-              <a:rPr lang="en-US" sz="1800" b="0" strike="noStrike" spc="-1" dirty="0">
-                <a:solidFill>
-                  <a:srgbClr val="000000"/>
-                </a:solidFill>
-                <a:latin typeface="맑은 고딕"/>
-                <a:ea typeface="DejaVu Sans"/>
-              </a:rPr>
-              <a:t> </a:t>
-            </a:r>
-            <a:r>
-              <a:rPr lang="en-US" sz="1800" b="0" strike="noStrike" spc="-1" dirty="0" err="1">
-                <a:solidFill>
-                  <a:srgbClr val="000000"/>
-                </a:solidFill>
-                <a:latin typeface="맑은 고딕"/>
-                <a:ea typeface="DejaVu Sans"/>
-              </a:rPr>
-              <a:t>만들지</a:t>
-            </a:r>
-            <a:r>
-              <a:rPr lang="en-US" sz="1800" b="0" strike="noStrike" spc="-1" dirty="0">
-                <a:solidFill>
-                  <a:srgbClr val="000000"/>
-                </a:solidFill>
-                <a:latin typeface="맑은 고딕"/>
-                <a:ea typeface="DejaVu Sans"/>
-              </a:rPr>
-              <a:t>?</a:t>
-            </a:r>
-            <a:endParaRPr lang="en-US" sz="1800" b="0" strike="noStrike" spc="-1" dirty="0">
+              <a:t>MQTT (Topic1)</a:t>
+            </a:r>
+            <a:endParaRPr lang="en-US" sz="1800" b="0" strike="noStrike" spc="-1">
               <a:latin typeface="Arial"/>
             </a:endParaRPr>
           </a:p>
-          <a:p>
-            <a:pPr>
+        </p:txBody>
+      </p:sp>
+      <p:sp>
+        <p:nvSpPr>
+          <p:cNvPr id="12" name="CustomShape 2"/>
+          <p:cNvSpPr/>
+          <p:nvPr/>
+        </p:nvSpPr>
+        <p:spPr>
+          <a:xfrm>
+            <a:off x="5233680" y="130320"/>
+            <a:ext cx="1088640" cy="1049040"/>
+          </a:xfrm>
+          <a:prstGeom prst="rect">
+            <a:avLst/>
+          </a:prstGeom>
+          <a:ln>
+            <a:round/>
+          </a:ln>
+        </p:spPr>
+        <p:style>
+          <a:lnRef idx="2">
+            <a:schemeClr val="dk1"/>
+          </a:lnRef>
+          <a:fillRef idx="1">
+            <a:schemeClr val="lt1"/>
+          </a:fillRef>
+          <a:effectRef idx="0">
+            <a:schemeClr val="dk1"/>
+          </a:effectRef>
+          <a:fontRef idx="minor"/>
+        </p:style>
+        <p:txBody>
+          <a:bodyPr lIns="90000" tIns="45000" rIns="90000" bIns="45000" anchor="ctr"/>
+          <a:lstStyle/>
+          <a:p>
+            <a:pPr algn="ctr">
               <a:lnSpc>
                 <a:spcPct val="100000"/>
               </a:lnSpc>
             </a:pPr>
-            <a:endParaRPr lang="en-US" sz="1800" b="0" strike="noStrike" spc="-1" dirty="0">
-              <a:latin typeface="Arial"/>
-            </a:endParaRPr>
-          </a:p>
-          <a:p>
-            <a:pPr marL="343080" indent="-342360">
-              <a:lnSpc>
-                <a:spcPct val="100000"/>
-              </a:lnSpc>
-              <a:buClr>
-                <a:srgbClr val="000000"/>
-              </a:buClr>
-              <a:buFont typeface="StarSymbol"/>
-              <a:buAutoNum type="arabicPeriod"/>
-            </a:pPr>
-            <a:r>
-              <a:rPr lang="en-US" sz="1800" b="0" strike="noStrike" spc="-1" dirty="0" err="1">
-                <a:solidFill>
-                  <a:srgbClr val="000000"/>
-                </a:solidFill>
-                <a:latin typeface="맑은 고딕"/>
-                <a:ea typeface="DejaVu Sans"/>
+            <a:r>
+              <a:rPr lang="en-US" sz="1800" b="0" strike="noStrike" spc="-1" dirty="0" smtClean="0">
+                <a:latin typeface="Arial"/>
               </a:rPr>
-              <a:t>clinet</a:t>
-            </a:r>
-            <a:r>
-              <a:rPr lang="en-US" sz="1800" b="0" strike="noStrike" spc="-1" dirty="0">
-                <a:solidFill>
-                  <a:srgbClr val="000000"/>
-                </a:solidFill>
-                <a:latin typeface="맑은 고딕"/>
-                <a:ea typeface="DejaVu Sans"/>
-              </a:rPr>
-              <a:t> 가 server </a:t>
-            </a:r>
-            <a:r>
-              <a:rPr lang="en-US" sz="1800" b="0" strike="noStrike" spc="-1" dirty="0" err="1">
-                <a:solidFill>
-                  <a:srgbClr val="000000"/>
-                </a:solidFill>
-                <a:latin typeface="맑은 고딕"/>
-                <a:ea typeface="DejaVu Sans"/>
-              </a:rPr>
-              <a:t>url</a:t>
-            </a:r>
-            <a:r>
-              <a:rPr lang="en-US" sz="1800" b="0" strike="noStrike" spc="-1" dirty="0">
-                <a:solidFill>
-                  <a:srgbClr val="000000"/>
-                </a:solidFill>
-                <a:latin typeface="맑은 고딕"/>
-                <a:ea typeface="DejaVu Sans"/>
-              </a:rPr>
-              <a:t> 에 </a:t>
-            </a:r>
-            <a:r>
-              <a:rPr lang="en-US" sz="1800" b="0" strike="noStrike" spc="-1" dirty="0" err="1">
-                <a:solidFill>
-                  <a:srgbClr val="000000"/>
-                </a:solidFill>
-                <a:latin typeface="맑은 고딕"/>
-                <a:ea typeface="DejaVu Sans"/>
-              </a:rPr>
-              <a:t>접근해서</a:t>
-            </a:r>
-            <a:r>
-              <a:rPr lang="en-US" sz="1800" b="0" strike="noStrike" spc="-1" dirty="0">
-                <a:solidFill>
-                  <a:srgbClr val="000000"/>
-                </a:solidFill>
-                <a:latin typeface="맑은 고딕"/>
-                <a:ea typeface="DejaVu Sans"/>
-              </a:rPr>
-              <a:t> status </a:t>
-            </a:r>
-            <a:r>
-              <a:rPr lang="en-US" sz="1800" b="0" strike="noStrike" spc="-1" dirty="0" err="1">
-                <a:solidFill>
-                  <a:srgbClr val="000000"/>
-                </a:solidFill>
-                <a:latin typeface="맑은 고딕"/>
-                <a:ea typeface="DejaVu Sans"/>
-              </a:rPr>
-              <a:t>버튼을</a:t>
-            </a:r>
-            <a:r>
-              <a:rPr lang="en-US" sz="1800" b="0" strike="noStrike" spc="-1" dirty="0">
-                <a:solidFill>
-                  <a:srgbClr val="000000"/>
-                </a:solidFill>
-                <a:latin typeface="맑은 고딕"/>
-                <a:ea typeface="DejaVu Sans"/>
-              </a:rPr>
-              <a:t> </a:t>
-            </a:r>
-            <a:r>
-              <a:rPr lang="en-US" sz="1800" b="0" strike="noStrike" spc="-1" dirty="0" err="1">
-                <a:solidFill>
-                  <a:srgbClr val="000000"/>
-                </a:solidFill>
-                <a:latin typeface="맑은 고딕"/>
-                <a:ea typeface="DejaVu Sans"/>
-              </a:rPr>
-              <a:t>누른다</a:t>
-            </a:r>
-            <a:r>
-              <a:rPr lang="en-US" sz="1800" b="0" strike="noStrike" spc="-1" dirty="0">
-                <a:solidFill>
-                  <a:srgbClr val="000000"/>
-                </a:solidFill>
-                <a:latin typeface="맑은 고딕"/>
-                <a:ea typeface="DejaVu Sans"/>
-              </a:rPr>
-              <a:t>.</a:t>
-            </a:r>
-            <a:endParaRPr lang="en-US" sz="1800" b="0" strike="noStrike" spc="-1" dirty="0">
-              <a:latin typeface="Arial"/>
-            </a:endParaRPr>
-          </a:p>
-          <a:p>
-            <a:pPr marL="343080" indent="-342360">
-              <a:lnSpc>
-                <a:spcPct val="100000"/>
-              </a:lnSpc>
-              <a:buClr>
-                <a:srgbClr val="000000"/>
-              </a:buClr>
-              <a:buFont typeface="StarSymbol"/>
-              <a:buAutoNum type="arabicPeriod"/>
-            </a:pPr>
-            <a:r>
-              <a:rPr lang="en-US" sz="1800" b="0" strike="noStrike" spc="-1" dirty="0" err="1">
-                <a:solidFill>
-                  <a:srgbClr val="000000"/>
-                </a:solidFill>
-                <a:latin typeface="맑은 고딕"/>
-                <a:ea typeface="DejaVu Sans"/>
-              </a:rPr>
-              <a:t>버튼을</a:t>
-            </a:r>
-            <a:r>
-              <a:rPr lang="en-US" sz="1800" b="0" strike="noStrike" spc="-1" dirty="0">
-                <a:solidFill>
-                  <a:srgbClr val="000000"/>
-                </a:solidFill>
-                <a:latin typeface="맑은 고딕"/>
-                <a:ea typeface="DejaVu Sans"/>
-              </a:rPr>
-              <a:t> </a:t>
-            </a:r>
-            <a:r>
-              <a:rPr lang="en-US" sz="1800" b="0" strike="noStrike" spc="-1" dirty="0" err="1">
-                <a:solidFill>
-                  <a:srgbClr val="000000"/>
-                </a:solidFill>
-                <a:latin typeface="맑은 고딕"/>
-                <a:ea typeface="DejaVu Sans"/>
-              </a:rPr>
-              <a:t>누르면</a:t>
-            </a:r>
-            <a:r>
-              <a:rPr lang="en-US" sz="1800" b="0" strike="noStrike" spc="-1" dirty="0">
-                <a:solidFill>
-                  <a:srgbClr val="000000"/>
-                </a:solidFill>
-                <a:latin typeface="맑은 고딕"/>
-                <a:ea typeface="DejaVu Sans"/>
-              </a:rPr>
-              <a:t>, server 가 status request 를 </a:t>
-            </a:r>
-            <a:r>
-              <a:rPr lang="en-US" sz="1800" b="0" strike="noStrike" spc="-1" dirty="0" err="1">
-                <a:solidFill>
-                  <a:srgbClr val="000000"/>
-                </a:solidFill>
-                <a:latin typeface="맑은 고딕"/>
-                <a:ea typeface="DejaVu Sans"/>
-              </a:rPr>
-              <a:t>받고</a:t>
-            </a:r>
-            <a:r>
-              <a:rPr lang="en-US" sz="1800" b="0" strike="noStrike" spc="-1" dirty="0">
-                <a:solidFill>
-                  <a:srgbClr val="000000"/>
-                </a:solidFill>
-                <a:latin typeface="맑은 고딕"/>
-                <a:ea typeface="DejaVu Sans"/>
-              </a:rPr>
-              <a:t>, 그 </a:t>
-            </a:r>
-            <a:r>
-              <a:rPr lang="en-US" sz="1800" b="0" strike="noStrike" spc="-1" dirty="0" err="1">
-                <a:solidFill>
-                  <a:srgbClr val="000000"/>
-                </a:solidFill>
-                <a:latin typeface="맑은 고딕"/>
-                <a:ea typeface="DejaVu Sans"/>
-              </a:rPr>
-              <a:t>기기가</a:t>
-            </a:r>
-            <a:r>
-              <a:rPr lang="en-US" sz="1800" b="0" strike="noStrike" spc="-1" dirty="0">
-                <a:solidFill>
-                  <a:srgbClr val="000000"/>
-                </a:solidFill>
-                <a:latin typeface="맑은 고딕"/>
-                <a:ea typeface="DejaVu Sans"/>
-              </a:rPr>
-              <a:t> DB 에 </a:t>
-            </a:r>
-            <a:r>
-              <a:rPr lang="en-US" sz="1800" b="0" strike="noStrike" spc="-1" dirty="0" err="1">
-                <a:solidFill>
-                  <a:srgbClr val="000000"/>
-                </a:solidFill>
-                <a:latin typeface="맑은 고딕"/>
-                <a:ea typeface="DejaVu Sans"/>
-              </a:rPr>
-              <a:t>저장되어</a:t>
-            </a:r>
-            <a:r>
-              <a:rPr lang="en-US" sz="1800" b="0" strike="noStrike" spc="-1" dirty="0">
-                <a:solidFill>
-                  <a:srgbClr val="000000"/>
-                </a:solidFill>
-                <a:latin typeface="맑은 고딕"/>
-                <a:ea typeface="DejaVu Sans"/>
-              </a:rPr>
-              <a:t> </a:t>
-            </a:r>
-            <a:r>
-              <a:rPr lang="en-US" sz="1800" b="0" strike="noStrike" spc="-1" dirty="0" err="1">
-                <a:solidFill>
-                  <a:srgbClr val="000000"/>
-                </a:solidFill>
-                <a:latin typeface="맑은 고딕"/>
-                <a:ea typeface="DejaVu Sans"/>
-              </a:rPr>
-              <a:t>있는지</a:t>
-            </a:r>
-            <a:r>
-              <a:rPr lang="en-US" sz="1800" b="0" strike="noStrike" spc="-1" dirty="0">
-                <a:solidFill>
-                  <a:srgbClr val="000000"/>
-                </a:solidFill>
-                <a:latin typeface="맑은 고딕"/>
-                <a:ea typeface="DejaVu Sans"/>
-              </a:rPr>
-              <a:t> </a:t>
-            </a:r>
-            <a:r>
-              <a:rPr lang="en-US" sz="1800" b="0" strike="noStrike" spc="-1" dirty="0" err="1">
-                <a:solidFill>
-                  <a:srgbClr val="000000"/>
-                </a:solidFill>
-                <a:latin typeface="맑은 고딕"/>
-                <a:ea typeface="DejaVu Sans"/>
-              </a:rPr>
-              <a:t>보고</a:t>
-            </a:r>
-            <a:r>
-              <a:rPr lang="en-US" sz="1800" b="0" strike="noStrike" spc="-1" dirty="0">
-                <a:solidFill>
-                  <a:srgbClr val="000000"/>
-                </a:solidFill>
-                <a:latin typeface="맑은 고딕"/>
-                <a:ea typeface="DejaVu Sans"/>
-              </a:rPr>
-              <a:t> 그 </a:t>
-            </a:r>
-            <a:r>
-              <a:rPr lang="en-US" sz="1800" b="0" strike="noStrike" spc="-1" dirty="0" err="1">
-                <a:solidFill>
-                  <a:srgbClr val="000000"/>
-                </a:solidFill>
-                <a:latin typeface="맑은 고딕"/>
-                <a:ea typeface="DejaVu Sans"/>
-              </a:rPr>
-              <a:t>기기의</a:t>
-            </a:r>
-            <a:r>
-              <a:rPr lang="en-US" sz="1800" b="0" strike="noStrike" spc="-1" dirty="0">
-                <a:solidFill>
-                  <a:srgbClr val="000000"/>
-                </a:solidFill>
-                <a:latin typeface="맑은 고딕"/>
-                <a:ea typeface="DejaVu Sans"/>
-              </a:rPr>
-              <a:t> terminal 로 </a:t>
-            </a:r>
-            <a:r>
-              <a:rPr lang="en-US" sz="1800" b="0" strike="noStrike" spc="-1" dirty="0" err="1">
-                <a:solidFill>
-                  <a:srgbClr val="000000"/>
-                </a:solidFill>
-                <a:latin typeface="맑은 고딕"/>
-                <a:ea typeface="DejaVu Sans"/>
-              </a:rPr>
-              <a:t>부터</a:t>
-            </a:r>
-            <a:r>
-              <a:rPr lang="en-US" sz="1800" b="0" strike="noStrike" spc="-1" dirty="0">
-                <a:solidFill>
-                  <a:srgbClr val="000000"/>
-                </a:solidFill>
-                <a:latin typeface="맑은 고딕"/>
-                <a:ea typeface="DejaVu Sans"/>
-              </a:rPr>
-              <a:t> </a:t>
-            </a:r>
-            <a:r>
-              <a:rPr lang="en-US" sz="1800" b="0" strike="noStrike" spc="-1" dirty="0" err="1">
-                <a:solidFill>
-                  <a:srgbClr val="000000"/>
-                </a:solidFill>
-                <a:latin typeface="맑은 고딕"/>
-                <a:ea typeface="DejaVu Sans"/>
-              </a:rPr>
-              <a:t>docker</a:t>
-            </a:r>
-            <a:r>
-              <a:rPr lang="en-US" sz="1800" b="0" strike="noStrike" spc="-1" dirty="0">
-                <a:solidFill>
-                  <a:srgbClr val="000000"/>
-                </a:solidFill>
-                <a:latin typeface="맑은 고딕"/>
-                <a:ea typeface="DejaVu Sans"/>
-              </a:rPr>
-              <a:t> </a:t>
-            </a:r>
-            <a:r>
-              <a:rPr lang="en-US" sz="1800" b="0" strike="noStrike" spc="-1" dirty="0" err="1">
-                <a:solidFill>
-                  <a:srgbClr val="000000"/>
-                </a:solidFill>
-                <a:latin typeface="맑은 고딕"/>
-                <a:ea typeface="DejaVu Sans"/>
-              </a:rPr>
-              <a:t>ps</a:t>
-            </a:r>
-            <a:r>
-              <a:rPr lang="en-US" sz="1800" b="0" strike="noStrike" spc="-1" dirty="0">
-                <a:solidFill>
-                  <a:srgbClr val="000000"/>
-                </a:solidFill>
-                <a:latin typeface="맑은 고딕"/>
-                <a:ea typeface="DejaVu Sans"/>
-              </a:rPr>
-              <a:t> –a </a:t>
-            </a:r>
-            <a:r>
-              <a:rPr lang="en-US" sz="1800" b="0" strike="noStrike" spc="-1" dirty="0" err="1">
-                <a:solidFill>
-                  <a:srgbClr val="000000"/>
-                </a:solidFill>
-                <a:latin typeface="맑은 고딕"/>
-                <a:ea typeface="DejaVu Sans"/>
-              </a:rPr>
-              <a:t>명령을</a:t>
-            </a:r>
-            <a:r>
-              <a:rPr lang="en-US" sz="1800" b="0" strike="noStrike" spc="-1" dirty="0">
-                <a:solidFill>
-                  <a:srgbClr val="000000"/>
-                </a:solidFill>
-                <a:latin typeface="맑은 고딕"/>
-                <a:ea typeface="DejaVu Sans"/>
-              </a:rPr>
-              <a:t> </a:t>
-            </a:r>
-            <a:r>
-              <a:rPr lang="en-US" sz="1800" b="0" strike="noStrike" spc="-1" dirty="0" err="1">
-                <a:solidFill>
-                  <a:srgbClr val="000000"/>
-                </a:solidFill>
-                <a:latin typeface="맑은 고딕"/>
-                <a:ea typeface="DejaVu Sans"/>
-              </a:rPr>
-              <a:t>받아서</a:t>
-            </a:r>
-            <a:r>
-              <a:rPr lang="en-US" sz="1800" b="0" strike="noStrike" spc="-1" dirty="0">
-                <a:solidFill>
-                  <a:srgbClr val="000000"/>
-                </a:solidFill>
-                <a:latin typeface="맑은 고딕"/>
-                <a:ea typeface="DejaVu Sans"/>
-              </a:rPr>
-              <a:t> response 로 </a:t>
-            </a:r>
-            <a:r>
-              <a:rPr lang="en-US" sz="1800" b="0" strike="noStrike" spc="-1" dirty="0" err="1">
-                <a:solidFill>
-                  <a:srgbClr val="000000"/>
-                </a:solidFill>
-                <a:latin typeface="맑은 고딕"/>
-                <a:ea typeface="DejaVu Sans"/>
-              </a:rPr>
-              <a:t>보낸다</a:t>
-            </a:r>
-            <a:r>
-              <a:rPr lang="en-US" sz="1800" b="0" strike="noStrike" spc="-1" dirty="0">
-                <a:solidFill>
-                  <a:srgbClr val="000000"/>
-                </a:solidFill>
-                <a:latin typeface="맑은 고딕"/>
-                <a:ea typeface="DejaVu Sans"/>
-              </a:rPr>
-              <a:t>.</a:t>
-            </a:r>
-            <a:endParaRPr lang="en-US" sz="1800" b="0" strike="noStrike" spc="-1" dirty="0">
-              <a:latin typeface="Arial"/>
-            </a:endParaRPr>
-          </a:p>
-          <a:p>
-            <a:pPr marL="343080" indent="-342360">
-              <a:lnSpc>
-                <a:spcPct val="100000"/>
-              </a:lnSpc>
-              <a:buClr>
-                <a:srgbClr val="000000"/>
-              </a:buClr>
-              <a:buFont typeface="StarSymbol"/>
-              <a:buAutoNum type="arabicPeriod"/>
-            </a:pPr>
-            <a:r>
-              <a:rPr lang="en-US" sz="1800" b="0" strike="noStrike" spc="-1" dirty="0" err="1">
-                <a:solidFill>
-                  <a:srgbClr val="000000"/>
-                </a:solidFill>
-                <a:latin typeface="맑은 고딕"/>
-                <a:ea typeface="DejaVu Sans"/>
-              </a:rPr>
-              <a:t>홈페이지에</a:t>
-            </a:r>
-            <a:r>
-              <a:rPr lang="en-US" sz="1800" b="0" strike="noStrike" spc="-1" dirty="0">
-                <a:solidFill>
-                  <a:srgbClr val="000000"/>
-                </a:solidFill>
-                <a:latin typeface="맑은 고딕"/>
-                <a:ea typeface="DejaVu Sans"/>
-              </a:rPr>
-              <a:t> </a:t>
-            </a:r>
-            <a:r>
-              <a:rPr lang="en-US" sz="1800" b="0" strike="noStrike" spc="-1" dirty="0" err="1">
-                <a:solidFill>
-                  <a:srgbClr val="000000"/>
-                </a:solidFill>
-                <a:latin typeface="맑은 고딕"/>
-                <a:ea typeface="DejaVu Sans"/>
-              </a:rPr>
-              <a:t>출력</a:t>
-            </a:r>
-            <a:endParaRPr lang="en-US" sz="1800" b="0" strike="noStrike" spc="-1" dirty="0">
-              <a:latin typeface="Arial"/>
-            </a:endParaRPr>
-          </a:p>
-          <a:p>
-            <a:pPr>
-              <a:lnSpc>
-                <a:spcPct val="100000"/>
-              </a:lnSpc>
-            </a:pPr>
-            <a:endParaRPr lang="en-US" sz="1800" b="0" strike="noStrike" spc="-1" dirty="0">
-              <a:latin typeface="Arial"/>
-            </a:endParaRPr>
-          </a:p>
-          <a:p>
-            <a:pPr>
-              <a:lnSpc>
-                <a:spcPct val="100000"/>
-              </a:lnSpc>
-            </a:pPr>
-            <a:endParaRPr lang="en-US" sz="1800" b="0" strike="noStrike" spc="-1" dirty="0">
-              <a:latin typeface="Arial"/>
-            </a:endParaRPr>
-          </a:p>
-          <a:p>
-            <a:pPr>
-              <a:lnSpc>
-                <a:spcPct val="100000"/>
-              </a:lnSpc>
-            </a:pPr>
-            <a:endParaRPr lang="en-US" sz="1800" b="0" strike="noStrike" spc="-1" dirty="0">
-              <a:latin typeface="Arial"/>
-            </a:endParaRPr>
-          </a:p>
-          <a:p>
-            <a:pPr>
-              <a:lnSpc>
-                <a:spcPct val="100000"/>
-              </a:lnSpc>
-            </a:pPr>
-            <a:r>
-              <a:rPr lang="en-US" sz="1800" b="0" strike="noStrike" spc="-1" dirty="0">
-                <a:solidFill>
-                  <a:srgbClr val="000000"/>
-                </a:solidFill>
-                <a:latin typeface="맑은 고딕"/>
-                <a:ea typeface="DejaVu Sans"/>
-              </a:rPr>
-              <a:t>-&gt; 각 node </a:t>
-            </a:r>
-            <a:r>
-              <a:rPr lang="en-US" sz="1800" b="0" strike="noStrike" spc="-1" dirty="0" err="1">
-                <a:solidFill>
-                  <a:srgbClr val="000000"/>
-                </a:solidFill>
-                <a:latin typeface="맑은 고딕"/>
-                <a:ea typeface="DejaVu Sans"/>
-              </a:rPr>
-              <a:t>들도</a:t>
-            </a:r>
-            <a:r>
-              <a:rPr lang="en-US" sz="1800" b="0" strike="noStrike" spc="-1" dirty="0">
-                <a:solidFill>
-                  <a:srgbClr val="000000"/>
-                </a:solidFill>
-                <a:latin typeface="맑은 고딕"/>
-                <a:ea typeface="DejaVu Sans"/>
-              </a:rPr>
-              <a:t> </a:t>
-            </a:r>
-            <a:r>
-              <a:rPr lang="en-US" sz="1800" b="0" strike="noStrike" spc="-1" dirty="0" err="1">
-                <a:solidFill>
-                  <a:srgbClr val="000000"/>
-                </a:solidFill>
-                <a:latin typeface="맑은 고딕"/>
-                <a:ea typeface="DejaVu Sans"/>
-              </a:rPr>
-              <a:t>docker</a:t>
-            </a:r>
-            <a:r>
-              <a:rPr lang="en-US" sz="1800" b="0" strike="noStrike" spc="-1" dirty="0">
-                <a:solidFill>
-                  <a:srgbClr val="000000"/>
-                </a:solidFill>
-                <a:latin typeface="맑은 고딕"/>
-                <a:ea typeface="DejaVu Sans"/>
-              </a:rPr>
-              <a:t> </a:t>
-            </a:r>
-            <a:r>
-              <a:rPr lang="en-US" sz="1800" b="0" strike="noStrike" spc="-1" dirty="0" err="1">
-                <a:solidFill>
-                  <a:srgbClr val="000000"/>
-                </a:solidFill>
-                <a:latin typeface="맑은 고딕"/>
-                <a:ea typeface="DejaVu Sans"/>
-              </a:rPr>
-              <a:t>조작을</a:t>
-            </a:r>
-            <a:r>
-              <a:rPr lang="en-US" sz="1800" b="0" strike="noStrike" spc="-1" dirty="0">
-                <a:solidFill>
-                  <a:srgbClr val="000000"/>
-                </a:solidFill>
-                <a:latin typeface="맑은 고딕"/>
-                <a:ea typeface="DejaVu Sans"/>
-              </a:rPr>
-              <a:t> 할 수 </a:t>
-            </a:r>
-            <a:r>
-              <a:rPr lang="en-US" sz="1800" b="0" strike="noStrike" spc="-1" dirty="0" err="1">
-                <a:solidFill>
-                  <a:srgbClr val="000000"/>
-                </a:solidFill>
-                <a:latin typeface="맑은 고딕"/>
-                <a:ea typeface="DejaVu Sans"/>
-              </a:rPr>
-              <a:t>있는</a:t>
-            </a:r>
-            <a:r>
-              <a:rPr lang="en-US" sz="1800" b="0" strike="noStrike" spc="-1" dirty="0">
-                <a:solidFill>
-                  <a:srgbClr val="000000"/>
-                </a:solidFill>
-                <a:latin typeface="맑은 고딕"/>
-                <a:ea typeface="DejaVu Sans"/>
-              </a:rPr>
-              <a:t> server 가 </a:t>
-            </a:r>
-            <a:r>
-              <a:rPr lang="en-US" sz="1800" b="0" strike="noStrike" spc="-1" dirty="0" err="1">
-                <a:solidFill>
-                  <a:srgbClr val="000000"/>
-                </a:solidFill>
-                <a:latin typeface="맑은 고딕"/>
-                <a:ea typeface="DejaVu Sans"/>
-              </a:rPr>
-              <a:t>동작하면</a:t>
-            </a:r>
-            <a:r>
-              <a:rPr lang="en-US" sz="1800" b="0" strike="noStrike" spc="-1" dirty="0">
-                <a:solidFill>
-                  <a:srgbClr val="000000"/>
-                </a:solidFill>
-                <a:latin typeface="맑은 고딕"/>
-                <a:ea typeface="DejaVu Sans"/>
-              </a:rPr>
-              <a:t> </a:t>
-            </a:r>
-            <a:r>
-              <a:rPr lang="en-US" sz="1800" b="0" strike="noStrike" spc="-1" dirty="0" err="1">
-                <a:solidFill>
-                  <a:srgbClr val="000000"/>
-                </a:solidFill>
-                <a:latin typeface="맑은 고딕"/>
-                <a:ea typeface="DejaVu Sans"/>
-              </a:rPr>
-              <a:t>될까</a:t>
-            </a:r>
-            <a:r>
-              <a:rPr lang="en-US" sz="1800" b="0" strike="noStrike" spc="-1" dirty="0">
-                <a:solidFill>
-                  <a:srgbClr val="000000"/>
-                </a:solidFill>
-                <a:latin typeface="맑은 고딕"/>
-                <a:ea typeface="DejaVu Sans"/>
-              </a:rPr>
-              <a:t>?</a:t>
-            </a:r>
-            <a:endParaRPr lang="en-US" sz="1800" b="0" strike="noStrike" spc="-1" dirty="0">
-              <a:latin typeface="Arial"/>
-            </a:endParaRPr>
-          </a:p>
-          <a:p>
-            <a:pPr>
-              <a:lnSpc>
-                <a:spcPct val="100000"/>
-              </a:lnSpc>
-            </a:pPr>
-            <a:r>
-              <a:rPr lang="en-US" sz="1800" b="0" strike="noStrike" spc="-1" dirty="0">
-                <a:solidFill>
-                  <a:srgbClr val="000000"/>
-                </a:solidFill>
-                <a:latin typeface="맑은 고딕"/>
-                <a:ea typeface="DejaVu Sans"/>
-              </a:rPr>
-              <a:t>-&gt; </a:t>
-            </a:r>
-            <a:r>
-              <a:rPr lang="en-US" sz="1800" b="0" strike="noStrike" spc="-1" dirty="0" err="1">
-                <a:solidFill>
-                  <a:srgbClr val="000000"/>
-                </a:solidFill>
-                <a:latin typeface="맑은 고딕"/>
-                <a:ea typeface="DejaVu Sans"/>
-              </a:rPr>
-              <a:t>기존</a:t>
-            </a:r>
-            <a:r>
-              <a:rPr lang="en-US" sz="1800" b="0" strike="noStrike" spc="-1" dirty="0">
-                <a:solidFill>
-                  <a:srgbClr val="000000"/>
-                </a:solidFill>
-                <a:latin typeface="맑은 고딕"/>
-                <a:ea typeface="DejaVu Sans"/>
-              </a:rPr>
-              <a:t> </a:t>
-            </a:r>
-            <a:r>
-              <a:rPr lang="en-US" sz="1800" b="0" strike="noStrike" spc="-1" dirty="0" err="1">
-                <a:solidFill>
-                  <a:srgbClr val="000000"/>
-                </a:solidFill>
-                <a:latin typeface="맑은 고딕"/>
-                <a:ea typeface="DejaVu Sans"/>
-              </a:rPr>
-              <a:t>docker</a:t>
-            </a:r>
-            <a:r>
-              <a:rPr lang="en-US" sz="1800" b="0" strike="noStrike" spc="-1" dirty="0">
-                <a:solidFill>
-                  <a:srgbClr val="000000"/>
-                </a:solidFill>
-                <a:latin typeface="맑은 고딕"/>
-                <a:ea typeface="DejaVu Sans"/>
-              </a:rPr>
-              <a:t> </a:t>
-            </a:r>
-            <a:r>
-              <a:rPr lang="en-US" sz="1800" b="0" strike="noStrike" spc="-1" dirty="0" err="1">
-                <a:solidFill>
-                  <a:srgbClr val="000000"/>
-                </a:solidFill>
-                <a:latin typeface="맑은 고딕"/>
-                <a:ea typeface="DejaVu Sans"/>
-              </a:rPr>
-              <a:t>에서는</a:t>
-            </a:r>
-            <a:r>
-              <a:rPr lang="en-US" sz="1800" b="0" strike="noStrike" spc="-1" dirty="0">
-                <a:solidFill>
-                  <a:srgbClr val="000000"/>
-                </a:solidFill>
-                <a:latin typeface="맑은 고딕"/>
-                <a:ea typeface="DejaVu Sans"/>
-              </a:rPr>
-              <a:t> </a:t>
-            </a:r>
-            <a:r>
-              <a:rPr lang="en-US" sz="1800" b="0" strike="noStrike" spc="-1" dirty="0" err="1">
-                <a:solidFill>
-                  <a:srgbClr val="000000"/>
-                </a:solidFill>
-                <a:latin typeface="맑은 고딕"/>
-                <a:ea typeface="DejaVu Sans"/>
-              </a:rPr>
-              <a:t>url</a:t>
-            </a:r>
-            <a:r>
-              <a:rPr lang="en-US" sz="1800" b="0" strike="noStrike" spc="-1" dirty="0">
-                <a:solidFill>
-                  <a:srgbClr val="000000"/>
-                </a:solidFill>
-                <a:latin typeface="맑은 고딕"/>
-                <a:ea typeface="DejaVu Sans"/>
-              </a:rPr>
-              <a:t> 로 </a:t>
-            </a:r>
-            <a:r>
-              <a:rPr lang="en-US" sz="1800" b="0" strike="noStrike" spc="-1" dirty="0" err="1">
-                <a:solidFill>
-                  <a:srgbClr val="000000"/>
-                </a:solidFill>
-                <a:latin typeface="맑은 고딕"/>
-                <a:ea typeface="DejaVu Sans"/>
-              </a:rPr>
-              <a:t>이를</a:t>
-            </a:r>
-            <a:r>
-              <a:rPr lang="en-US" sz="1800" b="0" strike="noStrike" spc="-1" dirty="0">
-                <a:solidFill>
-                  <a:srgbClr val="000000"/>
-                </a:solidFill>
-                <a:latin typeface="맑은 고딕"/>
-                <a:ea typeface="DejaVu Sans"/>
-              </a:rPr>
-              <a:t> </a:t>
-            </a:r>
-            <a:r>
-              <a:rPr lang="en-US" sz="1800" b="0" strike="noStrike" spc="-1" dirty="0" err="1">
-                <a:solidFill>
-                  <a:srgbClr val="000000"/>
-                </a:solidFill>
-                <a:latin typeface="맑은 고딕"/>
-                <a:ea typeface="DejaVu Sans"/>
-              </a:rPr>
-              <a:t>조작할</a:t>
-            </a:r>
-            <a:r>
-              <a:rPr lang="en-US" sz="1800" b="0" strike="noStrike" spc="-1" dirty="0">
-                <a:solidFill>
-                  <a:srgbClr val="000000"/>
-                </a:solidFill>
-                <a:latin typeface="맑은 고딕"/>
-                <a:ea typeface="DejaVu Sans"/>
-              </a:rPr>
-              <a:t> 수 </a:t>
-            </a:r>
-            <a:r>
-              <a:rPr lang="en-US" sz="1800" b="0" strike="noStrike" spc="-1" dirty="0" err="1">
-                <a:solidFill>
-                  <a:srgbClr val="000000"/>
-                </a:solidFill>
-                <a:latin typeface="맑은 고딕"/>
-                <a:ea typeface="DejaVu Sans"/>
-              </a:rPr>
-              <a:t>있는</a:t>
-            </a:r>
-            <a:r>
-              <a:rPr lang="en-US" sz="1800" b="0" strike="noStrike" spc="-1" dirty="0">
-                <a:solidFill>
-                  <a:srgbClr val="000000"/>
-                </a:solidFill>
-                <a:latin typeface="맑은 고딕"/>
-                <a:ea typeface="DejaVu Sans"/>
-              </a:rPr>
-              <a:t> </a:t>
-            </a:r>
-            <a:r>
-              <a:rPr lang="en-US" sz="1800" b="0" strike="noStrike" spc="-1" dirty="0" err="1">
-                <a:solidFill>
-                  <a:srgbClr val="000000"/>
-                </a:solidFill>
-                <a:latin typeface="맑은 고딕"/>
-                <a:ea typeface="DejaVu Sans"/>
-              </a:rPr>
-              <a:t>방법은</a:t>
-            </a:r>
-            <a:r>
-              <a:rPr lang="en-US" sz="1800" b="0" strike="noStrike" spc="-1" dirty="0">
-                <a:solidFill>
-                  <a:srgbClr val="000000"/>
-                </a:solidFill>
-                <a:latin typeface="맑은 고딕"/>
-                <a:ea typeface="DejaVu Sans"/>
-              </a:rPr>
-              <a:t> </a:t>
-            </a:r>
-            <a:r>
-              <a:rPr lang="en-US" sz="1800" b="0" strike="noStrike" spc="-1" dirty="0" err="1">
-                <a:solidFill>
-                  <a:srgbClr val="000000"/>
-                </a:solidFill>
-                <a:latin typeface="맑은 고딕"/>
-                <a:ea typeface="DejaVu Sans"/>
-              </a:rPr>
-              <a:t>없을까</a:t>
-            </a:r>
-            <a:r>
-              <a:rPr lang="en-US" sz="1800" b="0" strike="noStrike" spc="-1" dirty="0">
-                <a:solidFill>
-                  <a:srgbClr val="000000"/>
-                </a:solidFill>
-                <a:latin typeface="맑은 고딕"/>
-                <a:ea typeface="DejaVu Sans"/>
-              </a:rPr>
-              <a:t>?</a:t>
+              <a:t>DB</a:t>
             </a:r>
             <a:endParaRPr lang="en-US" sz="1800" b="0" strike="noStrike" spc="-1" dirty="0">
               <a:latin typeface="Arial"/>
@@ -5669,1657 +4188,6 @@
 </file>
 
 <file path=ppt/slides/slide3.xml><?xml version="1.0" encoding="utf-8"?>
-<p:sld xmlns:a="http://schemas.openxmlformats.org/drawingml/2006/main" xmlns:r="http://schemas.openxmlformats.org/officeDocument/2006/relationships" xmlns:p="http://schemas.openxmlformats.org/presentationml/2006/main">
-  <p:cSld>
-    <p:spTree>
-      <p:nvGrpSpPr>
-        <p:cNvPr id="1" name=""/>
-        <p:cNvGrpSpPr/>
-        <p:nvPr/>
-      </p:nvGrpSpPr>
-      <p:grpSpPr>
-        <a:xfrm>
-          <a:off x="0" y="0"/>
-          <a:ext cx="0" cy="0"/>
-          <a:chOff x="0" y="0"/>
-          <a:chExt cx="0" cy="0"/>
-        </a:xfrm>
-      </p:grpSpPr>
-      <p:sp>
-        <p:nvSpPr>
-          <p:cNvPr id="46" name="CustomShape 1"/>
-          <p:cNvSpPr/>
-          <p:nvPr/>
-        </p:nvSpPr>
-        <p:spPr>
-          <a:xfrm>
-            <a:off x="913320" y="456120"/>
-            <a:ext cx="1989000" cy="364320"/>
-          </a:xfrm>
-          <a:prstGeom prst="rect">
-            <a:avLst/>
-          </a:prstGeom>
-          <a:noFill/>
-          <a:ln>
-            <a:noFill/>
-          </a:ln>
-        </p:spPr>
-        <p:style>
-          <a:lnRef idx="0">
-            <a:scrgbClr r="0" g="0" b="0"/>
-          </a:lnRef>
-          <a:fillRef idx="0">
-            <a:scrgbClr r="0" g="0" b="0"/>
-          </a:fillRef>
-          <a:effectRef idx="0">
-            <a:scrgbClr r="0" g="0" b="0"/>
-          </a:effectRef>
-          <a:fontRef idx="minor"/>
-        </p:style>
-        <p:txBody>
-          <a:bodyPr wrap="none" lIns="90000" tIns="45000" rIns="90000" bIns="45000"/>
-          <a:lstStyle/>
-          <a:p>
-            <a:pPr marL="285840" indent="-285120">
-              <a:lnSpc>
-                <a:spcPct val="100000"/>
-              </a:lnSpc>
-              <a:buClr>
-                <a:srgbClr val="000000"/>
-              </a:buClr>
-              <a:buFont typeface="Arial"/>
-              <a:buChar char="•"/>
-            </a:pPr>
-            <a:r>
-              <a:rPr lang="en-US" sz="1800" b="0" strike="noStrike" spc="-1">
-                <a:solidFill>
-                  <a:srgbClr val="000000"/>
-                </a:solidFill>
-                <a:latin typeface="맑은 고딕"/>
-                <a:ea typeface="DejaVu Sans"/>
-              </a:rPr>
-              <a:t>Terminal 접근 </a:t>
-            </a:r>
-            <a:endParaRPr lang="en-US" sz="1800" b="0" strike="noStrike" spc="-1">
-              <a:latin typeface="Arial"/>
-            </a:endParaRPr>
-          </a:p>
-        </p:txBody>
-      </p:sp>
-      <p:sp>
-        <p:nvSpPr>
-          <p:cNvPr id="47" name="CustomShape 2"/>
-          <p:cNvSpPr/>
-          <p:nvPr/>
-        </p:nvSpPr>
-        <p:spPr>
-          <a:xfrm>
-            <a:off x="1230480" y="1219320"/>
-            <a:ext cx="7551720" cy="969480"/>
-          </a:xfrm>
-          <a:prstGeom prst="rect">
-            <a:avLst/>
-          </a:prstGeom>
-          <a:noFill/>
-          <a:ln>
-            <a:noFill/>
-          </a:ln>
-        </p:spPr>
-        <p:style>
-          <a:lnRef idx="0">
-            <a:scrgbClr r="0" g="0" b="0"/>
-          </a:lnRef>
-          <a:fillRef idx="0">
-            <a:scrgbClr r="0" g="0" b="0"/>
-          </a:fillRef>
-          <a:effectRef idx="0">
-            <a:scrgbClr r="0" g="0" b="0"/>
-          </a:effectRef>
-          <a:fontRef idx="minor"/>
-        </p:style>
-        <p:txBody>
-          <a:bodyPr lIns="90000" tIns="45000" rIns="90000" bIns="45000"/>
-          <a:lstStyle/>
-          <a:p>
-            <a:pPr>
-              <a:lnSpc>
-                <a:spcPct val="100000"/>
-              </a:lnSpc>
-            </a:pPr>
-            <a:r>
-              <a:rPr lang="en-US" sz="1800" b="0" strike="noStrike" spc="-1">
-                <a:solidFill>
-                  <a:srgbClr val="000000"/>
-                </a:solidFill>
-                <a:latin typeface="맑은 고딕"/>
-                <a:ea typeface="DejaVu Sans"/>
-              </a:rPr>
-              <a:t>일단, 서로의 Ip 접근이 가능한 상태에서</a:t>
-            </a:r>
-            <a:endParaRPr lang="en-US" sz="1800" b="0" strike="noStrike" spc="-1">
-              <a:latin typeface="Arial"/>
-            </a:endParaRPr>
-          </a:p>
-          <a:p>
-            <a:pPr>
-              <a:lnSpc>
-                <a:spcPct val="100000"/>
-              </a:lnSpc>
-            </a:pPr>
-            <a:r>
-              <a:rPr lang="en-US" sz="1800" b="0" strike="noStrike" spc="-1">
-                <a:solidFill>
-                  <a:srgbClr val="000000"/>
-                </a:solidFill>
-                <a:latin typeface="맑은 고딕"/>
-                <a:ea typeface="DejaVu Sans"/>
-              </a:rPr>
-              <a:t>Docker daemon 을 tcp 소켓? 으로 통신하는 방법으로 적용</a:t>
-            </a:r>
-            <a:endParaRPr lang="en-US" sz="1800" b="0" strike="noStrike" spc="-1">
-              <a:latin typeface="Arial"/>
-            </a:endParaRPr>
-          </a:p>
-          <a:p>
-            <a:pPr>
-              <a:lnSpc>
-                <a:spcPct val="100000"/>
-              </a:lnSpc>
-            </a:pPr>
-            <a:r>
-              <a:rPr lang="en-US" sz="1800" b="0" u="sng" strike="noStrike" spc="-1">
-                <a:solidFill>
-                  <a:srgbClr val="0563C1"/>
-                </a:solidFill>
-                <a:uFillTx/>
-                <a:latin typeface="맑은 고딕"/>
-                <a:ea typeface="DejaVu Sans"/>
-                <a:hlinkClick r:id="rId3"/>
-              </a:rPr>
-              <a:t>https://systory.tistory.com/entry/%EC%99%B8%EB%B6%80-%ED%81%B4%EB%9D%BC%EC%9D%B4%EC%96%B8%ED%8A%B8%EC%97%90%EC%84%9C-%EB%8F%84%EC%BB%A4-%EB%8D%B0%EB%AA%AC-%EC%A0%91%EC%86%8D%ED%95%98%EA%B8%B0</a:t>
-            </a:r>
-            <a:endParaRPr lang="en-US" sz="1800" b="0" strike="noStrike" spc="-1">
-              <a:latin typeface="Arial"/>
-            </a:endParaRPr>
-          </a:p>
-        </p:txBody>
-      </p:sp>
-    </p:spTree>
-  </p:cSld>
-  <p:clrMapOvr>
-    <a:masterClrMapping/>
-  </p:clrMapOvr>
-  <p:timing>
-    <p:tnLst>
-      <p:par>
-        <p:cTn id="1" dur="indefinite" restart="never" nodeType="tmRoot">
-          <p:childTnLst>
-            <p:seq>
-              <p:cTn id="2" dur="indefinite" nodeType="mainSeq"/>
-              <p:prevCondLst>
-                <p:cond evt="onPrev" delay="0">
-                  <p:tgtEl>
-                    <p:sldTgt/>
-                  </p:tgtEl>
-                </p:cond>
-              </p:prevCondLst>
-              <p:nextCondLst>
-                <p:cond evt="onNext" delay="0">
-                  <p:tgtEl>
-                    <p:sldTgt/>
-                  </p:tgtEl>
-                </p:cond>
-              </p:nextCondLst>
-            </p:seq>
-          </p:childTnLst>
-        </p:cTn>
-      </p:par>
-    </p:tnLst>
-  </p:timing>
-</p:sld>
-</file>
-
-<file path=ppt/slides/slide4.xml><?xml version="1.0" encoding="utf-8"?>
-<p:sld xmlns:a="http://schemas.openxmlformats.org/drawingml/2006/main" xmlns:r="http://schemas.openxmlformats.org/officeDocument/2006/relationships" xmlns:p="http://schemas.openxmlformats.org/presentationml/2006/main">
-  <p:cSld>
-    <p:spTree>
-      <p:nvGrpSpPr>
-        <p:cNvPr id="1" name=""/>
-        <p:cNvGrpSpPr/>
-        <p:nvPr/>
-      </p:nvGrpSpPr>
-      <p:grpSpPr>
-        <a:xfrm>
-          <a:off x="0" y="0"/>
-          <a:ext cx="0" cy="0"/>
-          <a:chOff x="0" y="0"/>
-          <a:chExt cx="0" cy="0"/>
-        </a:xfrm>
-      </p:grpSpPr>
-      <p:sp>
-        <p:nvSpPr>
-          <p:cNvPr id="48" name="CustomShape 1"/>
-          <p:cNvSpPr/>
-          <p:nvPr/>
-        </p:nvSpPr>
-        <p:spPr>
-          <a:xfrm>
-            <a:off x="1839960" y="395280"/>
-            <a:ext cx="3115080" cy="5654880"/>
-          </a:xfrm>
-          <a:prstGeom prst="rect">
-            <a:avLst/>
-          </a:prstGeom>
-          <a:ln>
-            <a:round/>
-          </a:ln>
-        </p:spPr>
-        <p:style>
-          <a:lnRef idx="2">
-            <a:schemeClr val="dk1"/>
-          </a:lnRef>
-          <a:fillRef idx="1">
-            <a:schemeClr val="lt1"/>
-          </a:fillRef>
-          <a:effectRef idx="0">
-            <a:schemeClr val="dk1"/>
-          </a:effectRef>
-          <a:fontRef idx="minor"/>
-        </p:style>
-      </p:sp>
-      <p:sp>
-        <p:nvSpPr>
-          <p:cNvPr id="49" name="CustomShape 2"/>
-          <p:cNvSpPr/>
-          <p:nvPr/>
-        </p:nvSpPr>
-        <p:spPr>
-          <a:xfrm>
-            <a:off x="2280240" y="970920"/>
-            <a:ext cx="2234520" cy="597600"/>
-          </a:xfrm>
-          <a:prstGeom prst="rect">
-            <a:avLst/>
-          </a:prstGeom>
-          <a:ln>
-            <a:round/>
-          </a:ln>
-        </p:spPr>
-        <p:style>
-          <a:lnRef idx="2">
-            <a:schemeClr val="dk1">
-              <a:shade val="50000"/>
-            </a:schemeClr>
-          </a:lnRef>
-          <a:fillRef idx="1">
-            <a:schemeClr val="dk1"/>
-          </a:fillRef>
-          <a:effectRef idx="0">
-            <a:schemeClr val="dk1"/>
-          </a:effectRef>
-          <a:fontRef idx="minor"/>
-        </p:style>
-        <p:txBody>
-          <a:bodyPr lIns="90000" tIns="45000" rIns="90000" bIns="45000" anchor="ctr"/>
-          <a:lstStyle/>
-          <a:p>
-            <a:pPr algn="ctr">
-              <a:lnSpc>
-                <a:spcPct val="100000"/>
-              </a:lnSpc>
-            </a:pPr>
-            <a:r>
-              <a:rPr lang="en-US" sz="1800" b="0" strike="noStrike" spc="-1">
-                <a:solidFill>
-                  <a:srgbClr val="FFFFFF"/>
-                </a:solidFill>
-                <a:latin typeface="맑은 고딕"/>
-                <a:ea typeface="DejaVu Sans"/>
-              </a:rPr>
-              <a:t>REGISTER</a:t>
-            </a:r>
-            <a:endParaRPr lang="en-US" sz="1800" b="0" strike="noStrike" spc="-1">
-              <a:latin typeface="Arial"/>
-            </a:endParaRPr>
-          </a:p>
-        </p:txBody>
-      </p:sp>
-      <p:sp>
-        <p:nvSpPr>
-          <p:cNvPr id="50" name="CustomShape 3"/>
-          <p:cNvSpPr/>
-          <p:nvPr/>
-        </p:nvSpPr>
-        <p:spPr>
-          <a:xfrm>
-            <a:off x="2280240" y="1936080"/>
-            <a:ext cx="2234520" cy="597600"/>
-          </a:xfrm>
-          <a:prstGeom prst="rect">
-            <a:avLst/>
-          </a:prstGeom>
-          <a:ln>
-            <a:round/>
-          </a:ln>
-        </p:spPr>
-        <p:style>
-          <a:lnRef idx="2">
-            <a:schemeClr val="dk1">
-              <a:shade val="50000"/>
-            </a:schemeClr>
-          </a:lnRef>
-          <a:fillRef idx="1">
-            <a:schemeClr val="dk1"/>
-          </a:fillRef>
-          <a:effectRef idx="0">
-            <a:schemeClr val="dk1"/>
-          </a:effectRef>
-          <a:fontRef idx="minor"/>
-        </p:style>
-        <p:txBody>
-          <a:bodyPr lIns="90000" tIns="45000" rIns="90000" bIns="45000" anchor="ctr"/>
-          <a:lstStyle/>
-          <a:p>
-            <a:pPr algn="ctr">
-              <a:lnSpc>
-                <a:spcPct val="100000"/>
-              </a:lnSpc>
-            </a:pPr>
-            <a:r>
-              <a:rPr lang="en-US" sz="1800" b="0" strike="noStrike" spc="-1">
-                <a:solidFill>
-                  <a:srgbClr val="FFFFFF"/>
-                </a:solidFill>
-                <a:latin typeface="맑은 고딕"/>
-                <a:ea typeface="DejaVu Sans"/>
-              </a:rPr>
-              <a:t>STATUS</a:t>
-            </a:r>
-            <a:endParaRPr lang="en-US" sz="1800" b="0" strike="noStrike" spc="-1">
-              <a:latin typeface="Arial"/>
-            </a:endParaRPr>
-          </a:p>
-        </p:txBody>
-      </p:sp>
-      <p:sp>
-        <p:nvSpPr>
-          <p:cNvPr id="51" name="CustomShape 4"/>
-          <p:cNvSpPr/>
-          <p:nvPr/>
-        </p:nvSpPr>
-        <p:spPr>
-          <a:xfrm>
-            <a:off x="2382120" y="3223080"/>
-            <a:ext cx="2133000" cy="2544840"/>
-          </a:xfrm>
-          <a:prstGeom prst="rect">
-            <a:avLst/>
-          </a:prstGeom>
-          <a:ln>
-            <a:round/>
-          </a:ln>
-        </p:spPr>
-        <p:style>
-          <a:lnRef idx="2">
-            <a:schemeClr val="dk1"/>
-          </a:lnRef>
-          <a:fillRef idx="1">
-            <a:schemeClr val="lt1"/>
-          </a:fillRef>
-          <a:effectRef idx="0">
-            <a:schemeClr val="dk1"/>
-          </a:effectRef>
-          <a:fontRef idx="minor"/>
-        </p:style>
-        <p:txBody>
-          <a:bodyPr lIns="90000" tIns="45000" rIns="90000" bIns="45000" anchor="ctr"/>
-          <a:lstStyle/>
-          <a:p>
-            <a:pPr algn="ctr">
-              <a:lnSpc>
-                <a:spcPct val="100000"/>
-              </a:lnSpc>
-            </a:pPr>
-            <a:r>
-              <a:rPr lang="en-US" sz="1800" b="0" strike="noStrike" spc="-1">
-                <a:solidFill>
-                  <a:srgbClr val="000000"/>
-                </a:solidFill>
-                <a:latin typeface="맑은 고딕"/>
-                <a:ea typeface="DejaVu Sans"/>
-              </a:rPr>
-              <a:t>LIST</a:t>
-            </a:r>
-            <a:endParaRPr lang="en-US" sz="1800" b="0" strike="noStrike" spc="-1">
-              <a:latin typeface="Arial"/>
-            </a:endParaRPr>
-          </a:p>
-          <a:p>
-            <a:pPr algn="ctr">
-              <a:lnSpc>
-                <a:spcPct val="100000"/>
-              </a:lnSpc>
-            </a:pPr>
-            <a:endParaRPr lang="en-US" sz="1800" b="0" strike="noStrike" spc="-1">
-              <a:latin typeface="Arial"/>
-            </a:endParaRPr>
-          </a:p>
-          <a:p>
-            <a:pPr marL="343080" indent="-342360" algn="ctr">
-              <a:lnSpc>
-                <a:spcPct val="100000"/>
-              </a:lnSpc>
-              <a:buClr>
-                <a:srgbClr val="000000"/>
-              </a:buClr>
-              <a:buFont typeface="StarSymbol"/>
-              <a:buAutoNum type="arabicPeriod"/>
-            </a:pPr>
-            <a:r>
-              <a:rPr lang="en-US" sz="1800" b="0" strike="noStrike" spc="-1">
-                <a:solidFill>
-                  <a:srgbClr val="000000"/>
-                </a:solidFill>
-                <a:latin typeface="맑은 고딕"/>
-                <a:ea typeface="DejaVu Sans"/>
-              </a:rPr>
-              <a:t>Node 1</a:t>
-            </a:r>
-            <a:endParaRPr lang="en-US" sz="1800" b="0" strike="noStrike" spc="-1">
-              <a:latin typeface="Arial"/>
-            </a:endParaRPr>
-          </a:p>
-          <a:p>
-            <a:pPr marL="343080" indent="-342360" algn="ctr">
-              <a:lnSpc>
-                <a:spcPct val="100000"/>
-              </a:lnSpc>
-              <a:buClr>
-                <a:srgbClr val="000000"/>
-              </a:buClr>
-              <a:buFont typeface="StarSymbol"/>
-              <a:buAutoNum type="arabicPeriod"/>
-            </a:pPr>
-            <a:r>
-              <a:rPr lang="en-US" sz="1800" b="0" strike="noStrike" spc="-1">
-                <a:solidFill>
-                  <a:srgbClr val="000000"/>
-                </a:solidFill>
-                <a:latin typeface="맑은 고딕"/>
-                <a:ea typeface="DejaVu Sans"/>
-              </a:rPr>
-              <a:t>Node 2</a:t>
-            </a:r>
-            <a:endParaRPr lang="en-US" sz="1800" b="0" strike="noStrike" spc="-1">
-              <a:latin typeface="Arial"/>
-            </a:endParaRPr>
-          </a:p>
-          <a:p>
-            <a:pPr marL="343080" indent="-342360" algn="ctr">
-              <a:lnSpc>
-                <a:spcPct val="100000"/>
-              </a:lnSpc>
-              <a:buClr>
-                <a:srgbClr val="000000"/>
-              </a:buClr>
-              <a:buFont typeface="StarSymbol"/>
-              <a:buAutoNum type="arabicPeriod"/>
-            </a:pPr>
-            <a:r>
-              <a:rPr lang="en-US" sz="1800" b="0" strike="noStrike" spc="-1">
-                <a:solidFill>
-                  <a:srgbClr val="000000"/>
-                </a:solidFill>
-                <a:latin typeface="맑은 고딕"/>
-                <a:ea typeface="DejaVu Sans"/>
-              </a:rPr>
-              <a:t>Node 3</a:t>
-            </a:r>
-            <a:endParaRPr lang="en-US" sz="1800" b="0" strike="noStrike" spc="-1">
-              <a:latin typeface="Arial"/>
-            </a:endParaRPr>
-          </a:p>
-          <a:p>
-            <a:pPr marL="343080" indent="-342360" algn="ctr">
-              <a:lnSpc>
-                <a:spcPct val="100000"/>
-              </a:lnSpc>
-              <a:buClr>
-                <a:srgbClr val="000000"/>
-              </a:buClr>
-              <a:buFont typeface="StarSymbol"/>
-              <a:buAutoNum type="arabicPeriod"/>
-            </a:pPr>
-            <a:r>
-              <a:rPr lang="en-US" sz="1800" b="0" strike="noStrike" spc="-1">
-                <a:solidFill>
-                  <a:srgbClr val="000000"/>
-                </a:solidFill>
-                <a:latin typeface="맑은 고딕"/>
-                <a:ea typeface="DejaVu Sans"/>
-              </a:rPr>
-              <a:t>.</a:t>
-            </a:r>
-            <a:endParaRPr lang="en-US" sz="1800" b="0" strike="noStrike" spc="-1">
-              <a:latin typeface="Arial"/>
-            </a:endParaRPr>
-          </a:p>
-          <a:p>
-            <a:pPr marL="343080" indent="-342360" algn="ctr">
-              <a:lnSpc>
-                <a:spcPct val="100000"/>
-              </a:lnSpc>
-              <a:buClr>
-                <a:srgbClr val="000000"/>
-              </a:buClr>
-              <a:buFont typeface="StarSymbol"/>
-              <a:buAutoNum type="arabicPeriod"/>
-            </a:pPr>
-            <a:r>
-              <a:rPr lang="en-US" sz="1800" b="0" strike="noStrike" spc="-1">
-                <a:solidFill>
-                  <a:srgbClr val="000000"/>
-                </a:solidFill>
-                <a:latin typeface="맑은 고딕"/>
-                <a:ea typeface="DejaVu Sans"/>
-              </a:rPr>
-              <a:t>.</a:t>
-            </a:r>
-            <a:endParaRPr lang="en-US" sz="1800" b="0" strike="noStrike" spc="-1">
-              <a:latin typeface="Arial"/>
-            </a:endParaRPr>
-          </a:p>
-          <a:p>
-            <a:pPr marL="343080" indent="-342360" algn="ctr">
-              <a:lnSpc>
-                <a:spcPct val="100000"/>
-              </a:lnSpc>
-              <a:buClr>
-                <a:srgbClr val="000000"/>
-              </a:buClr>
-              <a:buFont typeface="StarSymbol"/>
-              <a:buAutoNum type="arabicPeriod"/>
-            </a:pPr>
-            <a:r>
-              <a:rPr lang="en-US" sz="1800" b="0" strike="noStrike" spc="-1">
-                <a:solidFill>
-                  <a:srgbClr val="000000"/>
-                </a:solidFill>
-                <a:latin typeface="맑은 고딕"/>
-                <a:ea typeface="DejaVu Sans"/>
-              </a:rPr>
-              <a:t>.</a:t>
-            </a:r>
-            <a:endParaRPr lang="en-US" sz="1800" b="0" strike="noStrike" spc="-1">
-              <a:latin typeface="Arial"/>
-            </a:endParaRPr>
-          </a:p>
-          <a:p>
-            <a:pPr algn="ctr">
-              <a:lnSpc>
-                <a:spcPct val="100000"/>
-              </a:lnSpc>
-            </a:pPr>
-            <a:endParaRPr lang="en-US" sz="1800" b="0" strike="noStrike" spc="-1">
-              <a:latin typeface="Arial"/>
-            </a:endParaRPr>
-          </a:p>
-        </p:txBody>
-      </p:sp>
-    </p:spTree>
-  </p:cSld>
-  <p:clrMapOvr>
-    <a:masterClrMapping/>
-  </p:clrMapOvr>
-  <p:timing>
-    <p:tnLst>
-      <p:par>
-        <p:cTn id="1" dur="indefinite" restart="never" nodeType="tmRoot">
-          <p:childTnLst>
-            <p:seq>
-              <p:cTn id="2" dur="indefinite" nodeType="mainSeq"/>
-              <p:prevCondLst>
-                <p:cond evt="onPrev" delay="0">
-                  <p:tgtEl>
-                    <p:sldTgt/>
-                  </p:tgtEl>
-                </p:cond>
-              </p:prevCondLst>
-              <p:nextCondLst>
-                <p:cond evt="onNext" delay="0">
-                  <p:tgtEl>
-                    <p:sldTgt/>
-                  </p:tgtEl>
-                </p:cond>
-              </p:nextCondLst>
-            </p:seq>
-          </p:childTnLst>
-        </p:cTn>
-      </p:par>
-    </p:tnLst>
-  </p:timing>
-</p:sld>
-</file>
-
-<file path=ppt/slides/slide5.xml><?xml version="1.0" encoding="utf-8"?>
-<p:sld xmlns:a="http://schemas.openxmlformats.org/drawingml/2006/main" xmlns:r="http://schemas.openxmlformats.org/officeDocument/2006/relationships" xmlns:p="http://schemas.openxmlformats.org/presentationml/2006/main">
-  <p:cSld>
-    <p:spTree>
-      <p:nvGrpSpPr>
-        <p:cNvPr id="1" name=""/>
-        <p:cNvGrpSpPr/>
-        <p:nvPr/>
-      </p:nvGrpSpPr>
-      <p:grpSpPr>
-        <a:xfrm>
-          <a:off x="0" y="0"/>
-          <a:ext cx="0" cy="0"/>
-          <a:chOff x="0" y="0"/>
-          <a:chExt cx="0" cy="0"/>
-        </a:xfrm>
-      </p:grpSpPr>
-      <p:sp>
-        <p:nvSpPr>
-          <p:cNvPr id="52" name="CustomShape 1"/>
-          <p:cNvSpPr/>
-          <p:nvPr/>
-        </p:nvSpPr>
-        <p:spPr>
-          <a:xfrm>
-            <a:off x="2468880" y="731520"/>
-            <a:ext cx="7772040" cy="1338480"/>
-          </a:xfrm>
-          <a:prstGeom prst="rect">
-            <a:avLst/>
-          </a:prstGeom>
-          <a:noFill/>
-          <a:ln>
-            <a:noFill/>
-          </a:ln>
-        </p:spPr>
-        <p:style>
-          <a:lnRef idx="0">
-            <a:scrgbClr r="0" g="0" b="0"/>
-          </a:lnRef>
-          <a:fillRef idx="0">
-            <a:scrgbClr r="0" g="0" b="0"/>
-          </a:fillRef>
-          <a:effectRef idx="0">
-            <a:scrgbClr r="0" g="0" b="0"/>
-          </a:effectRef>
-          <a:fontRef idx="minor"/>
-        </p:style>
-        <p:txBody>
-          <a:bodyPr lIns="90000" tIns="45000" rIns="90000" bIns="45000"/>
-          <a:lstStyle/>
-          <a:p>
-            <a:pPr>
-              <a:lnSpc>
-                <a:spcPct val="100000"/>
-              </a:lnSpc>
-            </a:pPr>
-            <a:r>
-              <a:rPr lang="en-US" sz="1800" b="0" strike="noStrike" spc="-1">
-                <a:latin typeface="Arial"/>
-              </a:rPr>
-              <a:t>Publish 를 누르면, 그 기기 디비에 정보 저장, 화면에 출력</a:t>
-            </a:r>
-          </a:p>
-          <a:p>
-            <a:pPr>
-              <a:lnSpc>
-                <a:spcPct val="100000"/>
-              </a:lnSpc>
-            </a:pPr>
-            <a:endParaRPr lang="en-US" sz="1800" b="0" strike="noStrike" spc="-1">
-              <a:latin typeface="Arial"/>
-            </a:endParaRPr>
-          </a:p>
-          <a:p>
-            <a:pPr>
-              <a:lnSpc>
-                <a:spcPct val="100000"/>
-              </a:lnSpc>
-            </a:pPr>
-            <a:r>
-              <a:rPr lang="en-US" sz="1800" b="0" strike="noStrike" spc="-1">
-                <a:latin typeface="Arial"/>
-              </a:rPr>
-              <a:t>사용자는 list 에서 원하는 거 누르고 (토픽은 주소, 메세지는 명령어 심볼) 퍼블리쉬 하면 .. ? </a:t>
-            </a:r>
-          </a:p>
-        </p:txBody>
-      </p:sp>
-    </p:spTree>
-  </p:cSld>
-  <p:clrMapOvr>
-    <a:masterClrMapping/>
-  </p:clrMapOvr>
-  <p:timing>
-    <p:tnLst>
-      <p:par>
-        <p:cTn id="1" dur="indefinite" restart="never" nodeType="tmRoot">
-          <p:childTnLst>
-            <p:seq>
-              <p:cTn id="2" dur="indefinite" nodeType="mainSeq"/>
-              <p:prevCondLst>
-                <p:cond evt="onPrev" delay="0">
-                  <p:tgtEl>
-                    <p:sldTgt/>
-                  </p:tgtEl>
-                </p:cond>
-              </p:prevCondLst>
-              <p:nextCondLst>
-                <p:cond evt="onNext" delay="0">
-                  <p:tgtEl>
-                    <p:sldTgt/>
-                  </p:tgtEl>
-                </p:cond>
-              </p:nextCondLst>
-            </p:seq>
-          </p:childTnLst>
-        </p:cTn>
-      </p:par>
-    </p:tnLst>
-  </p:timing>
-</p:sld>
-</file>
-
-<file path=ppt/slides/slide6.xml><?xml version="1.0" encoding="utf-8"?>
-<p:sld xmlns:a="http://schemas.openxmlformats.org/drawingml/2006/main" xmlns:r="http://schemas.openxmlformats.org/officeDocument/2006/relationships" xmlns:p="http://schemas.openxmlformats.org/presentationml/2006/main">
-  <p:cSld>
-    <p:spTree>
-      <p:nvGrpSpPr>
-        <p:cNvPr id="1" name=""/>
-        <p:cNvGrpSpPr/>
-        <p:nvPr/>
-      </p:nvGrpSpPr>
-      <p:grpSpPr>
-        <a:xfrm>
-          <a:off x="0" y="0"/>
-          <a:ext cx="0" cy="0"/>
-          <a:chOff x="0" y="0"/>
-          <a:chExt cx="0" cy="0"/>
-        </a:xfrm>
-      </p:grpSpPr>
-      <p:sp>
-        <p:nvSpPr>
-          <p:cNvPr id="53" name="CustomShape 1"/>
-          <p:cNvSpPr/>
-          <p:nvPr/>
-        </p:nvSpPr>
-        <p:spPr>
-          <a:xfrm>
-            <a:off x="677160" y="654840"/>
-            <a:ext cx="3284280" cy="1735920"/>
-          </a:xfrm>
-          <a:prstGeom prst="rect">
-            <a:avLst/>
-          </a:prstGeom>
-          <a:noFill/>
-          <a:ln>
-            <a:noFill/>
-          </a:ln>
-        </p:spPr>
-        <p:style>
-          <a:lnRef idx="0">
-            <a:scrgbClr r="0" g="0" b="0"/>
-          </a:lnRef>
-          <a:fillRef idx="0">
-            <a:scrgbClr r="0" g="0" b="0"/>
-          </a:fillRef>
-          <a:effectRef idx="0">
-            <a:scrgbClr r="0" g="0" b="0"/>
-          </a:effectRef>
-          <a:fontRef idx="minor"/>
-        </p:style>
-        <p:txBody>
-          <a:bodyPr lIns="90000" tIns="45000" rIns="90000" bIns="45000"/>
-          <a:lstStyle/>
-          <a:p>
-            <a:pPr>
-              <a:lnSpc>
-                <a:spcPct val="100000"/>
-              </a:lnSpc>
-            </a:pPr>
-            <a:r>
-              <a:rPr lang="en-US" sz="1800" b="0" strike="noStrike" spc="-1">
-                <a:solidFill>
-                  <a:srgbClr val="000000"/>
-                </a:solidFill>
-                <a:latin typeface="맑은 고딕"/>
-                <a:ea typeface="DejaVu Sans"/>
-              </a:rPr>
-              <a:t> </a:t>
-            </a:r>
-            <a:endParaRPr lang="en-US" sz="1800" b="0" strike="noStrike" spc="-1">
-              <a:latin typeface="Arial"/>
-            </a:endParaRPr>
-          </a:p>
-        </p:txBody>
-      </p:sp>
-      <p:sp>
-        <p:nvSpPr>
-          <p:cNvPr id="54" name="CustomShape 2"/>
-          <p:cNvSpPr/>
-          <p:nvPr/>
-        </p:nvSpPr>
-        <p:spPr>
-          <a:xfrm>
-            <a:off x="1005840" y="3108960"/>
-            <a:ext cx="1088640" cy="1049040"/>
-          </a:xfrm>
-          <a:prstGeom prst="rect">
-            <a:avLst/>
-          </a:prstGeom>
-          <a:ln>
-            <a:round/>
-          </a:ln>
-        </p:spPr>
-        <p:style>
-          <a:lnRef idx="2">
-            <a:schemeClr val="dk1"/>
-          </a:lnRef>
-          <a:fillRef idx="1">
-            <a:schemeClr val="lt1"/>
-          </a:fillRef>
-          <a:effectRef idx="0">
-            <a:schemeClr val="dk1"/>
-          </a:effectRef>
-          <a:fontRef idx="minor"/>
-        </p:style>
-        <p:txBody>
-          <a:bodyPr lIns="90000" tIns="45000" rIns="90000" bIns="45000" anchor="ctr"/>
-          <a:lstStyle/>
-          <a:p>
-            <a:pPr algn="ctr">
-              <a:lnSpc>
-                <a:spcPct val="100000"/>
-              </a:lnSpc>
-            </a:pPr>
-            <a:r>
-              <a:rPr lang="en-US" sz="1800" b="0" strike="noStrike" spc="-1">
-                <a:solidFill>
-                  <a:srgbClr val="000000"/>
-                </a:solidFill>
-                <a:latin typeface="맑은 고딕"/>
-                <a:ea typeface="DejaVu Sans"/>
-              </a:rPr>
-              <a:t>client</a:t>
-            </a:r>
-            <a:endParaRPr lang="en-US" sz="1800" b="0" strike="noStrike" spc="-1">
-              <a:latin typeface="Arial"/>
-            </a:endParaRPr>
-          </a:p>
-        </p:txBody>
-      </p:sp>
-      <p:sp>
-        <p:nvSpPr>
-          <p:cNvPr id="55" name="CustomShape 3"/>
-          <p:cNvSpPr/>
-          <p:nvPr/>
-        </p:nvSpPr>
-        <p:spPr>
-          <a:xfrm>
-            <a:off x="5233680" y="1804680"/>
-            <a:ext cx="1088640" cy="3657600"/>
-          </a:xfrm>
-          <a:prstGeom prst="rect">
-            <a:avLst/>
-          </a:prstGeom>
-          <a:ln>
-            <a:round/>
-          </a:ln>
-        </p:spPr>
-        <p:style>
-          <a:lnRef idx="2">
-            <a:schemeClr val="dk1"/>
-          </a:lnRef>
-          <a:fillRef idx="1">
-            <a:schemeClr val="lt1"/>
-          </a:fillRef>
-          <a:effectRef idx="0">
-            <a:schemeClr val="dk1"/>
-          </a:effectRef>
-          <a:fontRef idx="minor"/>
-        </p:style>
-        <p:txBody>
-          <a:bodyPr lIns="90000" tIns="45000" rIns="90000" bIns="45000" anchor="ctr"/>
-          <a:lstStyle/>
-          <a:p>
-            <a:pPr algn="ctr">
-              <a:lnSpc>
-                <a:spcPct val="100000"/>
-              </a:lnSpc>
-            </a:pPr>
-            <a:r>
-              <a:rPr lang="en-US" sz="1800" b="0" strike="noStrike" spc="-1" dirty="0" smtClean="0">
-                <a:solidFill>
-                  <a:srgbClr val="000000"/>
-                </a:solidFill>
-                <a:latin typeface="맑은 고딕"/>
-                <a:ea typeface="DejaVu Sans"/>
-              </a:rPr>
-              <a:t>Server</a:t>
-            </a:r>
-          </a:p>
-          <a:p>
-            <a:pPr algn="ctr">
-              <a:lnSpc>
-                <a:spcPct val="100000"/>
-              </a:lnSpc>
-            </a:pPr>
-            <a:r>
-              <a:rPr lang="en-US" spc="-1" dirty="0" smtClean="0">
-                <a:solidFill>
-                  <a:srgbClr val="000000"/>
-                </a:solidFill>
-                <a:latin typeface="맑은 고딕"/>
-              </a:rPr>
-              <a:t>(master)</a:t>
-            </a:r>
-            <a:endParaRPr lang="en-US" sz="1800" b="0" strike="noStrike" spc="-1" dirty="0">
-              <a:latin typeface="Arial"/>
-            </a:endParaRPr>
-          </a:p>
-        </p:txBody>
-      </p:sp>
-      <p:sp>
-        <p:nvSpPr>
-          <p:cNvPr id="56" name="CustomShape 4"/>
-          <p:cNvSpPr/>
-          <p:nvPr/>
-        </p:nvSpPr>
-        <p:spPr>
-          <a:xfrm>
-            <a:off x="2208240" y="3441960"/>
-            <a:ext cx="2911680" cy="364320"/>
-          </a:xfrm>
-          <a:prstGeom prst="rect">
-            <a:avLst/>
-          </a:prstGeom>
-          <a:solidFill>
-            <a:schemeClr val="accent3">
-              <a:lumMod val="40000"/>
-              <a:lumOff val="60000"/>
-            </a:schemeClr>
-          </a:solidFill>
-          <a:ln>
-            <a:noFill/>
-          </a:ln>
-        </p:spPr>
-        <p:style>
-          <a:lnRef idx="0">
-            <a:scrgbClr r="0" g="0" b="0"/>
-          </a:lnRef>
-          <a:fillRef idx="0">
-            <a:scrgbClr r="0" g="0" b="0"/>
-          </a:fillRef>
-          <a:effectRef idx="0">
-            <a:scrgbClr r="0" g="0" b="0"/>
-          </a:effectRef>
-          <a:fontRef idx="minor"/>
-        </p:style>
-        <p:txBody>
-          <a:bodyPr lIns="90000" tIns="45000" rIns="90000" bIns="45000"/>
-          <a:lstStyle/>
-          <a:p>
-            <a:pPr algn="ctr">
-              <a:lnSpc>
-                <a:spcPct val="100000"/>
-              </a:lnSpc>
-            </a:pPr>
-            <a:r>
-              <a:rPr lang="en-US" sz="1800" b="0" strike="noStrike" spc="-1">
-                <a:solidFill>
-                  <a:srgbClr val="000000"/>
-                </a:solidFill>
-                <a:latin typeface="맑은 고딕"/>
-                <a:ea typeface="DejaVu Sans"/>
-              </a:rPr>
-              <a:t>Socket channel</a:t>
-            </a:r>
-            <a:endParaRPr lang="en-US" sz="1800" b="0" strike="noStrike" spc="-1">
-              <a:latin typeface="Arial"/>
-            </a:endParaRPr>
-          </a:p>
-        </p:txBody>
-      </p:sp>
-      <p:sp>
-        <p:nvSpPr>
-          <p:cNvPr id="57" name="CustomShape 5"/>
-          <p:cNvSpPr/>
-          <p:nvPr/>
-        </p:nvSpPr>
-        <p:spPr>
-          <a:xfrm>
-            <a:off x="9692640" y="3065760"/>
-            <a:ext cx="1088640" cy="1049040"/>
-          </a:xfrm>
-          <a:prstGeom prst="rect">
-            <a:avLst/>
-          </a:prstGeom>
-          <a:ln>
-            <a:round/>
-          </a:ln>
-        </p:spPr>
-        <p:style>
-          <a:lnRef idx="2">
-            <a:schemeClr val="dk1"/>
-          </a:lnRef>
-          <a:fillRef idx="1">
-            <a:schemeClr val="lt1"/>
-          </a:fillRef>
-          <a:effectRef idx="0">
-            <a:schemeClr val="dk1"/>
-          </a:effectRef>
-          <a:fontRef idx="minor"/>
-        </p:style>
-        <p:txBody>
-          <a:bodyPr lIns="90000" tIns="45000" rIns="90000" bIns="45000" anchor="ctr"/>
-          <a:lstStyle/>
-          <a:p>
-            <a:pPr algn="ctr">
-              <a:lnSpc>
-                <a:spcPct val="100000"/>
-              </a:lnSpc>
-            </a:pPr>
-            <a:r>
-              <a:rPr lang="en-US" sz="1800" b="0" strike="noStrike" spc="-1">
-                <a:solidFill>
-                  <a:srgbClr val="000000"/>
-                </a:solidFill>
-                <a:latin typeface="맑은 고딕"/>
-                <a:ea typeface="DejaVu Sans"/>
-              </a:rPr>
-              <a:t>Docker 2</a:t>
-            </a:r>
-            <a:endParaRPr lang="en-US" sz="1800" b="0" strike="noStrike" spc="-1">
-              <a:latin typeface="Arial"/>
-            </a:endParaRPr>
-          </a:p>
-        </p:txBody>
-      </p:sp>
-      <p:sp>
-        <p:nvSpPr>
-          <p:cNvPr id="58" name="CustomShape 6"/>
-          <p:cNvSpPr/>
-          <p:nvPr/>
-        </p:nvSpPr>
-        <p:spPr>
-          <a:xfrm>
-            <a:off x="9692640" y="1419840"/>
-            <a:ext cx="1088640" cy="1049040"/>
-          </a:xfrm>
-          <a:prstGeom prst="rect">
-            <a:avLst/>
-          </a:prstGeom>
-          <a:ln>
-            <a:round/>
-          </a:ln>
-        </p:spPr>
-        <p:style>
-          <a:lnRef idx="2">
-            <a:schemeClr val="dk1"/>
-          </a:lnRef>
-          <a:fillRef idx="1">
-            <a:schemeClr val="lt1"/>
-          </a:fillRef>
-          <a:effectRef idx="0">
-            <a:schemeClr val="dk1"/>
-          </a:effectRef>
-          <a:fontRef idx="minor"/>
-        </p:style>
-        <p:txBody>
-          <a:bodyPr lIns="90000" tIns="45000" rIns="90000" bIns="45000" anchor="ctr"/>
-          <a:lstStyle/>
-          <a:p>
-            <a:pPr algn="ctr">
-              <a:lnSpc>
-                <a:spcPct val="100000"/>
-              </a:lnSpc>
-            </a:pPr>
-            <a:r>
-              <a:rPr lang="en-US" sz="1800" b="0" strike="noStrike" spc="-1">
-                <a:solidFill>
-                  <a:srgbClr val="000000"/>
-                </a:solidFill>
-                <a:latin typeface="맑은 고딕"/>
-                <a:ea typeface="DejaVu Sans"/>
-              </a:rPr>
-              <a:t>Docker 1</a:t>
-            </a:r>
-            <a:endParaRPr lang="en-US" sz="1800" b="0" strike="noStrike" spc="-1">
-              <a:latin typeface="Arial"/>
-            </a:endParaRPr>
-          </a:p>
-        </p:txBody>
-      </p:sp>
-      <p:sp>
-        <p:nvSpPr>
-          <p:cNvPr id="59" name="CustomShape 7"/>
-          <p:cNvSpPr/>
-          <p:nvPr/>
-        </p:nvSpPr>
-        <p:spPr>
-          <a:xfrm>
-            <a:off x="9701280" y="4620240"/>
-            <a:ext cx="1088640" cy="1049040"/>
-          </a:xfrm>
-          <a:prstGeom prst="rect">
-            <a:avLst/>
-          </a:prstGeom>
-          <a:ln>
-            <a:round/>
-          </a:ln>
-        </p:spPr>
-        <p:style>
-          <a:lnRef idx="2">
-            <a:schemeClr val="dk1"/>
-          </a:lnRef>
-          <a:fillRef idx="1">
-            <a:schemeClr val="lt1"/>
-          </a:fillRef>
-          <a:effectRef idx="0">
-            <a:schemeClr val="dk1"/>
-          </a:effectRef>
-          <a:fontRef idx="minor"/>
-        </p:style>
-        <p:txBody>
-          <a:bodyPr lIns="90000" tIns="45000" rIns="90000" bIns="45000" anchor="ctr"/>
-          <a:lstStyle/>
-          <a:p>
-            <a:pPr algn="ctr">
-              <a:lnSpc>
-                <a:spcPct val="100000"/>
-              </a:lnSpc>
-            </a:pPr>
-            <a:r>
-              <a:rPr lang="en-US" sz="1800" b="0" strike="noStrike" spc="-1">
-                <a:solidFill>
-                  <a:srgbClr val="000000"/>
-                </a:solidFill>
-                <a:latin typeface="맑은 고딕"/>
-                <a:ea typeface="DejaVu Sans"/>
-              </a:rPr>
-              <a:t>Docker 3</a:t>
-            </a:r>
-            <a:endParaRPr lang="en-US" sz="1800" b="0" strike="noStrike" spc="-1">
-              <a:latin typeface="Arial"/>
-            </a:endParaRPr>
-          </a:p>
-        </p:txBody>
-      </p:sp>
-      <p:sp>
-        <p:nvSpPr>
-          <p:cNvPr id="60" name="CustomShape 8"/>
-          <p:cNvSpPr/>
-          <p:nvPr/>
-        </p:nvSpPr>
-        <p:spPr>
-          <a:xfrm>
-            <a:off x="6598080" y="3474720"/>
-            <a:ext cx="2911680" cy="364320"/>
-          </a:xfrm>
-          <a:prstGeom prst="rect">
-            <a:avLst/>
-          </a:prstGeom>
-          <a:solidFill>
-            <a:schemeClr val="accent3">
-              <a:lumMod val="40000"/>
-              <a:lumOff val="60000"/>
-            </a:schemeClr>
-          </a:solidFill>
-          <a:ln>
-            <a:noFill/>
-          </a:ln>
-        </p:spPr>
-        <p:style>
-          <a:lnRef idx="0">
-            <a:scrgbClr r="0" g="0" b="0"/>
-          </a:lnRef>
-          <a:fillRef idx="0">
-            <a:scrgbClr r="0" g="0" b="0"/>
-          </a:fillRef>
-          <a:effectRef idx="0">
-            <a:scrgbClr r="0" g="0" b="0"/>
-          </a:effectRef>
-          <a:fontRef idx="minor"/>
-        </p:style>
-        <p:txBody>
-          <a:bodyPr lIns="90000" tIns="45000" rIns="90000" bIns="45000"/>
-          <a:lstStyle/>
-          <a:p>
-            <a:pPr algn="ctr">
-              <a:lnSpc>
-                <a:spcPct val="100000"/>
-              </a:lnSpc>
-            </a:pPr>
-            <a:r>
-              <a:rPr lang="en-US" sz="1800" b="0" strike="noStrike" spc="-1">
-                <a:solidFill>
-                  <a:srgbClr val="000000"/>
-                </a:solidFill>
-                <a:latin typeface="맑은 고딕"/>
-                <a:ea typeface="DejaVu Sans"/>
-              </a:rPr>
-              <a:t>MQTT (Topic2)</a:t>
-            </a:r>
-            <a:endParaRPr lang="en-US" sz="1800" b="0" strike="noStrike" spc="-1">
-              <a:latin typeface="Arial"/>
-            </a:endParaRPr>
-          </a:p>
-        </p:txBody>
-      </p:sp>
-      <p:sp>
-        <p:nvSpPr>
-          <p:cNvPr id="61" name="CustomShape 9"/>
-          <p:cNvSpPr/>
-          <p:nvPr/>
-        </p:nvSpPr>
-        <p:spPr>
-          <a:xfrm>
-            <a:off x="6598080" y="5029200"/>
-            <a:ext cx="2911680" cy="364320"/>
-          </a:xfrm>
-          <a:prstGeom prst="rect">
-            <a:avLst/>
-          </a:prstGeom>
-          <a:solidFill>
-            <a:schemeClr val="accent3">
-              <a:lumMod val="40000"/>
-              <a:lumOff val="60000"/>
-            </a:schemeClr>
-          </a:solidFill>
-          <a:ln>
-            <a:noFill/>
-          </a:ln>
-        </p:spPr>
-        <p:style>
-          <a:lnRef idx="0">
-            <a:scrgbClr r="0" g="0" b="0"/>
-          </a:lnRef>
-          <a:fillRef idx="0">
-            <a:scrgbClr r="0" g="0" b="0"/>
-          </a:fillRef>
-          <a:effectRef idx="0">
-            <a:scrgbClr r="0" g="0" b="0"/>
-          </a:effectRef>
-          <a:fontRef idx="minor"/>
-        </p:style>
-        <p:txBody>
-          <a:bodyPr lIns="90000" tIns="45000" rIns="90000" bIns="45000"/>
-          <a:lstStyle/>
-          <a:p>
-            <a:pPr algn="ctr">
-              <a:lnSpc>
-                <a:spcPct val="100000"/>
-              </a:lnSpc>
-            </a:pPr>
-            <a:r>
-              <a:rPr lang="en-US" sz="1800" b="0" strike="noStrike" spc="-1">
-                <a:solidFill>
-                  <a:srgbClr val="000000"/>
-                </a:solidFill>
-                <a:latin typeface="맑은 고딕"/>
-                <a:ea typeface="DejaVu Sans"/>
-              </a:rPr>
-              <a:t>MQTT (Topic3)</a:t>
-            </a:r>
-            <a:endParaRPr lang="en-US" sz="1800" b="0" strike="noStrike" spc="-1">
-              <a:latin typeface="Arial"/>
-            </a:endParaRPr>
-          </a:p>
-        </p:txBody>
-      </p:sp>
-      <p:sp>
-        <p:nvSpPr>
-          <p:cNvPr id="62" name="CustomShape 10"/>
-          <p:cNvSpPr/>
-          <p:nvPr/>
-        </p:nvSpPr>
-        <p:spPr>
-          <a:xfrm>
-            <a:off x="6598080" y="1828800"/>
-            <a:ext cx="2911680" cy="364320"/>
-          </a:xfrm>
-          <a:prstGeom prst="rect">
-            <a:avLst/>
-          </a:prstGeom>
-          <a:solidFill>
-            <a:schemeClr val="accent3">
-              <a:lumMod val="40000"/>
-              <a:lumOff val="60000"/>
-            </a:schemeClr>
-          </a:solidFill>
-          <a:ln>
-            <a:noFill/>
-          </a:ln>
-        </p:spPr>
-        <p:style>
-          <a:lnRef idx="0">
-            <a:scrgbClr r="0" g="0" b="0"/>
-          </a:lnRef>
-          <a:fillRef idx="0">
-            <a:scrgbClr r="0" g="0" b="0"/>
-          </a:fillRef>
-          <a:effectRef idx="0">
-            <a:scrgbClr r="0" g="0" b="0"/>
-          </a:effectRef>
-          <a:fontRef idx="minor"/>
-        </p:style>
-        <p:txBody>
-          <a:bodyPr lIns="90000" tIns="45000" rIns="90000" bIns="45000"/>
-          <a:lstStyle/>
-          <a:p>
-            <a:pPr algn="ctr">
-              <a:lnSpc>
-                <a:spcPct val="100000"/>
-              </a:lnSpc>
-            </a:pPr>
-            <a:r>
-              <a:rPr lang="en-US" sz="1800" b="0" strike="noStrike" spc="-1">
-                <a:solidFill>
-                  <a:srgbClr val="000000"/>
-                </a:solidFill>
-                <a:latin typeface="맑은 고딕"/>
-                <a:ea typeface="DejaVu Sans"/>
-              </a:rPr>
-              <a:t>MQTT (Topic1)</a:t>
-            </a:r>
-            <a:endParaRPr lang="en-US" sz="1800" b="0" strike="noStrike" spc="-1">
-              <a:latin typeface="Arial"/>
-            </a:endParaRPr>
-          </a:p>
-        </p:txBody>
-      </p:sp>
-      <p:sp>
-        <p:nvSpPr>
-          <p:cNvPr id="12" name="CustomShape 2"/>
-          <p:cNvSpPr/>
-          <p:nvPr/>
-        </p:nvSpPr>
-        <p:spPr>
-          <a:xfrm>
-            <a:off x="5233680" y="130320"/>
-            <a:ext cx="1088640" cy="1049040"/>
-          </a:xfrm>
-          <a:prstGeom prst="rect">
-            <a:avLst/>
-          </a:prstGeom>
-          <a:ln>
-            <a:round/>
-          </a:ln>
-        </p:spPr>
-        <p:style>
-          <a:lnRef idx="2">
-            <a:schemeClr val="dk1"/>
-          </a:lnRef>
-          <a:fillRef idx="1">
-            <a:schemeClr val="lt1"/>
-          </a:fillRef>
-          <a:effectRef idx="0">
-            <a:schemeClr val="dk1"/>
-          </a:effectRef>
-          <a:fontRef idx="minor"/>
-        </p:style>
-        <p:txBody>
-          <a:bodyPr lIns="90000" tIns="45000" rIns="90000" bIns="45000" anchor="ctr"/>
-          <a:lstStyle/>
-          <a:p>
-            <a:pPr algn="ctr">
-              <a:lnSpc>
-                <a:spcPct val="100000"/>
-              </a:lnSpc>
-            </a:pPr>
-            <a:r>
-              <a:rPr lang="en-US" sz="1800" b="0" strike="noStrike" spc="-1" dirty="0" smtClean="0">
-                <a:latin typeface="Arial"/>
-              </a:rPr>
-              <a:t>DB</a:t>
-            </a:r>
-            <a:endParaRPr lang="en-US" sz="1800" b="0" strike="noStrike" spc="-1" dirty="0">
-              <a:latin typeface="Arial"/>
-            </a:endParaRPr>
-          </a:p>
-        </p:txBody>
-      </p:sp>
-    </p:spTree>
-  </p:cSld>
-  <p:clrMapOvr>
-    <a:masterClrMapping/>
-  </p:clrMapOvr>
-  <p:timing>
-    <p:tnLst>
-      <p:par>
-        <p:cTn id="1" dur="indefinite" restart="never" nodeType="tmRoot">
-          <p:childTnLst>
-            <p:seq>
-              <p:cTn id="2" dur="indefinite" nodeType="mainSeq"/>
-              <p:prevCondLst>
-                <p:cond evt="onPrev" delay="0">
-                  <p:tgtEl>
-                    <p:sldTgt/>
-                  </p:tgtEl>
-                </p:cond>
-              </p:prevCondLst>
-              <p:nextCondLst>
-                <p:cond evt="onNext" delay="0">
-                  <p:tgtEl>
-                    <p:sldTgt/>
-                  </p:tgtEl>
-                </p:cond>
-              </p:nextCondLst>
-            </p:seq>
-          </p:childTnLst>
-        </p:cTn>
-      </p:par>
-    </p:tnLst>
-  </p:timing>
-</p:sld>
-</file>
-
-<file path=ppt/slides/slide7.xml><?xml version="1.0" encoding="utf-8"?>
-<p:sld xmlns:a="http://schemas.openxmlformats.org/drawingml/2006/main" xmlns:r="http://schemas.openxmlformats.org/officeDocument/2006/relationships" xmlns:p="http://schemas.openxmlformats.org/presentationml/2006/main">
-  <p:cSld>
-    <p:spTree>
-      <p:nvGrpSpPr>
-        <p:cNvPr id="1" name=""/>
-        <p:cNvGrpSpPr/>
-        <p:nvPr/>
-      </p:nvGrpSpPr>
-      <p:grpSpPr>
-        <a:xfrm>
-          <a:off x="0" y="0"/>
-          <a:ext cx="0" cy="0"/>
-          <a:chOff x="0" y="0"/>
-          <a:chExt cx="0" cy="0"/>
-        </a:xfrm>
-      </p:grpSpPr>
-      <p:sp>
-        <p:nvSpPr>
-          <p:cNvPr id="2" name="TextBox 1"/>
-          <p:cNvSpPr txBox="1"/>
-          <p:nvPr/>
-        </p:nvSpPr>
-        <p:spPr>
-          <a:xfrm>
-            <a:off x="363415" y="515815"/>
-            <a:ext cx="4161693" cy="3139321"/>
-          </a:xfrm>
-          <a:prstGeom prst="rect">
-            <a:avLst/>
-          </a:prstGeom>
-          <a:noFill/>
-        </p:spPr>
-        <p:txBody>
-          <a:bodyPr wrap="square" rtlCol="0">
-            <a:spAutoFit/>
-          </a:bodyPr>
-          <a:lstStyle/>
-          <a:p>
-            <a:r>
-              <a:rPr lang="ko-KR" altLang="en-US" dirty="0" smtClean="0"/>
-              <a:t>기기 등록 과정</a:t>
-            </a:r>
-            <a:endParaRPr lang="en-US" altLang="ko-KR" dirty="0" smtClean="0"/>
-          </a:p>
-          <a:p>
-            <a:endParaRPr lang="en-US" altLang="ko-KR" dirty="0"/>
-          </a:p>
-          <a:p>
-            <a:pPr marL="342900" indent="-342900">
-              <a:buAutoNum type="arabicPeriod"/>
-            </a:pPr>
-            <a:r>
-              <a:rPr lang="en-US" altLang="ko-KR" dirty="0" smtClean="0"/>
-              <a:t>Worker </a:t>
-            </a:r>
-            <a:r>
-              <a:rPr lang="ko-KR" altLang="en-US" dirty="0" smtClean="0"/>
-              <a:t>에서 </a:t>
-            </a:r>
-            <a:r>
-              <a:rPr lang="en-US" altLang="ko-KR" dirty="0" smtClean="0"/>
-              <a:t>matt </a:t>
-            </a:r>
-            <a:r>
-              <a:rPr lang="ko-KR" altLang="en-US" dirty="0" smtClean="0"/>
-              <a:t>구독 실행과 동시에 등록</a:t>
-            </a:r>
-            <a:r>
-              <a:rPr lang="en-US" altLang="ko-KR" dirty="0" smtClean="0"/>
-              <a:t>? -&gt; </a:t>
-            </a:r>
-            <a:r>
-              <a:rPr lang="ko-KR" altLang="en-US" dirty="0" smtClean="0"/>
-              <a:t>그거 괜찮겠다</a:t>
-            </a:r>
-            <a:r>
-              <a:rPr lang="en-US" altLang="ko-KR" dirty="0" smtClean="0"/>
-              <a:t>!</a:t>
-            </a:r>
-          </a:p>
-          <a:p>
-            <a:pPr marL="342900" indent="-342900">
-              <a:buAutoNum type="arabicPeriod"/>
-            </a:pPr>
-            <a:endParaRPr lang="en-US" altLang="ko-KR" dirty="0"/>
-          </a:p>
-          <a:p>
-            <a:pPr marL="342900" indent="-342900">
-              <a:buAutoNum type="arabicPeriod"/>
-            </a:pPr>
-            <a:r>
-              <a:rPr lang="ko-KR" altLang="en-US" dirty="0" smtClean="0"/>
-              <a:t>대신 로그인 </a:t>
-            </a:r>
-            <a:r>
-              <a:rPr lang="en-US" altLang="ko-KR" dirty="0" smtClean="0"/>
-              <a:t>id , </a:t>
-            </a:r>
-            <a:r>
-              <a:rPr lang="en-US" altLang="ko-KR" dirty="0" err="1" smtClean="0"/>
-              <a:t>pwd</a:t>
-            </a:r>
-            <a:r>
-              <a:rPr lang="en-US" altLang="ko-KR" dirty="0" smtClean="0"/>
-              <a:t> </a:t>
-            </a:r>
-            <a:r>
-              <a:rPr lang="ko-KR" altLang="en-US" dirty="0" smtClean="0"/>
-              <a:t>같은 느낌으로</a:t>
-            </a:r>
-            <a:r>
-              <a:rPr lang="en-US" altLang="ko-KR" dirty="0"/>
-              <a:t> </a:t>
-            </a:r>
-            <a:r>
-              <a:rPr lang="ko-KR" altLang="en-US" dirty="0" smtClean="0"/>
-              <a:t>등록하는 기기 마다의 </a:t>
-            </a:r>
-            <a:r>
-              <a:rPr lang="en-US" altLang="ko-KR" dirty="0" smtClean="0"/>
-              <a:t>name </a:t>
-            </a:r>
-            <a:r>
-              <a:rPr lang="ko-KR" altLang="en-US" dirty="0" smtClean="0"/>
-              <a:t>이 정해져 있음</a:t>
-            </a:r>
-            <a:endParaRPr lang="en-US" altLang="ko-KR" dirty="0" smtClean="0"/>
-          </a:p>
-          <a:p>
-            <a:pPr marL="342900" indent="-342900">
-              <a:buAutoNum type="arabicPeriod"/>
-            </a:pPr>
-            <a:endParaRPr lang="en-US" altLang="ko-KR" dirty="0"/>
-          </a:p>
-          <a:p>
-            <a:pPr marL="342900" indent="-342900">
-              <a:buAutoNum type="arabicPeriod"/>
-            </a:pPr>
-            <a:endParaRPr lang="en-US" altLang="ko-KR" dirty="0" smtClean="0"/>
-          </a:p>
-          <a:p>
-            <a:pPr marL="342900" indent="-342900">
-              <a:buAutoNum type="arabicPeriod"/>
-            </a:pPr>
-            <a:r>
-              <a:rPr lang="ko-KR" altLang="en-US" dirty="0" smtClean="0"/>
-              <a:t>보안은 </a:t>
-            </a:r>
-            <a:r>
-              <a:rPr lang="en-US" altLang="ko-KR" dirty="0" smtClean="0"/>
-              <a:t>… </a:t>
-            </a:r>
-            <a:r>
-              <a:rPr lang="ko-KR" altLang="en-US" dirty="0" smtClean="0"/>
-              <a:t>좀 나중에 </a:t>
-            </a:r>
-            <a:r>
-              <a:rPr lang="en-US" altLang="ko-KR" smtClean="0"/>
-              <a:t>^^</a:t>
-            </a:r>
-            <a:endParaRPr lang="en-US" altLang="ko-KR" dirty="0" smtClean="0"/>
-          </a:p>
-        </p:txBody>
-      </p:sp>
-    </p:spTree>
-  </p:cSld>
-  <p:clrMapOvr>
-    <a:masterClrMapping/>
-  </p:clrMapOvr>
-  <p:timing>
-    <p:tnLst>
-      <p:par>
-        <p:cTn id="1" dur="indefinite" restart="never" nodeType="tmRoot">
-          <p:childTnLst>
-            <p:seq>
-              <p:cTn id="2" dur="indefinite" nodeType="mainSeq"/>
-              <p:prevCondLst>
-                <p:cond evt="onPrev" delay="0">
-                  <p:tgtEl>
-                    <p:sldTgt/>
-                  </p:tgtEl>
-                </p:cond>
-              </p:prevCondLst>
-              <p:nextCondLst>
-                <p:cond evt="onNext" delay="0">
-                  <p:tgtEl>
-                    <p:sldTgt/>
-                  </p:tgtEl>
-                </p:cond>
-              </p:nextCondLst>
-            </p:seq>
-          </p:childTnLst>
-        </p:cTn>
-      </p:par>
-    </p:tnLst>
-  </p:timing>
-</p:sld>
-</file>
-
-<file path=ppt/slides/slide8.xml><?xml version="1.0" encoding="utf-8"?>
 <p:sld xmlns:a="http://schemas.openxmlformats.org/drawingml/2006/main" xmlns:r="http://schemas.openxmlformats.org/officeDocument/2006/relationships" xmlns:p="http://schemas.openxmlformats.org/presentationml/2006/main">
   <p:cSld>
     <p:spTree>
@@ -7827,7 +4695,7 @@
 </p:sld>
 </file>
 
-<file path=ppt/slides/slide9.xml><?xml version="1.0" encoding="utf-8"?>
+<file path=ppt/slides/slide4.xml><?xml version="1.0" encoding="utf-8"?>
 <p:sld xmlns:a="http://schemas.openxmlformats.org/drawingml/2006/main" xmlns:r="http://schemas.openxmlformats.org/officeDocument/2006/relationships" xmlns:p="http://schemas.openxmlformats.org/presentationml/2006/main">
   <p:cSld>
     <p:spTree>
